--- a/0-Introduction/0-Introduction.pptx
+++ b/0-Introduction/0-Introduction.pptx
@@ -5,26 +5,19 @@
     <p:sldMasterId id="2147483648" r:id="rId1"/>
   </p:sldMasterIdLst>
   <p:notesMasterIdLst>
-    <p:notesMasterId r:id="rId16"/>
+    <p:notesMasterId r:id="rId9"/>
   </p:notesMasterIdLst>
   <p:handoutMasterIdLst>
-    <p:handoutMasterId r:id="rId17"/>
+    <p:handoutMasterId r:id="rId10"/>
   </p:handoutMasterIdLst>
   <p:sldIdLst>
     <p:sldId id="256" r:id="rId2"/>
     <p:sldId id="261" r:id="rId3"/>
-    <p:sldId id="269" r:id="rId4"/>
-    <p:sldId id="259" r:id="rId5"/>
-    <p:sldId id="264" r:id="rId6"/>
-    <p:sldId id="265" r:id="rId7"/>
+    <p:sldId id="259" r:id="rId4"/>
+    <p:sldId id="264" r:id="rId5"/>
+    <p:sldId id="265" r:id="rId6"/>
+    <p:sldId id="269" r:id="rId7"/>
     <p:sldId id="266" r:id="rId8"/>
-    <p:sldId id="263" r:id="rId9"/>
-    <p:sldId id="262" r:id="rId10"/>
-    <p:sldId id="257" r:id="rId11"/>
-    <p:sldId id="258" r:id="rId12"/>
-    <p:sldId id="260" r:id="rId13"/>
-    <p:sldId id="267" r:id="rId14"/>
-    <p:sldId id="268" r:id="rId15"/>
   </p:sldIdLst>
   <p:sldSz cx="12192000" cy="6858000"/>
   <p:notesSz cx="6858000" cy="9144000"/>
@@ -369,7 +362,7 @@
           <a:p>
             <a:fld id="{26E7365E-7303-4AD9-8FBF-4B173A7D9DED}" type="datetimeFigureOut">
               <a:rPr lang="en-US" smtClean="0"/>
-              <a:t>1/21/2026</a:t>
+              <a:t>1/22/2026</a:t>
             </a:fld>
             <a:endParaRPr lang="en-US"/>
           </a:p>
@@ -547,7 +540,7 @@
           <a:p>
             <a:fld id="{812898FD-25D5-4BC2-95FB-0E9BA7ACA22E}" type="datetimeFigureOut">
               <a:rPr lang="en-US" smtClean="0"/>
-              <a:t>1/21/2026</a:t>
+              <a:t>1/22/2026</a:t>
             </a:fld>
             <a:endParaRPr lang="en-US"/>
           </a:p>
@@ -4394,744 +4387,6 @@
 </p:sld>
 </file>
 
-<file path=ppt/slides/slide10.xml><?xml version="1.0" encoding="utf-8"?>
-<p:sld xmlns:a="http://schemas.openxmlformats.org/drawingml/2006/main" xmlns:r="http://schemas.openxmlformats.org/officeDocument/2006/relationships" xmlns:p="http://schemas.openxmlformats.org/presentationml/2006/main">
-  <p:cSld>
-    <p:spTree>
-      <p:nvGrpSpPr>
-        <p:cNvPr id="1" name=""/>
-        <p:cNvGrpSpPr/>
-        <p:nvPr/>
-      </p:nvGrpSpPr>
-      <p:grpSpPr>
-        <a:xfrm>
-          <a:off x="0" y="0"/>
-          <a:ext cx="0" cy="0"/>
-          <a:chOff x="0" y="0"/>
-          <a:chExt cx="0" cy="0"/>
-        </a:xfrm>
-      </p:grpSpPr>
-      <p:sp>
-        <p:nvSpPr>
-          <p:cNvPr id="2" name="Title 1">
-            <a:extLst>
-              <a:ext uri="{FF2B5EF4-FFF2-40B4-BE49-F238E27FC236}">
-                <a16:creationId xmlns:a16="http://schemas.microsoft.com/office/drawing/2014/main" id="{9E2605ED-D038-EF3A-A4F9-DBFE434ED9F0}"/>
-              </a:ext>
-            </a:extLst>
-          </p:cNvPr>
-          <p:cNvSpPr>
-            <a:spLocks noGrp="1"/>
-          </p:cNvSpPr>
-          <p:nvPr>
-            <p:ph type="title"/>
-          </p:nvPr>
-        </p:nvSpPr>
-        <p:spPr/>
-        <p:txBody>
-          <a:bodyPr>
-            <a:normAutofit fontScale="90000"/>
-          </a:bodyPr>
-          <a:lstStyle/>
-          <a:p>
-            <a:r>
-              <a:rPr lang="en-US" dirty="0"/>
-              <a:t>Math Background</a:t>
-            </a:r>
-          </a:p>
-        </p:txBody>
-      </p:sp>
-      <p:sp>
-        <p:nvSpPr>
-          <p:cNvPr id="3" name="Content Placeholder 2">
-            <a:extLst>
-              <a:ext uri="{FF2B5EF4-FFF2-40B4-BE49-F238E27FC236}">
-                <a16:creationId xmlns:a16="http://schemas.microsoft.com/office/drawing/2014/main" id="{75D931D5-EACD-FEF6-3CF2-2D2C006EBAB6}"/>
-              </a:ext>
-            </a:extLst>
-          </p:cNvPr>
-          <p:cNvSpPr>
-            <a:spLocks noGrp="1"/>
-          </p:cNvSpPr>
-          <p:nvPr>
-            <p:ph idx="1"/>
-          </p:nvPr>
-        </p:nvSpPr>
-        <p:spPr/>
-        <p:txBody>
-          <a:bodyPr/>
-          <a:lstStyle/>
-          <a:p>
-            <a:pPr marL="457200" indent="-457200">
-              <a:buAutoNum type="arabicPeriod"/>
-            </a:pPr>
-            <a:r>
-              <a:rPr lang="en-US" dirty="0"/>
-              <a:t>Differential Equations</a:t>
-            </a:r>
-          </a:p>
-          <a:p>
-            <a:pPr marL="457200" indent="-457200">
-              <a:buAutoNum type="arabicPeriod"/>
-            </a:pPr>
-            <a:r>
-              <a:rPr lang="en-US" dirty="0"/>
-              <a:t>Linear Algebra</a:t>
-            </a:r>
-          </a:p>
-          <a:p>
-            <a:pPr marL="457200" indent="-457200">
-              <a:buAutoNum type="arabicPeriod"/>
-            </a:pPr>
-            <a:r>
-              <a:rPr lang="en-US" dirty="0"/>
-              <a:t>Vector Calculus</a:t>
-            </a:r>
-          </a:p>
-          <a:p>
-            <a:pPr marL="457200" indent="-457200">
-              <a:buAutoNum type="arabicPeriod"/>
-            </a:pPr>
-            <a:r>
-              <a:rPr lang="en-US" dirty="0"/>
-              <a:t>Finite Elements</a:t>
-            </a:r>
-          </a:p>
-          <a:p>
-            <a:pPr marL="457200" indent="-457200">
-              <a:buAutoNum type="arabicPeriod"/>
-            </a:pPr>
-            <a:r>
-              <a:rPr lang="en-US" dirty="0"/>
-              <a:t>Optimization</a:t>
-            </a:r>
-          </a:p>
-        </p:txBody>
-      </p:sp>
-      <p:sp>
-        <p:nvSpPr>
-          <p:cNvPr id="4" name="Slide Number Placeholder 3">
-            <a:extLst>
-              <a:ext uri="{FF2B5EF4-FFF2-40B4-BE49-F238E27FC236}">
-                <a16:creationId xmlns:a16="http://schemas.microsoft.com/office/drawing/2014/main" id="{62ABA006-5308-7A59-BF22-F9894F4F471E}"/>
-              </a:ext>
-            </a:extLst>
-          </p:cNvPr>
-          <p:cNvSpPr>
-            <a:spLocks noGrp="1"/>
-          </p:cNvSpPr>
-          <p:nvPr>
-            <p:ph type="sldNum" sz="quarter" idx="12"/>
-          </p:nvPr>
-        </p:nvSpPr>
-        <p:spPr/>
-        <p:txBody>
-          <a:bodyPr/>
-          <a:lstStyle/>
-          <a:p>
-            <a:fld id="{D95F4311-C1C1-468E-90BA-469E1A493750}" type="slidenum">
-              <a:rPr lang="en-US" smtClean="0"/>
-              <a:t>10</a:t>
-            </a:fld>
-            <a:endParaRPr lang="en-US"/>
-          </a:p>
-        </p:txBody>
-      </p:sp>
-    </p:spTree>
-    <p:extLst>
-      <p:ext uri="{BB962C8B-B14F-4D97-AF65-F5344CB8AC3E}">
-        <p14:creationId xmlns:p14="http://schemas.microsoft.com/office/powerpoint/2010/main" val="2455786776"/>
-      </p:ext>
-    </p:extLst>
-  </p:cSld>
-  <p:clrMapOvr>
-    <a:masterClrMapping/>
-  </p:clrMapOvr>
-</p:sld>
-</file>
-
-<file path=ppt/slides/slide11.xml><?xml version="1.0" encoding="utf-8"?>
-<p:sld xmlns:a="http://schemas.openxmlformats.org/drawingml/2006/main" xmlns:r="http://schemas.openxmlformats.org/officeDocument/2006/relationships" xmlns:p="http://schemas.openxmlformats.org/presentationml/2006/main">
-  <p:cSld>
-    <p:spTree>
-      <p:nvGrpSpPr>
-        <p:cNvPr id="1" name=""/>
-        <p:cNvGrpSpPr/>
-        <p:nvPr/>
-      </p:nvGrpSpPr>
-      <p:grpSpPr>
-        <a:xfrm>
-          <a:off x="0" y="0"/>
-          <a:ext cx="0" cy="0"/>
-          <a:chOff x="0" y="0"/>
-          <a:chExt cx="0" cy="0"/>
-        </a:xfrm>
-      </p:grpSpPr>
-      <p:sp>
-        <p:nvSpPr>
-          <p:cNvPr id="2" name="Title 1">
-            <a:extLst>
-              <a:ext uri="{FF2B5EF4-FFF2-40B4-BE49-F238E27FC236}">
-                <a16:creationId xmlns:a16="http://schemas.microsoft.com/office/drawing/2014/main" id="{69AD08E5-4E4D-919C-4660-589E6CFC421C}"/>
-              </a:ext>
-            </a:extLst>
-          </p:cNvPr>
-          <p:cNvSpPr>
-            <a:spLocks noGrp="1"/>
-          </p:cNvSpPr>
-          <p:nvPr>
-            <p:ph type="title"/>
-          </p:nvPr>
-        </p:nvSpPr>
-        <p:spPr/>
-        <p:txBody>
-          <a:bodyPr>
-            <a:normAutofit fontScale="90000"/>
-          </a:bodyPr>
-          <a:lstStyle/>
-          <a:p>
-            <a:endParaRPr lang="en-US"/>
-          </a:p>
-        </p:txBody>
-      </p:sp>
-      <p:sp>
-        <p:nvSpPr>
-          <p:cNvPr id="3" name="Content Placeholder 2">
-            <a:extLst>
-              <a:ext uri="{FF2B5EF4-FFF2-40B4-BE49-F238E27FC236}">
-                <a16:creationId xmlns:a16="http://schemas.microsoft.com/office/drawing/2014/main" id="{4043DD91-E9EE-A7A2-0C40-0FA6F0178479}"/>
-              </a:ext>
-            </a:extLst>
-          </p:cNvPr>
-          <p:cNvSpPr>
-            <a:spLocks noGrp="1"/>
-          </p:cNvSpPr>
-          <p:nvPr>
-            <p:ph idx="1"/>
-          </p:nvPr>
-        </p:nvSpPr>
-        <p:spPr/>
-        <p:txBody>
-          <a:bodyPr/>
-          <a:lstStyle/>
-          <a:p>
-            <a:endParaRPr lang="en-US" dirty="0"/>
-          </a:p>
-        </p:txBody>
-      </p:sp>
-      <p:sp>
-        <p:nvSpPr>
-          <p:cNvPr id="4" name="Slide Number Placeholder 3">
-            <a:extLst>
-              <a:ext uri="{FF2B5EF4-FFF2-40B4-BE49-F238E27FC236}">
-                <a16:creationId xmlns:a16="http://schemas.microsoft.com/office/drawing/2014/main" id="{A3EDC383-5973-1C72-ED80-276479CD6D13}"/>
-              </a:ext>
-            </a:extLst>
-          </p:cNvPr>
-          <p:cNvSpPr>
-            <a:spLocks noGrp="1"/>
-          </p:cNvSpPr>
-          <p:nvPr>
-            <p:ph type="sldNum" sz="quarter" idx="12"/>
-          </p:nvPr>
-        </p:nvSpPr>
-        <p:spPr/>
-        <p:txBody>
-          <a:bodyPr/>
-          <a:lstStyle/>
-          <a:p>
-            <a:fld id="{D95F4311-C1C1-468E-90BA-469E1A493750}" type="slidenum">
-              <a:rPr lang="en-US" smtClean="0"/>
-              <a:t>11</a:t>
-            </a:fld>
-            <a:endParaRPr lang="en-US"/>
-          </a:p>
-        </p:txBody>
-      </p:sp>
-      <p:pic>
-        <p:nvPicPr>
-          <p:cNvPr id="6" name="Picture 5">
-            <a:extLst>
-              <a:ext uri="{FF2B5EF4-FFF2-40B4-BE49-F238E27FC236}">
-                <a16:creationId xmlns:a16="http://schemas.microsoft.com/office/drawing/2014/main" id="{AEA1D454-A526-E70C-6F26-76E204AD399A}"/>
-              </a:ext>
-            </a:extLst>
-          </p:cNvPr>
-          <p:cNvPicPr>
-            <a:picLocks noChangeAspect="1"/>
-          </p:cNvPicPr>
-          <p:nvPr/>
-        </p:nvPicPr>
-        <p:blipFill>
-          <a:blip r:embed="rId2"/>
-          <a:stretch>
-            <a:fillRect/>
-          </a:stretch>
-        </p:blipFill>
-        <p:spPr>
-          <a:xfrm>
-            <a:off x="1874774" y="760576"/>
-            <a:ext cx="7090249" cy="5205092"/>
-          </a:xfrm>
-          <a:prstGeom prst="rect">
-            <a:avLst/>
-          </a:prstGeom>
-        </p:spPr>
-      </p:pic>
-    </p:spTree>
-    <p:extLst>
-      <p:ext uri="{BB962C8B-B14F-4D97-AF65-F5344CB8AC3E}">
-        <p14:creationId xmlns:p14="http://schemas.microsoft.com/office/powerpoint/2010/main" val="3825483197"/>
-      </p:ext>
-    </p:extLst>
-  </p:cSld>
-  <p:clrMapOvr>
-    <a:masterClrMapping/>
-  </p:clrMapOvr>
-</p:sld>
-</file>
-
-<file path=ppt/slides/slide12.xml><?xml version="1.0" encoding="utf-8"?>
-<p:sld xmlns:a="http://schemas.openxmlformats.org/drawingml/2006/main" xmlns:r="http://schemas.openxmlformats.org/officeDocument/2006/relationships" xmlns:p="http://schemas.openxmlformats.org/presentationml/2006/main">
-  <p:cSld>
-    <p:spTree>
-      <p:nvGrpSpPr>
-        <p:cNvPr id="1" name="">
-          <a:extLst>
-            <a:ext uri="{FF2B5EF4-FFF2-40B4-BE49-F238E27FC236}">
-              <a16:creationId xmlns:a16="http://schemas.microsoft.com/office/drawing/2014/main" id="{ADB32BF1-DD2C-92BA-F05F-7B9F01ADA745}"/>
-            </a:ext>
-          </a:extLst>
-        </p:cNvPr>
-        <p:cNvGrpSpPr/>
-        <p:nvPr/>
-      </p:nvGrpSpPr>
-      <p:grpSpPr>
-        <a:xfrm>
-          <a:off x="0" y="0"/>
-          <a:ext cx="0" cy="0"/>
-          <a:chOff x="0" y="0"/>
-          <a:chExt cx="0" cy="0"/>
-        </a:xfrm>
-      </p:grpSpPr>
-      <p:sp>
-        <p:nvSpPr>
-          <p:cNvPr id="2" name="Title 1">
-            <a:extLst>
-              <a:ext uri="{FF2B5EF4-FFF2-40B4-BE49-F238E27FC236}">
-                <a16:creationId xmlns:a16="http://schemas.microsoft.com/office/drawing/2014/main" id="{DD10CA0E-F9BF-7C6F-D175-5971F7A9596E}"/>
-              </a:ext>
-            </a:extLst>
-          </p:cNvPr>
-          <p:cNvSpPr>
-            <a:spLocks noGrp="1"/>
-          </p:cNvSpPr>
-          <p:nvPr>
-            <p:ph type="title"/>
-          </p:nvPr>
-        </p:nvSpPr>
-        <p:spPr/>
-        <p:txBody>
-          <a:bodyPr>
-            <a:normAutofit fontScale="90000"/>
-          </a:bodyPr>
-          <a:lstStyle/>
-          <a:p>
-            <a:endParaRPr lang="en-US"/>
-          </a:p>
-        </p:txBody>
-      </p:sp>
-      <p:sp>
-        <p:nvSpPr>
-          <p:cNvPr id="3" name="Content Placeholder 2">
-            <a:extLst>
-              <a:ext uri="{FF2B5EF4-FFF2-40B4-BE49-F238E27FC236}">
-                <a16:creationId xmlns:a16="http://schemas.microsoft.com/office/drawing/2014/main" id="{07B41B08-67CF-AF22-3D3E-AC8DA61174F6}"/>
-              </a:ext>
-            </a:extLst>
-          </p:cNvPr>
-          <p:cNvSpPr>
-            <a:spLocks noGrp="1"/>
-          </p:cNvSpPr>
-          <p:nvPr>
-            <p:ph idx="1"/>
-          </p:nvPr>
-        </p:nvSpPr>
-        <p:spPr/>
-        <p:txBody>
-          <a:bodyPr/>
-          <a:lstStyle/>
-          <a:p>
-            <a:endParaRPr lang="en-US"/>
-          </a:p>
-        </p:txBody>
-      </p:sp>
-      <p:sp>
-        <p:nvSpPr>
-          <p:cNvPr id="4" name="Slide Number Placeholder 3">
-            <a:extLst>
-              <a:ext uri="{FF2B5EF4-FFF2-40B4-BE49-F238E27FC236}">
-                <a16:creationId xmlns:a16="http://schemas.microsoft.com/office/drawing/2014/main" id="{CC0FFA65-6F9F-1C94-366E-38715DDF8854}"/>
-              </a:ext>
-            </a:extLst>
-          </p:cNvPr>
-          <p:cNvSpPr>
-            <a:spLocks noGrp="1"/>
-          </p:cNvSpPr>
-          <p:nvPr>
-            <p:ph type="sldNum" sz="quarter" idx="12"/>
-          </p:nvPr>
-        </p:nvSpPr>
-        <p:spPr/>
-        <p:txBody>
-          <a:bodyPr/>
-          <a:lstStyle/>
-          <a:p>
-            <a:fld id="{D95F4311-C1C1-468E-90BA-469E1A493750}" type="slidenum">
-              <a:rPr lang="en-US" smtClean="0"/>
-              <a:t>12</a:t>
-            </a:fld>
-            <a:endParaRPr lang="en-US"/>
-          </a:p>
-        </p:txBody>
-      </p:sp>
-      <p:pic>
-        <p:nvPicPr>
-          <p:cNvPr id="6" name="Picture 5">
-            <a:extLst>
-              <a:ext uri="{FF2B5EF4-FFF2-40B4-BE49-F238E27FC236}">
-                <a16:creationId xmlns:a16="http://schemas.microsoft.com/office/drawing/2014/main" id="{13CCF8AF-BFB5-F127-E393-9B26B4EBA727}"/>
-              </a:ext>
-            </a:extLst>
-          </p:cNvPr>
-          <p:cNvPicPr>
-            <a:picLocks noChangeAspect="1"/>
-          </p:cNvPicPr>
-          <p:nvPr/>
-        </p:nvPicPr>
-        <p:blipFill>
-          <a:blip r:embed="rId2"/>
-          <a:stretch>
-            <a:fillRect/>
-          </a:stretch>
-        </p:blipFill>
-        <p:spPr>
-          <a:xfrm>
-            <a:off x="1448333" y="547344"/>
-            <a:ext cx="8081619" cy="5851691"/>
-          </a:xfrm>
-          <a:prstGeom prst="rect">
-            <a:avLst/>
-          </a:prstGeom>
-        </p:spPr>
-      </p:pic>
-    </p:spTree>
-    <p:extLst>
-      <p:ext uri="{BB962C8B-B14F-4D97-AF65-F5344CB8AC3E}">
-        <p14:creationId xmlns:p14="http://schemas.microsoft.com/office/powerpoint/2010/main" val="3177618537"/>
-      </p:ext>
-    </p:extLst>
-  </p:cSld>
-  <p:clrMapOvr>
-    <a:masterClrMapping/>
-  </p:clrMapOvr>
-</p:sld>
-</file>
-
-<file path=ppt/slides/slide13.xml><?xml version="1.0" encoding="utf-8"?>
-<p:sld xmlns:a="http://schemas.openxmlformats.org/drawingml/2006/main" xmlns:r="http://schemas.openxmlformats.org/officeDocument/2006/relationships" xmlns:p="http://schemas.openxmlformats.org/presentationml/2006/main">
-  <p:cSld>
-    <p:spTree>
-      <p:nvGrpSpPr>
-        <p:cNvPr id="1" name="">
-          <a:extLst>
-            <a:ext uri="{FF2B5EF4-FFF2-40B4-BE49-F238E27FC236}">
-              <a16:creationId xmlns:a16="http://schemas.microsoft.com/office/drawing/2014/main" id="{EAA7C757-BCAB-97A5-436D-4DA3CBCB2E92}"/>
-            </a:ext>
-          </a:extLst>
-        </p:cNvPr>
-        <p:cNvGrpSpPr/>
-        <p:nvPr/>
-      </p:nvGrpSpPr>
-      <p:grpSpPr>
-        <a:xfrm>
-          <a:off x="0" y="0"/>
-          <a:ext cx="0" cy="0"/>
-          <a:chOff x="0" y="0"/>
-          <a:chExt cx="0" cy="0"/>
-        </a:xfrm>
-      </p:grpSpPr>
-      <p:sp>
-        <p:nvSpPr>
-          <p:cNvPr id="2" name="Title 1">
-            <a:extLst>
-              <a:ext uri="{FF2B5EF4-FFF2-40B4-BE49-F238E27FC236}">
-                <a16:creationId xmlns:a16="http://schemas.microsoft.com/office/drawing/2014/main" id="{BCF635EF-2918-6BBD-FE4C-DCC2679CDC5F}"/>
-              </a:ext>
-            </a:extLst>
-          </p:cNvPr>
-          <p:cNvSpPr>
-            <a:spLocks noGrp="1"/>
-          </p:cNvSpPr>
-          <p:nvPr>
-            <p:ph type="title"/>
-          </p:nvPr>
-        </p:nvSpPr>
-        <p:spPr/>
-        <p:txBody>
-          <a:bodyPr>
-            <a:normAutofit fontScale="90000"/>
-          </a:bodyPr>
-          <a:lstStyle/>
-          <a:p>
-            <a:endParaRPr lang="en-US"/>
-          </a:p>
-        </p:txBody>
-      </p:sp>
-      <p:sp>
-        <p:nvSpPr>
-          <p:cNvPr id="3" name="Content Placeholder 2">
-            <a:extLst>
-              <a:ext uri="{FF2B5EF4-FFF2-40B4-BE49-F238E27FC236}">
-                <a16:creationId xmlns:a16="http://schemas.microsoft.com/office/drawing/2014/main" id="{013A3C3D-6C44-0084-C92C-F2D1A01787E4}"/>
-              </a:ext>
-            </a:extLst>
-          </p:cNvPr>
-          <p:cNvSpPr>
-            <a:spLocks noGrp="1"/>
-          </p:cNvSpPr>
-          <p:nvPr>
-            <p:ph idx="1"/>
-          </p:nvPr>
-        </p:nvSpPr>
-        <p:spPr/>
-        <p:txBody>
-          <a:bodyPr/>
-          <a:lstStyle/>
-          <a:p>
-            <a:endParaRPr lang="en-US" dirty="0"/>
-          </a:p>
-        </p:txBody>
-      </p:sp>
-      <p:sp>
-        <p:nvSpPr>
-          <p:cNvPr id="4" name="Slide Number Placeholder 3">
-            <a:extLst>
-              <a:ext uri="{FF2B5EF4-FFF2-40B4-BE49-F238E27FC236}">
-                <a16:creationId xmlns:a16="http://schemas.microsoft.com/office/drawing/2014/main" id="{E40E8BA0-D712-9D0D-7C38-3455F3736E62}"/>
-              </a:ext>
-            </a:extLst>
-          </p:cNvPr>
-          <p:cNvSpPr>
-            <a:spLocks noGrp="1"/>
-          </p:cNvSpPr>
-          <p:nvPr>
-            <p:ph type="sldNum" sz="quarter" idx="12"/>
-          </p:nvPr>
-        </p:nvSpPr>
-        <p:spPr/>
-        <p:txBody>
-          <a:bodyPr/>
-          <a:lstStyle/>
-          <a:p>
-            <a:fld id="{D95F4311-C1C1-468E-90BA-469E1A493750}" type="slidenum">
-              <a:rPr lang="en-US" smtClean="0"/>
-              <a:t>13</a:t>
-            </a:fld>
-            <a:endParaRPr lang="en-US"/>
-          </a:p>
-        </p:txBody>
-      </p:sp>
-      <p:pic>
-        <p:nvPicPr>
-          <p:cNvPr id="9" name="Picture 8">
-            <a:extLst>
-              <a:ext uri="{FF2B5EF4-FFF2-40B4-BE49-F238E27FC236}">
-                <a16:creationId xmlns:a16="http://schemas.microsoft.com/office/drawing/2014/main" id="{454711B8-CC18-3D70-5792-DC71BFA5A847}"/>
-              </a:ext>
-            </a:extLst>
-          </p:cNvPr>
-          <p:cNvPicPr>
-            <a:picLocks noChangeAspect="1"/>
-          </p:cNvPicPr>
-          <p:nvPr/>
-        </p:nvPicPr>
-        <p:blipFill>
-          <a:blip r:embed="rId2"/>
-          <a:stretch>
-            <a:fillRect/>
-          </a:stretch>
-        </p:blipFill>
-        <p:spPr>
-          <a:xfrm>
-            <a:off x="2709390" y="918812"/>
-            <a:ext cx="6773220" cy="5020376"/>
-          </a:xfrm>
-          <a:prstGeom prst="rect">
-            <a:avLst/>
-          </a:prstGeom>
-        </p:spPr>
-      </p:pic>
-    </p:spTree>
-    <p:extLst>
-      <p:ext uri="{BB962C8B-B14F-4D97-AF65-F5344CB8AC3E}">
-        <p14:creationId xmlns:p14="http://schemas.microsoft.com/office/powerpoint/2010/main" val="3633272132"/>
-      </p:ext>
-    </p:extLst>
-  </p:cSld>
-  <p:clrMapOvr>
-    <a:masterClrMapping/>
-  </p:clrMapOvr>
-</p:sld>
-</file>
-
-<file path=ppt/slides/slide14.xml><?xml version="1.0" encoding="utf-8"?>
-<p:sld xmlns:a="http://schemas.openxmlformats.org/drawingml/2006/main" xmlns:r="http://schemas.openxmlformats.org/officeDocument/2006/relationships" xmlns:p="http://schemas.openxmlformats.org/presentationml/2006/main">
-  <p:cSld>
-    <p:spTree>
-      <p:nvGrpSpPr>
-        <p:cNvPr id="1" name="">
-          <a:extLst>
-            <a:ext uri="{FF2B5EF4-FFF2-40B4-BE49-F238E27FC236}">
-              <a16:creationId xmlns:a16="http://schemas.microsoft.com/office/drawing/2014/main" id="{09B9FC7F-D3E5-F60B-77BA-623E88CBD418}"/>
-            </a:ext>
-          </a:extLst>
-        </p:cNvPr>
-        <p:cNvGrpSpPr/>
-        <p:nvPr/>
-      </p:nvGrpSpPr>
-      <p:grpSpPr>
-        <a:xfrm>
-          <a:off x="0" y="0"/>
-          <a:ext cx="0" cy="0"/>
-          <a:chOff x="0" y="0"/>
-          <a:chExt cx="0" cy="0"/>
-        </a:xfrm>
-      </p:grpSpPr>
-      <p:sp>
-        <p:nvSpPr>
-          <p:cNvPr id="2" name="Title 1">
-            <a:extLst>
-              <a:ext uri="{FF2B5EF4-FFF2-40B4-BE49-F238E27FC236}">
-                <a16:creationId xmlns:a16="http://schemas.microsoft.com/office/drawing/2014/main" id="{C8854357-8868-6A77-ECF5-C82183006189}"/>
-              </a:ext>
-            </a:extLst>
-          </p:cNvPr>
-          <p:cNvSpPr>
-            <a:spLocks noGrp="1"/>
-          </p:cNvSpPr>
-          <p:nvPr>
-            <p:ph type="title"/>
-          </p:nvPr>
-        </p:nvSpPr>
-        <p:spPr/>
-        <p:txBody>
-          <a:bodyPr>
-            <a:normAutofit fontScale="90000"/>
-          </a:bodyPr>
-          <a:lstStyle/>
-          <a:p>
-            <a:endParaRPr lang="en-US"/>
-          </a:p>
-        </p:txBody>
-      </p:sp>
-      <p:sp>
-        <p:nvSpPr>
-          <p:cNvPr id="3" name="Content Placeholder 2">
-            <a:extLst>
-              <a:ext uri="{FF2B5EF4-FFF2-40B4-BE49-F238E27FC236}">
-                <a16:creationId xmlns:a16="http://schemas.microsoft.com/office/drawing/2014/main" id="{001405B8-B2AD-8BBF-EA9C-CE484861AC1C}"/>
-              </a:ext>
-            </a:extLst>
-          </p:cNvPr>
-          <p:cNvSpPr>
-            <a:spLocks noGrp="1"/>
-          </p:cNvSpPr>
-          <p:nvPr>
-            <p:ph idx="1"/>
-          </p:nvPr>
-        </p:nvSpPr>
-        <p:spPr/>
-        <p:txBody>
-          <a:bodyPr/>
-          <a:lstStyle/>
-          <a:p>
-            <a:endParaRPr lang="en-US" dirty="0"/>
-          </a:p>
-        </p:txBody>
-      </p:sp>
-      <p:sp>
-        <p:nvSpPr>
-          <p:cNvPr id="4" name="Slide Number Placeholder 3">
-            <a:extLst>
-              <a:ext uri="{FF2B5EF4-FFF2-40B4-BE49-F238E27FC236}">
-                <a16:creationId xmlns:a16="http://schemas.microsoft.com/office/drawing/2014/main" id="{04102167-8072-FDD8-0D2A-007B61B2A8FB}"/>
-              </a:ext>
-            </a:extLst>
-          </p:cNvPr>
-          <p:cNvSpPr>
-            <a:spLocks noGrp="1"/>
-          </p:cNvSpPr>
-          <p:nvPr>
-            <p:ph type="sldNum" sz="quarter" idx="12"/>
-          </p:nvPr>
-        </p:nvSpPr>
-        <p:spPr/>
-        <p:txBody>
-          <a:bodyPr/>
-          <a:lstStyle/>
-          <a:p>
-            <a:fld id="{D95F4311-C1C1-468E-90BA-469E1A493750}" type="slidenum">
-              <a:rPr lang="en-US" smtClean="0"/>
-              <a:t>14</a:t>
-            </a:fld>
-            <a:endParaRPr lang="en-US"/>
-          </a:p>
-        </p:txBody>
-      </p:sp>
-      <p:pic>
-        <p:nvPicPr>
-          <p:cNvPr id="6" name="Picture 5">
-            <a:extLst>
-              <a:ext uri="{FF2B5EF4-FFF2-40B4-BE49-F238E27FC236}">
-                <a16:creationId xmlns:a16="http://schemas.microsoft.com/office/drawing/2014/main" id="{175ACC23-BBF4-F6CC-EC08-F54E0D98F1F7}"/>
-              </a:ext>
-            </a:extLst>
-          </p:cNvPr>
-          <p:cNvPicPr>
-            <a:picLocks noChangeAspect="1"/>
-          </p:cNvPicPr>
-          <p:nvPr/>
-        </p:nvPicPr>
-        <p:blipFill>
-          <a:blip r:embed="rId2"/>
-          <a:stretch>
-            <a:fillRect/>
-          </a:stretch>
-        </p:blipFill>
-        <p:spPr>
-          <a:xfrm>
-            <a:off x="2247416" y="690213"/>
-            <a:ext cx="6935168" cy="5001323"/>
-          </a:xfrm>
-          <a:prstGeom prst="rect">
-            <a:avLst/>
-          </a:prstGeom>
-        </p:spPr>
-      </p:pic>
-    </p:spTree>
-    <p:extLst>
-      <p:ext uri="{BB962C8B-B14F-4D97-AF65-F5344CB8AC3E}">
-        <p14:creationId xmlns:p14="http://schemas.microsoft.com/office/powerpoint/2010/main" val="861260320"/>
-      </p:ext>
-    </p:extLst>
-  </p:cSld>
-  <p:clrMapOvr>
-    <a:masterClrMapping/>
-  </p:clrMapOvr>
-</p:sld>
-</file>
-
 <file path=ppt/slides/slide2.xml><?xml version="1.0" encoding="utf-8"?>
 <p:sld xmlns:a="http://schemas.openxmlformats.org/drawingml/2006/main" xmlns:r="http://schemas.openxmlformats.org/officeDocument/2006/relationships" xmlns:p="http://schemas.openxmlformats.org/presentationml/2006/main">
   <p:cSld>
@@ -5179,8 +4434,8 @@
           </a:p>
         </p:txBody>
       </p:sp>
-      <mc:AlternateContent xmlns:mc="http://schemas.openxmlformats.org/markup-compatibility/2006" xmlns:a14="http://schemas.microsoft.com/office/drawing/2010/main">
-        <mc:Choice Requires="a14">
+      <mc:AlternateContent xmlns:mc="http://schemas.openxmlformats.org/markup-compatibility/2006">
+        <mc:Choice xmlns:a14="http://schemas.microsoft.com/office/drawing/2010/main" Requires="a14">
           <p:sp>
             <p:nvSpPr>
               <p:cNvPr id="3" name="Content Placeholder 2">
@@ -5274,19 +4529,10 @@
                   <a:t>Inverse Mechanics – predicting parameters from known responses</a:t>
                 </a:r>
               </a:p>
-              <a:p>
-                <a:endParaRPr lang="en-US" dirty="0"/>
-              </a:p>
-              <a:p>
-                <a:pPr marL="0" indent="0">
-                  <a:buNone/>
-                </a:pPr>
-                <a:endParaRPr lang="en-US" dirty="0"/>
-              </a:p>
             </p:txBody>
           </p:sp>
         </mc:Choice>
-        <mc:Fallback xmlns="">
+        <mc:Fallback>
           <p:sp>
             <p:nvSpPr>
               <p:cNvPr id="3" name="Content Placeholder 2">
@@ -5355,6 +4601,275 @@
           </a:p>
         </p:txBody>
       </p:sp>
+      <p:grpSp>
+        <p:nvGrpSpPr>
+          <p:cNvPr id="11" name="Group 10">
+            <a:extLst>
+              <a:ext uri="{FF2B5EF4-FFF2-40B4-BE49-F238E27FC236}">
+                <a16:creationId xmlns:a16="http://schemas.microsoft.com/office/drawing/2014/main" id="{0B613621-C9CC-D836-B1BF-467E44C4896C}"/>
+              </a:ext>
+            </a:extLst>
+          </p:cNvPr>
+          <p:cNvGrpSpPr/>
+          <p:nvPr/>
+        </p:nvGrpSpPr>
+        <p:grpSpPr>
+          <a:xfrm>
+            <a:off x="6852866" y="1577797"/>
+            <a:ext cx="4192531" cy="2087668"/>
+            <a:chOff x="7008314" y="1577797"/>
+            <a:chExt cx="4192531" cy="2087668"/>
+          </a:xfrm>
+        </p:grpSpPr>
+        <p:sp>
+          <p:nvSpPr>
+            <p:cNvPr id="5" name="Arrow: Curved Down 4">
+              <a:extLst>
+                <a:ext uri="{FF2B5EF4-FFF2-40B4-BE49-F238E27FC236}">
+                  <a16:creationId xmlns:a16="http://schemas.microsoft.com/office/drawing/2014/main" id="{25AF19CA-304A-4F3F-3ECB-39719D94DFE9}"/>
+                </a:ext>
+              </a:extLst>
+            </p:cNvPr>
+            <p:cNvSpPr/>
+            <p:nvPr/>
+          </p:nvSpPr>
+          <p:spPr>
+            <a:xfrm>
+              <a:off x="7434072" y="1968972"/>
+              <a:ext cx="3575304" cy="359853"/>
+            </a:xfrm>
+            <a:prstGeom prst="curvedDownArrow">
+              <a:avLst/>
+            </a:prstGeom>
+          </p:spPr>
+          <p:style>
+            <a:lnRef idx="2">
+              <a:schemeClr val="dk1">
+                <a:shade val="15000"/>
+              </a:schemeClr>
+            </a:lnRef>
+            <a:fillRef idx="1">
+              <a:schemeClr val="dk1"/>
+            </a:fillRef>
+            <a:effectRef idx="0">
+              <a:schemeClr val="dk1"/>
+            </a:effectRef>
+            <a:fontRef idx="minor">
+              <a:schemeClr val="lt1"/>
+            </a:fontRef>
+          </p:style>
+          <p:txBody>
+            <a:bodyPr rtlCol="0" anchor="ctr"/>
+            <a:lstStyle/>
+            <a:p>
+              <a:pPr algn="ctr"/>
+              <a:endParaRPr lang="en-US">
+                <a:solidFill>
+                  <a:schemeClr val="tx1"/>
+                </a:solidFill>
+              </a:endParaRPr>
+            </a:p>
+          </p:txBody>
+        </p:sp>
+        <p:sp>
+          <p:nvSpPr>
+            <p:cNvPr id="6" name="Arrow: Curved Down 5">
+              <a:extLst>
+                <a:ext uri="{FF2B5EF4-FFF2-40B4-BE49-F238E27FC236}">
+                  <a16:creationId xmlns:a16="http://schemas.microsoft.com/office/drawing/2014/main" id="{757F440A-2A9A-9356-A863-7BC4332CCFE4}"/>
+                </a:ext>
+              </a:extLst>
+            </p:cNvPr>
+            <p:cNvSpPr/>
+            <p:nvPr/>
+          </p:nvSpPr>
+          <p:spPr>
+            <a:xfrm rot="10800000">
+              <a:off x="7434072" y="2936279"/>
+              <a:ext cx="3456432" cy="359853"/>
+            </a:xfrm>
+            <a:prstGeom prst="curvedDownArrow">
+              <a:avLst/>
+            </a:prstGeom>
+          </p:spPr>
+          <p:style>
+            <a:lnRef idx="2">
+              <a:schemeClr val="dk1">
+                <a:shade val="15000"/>
+              </a:schemeClr>
+            </a:lnRef>
+            <a:fillRef idx="1">
+              <a:schemeClr val="dk1"/>
+            </a:fillRef>
+            <a:effectRef idx="0">
+              <a:schemeClr val="dk1"/>
+            </a:effectRef>
+            <a:fontRef idx="minor">
+              <a:schemeClr val="lt1"/>
+            </a:fontRef>
+          </p:style>
+          <p:txBody>
+            <a:bodyPr rtlCol="0" anchor="ctr"/>
+            <a:lstStyle/>
+            <a:p>
+              <a:pPr algn="ctr"/>
+              <a:endParaRPr lang="en-US" dirty="0">
+                <a:solidFill>
+                  <a:schemeClr val="tx1"/>
+                </a:solidFill>
+              </a:endParaRPr>
+            </a:p>
+          </p:txBody>
+        </p:sp>
+        <p:sp>
+          <p:nvSpPr>
+            <p:cNvPr id="7" name="TextBox 6">
+              <a:extLst>
+                <a:ext uri="{FF2B5EF4-FFF2-40B4-BE49-F238E27FC236}">
+                  <a16:creationId xmlns:a16="http://schemas.microsoft.com/office/drawing/2014/main" id="{933AE04B-1F41-8BDC-1946-214AB1E196CB}"/>
+                </a:ext>
+              </a:extLst>
+            </p:cNvPr>
+            <p:cNvSpPr txBox="1"/>
+            <p:nvPr/>
+          </p:nvSpPr>
+          <p:spPr>
+            <a:xfrm>
+              <a:off x="7008314" y="2447886"/>
+              <a:ext cx="800219" cy="369332"/>
+            </a:xfrm>
+            <a:prstGeom prst="rect">
+              <a:avLst/>
+            </a:prstGeom>
+            <a:noFill/>
+          </p:spPr>
+          <p:txBody>
+            <a:bodyPr wrap="none" rtlCol="0">
+              <a:spAutoFit/>
+            </a:bodyPr>
+            <a:lstStyle/>
+            <a:p>
+              <a:r>
+                <a:rPr lang="en-US" dirty="0">
+                  <a:latin typeface="+mj-lt"/>
+                </a:rPr>
+                <a:t>Object</a:t>
+              </a:r>
+            </a:p>
+          </p:txBody>
+        </p:sp>
+        <p:sp>
+          <p:nvSpPr>
+            <p:cNvPr id="8" name="TextBox 7">
+              <a:extLst>
+                <a:ext uri="{FF2B5EF4-FFF2-40B4-BE49-F238E27FC236}">
+                  <a16:creationId xmlns:a16="http://schemas.microsoft.com/office/drawing/2014/main" id="{AA24AAE0-9360-AA82-B753-2A6BEE8C583C}"/>
+                </a:ext>
+              </a:extLst>
+            </p:cNvPr>
+            <p:cNvSpPr txBox="1"/>
+            <p:nvPr/>
+          </p:nvSpPr>
+          <p:spPr>
+            <a:xfrm>
+              <a:off x="10580162" y="2436075"/>
+              <a:ext cx="620683" cy="369332"/>
+            </a:xfrm>
+            <a:prstGeom prst="rect">
+              <a:avLst/>
+            </a:prstGeom>
+            <a:noFill/>
+          </p:spPr>
+          <p:txBody>
+            <a:bodyPr wrap="none" rtlCol="0">
+              <a:spAutoFit/>
+            </a:bodyPr>
+            <a:lstStyle/>
+            <a:p>
+              <a:r>
+                <a:rPr lang="en-US" dirty="0">
+                  <a:latin typeface="+mj-lt"/>
+                </a:rPr>
+                <a:t>Data</a:t>
+              </a:r>
+            </a:p>
+          </p:txBody>
+        </p:sp>
+        <p:sp>
+          <p:nvSpPr>
+            <p:cNvPr id="9" name="TextBox 8">
+              <a:extLst>
+                <a:ext uri="{FF2B5EF4-FFF2-40B4-BE49-F238E27FC236}">
+                  <a16:creationId xmlns:a16="http://schemas.microsoft.com/office/drawing/2014/main" id="{D89A1B66-C25F-48DA-70D7-DA9C35FC4C91}"/>
+                </a:ext>
+              </a:extLst>
+            </p:cNvPr>
+            <p:cNvSpPr txBox="1"/>
+            <p:nvPr/>
+          </p:nvSpPr>
+          <p:spPr>
+            <a:xfrm>
+              <a:off x="8369567" y="3296133"/>
+              <a:ext cx="1704313" cy="369332"/>
+            </a:xfrm>
+            <a:prstGeom prst="rect">
+              <a:avLst/>
+            </a:prstGeom>
+            <a:noFill/>
+          </p:spPr>
+          <p:txBody>
+            <a:bodyPr wrap="none" rtlCol="0">
+              <a:spAutoFit/>
+            </a:bodyPr>
+            <a:lstStyle/>
+            <a:p>
+              <a:r>
+                <a:rPr lang="en-US" dirty="0">
+                  <a:latin typeface="+mj-lt"/>
+                </a:rPr>
+                <a:t>Inverse Problem</a:t>
+              </a:r>
+            </a:p>
+          </p:txBody>
+        </p:sp>
+        <p:sp>
+          <p:nvSpPr>
+            <p:cNvPr id="10" name="TextBox 9">
+              <a:extLst>
+                <a:ext uri="{FF2B5EF4-FFF2-40B4-BE49-F238E27FC236}">
+                  <a16:creationId xmlns:a16="http://schemas.microsoft.com/office/drawing/2014/main" id="{B6F27987-9610-BBDD-AF79-F6C9F1F09ECC}"/>
+                </a:ext>
+              </a:extLst>
+            </p:cNvPr>
+            <p:cNvSpPr txBox="1"/>
+            <p:nvPr/>
+          </p:nvSpPr>
+          <p:spPr>
+            <a:xfrm>
+              <a:off x="8361427" y="1577797"/>
+              <a:ext cx="1601721" cy="369332"/>
+            </a:xfrm>
+            <a:prstGeom prst="rect">
+              <a:avLst/>
+            </a:prstGeom>
+            <a:noFill/>
+          </p:spPr>
+          <p:txBody>
+            <a:bodyPr wrap="none" rtlCol="0">
+              <a:spAutoFit/>
+            </a:bodyPr>
+            <a:lstStyle/>
+            <a:p>
+              <a:r>
+                <a:rPr lang="en-US" dirty="0">
+                  <a:latin typeface="+mj-lt"/>
+                </a:rPr>
+                <a:t>Direct Problem</a:t>
+              </a:r>
+            </a:p>
+          </p:txBody>
+        </p:sp>
+      </p:grpSp>
     </p:spTree>
     <p:extLst>
       <p:ext uri="{BB962C8B-B14F-4D97-AF65-F5344CB8AC3E}">
@@ -5373,129 +4888,6 @@
   <p:cSld>
     <p:spTree>
       <p:nvGrpSpPr>
-        <p:cNvPr id="1" name="">
-          <a:extLst>
-            <a:ext uri="{FF2B5EF4-FFF2-40B4-BE49-F238E27FC236}">
-              <a16:creationId xmlns:a16="http://schemas.microsoft.com/office/drawing/2014/main" id="{163DE335-2BE5-D525-B4DE-7D48B92E1F44}"/>
-            </a:ext>
-          </a:extLst>
-        </p:cNvPr>
-        <p:cNvGrpSpPr/>
-        <p:nvPr/>
-      </p:nvGrpSpPr>
-      <p:grpSpPr>
-        <a:xfrm>
-          <a:off x="0" y="0"/>
-          <a:ext cx="0" cy="0"/>
-          <a:chOff x="0" y="0"/>
-          <a:chExt cx="0" cy="0"/>
-        </a:xfrm>
-      </p:grpSpPr>
-      <p:sp>
-        <p:nvSpPr>
-          <p:cNvPr id="2" name="Title 1">
-            <a:extLst>
-              <a:ext uri="{FF2B5EF4-FFF2-40B4-BE49-F238E27FC236}">
-                <a16:creationId xmlns:a16="http://schemas.microsoft.com/office/drawing/2014/main" id="{061A471F-CF8F-201C-4EAB-3696DD0520B5}"/>
-              </a:ext>
-            </a:extLst>
-          </p:cNvPr>
-          <p:cNvSpPr>
-            <a:spLocks noGrp="1"/>
-          </p:cNvSpPr>
-          <p:nvPr>
-            <p:ph type="title"/>
-          </p:nvPr>
-        </p:nvSpPr>
-        <p:spPr/>
-        <p:txBody>
-          <a:bodyPr>
-            <a:normAutofit fontScale="90000"/>
-          </a:bodyPr>
-          <a:lstStyle/>
-          <a:p>
-            <a:r>
-              <a:rPr lang="en-US" dirty="0"/>
-              <a:t>Definitions [2]</a:t>
-            </a:r>
-          </a:p>
-        </p:txBody>
-      </p:sp>
-      <p:sp>
-        <p:nvSpPr>
-          <p:cNvPr id="3" name="Content Placeholder 2">
-            <a:extLst>
-              <a:ext uri="{FF2B5EF4-FFF2-40B4-BE49-F238E27FC236}">
-                <a16:creationId xmlns:a16="http://schemas.microsoft.com/office/drawing/2014/main" id="{0B09C5E0-5DD2-6646-024E-029394D508A6}"/>
-              </a:ext>
-            </a:extLst>
-          </p:cNvPr>
-          <p:cNvSpPr>
-            <a:spLocks noGrp="1"/>
-          </p:cNvSpPr>
-          <p:nvPr>
-            <p:ph idx="1"/>
-          </p:nvPr>
-        </p:nvSpPr>
-        <p:spPr/>
-        <p:txBody>
-          <a:bodyPr/>
-          <a:lstStyle/>
-          <a:p>
-            <a:pPr marL="0" indent="0">
-              <a:buNone/>
-            </a:pPr>
-            <a:endParaRPr lang="en-US" dirty="0"/>
-          </a:p>
-        </p:txBody>
-      </p:sp>
-      <p:sp>
-        <p:nvSpPr>
-          <p:cNvPr id="4" name="Slide Number Placeholder 3">
-            <a:extLst>
-              <a:ext uri="{FF2B5EF4-FFF2-40B4-BE49-F238E27FC236}">
-                <a16:creationId xmlns:a16="http://schemas.microsoft.com/office/drawing/2014/main" id="{AFC154FD-4831-AF41-D029-895D43E5CC0B}"/>
-              </a:ext>
-            </a:extLst>
-          </p:cNvPr>
-          <p:cNvSpPr>
-            <a:spLocks noGrp="1"/>
-          </p:cNvSpPr>
-          <p:nvPr>
-            <p:ph type="sldNum" sz="quarter" idx="12"/>
-          </p:nvPr>
-        </p:nvSpPr>
-        <p:spPr/>
-        <p:txBody>
-          <a:bodyPr/>
-          <a:lstStyle/>
-          <a:p>
-            <a:fld id="{D95F4311-C1C1-468E-90BA-469E1A493750}" type="slidenum">
-              <a:rPr lang="en-US" smtClean="0"/>
-              <a:t>3</a:t>
-            </a:fld>
-            <a:endParaRPr lang="en-US"/>
-          </a:p>
-        </p:txBody>
-      </p:sp>
-    </p:spTree>
-    <p:extLst>
-      <p:ext uri="{BB962C8B-B14F-4D97-AF65-F5344CB8AC3E}">
-        <p14:creationId xmlns:p14="http://schemas.microsoft.com/office/powerpoint/2010/main" val="2108650698"/>
-      </p:ext>
-    </p:extLst>
-  </p:cSld>
-  <p:clrMapOvr>
-    <a:masterClrMapping/>
-  </p:clrMapOvr>
-</p:sld>
-</file>
-
-<file path=ppt/slides/slide4.xml><?xml version="1.0" encoding="utf-8"?>
-<p:sld xmlns:a="http://schemas.openxmlformats.org/drawingml/2006/main" xmlns:r="http://schemas.openxmlformats.org/officeDocument/2006/relationships" xmlns:p="http://schemas.openxmlformats.org/presentationml/2006/main">
-  <p:cSld>
-    <p:spTree>
-      <p:nvGrpSpPr>
         <p:cNvPr id="1" name=""/>
         <p:cNvGrpSpPr/>
         <p:nvPr/>
@@ -5659,7 +5051,7 @@
           <a:p>
             <a:fld id="{D95F4311-C1C1-468E-90BA-469E1A493750}" type="slidenum">
               <a:rPr lang="en-US" smtClean="0"/>
-              <a:t>4</a:t>
+              <a:t>3</a:t>
             </a:fld>
             <a:endParaRPr lang="en-US"/>
           </a:p>
@@ -5678,7 +5070,7 @@
 </p:sld>
 </file>
 
-<file path=ppt/slides/slide5.xml><?xml version="1.0" encoding="utf-8"?>
+<file path=ppt/slides/slide4.xml><?xml version="1.0" encoding="utf-8"?>
 <p:sld xmlns:a="http://schemas.openxmlformats.org/drawingml/2006/main" xmlns:r="http://schemas.openxmlformats.org/officeDocument/2006/relationships" xmlns:p="http://schemas.openxmlformats.org/presentationml/2006/main">
   <p:cSld>
     <p:spTree>
@@ -5818,7 +5210,7 @@
             </a:pPr>
             <a:r>
               <a:rPr lang="en-US" sz="1800" dirty="0"/>
-              <a:t>Existence – a solution must exist for the problem</a:t>
+              <a:t>Existence – a solution must always exist for the problem</a:t>
             </a:r>
           </a:p>
         </p:txBody>
@@ -5846,7 +5238,7 @@
           <a:p>
             <a:fld id="{D95F4311-C1C1-468E-90BA-469E1A493750}" type="slidenum">
               <a:rPr lang="en-US" smtClean="0"/>
-              <a:t>5</a:t>
+              <a:t>4</a:t>
             </a:fld>
             <a:endParaRPr lang="en-US"/>
           </a:p>
@@ -5865,7 +5257,7 @@
 </p:sld>
 </file>
 
-<file path=ppt/slides/slide6.xml><?xml version="1.0" encoding="utf-8"?>
+<file path=ppt/slides/slide5.xml><?xml version="1.0" encoding="utf-8"?>
 <p:sld xmlns:a="http://schemas.openxmlformats.org/drawingml/2006/main" xmlns:r="http://schemas.openxmlformats.org/officeDocument/2006/relationships" xmlns:p="http://schemas.openxmlformats.org/presentationml/2006/main">
   <p:cSld>
     <p:spTree>
@@ -6033,7 +5425,7 @@
           <a:p>
             <a:fld id="{D95F4311-C1C1-468E-90BA-469E1A493750}" type="slidenum">
               <a:rPr lang="en-US" smtClean="0"/>
-              <a:t>6</a:t>
+              <a:t>5</a:t>
             </a:fld>
             <a:endParaRPr lang="en-US"/>
           </a:p>
@@ -6043,6 +5435,193 @@
     <p:extLst>
       <p:ext uri="{BB962C8B-B14F-4D97-AF65-F5344CB8AC3E}">
         <p14:creationId xmlns:p14="http://schemas.microsoft.com/office/powerpoint/2010/main" val="1653902171"/>
+      </p:ext>
+    </p:extLst>
+  </p:cSld>
+  <p:clrMapOvr>
+    <a:masterClrMapping/>
+  </p:clrMapOvr>
+</p:sld>
+</file>
+
+<file path=ppt/slides/slide6.xml><?xml version="1.0" encoding="utf-8"?>
+<p:sld xmlns:a="http://schemas.openxmlformats.org/drawingml/2006/main" xmlns:r="http://schemas.openxmlformats.org/officeDocument/2006/relationships" xmlns:p="http://schemas.openxmlformats.org/presentationml/2006/main">
+  <p:cSld>
+    <p:spTree>
+      <p:nvGrpSpPr>
+        <p:cNvPr id="1" name="">
+          <a:extLst>
+            <a:ext uri="{FF2B5EF4-FFF2-40B4-BE49-F238E27FC236}">
+              <a16:creationId xmlns:a16="http://schemas.microsoft.com/office/drawing/2014/main" id="{4017629E-4D0A-29C4-28D0-021CF18857C6}"/>
+            </a:ext>
+          </a:extLst>
+        </p:cNvPr>
+        <p:cNvGrpSpPr/>
+        <p:nvPr/>
+      </p:nvGrpSpPr>
+      <p:grpSpPr>
+        <a:xfrm>
+          <a:off x="0" y="0"/>
+          <a:ext cx="0" cy="0"/>
+          <a:chOff x="0" y="0"/>
+          <a:chExt cx="0" cy="0"/>
+        </a:xfrm>
+      </p:grpSpPr>
+      <p:sp>
+        <p:nvSpPr>
+          <p:cNvPr id="2" name="Title 1">
+            <a:extLst>
+              <a:ext uri="{FF2B5EF4-FFF2-40B4-BE49-F238E27FC236}">
+                <a16:creationId xmlns:a16="http://schemas.microsoft.com/office/drawing/2014/main" id="{8DDA226B-780D-D433-302E-4D4252E6EA47}"/>
+              </a:ext>
+            </a:extLst>
+          </p:cNvPr>
+          <p:cNvSpPr>
+            <a:spLocks noGrp="1"/>
+          </p:cNvSpPr>
+          <p:nvPr>
+            <p:ph type="title"/>
+          </p:nvPr>
+        </p:nvSpPr>
+        <p:spPr/>
+        <p:txBody>
+          <a:bodyPr>
+            <a:normAutofit fontScale="90000"/>
+          </a:bodyPr>
+          <a:lstStyle/>
+          <a:p>
+            <a:r>
+              <a:rPr lang="en-US" dirty="0"/>
+              <a:t>Definitions [5]</a:t>
+            </a:r>
+          </a:p>
+        </p:txBody>
+      </p:sp>
+      <p:sp>
+        <p:nvSpPr>
+          <p:cNvPr id="3" name="Content Placeholder 2">
+            <a:extLst>
+              <a:ext uri="{FF2B5EF4-FFF2-40B4-BE49-F238E27FC236}">
+                <a16:creationId xmlns:a16="http://schemas.microsoft.com/office/drawing/2014/main" id="{AA518F25-5A18-55FC-EB32-ACB322ED00E8}"/>
+              </a:ext>
+            </a:extLst>
+          </p:cNvPr>
+          <p:cNvSpPr>
+            <a:spLocks noGrp="1"/>
+          </p:cNvSpPr>
+          <p:nvPr>
+            <p:ph idx="1"/>
+          </p:nvPr>
+        </p:nvSpPr>
+        <p:spPr/>
+        <p:txBody>
+          <a:bodyPr>
+            <a:normAutofit/>
+          </a:bodyPr>
+          <a:lstStyle/>
+          <a:p>
+            <a:pPr marL="0" indent="0">
+              <a:buNone/>
+            </a:pPr>
+            <a:r>
+              <a:rPr lang="en-US" sz="1800" dirty="0"/>
+              <a:t>A problem is defined as </a:t>
+            </a:r>
+            <a:r>
+              <a:rPr lang="en-US" sz="1800" b="1" dirty="0"/>
+              <a:t>well-posed</a:t>
+            </a:r>
+            <a:r>
+              <a:rPr lang="en-US" sz="1800" dirty="0"/>
+              <a:t> if </a:t>
+            </a:r>
+            <a:r>
+              <a:rPr lang="en-US" sz="1800" u="sng" dirty="0"/>
+              <a:t>all</a:t>
+            </a:r>
+            <a:r>
+              <a:rPr lang="en-US" sz="1800" dirty="0"/>
+              <a:t> the following conditions hold:</a:t>
+            </a:r>
+            <a:endParaRPr lang="en-US" sz="1800" u="sng" dirty="0"/>
+          </a:p>
+          <a:p>
+            <a:pPr marL="457200" indent="-457200">
+              <a:buAutoNum type="arabicPeriod"/>
+            </a:pPr>
+            <a:r>
+              <a:rPr lang="en-US" sz="1800" dirty="0"/>
+              <a:t>Existence</a:t>
+            </a:r>
+          </a:p>
+          <a:p>
+            <a:pPr marL="457200" indent="-457200">
+              <a:buAutoNum type="arabicPeriod"/>
+            </a:pPr>
+            <a:r>
+              <a:rPr lang="en-US" sz="1800" dirty="0"/>
+              <a:t>Uniqueness</a:t>
+            </a:r>
+          </a:p>
+          <a:p>
+            <a:pPr marL="457200" indent="-457200">
+              <a:buAutoNum type="arabicPeriod"/>
+            </a:pPr>
+            <a:r>
+              <a:rPr lang="en-US" sz="1800" dirty="0"/>
+              <a:t>Stability</a:t>
+            </a:r>
+          </a:p>
+          <a:p>
+            <a:pPr marL="457200" indent="-457200">
+              <a:buAutoNum type="arabicPeriod"/>
+            </a:pPr>
+            <a:endParaRPr lang="en-US" sz="1800" dirty="0"/>
+          </a:p>
+          <a:p>
+            <a:pPr marL="0" indent="0">
+              <a:buNone/>
+            </a:pPr>
+            <a:r>
+              <a:rPr lang="en-US" sz="1800" dirty="0"/>
+              <a:t>Stability – small changes in initial conditions lead to small changes in the solution</a:t>
+            </a:r>
+          </a:p>
+        </p:txBody>
+      </p:sp>
+      <p:sp>
+        <p:nvSpPr>
+          <p:cNvPr id="4" name="Slide Number Placeholder 3">
+            <a:extLst>
+              <a:ext uri="{FF2B5EF4-FFF2-40B4-BE49-F238E27FC236}">
+                <a16:creationId xmlns:a16="http://schemas.microsoft.com/office/drawing/2014/main" id="{92242188-38D9-190E-C88F-F071298D78DD}"/>
+              </a:ext>
+            </a:extLst>
+          </p:cNvPr>
+          <p:cNvSpPr>
+            <a:spLocks noGrp="1"/>
+          </p:cNvSpPr>
+          <p:nvPr>
+            <p:ph type="sldNum" sz="quarter" idx="12"/>
+          </p:nvPr>
+        </p:nvSpPr>
+        <p:spPr/>
+        <p:txBody>
+          <a:bodyPr/>
+          <a:lstStyle/>
+          <a:p>
+            <a:fld id="{D95F4311-C1C1-468E-90BA-469E1A493750}" type="slidenum">
+              <a:rPr lang="en-US" smtClean="0"/>
+              <a:t>6</a:t>
+            </a:fld>
+            <a:endParaRPr lang="en-US"/>
+          </a:p>
+        </p:txBody>
+      </p:sp>
+    </p:spTree>
+    <p:extLst>
+      <p:ext uri="{BB962C8B-B14F-4D97-AF65-F5344CB8AC3E}">
+        <p14:creationId xmlns:p14="http://schemas.microsoft.com/office/powerpoint/2010/main" val="2984127890"/>
       </p:ext>
     </p:extLst>
   </p:cSld>
@@ -6100,7 +5679,7 @@
           <a:p>
             <a:r>
               <a:rPr lang="en-US" dirty="0"/>
-              <a:t>Definitions [5]</a:t>
+              <a:t>Definitions [6]</a:t>
             </a:r>
           </a:p>
         </p:txBody>
@@ -6137,7 +5716,7 @@
             </a:r>
             <a:r>
               <a:rPr lang="en-US" sz="1800" b="1" dirty="0"/>
-              <a:t>well-posed</a:t>
+              <a:t>ill-posed</a:t>
             </a:r>
             <a:r>
               <a:rPr lang="en-US" sz="1800" dirty="0"/>
@@ -6145,7 +5724,7 @@
             </a:r>
             <a:r>
               <a:rPr lang="en-US" sz="1800" u="sng" dirty="0"/>
-              <a:t>all</a:t>
+              <a:t>any</a:t>
             </a:r>
             <a:r>
               <a:rPr lang="en-US" sz="1800" dirty="0"/>
@@ -6159,7 +5738,7 @@
             </a:pPr>
             <a:r>
               <a:rPr lang="en-US" sz="1800" dirty="0"/>
-              <a:t>Existence</a:t>
+              <a:t>A solution may does not exist</a:t>
             </a:r>
           </a:p>
           <a:p>
@@ -6168,7 +5747,7 @@
             </a:pPr>
             <a:r>
               <a:rPr lang="en-US" sz="1800" dirty="0"/>
-              <a:t>Uniqueness</a:t>
+              <a:t>There may be more than one solution</a:t>
             </a:r>
           </a:p>
           <a:p>
@@ -6176,15 +5755,15 @@
               <a:buAutoNum type="arabicPeriod"/>
             </a:pPr>
             <a:r>
-              <a:rPr lang="en-US" sz="1800" b="1" dirty="0"/>
-              <a:t>Stability</a:t>
+              <a:rPr lang="en-US" sz="1800" dirty="0"/>
+              <a:t>Small changes in the initial conditions lead to big changes in the solution</a:t>
             </a:r>
           </a:p>
           <a:p>
             <a:pPr marL="457200" indent="-457200">
               <a:buAutoNum type="arabicPeriod"/>
             </a:pPr>
-            <a:endParaRPr lang="en-US" sz="1800" b="1" dirty="0"/>
+            <a:endParaRPr lang="en-US" sz="1800" dirty="0"/>
           </a:p>
           <a:p>
             <a:pPr marL="0" indent="0">
@@ -6192,7 +5771,7 @@
             </a:pPr>
             <a:r>
               <a:rPr lang="en-US" sz="1800" dirty="0"/>
-              <a:t>Stability – the solution must depend continuously on the data provided </a:t>
+              <a:t>Inverse problems tend to be ill-posed problems. With the addition of engineering mechanics, the field of inverse mechanics has emerged.</a:t>
             </a:r>
           </a:p>
         </p:txBody>
@@ -6230,513 +5809,6 @@
     <p:extLst>
       <p:ext uri="{BB962C8B-B14F-4D97-AF65-F5344CB8AC3E}">
         <p14:creationId xmlns:p14="http://schemas.microsoft.com/office/powerpoint/2010/main" val="3727330784"/>
-      </p:ext>
-    </p:extLst>
-  </p:cSld>
-  <p:clrMapOvr>
-    <a:masterClrMapping/>
-  </p:clrMapOvr>
-</p:sld>
-</file>
-
-<file path=ppt/slides/slide8.xml><?xml version="1.0" encoding="utf-8"?>
-<p:sld xmlns:a="http://schemas.openxmlformats.org/drawingml/2006/main" xmlns:r="http://schemas.openxmlformats.org/officeDocument/2006/relationships" xmlns:p="http://schemas.openxmlformats.org/presentationml/2006/main">
-  <p:cSld>
-    <p:spTree>
-      <p:nvGrpSpPr>
-        <p:cNvPr id="1" name=""/>
-        <p:cNvGrpSpPr/>
-        <p:nvPr/>
-      </p:nvGrpSpPr>
-      <p:grpSpPr>
-        <a:xfrm>
-          <a:off x="0" y="0"/>
-          <a:ext cx="0" cy="0"/>
-          <a:chOff x="0" y="0"/>
-          <a:chExt cx="0" cy="0"/>
-        </a:xfrm>
-      </p:grpSpPr>
-      <p:sp>
-        <p:nvSpPr>
-          <p:cNvPr id="2" name="Title 1">
-            <a:extLst>
-              <a:ext uri="{FF2B5EF4-FFF2-40B4-BE49-F238E27FC236}">
-                <a16:creationId xmlns:a16="http://schemas.microsoft.com/office/drawing/2014/main" id="{DD9C8A71-70E4-30B1-1BC3-A7A45066D411}"/>
-              </a:ext>
-            </a:extLst>
-          </p:cNvPr>
-          <p:cNvSpPr>
-            <a:spLocks noGrp="1"/>
-          </p:cNvSpPr>
-          <p:nvPr>
-            <p:ph type="title"/>
-          </p:nvPr>
-        </p:nvSpPr>
-        <p:spPr/>
-        <p:txBody>
-          <a:bodyPr>
-            <a:normAutofit fontScale="90000"/>
-          </a:bodyPr>
-          <a:lstStyle/>
-          <a:p>
-            <a:r>
-              <a:rPr lang="en-US" dirty="0"/>
-              <a:t>Definitions [6] </a:t>
-            </a:r>
-          </a:p>
-        </p:txBody>
-      </p:sp>
-      <p:sp>
-        <p:nvSpPr>
-          <p:cNvPr id="3" name="Content Placeholder 2">
-            <a:extLst>
-              <a:ext uri="{FF2B5EF4-FFF2-40B4-BE49-F238E27FC236}">
-                <a16:creationId xmlns:a16="http://schemas.microsoft.com/office/drawing/2014/main" id="{3365961A-1F1F-0365-BF1B-18F24058A8B6}"/>
-              </a:ext>
-            </a:extLst>
-          </p:cNvPr>
-          <p:cNvSpPr>
-            <a:spLocks noGrp="1"/>
-          </p:cNvSpPr>
-          <p:nvPr>
-            <p:ph idx="1"/>
-          </p:nvPr>
-        </p:nvSpPr>
-        <p:spPr/>
-        <p:txBody>
-          <a:bodyPr/>
-          <a:lstStyle/>
-          <a:p>
-            <a:endParaRPr lang="en-US" dirty="0"/>
-          </a:p>
-        </p:txBody>
-      </p:sp>
-      <p:sp>
-        <p:nvSpPr>
-          <p:cNvPr id="4" name="Slide Number Placeholder 3">
-            <a:extLst>
-              <a:ext uri="{FF2B5EF4-FFF2-40B4-BE49-F238E27FC236}">
-                <a16:creationId xmlns:a16="http://schemas.microsoft.com/office/drawing/2014/main" id="{F5F7E26F-6BEC-EEC4-DD61-58AFAE47B0D7}"/>
-              </a:ext>
-            </a:extLst>
-          </p:cNvPr>
-          <p:cNvSpPr>
-            <a:spLocks noGrp="1"/>
-          </p:cNvSpPr>
-          <p:nvPr>
-            <p:ph type="sldNum" sz="quarter" idx="12"/>
-          </p:nvPr>
-        </p:nvSpPr>
-        <p:spPr/>
-        <p:txBody>
-          <a:bodyPr/>
-          <a:lstStyle/>
-          <a:p>
-            <a:fld id="{D95F4311-C1C1-468E-90BA-469E1A493750}" type="slidenum">
-              <a:rPr lang="en-US" smtClean="0"/>
-              <a:t>8</a:t>
-            </a:fld>
-            <a:endParaRPr lang="en-US"/>
-          </a:p>
-        </p:txBody>
-      </p:sp>
-    </p:spTree>
-    <p:extLst>
-      <p:ext uri="{BB962C8B-B14F-4D97-AF65-F5344CB8AC3E}">
-        <p14:creationId xmlns:p14="http://schemas.microsoft.com/office/powerpoint/2010/main" val="1626534261"/>
-      </p:ext>
-    </p:extLst>
-  </p:cSld>
-  <p:clrMapOvr>
-    <a:masterClrMapping/>
-  </p:clrMapOvr>
-</p:sld>
-</file>
-
-<file path=ppt/slides/slide9.xml><?xml version="1.0" encoding="utf-8"?>
-<p:sld xmlns:a="http://schemas.openxmlformats.org/drawingml/2006/main" xmlns:r="http://schemas.openxmlformats.org/officeDocument/2006/relationships" xmlns:p="http://schemas.openxmlformats.org/presentationml/2006/main">
-  <p:cSld>
-    <p:spTree>
-      <p:nvGrpSpPr>
-        <p:cNvPr id="1" name="">
-          <a:extLst>
-            <a:ext uri="{FF2B5EF4-FFF2-40B4-BE49-F238E27FC236}">
-              <a16:creationId xmlns:a16="http://schemas.microsoft.com/office/drawing/2014/main" id="{EBCBB609-AA15-A93D-43F4-AA34CF5C7D9A}"/>
-            </a:ext>
-          </a:extLst>
-        </p:cNvPr>
-        <p:cNvGrpSpPr/>
-        <p:nvPr/>
-      </p:nvGrpSpPr>
-      <p:grpSpPr>
-        <a:xfrm>
-          <a:off x="0" y="0"/>
-          <a:ext cx="0" cy="0"/>
-          <a:chOff x="0" y="0"/>
-          <a:chExt cx="0" cy="0"/>
-        </a:xfrm>
-      </p:grpSpPr>
-      <p:sp>
-        <p:nvSpPr>
-          <p:cNvPr id="2" name="Title 1">
-            <a:extLst>
-              <a:ext uri="{FF2B5EF4-FFF2-40B4-BE49-F238E27FC236}">
-                <a16:creationId xmlns:a16="http://schemas.microsoft.com/office/drawing/2014/main" id="{D4AED6B7-C471-3FEF-508D-B481579662B9}"/>
-              </a:ext>
-            </a:extLst>
-          </p:cNvPr>
-          <p:cNvSpPr>
-            <a:spLocks noGrp="1"/>
-          </p:cNvSpPr>
-          <p:nvPr>
-            <p:ph type="title"/>
-          </p:nvPr>
-        </p:nvSpPr>
-        <p:spPr/>
-        <p:txBody>
-          <a:bodyPr>
-            <a:normAutofit fontScale="90000"/>
-          </a:bodyPr>
-          <a:lstStyle/>
-          <a:p>
-            <a:r>
-              <a:rPr lang="en-US" dirty="0"/>
-              <a:t>Forward vs. Inverse Mechanics</a:t>
-            </a:r>
-          </a:p>
-        </p:txBody>
-      </p:sp>
-      <p:graphicFrame>
-        <p:nvGraphicFramePr>
-          <p:cNvPr id="5" name="Content Placeholder 4">
-            <a:extLst>
-              <a:ext uri="{FF2B5EF4-FFF2-40B4-BE49-F238E27FC236}">
-                <a16:creationId xmlns:a16="http://schemas.microsoft.com/office/drawing/2014/main" id="{781B4848-D0F8-CD9A-2170-A39A47AE2BFF}"/>
-              </a:ext>
-            </a:extLst>
-          </p:cNvPr>
-          <p:cNvGraphicFramePr>
-            <a:graphicFrameLocks noGrp="1"/>
-          </p:cNvGraphicFramePr>
-          <p:nvPr>
-            <p:ph idx="1"/>
-            <p:extLst>
-              <p:ext uri="{D42A27DB-BD31-4B8C-83A1-F6EECF244321}">
-                <p14:modId xmlns:p14="http://schemas.microsoft.com/office/powerpoint/2010/main" val="302152909"/>
-              </p:ext>
-            </p:extLst>
-          </p:nvPr>
-        </p:nvGraphicFramePr>
-        <p:xfrm>
-          <a:off x="838200" y="1577975"/>
-          <a:ext cx="10515597" cy="2225040"/>
-        </p:xfrm>
-        <a:graphic>
-          <a:graphicData uri="http://schemas.openxmlformats.org/drawingml/2006/table">
-            <a:tbl>
-              <a:tblPr firstRow="1" bandRow="1">
-                <a:tableStyleId>{5C22544A-7EE6-4342-B048-85BDC9FD1C3A}</a:tableStyleId>
-              </a:tblPr>
-              <a:tblGrid>
-                <a:gridCol w="3505199">
-                  <a:extLst>
-                    <a:ext uri="{9D8B030D-6E8A-4147-A177-3AD203B41FA5}">
-                      <a16:colId xmlns:a16="http://schemas.microsoft.com/office/drawing/2014/main" val="231467979"/>
-                    </a:ext>
-                  </a:extLst>
-                </a:gridCol>
-                <a:gridCol w="3505199">
-                  <a:extLst>
-                    <a:ext uri="{9D8B030D-6E8A-4147-A177-3AD203B41FA5}">
-                      <a16:colId xmlns:a16="http://schemas.microsoft.com/office/drawing/2014/main" val="774278012"/>
-                    </a:ext>
-                  </a:extLst>
-                </a:gridCol>
-                <a:gridCol w="3505199">
-                  <a:extLst>
-                    <a:ext uri="{9D8B030D-6E8A-4147-A177-3AD203B41FA5}">
-                      <a16:colId xmlns:a16="http://schemas.microsoft.com/office/drawing/2014/main" val="3401045039"/>
-                    </a:ext>
-                  </a:extLst>
-                </a:gridCol>
-              </a:tblGrid>
-              <a:tr h="370840">
-                <a:tc>
-                  <a:txBody>
-                    <a:bodyPr/>
-                    <a:lstStyle/>
-                    <a:p>
-                      <a:r>
-                        <a:rPr lang="en-US" dirty="0"/>
-                        <a:t>Concept</a:t>
-                      </a:r>
-                    </a:p>
-                  </a:txBody>
-                  <a:tcPr/>
-                </a:tc>
-                <a:tc>
-                  <a:txBody>
-                    <a:bodyPr/>
-                    <a:lstStyle/>
-                    <a:p>
-                      <a:r>
-                        <a:rPr lang="en-US" dirty="0"/>
-                        <a:t>Forward Mechanics</a:t>
-                      </a:r>
-                    </a:p>
-                  </a:txBody>
-                  <a:tcPr/>
-                </a:tc>
-                <a:tc>
-                  <a:txBody>
-                    <a:bodyPr/>
-                    <a:lstStyle/>
-                    <a:p>
-                      <a:r>
-                        <a:rPr lang="en-US" dirty="0"/>
-                        <a:t>Inverse Mechanics</a:t>
-                      </a:r>
-                    </a:p>
-                  </a:txBody>
-                  <a:tcPr/>
-                </a:tc>
-                <a:extLst>
-                  <a:ext uri="{0D108BD9-81ED-4DB2-BD59-A6C34878D82A}">
-                    <a16:rowId xmlns:a16="http://schemas.microsoft.com/office/drawing/2014/main" val="2867152650"/>
-                  </a:ext>
-                </a:extLst>
-              </a:tr>
-              <a:tr h="370840">
-                <a:tc>
-                  <a:txBody>
-                    <a:bodyPr/>
-                    <a:lstStyle/>
-                    <a:p>
-                      <a:r>
-                        <a:rPr lang="en-US" dirty="0"/>
-                        <a:t>Fundamental Question</a:t>
-                      </a:r>
-                    </a:p>
-                  </a:txBody>
-                  <a:tcPr/>
-                </a:tc>
-                <a:tc>
-                  <a:txBody>
-                    <a:bodyPr/>
-                    <a:lstStyle/>
-                    <a:p>
-                      <a:endParaRPr lang="en-US"/>
-                    </a:p>
-                  </a:txBody>
-                  <a:tcPr/>
-                </a:tc>
-                <a:tc>
-                  <a:txBody>
-                    <a:bodyPr/>
-                    <a:lstStyle/>
-                    <a:p>
-                      <a:endParaRPr lang="en-US"/>
-                    </a:p>
-                  </a:txBody>
-                  <a:tcPr/>
-                </a:tc>
-                <a:extLst>
-                  <a:ext uri="{0D108BD9-81ED-4DB2-BD59-A6C34878D82A}">
-                    <a16:rowId xmlns:a16="http://schemas.microsoft.com/office/drawing/2014/main" val="3834405067"/>
-                  </a:ext>
-                </a:extLst>
-              </a:tr>
-              <a:tr h="370840">
-                <a:tc>
-                  <a:txBody>
-                    <a:bodyPr/>
-                    <a:lstStyle/>
-                    <a:p>
-                      <a:r>
-                        <a:rPr lang="en-US" dirty="0"/>
-                        <a:t>Direction of Reasoning</a:t>
-                      </a:r>
-                    </a:p>
-                  </a:txBody>
-                  <a:tcPr/>
-                </a:tc>
-                <a:tc>
-                  <a:txBody>
-                    <a:bodyPr/>
-                    <a:lstStyle/>
-                    <a:p>
-                      <a:endParaRPr lang="en-US"/>
-                    </a:p>
-                  </a:txBody>
-                  <a:tcPr/>
-                </a:tc>
-                <a:tc>
-                  <a:txBody>
-                    <a:bodyPr/>
-                    <a:lstStyle/>
-                    <a:p>
-                      <a:endParaRPr lang="en-US"/>
-                    </a:p>
-                  </a:txBody>
-                  <a:tcPr/>
-                </a:tc>
-                <a:extLst>
-                  <a:ext uri="{0D108BD9-81ED-4DB2-BD59-A6C34878D82A}">
-                    <a16:rowId xmlns:a16="http://schemas.microsoft.com/office/drawing/2014/main" val="2267364566"/>
-                  </a:ext>
-                </a:extLst>
-              </a:tr>
-              <a:tr h="370840">
-                <a:tc>
-                  <a:txBody>
-                    <a:bodyPr/>
-                    <a:lstStyle/>
-                    <a:p>
-                      <a:r>
-                        <a:rPr lang="en-US" dirty="0"/>
-                        <a:t>Typical Usage</a:t>
-                      </a:r>
-                    </a:p>
-                  </a:txBody>
-                  <a:tcPr/>
-                </a:tc>
-                <a:tc>
-                  <a:txBody>
-                    <a:bodyPr/>
-                    <a:lstStyle/>
-                    <a:p>
-                      <a:endParaRPr lang="en-US"/>
-                    </a:p>
-                  </a:txBody>
-                  <a:tcPr/>
-                </a:tc>
-                <a:tc>
-                  <a:txBody>
-                    <a:bodyPr/>
-                    <a:lstStyle/>
-                    <a:p>
-                      <a:endParaRPr lang="en-US"/>
-                    </a:p>
-                  </a:txBody>
-                  <a:tcPr/>
-                </a:tc>
-                <a:extLst>
-                  <a:ext uri="{0D108BD9-81ED-4DB2-BD59-A6C34878D82A}">
-                    <a16:rowId xmlns:a16="http://schemas.microsoft.com/office/drawing/2014/main" val="830073625"/>
-                  </a:ext>
-                </a:extLst>
-              </a:tr>
-              <a:tr h="370840">
-                <a:tc>
-                  <a:txBody>
-                    <a:bodyPr/>
-                    <a:lstStyle/>
-                    <a:p>
-                      <a:endParaRPr lang="en-US" dirty="0"/>
-                    </a:p>
-                  </a:txBody>
-                  <a:tcPr/>
-                </a:tc>
-                <a:tc>
-                  <a:txBody>
-                    <a:bodyPr/>
-                    <a:lstStyle/>
-                    <a:p>
-                      <a:endParaRPr lang="en-US"/>
-                    </a:p>
-                  </a:txBody>
-                  <a:tcPr/>
-                </a:tc>
-                <a:tc>
-                  <a:txBody>
-                    <a:bodyPr/>
-                    <a:lstStyle/>
-                    <a:p>
-                      <a:endParaRPr lang="en-US"/>
-                    </a:p>
-                  </a:txBody>
-                  <a:tcPr/>
-                </a:tc>
-                <a:extLst>
-                  <a:ext uri="{0D108BD9-81ED-4DB2-BD59-A6C34878D82A}">
-                    <a16:rowId xmlns:a16="http://schemas.microsoft.com/office/drawing/2014/main" val="1024413728"/>
-                  </a:ext>
-                </a:extLst>
-              </a:tr>
-              <a:tr h="370840">
-                <a:tc>
-                  <a:txBody>
-                    <a:bodyPr/>
-                    <a:lstStyle/>
-                    <a:p>
-                      <a:endParaRPr lang="en-US"/>
-                    </a:p>
-                  </a:txBody>
-                  <a:tcPr/>
-                </a:tc>
-                <a:tc>
-                  <a:txBody>
-                    <a:bodyPr/>
-                    <a:lstStyle/>
-                    <a:p>
-                      <a:endParaRPr lang="en-US"/>
-                    </a:p>
-                  </a:txBody>
-                  <a:tcPr/>
-                </a:tc>
-                <a:tc>
-                  <a:txBody>
-                    <a:bodyPr/>
-                    <a:lstStyle/>
-                    <a:p>
-                      <a:endParaRPr lang="en-US" dirty="0"/>
-                    </a:p>
-                  </a:txBody>
-                  <a:tcPr/>
-                </a:tc>
-                <a:extLst>
-                  <a:ext uri="{0D108BD9-81ED-4DB2-BD59-A6C34878D82A}">
-                    <a16:rowId xmlns:a16="http://schemas.microsoft.com/office/drawing/2014/main" val="147809661"/>
-                  </a:ext>
-                </a:extLst>
-              </a:tr>
-            </a:tbl>
-          </a:graphicData>
-        </a:graphic>
-      </p:graphicFrame>
-      <p:sp>
-        <p:nvSpPr>
-          <p:cNvPr id="4" name="Slide Number Placeholder 3">
-            <a:extLst>
-              <a:ext uri="{FF2B5EF4-FFF2-40B4-BE49-F238E27FC236}">
-                <a16:creationId xmlns:a16="http://schemas.microsoft.com/office/drawing/2014/main" id="{4EC2D2F0-B8EB-FD81-1728-9D2D53579E7B}"/>
-              </a:ext>
-            </a:extLst>
-          </p:cNvPr>
-          <p:cNvSpPr>
-            <a:spLocks noGrp="1"/>
-          </p:cNvSpPr>
-          <p:nvPr>
-            <p:ph type="sldNum" sz="quarter" idx="12"/>
-          </p:nvPr>
-        </p:nvSpPr>
-        <p:spPr/>
-        <p:txBody>
-          <a:bodyPr/>
-          <a:lstStyle/>
-          <a:p>
-            <a:fld id="{D95F4311-C1C1-468E-90BA-469E1A493750}" type="slidenum">
-              <a:rPr lang="en-US" smtClean="0"/>
-              <a:t>9</a:t>
-            </a:fld>
-            <a:endParaRPr lang="en-US"/>
-          </a:p>
-        </p:txBody>
-      </p:sp>
-    </p:spTree>
-    <p:extLst>
-      <p:ext uri="{BB962C8B-B14F-4D97-AF65-F5344CB8AC3E}">
-        <p14:creationId xmlns:p14="http://schemas.microsoft.com/office/powerpoint/2010/main" val="1971491776"/>
       </p:ext>
     </p:extLst>
   </p:cSld>

--- a/0-Introduction/0-Introduction.pptx
+++ b/0-Introduction/0-Introduction.pptx
@@ -5,19 +5,23 @@
     <p:sldMasterId id="2147483648" r:id="rId1"/>
   </p:sldMasterIdLst>
   <p:notesMasterIdLst>
-    <p:notesMasterId r:id="rId9"/>
+    <p:notesMasterId r:id="rId13"/>
   </p:notesMasterIdLst>
   <p:handoutMasterIdLst>
-    <p:handoutMasterId r:id="rId10"/>
+    <p:handoutMasterId r:id="rId14"/>
   </p:handoutMasterIdLst>
   <p:sldIdLst>
     <p:sldId id="256" r:id="rId2"/>
     <p:sldId id="261" r:id="rId3"/>
-    <p:sldId id="259" r:id="rId4"/>
-    <p:sldId id="264" r:id="rId5"/>
-    <p:sldId id="265" r:id="rId6"/>
-    <p:sldId id="269" r:id="rId7"/>
-    <p:sldId id="266" r:id="rId8"/>
+    <p:sldId id="268" r:id="rId4"/>
+    <p:sldId id="259" r:id="rId5"/>
+    <p:sldId id="266" r:id="rId6"/>
+    <p:sldId id="267" r:id="rId7"/>
+    <p:sldId id="257" r:id="rId8"/>
+    <p:sldId id="260" r:id="rId9"/>
+    <p:sldId id="258" r:id="rId10"/>
+    <p:sldId id="269" r:id="rId11"/>
+    <p:sldId id="270" r:id="rId12"/>
   </p:sldIdLst>
   <p:sldSz cx="12192000" cy="6858000"/>
   <p:notesSz cx="6858000" cy="9144000"/>
@@ -362,7 +366,7 @@
           <a:p>
             <a:fld id="{26E7365E-7303-4AD9-8FBF-4B173A7D9DED}" type="datetimeFigureOut">
               <a:rPr lang="en-US" smtClean="0"/>
-              <a:t>1/22/2026</a:t>
+              <a:t>1/29/2026</a:t>
             </a:fld>
             <a:endParaRPr lang="en-US"/>
           </a:p>
@@ -540,7 +544,7 @@
           <a:p>
             <a:fld id="{812898FD-25D5-4BC2-95FB-0E9BA7ACA22E}" type="datetimeFigureOut">
               <a:rPr lang="en-US" smtClean="0"/>
-              <a:t>1/22/2026</a:t>
+              <a:t>1/29/2026</a:t>
             </a:fld>
             <a:endParaRPr lang="en-US"/>
           </a:p>
@@ -4387,6 +4391,2751 @@
 </p:sld>
 </file>
 
+<file path=ppt/slides/slide10.xml><?xml version="1.0" encoding="utf-8"?>
+<p:sld xmlns:a="http://schemas.openxmlformats.org/drawingml/2006/main" xmlns:r="http://schemas.openxmlformats.org/officeDocument/2006/relationships" xmlns:p="http://schemas.openxmlformats.org/presentationml/2006/main">
+  <p:cSld>
+    <p:spTree>
+      <p:nvGrpSpPr>
+        <p:cNvPr id="1" name="">
+          <a:extLst>
+            <a:ext uri="{FF2B5EF4-FFF2-40B4-BE49-F238E27FC236}">
+              <a16:creationId xmlns:a16="http://schemas.microsoft.com/office/drawing/2014/main" id="{C1F4CD63-22AE-CBF9-426B-D22D8425940C}"/>
+            </a:ext>
+          </a:extLst>
+        </p:cNvPr>
+        <p:cNvGrpSpPr/>
+        <p:nvPr/>
+      </p:nvGrpSpPr>
+      <p:grpSpPr>
+        <a:xfrm>
+          <a:off x="0" y="0"/>
+          <a:ext cx="0" cy="0"/>
+          <a:chOff x="0" y="0"/>
+          <a:chExt cx="0" cy="0"/>
+        </a:xfrm>
+      </p:grpSpPr>
+      <p:sp>
+        <p:nvSpPr>
+          <p:cNvPr id="2" name="Title 1">
+            <a:extLst>
+              <a:ext uri="{FF2B5EF4-FFF2-40B4-BE49-F238E27FC236}">
+                <a16:creationId xmlns:a16="http://schemas.microsoft.com/office/drawing/2014/main" id="{ACE350BD-F88C-9CCD-EE59-1D70E16C80CC}"/>
+              </a:ext>
+            </a:extLst>
+          </p:cNvPr>
+          <p:cNvSpPr>
+            <a:spLocks noGrp="1"/>
+          </p:cNvSpPr>
+          <p:nvPr>
+            <p:ph type="title"/>
+          </p:nvPr>
+        </p:nvSpPr>
+        <p:spPr/>
+        <p:txBody>
+          <a:bodyPr>
+            <a:normAutofit fontScale="90000"/>
+          </a:bodyPr>
+          <a:lstStyle/>
+          <a:p>
+            <a:r>
+              <a:rPr lang="en-US" dirty="0"/>
+              <a:t>Example: Simple Beam with Two Materials</a:t>
+            </a:r>
+          </a:p>
+        </p:txBody>
+      </p:sp>
+      <p:sp>
+        <p:nvSpPr>
+          <p:cNvPr id="4" name="Slide Number Placeholder 3">
+            <a:extLst>
+              <a:ext uri="{FF2B5EF4-FFF2-40B4-BE49-F238E27FC236}">
+                <a16:creationId xmlns:a16="http://schemas.microsoft.com/office/drawing/2014/main" id="{F3AB7B61-F166-C079-5ED5-F26DF29E430F}"/>
+              </a:ext>
+            </a:extLst>
+          </p:cNvPr>
+          <p:cNvSpPr>
+            <a:spLocks noGrp="1"/>
+          </p:cNvSpPr>
+          <p:nvPr>
+            <p:ph type="sldNum" sz="quarter" idx="12"/>
+          </p:nvPr>
+        </p:nvSpPr>
+        <p:spPr/>
+        <p:txBody>
+          <a:bodyPr/>
+          <a:lstStyle/>
+          <a:p>
+            <a:fld id="{D95F4311-C1C1-468E-90BA-469E1A493750}" type="slidenum">
+              <a:rPr lang="en-US" smtClean="0"/>
+              <a:t>10</a:t>
+            </a:fld>
+            <a:endParaRPr lang="en-US"/>
+          </a:p>
+        </p:txBody>
+      </p:sp>
+      <p:grpSp>
+        <p:nvGrpSpPr>
+          <p:cNvPr id="23" name="Group 22">
+            <a:extLst>
+              <a:ext uri="{FF2B5EF4-FFF2-40B4-BE49-F238E27FC236}">
+                <a16:creationId xmlns:a16="http://schemas.microsoft.com/office/drawing/2014/main" id="{3098800A-56A2-5657-90C8-BE01D2A72157}"/>
+              </a:ext>
+            </a:extLst>
+          </p:cNvPr>
+          <p:cNvGrpSpPr/>
+          <p:nvPr/>
+        </p:nvGrpSpPr>
+        <p:grpSpPr>
+          <a:xfrm>
+            <a:off x="3694335" y="4200744"/>
+            <a:ext cx="4144962" cy="2316797"/>
+            <a:chOff x="3877215" y="3290450"/>
+            <a:chExt cx="4144962" cy="2316797"/>
+          </a:xfrm>
+        </p:grpSpPr>
+        <p:grpSp>
+          <p:nvGrpSpPr>
+            <p:cNvPr id="5" name="Group 4">
+              <a:extLst>
+                <a:ext uri="{FF2B5EF4-FFF2-40B4-BE49-F238E27FC236}">
+                  <a16:creationId xmlns:a16="http://schemas.microsoft.com/office/drawing/2014/main" id="{3FCE64A7-00DF-E5A4-F268-2340587A943A}"/>
+                </a:ext>
+              </a:extLst>
+            </p:cNvPr>
+            <p:cNvGrpSpPr/>
+            <p:nvPr/>
+          </p:nvGrpSpPr>
+          <p:grpSpPr>
+            <a:xfrm>
+              <a:off x="3877215" y="3290450"/>
+              <a:ext cx="4144962" cy="2316797"/>
+              <a:chOff x="1251331" y="1945303"/>
+              <a:chExt cx="3207259" cy="1975562"/>
+            </a:xfrm>
+          </p:grpSpPr>
+          <p:cxnSp>
+            <p:nvCxnSpPr>
+              <p:cNvPr id="6" name="Straight Connector 5">
+                <a:extLst>
+                  <a:ext uri="{FF2B5EF4-FFF2-40B4-BE49-F238E27FC236}">
+                    <a16:creationId xmlns:a16="http://schemas.microsoft.com/office/drawing/2014/main" id="{13DE36FA-2541-2592-6911-A870E7C6F093}"/>
+                  </a:ext>
+                </a:extLst>
+              </p:cNvPr>
+              <p:cNvCxnSpPr>
+                <a:cxnSpLocks/>
+              </p:cNvCxnSpPr>
+              <p:nvPr/>
+            </p:nvCxnSpPr>
+            <p:spPr>
+              <a:xfrm>
+                <a:off x="1251331" y="3148491"/>
+                <a:ext cx="1545984" cy="0"/>
+              </a:xfrm>
+              <a:prstGeom prst="line">
+                <a:avLst/>
+              </a:prstGeom>
+              <a:ln w="57150">
+                <a:solidFill>
+                  <a:schemeClr val="tx2">
+                    <a:lumMod val="75000"/>
+                    <a:lumOff val="25000"/>
+                  </a:schemeClr>
+                </a:solidFill>
+              </a:ln>
+            </p:spPr>
+            <p:style>
+              <a:lnRef idx="2">
+                <a:schemeClr val="dk1"/>
+              </a:lnRef>
+              <a:fillRef idx="0">
+                <a:schemeClr val="dk1"/>
+              </a:fillRef>
+              <a:effectRef idx="1">
+                <a:schemeClr val="dk1"/>
+              </a:effectRef>
+              <a:fontRef idx="minor">
+                <a:schemeClr val="tx1"/>
+              </a:fontRef>
+            </p:style>
+          </p:cxnSp>
+          <p:sp>
+            <p:nvSpPr>
+              <p:cNvPr id="7" name="Oval 6">
+                <a:extLst>
+                  <a:ext uri="{FF2B5EF4-FFF2-40B4-BE49-F238E27FC236}">
+                    <a16:creationId xmlns:a16="http://schemas.microsoft.com/office/drawing/2014/main" id="{BDFC38AE-DE45-07C8-5EBD-D7BDF5D1623C}"/>
+                  </a:ext>
+                </a:extLst>
+              </p:cNvPr>
+              <p:cNvSpPr/>
+              <p:nvPr/>
+            </p:nvSpPr>
+            <p:spPr>
+              <a:xfrm>
+                <a:off x="4189805" y="3148491"/>
+                <a:ext cx="268785" cy="287394"/>
+              </a:xfrm>
+              <a:prstGeom prst="ellipse">
+                <a:avLst/>
+              </a:prstGeom>
+              <a:solidFill>
+                <a:schemeClr val="dk1"/>
+              </a:solidFill>
+              <a:ln>
+                <a:noFill/>
+              </a:ln>
+            </p:spPr>
+            <p:style>
+              <a:lnRef idx="0">
+                <a:scrgbClr r="0" g="0" b="0"/>
+              </a:lnRef>
+              <a:fillRef idx="0">
+                <a:scrgbClr r="0" g="0" b="0"/>
+              </a:fillRef>
+              <a:effectRef idx="0">
+                <a:scrgbClr r="0" g="0" b="0"/>
+              </a:effectRef>
+              <a:fontRef idx="minor">
+                <a:schemeClr val="lt1"/>
+              </a:fontRef>
+            </p:style>
+            <p:txBody>
+              <a:bodyPr rtlCol="0" anchor="ctr"/>
+              <a:lstStyle/>
+              <a:p>
+                <a:pPr algn="ctr"/>
+                <a:endParaRPr lang="en-US" dirty="0"/>
+              </a:p>
+            </p:txBody>
+          </p:sp>
+          <p:sp>
+            <p:nvSpPr>
+              <p:cNvPr id="8" name="Isosceles Triangle 7">
+                <a:extLst>
+                  <a:ext uri="{FF2B5EF4-FFF2-40B4-BE49-F238E27FC236}">
+                    <a16:creationId xmlns:a16="http://schemas.microsoft.com/office/drawing/2014/main" id="{96B1EE0C-3FBA-A9F4-5FAD-94D0C3372457}"/>
+                  </a:ext>
+                </a:extLst>
+              </p:cNvPr>
+              <p:cNvSpPr/>
+              <p:nvPr/>
+            </p:nvSpPr>
+            <p:spPr>
+              <a:xfrm>
+                <a:off x="1277620" y="3148491"/>
+                <a:ext cx="246888" cy="261741"/>
+              </a:xfrm>
+              <a:prstGeom prst="triangle">
+                <a:avLst/>
+              </a:prstGeom>
+              <a:solidFill>
+                <a:schemeClr val="dk1"/>
+              </a:solidFill>
+              <a:ln>
+                <a:noFill/>
+              </a:ln>
+            </p:spPr>
+            <p:style>
+              <a:lnRef idx="0">
+                <a:scrgbClr r="0" g="0" b="0"/>
+              </a:lnRef>
+              <a:fillRef idx="0">
+                <a:scrgbClr r="0" g="0" b="0"/>
+              </a:fillRef>
+              <a:effectRef idx="0">
+                <a:scrgbClr r="0" g="0" b="0"/>
+              </a:effectRef>
+              <a:fontRef idx="minor">
+                <a:schemeClr val="lt1"/>
+              </a:fontRef>
+            </p:style>
+            <p:txBody>
+              <a:bodyPr rtlCol="0" anchor="ctr"/>
+              <a:lstStyle/>
+              <a:p>
+                <a:pPr algn="ctr"/>
+                <a:endParaRPr lang="en-US"/>
+              </a:p>
+            </p:txBody>
+          </p:sp>
+          <p:cxnSp>
+            <p:nvCxnSpPr>
+              <p:cNvPr id="9" name="Straight Arrow Connector 8">
+                <a:extLst>
+                  <a:ext uri="{FF2B5EF4-FFF2-40B4-BE49-F238E27FC236}">
+                    <a16:creationId xmlns:a16="http://schemas.microsoft.com/office/drawing/2014/main" id="{1A81B945-8211-9B29-3ED1-BB9370478715}"/>
+                  </a:ext>
+                </a:extLst>
+              </p:cNvPr>
+              <p:cNvCxnSpPr/>
+              <p:nvPr/>
+            </p:nvCxnSpPr>
+            <p:spPr>
+              <a:xfrm>
+                <a:off x="2797315" y="2181504"/>
+                <a:ext cx="0" cy="960120"/>
+              </a:xfrm>
+              <a:prstGeom prst="straightConnector1">
+                <a:avLst/>
+              </a:prstGeom>
+              <a:ln w="38100">
+                <a:tailEnd type="triangle"/>
+              </a:ln>
+            </p:spPr>
+            <p:style>
+              <a:lnRef idx="1">
+                <a:schemeClr val="dk1"/>
+              </a:lnRef>
+              <a:fillRef idx="0">
+                <a:schemeClr val="dk1"/>
+              </a:fillRef>
+              <a:effectRef idx="0">
+                <a:schemeClr val="dk1"/>
+              </a:effectRef>
+              <a:fontRef idx="minor">
+                <a:schemeClr val="tx1"/>
+              </a:fontRef>
+            </p:style>
+          </p:cxnSp>
+          <p:cxnSp>
+            <p:nvCxnSpPr>
+              <p:cNvPr id="10" name="Straight Connector 9">
+                <a:extLst>
+                  <a:ext uri="{FF2B5EF4-FFF2-40B4-BE49-F238E27FC236}">
+                    <a16:creationId xmlns:a16="http://schemas.microsoft.com/office/drawing/2014/main" id="{09CC2944-B501-90F0-9AE2-CEFE55009AC3}"/>
+                  </a:ext>
+                </a:extLst>
+              </p:cNvPr>
+              <p:cNvCxnSpPr>
+                <a:cxnSpLocks/>
+              </p:cNvCxnSpPr>
+              <p:nvPr/>
+            </p:nvCxnSpPr>
+            <p:spPr>
+              <a:xfrm>
+                <a:off x="1392891" y="3664365"/>
+                <a:ext cx="2907792" cy="0"/>
+              </a:xfrm>
+              <a:prstGeom prst="line">
+                <a:avLst/>
+              </a:prstGeom>
+            </p:spPr>
+            <p:style>
+              <a:lnRef idx="2">
+                <a:schemeClr val="dk1"/>
+              </a:lnRef>
+              <a:fillRef idx="0">
+                <a:schemeClr val="dk1"/>
+              </a:fillRef>
+              <a:effectRef idx="1">
+                <a:schemeClr val="dk1"/>
+              </a:effectRef>
+              <a:fontRef idx="minor">
+                <a:schemeClr val="tx1"/>
+              </a:fontRef>
+            </p:style>
+          </p:cxnSp>
+          <p:sp>
+            <p:nvSpPr>
+              <p:cNvPr id="11" name="TextBox 10">
+                <a:extLst>
+                  <a:ext uri="{FF2B5EF4-FFF2-40B4-BE49-F238E27FC236}">
+                    <a16:creationId xmlns:a16="http://schemas.microsoft.com/office/drawing/2014/main" id="{824BDD6F-26A9-7072-B7C8-8EAB9CC3B49F}"/>
+                  </a:ext>
+                </a:extLst>
+              </p:cNvPr>
+              <p:cNvSpPr txBox="1"/>
+              <p:nvPr/>
+            </p:nvSpPr>
+            <p:spPr>
+              <a:xfrm>
+                <a:off x="2692874" y="3684664"/>
+                <a:ext cx="216071" cy="236201"/>
+              </a:xfrm>
+              <a:prstGeom prst="rect">
+                <a:avLst/>
+              </a:prstGeom>
+              <a:noFill/>
+            </p:spPr>
+            <p:txBody>
+              <a:bodyPr wrap="none" rtlCol="0">
+                <a:spAutoFit/>
+              </a:bodyPr>
+              <a:lstStyle/>
+              <a:p>
+                <a:r>
+                  <a:rPr lang="en-US" sz="1200" dirty="0">
+                    <a:latin typeface="+mj-lt"/>
+                  </a:rPr>
+                  <a:t>L</a:t>
+                </a:r>
+              </a:p>
+            </p:txBody>
+          </p:sp>
+          <p:sp>
+            <p:nvSpPr>
+              <p:cNvPr id="12" name="TextBox 11">
+                <a:extLst>
+                  <a:ext uri="{FF2B5EF4-FFF2-40B4-BE49-F238E27FC236}">
+                    <a16:creationId xmlns:a16="http://schemas.microsoft.com/office/drawing/2014/main" id="{B4543113-D0BE-8F8E-AE1B-1113D51CF382}"/>
+                  </a:ext>
+                </a:extLst>
+              </p:cNvPr>
+              <p:cNvSpPr txBox="1"/>
+              <p:nvPr/>
+            </p:nvSpPr>
+            <p:spPr>
+              <a:xfrm>
+                <a:off x="2693000" y="1945303"/>
+                <a:ext cx="208629" cy="236201"/>
+              </a:xfrm>
+              <a:prstGeom prst="rect">
+                <a:avLst/>
+              </a:prstGeom>
+              <a:noFill/>
+            </p:spPr>
+            <p:txBody>
+              <a:bodyPr wrap="none" rtlCol="0">
+                <a:spAutoFit/>
+              </a:bodyPr>
+              <a:lstStyle/>
+              <a:p>
+                <a:r>
+                  <a:rPr lang="en-US" sz="1200" dirty="0">
+                    <a:latin typeface="+mj-lt"/>
+                  </a:rPr>
+                  <a:t>P</a:t>
+                </a:r>
+              </a:p>
+            </p:txBody>
+          </p:sp>
+          <p:sp>
+            <p:nvSpPr>
+              <p:cNvPr id="13" name="Freeform: Shape 12">
+                <a:extLst>
+                  <a:ext uri="{FF2B5EF4-FFF2-40B4-BE49-F238E27FC236}">
+                    <a16:creationId xmlns:a16="http://schemas.microsoft.com/office/drawing/2014/main" id="{B256FB4F-FA8E-E735-1942-8543A794931C}"/>
+                  </a:ext>
+                </a:extLst>
+              </p:cNvPr>
+              <p:cNvSpPr/>
+              <p:nvPr/>
+            </p:nvSpPr>
+            <p:spPr>
+              <a:xfrm>
+                <a:off x="1435608" y="3168789"/>
+                <a:ext cx="2812415" cy="397404"/>
+              </a:xfrm>
+              <a:custGeom>
+                <a:avLst/>
+                <a:gdLst>
+                  <a:gd name="csX0" fmla="*/ 0 w 2889504"/>
+                  <a:gd name="csY0" fmla="*/ 18288 h 420657"/>
+                  <a:gd name="csX1" fmla="*/ 1399032 w 2889504"/>
+                  <a:gd name="csY1" fmla="*/ 420624 h 420657"/>
+                  <a:gd name="csX2" fmla="*/ 2889504 w 2889504"/>
+                  <a:gd name="csY2" fmla="*/ 0 h 420657"/>
+                </a:gdLst>
+                <a:ahLst/>
+                <a:cxnLst>
+                  <a:cxn ang="0">
+                    <a:pos x="csX0" y="csY0"/>
+                  </a:cxn>
+                  <a:cxn ang="0">
+                    <a:pos x="csX1" y="csY1"/>
+                  </a:cxn>
+                  <a:cxn ang="0">
+                    <a:pos x="csX2" y="csY2"/>
+                  </a:cxn>
+                </a:cxnLst>
+                <a:rect l="l" t="t" r="r" b="b"/>
+                <a:pathLst>
+                  <a:path w="2889504" h="420657">
+                    <a:moveTo>
+                      <a:pt x="0" y="18288"/>
+                    </a:moveTo>
+                    <a:cubicBezTo>
+                      <a:pt x="458724" y="220980"/>
+                      <a:pt x="917448" y="423672"/>
+                      <a:pt x="1399032" y="420624"/>
+                    </a:cubicBezTo>
+                    <a:cubicBezTo>
+                      <a:pt x="1880616" y="417576"/>
+                      <a:pt x="2631948" y="92964"/>
+                      <a:pt x="2889504" y="0"/>
+                    </a:cubicBezTo>
+                  </a:path>
+                </a:pathLst>
+              </a:custGeom>
+              <a:ln w="28575">
+                <a:solidFill>
+                  <a:schemeClr val="tx1"/>
+                </a:solidFill>
+                <a:prstDash val="sysDash"/>
+              </a:ln>
+            </p:spPr>
+            <p:style>
+              <a:lnRef idx="1">
+                <a:schemeClr val="accent4"/>
+              </a:lnRef>
+              <a:fillRef idx="0">
+                <a:schemeClr val="accent4"/>
+              </a:fillRef>
+              <a:effectRef idx="0">
+                <a:schemeClr val="accent4"/>
+              </a:effectRef>
+              <a:fontRef idx="minor">
+                <a:schemeClr val="tx1"/>
+              </a:fontRef>
+            </p:style>
+            <p:txBody>
+              <a:bodyPr rtlCol="0" anchor="ctr"/>
+              <a:lstStyle/>
+              <a:p>
+                <a:pPr algn="ctr"/>
+                <a:endParaRPr lang="en-US" dirty="0"/>
+              </a:p>
+            </p:txBody>
+          </p:sp>
+          <mc:AlternateContent xmlns:mc="http://schemas.openxmlformats.org/markup-compatibility/2006">
+            <mc:Choice xmlns:a14="http://schemas.microsoft.com/office/drawing/2010/main" Requires="a14">
+              <p:sp>
+                <p:nvSpPr>
+                  <p:cNvPr id="14" name="TextBox 13">
+                    <a:extLst>
+                      <a:ext uri="{FF2B5EF4-FFF2-40B4-BE49-F238E27FC236}">
+                        <a16:creationId xmlns:a16="http://schemas.microsoft.com/office/drawing/2014/main" id="{3867B249-11A9-C4D3-EBBB-DB50835CF238}"/>
+                      </a:ext>
+                    </a:extLst>
+                  </p:cNvPr>
+                  <p:cNvSpPr txBox="1"/>
+                  <p:nvPr/>
+                </p:nvSpPr>
+                <p:spPr>
+                  <a:xfrm>
+                    <a:off x="2773259" y="3220756"/>
+                    <a:ext cx="414776" cy="236201"/>
+                  </a:xfrm>
+                  <a:prstGeom prst="rect">
+                    <a:avLst/>
+                  </a:prstGeom>
+                  <a:noFill/>
+                </p:spPr>
+                <p:txBody>
+                  <a:bodyPr wrap="none" rtlCol="0">
+                    <a:spAutoFit/>
+                  </a:bodyPr>
+                  <a:lstStyle/>
+                  <a:p>
+                    <a:pPr/>
+                    <a14:m>
+                      <m:oMathPara xmlns:m="http://schemas.openxmlformats.org/officeDocument/2006/math">
+                        <m:oMathParaPr>
+                          <m:jc m:val="centerGroup"/>
+                        </m:oMathParaPr>
+                        <m:oMath xmlns:m="http://schemas.openxmlformats.org/officeDocument/2006/math">
+                          <m:sSub>
+                            <m:sSubPr>
+                              <m:ctrlPr>
+                                <a:rPr lang="en-US" sz="1200" b="0" i="1" smtClean="0">
+                                  <a:solidFill>
+                                    <a:schemeClr val="tx1"/>
+                                  </a:solidFill>
+                                  <a:latin typeface="Cambria Math" panose="02040503050406030204" pitchFamily="18" charset="0"/>
+                                </a:rPr>
+                              </m:ctrlPr>
+                            </m:sSubPr>
+                            <m:e>
+                              <m:r>
+                                <a:rPr lang="en-US" sz="1200" b="0" i="1" smtClean="0">
+                                  <a:solidFill>
+                                    <a:schemeClr val="tx1"/>
+                                  </a:solidFill>
+                                  <a:latin typeface="Cambria Math" panose="02040503050406030204" pitchFamily="18" charset="0"/>
+                                </a:rPr>
+                                <m:t>𝛿</m:t>
+                              </m:r>
+                            </m:e>
+                            <m:sub>
+                              <m:r>
+                                <m:rPr>
+                                  <m:sty m:val="p"/>
+                                </m:rPr>
+                                <a:rPr lang="en-US" sz="1200" b="0" i="0" smtClean="0">
+                                  <a:solidFill>
+                                    <a:schemeClr val="tx1"/>
+                                  </a:solidFill>
+                                  <a:latin typeface="Cambria Math" panose="02040503050406030204" pitchFamily="18" charset="0"/>
+                                </a:rPr>
+                                <m:t>max</m:t>
+                              </m:r>
+                            </m:sub>
+                          </m:sSub>
+                        </m:oMath>
+                      </m:oMathPara>
+                    </a14:m>
+                    <a:endParaRPr lang="en-US" sz="1200" dirty="0">
+                      <a:solidFill>
+                        <a:schemeClr val="tx1"/>
+                      </a:solidFill>
+                      <a:latin typeface="+mj-lt"/>
+                    </a:endParaRPr>
+                  </a:p>
+                </p:txBody>
+              </p:sp>
+            </mc:Choice>
+            <mc:Fallback>
+              <p:sp>
+                <p:nvSpPr>
+                  <p:cNvPr id="14" name="TextBox 13">
+                    <a:extLst>
+                      <a:ext uri="{FF2B5EF4-FFF2-40B4-BE49-F238E27FC236}">
+                        <a16:creationId xmlns:a16="http://schemas.microsoft.com/office/drawing/2014/main" id="{3867B249-11A9-C4D3-EBBB-DB50835CF238}"/>
+                      </a:ext>
+                    </a:extLst>
+                  </p:cNvPr>
+                  <p:cNvSpPr txBox="1">
+                    <a:spLocks noRot="1" noChangeAspect="1" noMove="1" noResize="1" noEditPoints="1" noAdjustHandles="1" noChangeArrowheads="1" noChangeShapeType="1" noTextEdit="1"/>
+                  </p:cNvSpPr>
+                  <p:nvPr/>
+                </p:nvSpPr>
+                <p:spPr>
+                  <a:xfrm>
+                    <a:off x="2773259" y="3220756"/>
+                    <a:ext cx="414776" cy="236201"/>
+                  </a:xfrm>
+                  <a:prstGeom prst="rect">
+                    <a:avLst/>
+                  </a:prstGeom>
+                  <a:blipFill>
+                    <a:blip r:embed="rId2"/>
+                    <a:stretch>
+                      <a:fillRect/>
+                    </a:stretch>
+                  </a:blipFill>
+                </p:spPr>
+                <p:txBody>
+                  <a:bodyPr/>
+                  <a:lstStyle/>
+                  <a:p>
+                    <a:r>
+                      <a:rPr lang="en-US">
+                        <a:noFill/>
+                      </a:rPr>
+                      <a:t> </a:t>
+                    </a:r>
+                  </a:p>
+                </p:txBody>
+              </p:sp>
+            </mc:Fallback>
+          </mc:AlternateContent>
+          <p:cxnSp>
+            <p:nvCxnSpPr>
+              <p:cNvPr id="15" name="Straight Connector 14">
+                <a:extLst>
+                  <a:ext uri="{FF2B5EF4-FFF2-40B4-BE49-F238E27FC236}">
+                    <a16:creationId xmlns:a16="http://schemas.microsoft.com/office/drawing/2014/main" id="{C06CCA7B-6C93-DAE5-C1AC-540A9ECF20D4}"/>
+                  </a:ext>
+                </a:extLst>
+              </p:cNvPr>
+              <p:cNvCxnSpPr/>
+              <p:nvPr/>
+            </p:nvCxnSpPr>
+            <p:spPr>
+              <a:xfrm>
+                <a:off x="1393653" y="3560626"/>
+                <a:ext cx="0" cy="207478"/>
+              </a:xfrm>
+              <a:prstGeom prst="line">
+                <a:avLst/>
+              </a:prstGeom>
+            </p:spPr>
+            <p:style>
+              <a:lnRef idx="2">
+                <a:schemeClr val="dk1"/>
+              </a:lnRef>
+              <a:fillRef idx="0">
+                <a:schemeClr val="dk1"/>
+              </a:fillRef>
+              <a:effectRef idx="1">
+                <a:schemeClr val="dk1"/>
+              </a:effectRef>
+              <a:fontRef idx="minor">
+                <a:schemeClr val="tx1"/>
+              </a:fontRef>
+            </p:style>
+          </p:cxnSp>
+          <p:cxnSp>
+            <p:nvCxnSpPr>
+              <p:cNvPr id="16" name="Straight Connector 15">
+                <a:extLst>
+                  <a:ext uri="{FF2B5EF4-FFF2-40B4-BE49-F238E27FC236}">
+                    <a16:creationId xmlns:a16="http://schemas.microsoft.com/office/drawing/2014/main" id="{33814BA3-1F6A-58A2-670F-F585764D239D}"/>
+                  </a:ext>
+                </a:extLst>
+              </p:cNvPr>
+              <p:cNvCxnSpPr/>
+              <p:nvPr/>
+            </p:nvCxnSpPr>
+            <p:spPr>
+              <a:xfrm>
+                <a:off x="4300683" y="3560626"/>
+                <a:ext cx="0" cy="207478"/>
+              </a:xfrm>
+              <a:prstGeom prst="line">
+                <a:avLst/>
+              </a:prstGeom>
+            </p:spPr>
+            <p:style>
+              <a:lnRef idx="2">
+                <a:schemeClr val="dk1"/>
+              </a:lnRef>
+              <a:fillRef idx="0">
+                <a:schemeClr val="dk1"/>
+              </a:fillRef>
+              <a:effectRef idx="1">
+                <a:schemeClr val="dk1"/>
+              </a:effectRef>
+              <a:fontRef idx="minor">
+                <a:schemeClr val="tx1"/>
+              </a:fontRef>
+            </p:style>
+          </p:cxnSp>
+          <p:cxnSp>
+            <p:nvCxnSpPr>
+              <p:cNvPr id="17" name="Straight Connector 16">
+                <a:extLst>
+                  <a:ext uri="{FF2B5EF4-FFF2-40B4-BE49-F238E27FC236}">
+                    <a16:creationId xmlns:a16="http://schemas.microsoft.com/office/drawing/2014/main" id="{3604F5E1-8A62-1DFE-F8C0-67BA527C2EDB}"/>
+                  </a:ext>
+                </a:extLst>
+              </p:cNvPr>
+              <p:cNvCxnSpPr>
+                <a:cxnSpLocks/>
+                <a:endCxn id="13" idx="1"/>
+              </p:cNvCxnSpPr>
+              <p:nvPr/>
+            </p:nvCxnSpPr>
+            <p:spPr>
+              <a:xfrm>
+                <a:off x="2797315" y="3168789"/>
+                <a:ext cx="0" cy="397373"/>
+              </a:xfrm>
+              <a:prstGeom prst="line">
+                <a:avLst/>
+              </a:prstGeom>
+              <a:ln w="9525">
+                <a:solidFill>
+                  <a:schemeClr val="tx1"/>
+                </a:solidFill>
+                <a:prstDash val="dash"/>
+              </a:ln>
+            </p:spPr>
+            <p:style>
+              <a:lnRef idx="2">
+                <a:schemeClr val="accent4"/>
+              </a:lnRef>
+              <a:fillRef idx="0">
+                <a:schemeClr val="accent4"/>
+              </a:fillRef>
+              <a:effectRef idx="1">
+                <a:schemeClr val="accent4"/>
+              </a:effectRef>
+              <a:fontRef idx="minor">
+                <a:schemeClr val="tx1"/>
+              </a:fontRef>
+            </p:style>
+          </p:cxnSp>
+        </p:grpSp>
+        <p:cxnSp>
+          <p:nvCxnSpPr>
+            <p:cNvPr id="19" name="Straight Connector 18">
+              <a:extLst>
+                <a:ext uri="{FF2B5EF4-FFF2-40B4-BE49-F238E27FC236}">
+                  <a16:creationId xmlns:a16="http://schemas.microsoft.com/office/drawing/2014/main" id="{A85FBD08-D44C-EE9B-4DCE-17ADCC934B32}"/>
+                </a:ext>
+              </a:extLst>
+            </p:cNvPr>
+            <p:cNvCxnSpPr>
+              <a:cxnSpLocks/>
+            </p:cNvCxnSpPr>
+            <p:nvPr/>
+          </p:nvCxnSpPr>
+          <p:spPr>
+            <a:xfrm>
+              <a:off x="5875197" y="4701462"/>
+              <a:ext cx="1997982" cy="0"/>
+            </a:xfrm>
+            <a:prstGeom prst="line">
+              <a:avLst/>
+            </a:prstGeom>
+            <a:ln w="57150">
+              <a:solidFill>
+                <a:schemeClr val="accent1">
+                  <a:lumMod val="60000"/>
+                  <a:lumOff val="40000"/>
+                </a:schemeClr>
+              </a:solidFill>
+            </a:ln>
+          </p:spPr>
+          <p:style>
+            <a:lnRef idx="2">
+              <a:schemeClr val="dk1"/>
+            </a:lnRef>
+            <a:fillRef idx="0">
+              <a:schemeClr val="dk1"/>
+            </a:fillRef>
+            <a:effectRef idx="1">
+              <a:schemeClr val="dk1"/>
+            </a:effectRef>
+            <a:fontRef idx="minor">
+              <a:schemeClr val="tx1"/>
+            </a:fontRef>
+          </p:style>
+        </p:cxnSp>
+        <mc:AlternateContent xmlns:mc="http://schemas.openxmlformats.org/markup-compatibility/2006">
+          <mc:Choice xmlns:a14="http://schemas.microsoft.com/office/drawing/2010/main" Requires="a14">
+            <p:sp>
+              <p:nvSpPr>
+                <p:cNvPr id="18" name="TextBox 17">
+                  <a:extLst>
+                    <a:ext uri="{FF2B5EF4-FFF2-40B4-BE49-F238E27FC236}">
+                      <a16:creationId xmlns:a16="http://schemas.microsoft.com/office/drawing/2014/main" id="{4F608DC3-631A-BBB4-C2DF-2FE53AA1DEF6}"/>
+                    </a:ext>
+                  </a:extLst>
+                </p:cNvPr>
+                <p:cNvSpPr txBox="1"/>
+                <p:nvPr/>
+              </p:nvSpPr>
+              <p:spPr>
+                <a:xfrm>
+                  <a:off x="4662637" y="4403197"/>
+                  <a:ext cx="683515" cy="276999"/>
+                </a:xfrm>
+                <a:prstGeom prst="rect">
+                  <a:avLst/>
+                </a:prstGeom>
+                <a:noFill/>
+              </p:spPr>
+              <p:txBody>
+                <a:bodyPr wrap="square">
+                  <a:spAutoFit/>
+                </a:bodyPr>
+                <a:lstStyle/>
+                <a:p>
+                  <a14:m>
+                    <m:oMath xmlns:m="http://schemas.openxmlformats.org/officeDocument/2006/math">
+                      <m:sSub>
+                        <m:sSubPr>
+                          <m:ctrlPr>
+                            <a:rPr lang="en-US" sz="1200" b="0" i="1" smtClean="0">
+                              <a:solidFill>
+                                <a:schemeClr val="tx2">
+                                  <a:lumMod val="50000"/>
+                                  <a:lumOff val="50000"/>
+                                </a:schemeClr>
+                              </a:solidFill>
+                              <a:latin typeface="Cambria Math" panose="02040503050406030204" pitchFamily="18" charset="0"/>
+                            </a:rPr>
+                          </m:ctrlPr>
+                        </m:sSubPr>
+                        <m:e>
+                          <m:r>
+                            <a:rPr lang="en-US" sz="1200" b="0" i="1" smtClean="0">
+                              <a:solidFill>
+                                <a:schemeClr val="tx2">
+                                  <a:lumMod val="50000"/>
+                                  <a:lumOff val="50000"/>
+                                </a:schemeClr>
+                              </a:solidFill>
+                              <a:latin typeface="Cambria Math" panose="02040503050406030204" pitchFamily="18" charset="0"/>
+                            </a:rPr>
+                            <m:t>𝐸</m:t>
+                          </m:r>
+                        </m:e>
+                        <m:sub>
+                          <m:r>
+                            <a:rPr lang="en-US" sz="1200" b="0" i="1" smtClean="0">
+                              <a:solidFill>
+                                <a:schemeClr val="tx2">
+                                  <a:lumMod val="50000"/>
+                                  <a:lumOff val="50000"/>
+                                </a:schemeClr>
+                              </a:solidFill>
+                              <a:latin typeface="Cambria Math" panose="02040503050406030204" pitchFamily="18" charset="0"/>
+                            </a:rPr>
+                            <m:t>1</m:t>
+                          </m:r>
+                        </m:sub>
+                      </m:sSub>
+                    </m:oMath>
+                  </a14:m>
+                  <a:r>
+                    <a:rPr lang="en-US" sz="1200" dirty="0">
+                      <a:solidFill>
+                        <a:schemeClr val="tx2">
+                          <a:lumMod val="50000"/>
+                          <a:lumOff val="50000"/>
+                        </a:schemeClr>
+                      </a:solidFill>
+                      <a:latin typeface="+mj-lt"/>
+                    </a:rPr>
+                    <a:t>= ?</a:t>
+                  </a:r>
+                </a:p>
+              </p:txBody>
+            </p:sp>
+          </mc:Choice>
+          <mc:Fallback>
+            <p:sp>
+              <p:nvSpPr>
+                <p:cNvPr id="18" name="TextBox 17">
+                  <a:extLst>
+                    <a:ext uri="{FF2B5EF4-FFF2-40B4-BE49-F238E27FC236}">
+                      <a16:creationId xmlns:a16="http://schemas.microsoft.com/office/drawing/2014/main" id="{4F608DC3-631A-BBB4-C2DF-2FE53AA1DEF6}"/>
+                    </a:ext>
+                  </a:extLst>
+                </p:cNvPr>
+                <p:cNvSpPr txBox="1">
+                  <a:spLocks noRot="1" noChangeAspect="1" noMove="1" noResize="1" noEditPoints="1" noAdjustHandles="1" noChangeArrowheads="1" noChangeShapeType="1" noTextEdit="1"/>
+                </p:cNvSpPr>
+                <p:nvPr/>
+              </p:nvSpPr>
+              <p:spPr>
+                <a:xfrm>
+                  <a:off x="4662637" y="4403197"/>
+                  <a:ext cx="683515" cy="276999"/>
+                </a:xfrm>
+                <a:prstGeom prst="rect">
+                  <a:avLst/>
+                </a:prstGeom>
+                <a:blipFill>
+                  <a:blip r:embed="rId3"/>
+                  <a:stretch>
+                    <a:fillRect t="-2222" b="-17778"/>
+                  </a:stretch>
+                </a:blipFill>
+              </p:spPr>
+              <p:txBody>
+                <a:bodyPr/>
+                <a:lstStyle/>
+                <a:p>
+                  <a:r>
+                    <a:rPr lang="en-US">
+                      <a:noFill/>
+                    </a:rPr>
+                    <a:t> </a:t>
+                  </a:r>
+                </a:p>
+              </p:txBody>
+            </p:sp>
+          </mc:Fallback>
+        </mc:AlternateContent>
+        <mc:AlternateContent xmlns:mc="http://schemas.openxmlformats.org/markup-compatibility/2006">
+          <mc:Choice xmlns:a14="http://schemas.microsoft.com/office/drawing/2010/main" Requires="a14">
+            <p:sp>
+              <p:nvSpPr>
+                <p:cNvPr id="20" name="TextBox 19">
+                  <a:extLst>
+                    <a:ext uri="{FF2B5EF4-FFF2-40B4-BE49-F238E27FC236}">
+                      <a16:creationId xmlns:a16="http://schemas.microsoft.com/office/drawing/2014/main" id="{67730791-017E-CE51-20A3-8F1223EC7A5D}"/>
+                    </a:ext>
+                  </a:extLst>
+                </p:cNvPr>
+                <p:cNvSpPr txBox="1"/>
+                <p:nvPr/>
+              </p:nvSpPr>
+              <p:spPr>
+                <a:xfrm>
+                  <a:off x="6572198" y="4420437"/>
+                  <a:ext cx="683515" cy="276999"/>
+                </a:xfrm>
+                <a:prstGeom prst="rect">
+                  <a:avLst/>
+                </a:prstGeom>
+                <a:noFill/>
+              </p:spPr>
+              <p:txBody>
+                <a:bodyPr wrap="square">
+                  <a:spAutoFit/>
+                </a:bodyPr>
+                <a:lstStyle/>
+                <a:p>
+                  <a14:m>
+                    <m:oMath xmlns:m="http://schemas.openxmlformats.org/officeDocument/2006/math">
+                      <m:sSub>
+                        <m:sSubPr>
+                          <m:ctrlPr>
+                            <a:rPr lang="en-US" sz="1200" b="0" i="1" smtClean="0">
+                              <a:solidFill>
+                                <a:schemeClr val="accent1">
+                                  <a:lumMod val="60000"/>
+                                  <a:lumOff val="40000"/>
+                                </a:schemeClr>
+                              </a:solidFill>
+                              <a:latin typeface="Cambria Math" panose="02040503050406030204" pitchFamily="18" charset="0"/>
+                            </a:rPr>
+                          </m:ctrlPr>
+                        </m:sSubPr>
+                        <m:e>
+                          <m:r>
+                            <a:rPr lang="en-US" sz="1200" b="0" i="1" smtClean="0">
+                              <a:solidFill>
+                                <a:schemeClr val="accent1">
+                                  <a:lumMod val="60000"/>
+                                  <a:lumOff val="40000"/>
+                                </a:schemeClr>
+                              </a:solidFill>
+                              <a:latin typeface="Cambria Math" panose="02040503050406030204" pitchFamily="18" charset="0"/>
+                            </a:rPr>
+                            <m:t>𝐸</m:t>
+                          </m:r>
+                        </m:e>
+                        <m:sub>
+                          <m:r>
+                            <a:rPr lang="en-US" sz="1200" b="0" i="1" smtClean="0">
+                              <a:solidFill>
+                                <a:schemeClr val="accent1">
+                                  <a:lumMod val="60000"/>
+                                  <a:lumOff val="40000"/>
+                                </a:schemeClr>
+                              </a:solidFill>
+                              <a:latin typeface="Cambria Math" panose="02040503050406030204" pitchFamily="18" charset="0"/>
+                            </a:rPr>
+                            <m:t>2</m:t>
+                          </m:r>
+                        </m:sub>
+                      </m:sSub>
+                    </m:oMath>
+                  </a14:m>
+                  <a:r>
+                    <a:rPr lang="en-US" sz="1200" dirty="0">
+                      <a:solidFill>
+                        <a:schemeClr val="accent1">
+                          <a:lumMod val="60000"/>
+                          <a:lumOff val="40000"/>
+                        </a:schemeClr>
+                      </a:solidFill>
+                      <a:latin typeface="+mj-lt"/>
+                    </a:rPr>
+                    <a:t>= ?</a:t>
+                  </a:r>
+                </a:p>
+              </p:txBody>
+            </p:sp>
+          </mc:Choice>
+          <mc:Fallback>
+            <p:sp>
+              <p:nvSpPr>
+                <p:cNvPr id="20" name="TextBox 19">
+                  <a:extLst>
+                    <a:ext uri="{FF2B5EF4-FFF2-40B4-BE49-F238E27FC236}">
+                      <a16:creationId xmlns:a16="http://schemas.microsoft.com/office/drawing/2014/main" id="{67730791-017E-CE51-20A3-8F1223EC7A5D}"/>
+                    </a:ext>
+                  </a:extLst>
+                </p:cNvPr>
+                <p:cNvSpPr txBox="1">
+                  <a:spLocks noRot="1" noChangeAspect="1" noMove="1" noResize="1" noEditPoints="1" noAdjustHandles="1" noChangeArrowheads="1" noChangeShapeType="1" noTextEdit="1"/>
+                </p:cNvSpPr>
+                <p:nvPr/>
+              </p:nvSpPr>
+              <p:spPr>
+                <a:xfrm>
+                  <a:off x="6572198" y="4420437"/>
+                  <a:ext cx="683515" cy="276999"/>
+                </a:xfrm>
+                <a:prstGeom prst="rect">
+                  <a:avLst/>
+                </a:prstGeom>
+                <a:blipFill>
+                  <a:blip r:embed="rId4"/>
+                  <a:stretch>
+                    <a:fillRect b="-15217"/>
+                  </a:stretch>
+                </a:blipFill>
+              </p:spPr>
+              <p:txBody>
+                <a:bodyPr/>
+                <a:lstStyle/>
+                <a:p>
+                  <a:r>
+                    <a:rPr lang="en-US">
+                      <a:noFill/>
+                    </a:rPr>
+                    <a:t> </a:t>
+                  </a:r>
+                </a:p>
+              </p:txBody>
+            </p:sp>
+          </mc:Fallback>
+        </mc:AlternateContent>
+      </p:grpSp>
+      <mc:AlternateContent xmlns:mc="http://schemas.openxmlformats.org/markup-compatibility/2006">
+        <mc:Choice xmlns:a14="http://schemas.microsoft.com/office/drawing/2010/main" Requires="a14">
+          <p:sp>
+            <p:nvSpPr>
+              <p:cNvPr id="22" name="TextBox 21">
+                <a:extLst>
+                  <a:ext uri="{FF2B5EF4-FFF2-40B4-BE49-F238E27FC236}">
+                    <a16:creationId xmlns:a16="http://schemas.microsoft.com/office/drawing/2014/main" id="{8B68562B-0B39-F8C3-5528-62550534FC7D}"/>
+                  </a:ext>
+                </a:extLst>
+              </p:cNvPr>
+              <p:cNvSpPr txBox="1"/>
+              <p:nvPr/>
+            </p:nvSpPr>
+            <p:spPr>
+              <a:xfrm>
+                <a:off x="838200" y="1551557"/>
+                <a:ext cx="9320784" cy="2649187"/>
+              </a:xfrm>
+              <a:prstGeom prst="rect">
+                <a:avLst/>
+              </a:prstGeom>
+              <a:noFill/>
+            </p:spPr>
+            <p:txBody>
+              <a:bodyPr wrap="square">
+                <a:spAutoFit/>
+              </a:bodyPr>
+              <a:lstStyle/>
+              <a:p>
+                <a:r>
+                  <a:rPr lang="en-US" dirty="0">
+                    <a:latin typeface="+mj-lt"/>
+                  </a:rPr>
+                  <a:t>Approaches to solve:</a:t>
+                </a:r>
+              </a:p>
+              <a:p>
+                <a:pPr marL="342900" indent="-342900">
+                  <a:buAutoNum type="arabicPeriod"/>
+                </a:pPr>
+                <a:r>
+                  <a:rPr lang="en-US" dirty="0">
+                    <a:latin typeface="+mj-lt"/>
+                  </a:rPr>
+                  <a:t>Make assumptions to simplify the problem: </a:t>
+                </a:r>
+              </a:p>
+              <a:p>
+                <a:pPr marL="800100" lvl="1" indent="-342900">
+                  <a:buFont typeface="+mj-lt"/>
+                  <a:buAutoNum type="alphaUcPeriod"/>
+                </a:pPr>
+                <a:r>
+                  <a:rPr lang="en-US" dirty="0">
+                    <a:latin typeface="+mj-lt"/>
+                  </a:rPr>
+                  <a:t>Assume </a:t>
+                </a:r>
+                <a14:m>
+                  <m:oMath xmlns:m="http://schemas.openxmlformats.org/officeDocument/2006/math">
+                    <m:sSub>
+                      <m:sSubPr>
+                        <m:ctrlPr>
+                          <a:rPr lang="en-US" b="0" i="1" smtClean="0">
+                            <a:latin typeface="Cambria Math" panose="02040503050406030204" pitchFamily="18" charset="0"/>
+                          </a:rPr>
+                        </m:ctrlPr>
+                      </m:sSubPr>
+                      <m:e>
+                        <m:r>
+                          <a:rPr lang="en-US" b="0" i="1" smtClean="0">
+                            <a:latin typeface="Cambria Math" panose="02040503050406030204" pitchFamily="18" charset="0"/>
+                          </a:rPr>
+                          <m:t>𝐸</m:t>
+                        </m:r>
+                      </m:e>
+                      <m:sub>
+                        <m:r>
+                          <a:rPr lang="en-US" b="0" i="1" smtClean="0">
+                            <a:latin typeface="Cambria Math" panose="02040503050406030204" pitchFamily="18" charset="0"/>
+                          </a:rPr>
+                          <m:t>1</m:t>
+                        </m:r>
+                      </m:sub>
+                    </m:sSub>
+                    <m:r>
+                      <a:rPr lang="en-US" b="0" i="1" smtClean="0">
+                        <a:latin typeface="Cambria Math" panose="02040503050406030204" pitchFamily="18" charset="0"/>
+                      </a:rPr>
+                      <m:t>=</m:t>
+                    </m:r>
+                    <m:sSub>
+                      <m:sSubPr>
+                        <m:ctrlPr>
+                          <a:rPr lang="en-US" b="0" i="1" smtClean="0">
+                            <a:latin typeface="Cambria Math" panose="02040503050406030204" pitchFamily="18" charset="0"/>
+                          </a:rPr>
+                        </m:ctrlPr>
+                      </m:sSubPr>
+                      <m:e>
+                        <m:r>
+                          <a:rPr lang="en-US" b="0" i="1" smtClean="0">
+                            <a:latin typeface="Cambria Math" panose="02040503050406030204" pitchFamily="18" charset="0"/>
+                          </a:rPr>
+                          <m:t>𝐸</m:t>
+                        </m:r>
+                      </m:e>
+                      <m:sub>
+                        <m:r>
+                          <a:rPr lang="en-US" b="0" i="1" smtClean="0">
+                            <a:latin typeface="Cambria Math" panose="02040503050406030204" pitchFamily="18" charset="0"/>
+                          </a:rPr>
+                          <m:t>2</m:t>
+                        </m:r>
+                      </m:sub>
+                    </m:sSub>
+                    <m:r>
+                      <a:rPr lang="en-US" b="0" i="1" smtClean="0">
+                        <a:latin typeface="Cambria Math" panose="02040503050406030204" pitchFamily="18" charset="0"/>
+                      </a:rPr>
+                      <m:t> </m:t>
+                    </m:r>
+                  </m:oMath>
+                </a14:m>
+                <a:r>
+                  <a:rPr lang="en-US" b="0" i="0" dirty="0">
+                    <a:latin typeface="+mj-lt"/>
+                  </a:rPr>
+                  <a:t>;</a:t>
+                </a:r>
+                <a14:m>
+                  <m:oMath xmlns:m="http://schemas.openxmlformats.org/officeDocument/2006/math">
+                    <m:r>
+                      <a:rPr lang="en-US" b="0" i="1" smtClean="0">
+                        <a:latin typeface="Cambria Math" panose="02040503050406030204" pitchFamily="18" charset="0"/>
+                      </a:rPr>
+                      <m:t> </m:t>
+                    </m:r>
+                    <m:sSub>
+                      <m:sSubPr>
+                        <m:ctrlPr>
+                          <a:rPr lang="en-US" b="0" i="1" smtClean="0">
+                            <a:latin typeface="Cambria Math" panose="02040503050406030204" pitchFamily="18" charset="0"/>
+                          </a:rPr>
+                        </m:ctrlPr>
+                      </m:sSubPr>
+                      <m:e>
+                        <m:r>
+                          <a:rPr lang="en-US" b="0" i="1" smtClean="0">
+                            <a:latin typeface="Cambria Math" panose="02040503050406030204" pitchFamily="18" charset="0"/>
+                          </a:rPr>
+                          <m:t>𝐸</m:t>
+                        </m:r>
+                      </m:e>
+                      <m:sub>
+                        <m:r>
+                          <a:rPr lang="en-US" b="0" i="1" smtClean="0">
+                            <a:latin typeface="Cambria Math" panose="02040503050406030204" pitchFamily="18" charset="0"/>
+                          </a:rPr>
+                          <m:t>1</m:t>
+                        </m:r>
+                      </m:sub>
+                    </m:sSub>
+                    <m:r>
+                      <a:rPr lang="en-US" b="0" i="1" smtClean="0">
+                        <a:latin typeface="Cambria Math" panose="02040503050406030204" pitchFamily="18" charset="0"/>
+                        <a:ea typeface="Cambria Math" panose="02040503050406030204" pitchFamily="18" charset="0"/>
+                      </a:rPr>
+                      <m:t>≈</m:t>
+                    </m:r>
+                    <m:r>
+                      <a:rPr lang="en-US" b="0" i="1" smtClean="0">
+                        <a:latin typeface="Cambria Math" panose="02040503050406030204" pitchFamily="18" charset="0"/>
+                        <a:ea typeface="Cambria Math" panose="02040503050406030204" pitchFamily="18" charset="0"/>
+                      </a:rPr>
+                      <m:t>𝑋</m:t>
+                    </m:r>
+                  </m:oMath>
+                </a14:m>
+                <a:r>
+                  <a:rPr lang="en-US" dirty="0">
+                    <a:latin typeface="+mj-lt"/>
+                  </a:rPr>
+                  <a:t> ; </a:t>
+                </a:r>
+                <a14:m>
+                  <m:oMath xmlns:m="http://schemas.openxmlformats.org/officeDocument/2006/math">
+                    <m:sSub>
+                      <m:sSubPr>
+                        <m:ctrlPr>
+                          <a:rPr lang="en-US" b="0" i="1" smtClean="0">
+                            <a:latin typeface="Cambria Math" panose="02040503050406030204" pitchFamily="18" charset="0"/>
+                          </a:rPr>
+                        </m:ctrlPr>
+                      </m:sSubPr>
+                      <m:e>
+                        <m:r>
+                          <a:rPr lang="en-US" b="0" i="1" smtClean="0">
+                            <a:latin typeface="Cambria Math" panose="02040503050406030204" pitchFamily="18" charset="0"/>
+                          </a:rPr>
+                          <m:t>𝐸</m:t>
+                        </m:r>
+                      </m:e>
+                      <m:sub>
+                        <m:r>
+                          <a:rPr lang="en-US" b="0" i="1" smtClean="0">
+                            <a:latin typeface="Cambria Math" panose="02040503050406030204" pitchFamily="18" charset="0"/>
+                          </a:rPr>
+                          <m:t>2</m:t>
+                        </m:r>
+                      </m:sub>
+                    </m:sSub>
+                    <m:r>
+                      <a:rPr lang="en-US" i="1">
+                        <a:latin typeface="Cambria Math" panose="02040503050406030204" pitchFamily="18" charset="0"/>
+                        <a:ea typeface="Cambria Math" panose="02040503050406030204" pitchFamily="18" charset="0"/>
+                      </a:rPr>
+                      <m:t>≈</m:t>
+                    </m:r>
+                    <m:r>
+                      <a:rPr lang="en-US" b="0" i="1" smtClean="0">
+                        <a:latin typeface="Cambria Math" panose="02040503050406030204" pitchFamily="18" charset="0"/>
+                        <a:ea typeface="Cambria Math" panose="02040503050406030204" pitchFamily="18" charset="0"/>
+                      </a:rPr>
+                      <m:t>𝑌</m:t>
+                    </m:r>
+                  </m:oMath>
+                </a14:m>
+                <a:endParaRPr lang="en-US" b="0" dirty="0">
+                  <a:latin typeface="+mj-lt"/>
+                  <a:ea typeface="Cambria Math" panose="02040503050406030204" pitchFamily="18" charset="0"/>
+                </a:endParaRPr>
+              </a:p>
+              <a:p>
+                <a:pPr marL="1314450" lvl="2" indent="-400050">
+                  <a:buFont typeface="+mj-lt"/>
+                  <a:buAutoNum type="romanLcPeriod"/>
+                </a:pPr>
+                <a:r>
+                  <a:rPr lang="en-US" dirty="0">
+                    <a:latin typeface="+mj-lt"/>
+                  </a:rPr>
+                  <a:t>The given information is not enough to validate these assumptions and significantly changes the problem</a:t>
+                </a:r>
+              </a:p>
+              <a:p>
+                <a:pPr marL="857250" lvl="1" indent="-400050">
+                  <a:buFont typeface="+mj-lt"/>
+                  <a:buAutoNum type="alphaUcPeriod"/>
+                </a:pPr>
+                <a:r>
+                  <a:rPr lang="en-US" dirty="0">
+                    <a:latin typeface="+mj-lt"/>
+                  </a:rPr>
+                  <a:t>Assume the beam piecewise continuous ; </a:t>
+                </a:r>
+                <a14:m>
+                  <m:oMath xmlns:m="http://schemas.openxmlformats.org/officeDocument/2006/math">
+                    <m:r>
+                      <a:rPr lang="en-US" b="0" i="1" smtClean="0">
+                        <a:latin typeface="Cambria Math" panose="02040503050406030204" pitchFamily="18" charset="0"/>
+                      </a:rPr>
+                      <m:t>𝐸</m:t>
+                    </m:r>
+                    <m:d>
+                      <m:dPr>
+                        <m:ctrlPr>
+                          <a:rPr lang="en-US" b="0" i="1" smtClean="0">
+                            <a:latin typeface="Cambria Math" panose="02040503050406030204" pitchFamily="18" charset="0"/>
+                          </a:rPr>
+                        </m:ctrlPr>
+                      </m:dPr>
+                      <m:e>
+                        <m:r>
+                          <a:rPr lang="en-US" b="0" i="1" smtClean="0">
+                            <a:latin typeface="Cambria Math" panose="02040503050406030204" pitchFamily="18" charset="0"/>
+                          </a:rPr>
+                          <m:t>𝑥</m:t>
+                        </m:r>
+                      </m:e>
+                    </m:d>
+                    <m:r>
+                      <a:rPr lang="en-US" b="0" i="1" smtClean="0">
+                        <a:latin typeface="Cambria Math" panose="02040503050406030204" pitchFamily="18" charset="0"/>
+                      </a:rPr>
+                      <m:t>=</m:t>
+                    </m:r>
+                    <m:d>
+                      <m:dPr>
+                        <m:begChr m:val="{"/>
+                        <m:endChr m:val=""/>
+                        <m:ctrlPr>
+                          <a:rPr lang="en-US" b="0" i="1" smtClean="0">
+                            <a:latin typeface="Cambria Math" panose="02040503050406030204" pitchFamily="18" charset="0"/>
+                          </a:rPr>
+                        </m:ctrlPr>
+                      </m:dPr>
+                      <m:e>
+                        <m:eqArr>
+                          <m:eqArrPr>
+                            <m:ctrlPr>
+                              <a:rPr lang="en-US" b="0" i="1" smtClean="0">
+                                <a:latin typeface="Cambria Math" panose="02040503050406030204" pitchFamily="18" charset="0"/>
+                              </a:rPr>
+                            </m:ctrlPr>
+                          </m:eqArrPr>
+                          <m:e>
+                            <m:sSub>
+                              <m:sSubPr>
+                                <m:ctrlPr>
+                                  <a:rPr lang="en-US" b="0" i="1" smtClean="0">
+                                    <a:latin typeface="Cambria Math" panose="02040503050406030204" pitchFamily="18" charset="0"/>
+                                  </a:rPr>
+                                </m:ctrlPr>
+                              </m:sSubPr>
+                              <m:e>
+                                <m:r>
+                                  <a:rPr lang="en-US" b="0" i="1" smtClean="0">
+                                    <a:latin typeface="Cambria Math" panose="02040503050406030204" pitchFamily="18" charset="0"/>
+                                  </a:rPr>
+                                  <m:t>𝐸</m:t>
+                                </m:r>
+                              </m:e>
+                              <m:sub>
+                                <m:r>
+                                  <a:rPr lang="en-US" b="0" i="1" smtClean="0">
+                                    <a:latin typeface="Cambria Math" panose="02040503050406030204" pitchFamily="18" charset="0"/>
+                                  </a:rPr>
+                                  <m:t>1</m:t>
+                                </m:r>
+                              </m:sub>
+                            </m:sSub>
+                            <m:r>
+                              <a:rPr lang="en-US" i="1">
+                                <a:latin typeface="Cambria Math" panose="02040503050406030204" pitchFamily="18" charset="0"/>
+                              </a:rPr>
+                              <m:t>,→</m:t>
+                            </m:r>
+                            <m:r>
+                              <a:rPr lang="en-US" i="1">
+                                <a:latin typeface="Cambria Math" panose="02040503050406030204" pitchFamily="18" charset="0"/>
+                              </a:rPr>
+                              <m:t>𝑥</m:t>
+                            </m:r>
+                            <m:r>
+                              <a:rPr lang="en-US" i="1">
+                                <a:latin typeface="Cambria Math" panose="02040503050406030204" pitchFamily="18" charset="0"/>
+                              </a:rPr>
+                              <m:t>&lt;</m:t>
+                            </m:r>
+                            <m:r>
+                              <a:rPr lang="en-US" i="1">
+                                <a:latin typeface="Cambria Math" panose="02040503050406030204" pitchFamily="18" charset="0"/>
+                              </a:rPr>
+                              <m:t>𝐿</m:t>
+                            </m:r>
+                            <m:r>
+                              <m:rPr>
+                                <m:nor/>
+                              </m:rPr>
+                              <a:rPr lang="en-US" b="0" i="0" smtClean="0">
+                                <a:latin typeface="Cambria Math" panose="02040503050406030204" pitchFamily="18" charset="0"/>
+                              </a:rPr>
+                              <m:t>/</m:t>
+                            </m:r>
+                            <m:r>
+                              <a:rPr lang="en-US" b="0" i="1" smtClean="0">
+                                <a:latin typeface="Cambria Math" panose="02040503050406030204" pitchFamily="18" charset="0"/>
+                              </a:rPr>
+                              <m:t>2</m:t>
+                            </m:r>
+                          </m:e>
+                          <m:e>
+                            <m:sSub>
+                              <m:sSubPr>
+                                <m:ctrlPr>
+                                  <a:rPr lang="en-US" b="0" i="1" smtClean="0">
+                                    <a:latin typeface="Cambria Math" panose="02040503050406030204" pitchFamily="18" charset="0"/>
+                                  </a:rPr>
+                                </m:ctrlPr>
+                              </m:sSubPr>
+                              <m:e>
+                                <m:r>
+                                  <a:rPr lang="en-US" b="0" i="1" smtClean="0">
+                                    <a:latin typeface="Cambria Math" panose="02040503050406030204" pitchFamily="18" charset="0"/>
+                                  </a:rPr>
+                                  <m:t>𝐸</m:t>
+                                </m:r>
+                              </m:e>
+                              <m:sub>
+                                <m:r>
+                                  <a:rPr lang="en-US" b="0" i="1" smtClean="0">
+                                    <a:latin typeface="Cambria Math" panose="02040503050406030204" pitchFamily="18" charset="0"/>
+                                  </a:rPr>
+                                  <m:t>2</m:t>
+                                </m:r>
+                              </m:sub>
+                            </m:sSub>
+                            <m:r>
+                              <a:rPr lang="en-US" b="0" i="1" smtClean="0">
+                                <a:latin typeface="Cambria Math" panose="02040503050406030204" pitchFamily="18" charset="0"/>
+                              </a:rPr>
+                              <m:t>→</m:t>
+                            </m:r>
+                            <m:r>
+                              <a:rPr lang="en-US" b="0" i="1" smtClean="0">
+                                <a:latin typeface="Cambria Math" panose="02040503050406030204" pitchFamily="18" charset="0"/>
+                              </a:rPr>
+                              <m:t>𝑥</m:t>
+                            </m:r>
+                            <m:r>
+                              <a:rPr lang="en-US" b="0" i="1" smtClean="0">
+                                <a:latin typeface="Cambria Math" panose="02040503050406030204" pitchFamily="18" charset="0"/>
+                              </a:rPr>
+                              <m:t>&gt;</m:t>
+                            </m:r>
+                            <m:r>
+                              <a:rPr lang="en-US" b="0" i="1" smtClean="0">
+                                <a:latin typeface="Cambria Math" panose="02040503050406030204" pitchFamily="18" charset="0"/>
+                              </a:rPr>
+                              <m:t>𝐿</m:t>
+                            </m:r>
+                            <m:r>
+                              <m:rPr>
+                                <m:nor/>
+                              </m:rPr>
+                              <a:rPr lang="en-US" b="0" i="0" smtClean="0">
+                                <a:latin typeface="Cambria Math" panose="02040503050406030204" pitchFamily="18" charset="0"/>
+                              </a:rPr>
+                              <m:t>/</m:t>
+                            </m:r>
+                            <m:r>
+                              <a:rPr lang="en-US" b="0" i="1" smtClean="0">
+                                <a:latin typeface="Cambria Math" panose="02040503050406030204" pitchFamily="18" charset="0"/>
+                              </a:rPr>
+                              <m:t>2</m:t>
+                            </m:r>
+                          </m:e>
+                        </m:eqArr>
+                      </m:e>
+                    </m:d>
+                  </m:oMath>
+                </a14:m>
+                <a:endParaRPr lang="en-US" dirty="0">
+                  <a:latin typeface="+mj-lt"/>
+                </a:endParaRPr>
+              </a:p>
+              <a:p>
+                <a:pPr marL="1314450" lvl="2" indent="-400050">
+                  <a:buFont typeface="+mj-lt"/>
+                  <a:buAutoNum type="romanLcPeriod"/>
+                </a:pPr>
+                <a:r>
+                  <a:rPr lang="en-US" dirty="0">
+                    <a:latin typeface="+mj-lt"/>
+                  </a:rPr>
+                  <a:t>Although this is a better assumption, the system is underdetermined (more unknowns than knowns) and would require knowing another deflection</a:t>
+                </a:r>
+              </a:p>
+            </p:txBody>
+          </p:sp>
+        </mc:Choice>
+        <mc:Fallback>
+          <p:sp>
+            <p:nvSpPr>
+              <p:cNvPr id="22" name="TextBox 21">
+                <a:extLst>
+                  <a:ext uri="{FF2B5EF4-FFF2-40B4-BE49-F238E27FC236}">
+                    <a16:creationId xmlns:a16="http://schemas.microsoft.com/office/drawing/2014/main" id="{8B68562B-0B39-F8C3-5528-62550534FC7D}"/>
+                  </a:ext>
+                </a:extLst>
+              </p:cNvPr>
+              <p:cNvSpPr txBox="1">
+                <a:spLocks noRot="1" noChangeAspect="1" noMove="1" noResize="1" noEditPoints="1" noAdjustHandles="1" noChangeArrowheads="1" noChangeShapeType="1" noTextEdit="1"/>
+              </p:cNvSpPr>
+              <p:nvPr/>
+            </p:nvSpPr>
+            <p:spPr>
+              <a:xfrm>
+                <a:off x="838200" y="1551557"/>
+                <a:ext cx="9320784" cy="2649187"/>
+              </a:xfrm>
+              <a:prstGeom prst="rect">
+                <a:avLst/>
+              </a:prstGeom>
+              <a:blipFill>
+                <a:blip r:embed="rId5"/>
+                <a:stretch>
+                  <a:fillRect l="-589" t="-1382" r="-916" b="-2995"/>
+                </a:stretch>
+              </a:blipFill>
+            </p:spPr>
+            <p:txBody>
+              <a:bodyPr/>
+              <a:lstStyle/>
+              <a:p>
+                <a:r>
+                  <a:rPr lang="en-US">
+                    <a:noFill/>
+                  </a:rPr>
+                  <a:t> </a:t>
+                </a:r>
+              </a:p>
+            </p:txBody>
+          </p:sp>
+        </mc:Fallback>
+      </mc:AlternateContent>
+    </p:spTree>
+    <p:extLst>
+      <p:ext uri="{BB962C8B-B14F-4D97-AF65-F5344CB8AC3E}">
+        <p14:creationId xmlns:p14="http://schemas.microsoft.com/office/powerpoint/2010/main" val="4059008003"/>
+      </p:ext>
+    </p:extLst>
+  </p:cSld>
+  <p:clrMapOvr>
+    <a:masterClrMapping/>
+  </p:clrMapOvr>
+</p:sld>
+</file>
+
+<file path=ppt/slides/slide11.xml><?xml version="1.0" encoding="utf-8"?>
+<p:sld xmlns:a="http://schemas.openxmlformats.org/drawingml/2006/main" xmlns:r="http://schemas.openxmlformats.org/officeDocument/2006/relationships" xmlns:p="http://schemas.openxmlformats.org/presentationml/2006/main">
+  <p:cSld>
+    <p:spTree>
+      <p:nvGrpSpPr>
+        <p:cNvPr id="1" name="">
+          <a:extLst>
+            <a:ext uri="{FF2B5EF4-FFF2-40B4-BE49-F238E27FC236}">
+              <a16:creationId xmlns:a16="http://schemas.microsoft.com/office/drawing/2014/main" id="{CF0C5AE7-17CE-2389-42A3-6E2D801256BD}"/>
+            </a:ext>
+          </a:extLst>
+        </p:cNvPr>
+        <p:cNvGrpSpPr/>
+        <p:nvPr/>
+      </p:nvGrpSpPr>
+      <p:grpSpPr>
+        <a:xfrm>
+          <a:off x="0" y="0"/>
+          <a:ext cx="0" cy="0"/>
+          <a:chOff x="0" y="0"/>
+          <a:chExt cx="0" cy="0"/>
+        </a:xfrm>
+      </p:grpSpPr>
+      <p:sp>
+        <p:nvSpPr>
+          <p:cNvPr id="2" name="Title 1">
+            <a:extLst>
+              <a:ext uri="{FF2B5EF4-FFF2-40B4-BE49-F238E27FC236}">
+                <a16:creationId xmlns:a16="http://schemas.microsoft.com/office/drawing/2014/main" id="{CD73F930-95DE-AB49-2145-6D366CD074FC}"/>
+              </a:ext>
+            </a:extLst>
+          </p:cNvPr>
+          <p:cNvSpPr>
+            <a:spLocks noGrp="1"/>
+          </p:cNvSpPr>
+          <p:nvPr>
+            <p:ph type="title"/>
+          </p:nvPr>
+        </p:nvSpPr>
+        <p:spPr/>
+        <p:txBody>
+          <a:bodyPr>
+            <a:normAutofit fontScale="90000"/>
+          </a:bodyPr>
+          <a:lstStyle/>
+          <a:p>
+            <a:r>
+              <a:rPr lang="en-US" dirty="0"/>
+              <a:t>Example: Simple Beam with Two Materials</a:t>
+            </a:r>
+          </a:p>
+        </p:txBody>
+      </p:sp>
+      <p:sp>
+        <p:nvSpPr>
+          <p:cNvPr id="4" name="Slide Number Placeholder 3">
+            <a:extLst>
+              <a:ext uri="{FF2B5EF4-FFF2-40B4-BE49-F238E27FC236}">
+                <a16:creationId xmlns:a16="http://schemas.microsoft.com/office/drawing/2014/main" id="{4F24884B-D9C7-3382-FA11-A02627203A9A}"/>
+              </a:ext>
+            </a:extLst>
+          </p:cNvPr>
+          <p:cNvSpPr>
+            <a:spLocks noGrp="1"/>
+          </p:cNvSpPr>
+          <p:nvPr>
+            <p:ph type="sldNum" sz="quarter" idx="12"/>
+          </p:nvPr>
+        </p:nvSpPr>
+        <p:spPr/>
+        <p:txBody>
+          <a:bodyPr/>
+          <a:lstStyle/>
+          <a:p>
+            <a:fld id="{D95F4311-C1C1-468E-90BA-469E1A493750}" type="slidenum">
+              <a:rPr lang="en-US" smtClean="0"/>
+              <a:t>11</a:t>
+            </a:fld>
+            <a:endParaRPr lang="en-US"/>
+          </a:p>
+        </p:txBody>
+      </p:sp>
+      <p:grpSp>
+        <p:nvGrpSpPr>
+          <p:cNvPr id="23" name="Group 22">
+            <a:extLst>
+              <a:ext uri="{FF2B5EF4-FFF2-40B4-BE49-F238E27FC236}">
+                <a16:creationId xmlns:a16="http://schemas.microsoft.com/office/drawing/2014/main" id="{35F065E7-D85F-7470-5942-07E3173823FA}"/>
+              </a:ext>
+            </a:extLst>
+          </p:cNvPr>
+          <p:cNvGrpSpPr/>
+          <p:nvPr/>
+        </p:nvGrpSpPr>
+        <p:grpSpPr>
+          <a:xfrm>
+            <a:off x="3685191" y="3552118"/>
+            <a:ext cx="4144962" cy="2316797"/>
+            <a:chOff x="3877215" y="3290450"/>
+            <a:chExt cx="4144962" cy="2316797"/>
+          </a:xfrm>
+        </p:grpSpPr>
+        <p:grpSp>
+          <p:nvGrpSpPr>
+            <p:cNvPr id="5" name="Group 4">
+              <a:extLst>
+                <a:ext uri="{FF2B5EF4-FFF2-40B4-BE49-F238E27FC236}">
+                  <a16:creationId xmlns:a16="http://schemas.microsoft.com/office/drawing/2014/main" id="{15ED5D21-63DD-0DFE-8FFC-0B54C54E0347}"/>
+                </a:ext>
+              </a:extLst>
+            </p:cNvPr>
+            <p:cNvGrpSpPr/>
+            <p:nvPr/>
+          </p:nvGrpSpPr>
+          <p:grpSpPr>
+            <a:xfrm>
+              <a:off x="3877215" y="3290450"/>
+              <a:ext cx="4144962" cy="2316797"/>
+              <a:chOff x="1251331" y="1945303"/>
+              <a:chExt cx="3207259" cy="1975562"/>
+            </a:xfrm>
+          </p:grpSpPr>
+          <p:cxnSp>
+            <p:nvCxnSpPr>
+              <p:cNvPr id="6" name="Straight Connector 5">
+                <a:extLst>
+                  <a:ext uri="{FF2B5EF4-FFF2-40B4-BE49-F238E27FC236}">
+                    <a16:creationId xmlns:a16="http://schemas.microsoft.com/office/drawing/2014/main" id="{A3BE33CB-34B1-5C1D-0581-8F041B3EE3A3}"/>
+                  </a:ext>
+                </a:extLst>
+              </p:cNvPr>
+              <p:cNvCxnSpPr>
+                <a:cxnSpLocks/>
+              </p:cNvCxnSpPr>
+              <p:nvPr/>
+            </p:nvCxnSpPr>
+            <p:spPr>
+              <a:xfrm>
+                <a:off x="1251331" y="3148491"/>
+                <a:ext cx="1545984" cy="0"/>
+              </a:xfrm>
+              <a:prstGeom prst="line">
+                <a:avLst/>
+              </a:prstGeom>
+              <a:ln w="57150">
+                <a:solidFill>
+                  <a:schemeClr val="tx2">
+                    <a:lumMod val="75000"/>
+                    <a:lumOff val="25000"/>
+                  </a:schemeClr>
+                </a:solidFill>
+              </a:ln>
+            </p:spPr>
+            <p:style>
+              <a:lnRef idx="2">
+                <a:schemeClr val="dk1"/>
+              </a:lnRef>
+              <a:fillRef idx="0">
+                <a:schemeClr val="dk1"/>
+              </a:fillRef>
+              <a:effectRef idx="1">
+                <a:schemeClr val="dk1"/>
+              </a:effectRef>
+              <a:fontRef idx="minor">
+                <a:schemeClr val="tx1"/>
+              </a:fontRef>
+            </p:style>
+          </p:cxnSp>
+          <p:sp>
+            <p:nvSpPr>
+              <p:cNvPr id="7" name="Oval 6">
+                <a:extLst>
+                  <a:ext uri="{FF2B5EF4-FFF2-40B4-BE49-F238E27FC236}">
+                    <a16:creationId xmlns:a16="http://schemas.microsoft.com/office/drawing/2014/main" id="{A3BF22CC-3031-2525-00D3-5261B1B20D58}"/>
+                  </a:ext>
+                </a:extLst>
+              </p:cNvPr>
+              <p:cNvSpPr/>
+              <p:nvPr/>
+            </p:nvSpPr>
+            <p:spPr>
+              <a:xfrm>
+                <a:off x="4189805" y="3148491"/>
+                <a:ext cx="268785" cy="287394"/>
+              </a:xfrm>
+              <a:prstGeom prst="ellipse">
+                <a:avLst/>
+              </a:prstGeom>
+              <a:solidFill>
+                <a:schemeClr val="dk1"/>
+              </a:solidFill>
+              <a:ln>
+                <a:noFill/>
+              </a:ln>
+            </p:spPr>
+            <p:style>
+              <a:lnRef idx="0">
+                <a:scrgbClr r="0" g="0" b="0"/>
+              </a:lnRef>
+              <a:fillRef idx="0">
+                <a:scrgbClr r="0" g="0" b="0"/>
+              </a:fillRef>
+              <a:effectRef idx="0">
+                <a:scrgbClr r="0" g="0" b="0"/>
+              </a:effectRef>
+              <a:fontRef idx="minor">
+                <a:schemeClr val="lt1"/>
+              </a:fontRef>
+            </p:style>
+            <p:txBody>
+              <a:bodyPr rtlCol="0" anchor="ctr"/>
+              <a:lstStyle/>
+              <a:p>
+                <a:pPr algn="ctr"/>
+                <a:endParaRPr lang="en-US" dirty="0"/>
+              </a:p>
+            </p:txBody>
+          </p:sp>
+          <p:sp>
+            <p:nvSpPr>
+              <p:cNvPr id="8" name="Isosceles Triangle 7">
+                <a:extLst>
+                  <a:ext uri="{FF2B5EF4-FFF2-40B4-BE49-F238E27FC236}">
+                    <a16:creationId xmlns:a16="http://schemas.microsoft.com/office/drawing/2014/main" id="{73613C0D-0041-E2CE-4281-F8B5FF789776}"/>
+                  </a:ext>
+                </a:extLst>
+              </p:cNvPr>
+              <p:cNvSpPr/>
+              <p:nvPr/>
+            </p:nvSpPr>
+            <p:spPr>
+              <a:xfrm>
+                <a:off x="1277620" y="3148491"/>
+                <a:ext cx="246888" cy="261741"/>
+              </a:xfrm>
+              <a:prstGeom prst="triangle">
+                <a:avLst/>
+              </a:prstGeom>
+              <a:solidFill>
+                <a:schemeClr val="dk1"/>
+              </a:solidFill>
+              <a:ln>
+                <a:noFill/>
+              </a:ln>
+            </p:spPr>
+            <p:style>
+              <a:lnRef idx="0">
+                <a:scrgbClr r="0" g="0" b="0"/>
+              </a:lnRef>
+              <a:fillRef idx="0">
+                <a:scrgbClr r="0" g="0" b="0"/>
+              </a:fillRef>
+              <a:effectRef idx="0">
+                <a:scrgbClr r="0" g="0" b="0"/>
+              </a:effectRef>
+              <a:fontRef idx="minor">
+                <a:schemeClr val="lt1"/>
+              </a:fontRef>
+            </p:style>
+            <p:txBody>
+              <a:bodyPr rtlCol="0" anchor="ctr"/>
+              <a:lstStyle/>
+              <a:p>
+                <a:pPr algn="ctr"/>
+                <a:endParaRPr lang="en-US"/>
+              </a:p>
+            </p:txBody>
+          </p:sp>
+          <p:cxnSp>
+            <p:nvCxnSpPr>
+              <p:cNvPr id="9" name="Straight Arrow Connector 8">
+                <a:extLst>
+                  <a:ext uri="{FF2B5EF4-FFF2-40B4-BE49-F238E27FC236}">
+                    <a16:creationId xmlns:a16="http://schemas.microsoft.com/office/drawing/2014/main" id="{1C3BFB48-48BA-3CFD-58F7-E4B403CE300E}"/>
+                  </a:ext>
+                </a:extLst>
+              </p:cNvPr>
+              <p:cNvCxnSpPr/>
+              <p:nvPr/>
+            </p:nvCxnSpPr>
+            <p:spPr>
+              <a:xfrm>
+                <a:off x="2797315" y="2181504"/>
+                <a:ext cx="0" cy="960120"/>
+              </a:xfrm>
+              <a:prstGeom prst="straightConnector1">
+                <a:avLst/>
+              </a:prstGeom>
+              <a:ln w="38100">
+                <a:tailEnd type="triangle"/>
+              </a:ln>
+            </p:spPr>
+            <p:style>
+              <a:lnRef idx="1">
+                <a:schemeClr val="dk1"/>
+              </a:lnRef>
+              <a:fillRef idx="0">
+                <a:schemeClr val="dk1"/>
+              </a:fillRef>
+              <a:effectRef idx="0">
+                <a:schemeClr val="dk1"/>
+              </a:effectRef>
+              <a:fontRef idx="minor">
+                <a:schemeClr val="tx1"/>
+              </a:fontRef>
+            </p:style>
+          </p:cxnSp>
+          <p:cxnSp>
+            <p:nvCxnSpPr>
+              <p:cNvPr id="10" name="Straight Connector 9">
+                <a:extLst>
+                  <a:ext uri="{FF2B5EF4-FFF2-40B4-BE49-F238E27FC236}">
+                    <a16:creationId xmlns:a16="http://schemas.microsoft.com/office/drawing/2014/main" id="{A3C2DC0C-ACDE-FC80-77A2-D6AE77A7ABF8}"/>
+                  </a:ext>
+                </a:extLst>
+              </p:cNvPr>
+              <p:cNvCxnSpPr>
+                <a:cxnSpLocks/>
+              </p:cNvCxnSpPr>
+              <p:nvPr/>
+            </p:nvCxnSpPr>
+            <p:spPr>
+              <a:xfrm>
+                <a:off x="1392891" y="3664365"/>
+                <a:ext cx="2907792" cy="0"/>
+              </a:xfrm>
+              <a:prstGeom prst="line">
+                <a:avLst/>
+              </a:prstGeom>
+            </p:spPr>
+            <p:style>
+              <a:lnRef idx="2">
+                <a:schemeClr val="dk1"/>
+              </a:lnRef>
+              <a:fillRef idx="0">
+                <a:schemeClr val="dk1"/>
+              </a:fillRef>
+              <a:effectRef idx="1">
+                <a:schemeClr val="dk1"/>
+              </a:effectRef>
+              <a:fontRef idx="minor">
+                <a:schemeClr val="tx1"/>
+              </a:fontRef>
+            </p:style>
+          </p:cxnSp>
+          <p:sp>
+            <p:nvSpPr>
+              <p:cNvPr id="11" name="TextBox 10">
+                <a:extLst>
+                  <a:ext uri="{FF2B5EF4-FFF2-40B4-BE49-F238E27FC236}">
+                    <a16:creationId xmlns:a16="http://schemas.microsoft.com/office/drawing/2014/main" id="{1084D445-606E-E95B-D970-D4A257F416DF}"/>
+                  </a:ext>
+                </a:extLst>
+              </p:cNvPr>
+              <p:cNvSpPr txBox="1"/>
+              <p:nvPr/>
+            </p:nvSpPr>
+            <p:spPr>
+              <a:xfrm>
+                <a:off x="2692874" y="3684664"/>
+                <a:ext cx="216071" cy="236201"/>
+              </a:xfrm>
+              <a:prstGeom prst="rect">
+                <a:avLst/>
+              </a:prstGeom>
+              <a:noFill/>
+            </p:spPr>
+            <p:txBody>
+              <a:bodyPr wrap="none" rtlCol="0">
+                <a:spAutoFit/>
+              </a:bodyPr>
+              <a:lstStyle/>
+              <a:p>
+                <a:r>
+                  <a:rPr lang="en-US" sz="1200" dirty="0">
+                    <a:latin typeface="+mj-lt"/>
+                  </a:rPr>
+                  <a:t>L</a:t>
+                </a:r>
+              </a:p>
+            </p:txBody>
+          </p:sp>
+          <p:sp>
+            <p:nvSpPr>
+              <p:cNvPr id="12" name="TextBox 11">
+                <a:extLst>
+                  <a:ext uri="{FF2B5EF4-FFF2-40B4-BE49-F238E27FC236}">
+                    <a16:creationId xmlns:a16="http://schemas.microsoft.com/office/drawing/2014/main" id="{A6D0A2E3-9E4D-A145-CBE8-FC0219B793C6}"/>
+                  </a:ext>
+                </a:extLst>
+              </p:cNvPr>
+              <p:cNvSpPr txBox="1"/>
+              <p:nvPr/>
+            </p:nvSpPr>
+            <p:spPr>
+              <a:xfrm>
+                <a:off x="2693000" y="1945303"/>
+                <a:ext cx="208629" cy="236201"/>
+              </a:xfrm>
+              <a:prstGeom prst="rect">
+                <a:avLst/>
+              </a:prstGeom>
+              <a:noFill/>
+            </p:spPr>
+            <p:txBody>
+              <a:bodyPr wrap="none" rtlCol="0">
+                <a:spAutoFit/>
+              </a:bodyPr>
+              <a:lstStyle/>
+              <a:p>
+                <a:r>
+                  <a:rPr lang="en-US" sz="1200" dirty="0">
+                    <a:latin typeface="+mj-lt"/>
+                  </a:rPr>
+                  <a:t>P</a:t>
+                </a:r>
+              </a:p>
+            </p:txBody>
+          </p:sp>
+          <p:sp>
+            <p:nvSpPr>
+              <p:cNvPr id="13" name="Freeform: Shape 12">
+                <a:extLst>
+                  <a:ext uri="{FF2B5EF4-FFF2-40B4-BE49-F238E27FC236}">
+                    <a16:creationId xmlns:a16="http://schemas.microsoft.com/office/drawing/2014/main" id="{97810E41-3DAB-A272-DDC6-16B86C8A920E}"/>
+                  </a:ext>
+                </a:extLst>
+              </p:cNvPr>
+              <p:cNvSpPr/>
+              <p:nvPr/>
+            </p:nvSpPr>
+            <p:spPr>
+              <a:xfrm>
+                <a:off x="1435608" y="3168789"/>
+                <a:ext cx="2812415" cy="397404"/>
+              </a:xfrm>
+              <a:custGeom>
+                <a:avLst/>
+                <a:gdLst>
+                  <a:gd name="csX0" fmla="*/ 0 w 2889504"/>
+                  <a:gd name="csY0" fmla="*/ 18288 h 420657"/>
+                  <a:gd name="csX1" fmla="*/ 1399032 w 2889504"/>
+                  <a:gd name="csY1" fmla="*/ 420624 h 420657"/>
+                  <a:gd name="csX2" fmla="*/ 2889504 w 2889504"/>
+                  <a:gd name="csY2" fmla="*/ 0 h 420657"/>
+                </a:gdLst>
+                <a:ahLst/>
+                <a:cxnLst>
+                  <a:cxn ang="0">
+                    <a:pos x="csX0" y="csY0"/>
+                  </a:cxn>
+                  <a:cxn ang="0">
+                    <a:pos x="csX1" y="csY1"/>
+                  </a:cxn>
+                  <a:cxn ang="0">
+                    <a:pos x="csX2" y="csY2"/>
+                  </a:cxn>
+                </a:cxnLst>
+                <a:rect l="l" t="t" r="r" b="b"/>
+                <a:pathLst>
+                  <a:path w="2889504" h="420657">
+                    <a:moveTo>
+                      <a:pt x="0" y="18288"/>
+                    </a:moveTo>
+                    <a:cubicBezTo>
+                      <a:pt x="458724" y="220980"/>
+                      <a:pt x="917448" y="423672"/>
+                      <a:pt x="1399032" y="420624"/>
+                    </a:cubicBezTo>
+                    <a:cubicBezTo>
+                      <a:pt x="1880616" y="417576"/>
+                      <a:pt x="2631948" y="92964"/>
+                      <a:pt x="2889504" y="0"/>
+                    </a:cubicBezTo>
+                  </a:path>
+                </a:pathLst>
+              </a:custGeom>
+              <a:ln w="28575">
+                <a:solidFill>
+                  <a:schemeClr val="tx1"/>
+                </a:solidFill>
+                <a:prstDash val="sysDash"/>
+              </a:ln>
+            </p:spPr>
+            <p:style>
+              <a:lnRef idx="1">
+                <a:schemeClr val="accent4"/>
+              </a:lnRef>
+              <a:fillRef idx="0">
+                <a:schemeClr val="accent4"/>
+              </a:fillRef>
+              <a:effectRef idx="0">
+                <a:schemeClr val="accent4"/>
+              </a:effectRef>
+              <a:fontRef idx="minor">
+                <a:schemeClr val="tx1"/>
+              </a:fontRef>
+            </p:style>
+            <p:txBody>
+              <a:bodyPr rtlCol="0" anchor="ctr"/>
+              <a:lstStyle/>
+              <a:p>
+                <a:pPr algn="ctr"/>
+                <a:endParaRPr lang="en-US" dirty="0"/>
+              </a:p>
+            </p:txBody>
+          </p:sp>
+          <mc:AlternateContent xmlns:mc="http://schemas.openxmlformats.org/markup-compatibility/2006">
+            <mc:Choice xmlns:a14="http://schemas.microsoft.com/office/drawing/2010/main" Requires="a14">
+              <p:sp>
+                <p:nvSpPr>
+                  <p:cNvPr id="14" name="TextBox 13">
+                    <a:extLst>
+                      <a:ext uri="{FF2B5EF4-FFF2-40B4-BE49-F238E27FC236}">
+                        <a16:creationId xmlns:a16="http://schemas.microsoft.com/office/drawing/2014/main" id="{39D76540-5411-66A8-84BE-1D70192AA7C6}"/>
+                      </a:ext>
+                    </a:extLst>
+                  </p:cNvPr>
+                  <p:cNvSpPr txBox="1"/>
+                  <p:nvPr/>
+                </p:nvSpPr>
+                <p:spPr>
+                  <a:xfrm>
+                    <a:off x="2773259" y="3220756"/>
+                    <a:ext cx="414776" cy="236201"/>
+                  </a:xfrm>
+                  <a:prstGeom prst="rect">
+                    <a:avLst/>
+                  </a:prstGeom>
+                  <a:noFill/>
+                </p:spPr>
+                <p:txBody>
+                  <a:bodyPr wrap="none" rtlCol="0">
+                    <a:spAutoFit/>
+                  </a:bodyPr>
+                  <a:lstStyle/>
+                  <a:p>
+                    <a:pPr/>
+                    <a14:m>
+                      <m:oMathPara xmlns:m="http://schemas.openxmlformats.org/officeDocument/2006/math">
+                        <m:oMathParaPr>
+                          <m:jc m:val="centerGroup"/>
+                        </m:oMathParaPr>
+                        <m:oMath xmlns:m="http://schemas.openxmlformats.org/officeDocument/2006/math">
+                          <m:sSub>
+                            <m:sSubPr>
+                              <m:ctrlPr>
+                                <a:rPr lang="en-US" sz="1200" b="0" i="1" smtClean="0">
+                                  <a:solidFill>
+                                    <a:schemeClr val="tx1"/>
+                                  </a:solidFill>
+                                  <a:latin typeface="Cambria Math" panose="02040503050406030204" pitchFamily="18" charset="0"/>
+                                </a:rPr>
+                              </m:ctrlPr>
+                            </m:sSubPr>
+                            <m:e>
+                              <m:r>
+                                <a:rPr lang="en-US" sz="1200" b="0" i="1" smtClean="0">
+                                  <a:solidFill>
+                                    <a:schemeClr val="tx1"/>
+                                  </a:solidFill>
+                                  <a:latin typeface="Cambria Math" panose="02040503050406030204" pitchFamily="18" charset="0"/>
+                                </a:rPr>
+                                <m:t>𝛿</m:t>
+                              </m:r>
+                            </m:e>
+                            <m:sub>
+                              <m:r>
+                                <m:rPr>
+                                  <m:sty m:val="p"/>
+                                </m:rPr>
+                                <a:rPr lang="en-US" sz="1200" b="0" i="0" smtClean="0">
+                                  <a:solidFill>
+                                    <a:schemeClr val="tx1"/>
+                                  </a:solidFill>
+                                  <a:latin typeface="Cambria Math" panose="02040503050406030204" pitchFamily="18" charset="0"/>
+                                </a:rPr>
+                                <m:t>max</m:t>
+                              </m:r>
+                            </m:sub>
+                          </m:sSub>
+                        </m:oMath>
+                      </m:oMathPara>
+                    </a14:m>
+                    <a:endParaRPr lang="en-US" sz="1200" dirty="0">
+                      <a:solidFill>
+                        <a:schemeClr val="tx1"/>
+                      </a:solidFill>
+                      <a:latin typeface="+mj-lt"/>
+                    </a:endParaRPr>
+                  </a:p>
+                </p:txBody>
+              </p:sp>
+            </mc:Choice>
+            <mc:Fallback>
+              <p:sp>
+                <p:nvSpPr>
+                  <p:cNvPr id="14" name="TextBox 13">
+                    <a:extLst>
+                      <a:ext uri="{FF2B5EF4-FFF2-40B4-BE49-F238E27FC236}">
+                        <a16:creationId xmlns:a16="http://schemas.microsoft.com/office/drawing/2014/main" id="{39D76540-5411-66A8-84BE-1D70192AA7C6}"/>
+                      </a:ext>
+                    </a:extLst>
+                  </p:cNvPr>
+                  <p:cNvSpPr txBox="1">
+                    <a:spLocks noRot="1" noChangeAspect="1" noMove="1" noResize="1" noEditPoints="1" noAdjustHandles="1" noChangeArrowheads="1" noChangeShapeType="1" noTextEdit="1"/>
+                  </p:cNvSpPr>
+                  <p:nvPr/>
+                </p:nvSpPr>
+                <p:spPr>
+                  <a:xfrm>
+                    <a:off x="2773259" y="3220756"/>
+                    <a:ext cx="414776" cy="236201"/>
+                  </a:xfrm>
+                  <a:prstGeom prst="rect">
+                    <a:avLst/>
+                  </a:prstGeom>
+                  <a:blipFill>
+                    <a:blip r:embed="rId2"/>
+                    <a:stretch>
+                      <a:fillRect/>
+                    </a:stretch>
+                  </a:blipFill>
+                </p:spPr>
+                <p:txBody>
+                  <a:bodyPr/>
+                  <a:lstStyle/>
+                  <a:p>
+                    <a:r>
+                      <a:rPr lang="en-US">
+                        <a:noFill/>
+                      </a:rPr>
+                      <a:t> </a:t>
+                    </a:r>
+                  </a:p>
+                </p:txBody>
+              </p:sp>
+            </mc:Fallback>
+          </mc:AlternateContent>
+          <p:cxnSp>
+            <p:nvCxnSpPr>
+              <p:cNvPr id="15" name="Straight Connector 14">
+                <a:extLst>
+                  <a:ext uri="{FF2B5EF4-FFF2-40B4-BE49-F238E27FC236}">
+                    <a16:creationId xmlns:a16="http://schemas.microsoft.com/office/drawing/2014/main" id="{608CB3CC-0C90-FA81-431E-7B97868AC4B7}"/>
+                  </a:ext>
+                </a:extLst>
+              </p:cNvPr>
+              <p:cNvCxnSpPr/>
+              <p:nvPr/>
+            </p:nvCxnSpPr>
+            <p:spPr>
+              <a:xfrm>
+                <a:off x="1393653" y="3560626"/>
+                <a:ext cx="0" cy="207478"/>
+              </a:xfrm>
+              <a:prstGeom prst="line">
+                <a:avLst/>
+              </a:prstGeom>
+            </p:spPr>
+            <p:style>
+              <a:lnRef idx="2">
+                <a:schemeClr val="dk1"/>
+              </a:lnRef>
+              <a:fillRef idx="0">
+                <a:schemeClr val="dk1"/>
+              </a:fillRef>
+              <a:effectRef idx="1">
+                <a:schemeClr val="dk1"/>
+              </a:effectRef>
+              <a:fontRef idx="minor">
+                <a:schemeClr val="tx1"/>
+              </a:fontRef>
+            </p:style>
+          </p:cxnSp>
+          <p:cxnSp>
+            <p:nvCxnSpPr>
+              <p:cNvPr id="16" name="Straight Connector 15">
+                <a:extLst>
+                  <a:ext uri="{FF2B5EF4-FFF2-40B4-BE49-F238E27FC236}">
+                    <a16:creationId xmlns:a16="http://schemas.microsoft.com/office/drawing/2014/main" id="{308653C6-608C-332B-2978-5720D6E47B9C}"/>
+                  </a:ext>
+                </a:extLst>
+              </p:cNvPr>
+              <p:cNvCxnSpPr/>
+              <p:nvPr/>
+            </p:nvCxnSpPr>
+            <p:spPr>
+              <a:xfrm>
+                <a:off x="4300683" y="3560626"/>
+                <a:ext cx="0" cy="207478"/>
+              </a:xfrm>
+              <a:prstGeom prst="line">
+                <a:avLst/>
+              </a:prstGeom>
+            </p:spPr>
+            <p:style>
+              <a:lnRef idx="2">
+                <a:schemeClr val="dk1"/>
+              </a:lnRef>
+              <a:fillRef idx="0">
+                <a:schemeClr val="dk1"/>
+              </a:fillRef>
+              <a:effectRef idx="1">
+                <a:schemeClr val="dk1"/>
+              </a:effectRef>
+              <a:fontRef idx="minor">
+                <a:schemeClr val="tx1"/>
+              </a:fontRef>
+            </p:style>
+          </p:cxnSp>
+          <p:cxnSp>
+            <p:nvCxnSpPr>
+              <p:cNvPr id="17" name="Straight Connector 16">
+                <a:extLst>
+                  <a:ext uri="{FF2B5EF4-FFF2-40B4-BE49-F238E27FC236}">
+                    <a16:creationId xmlns:a16="http://schemas.microsoft.com/office/drawing/2014/main" id="{99468E7A-60BE-3DF8-0869-981979E2D443}"/>
+                  </a:ext>
+                </a:extLst>
+              </p:cNvPr>
+              <p:cNvCxnSpPr>
+                <a:cxnSpLocks/>
+                <a:endCxn id="13" idx="1"/>
+              </p:cNvCxnSpPr>
+              <p:nvPr/>
+            </p:nvCxnSpPr>
+            <p:spPr>
+              <a:xfrm>
+                <a:off x="2797315" y="3168789"/>
+                <a:ext cx="0" cy="397373"/>
+              </a:xfrm>
+              <a:prstGeom prst="line">
+                <a:avLst/>
+              </a:prstGeom>
+              <a:ln w="9525">
+                <a:solidFill>
+                  <a:schemeClr val="tx1"/>
+                </a:solidFill>
+                <a:prstDash val="dash"/>
+              </a:ln>
+            </p:spPr>
+            <p:style>
+              <a:lnRef idx="2">
+                <a:schemeClr val="accent4"/>
+              </a:lnRef>
+              <a:fillRef idx="0">
+                <a:schemeClr val="accent4"/>
+              </a:fillRef>
+              <a:effectRef idx="1">
+                <a:schemeClr val="accent4"/>
+              </a:effectRef>
+              <a:fontRef idx="minor">
+                <a:schemeClr val="tx1"/>
+              </a:fontRef>
+            </p:style>
+          </p:cxnSp>
+        </p:grpSp>
+        <p:cxnSp>
+          <p:nvCxnSpPr>
+            <p:cNvPr id="19" name="Straight Connector 18">
+              <a:extLst>
+                <a:ext uri="{FF2B5EF4-FFF2-40B4-BE49-F238E27FC236}">
+                  <a16:creationId xmlns:a16="http://schemas.microsoft.com/office/drawing/2014/main" id="{5EA85088-A89B-E209-1A48-D75BA19D1ABC}"/>
+                </a:ext>
+              </a:extLst>
+            </p:cNvPr>
+            <p:cNvCxnSpPr>
+              <a:cxnSpLocks/>
+            </p:cNvCxnSpPr>
+            <p:nvPr/>
+          </p:nvCxnSpPr>
+          <p:spPr>
+            <a:xfrm>
+              <a:off x="5875197" y="4701462"/>
+              <a:ext cx="1997982" cy="0"/>
+            </a:xfrm>
+            <a:prstGeom prst="line">
+              <a:avLst/>
+            </a:prstGeom>
+            <a:ln w="57150">
+              <a:solidFill>
+                <a:schemeClr val="accent1">
+                  <a:lumMod val="60000"/>
+                  <a:lumOff val="40000"/>
+                </a:schemeClr>
+              </a:solidFill>
+            </a:ln>
+          </p:spPr>
+          <p:style>
+            <a:lnRef idx="2">
+              <a:schemeClr val="dk1"/>
+            </a:lnRef>
+            <a:fillRef idx="0">
+              <a:schemeClr val="dk1"/>
+            </a:fillRef>
+            <a:effectRef idx="1">
+              <a:schemeClr val="dk1"/>
+            </a:effectRef>
+            <a:fontRef idx="minor">
+              <a:schemeClr val="tx1"/>
+            </a:fontRef>
+          </p:style>
+        </p:cxnSp>
+        <mc:AlternateContent xmlns:mc="http://schemas.openxmlformats.org/markup-compatibility/2006">
+          <mc:Choice xmlns:a14="http://schemas.microsoft.com/office/drawing/2010/main" Requires="a14">
+            <p:sp>
+              <p:nvSpPr>
+                <p:cNvPr id="18" name="TextBox 17">
+                  <a:extLst>
+                    <a:ext uri="{FF2B5EF4-FFF2-40B4-BE49-F238E27FC236}">
+                      <a16:creationId xmlns:a16="http://schemas.microsoft.com/office/drawing/2014/main" id="{82A9E774-EDAA-452D-7B17-90BF97103E0F}"/>
+                    </a:ext>
+                  </a:extLst>
+                </p:cNvPr>
+                <p:cNvSpPr txBox="1"/>
+                <p:nvPr/>
+              </p:nvSpPr>
+              <p:spPr>
+                <a:xfrm>
+                  <a:off x="4662637" y="4403197"/>
+                  <a:ext cx="683515" cy="276999"/>
+                </a:xfrm>
+                <a:prstGeom prst="rect">
+                  <a:avLst/>
+                </a:prstGeom>
+                <a:noFill/>
+              </p:spPr>
+              <p:txBody>
+                <a:bodyPr wrap="square">
+                  <a:spAutoFit/>
+                </a:bodyPr>
+                <a:lstStyle/>
+                <a:p>
+                  <a14:m>
+                    <m:oMath xmlns:m="http://schemas.openxmlformats.org/officeDocument/2006/math">
+                      <m:sSub>
+                        <m:sSubPr>
+                          <m:ctrlPr>
+                            <a:rPr lang="en-US" sz="1200" b="0" i="1" smtClean="0">
+                              <a:solidFill>
+                                <a:schemeClr val="tx2">
+                                  <a:lumMod val="50000"/>
+                                  <a:lumOff val="50000"/>
+                                </a:schemeClr>
+                              </a:solidFill>
+                              <a:latin typeface="Cambria Math" panose="02040503050406030204" pitchFamily="18" charset="0"/>
+                            </a:rPr>
+                          </m:ctrlPr>
+                        </m:sSubPr>
+                        <m:e>
+                          <m:r>
+                            <a:rPr lang="en-US" sz="1200" b="0" i="1" smtClean="0">
+                              <a:solidFill>
+                                <a:schemeClr val="tx2">
+                                  <a:lumMod val="50000"/>
+                                  <a:lumOff val="50000"/>
+                                </a:schemeClr>
+                              </a:solidFill>
+                              <a:latin typeface="Cambria Math" panose="02040503050406030204" pitchFamily="18" charset="0"/>
+                            </a:rPr>
+                            <m:t>𝐸</m:t>
+                          </m:r>
+                        </m:e>
+                        <m:sub>
+                          <m:r>
+                            <a:rPr lang="en-US" sz="1200" b="0" i="1" smtClean="0">
+                              <a:solidFill>
+                                <a:schemeClr val="tx2">
+                                  <a:lumMod val="50000"/>
+                                  <a:lumOff val="50000"/>
+                                </a:schemeClr>
+                              </a:solidFill>
+                              <a:latin typeface="Cambria Math" panose="02040503050406030204" pitchFamily="18" charset="0"/>
+                            </a:rPr>
+                            <m:t>1</m:t>
+                          </m:r>
+                        </m:sub>
+                      </m:sSub>
+                    </m:oMath>
+                  </a14:m>
+                  <a:r>
+                    <a:rPr lang="en-US" sz="1200" dirty="0">
+                      <a:solidFill>
+                        <a:schemeClr val="tx2">
+                          <a:lumMod val="50000"/>
+                          <a:lumOff val="50000"/>
+                        </a:schemeClr>
+                      </a:solidFill>
+                      <a:latin typeface="+mj-lt"/>
+                    </a:rPr>
+                    <a:t>= ?</a:t>
+                  </a:r>
+                </a:p>
+              </p:txBody>
+            </p:sp>
+          </mc:Choice>
+          <mc:Fallback>
+            <p:sp>
+              <p:nvSpPr>
+                <p:cNvPr id="18" name="TextBox 17">
+                  <a:extLst>
+                    <a:ext uri="{FF2B5EF4-FFF2-40B4-BE49-F238E27FC236}">
+                      <a16:creationId xmlns:a16="http://schemas.microsoft.com/office/drawing/2014/main" id="{82A9E774-EDAA-452D-7B17-90BF97103E0F}"/>
+                    </a:ext>
+                  </a:extLst>
+                </p:cNvPr>
+                <p:cNvSpPr txBox="1">
+                  <a:spLocks noRot="1" noChangeAspect="1" noMove="1" noResize="1" noEditPoints="1" noAdjustHandles="1" noChangeArrowheads="1" noChangeShapeType="1" noTextEdit="1"/>
+                </p:cNvSpPr>
+                <p:nvPr/>
+              </p:nvSpPr>
+              <p:spPr>
+                <a:xfrm>
+                  <a:off x="4662637" y="4403197"/>
+                  <a:ext cx="683515" cy="276999"/>
+                </a:xfrm>
+                <a:prstGeom prst="rect">
+                  <a:avLst/>
+                </a:prstGeom>
+                <a:blipFill>
+                  <a:blip r:embed="rId3"/>
+                  <a:stretch>
+                    <a:fillRect b="-15217"/>
+                  </a:stretch>
+                </a:blipFill>
+              </p:spPr>
+              <p:txBody>
+                <a:bodyPr/>
+                <a:lstStyle/>
+                <a:p>
+                  <a:r>
+                    <a:rPr lang="en-US">
+                      <a:noFill/>
+                    </a:rPr>
+                    <a:t> </a:t>
+                  </a:r>
+                </a:p>
+              </p:txBody>
+            </p:sp>
+          </mc:Fallback>
+        </mc:AlternateContent>
+        <mc:AlternateContent xmlns:mc="http://schemas.openxmlformats.org/markup-compatibility/2006">
+          <mc:Choice xmlns:a14="http://schemas.microsoft.com/office/drawing/2010/main" Requires="a14">
+            <p:sp>
+              <p:nvSpPr>
+                <p:cNvPr id="20" name="TextBox 19">
+                  <a:extLst>
+                    <a:ext uri="{FF2B5EF4-FFF2-40B4-BE49-F238E27FC236}">
+                      <a16:creationId xmlns:a16="http://schemas.microsoft.com/office/drawing/2014/main" id="{425477AF-41A0-F1B1-C0F1-399A93DECCA3}"/>
+                    </a:ext>
+                  </a:extLst>
+                </p:cNvPr>
+                <p:cNvSpPr txBox="1"/>
+                <p:nvPr/>
+              </p:nvSpPr>
+              <p:spPr>
+                <a:xfrm>
+                  <a:off x="6572198" y="4420437"/>
+                  <a:ext cx="683515" cy="276999"/>
+                </a:xfrm>
+                <a:prstGeom prst="rect">
+                  <a:avLst/>
+                </a:prstGeom>
+                <a:noFill/>
+              </p:spPr>
+              <p:txBody>
+                <a:bodyPr wrap="square">
+                  <a:spAutoFit/>
+                </a:bodyPr>
+                <a:lstStyle/>
+                <a:p>
+                  <a14:m>
+                    <m:oMath xmlns:m="http://schemas.openxmlformats.org/officeDocument/2006/math">
+                      <m:sSub>
+                        <m:sSubPr>
+                          <m:ctrlPr>
+                            <a:rPr lang="en-US" sz="1200" b="0" i="1" smtClean="0">
+                              <a:solidFill>
+                                <a:schemeClr val="accent1">
+                                  <a:lumMod val="60000"/>
+                                  <a:lumOff val="40000"/>
+                                </a:schemeClr>
+                              </a:solidFill>
+                              <a:latin typeface="Cambria Math" panose="02040503050406030204" pitchFamily="18" charset="0"/>
+                            </a:rPr>
+                          </m:ctrlPr>
+                        </m:sSubPr>
+                        <m:e>
+                          <m:r>
+                            <a:rPr lang="en-US" sz="1200" b="0" i="1" smtClean="0">
+                              <a:solidFill>
+                                <a:schemeClr val="accent1">
+                                  <a:lumMod val="60000"/>
+                                  <a:lumOff val="40000"/>
+                                </a:schemeClr>
+                              </a:solidFill>
+                              <a:latin typeface="Cambria Math" panose="02040503050406030204" pitchFamily="18" charset="0"/>
+                            </a:rPr>
+                            <m:t>𝐸</m:t>
+                          </m:r>
+                        </m:e>
+                        <m:sub>
+                          <m:r>
+                            <a:rPr lang="en-US" sz="1200" b="0" i="1" smtClean="0">
+                              <a:solidFill>
+                                <a:schemeClr val="accent1">
+                                  <a:lumMod val="60000"/>
+                                  <a:lumOff val="40000"/>
+                                </a:schemeClr>
+                              </a:solidFill>
+                              <a:latin typeface="Cambria Math" panose="02040503050406030204" pitchFamily="18" charset="0"/>
+                            </a:rPr>
+                            <m:t>2</m:t>
+                          </m:r>
+                        </m:sub>
+                      </m:sSub>
+                    </m:oMath>
+                  </a14:m>
+                  <a:r>
+                    <a:rPr lang="en-US" sz="1200" dirty="0">
+                      <a:solidFill>
+                        <a:schemeClr val="accent1">
+                          <a:lumMod val="60000"/>
+                          <a:lumOff val="40000"/>
+                        </a:schemeClr>
+                      </a:solidFill>
+                      <a:latin typeface="+mj-lt"/>
+                    </a:rPr>
+                    <a:t>= ?</a:t>
+                  </a:r>
+                </a:p>
+              </p:txBody>
+            </p:sp>
+          </mc:Choice>
+          <mc:Fallback>
+            <p:sp>
+              <p:nvSpPr>
+                <p:cNvPr id="20" name="TextBox 19">
+                  <a:extLst>
+                    <a:ext uri="{FF2B5EF4-FFF2-40B4-BE49-F238E27FC236}">
+                      <a16:creationId xmlns:a16="http://schemas.microsoft.com/office/drawing/2014/main" id="{425477AF-41A0-F1B1-C0F1-399A93DECCA3}"/>
+                    </a:ext>
+                  </a:extLst>
+                </p:cNvPr>
+                <p:cNvSpPr txBox="1">
+                  <a:spLocks noRot="1" noChangeAspect="1" noMove="1" noResize="1" noEditPoints="1" noAdjustHandles="1" noChangeArrowheads="1" noChangeShapeType="1" noTextEdit="1"/>
+                </p:cNvSpPr>
+                <p:nvPr/>
+              </p:nvSpPr>
+              <p:spPr>
+                <a:xfrm>
+                  <a:off x="6572198" y="4420437"/>
+                  <a:ext cx="683515" cy="276999"/>
+                </a:xfrm>
+                <a:prstGeom prst="rect">
+                  <a:avLst/>
+                </a:prstGeom>
+                <a:blipFill>
+                  <a:blip r:embed="rId4"/>
+                  <a:stretch>
+                    <a:fillRect b="-15217"/>
+                  </a:stretch>
+                </a:blipFill>
+              </p:spPr>
+              <p:txBody>
+                <a:bodyPr/>
+                <a:lstStyle/>
+                <a:p>
+                  <a:r>
+                    <a:rPr lang="en-US">
+                      <a:noFill/>
+                    </a:rPr>
+                    <a:t> </a:t>
+                  </a:r>
+                </a:p>
+              </p:txBody>
+            </p:sp>
+          </mc:Fallback>
+        </mc:AlternateContent>
+      </p:grpSp>
+      <p:sp>
+        <p:nvSpPr>
+          <p:cNvPr id="22" name="TextBox 21">
+            <a:extLst>
+              <a:ext uri="{FF2B5EF4-FFF2-40B4-BE49-F238E27FC236}">
+                <a16:creationId xmlns:a16="http://schemas.microsoft.com/office/drawing/2014/main" id="{2A78100B-49C1-9EEC-02F6-3F94B4471611}"/>
+              </a:ext>
+            </a:extLst>
+          </p:cNvPr>
+          <p:cNvSpPr txBox="1"/>
+          <p:nvPr/>
+        </p:nvSpPr>
+        <p:spPr>
+          <a:xfrm>
+            <a:off x="838200" y="1551557"/>
+            <a:ext cx="9320784" cy="646331"/>
+          </a:xfrm>
+          <a:prstGeom prst="rect">
+            <a:avLst/>
+          </a:prstGeom>
+          <a:noFill/>
+        </p:spPr>
+        <p:txBody>
+          <a:bodyPr wrap="square">
+            <a:spAutoFit/>
+          </a:bodyPr>
+          <a:lstStyle/>
+          <a:p>
+            <a:r>
+              <a:rPr lang="en-US" dirty="0">
+                <a:latin typeface="+mj-lt"/>
+              </a:rPr>
+              <a:t>Approaches to solve:</a:t>
+            </a:r>
+          </a:p>
+          <a:p>
+            <a:pPr marL="342900" indent="-342900">
+              <a:buAutoNum type="arabicPeriod"/>
+            </a:pPr>
+            <a:r>
+              <a:rPr lang="en-US">
+                <a:latin typeface="+mj-lt"/>
+              </a:rPr>
+              <a:t>Optimization Solve</a:t>
+            </a:r>
+            <a:endParaRPr lang="en-US" dirty="0">
+              <a:latin typeface="+mj-lt"/>
+            </a:endParaRPr>
+          </a:p>
+        </p:txBody>
+      </p:sp>
+    </p:spTree>
+    <p:extLst>
+      <p:ext uri="{BB962C8B-B14F-4D97-AF65-F5344CB8AC3E}">
+        <p14:creationId xmlns:p14="http://schemas.microsoft.com/office/powerpoint/2010/main" val="1347586183"/>
+      </p:ext>
+    </p:extLst>
+  </p:cSld>
+  <p:clrMapOvr>
+    <a:masterClrMapping/>
+  </p:clrMapOvr>
+</p:sld>
+</file>
+
 <file path=ppt/slides/slide2.xml><?xml version="1.0" encoding="utf-8"?>
 <p:sld xmlns:a="http://schemas.openxmlformats.org/drawingml/2006/main" xmlns:r="http://schemas.openxmlformats.org/officeDocument/2006/relationships" xmlns:p="http://schemas.openxmlformats.org/presentationml/2006/main">
   <p:cSld>
@@ -4434,8 +7183,8 @@
           </a:p>
         </p:txBody>
       </p:sp>
-      <mc:AlternateContent xmlns:mc="http://schemas.openxmlformats.org/markup-compatibility/2006">
-        <mc:Choice xmlns:a14="http://schemas.microsoft.com/office/drawing/2010/main" Requires="a14">
+      <mc:AlternateContent xmlns:mc="http://schemas.openxmlformats.org/markup-compatibility/2006" xmlns:a14="http://schemas.microsoft.com/office/drawing/2010/main">
+        <mc:Choice Requires="a14">
           <p:sp>
             <p:nvSpPr>
               <p:cNvPr id="3" name="Content Placeholder 2">
@@ -4454,26 +7203,28 @@
             </p:nvSpPr>
             <p:spPr/>
             <p:txBody>
-              <a:bodyPr/>
+              <a:bodyPr>
+                <a:normAutofit/>
+              </a:bodyPr>
               <a:lstStyle/>
               <a:p>
                 <a:pPr marL="0" indent="0">
                   <a:buNone/>
                 </a:pPr>
                 <a:r>
-                  <a:rPr lang="en-US" b="1" dirty="0"/>
+                  <a:rPr lang="en-US" sz="2000" b="1" dirty="0"/>
                   <a:t>Problems Archetypes</a:t>
                 </a:r>
               </a:p>
               <a:p>
                 <a:r>
-                  <a:rPr lang="en-US" dirty="0"/>
+                  <a:rPr lang="en-US" sz="2000" dirty="0"/>
                   <a:t>Direct – given object </a:t>
                 </a:r>
                 <a14:m>
                   <m:oMath xmlns:m="http://schemas.openxmlformats.org/officeDocument/2006/math">
                     <m:r>
-                      <a:rPr lang="en-US" b="0" i="1" smtClean="0">
+                      <a:rPr lang="en-US" sz="2000" b="0" i="1" smtClean="0">
                         <a:latin typeface="Cambria Math" panose="02040503050406030204" pitchFamily="18" charset="0"/>
                       </a:rPr>
                       <m:t>→</m:t>
@@ -4481,19 +7232,19 @@
                   </m:oMath>
                 </a14:m>
                 <a:r>
-                  <a:rPr lang="en-US" dirty="0"/>
+                  <a:rPr lang="en-US" sz="2000" dirty="0"/>
                   <a:t> determine data</a:t>
                 </a:r>
               </a:p>
               <a:p>
                 <a:r>
-                  <a:rPr lang="en-US" dirty="0"/>
+                  <a:rPr lang="en-US" sz="2000" dirty="0"/>
                   <a:t>Inverse – given data </a:t>
                 </a:r>
                 <a14:m>
                   <m:oMath xmlns:m="http://schemas.openxmlformats.org/officeDocument/2006/math">
                     <m:r>
-                      <a:rPr lang="en-US" i="1">
+                      <a:rPr lang="en-US" sz="2000" i="1">
                         <a:latin typeface="Cambria Math" panose="02040503050406030204" pitchFamily="18" charset="0"/>
                       </a:rPr>
                       <m:t>→</m:t>
@@ -4501,38 +7252,38 @@
                   </m:oMath>
                 </a14:m>
                 <a:r>
-                  <a:rPr lang="en-US" dirty="0"/>
+                  <a:rPr lang="en-US" sz="2000" dirty="0"/>
                   <a:t> recover object</a:t>
                 </a:r>
               </a:p>
               <a:p>
-                <a:endParaRPr lang="en-US" dirty="0"/>
+                <a:endParaRPr lang="en-US" sz="2000" dirty="0"/>
               </a:p>
               <a:p>
                 <a:pPr marL="0" indent="0">
                   <a:buNone/>
                 </a:pPr>
                 <a:r>
-                  <a:rPr lang="en-US" b="1" dirty="0"/>
+                  <a:rPr lang="en-US" sz="2000" b="1" dirty="0"/>
                   <a:t>Mechanical Analysis Framework</a:t>
                 </a:r>
               </a:p>
               <a:p>
                 <a:r>
-                  <a:rPr lang="en-US" dirty="0"/>
+                  <a:rPr lang="en-US" sz="2000" dirty="0"/>
                   <a:t>Forward Mechanics – predicting responses from known parameters</a:t>
                 </a:r>
               </a:p>
               <a:p>
                 <a:r>
-                  <a:rPr lang="en-US" dirty="0"/>
+                  <a:rPr lang="en-US" sz="2000" dirty="0"/>
                   <a:t>Inverse Mechanics – predicting parameters from known responses</a:t>
                 </a:r>
               </a:p>
             </p:txBody>
           </p:sp>
         </mc:Choice>
-        <mc:Fallback>
+        <mc:Fallback xmlns="">
           <p:sp>
             <p:nvSpPr>
               <p:cNvPr id="3" name="Content Placeholder 2">
@@ -4553,7 +7304,7 @@
               <a:blipFill>
                 <a:blip r:embed="rId2"/>
                 <a:stretch>
-                  <a:fillRect l="-928" t="-1961"/>
+                  <a:fillRect l="-638" t="-1541"/>
                 </a:stretch>
               </a:blipFill>
             </p:spPr>
@@ -4888,6 +7639,663 @@
   <p:cSld>
     <p:spTree>
       <p:nvGrpSpPr>
+        <p:cNvPr id="1" name="">
+          <a:extLst>
+            <a:ext uri="{FF2B5EF4-FFF2-40B4-BE49-F238E27FC236}">
+              <a16:creationId xmlns:a16="http://schemas.microsoft.com/office/drawing/2014/main" id="{B9BF1783-C850-1908-FA17-A201049F57E9}"/>
+            </a:ext>
+          </a:extLst>
+        </p:cNvPr>
+        <p:cNvGrpSpPr/>
+        <p:nvPr/>
+      </p:nvGrpSpPr>
+      <p:grpSpPr>
+        <a:xfrm>
+          <a:off x="0" y="0"/>
+          <a:ext cx="0" cy="0"/>
+          <a:chOff x="0" y="0"/>
+          <a:chExt cx="0" cy="0"/>
+        </a:xfrm>
+      </p:grpSpPr>
+      <p:sp>
+        <p:nvSpPr>
+          <p:cNvPr id="2" name="Title 1">
+            <a:extLst>
+              <a:ext uri="{FF2B5EF4-FFF2-40B4-BE49-F238E27FC236}">
+                <a16:creationId xmlns:a16="http://schemas.microsoft.com/office/drawing/2014/main" id="{E0CD8B1D-58C1-763C-C86F-799487D647D8}"/>
+              </a:ext>
+            </a:extLst>
+          </p:cNvPr>
+          <p:cNvSpPr>
+            <a:spLocks noGrp="1"/>
+          </p:cNvSpPr>
+          <p:nvPr>
+            <p:ph type="title"/>
+          </p:nvPr>
+        </p:nvSpPr>
+        <p:spPr/>
+        <p:txBody>
+          <a:bodyPr>
+            <a:normAutofit fontScale="90000"/>
+          </a:bodyPr>
+          <a:lstStyle/>
+          <a:p>
+            <a:r>
+              <a:rPr lang="en-US" dirty="0"/>
+              <a:t>Example 1: Image Processing</a:t>
+            </a:r>
+          </a:p>
+        </p:txBody>
+      </p:sp>
+      <p:sp>
+        <p:nvSpPr>
+          <p:cNvPr id="4" name="Slide Number Placeholder 3">
+            <a:extLst>
+              <a:ext uri="{FF2B5EF4-FFF2-40B4-BE49-F238E27FC236}">
+                <a16:creationId xmlns:a16="http://schemas.microsoft.com/office/drawing/2014/main" id="{14F4F360-2EF2-5444-4A3F-C3384FBE3D06}"/>
+              </a:ext>
+            </a:extLst>
+          </p:cNvPr>
+          <p:cNvSpPr>
+            <a:spLocks noGrp="1"/>
+          </p:cNvSpPr>
+          <p:nvPr>
+            <p:ph type="sldNum" sz="quarter" idx="12"/>
+          </p:nvPr>
+        </p:nvSpPr>
+        <p:spPr>
+          <a:xfrm>
+            <a:off x="8648893" y="6331554"/>
+            <a:ext cx="2743200" cy="365125"/>
+          </a:xfrm>
+        </p:spPr>
+        <p:txBody>
+          <a:bodyPr/>
+          <a:lstStyle/>
+          <a:p>
+            <a:fld id="{D95F4311-C1C1-468E-90BA-469E1A493750}" type="slidenum">
+              <a:rPr lang="en-US" smtClean="0"/>
+              <a:t>3</a:t>
+            </a:fld>
+            <a:endParaRPr lang="en-US"/>
+          </a:p>
+        </p:txBody>
+      </p:sp>
+      <p:grpSp>
+        <p:nvGrpSpPr>
+          <p:cNvPr id="11" name="Group 10">
+            <a:extLst>
+              <a:ext uri="{FF2B5EF4-FFF2-40B4-BE49-F238E27FC236}">
+                <a16:creationId xmlns:a16="http://schemas.microsoft.com/office/drawing/2014/main" id="{28ABC6C0-7045-B10B-5EBF-210F3CD81517}"/>
+              </a:ext>
+            </a:extLst>
+          </p:cNvPr>
+          <p:cNvGrpSpPr/>
+          <p:nvPr/>
+        </p:nvGrpSpPr>
+        <p:grpSpPr>
+          <a:xfrm>
+            <a:off x="4409801" y="4837875"/>
+            <a:ext cx="2743200" cy="1783894"/>
+            <a:chOff x="7008314" y="1523054"/>
+            <a:chExt cx="4192531" cy="2142411"/>
+          </a:xfrm>
+        </p:grpSpPr>
+        <p:sp>
+          <p:nvSpPr>
+            <p:cNvPr id="5" name="Arrow: Curved Down 4">
+              <a:extLst>
+                <a:ext uri="{FF2B5EF4-FFF2-40B4-BE49-F238E27FC236}">
+                  <a16:creationId xmlns:a16="http://schemas.microsoft.com/office/drawing/2014/main" id="{E95EF9DF-D56A-C95F-F65D-F64EAC9A08C6}"/>
+                </a:ext>
+              </a:extLst>
+            </p:cNvPr>
+            <p:cNvSpPr/>
+            <p:nvPr/>
+          </p:nvSpPr>
+          <p:spPr>
+            <a:xfrm>
+              <a:off x="7434072" y="1968972"/>
+              <a:ext cx="3575304" cy="359853"/>
+            </a:xfrm>
+            <a:prstGeom prst="curvedDownArrow">
+              <a:avLst/>
+            </a:prstGeom>
+          </p:spPr>
+          <p:style>
+            <a:lnRef idx="2">
+              <a:schemeClr val="dk1">
+                <a:shade val="15000"/>
+              </a:schemeClr>
+            </a:lnRef>
+            <a:fillRef idx="1">
+              <a:schemeClr val="dk1"/>
+            </a:fillRef>
+            <a:effectRef idx="0">
+              <a:schemeClr val="dk1"/>
+            </a:effectRef>
+            <a:fontRef idx="minor">
+              <a:schemeClr val="lt1"/>
+            </a:fontRef>
+          </p:style>
+          <p:txBody>
+            <a:bodyPr rtlCol="0" anchor="ctr"/>
+            <a:lstStyle/>
+            <a:p>
+              <a:pPr algn="ctr"/>
+              <a:endParaRPr lang="en-US">
+                <a:solidFill>
+                  <a:schemeClr val="tx1"/>
+                </a:solidFill>
+              </a:endParaRPr>
+            </a:p>
+          </p:txBody>
+        </p:sp>
+        <p:sp>
+          <p:nvSpPr>
+            <p:cNvPr id="6" name="Arrow: Curved Down 5">
+              <a:extLst>
+                <a:ext uri="{FF2B5EF4-FFF2-40B4-BE49-F238E27FC236}">
+                  <a16:creationId xmlns:a16="http://schemas.microsoft.com/office/drawing/2014/main" id="{03424C5E-1D00-CAF0-FC50-3DE63EEFE80A}"/>
+                </a:ext>
+              </a:extLst>
+            </p:cNvPr>
+            <p:cNvSpPr/>
+            <p:nvPr/>
+          </p:nvSpPr>
+          <p:spPr>
+            <a:xfrm rot="10800000">
+              <a:off x="7434072" y="2936279"/>
+              <a:ext cx="3456432" cy="359853"/>
+            </a:xfrm>
+            <a:prstGeom prst="curvedDownArrow">
+              <a:avLst/>
+            </a:prstGeom>
+          </p:spPr>
+          <p:style>
+            <a:lnRef idx="2">
+              <a:schemeClr val="dk1">
+                <a:shade val="15000"/>
+              </a:schemeClr>
+            </a:lnRef>
+            <a:fillRef idx="1">
+              <a:schemeClr val="dk1"/>
+            </a:fillRef>
+            <a:effectRef idx="0">
+              <a:schemeClr val="dk1"/>
+            </a:effectRef>
+            <a:fontRef idx="minor">
+              <a:schemeClr val="lt1"/>
+            </a:fontRef>
+          </p:style>
+          <p:txBody>
+            <a:bodyPr rtlCol="0" anchor="ctr"/>
+            <a:lstStyle/>
+            <a:p>
+              <a:pPr algn="ctr"/>
+              <a:endParaRPr lang="en-US" dirty="0">
+                <a:solidFill>
+                  <a:schemeClr val="tx1"/>
+                </a:solidFill>
+              </a:endParaRPr>
+            </a:p>
+          </p:txBody>
+        </p:sp>
+        <p:sp>
+          <p:nvSpPr>
+            <p:cNvPr id="7" name="TextBox 6">
+              <a:extLst>
+                <a:ext uri="{FF2B5EF4-FFF2-40B4-BE49-F238E27FC236}">
+                  <a16:creationId xmlns:a16="http://schemas.microsoft.com/office/drawing/2014/main" id="{90048CE3-901F-3673-F56C-BF243C63A59E}"/>
+                </a:ext>
+              </a:extLst>
+            </p:cNvPr>
+            <p:cNvSpPr txBox="1"/>
+            <p:nvPr/>
+          </p:nvSpPr>
+          <p:spPr>
+            <a:xfrm>
+              <a:off x="7008314" y="2447886"/>
+              <a:ext cx="800219" cy="369332"/>
+            </a:xfrm>
+            <a:prstGeom prst="rect">
+              <a:avLst/>
+            </a:prstGeom>
+            <a:noFill/>
+          </p:spPr>
+          <p:txBody>
+            <a:bodyPr wrap="none" rtlCol="0">
+              <a:spAutoFit/>
+            </a:bodyPr>
+            <a:lstStyle/>
+            <a:p>
+              <a:r>
+                <a:rPr lang="en-US" dirty="0">
+                  <a:latin typeface="+mj-lt"/>
+                </a:rPr>
+                <a:t>Object</a:t>
+              </a:r>
+            </a:p>
+          </p:txBody>
+        </p:sp>
+        <p:sp>
+          <p:nvSpPr>
+            <p:cNvPr id="8" name="TextBox 7">
+              <a:extLst>
+                <a:ext uri="{FF2B5EF4-FFF2-40B4-BE49-F238E27FC236}">
+                  <a16:creationId xmlns:a16="http://schemas.microsoft.com/office/drawing/2014/main" id="{93E3B232-9853-0832-D096-F569B96AE3C0}"/>
+                </a:ext>
+              </a:extLst>
+            </p:cNvPr>
+            <p:cNvSpPr txBox="1"/>
+            <p:nvPr/>
+          </p:nvSpPr>
+          <p:spPr>
+            <a:xfrm>
+              <a:off x="10580162" y="2436075"/>
+              <a:ext cx="620683" cy="369332"/>
+            </a:xfrm>
+            <a:prstGeom prst="rect">
+              <a:avLst/>
+            </a:prstGeom>
+            <a:noFill/>
+          </p:spPr>
+          <p:txBody>
+            <a:bodyPr wrap="none" rtlCol="0">
+              <a:spAutoFit/>
+            </a:bodyPr>
+            <a:lstStyle/>
+            <a:p>
+              <a:r>
+                <a:rPr lang="en-US" dirty="0">
+                  <a:latin typeface="+mj-lt"/>
+                </a:rPr>
+                <a:t>Data</a:t>
+              </a:r>
+            </a:p>
+          </p:txBody>
+        </p:sp>
+        <p:sp>
+          <p:nvSpPr>
+            <p:cNvPr id="9" name="TextBox 8">
+              <a:extLst>
+                <a:ext uri="{FF2B5EF4-FFF2-40B4-BE49-F238E27FC236}">
+                  <a16:creationId xmlns:a16="http://schemas.microsoft.com/office/drawing/2014/main" id="{815F3B5A-13C7-3935-D977-50EE285E823C}"/>
+                </a:ext>
+              </a:extLst>
+            </p:cNvPr>
+            <p:cNvSpPr txBox="1"/>
+            <p:nvPr/>
+          </p:nvSpPr>
+          <p:spPr>
+            <a:xfrm>
+              <a:off x="7946778" y="3296133"/>
+              <a:ext cx="1704313" cy="369332"/>
+            </a:xfrm>
+            <a:prstGeom prst="rect">
+              <a:avLst/>
+            </a:prstGeom>
+            <a:noFill/>
+          </p:spPr>
+          <p:txBody>
+            <a:bodyPr wrap="none" rtlCol="0">
+              <a:spAutoFit/>
+            </a:bodyPr>
+            <a:lstStyle/>
+            <a:p>
+              <a:r>
+                <a:rPr lang="en-US" dirty="0">
+                  <a:latin typeface="+mj-lt"/>
+                </a:rPr>
+                <a:t>Inverse Problem</a:t>
+              </a:r>
+            </a:p>
+          </p:txBody>
+        </p:sp>
+        <p:sp>
+          <p:nvSpPr>
+            <p:cNvPr id="10" name="TextBox 9">
+              <a:extLst>
+                <a:ext uri="{FF2B5EF4-FFF2-40B4-BE49-F238E27FC236}">
+                  <a16:creationId xmlns:a16="http://schemas.microsoft.com/office/drawing/2014/main" id="{C20528C6-A32D-62F8-348E-2D06EBEB1DCB}"/>
+                </a:ext>
+              </a:extLst>
+            </p:cNvPr>
+            <p:cNvSpPr txBox="1"/>
+            <p:nvPr/>
+          </p:nvSpPr>
+          <p:spPr>
+            <a:xfrm>
+              <a:off x="7998075" y="1523054"/>
+              <a:ext cx="1601720" cy="369332"/>
+            </a:xfrm>
+            <a:prstGeom prst="rect">
+              <a:avLst/>
+            </a:prstGeom>
+            <a:noFill/>
+          </p:spPr>
+          <p:txBody>
+            <a:bodyPr wrap="none" rtlCol="0">
+              <a:spAutoFit/>
+            </a:bodyPr>
+            <a:lstStyle/>
+            <a:p>
+              <a:r>
+                <a:rPr lang="en-US" dirty="0">
+                  <a:latin typeface="+mj-lt"/>
+                </a:rPr>
+                <a:t>Direct Problem</a:t>
+              </a:r>
+            </a:p>
+          </p:txBody>
+        </p:sp>
+      </p:grpSp>
+      <p:pic>
+        <p:nvPicPr>
+          <p:cNvPr id="13" name="Picture 12">
+            <a:extLst>
+              <a:ext uri="{FF2B5EF4-FFF2-40B4-BE49-F238E27FC236}">
+                <a16:creationId xmlns:a16="http://schemas.microsoft.com/office/drawing/2014/main" id="{AB4C5987-68B4-B8DC-F069-AF684E9BB6CC}"/>
+              </a:ext>
+            </a:extLst>
+          </p:cNvPr>
+          <p:cNvPicPr>
+            <a:picLocks noChangeAspect="1"/>
+          </p:cNvPicPr>
+          <p:nvPr/>
+        </p:nvPicPr>
+        <p:blipFill>
+          <a:blip r:embed="rId2"/>
+          <a:stretch>
+            <a:fillRect/>
+          </a:stretch>
+        </p:blipFill>
+        <p:spPr>
+          <a:xfrm>
+            <a:off x="1251262" y="1973453"/>
+            <a:ext cx="2987299" cy="2911092"/>
+          </a:xfrm>
+          <a:prstGeom prst="rect">
+            <a:avLst/>
+          </a:prstGeom>
+        </p:spPr>
+      </p:pic>
+      <p:pic>
+        <p:nvPicPr>
+          <p:cNvPr id="15" name="Picture 14">
+            <a:extLst>
+              <a:ext uri="{FF2B5EF4-FFF2-40B4-BE49-F238E27FC236}">
+                <a16:creationId xmlns:a16="http://schemas.microsoft.com/office/drawing/2014/main" id="{93118202-C20A-2FA6-F23A-494013CF77F3}"/>
+              </a:ext>
+            </a:extLst>
+          </p:cNvPr>
+          <p:cNvPicPr>
+            <a:picLocks noChangeAspect="1"/>
+          </p:cNvPicPr>
+          <p:nvPr/>
+        </p:nvPicPr>
+        <p:blipFill>
+          <a:blip r:embed="rId3"/>
+          <a:stretch>
+            <a:fillRect/>
+          </a:stretch>
+        </p:blipFill>
+        <p:spPr>
+          <a:xfrm>
+            <a:off x="7802753" y="2103004"/>
+            <a:ext cx="2781541" cy="2781541"/>
+          </a:xfrm>
+          <a:prstGeom prst="rect">
+            <a:avLst/>
+          </a:prstGeom>
+        </p:spPr>
+      </p:pic>
+      <p:sp>
+        <p:nvSpPr>
+          <p:cNvPr id="16" name="TextBox 15">
+            <a:extLst>
+              <a:ext uri="{FF2B5EF4-FFF2-40B4-BE49-F238E27FC236}">
+                <a16:creationId xmlns:a16="http://schemas.microsoft.com/office/drawing/2014/main" id="{0C33FB6A-41D9-873E-EBE0-A8DC44D1A2E4}"/>
+              </a:ext>
+            </a:extLst>
+          </p:cNvPr>
+          <p:cNvSpPr txBox="1"/>
+          <p:nvPr/>
+        </p:nvSpPr>
+        <p:spPr>
+          <a:xfrm>
+            <a:off x="1855360" y="4813871"/>
+            <a:ext cx="1904689" cy="307777"/>
+          </a:xfrm>
+          <a:prstGeom prst="rect">
+            <a:avLst/>
+          </a:prstGeom>
+          <a:noFill/>
+        </p:spPr>
+        <p:txBody>
+          <a:bodyPr wrap="none" rtlCol="0">
+            <a:spAutoFit/>
+          </a:bodyPr>
+          <a:lstStyle/>
+          <a:p>
+            <a:r>
+              <a:rPr lang="en-US" sz="1400" dirty="0">
+                <a:latin typeface="+mj-lt"/>
+              </a:rPr>
+              <a:t>Object – Original Photo</a:t>
+            </a:r>
+          </a:p>
+        </p:txBody>
+      </p:sp>
+      <p:sp>
+        <p:nvSpPr>
+          <p:cNvPr id="17" name="TextBox 16">
+            <a:extLst>
+              <a:ext uri="{FF2B5EF4-FFF2-40B4-BE49-F238E27FC236}">
+                <a16:creationId xmlns:a16="http://schemas.microsoft.com/office/drawing/2014/main" id="{3002462A-EBF0-E3BA-EB18-1A59299D7925}"/>
+              </a:ext>
+            </a:extLst>
+          </p:cNvPr>
+          <p:cNvSpPr txBox="1"/>
+          <p:nvPr/>
+        </p:nvSpPr>
+        <p:spPr>
+          <a:xfrm>
+            <a:off x="8431953" y="4885065"/>
+            <a:ext cx="1750800" cy="307777"/>
+          </a:xfrm>
+          <a:prstGeom prst="rect">
+            <a:avLst/>
+          </a:prstGeom>
+          <a:noFill/>
+        </p:spPr>
+        <p:txBody>
+          <a:bodyPr wrap="none" rtlCol="0">
+            <a:spAutoFit/>
+          </a:bodyPr>
+          <a:lstStyle/>
+          <a:p>
+            <a:r>
+              <a:rPr lang="en-US" sz="1400" dirty="0">
+                <a:latin typeface="+mj-lt"/>
+              </a:rPr>
+              <a:t>Data – Blurred photo </a:t>
+            </a:r>
+          </a:p>
+        </p:txBody>
+      </p:sp>
+      <p:sp>
+        <p:nvSpPr>
+          <p:cNvPr id="18" name="TextBox 17">
+            <a:extLst>
+              <a:ext uri="{FF2B5EF4-FFF2-40B4-BE49-F238E27FC236}">
+                <a16:creationId xmlns:a16="http://schemas.microsoft.com/office/drawing/2014/main" id="{CBC8DFD5-4229-7462-1CBC-CB707399CA3C}"/>
+              </a:ext>
+            </a:extLst>
+          </p:cNvPr>
+          <p:cNvSpPr txBox="1"/>
+          <p:nvPr/>
+        </p:nvSpPr>
+        <p:spPr>
+          <a:xfrm>
+            <a:off x="5017491" y="2906882"/>
+            <a:ext cx="1705916" cy="276999"/>
+          </a:xfrm>
+          <a:prstGeom prst="rect">
+            <a:avLst/>
+          </a:prstGeom>
+          <a:noFill/>
+        </p:spPr>
+        <p:txBody>
+          <a:bodyPr wrap="none" rtlCol="0">
+            <a:spAutoFit/>
+          </a:bodyPr>
+          <a:lstStyle/>
+          <a:p>
+            <a:r>
+              <a:rPr lang="en-US" sz="1200" i="1" dirty="0">
+                <a:latin typeface="+mj-lt"/>
+              </a:rPr>
+              <a:t>Gaussian blur algorithm</a:t>
+            </a:r>
+          </a:p>
+        </p:txBody>
+      </p:sp>
+      <p:cxnSp>
+        <p:nvCxnSpPr>
+          <p:cNvPr id="20" name="Straight Arrow Connector 19">
+            <a:extLst>
+              <a:ext uri="{FF2B5EF4-FFF2-40B4-BE49-F238E27FC236}">
+                <a16:creationId xmlns:a16="http://schemas.microsoft.com/office/drawing/2014/main" id="{AD68B476-3996-D807-60EE-B576889007D2}"/>
+              </a:ext>
+            </a:extLst>
+          </p:cNvPr>
+          <p:cNvCxnSpPr/>
+          <p:nvPr/>
+        </p:nvCxnSpPr>
+        <p:spPr>
+          <a:xfrm>
+            <a:off x="4294632" y="3227993"/>
+            <a:ext cx="3246120" cy="0"/>
+          </a:xfrm>
+          <a:prstGeom prst="straightConnector1">
+            <a:avLst/>
+          </a:prstGeom>
+          <a:ln>
+            <a:tailEnd type="triangle"/>
+          </a:ln>
+        </p:spPr>
+        <p:style>
+          <a:lnRef idx="2">
+            <a:schemeClr val="dk1"/>
+          </a:lnRef>
+          <a:fillRef idx="0">
+            <a:schemeClr val="dk1"/>
+          </a:fillRef>
+          <a:effectRef idx="1">
+            <a:schemeClr val="dk1"/>
+          </a:effectRef>
+          <a:fontRef idx="minor">
+            <a:schemeClr val="tx1"/>
+          </a:fontRef>
+        </p:style>
+      </p:cxnSp>
+      <p:cxnSp>
+        <p:nvCxnSpPr>
+          <p:cNvPr id="21" name="Straight Arrow Connector 20">
+            <a:extLst>
+              <a:ext uri="{FF2B5EF4-FFF2-40B4-BE49-F238E27FC236}">
+                <a16:creationId xmlns:a16="http://schemas.microsoft.com/office/drawing/2014/main" id="{4AC881A4-39B9-7856-8A50-A825A70219BF}"/>
+              </a:ext>
+            </a:extLst>
+          </p:cNvPr>
+          <p:cNvCxnSpPr>
+            <a:cxnSpLocks/>
+          </p:cNvCxnSpPr>
+          <p:nvPr/>
+        </p:nvCxnSpPr>
+        <p:spPr>
+          <a:xfrm flipH="1" flipV="1">
+            <a:off x="4238561" y="4223424"/>
+            <a:ext cx="3263777" cy="2887"/>
+          </a:xfrm>
+          <a:prstGeom prst="straightConnector1">
+            <a:avLst/>
+          </a:prstGeom>
+          <a:ln>
+            <a:tailEnd type="triangle"/>
+          </a:ln>
+        </p:spPr>
+        <p:style>
+          <a:lnRef idx="2">
+            <a:schemeClr val="dk1"/>
+          </a:lnRef>
+          <a:fillRef idx="0">
+            <a:schemeClr val="dk1"/>
+          </a:fillRef>
+          <a:effectRef idx="1">
+            <a:schemeClr val="dk1"/>
+          </a:effectRef>
+          <a:fontRef idx="minor">
+            <a:schemeClr val="tx1"/>
+          </a:fontRef>
+        </p:style>
+      </p:cxnSp>
+      <p:sp>
+        <p:nvSpPr>
+          <p:cNvPr id="24" name="TextBox 23">
+            <a:extLst>
+              <a:ext uri="{FF2B5EF4-FFF2-40B4-BE49-F238E27FC236}">
+                <a16:creationId xmlns:a16="http://schemas.microsoft.com/office/drawing/2014/main" id="{2F815E76-E075-959D-170B-E6B1DEE9661E}"/>
+              </a:ext>
+            </a:extLst>
+          </p:cNvPr>
+          <p:cNvSpPr txBox="1"/>
+          <p:nvPr/>
+        </p:nvSpPr>
+        <p:spPr>
+          <a:xfrm>
+            <a:off x="4897265" y="3945321"/>
+            <a:ext cx="1946367" cy="276999"/>
+          </a:xfrm>
+          <a:prstGeom prst="rect">
+            <a:avLst/>
+          </a:prstGeom>
+          <a:noFill/>
+        </p:spPr>
+        <p:txBody>
+          <a:bodyPr wrap="none" rtlCol="0">
+            <a:spAutoFit/>
+          </a:bodyPr>
+          <a:lstStyle/>
+          <a:p>
+            <a:r>
+              <a:rPr lang="en-US" sz="1200" i="1" dirty="0">
+                <a:latin typeface="+mj-lt"/>
+              </a:rPr>
+              <a:t>Image sharpening algorithm</a:t>
+            </a:r>
+          </a:p>
+        </p:txBody>
+      </p:sp>
+    </p:spTree>
+    <p:extLst>
+      <p:ext uri="{BB962C8B-B14F-4D97-AF65-F5344CB8AC3E}">
+        <p14:creationId xmlns:p14="http://schemas.microsoft.com/office/powerpoint/2010/main" val="3541581567"/>
+      </p:ext>
+    </p:extLst>
+  </p:cSld>
+  <p:clrMapOvr>
+    <a:masterClrMapping/>
+  </p:clrMapOvr>
+</p:sld>
+</file>
+
+<file path=ppt/slides/slide4.xml><?xml version="1.0" encoding="utf-8"?>
+<p:sld xmlns:a="http://schemas.openxmlformats.org/drawingml/2006/main" xmlns:r="http://schemas.openxmlformats.org/officeDocument/2006/relationships" xmlns:p="http://schemas.openxmlformats.org/presentationml/2006/main">
+  <p:cSld>
+    <p:spTree>
+      <p:nvGrpSpPr>
         <p:cNvPr id="1" name=""/>
         <p:cNvGrpSpPr/>
         <p:nvPr/>
@@ -4930,104 +8338,215 @@
           </a:p>
         </p:txBody>
       </p:sp>
-      <p:sp>
-        <p:nvSpPr>
-          <p:cNvPr id="3" name="Content Placeholder 2">
-            <a:extLst>
-              <a:ext uri="{FF2B5EF4-FFF2-40B4-BE49-F238E27FC236}">
-                <a16:creationId xmlns:a16="http://schemas.microsoft.com/office/drawing/2014/main" id="{72B3B243-6182-D01D-A787-7CBEE284C033}"/>
-              </a:ext>
-            </a:extLst>
-          </p:cNvPr>
-          <p:cNvSpPr>
-            <a:spLocks noGrp="1"/>
-          </p:cNvSpPr>
-          <p:nvPr>
-            <p:ph idx="1"/>
-          </p:nvPr>
-        </p:nvSpPr>
-        <p:spPr/>
-        <p:txBody>
-          <a:bodyPr/>
-          <a:lstStyle/>
-          <a:p>
-            <a:pPr marL="0" indent="0">
-              <a:buNone/>
-            </a:pPr>
-            <a:r>
-              <a:rPr lang="en-US" dirty="0"/>
-              <a:t>A problem is defined as </a:t>
-            </a:r>
-            <a:r>
-              <a:rPr lang="en-US" b="1" dirty="0"/>
-              <a:t>well-posed</a:t>
-            </a:r>
-            <a:r>
-              <a:rPr lang="en-US" dirty="0"/>
-              <a:t> if </a:t>
-            </a:r>
-            <a:r>
-              <a:rPr lang="en-US" u="sng" dirty="0"/>
-              <a:t>all</a:t>
-            </a:r>
-            <a:r>
-              <a:rPr lang="en-US" dirty="0"/>
-              <a:t> the following conditions hold:</a:t>
-            </a:r>
-            <a:endParaRPr lang="en-US" u="sng" dirty="0"/>
-          </a:p>
-          <a:p>
-            <a:pPr marL="457200" indent="-457200">
-              <a:buAutoNum type="arabicPeriod"/>
-            </a:pPr>
-            <a:r>
-              <a:rPr lang="en-US" dirty="0"/>
-              <a:t>Existence</a:t>
-            </a:r>
-          </a:p>
-          <a:p>
-            <a:pPr marL="457200" indent="-457200">
-              <a:buAutoNum type="arabicPeriod"/>
-            </a:pPr>
-            <a:r>
-              <a:rPr lang="en-US" dirty="0"/>
-              <a:t>Uniqueness</a:t>
-            </a:r>
-          </a:p>
-          <a:p>
-            <a:pPr marL="457200" indent="-457200">
-              <a:buAutoNum type="arabicPeriod"/>
-            </a:pPr>
-            <a:r>
-              <a:rPr lang="en-US" dirty="0"/>
-              <a:t>Stability</a:t>
-            </a:r>
-          </a:p>
-          <a:p>
-            <a:pPr marL="0" indent="0">
-              <a:buNone/>
-            </a:pPr>
-            <a:endParaRPr lang="en-US" dirty="0"/>
-          </a:p>
-          <a:p>
-            <a:pPr marL="0" indent="0">
-              <a:buNone/>
-            </a:pPr>
-            <a:r>
-              <a:rPr lang="en-US" dirty="0"/>
-              <a:t>If any conditions do not hold, the problem is defined as </a:t>
-            </a:r>
-            <a:r>
-              <a:rPr lang="en-US" b="1" dirty="0"/>
-              <a:t>ill-posed</a:t>
-            </a:r>
-            <a:r>
-              <a:rPr lang="en-US" dirty="0"/>
-              <a:t>.</a:t>
-            </a:r>
-          </a:p>
-        </p:txBody>
-      </p:sp>
+      <mc:AlternateContent xmlns:mc="http://schemas.openxmlformats.org/markup-compatibility/2006">
+        <mc:Choice xmlns:a14="http://schemas.microsoft.com/office/drawing/2010/main" Requires="a14">
+          <p:sp>
+            <p:nvSpPr>
+              <p:cNvPr id="3" name="Content Placeholder 2">
+                <a:extLst>
+                  <a:ext uri="{FF2B5EF4-FFF2-40B4-BE49-F238E27FC236}">
+                    <a16:creationId xmlns:a16="http://schemas.microsoft.com/office/drawing/2014/main" id="{72B3B243-6182-D01D-A787-7CBEE284C033}"/>
+                  </a:ext>
+                </a:extLst>
+              </p:cNvPr>
+              <p:cNvSpPr>
+                <a:spLocks noGrp="1"/>
+              </p:cNvSpPr>
+              <p:nvPr>
+                <p:ph idx="1"/>
+              </p:nvPr>
+            </p:nvSpPr>
+            <p:spPr/>
+            <p:txBody>
+              <a:bodyPr>
+                <a:normAutofit/>
+              </a:bodyPr>
+              <a:lstStyle/>
+              <a:p>
+                <a:pPr marL="0" indent="0">
+                  <a:buNone/>
+                </a:pPr>
+                <a:r>
+                  <a:rPr lang="en-US" sz="2000" i="1" u="sng" dirty="0"/>
+                  <a:t>Jacques Hadamard’s Well-Posed Problem Conditions</a:t>
+                </a:r>
+              </a:p>
+              <a:p>
+                <a:pPr marL="0" indent="0">
+                  <a:buNone/>
+                </a:pPr>
+                <a:r>
+                  <a:rPr lang="en-US" sz="2000" dirty="0"/>
+                  <a:t>A problem is defined as </a:t>
+                </a:r>
+                <a:r>
+                  <a:rPr lang="en-US" sz="2000" b="1" dirty="0"/>
+                  <a:t>well-posed</a:t>
+                </a:r>
+                <a:r>
+                  <a:rPr lang="en-US" sz="2000" dirty="0"/>
+                  <a:t> if </a:t>
+                </a:r>
+                <a:r>
+                  <a:rPr lang="en-US" sz="2000" u="sng" dirty="0"/>
+                  <a:t>all</a:t>
+                </a:r>
+                <a:r>
+                  <a:rPr lang="en-US" sz="2000" dirty="0"/>
+                  <a:t> the following conditions hold:</a:t>
+                </a:r>
+                <a:endParaRPr lang="en-US" sz="2000" u="sng" dirty="0"/>
+              </a:p>
+              <a:p>
+                <a:pPr marL="457200" indent="-457200">
+                  <a:buAutoNum type="arabicPeriod"/>
+                </a:pPr>
+                <a:r>
+                  <a:rPr lang="en-US" sz="2000" dirty="0"/>
+                  <a:t>Existence – a solution must always exist for the problem</a:t>
+                </a:r>
+              </a:p>
+              <a:p>
+                <a:pPr marL="457200" indent="-457200">
+                  <a:buAutoNum type="arabicPeriod"/>
+                </a:pPr>
+                <a:r>
+                  <a:rPr lang="en-US" sz="2000" dirty="0"/>
+                  <a:t>Uniqueness – only one solution for each problem</a:t>
+                </a:r>
+              </a:p>
+              <a:p>
+                <a:pPr marL="457200" indent="-457200">
+                  <a:buAutoNum type="arabicPeriod"/>
+                </a:pPr>
+                <a:r>
+                  <a:rPr lang="en-US" sz="2000" dirty="0"/>
+                  <a:t>Stability – small changes in initial conditions lead to small changes in the solution</a:t>
+                </a:r>
+              </a:p>
+              <a:p>
+                <a:pPr marL="0" indent="0">
+                  <a:buNone/>
+                </a:pPr>
+                <a:endParaRPr lang="en-US" sz="2000" dirty="0"/>
+              </a:p>
+              <a:p>
+                <a:pPr marL="0" indent="0">
+                  <a:buNone/>
+                </a:pPr>
+                <a:r>
+                  <a:rPr lang="en-US" sz="2000" dirty="0"/>
+                  <a:t>If any conditions do not hold, the problem is defined as </a:t>
+                </a:r>
+                <a:r>
+                  <a:rPr lang="en-US" sz="2000" b="1" dirty="0"/>
+                  <a:t>ill-posed</a:t>
+                </a:r>
+                <a:r>
+                  <a:rPr lang="en-US" sz="2000" dirty="0"/>
+                  <a:t>.</a:t>
+                </a:r>
+              </a:p>
+              <a:p>
+                <a:pPr marL="0" indent="0">
+                  <a:buNone/>
+                </a:pPr>
+                <a:endParaRPr lang="en-US" sz="2000" dirty="0"/>
+              </a:p>
+              <a:p>
+                <a:pPr marL="0" indent="0">
+                  <a:buNone/>
+                </a:pPr>
+                <a:r>
+                  <a:rPr lang="en-US" sz="2000" dirty="0"/>
+                  <a:t>Mathematically: input </a:t>
+                </a:r>
+                <a14:m>
+                  <m:oMath xmlns:m="http://schemas.openxmlformats.org/officeDocument/2006/math">
+                    <m:r>
+                      <a:rPr lang="en-US" sz="2000" b="0" i="1" smtClean="0">
+                        <a:latin typeface="Cambria Math" panose="02040503050406030204" pitchFamily="18" charset="0"/>
+                      </a:rPr>
+                      <m:t>𝑥</m:t>
+                    </m:r>
+                  </m:oMath>
+                </a14:m>
+                <a:r>
+                  <a:rPr lang="en-US" sz="2000" dirty="0"/>
+                  <a:t> , find </a:t>
+                </a:r>
+                <a14:m>
+                  <m:oMath xmlns:m="http://schemas.openxmlformats.org/officeDocument/2006/math">
+                    <m:r>
+                      <a:rPr lang="en-US" sz="2000" b="0" i="1" smtClean="0">
+                        <a:latin typeface="Cambria Math" panose="02040503050406030204" pitchFamily="18" charset="0"/>
+                      </a:rPr>
+                      <m:t>𝐹</m:t>
+                    </m:r>
+                    <m:d>
+                      <m:dPr>
+                        <m:ctrlPr>
+                          <a:rPr lang="en-US" sz="2000" b="0" i="1" smtClean="0">
+                            <a:latin typeface="Cambria Math" panose="02040503050406030204" pitchFamily="18" charset="0"/>
+                          </a:rPr>
+                        </m:ctrlPr>
+                      </m:dPr>
+                      <m:e>
+                        <m:r>
+                          <a:rPr lang="en-US" sz="2000" b="0" i="1" smtClean="0">
+                            <a:latin typeface="Cambria Math" panose="02040503050406030204" pitchFamily="18" charset="0"/>
+                          </a:rPr>
+                          <m:t>𝑥</m:t>
+                        </m:r>
+                      </m:e>
+                    </m:d>
+                  </m:oMath>
+                </a14:m>
+                <a:endParaRPr lang="en-US" sz="2000" dirty="0"/>
+              </a:p>
+            </p:txBody>
+          </p:sp>
+        </mc:Choice>
+        <mc:Fallback>
+          <p:sp>
+            <p:nvSpPr>
+              <p:cNvPr id="3" name="Content Placeholder 2">
+                <a:extLst>
+                  <a:ext uri="{FF2B5EF4-FFF2-40B4-BE49-F238E27FC236}">
+                    <a16:creationId xmlns:a16="http://schemas.microsoft.com/office/drawing/2014/main" id="{72B3B243-6182-D01D-A787-7CBEE284C033}"/>
+                  </a:ext>
+                </a:extLst>
+              </p:cNvPr>
+              <p:cNvSpPr>
+                <a:spLocks noGrp="1" noRot="1" noChangeAspect="1" noMove="1" noResize="1" noEditPoints="1" noAdjustHandles="1" noChangeArrowheads="1" noChangeShapeType="1" noTextEdit="1"/>
+              </p:cNvSpPr>
+              <p:nvPr>
+                <p:ph idx="1"/>
+              </p:nvPr>
+            </p:nvSpPr>
+            <p:spPr>
+              <a:blipFill>
+                <a:blip r:embed="rId2"/>
+                <a:stretch>
+                  <a:fillRect l="-638" t="-1541"/>
+                </a:stretch>
+              </a:blipFill>
+            </p:spPr>
+            <p:txBody>
+              <a:bodyPr/>
+              <a:lstStyle/>
+              <a:p>
+                <a:r>
+                  <a:rPr lang="en-US">
+                    <a:noFill/>
+                  </a:rPr>
+                  <a:t> </a:t>
+                </a:r>
+              </a:p>
+            </p:txBody>
+          </p:sp>
+        </mc:Fallback>
+      </mc:AlternateContent>
       <p:sp>
         <p:nvSpPr>
           <p:cNvPr id="4" name="Slide Number Placeholder 3">
@@ -5051,7 +8570,7 @@
           <a:p>
             <a:fld id="{D95F4311-C1C1-468E-90BA-469E1A493750}" type="slidenum">
               <a:rPr lang="en-US" smtClean="0"/>
-              <a:t>3</a:t>
+              <a:t>4</a:t>
             </a:fld>
             <a:endParaRPr lang="en-US"/>
           </a:p>
@@ -5070,568 +8589,7 @@
 </p:sld>
 </file>
 
-<file path=ppt/slides/slide4.xml><?xml version="1.0" encoding="utf-8"?>
-<p:sld xmlns:a="http://schemas.openxmlformats.org/drawingml/2006/main" xmlns:r="http://schemas.openxmlformats.org/officeDocument/2006/relationships" xmlns:p="http://schemas.openxmlformats.org/presentationml/2006/main">
-  <p:cSld>
-    <p:spTree>
-      <p:nvGrpSpPr>
-        <p:cNvPr id="1" name="">
-          <a:extLst>
-            <a:ext uri="{FF2B5EF4-FFF2-40B4-BE49-F238E27FC236}">
-              <a16:creationId xmlns:a16="http://schemas.microsoft.com/office/drawing/2014/main" id="{BC881085-30FD-BBAD-40A8-69D72B4521B8}"/>
-            </a:ext>
-          </a:extLst>
-        </p:cNvPr>
-        <p:cNvGrpSpPr/>
-        <p:nvPr/>
-      </p:nvGrpSpPr>
-      <p:grpSpPr>
-        <a:xfrm>
-          <a:off x="0" y="0"/>
-          <a:ext cx="0" cy="0"/>
-          <a:chOff x="0" y="0"/>
-          <a:chExt cx="0" cy="0"/>
-        </a:xfrm>
-      </p:grpSpPr>
-      <p:sp>
-        <p:nvSpPr>
-          <p:cNvPr id="2" name="Title 1">
-            <a:extLst>
-              <a:ext uri="{FF2B5EF4-FFF2-40B4-BE49-F238E27FC236}">
-                <a16:creationId xmlns:a16="http://schemas.microsoft.com/office/drawing/2014/main" id="{31EE20B3-19B9-BA9A-6240-C3A1B7B74299}"/>
-              </a:ext>
-            </a:extLst>
-          </p:cNvPr>
-          <p:cNvSpPr>
-            <a:spLocks noGrp="1"/>
-          </p:cNvSpPr>
-          <p:nvPr>
-            <p:ph type="title"/>
-          </p:nvPr>
-        </p:nvSpPr>
-        <p:spPr/>
-        <p:txBody>
-          <a:bodyPr>
-            <a:normAutofit fontScale="90000"/>
-          </a:bodyPr>
-          <a:lstStyle/>
-          <a:p>
-            <a:r>
-              <a:rPr lang="en-US" dirty="0"/>
-              <a:t>Definitions [3]</a:t>
-            </a:r>
-          </a:p>
-        </p:txBody>
-      </p:sp>
-      <p:sp>
-        <p:nvSpPr>
-          <p:cNvPr id="3" name="Content Placeholder 2">
-            <a:extLst>
-              <a:ext uri="{FF2B5EF4-FFF2-40B4-BE49-F238E27FC236}">
-                <a16:creationId xmlns:a16="http://schemas.microsoft.com/office/drawing/2014/main" id="{E70B91C7-02DE-A9D0-305A-CE64E3F6BED1}"/>
-              </a:ext>
-            </a:extLst>
-          </p:cNvPr>
-          <p:cNvSpPr>
-            <a:spLocks noGrp="1"/>
-          </p:cNvSpPr>
-          <p:nvPr>
-            <p:ph idx="1"/>
-          </p:nvPr>
-        </p:nvSpPr>
-        <p:spPr/>
-        <p:txBody>
-          <a:bodyPr>
-            <a:normAutofit/>
-          </a:bodyPr>
-          <a:lstStyle/>
-          <a:p>
-            <a:pPr marL="0" indent="0">
-              <a:buNone/>
-            </a:pPr>
-            <a:r>
-              <a:rPr lang="en-US" sz="1800" dirty="0"/>
-              <a:t>A problem is defined as </a:t>
-            </a:r>
-            <a:r>
-              <a:rPr lang="en-US" sz="1800" b="1" dirty="0"/>
-              <a:t>well-posed</a:t>
-            </a:r>
-            <a:r>
-              <a:rPr lang="en-US" sz="1800" dirty="0"/>
-              <a:t> if </a:t>
-            </a:r>
-            <a:r>
-              <a:rPr lang="en-US" sz="1800" u="sng" dirty="0"/>
-              <a:t>all</a:t>
-            </a:r>
-            <a:r>
-              <a:rPr lang="en-US" sz="1800" dirty="0"/>
-              <a:t> the following conditions hold:</a:t>
-            </a:r>
-            <a:endParaRPr lang="en-US" sz="1800" u="sng" dirty="0"/>
-          </a:p>
-          <a:p>
-            <a:pPr marL="457200" indent="-457200">
-              <a:buAutoNum type="arabicPeriod"/>
-            </a:pPr>
-            <a:r>
-              <a:rPr lang="en-US" sz="1800" b="1" dirty="0"/>
-              <a:t>Existence</a:t>
-            </a:r>
-          </a:p>
-          <a:p>
-            <a:pPr marL="457200" indent="-457200">
-              <a:buAutoNum type="arabicPeriod"/>
-            </a:pPr>
-            <a:r>
-              <a:rPr lang="en-US" sz="1800" dirty="0"/>
-              <a:t>Uniqueness</a:t>
-            </a:r>
-          </a:p>
-          <a:p>
-            <a:pPr marL="457200" indent="-457200">
-              <a:buAutoNum type="arabicPeriod"/>
-            </a:pPr>
-            <a:r>
-              <a:rPr lang="en-US" sz="1800" dirty="0"/>
-              <a:t>Stability</a:t>
-            </a:r>
-          </a:p>
-          <a:p>
-            <a:pPr marL="457200" indent="-457200">
-              <a:buAutoNum type="arabicPeriod"/>
-            </a:pPr>
-            <a:endParaRPr lang="en-US" sz="1800" dirty="0"/>
-          </a:p>
-          <a:p>
-            <a:pPr marL="0" indent="0">
-              <a:buNone/>
-            </a:pPr>
-            <a:r>
-              <a:rPr lang="en-US" sz="1800" dirty="0"/>
-              <a:t>Existence – a solution must always exist for the problem</a:t>
-            </a:r>
-          </a:p>
-        </p:txBody>
-      </p:sp>
-      <p:sp>
-        <p:nvSpPr>
-          <p:cNvPr id="4" name="Slide Number Placeholder 3">
-            <a:extLst>
-              <a:ext uri="{FF2B5EF4-FFF2-40B4-BE49-F238E27FC236}">
-                <a16:creationId xmlns:a16="http://schemas.microsoft.com/office/drawing/2014/main" id="{58C176B9-3C7A-0A11-3097-232FD728B315}"/>
-              </a:ext>
-            </a:extLst>
-          </p:cNvPr>
-          <p:cNvSpPr>
-            <a:spLocks noGrp="1"/>
-          </p:cNvSpPr>
-          <p:nvPr>
-            <p:ph type="sldNum" sz="quarter" idx="12"/>
-          </p:nvPr>
-        </p:nvSpPr>
-        <p:spPr/>
-        <p:txBody>
-          <a:bodyPr/>
-          <a:lstStyle/>
-          <a:p>
-            <a:fld id="{D95F4311-C1C1-468E-90BA-469E1A493750}" type="slidenum">
-              <a:rPr lang="en-US" smtClean="0"/>
-              <a:t>4</a:t>
-            </a:fld>
-            <a:endParaRPr lang="en-US"/>
-          </a:p>
-        </p:txBody>
-      </p:sp>
-    </p:spTree>
-    <p:extLst>
-      <p:ext uri="{BB962C8B-B14F-4D97-AF65-F5344CB8AC3E}">
-        <p14:creationId xmlns:p14="http://schemas.microsoft.com/office/powerpoint/2010/main" val="133668824"/>
-      </p:ext>
-    </p:extLst>
-  </p:cSld>
-  <p:clrMapOvr>
-    <a:masterClrMapping/>
-  </p:clrMapOvr>
-</p:sld>
-</file>
-
 <file path=ppt/slides/slide5.xml><?xml version="1.0" encoding="utf-8"?>
-<p:sld xmlns:a="http://schemas.openxmlformats.org/drawingml/2006/main" xmlns:r="http://schemas.openxmlformats.org/officeDocument/2006/relationships" xmlns:p="http://schemas.openxmlformats.org/presentationml/2006/main">
-  <p:cSld>
-    <p:spTree>
-      <p:nvGrpSpPr>
-        <p:cNvPr id="1" name="">
-          <a:extLst>
-            <a:ext uri="{FF2B5EF4-FFF2-40B4-BE49-F238E27FC236}">
-              <a16:creationId xmlns:a16="http://schemas.microsoft.com/office/drawing/2014/main" id="{9375B131-3CB5-D155-228D-09703719D6C1}"/>
-            </a:ext>
-          </a:extLst>
-        </p:cNvPr>
-        <p:cNvGrpSpPr/>
-        <p:nvPr/>
-      </p:nvGrpSpPr>
-      <p:grpSpPr>
-        <a:xfrm>
-          <a:off x="0" y="0"/>
-          <a:ext cx="0" cy="0"/>
-          <a:chOff x="0" y="0"/>
-          <a:chExt cx="0" cy="0"/>
-        </a:xfrm>
-      </p:grpSpPr>
-      <p:sp>
-        <p:nvSpPr>
-          <p:cNvPr id="2" name="Title 1">
-            <a:extLst>
-              <a:ext uri="{FF2B5EF4-FFF2-40B4-BE49-F238E27FC236}">
-                <a16:creationId xmlns:a16="http://schemas.microsoft.com/office/drawing/2014/main" id="{04A5EFCC-9BF6-7D4F-BE72-A216AAB7E7A5}"/>
-              </a:ext>
-            </a:extLst>
-          </p:cNvPr>
-          <p:cNvSpPr>
-            <a:spLocks noGrp="1"/>
-          </p:cNvSpPr>
-          <p:nvPr>
-            <p:ph type="title"/>
-          </p:nvPr>
-        </p:nvSpPr>
-        <p:spPr/>
-        <p:txBody>
-          <a:bodyPr>
-            <a:normAutofit fontScale="90000"/>
-          </a:bodyPr>
-          <a:lstStyle/>
-          <a:p>
-            <a:r>
-              <a:rPr lang="en-US" dirty="0"/>
-              <a:t>Definitions [4]</a:t>
-            </a:r>
-          </a:p>
-        </p:txBody>
-      </p:sp>
-      <p:sp>
-        <p:nvSpPr>
-          <p:cNvPr id="3" name="Content Placeholder 2">
-            <a:extLst>
-              <a:ext uri="{FF2B5EF4-FFF2-40B4-BE49-F238E27FC236}">
-                <a16:creationId xmlns:a16="http://schemas.microsoft.com/office/drawing/2014/main" id="{73695358-C0B3-337C-0701-7950510ACF69}"/>
-              </a:ext>
-            </a:extLst>
-          </p:cNvPr>
-          <p:cNvSpPr>
-            <a:spLocks noGrp="1"/>
-          </p:cNvSpPr>
-          <p:nvPr>
-            <p:ph idx="1"/>
-          </p:nvPr>
-        </p:nvSpPr>
-        <p:spPr/>
-        <p:txBody>
-          <a:bodyPr>
-            <a:normAutofit/>
-          </a:bodyPr>
-          <a:lstStyle/>
-          <a:p>
-            <a:pPr marL="0" indent="0">
-              <a:buNone/>
-            </a:pPr>
-            <a:r>
-              <a:rPr lang="en-US" sz="1800" dirty="0"/>
-              <a:t>A problem is defined as </a:t>
-            </a:r>
-            <a:r>
-              <a:rPr lang="en-US" sz="1800" b="1" dirty="0"/>
-              <a:t>well-posed</a:t>
-            </a:r>
-            <a:r>
-              <a:rPr lang="en-US" sz="1800" dirty="0"/>
-              <a:t> if </a:t>
-            </a:r>
-            <a:r>
-              <a:rPr lang="en-US" sz="1800" u="sng" dirty="0"/>
-              <a:t>all</a:t>
-            </a:r>
-            <a:r>
-              <a:rPr lang="en-US" sz="1800" dirty="0"/>
-              <a:t> the following conditions hold:</a:t>
-            </a:r>
-            <a:endParaRPr lang="en-US" sz="1800" u="sng" dirty="0"/>
-          </a:p>
-          <a:p>
-            <a:pPr marL="457200" indent="-457200">
-              <a:buAutoNum type="arabicPeriod"/>
-            </a:pPr>
-            <a:r>
-              <a:rPr lang="en-US" sz="1800" dirty="0"/>
-              <a:t>Existence</a:t>
-            </a:r>
-          </a:p>
-          <a:p>
-            <a:pPr marL="457200" indent="-457200">
-              <a:buAutoNum type="arabicPeriod"/>
-            </a:pPr>
-            <a:r>
-              <a:rPr lang="en-US" sz="1800" b="1" dirty="0"/>
-              <a:t>Uniqueness</a:t>
-            </a:r>
-          </a:p>
-          <a:p>
-            <a:pPr marL="457200" indent="-457200">
-              <a:buAutoNum type="arabicPeriod"/>
-            </a:pPr>
-            <a:r>
-              <a:rPr lang="en-US" sz="1800" dirty="0"/>
-              <a:t>Stability</a:t>
-            </a:r>
-          </a:p>
-          <a:p>
-            <a:pPr marL="457200" indent="-457200">
-              <a:buAutoNum type="arabicPeriod"/>
-            </a:pPr>
-            <a:endParaRPr lang="en-US" sz="1800" dirty="0"/>
-          </a:p>
-          <a:p>
-            <a:pPr marL="0" indent="0">
-              <a:buNone/>
-            </a:pPr>
-            <a:r>
-              <a:rPr lang="en-US" sz="1800" dirty="0"/>
-              <a:t>Uniqueness – one solution for each problem </a:t>
-            </a:r>
-          </a:p>
-        </p:txBody>
-      </p:sp>
-      <p:sp>
-        <p:nvSpPr>
-          <p:cNvPr id="4" name="Slide Number Placeholder 3">
-            <a:extLst>
-              <a:ext uri="{FF2B5EF4-FFF2-40B4-BE49-F238E27FC236}">
-                <a16:creationId xmlns:a16="http://schemas.microsoft.com/office/drawing/2014/main" id="{97E70D9D-1B79-A343-FEA2-C9DFFE46452A}"/>
-              </a:ext>
-            </a:extLst>
-          </p:cNvPr>
-          <p:cNvSpPr>
-            <a:spLocks noGrp="1"/>
-          </p:cNvSpPr>
-          <p:nvPr>
-            <p:ph type="sldNum" sz="quarter" idx="12"/>
-          </p:nvPr>
-        </p:nvSpPr>
-        <p:spPr/>
-        <p:txBody>
-          <a:bodyPr/>
-          <a:lstStyle/>
-          <a:p>
-            <a:fld id="{D95F4311-C1C1-468E-90BA-469E1A493750}" type="slidenum">
-              <a:rPr lang="en-US" smtClean="0"/>
-              <a:t>5</a:t>
-            </a:fld>
-            <a:endParaRPr lang="en-US"/>
-          </a:p>
-        </p:txBody>
-      </p:sp>
-    </p:spTree>
-    <p:extLst>
-      <p:ext uri="{BB962C8B-B14F-4D97-AF65-F5344CB8AC3E}">
-        <p14:creationId xmlns:p14="http://schemas.microsoft.com/office/powerpoint/2010/main" val="1653902171"/>
-      </p:ext>
-    </p:extLst>
-  </p:cSld>
-  <p:clrMapOvr>
-    <a:masterClrMapping/>
-  </p:clrMapOvr>
-</p:sld>
-</file>
-
-<file path=ppt/slides/slide6.xml><?xml version="1.0" encoding="utf-8"?>
-<p:sld xmlns:a="http://schemas.openxmlformats.org/drawingml/2006/main" xmlns:r="http://schemas.openxmlformats.org/officeDocument/2006/relationships" xmlns:p="http://schemas.openxmlformats.org/presentationml/2006/main">
-  <p:cSld>
-    <p:spTree>
-      <p:nvGrpSpPr>
-        <p:cNvPr id="1" name="">
-          <a:extLst>
-            <a:ext uri="{FF2B5EF4-FFF2-40B4-BE49-F238E27FC236}">
-              <a16:creationId xmlns:a16="http://schemas.microsoft.com/office/drawing/2014/main" id="{4017629E-4D0A-29C4-28D0-021CF18857C6}"/>
-            </a:ext>
-          </a:extLst>
-        </p:cNvPr>
-        <p:cNvGrpSpPr/>
-        <p:nvPr/>
-      </p:nvGrpSpPr>
-      <p:grpSpPr>
-        <a:xfrm>
-          <a:off x="0" y="0"/>
-          <a:ext cx="0" cy="0"/>
-          <a:chOff x="0" y="0"/>
-          <a:chExt cx="0" cy="0"/>
-        </a:xfrm>
-      </p:grpSpPr>
-      <p:sp>
-        <p:nvSpPr>
-          <p:cNvPr id="2" name="Title 1">
-            <a:extLst>
-              <a:ext uri="{FF2B5EF4-FFF2-40B4-BE49-F238E27FC236}">
-                <a16:creationId xmlns:a16="http://schemas.microsoft.com/office/drawing/2014/main" id="{8DDA226B-780D-D433-302E-4D4252E6EA47}"/>
-              </a:ext>
-            </a:extLst>
-          </p:cNvPr>
-          <p:cNvSpPr>
-            <a:spLocks noGrp="1"/>
-          </p:cNvSpPr>
-          <p:nvPr>
-            <p:ph type="title"/>
-          </p:nvPr>
-        </p:nvSpPr>
-        <p:spPr/>
-        <p:txBody>
-          <a:bodyPr>
-            <a:normAutofit fontScale="90000"/>
-          </a:bodyPr>
-          <a:lstStyle/>
-          <a:p>
-            <a:r>
-              <a:rPr lang="en-US" dirty="0"/>
-              <a:t>Definitions [5]</a:t>
-            </a:r>
-          </a:p>
-        </p:txBody>
-      </p:sp>
-      <p:sp>
-        <p:nvSpPr>
-          <p:cNvPr id="3" name="Content Placeholder 2">
-            <a:extLst>
-              <a:ext uri="{FF2B5EF4-FFF2-40B4-BE49-F238E27FC236}">
-                <a16:creationId xmlns:a16="http://schemas.microsoft.com/office/drawing/2014/main" id="{AA518F25-5A18-55FC-EB32-ACB322ED00E8}"/>
-              </a:ext>
-            </a:extLst>
-          </p:cNvPr>
-          <p:cNvSpPr>
-            <a:spLocks noGrp="1"/>
-          </p:cNvSpPr>
-          <p:nvPr>
-            <p:ph idx="1"/>
-          </p:nvPr>
-        </p:nvSpPr>
-        <p:spPr/>
-        <p:txBody>
-          <a:bodyPr>
-            <a:normAutofit/>
-          </a:bodyPr>
-          <a:lstStyle/>
-          <a:p>
-            <a:pPr marL="0" indent="0">
-              <a:buNone/>
-            </a:pPr>
-            <a:r>
-              <a:rPr lang="en-US" sz="1800" dirty="0"/>
-              <a:t>A problem is defined as </a:t>
-            </a:r>
-            <a:r>
-              <a:rPr lang="en-US" sz="1800" b="1" dirty="0"/>
-              <a:t>well-posed</a:t>
-            </a:r>
-            <a:r>
-              <a:rPr lang="en-US" sz="1800" dirty="0"/>
-              <a:t> if </a:t>
-            </a:r>
-            <a:r>
-              <a:rPr lang="en-US" sz="1800" u="sng" dirty="0"/>
-              <a:t>all</a:t>
-            </a:r>
-            <a:r>
-              <a:rPr lang="en-US" sz="1800" dirty="0"/>
-              <a:t> the following conditions hold:</a:t>
-            </a:r>
-            <a:endParaRPr lang="en-US" sz="1800" u="sng" dirty="0"/>
-          </a:p>
-          <a:p>
-            <a:pPr marL="457200" indent="-457200">
-              <a:buAutoNum type="arabicPeriod"/>
-            </a:pPr>
-            <a:r>
-              <a:rPr lang="en-US" sz="1800" dirty="0"/>
-              <a:t>Existence</a:t>
-            </a:r>
-          </a:p>
-          <a:p>
-            <a:pPr marL="457200" indent="-457200">
-              <a:buAutoNum type="arabicPeriod"/>
-            </a:pPr>
-            <a:r>
-              <a:rPr lang="en-US" sz="1800" dirty="0"/>
-              <a:t>Uniqueness</a:t>
-            </a:r>
-          </a:p>
-          <a:p>
-            <a:pPr marL="457200" indent="-457200">
-              <a:buAutoNum type="arabicPeriod"/>
-            </a:pPr>
-            <a:r>
-              <a:rPr lang="en-US" sz="1800" dirty="0"/>
-              <a:t>Stability</a:t>
-            </a:r>
-          </a:p>
-          <a:p>
-            <a:pPr marL="457200" indent="-457200">
-              <a:buAutoNum type="arabicPeriod"/>
-            </a:pPr>
-            <a:endParaRPr lang="en-US" sz="1800" dirty="0"/>
-          </a:p>
-          <a:p>
-            <a:pPr marL="0" indent="0">
-              <a:buNone/>
-            </a:pPr>
-            <a:r>
-              <a:rPr lang="en-US" sz="1800" dirty="0"/>
-              <a:t>Stability – small changes in initial conditions lead to small changes in the solution</a:t>
-            </a:r>
-          </a:p>
-        </p:txBody>
-      </p:sp>
-      <p:sp>
-        <p:nvSpPr>
-          <p:cNvPr id="4" name="Slide Number Placeholder 3">
-            <a:extLst>
-              <a:ext uri="{FF2B5EF4-FFF2-40B4-BE49-F238E27FC236}">
-                <a16:creationId xmlns:a16="http://schemas.microsoft.com/office/drawing/2014/main" id="{92242188-38D9-190E-C88F-F071298D78DD}"/>
-              </a:ext>
-            </a:extLst>
-          </p:cNvPr>
-          <p:cNvSpPr>
-            <a:spLocks noGrp="1"/>
-          </p:cNvSpPr>
-          <p:nvPr>
-            <p:ph type="sldNum" sz="quarter" idx="12"/>
-          </p:nvPr>
-        </p:nvSpPr>
-        <p:spPr/>
-        <p:txBody>
-          <a:bodyPr/>
-          <a:lstStyle/>
-          <a:p>
-            <a:fld id="{D95F4311-C1C1-468E-90BA-469E1A493750}" type="slidenum">
-              <a:rPr lang="en-US" smtClean="0"/>
-              <a:t>6</a:t>
-            </a:fld>
-            <a:endParaRPr lang="en-US"/>
-          </a:p>
-        </p:txBody>
-      </p:sp>
-    </p:spTree>
-    <p:extLst>
-      <p:ext uri="{BB962C8B-B14F-4D97-AF65-F5344CB8AC3E}">
-        <p14:creationId xmlns:p14="http://schemas.microsoft.com/office/powerpoint/2010/main" val="2984127890"/>
-      </p:ext>
-    </p:extLst>
-  </p:cSld>
-  <p:clrMapOvr>
-    <a:masterClrMapping/>
-  </p:clrMapOvr>
-</p:sld>
-</file>
-
-<file path=ppt/slides/slide7.xml><?xml version="1.0" encoding="utf-8"?>
 <p:sld xmlns:a="http://schemas.openxmlformats.org/drawingml/2006/main" xmlns:r="http://schemas.openxmlformats.org/officeDocument/2006/relationships" xmlns:p="http://schemas.openxmlformats.org/presentationml/2006/main">
   <p:cSld>
     <p:spTree>
@@ -5679,103 +8637,275 @@
           <a:p>
             <a:r>
               <a:rPr lang="en-US" dirty="0"/>
-              <a:t>Definitions [6]</a:t>
+              <a:t>Definitions [3]</a:t>
             </a:r>
           </a:p>
         </p:txBody>
       </p:sp>
-      <p:sp>
-        <p:nvSpPr>
-          <p:cNvPr id="3" name="Content Placeholder 2">
-            <a:extLst>
-              <a:ext uri="{FF2B5EF4-FFF2-40B4-BE49-F238E27FC236}">
-                <a16:creationId xmlns:a16="http://schemas.microsoft.com/office/drawing/2014/main" id="{A3BD7F75-2879-CA2B-B12F-2D16365CE1A0}"/>
-              </a:ext>
-            </a:extLst>
-          </p:cNvPr>
-          <p:cNvSpPr>
-            <a:spLocks noGrp="1"/>
-          </p:cNvSpPr>
-          <p:nvPr>
-            <p:ph idx="1"/>
-          </p:nvPr>
-        </p:nvSpPr>
-        <p:spPr/>
-        <p:txBody>
-          <a:bodyPr>
-            <a:normAutofit/>
-          </a:bodyPr>
-          <a:lstStyle/>
-          <a:p>
-            <a:pPr marL="0" indent="0">
-              <a:buNone/>
-            </a:pPr>
-            <a:r>
-              <a:rPr lang="en-US" sz="1800" dirty="0"/>
-              <a:t>A problem is defined as </a:t>
-            </a:r>
-            <a:r>
-              <a:rPr lang="en-US" sz="1800" b="1" dirty="0"/>
-              <a:t>ill-posed</a:t>
-            </a:r>
-            <a:r>
-              <a:rPr lang="en-US" sz="1800" dirty="0"/>
-              <a:t> if </a:t>
-            </a:r>
-            <a:r>
-              <a:rPr lang="en-US" sz="1800" u="sng" dirty="0"/>
-              <a:t>any</a:t>
-            </a:r>
-            <a:r>
-              <a:rPr lang="en-US" sz="1800" dirty="0"/>
-              <a:t> the following conditions hold:</a:t>
-            </a:r>
-            <a:endParaRPr lang="en-US" sz="1800" u="sng" dirty="0"/>
-          </a:p>
-          <a:p>
-            <a:pPr marL="457200" indent="-457200">
-              <a:buAutoNum type="arabicPeriod"/>
-            </a:pPr>
-            <a:r>
-              <a:rPr lang="en-US" sz="1800" dirty="0"/>
-              <a:t>A solution may does not exist</a:t>
-            </a:r>
-          </a:p>
-          <a:p>
-            <a:pPr marL="457200" indent="-457200">
-              <a:buAutoNum type="arabicPeriod"/>
-            </a:pPr>
-            <a:r>
-              <a:rPr lang="en-US" sz="1800" dirty="0"/>
-              <a:t>There may be more than one solution</a:t>
-            </a:r>
-          </a:p>
-          <a:p>
-            <a:pPr marL="457200" indent="-457200">
-              <a:buAutoNum type="arabicPeriod"/>
-            </a:pPr>
-            <a:r>
-              <a:rPr lang="en-US" sz="1800" dirty="0"/>
-              <a:t>Small changes in the initial conditions lead to big changes in the solution</a:t>
-            </a:r>
-          </a:p>
-          <a:p>
-            <a:pPr marL="457200" indent="-457200">
-              <a:buAutoNum type="arabicPeriod"/>
-            </a:pPr>
-            <a:endParaRPr lang="en-US" sz="1800" dirty="0"/>
-          </a:p>
-          <a:p>
-            <a:pPr marL="0" indent="0">
-              <a:buNone/>
-            </a:pPr>
-            <a:r>
-              <a:rPr lang="en-US" sz="1800" dirty="0"/>
-              <a:t>Inverse problems tend to be ill-posed problems. With the addition of engineering mechanics, the field of inverse mechanics has emerged.</a:t>
-            </a:r>
-          </a:p>
-        </p:txBody>
-      </p:sp>
+      <mc:AlternateContent xmlns:mc="http://schemas.openxmlformats.org/markup-compatibility/2006">
+        <mc:Choice xmlns:a14="http://schemas.microsoft.com/office/drawing/2010/main" Requires="a14">
+          <p:sp>
+            <p:nvSpPr>
+              <p:cNvPr id="3" name="Content Placeholder 2">
+                <a:extLst>
+                  <a:ext uri="{FF2B5EF4-FFF2-40B4-BE49-F238E27FC236}">
+                    <a16:creationId xmlns:a16="http://schemas.microsoft.com/office/drawing/2014/main" id="{A3BD7F75-2879-CA2B-B12F-2D16365CE1A0}"/>
+                  </a:ext>
+                </a:extLst>
+              </p:cNvPr>
+              <p:cNvSpPr>
+                <a:spLocks noGrp="1"/>
+              </p:cNvSpPr>
+              <p:nvPr>
+                <p:ph idx="1"/>
+              </p:nvPr>
+            </p:nvSpPr>
+            <p:spPr/>
+            <p:txBody>
+              <a:bodyPr>
+                <a:normAutofit/>
+              </a:bodyPr>
+              <a:lstStyle/>
+              <a:p>
+                <a:pPr marL="0" indent="0">
+                  <a:buNone/>
+                </a:pPr>
+                <a:r>
+                  <a:rPr lang="en-US" sz="2000" dirty="0"/>
+                  <a:t>A problem is defined as </a:t>
+                </a:r>
+                <a:r>
+                  <a:rPr lang="en-US" sz="2000" b="1" dirty="0"/>
+                  <a:t>ill-posed</a:t>
+                </a:r>
+                <a:r>
+                  <a:rPr lang="en-US" sz="2000" dirty="0"/>
+                  <a:t> if </a:t>
+                </a:r>
+                <a:r>
+                  <a:rPr lang="en-US" sz="2000" u="sng" dirty="0"/>
+                  <a:t>any</a:t>
+                </a:r>
+                <a:r>
+                  <a:rPr lang="en-US" sz="2000" dirty="0"/>
+                  <a:t> the following conditions hold:</a:t>
+                </a:r>
+                <a:endParaRPr lang="en-US" sz="2000" u="sng" dirty="0"/>
+              </a:p>
+              <a:p>
+                <a:pPr marL="457200" indent="-457200">
+                  <a:buAutoNum type="arabicPeriod"/>
+                </a:pPr>
+                <a:r>
+                  <a:rPr lang="en-US" sz="2000" dirty="0"/>
+                  <a:t>Existence - a solution may not exist</a:t>
+                </a:r>
+              </a:p>
+              <a:p>
+                <a:pPr marL="457200" indent="-457200">
+                  <a:buAutoNum type="arabicPeriod"/>
+                </a:pPr>
+                <a:r>
+                  <a:rPr lang="en-US" sz="2000" dirty="0"/>
+                  <a:t>Uniqueness - there may be more than one solution</a:t>
+                </a:r>
+              </a:p>
+              <a:p>
+                <a:pPr marL="457200" indent="-457200">
+                  <a:buAutoNum type="arabicPeriod"/>
+                </a:pPr>
+                <a:r>
+                  <a:rPr lang="en-US" sz="2000" dirty="0"/>
+                  <a:t>Stability - small changes in the initial conditions lead to big changes in the solution</a:t>
+                </a:r>
+              </a:p>
+              <a:p>
+                <a:pPr marL="457200" indent="-457200">
+                  <a:buAutoNum type="arabicPeriod"/>
+                </a:pPr>
+                <a:endParaRPr lang="en-US" sz="2000" dirty="0"/>
+              </a:p>
+              <a:p>
+                <a:pPr marL="0" indent="0">
+                  <a:buNone/>
+                </a:pPr>
+                <a:r>
+                  <a:rPr lang="en-US" sz="2000" dirty="0"/>
+                  <a:t>Inverse problems </a:t>
+                </a:r>
+                <a:r>
+                  <a:rPr lang="en-US" sz="2000" i="1" dirty="0"/>
+                  <a:t>tend</a:t>
+                </a:r>
+                <a:r>
+                  <a:rPr lang="en-US" sz="2000" dirty="0"/>
+                  <a:t> to be ill-posed problems. </a:t>
+                </a:r>
+              </a:p>
+              <a:p>
+                <a:pPr marL="0" indent="0">
+                  <a:buNone/>
+                </a:pPr>
+                <a:endParaRPr lang="en-US" sz="2000" dirty="0"/>
+              </a:p>
+              <a:p>
+                <a:pPr marL="0" indent="0">
+                  <a:buNone/>
+                </a:pPr>
+                <a:r>
+                  <a:rPr lang="en-US" sz="2000" dirty="0"/>
+                  <a:t>Mathematically: </a:t>
+                </a:r>
+                <a14:m>
+                  <m:oMath xmlns:m="http://schemas.openxmlformats.org/officeDocument/2006/math">
+                    <m:r>
+                      <a:rPr lang="en-US" sz="2000" b="0" i="1" smtClean="0">
+                        <a:latin typeface="Cambria Math" panose="02040503050406030204" pitchFamily="18" charset="0"/>
+                      </a:rPr>
+                      <m:t>𝑚</m:t>
+                    </m:r>
+                    <m:r>
+                      <a:rPr lang="en-US" sz="2000" b="0" i="1" smtClean="0">
+                        <a:latin typeface="Cambria Math" panose="02040503050406030204" pitchFamily="18" charset="0"/>
+                      </a:rPr>
+                      <m:t>=</m:t>
+                    </m:r>
+                    <m:r>
+                      <a:rPr lang="en-US" sz="2000" b="0" i="1" smtClean="0">
+                        <a:latin typeface="Cambria Math" panose="02040503050406030204" pitchFamily="18" charset="0"/>
+                      </a:rPr>
+                      <m:t>𝐹</m:t>
+                    </m:r>
+                    <m:d>
+                      <m:dPr>
+                        <m:ctrlPr>
+                          <a:rPr lang="en-US" sz="2000" b="0" i="1" smtClean="0">
+                            <a:latin typeface="Cambria Math" panose="02040503050406030204" pitchFamily="18" charset="0"/>
+                          </a:rPr>
+                        </m:ctrlPr>
+                      </m:dPr>
+                      <m:e>
+                        <m:r>
+                          <a:rPr lang="en-US" sz="2000" b="0" i="1" smtClean="0">
+                            <a:latin typeface="Cambria Math" panose="02040503050406030204" pitchFamily="18" charset="0"/>
+                          </a:rPr>
+                          <m:t>𝑥</m:t>
+                        </m:r>
+                      </m:e>
+                    </m:d>
+                    <m:r>
+                      <a:rPr lang="en-US" sz="2000" b="0" i="1" smtClean="0">
+                        <a:latin typeface="Cambria Math" panose="02040503050406030204" pitchFamily="18" charset="0"/>
+                      </a:rPr>
+                      <m:t>+</m:t>
+                    </m:r>
+                    <m:r>
+                      <a:rPr lang="en-US" sz="2000" b="0" i="1" smtClean="0">
+                        <a:latin typeface="Cambria Math" panose="02040503050406030204" pitchFamily="18" charset="0"/>
+                      </a:rPr>
+                      <m:t>𝜖</m:t>
+                    </m:r>
+                  </m:oMath>
+                </a14:m>
+                <a:r>
+                  <a:rPr lang="en-US" sz="2000" dirty="0"/>
+                  <a:t> , recover </a:t>
+                </a:r>
+                <a14:m>
+                  <m:oMath xmlns:m="http://schemas.openxmlformats.org/officeDocument/2006/math">
+                    <m:r>
+                      <a:rPr lang="en-US" sz="2000" b="0" i="1" smtClean="0">
+                        <a:latin typeface="Cambria Math" panose="02040503050406030204" pitchFamily="18" charset="0"/>
+                      </a:rPr>
+                      <m:t>𝑥</m:t>
+                    </m:r>
+                  </m:oMath>
+                </a14:m>
+                <a:r>
+                  <a:rPr lang="en-US" sz="2000" dirty="0"/>
+                  <a:t> </a:t>
+                </a:r>
+              </a:p>
+              <a:p>
+                <a:pPr marL="0" indent="0">
+                  <a:buNone/>
+                </a:pPr>
+                <a:r>
+                  <a:rPr lang="en-US" sz="2000" dirty="0"/>
+                  <a:t>- Where </a:t>
+                </a:r>
+                <a14:m>
+                  <m:oMath xmlns:m="http://schemas.openxmlformats.org/officeDocument/2006/math">
+                    <m:r>
+                      <a:rPr lang="en-US" sz="2000" b="0" i="1" smtClean="0">
+                        <a:latin typeface="Cambria Math" panose="02040503050406030204" pitchFamily="18" charset="0"/>
+                      </a:rPr>
+                      <m:t>𝑚</m:t>
+                    </m:r>
+                  </m:oMath>
+                </a14:m>
+                <a:r>
+                  <a:rPr lang="en-US" sz="2000" dirty="0"/>
+                  <a:t> is observed data and </a:t>
+                </a:r>
+                <a14:m>
+                  <m:oMath xmlns:m="http://schemas.openxmlformats.org/officeDocument/2006/math">
+                    <m:r>
+                      <a:rPr lang="en-US" sz="2000" b="0" i="1" smtClean="0">
+                        <a:latin typeface="Cambria Math" panose="02040503050406030204" pitchFamily="18" charset="0"/>
+                      </a:rPr>
+                      <m:t>𝜖</m:t>
+                    </m:r>
+                  </m:oMath>
+                </a14:m>
+                <a:r>
+                  <a:rPr lang="en-US" sz="2000" dirty="0"/>
+                  <a:t> is noise</a:t>
+                </a:r>
+              </a:p>
+            </p:txBody>
+          </p:sp>
+        </mc:Choice>
+        <mc:Fallback>
+          <p:sp>
+            <p:nvSpPr>
+              <p:cNvPr id="3" name="Content Placeholder 2">
+                <a:extLst>
+                  <a:ext uri="{FF2B5EF4-FFF2-40B4-BE49-F238E27FC236}">
+                    <a16:creationId xmlns:a16="http://schemas.microsoft.com/office/drawing/2014/main" id="{A3BD7F75-2879-CA2B-B12F-2D16365CE1A0}"/>
+                  </a:ext>
+                </a:extLst>
+              </p:cNvPr>
+              <p:cNvSpPr>
+                <a:spLocks noGrp="1" noRot="1" noChangeAspect="1" noMove="1" noResize="1" noEditPoints="1" noAdjustHandles="1" noChangeArrowheads="1" noChangeShapeType="1" noTextEdit="1"/>
+              </p:cNvSpPr>
+              <p:nvPr>
+                <p:ph idx="1"/>
+              </p:nvPr>
+            </p:nvSpPr>
+            <p:spPr>
+              <a:blipFill>
+                <a:blip r:embed="rId2"/>
+                <a:stretch>
+                  <a:fillRect l="-638" t="-1541"/>
+                </a:stretch>
+              </a:blipFill>
+            </p:spPr>
+            <p:txBody>
+              <a:bodyPr/>
+              <a:lstStyle/>
+              <a:p>
+                <a:r>
+                  <a:rPr lang="en-US">
+                    <a:noFill/>
+                  </a:rPr>
+                  <a:t> </a:t>
+                </a:r>
+              </a:p>
+            </p:txBody>
+          </p:sp>
+        </mc:Fallback>
+      </mc:AlternateContent>
       <p:sp>
         <p:nvSpPr>
           <p:cNvPr id="4" name="Slide Number Placeholder 3">
@@ -5799,7 +8929,7 @@
           <a:p>
             <a:fld id="{D95F4311-C1C1-468E-90BA-469E1A493750}" type="slidenum">
               <a:rPr lang="en-US" smtClean="0"/>
-              <a:t>7</a:t>
+              <a:t>5</a:t>
             </a:fld>
             <a:endParaRPr lang="en-US"/>
           </a:p>
@@ -5809,6 +8939,4908 @@
     <p:extLst>
       <p:ext uri="{BB962C8B-B14F-4D97-AF65-F5344CB8AC3E}">
         <p14:creationId xmlns:p14="http://schemas.microsoft.com/office/powerpoint/2010/main" val="3727330784"/>
+      </p:ext>
+    </p:extLst>
+  </p:cSld>
+  <p:clrMapOvr>
+    <a:masterClrMapping/>
+  </p:clrMapOvr>
+</p:sld>
+</file>
+
+<file path=ppt/slides/slide6.xml><?xml version="1.0" encoding="utf-8"?>
+<p:sld xmlns:a="http://schemas.openxmlformats.org/drawingml/2006/main" xmlns:r="http://schemas.openxmlformats.org/officeDocument/2006/relationships" xmlns:p="http://schemas.openxmlformats.org/presentationml/2006/main">
+  <p:cSld>
+    <p:spTree>
+      <p:nvGrpSpPr>
+        <p:cNvPr id="1" name="">
+          <a:extLst>
+            <a:ext uri="{FF2B5EF4-FFF2-40B4-BE49-F238E27FC236}">
+              <a16:creationId xmlns:a16="http://schemas.microsoft.com/office/drawing/2014/main" id="{04A29D2C-D939-D479-FB22-1FFA3D96715F}"/>
+            </a:ext>
+          </a:extLst>
+        </p:cNvPr>
+        <p:cNvGrpSpPr/>
+        <p:nvPr/>
+      </p:nvGrpSpPr>
+      <p:grpSpPr>
+        <a:xfrm>
+          <a:off x="0" y="0"/>
+          <a:ext cx="0" cy="0"/>
+          <a:chOff x="0" y="0"/>
+          <a:chExt cx="0" cy="0"/>
+        </a:xfrm>
+      </p:grpSpPr>
+      <p:sp>
+        <p:nvSpPr>
+          <p:cNvPr id="2" name="Title 1">
+            <a:extLst>
+              <a:ext uri="{FF2B5EF4-FFF2-40B4-BE49-F238E27FC236}">
+                <a16:creationId xmlns:a16="http://schemas.microsoft.com/office/drawing/2014/main" id="{3F9CE479-B9CD-96CD-FD7C-5654CF995CE5}"/>
+              </a:ext>
+            </a:extLst>
+          </p:cNvPr>
+          <p:cNvSpPr>
+            <a:spLocks noGrp="1"/>
+          </p:cNvSpPr>
+          <p:nvPr>
+            <p:ph type="title"/>
+          </p:nvPr>
+        </p:nvSpPr>
+        <p:spPr/>
+        <p:txBody>
+          <a:bodyPr>
+            <a:normAutofit fontScale="90000"/>
+          </a:bodyPr>
+          <a:lstStyle/>
+          <a:p>
+            <a:r>
+              <a:rPr lang="en-US" dirty="0"/>
+              <a:t>Example 2: An Everyday Problem</a:t>
+            </a:r>
+          </a:p>
+        </p:txBody>
+      </p:sp>
+      <p:sp>
+        <p:nvSpPr>
+          <p:cNvPr id="4" name="Slide Number Placeholder 3">
+            <a:extLst>
+              <a:ext uri="{FF2B5EF4-FFF2-40B4-BE49-F238E27FC236}">
+                <a16:creationId xmlns:a16="http://schemas.microsoft.com/office/drawing/2014/main" id="{2403C1F1-B582-1F3C-5B0C-640124887AB9}"/>
+              </a:ext>
+            </a:extLst>
+          </p:cNvPr>
+          <p:cNvSpPr>
+            <a:spLocks noGrp="1"/>
+          </p:cNvSpPr>
+          <p:nvPr>
+            <p:ph type="sldNum" sz="quarter" idx="12"/>
+          </p:nvPr>
+        </p:nvSpPr>
+        <p:spPr/>
+        <p:txBody>
+          <a:bodyPr/>
+          <a:lstStyle/>
+          <a:p>
+            <a:fld id="{D95F4311-C1C1-468E-90BA-469E1A493750}" type="slidenum">
+              <a:rPr lang="en-US" smtClean="0"/>
+              <a:t>6</a:t>
+            </a:fld>
+            <a:endParaRPr lang="en-US"/>
+          </a:p>
+        </p:txBody>
+      </p:sp>
+      <p:sp>
+        <p:nvSpPr>
+          <p:cNvPr id="19" name="TextBox 18">
+            <a:extLst>
+              <a:ext uri="{FF2B5EF4-FFF2-40B4-BE49-F238E27FC236}">
+                <a16:creationId xmlns:a16="http://schemas.microsoft.com/office/drawing/2014/main" id="{98E64E0D-9240-85B1-827D-598C31713112}"/>
+              </a:ext>
+            </a:extLst>
+          </p:cNvPr>
+          <p:cNvSpPr txBox="1"/>
+          <p:nvPr/>
+        </p:nvSpPr>
+        <p:spPr>
+          <a:xfrm>
+            <a:off x="738700" y="1490964"/>
+            <a:ext cx="4519100" cy="2554545"/>
+          </a:xfrm>
+          <a:prstGeom prst="rect">
+            <a:avLst/>
+          </a:prstGeom>
+          <a:noFill/>
+        </p:spPr>
+        <p:txBody>
+          <a:bodyPr wrap="square" rtlCol="0">
+            <a:spAutoFit/>
+          </a:bodyPr>
+          <a:lstStyle/>
+          <a:p>
+            <a:r>
+              <a:rPr lang="en-US" sz="1600" u="sng" dirty="0">
+                <a:latin typeface="+mj-lt"/>
+              </a:rPr>
+              <a:t>Direct Problem</a:t>
+            </a:r>
+            <a:r>
+              <a:rPr lang="en-US" sz="1600" dirty="0">
+                <a:latin typeface="+mj-lt"/>
+              </a:rPr>
+              <a:t>: What year were you born?</a:t>
+            </a:r>
+          </a:p>
+          <a:p>
+            <a:endParaRPr lang="en-US" sz="1600" dirty="0">
+              <a:latin typeface="+mj-lt"/>
+            </a:endParaRPr>
+          </a:p>
+          <a:p>
+            <a:pPr marL="342900" indent="-342900">
+              <a:buAutoNum type="alphaUcPeriod"/>
+            </a:pPr>
+            <a:r>
+              <a:rPr lang="en-US" sz="1600" dirty="0">
+                <a:latin typeface="+mj-lt"/>
+              </a:rPr>
+              <a:t>1980</a:t>
+            </a:r>
+          </a:p>
+          <a:p>
+            <a:pPr marL="342900" indent="-342900">
+              <a:buAutoNum type="alphaUcPeriod"/>
+            </a:pPr>
+            <a:r>
+              <a:rPr lang="en-US" sz="1600" dirty="0">
+                <a:latin typeface="+mj-lt"/>
+              </a:rPr>
+              <a:t>1990</a:t>
+            </a:r>
+          </a:p>
+          <a:p>
+            <a:pPr marL="342900" indent="-342900">
+              <a:buAutoNum type="alphaUcPeriod"/>
+            </a:pPr>
+            <a:r>
+              <a:rPr lang="en-US" sz="1600" dirty="0">
+                <a:latin typeface="+mj-lt"/>
+              </a:rPr>
+              <a:t>2000</a:t>
+            </a:r>
+          </a:p>
+          <a:p>
+            <a:pPr marL="342900" indent="-342900">
+              <a:buAutoNum type="alphaUcPeriod"/>
+            </a:pPr>
+            <a:r>
+              <a:rPr lang="en-US" sz="1600" dirty="0">
+                <a:latin typeface="+mj-lt"/>
+              </a:rPr>
+              <a:t>2003</a:t>
+            </a:r>
+          </a:p>
+          <a:p>
+            <a:pPr marL="342900" indent="-342900">
+              <a:buAutoNum type="alphaUcPeriod"/>
+            </a:pPr>
+            <a:endParaRPr lang="en-US" sz="1600" dirty="0">
+              <a:latin typeface="+mj-lt"/>
+            </a:endParaRPr>
+          </a:p>
+          <a:p>
+            <a:r>
+              <a:rPr lang="en-US" sz="1600" dirty="0">
+                <a:latin typeface="+mj-lt"/>
+              </a:rPr>
+              <a:t>A solution does exist, D: 2003. This solution is unique— I was not born in any other year but 2003. It is a conclusive answer.</a:t>
+            </a:r>
+          </a:p>
+        </p:txBody>
+      </p:sp>
+      <p:sp>
+        <p:nvSpPr>
+          <p:cNvPr id="56" name="TextBox 55">
+            <a:extLst>
+              <a:ext uri="{FF2B5EF4-FFF2-40B4-BE49-F238E27FC236}">
+                <a16:creationId xmlns:a16="http://schemas.microsoft.com/office/drawing/2014/main" id="{AD98D926-1841-DE38-940A-E31343704E0C}"/>
+              </a:ext>
+            </a:extLst>
+          </p:cNvPr>
+          <p:cNvSpPr txBox="1"/>
+          <p:nvPr/>
+        </p:nvSpPr>
+        <p:spPr>
+          <a:xfrm>
+            <a:off x="6096001" y="1490964"/>
+            <a:ext cx="5257800" cy="3046988"/>
+          </a:xfrm>
+          <a:prstGeom prst="rect">
+            <a:avLst/>
+          </a:prstGeom>
+          <a:noFill/>
+        </p:spPr>
+        <p:txBody>
+          <a:bodyPr wrap="square" rtlCol="0">
+            <a:spAutoFit/>
+          </a:bodyPr>
+          <a:lstStyle/>
+          <a:p>
+            <a:r>
+              <a:rPr lang="en-US" sz="1600" u="sng" dirty="0">
+                <a:latin typeface="+mj-lt"/>
+              </a:rPr>
+              <a:t>Inverse Problem</a:t>
+            </a:r>
+            <a:r>
+              <a:rPr lang="en-US" sz="1600" dirty="0">
+                <a:latin typeface="+mj-lt"/>
+              </a:rPr>
+              <a:t>: It was in 2003.</a:t>
+            </a:r>
+          </a:p>
+          <a:p>
+            <a:endParaRPr lang="en-US" sz="1600" dirty="0">
+              <a:latin typeface="+mj-lt"/>
+            </a:endParaRPr>
+          </a:p>
+          <a:p>
+            <a:pPr marL="342900" indent="-342900">
+              <a:buAutoNum type="alphaUcPeriod"/>
+            </a:pPr>
+            <a:r>
+              <a:rPr lang="en-US" sz="1600" dirty="0">
+                <a:latin typeface="+mj-lt"/>
+              </a:rPr>
+              <a:t>When I was born</a:t>
+            </a:r>
+          </a:p>
+          <a:p>
+            <a:pPr marL="342900" indent="-342900">
+              <a:buAutoNum type="alphaUcPeriod"/>
+            </a:pPr>
+            <a:r>
+              <a:rPr lang="en-US" sz="1600" dirty="0">
+                <a:latin typeface="+mj-lt"/>
+              </a:rPr>
+              <a:t>When Finding Nemo came out</a:t>
+            </a:r>
+          </a:p>
+          <a:p>
+            <a:pPr marL="342900" indent="-342900">
+              <a:buAutoNum type="alphaUcPeriod"/>
+            </a:pPr>
+            <a:r>
+              <a:rPr lang="en-US" sz="1600" dirty="0">
+                <a:latin typeface="+mj-lt"/>
+              </a:rPr>
+              <a:t>When the US invaded Iraq</a:t>
+            </a:r>
+          </a:p>
+          <a:p>
+            <a:pPr marL="342900" indent="-342900">
+              <a:buAutoNum type="alphaUcPeriod"/>
+            </a:pPr>
+            <a:r>
+              <a:rPr lang="en-US" sz="1600" dirty="0">
+                <a:latin typeface="+mj-lt"/>
+              </a:rPr>
+              <a:t>When Lebron James was drafted</a:t>
+            </a:r>
+          </a:p>
+          <a:p>
+            <a:pPr marL="342900" indent="-342900">
+              <a:buAutoNum type="alphaUcPeriod"/>
+            </a:pPr>
+            <a:endParaRPr lang="en-US" sz="1600" dirty="0">
+              <a:latin typeface="+mj-lt"/>
+            </a:endParaRPr>
+          </a:p>
+          <a:p>
+            <a:r>
+              <a:rPr lang="en-US" sz="1600" dirty="0">
+                <a:latin typeface="+mj-lt"/>
+              </a:rPr>
+              <a:t>There are many solutions to this problem. The solution is not unique as all four of these events occurred in 2003. It is an inconclusive answer that </a:t>
+            </a:r>
+            <a:r>
+              <a:rPr lang="en-US" sz="1600" i="1" dirty="0">
+                <a:latin typeface="+mj-lt"/>
+              </a:rPr>
+              <a:t>requires more information</a:t>
+            </a:r>
+            <a:r>
+              <a:rPr lang="en-US" sz="1600" dirty="0">
+                <a:latin typeface="+mj-lt"/>
+              </a:rPr>
+              <a:t>. </a:t>
+            </a:r>
+          </a:p>
+          <a:p>
+            <a:pPr marL="342900" indent="-342900">
+              <a:buAutoNum type="alphaUcPeriod"/>
+            </a:pPr>
+            <a:endParaRPr lang="en-US" sz="1600" dirty="0">
+              <a:latin typeface="+mj-lt"/>
+            </a:endParaRPr>
+          </a:p>
+          <a:p>
+            <a:pPr marL="342900" indent="-342900">
+              <a:buAutoNum type="alphaUcPeriod"/>
+            </a:pPr>
+            <a:endParaRPr lang="en-US" sz="1600" dirty="0">
+              <a:latin typeface="+mj-lt"/>
+            </a:endParaRPr>
+          </a:p>
+        </p:txBody>
+      </p:sp>
+    </p:spTree>
+    <p:extLst>
+      <p:ext uri="{BB962C8B-B14F-4D97-AF65-F5344CB8AC3E}">
+        <p14:creationId xmlns:p14="http://schemas.microsoft.com/office/powerpoint/2010/main" val="3008684025"/>
+      </p:ext>
+    </p:extLst>
+  </p:cSld>
+  <p:clrMapOvr>
+    <a:masterClrMapping/>
+  </p:clrMapOvr>
+</p:sld>
+</file>
+
+<file path=ppt/slides/slide7.xml><?xml version="1.0" encoding="utf-8"?>
+<p:sld xmlns:a="http://schemas.openxmlformats.org/drawingml/2006/main" xmlns:r="http://schemas.openxmlformats.org/officeDocument/2006/relationships" xmlns:p="http://schemas.openxmlformats.org/presentationml/2006/main">
+  <p:cSld>
+    <p:spTree>
+      <p:nvGrpSpPr>
+        <p:cNvPr id="1" name=""/>
+        <p:cNvGrpSpPr/>
+        <p:nvPr/>
+      </p:nvGrpSpPr>
+      <p:grpSpPr>
+        <a:xfrm>
+          <a:off x="0" y="0"/>
+          <a:ext cx="0" cy="0"/>
+          <a:chOff x="0" y="0"/>
+          <a:chExt cx="0" cy="0"/>
+        </a:xfrm>
+      </p:grpSpPr>
+      <p:sp>
+        <p:nvSpPr>
+          <p:cNvPr id="2" name="Title 1">
+            <a:extLst>
+              <a:ext uri="{FF2B5EF4-FFF2-40B4-BE49-F238E27FC236}">
+                <a16:creationId xmlns:a16="http://schemas.microsoft.com/office/drawing/2014/main" id="{9E2605ED-D038-EF3A-A4F9-DBFE434ED9F0}"/>
+              </a:ext>
+            </a:extLst>
+          </p:cNvPr>
+          <p:cNvSpPr>
+            <a:spLocks noGrp="1"/>
+          </p:cNvSpPr>
+          <p:nvPr>
+            <p:ph type="title"/>
+          </p:nvPr>
+        </p:nvSpPr>
+        <p:spPr/>
+        <p:txBody>
+          <a:bodyPr>
+            <a:normAutofit fontScale="90000"/>
+          </a:bodyPr>
+          <a:lstStyle/>
+          <a:p>
+            <a:r>
+              <a:rPr lang="en-US" dirty="0"/>
+              <a:t>Example 3: Simple Beam</a:t>
+            </a:r>
+          </a:p>
+        </p:txBody>
+      </p:sp>
+      <p:sp>
+        <p:nvSpPr>
+          <p:cNvPr id="4" name="Slide Number Placeholder 3">
+            <a:extLst>
+              <a:ext uri="{FF2B5EF4-FFF2-40B4-BE49-F238E27FC236}">
+                <a16:creationId xmlns:a16="http://schemas.microsoft.com/office/drawing/2014/main" id="{62ABA006-5308-7A59-BF22-F9894F4F471E}"/>
+              </a:ext>
+            </a:extLst>
+          </p:cNvPr>
+          <p:cNvSpPr>
+            <a:spLocks noGrp="1"/>
+          </p:cNvSpPr>
+          <p:nvPr>
+            <p:ph type="sldNum" sz="quarter" idx="12"/>
+          </p:nvPr>
+        </p:nvSpPr>
+        <p:spPr/>
+        <p:txBody>
+          <a:bodyPr/>
+          <a:lstStyle/>
+          <a:p>
+            <a:fld id="{D95F4311-C1C1-468E-90BA-469E1A493750}" type="slidenum">
+              <a:rPr lang="en-US" smtClean="0"/>
+              <a:t>7</a:t>
+            </a:fld>
+            <a:endParaRPr lang="en-US"/>
+          </a:p>
+        </p:txBody>
+      </p:sp>
+      <mc:AlternateContent xmlns:mc="http://schemas.openxmlformats.org/markup-compatibility/2006">
+        <mc:Choice xmlns:a14="http://schemas.microsoft.com/office/drawing/2010/main" Requires="a14">
+          <p:sp>
+            <p:nvSpPr>
+              <p:cNvPr id="18" name="TextBox 17">
+                <a:extLst>
+                  <a:ext uri="{FF2B5EF4-FFF2-40B4-BE49-F238E27FC236}">
+                    <a16:creationId xmlns:a16="http://schemas.microsoft.com/office/drawing/2014/main" id="{5E7C57D4-D053-3FA2-D7A3-DA7A25B2B1F7}"/>
+                  </a:ext>
+                </a:extLst>
+              </p:cNvPr>
+              <p:cNvSpPr txBox="1"/>
+              <p:nvPr/>
+            </p:nvSpPr>
+            <p:spPr>
+              <a:xfrm>
+                <a:off x="872175" y="4317715"/>
+                <a:ext cx="1478866" cy="955454"/>
+              </a:xfrm>
+              <a:prstGeom prst="rect">
+                <a:avLst/>
+              </a:prstGeom>
+              <a:noFill/>
+            </p:spPr>
+            <p:txBody>
+              <a:bodyPr wrap="none" rtlCol="0">
+                <a:spAutoFit/>
+              </a:bodyPr>
+              <a:lstStyle/>
+              <a:p>
+                <a:pPr/>
+                <a14:m>
+                  <m:oMathPara xmlns:m="http://schemas.openxmlformats.org/officeDocument/2006/math">
+                    <m:oMathParaPr>
+                      <m:jc m:val="centerGroup"/>
+                    </m:oMathParaPr>
+                    <m:oMath xmlns:m="http://schemas.openxmlformats.org/officeDocument/2006/math">
+                      <m:sSub>
+                        <m:sSubPr>
+                          <m:ctrlPr>
+                            <a:rPr lang="en-US" sz="1400" b="0" i="1" smtClean="0">
+                              <a:latin typeface="Cambria Math" panose="02040503050406030204" pitchFamily="18" charset="0"/>
+                            </a:rPr>
+                          </m:ctrlPr>
+                        </m:sSubPr>
+                        <m:e>
+                          <m:r>
+                            <a:rPr lang="en-US" sz="1400" b="0" i="1" smtClean="0">
+                              <a:latin typeface="Cambria Math" panose="02040503050406030204" pitchFamily="18" charset="0"/>
+                            </a:rPr>
+                            <m:t>𝛿</m:t>
+                          </m:r>
+                        </m:e>
+                        <m:sub>
+                          <m:r>
+                            <a:rPr lang="en-US" sz="1400" b="0" i="1" smtClean="0">
+                              <a:latin typeface="Cambria Math" panose="02040503050406030204" pitchFamily="18" charset="0"/>
+                            </a:rPr>
+                            <m:t>𝑚𝑎𝑥</m:t>
+                          </m:r>
+                        </m:sub>
+                      </m:sSub>
+                      <m:r>
+                        <a:rPr lang="en-US" sz="1400" b="0" i="1" smtClean="0">
+                          <a:latin typeface="Cambria Math" panose="02040503050406030204" pitchFamily="18" charset="0"/>
+                        </a:rPr>
+                        <m:t>=</m:t>
+                      </m:r>
+                      <m:f>
+                        <m:fPr>
+                          <m:ctrlPr>
+                            <a:rPr lang="en-US" sz="1400" b="0" i="1" smtClean="0">
+                              <a:latin typeface="Cambria Math" panose="02040503050406030204" pitchFamily="18" charset="0"/>
+                            </a:rPr>
+                          </m:ctrlPr>
+                        </m:fPr>
+                        <m:num>
+                          <m:r>
+                            <a:rPr lang="en-US" sz="1400" b="0" i="1" smtClean="0">
+                              <a:latin typeface="Cambria Math" panose="02040503050406030204" pitchFamily="18" charset="0"/>
+                            </a:rPr>
+                            <m:t>𝑃</m:t>
+                          </m:r>
+                          <m:sSup>
+                            <m:sSupPr>
+                              <m:ctrlPr>
+                                <a:rPr lang="en-US" sz="1400" b="0" i="1" smtClean="0">
+                                  <a:latin typeface="Cambria Math" panose="02040503050406030204" pitchFamily="18" charset="0"/>
+                                </a:rPr>
+                              </m:ctrlPr>
+                            </m:sSupPr>
+                            <m:e>
+                              <m:r>
+                                <a:rPr lang="en-US" sz="1400" b="0" i="1" smtClean="0">
+                                  <a:latin typeface="Cambria Math" panose="02040503050406030204" pitchFamily="18" charset="0"/>
+                                </a:rPr>
+                                <m:t>𝐿</m:t>
+                              </m:r>
+                            </m:e>
+                            <m:sup>
+                              <m:r>
+                                <a:rPr lang="en-US" sz="1400" b="0" i="1" smtClean="0">
+                                  <a:latin typeface="Cambria Math" panose="02040503050406030204" pitchFamily="18" charset="0"/>
+                                </a:rPr>
+                                <m:t>3</m:t>
+                              </m:r>
+                            </m:sup>
+                          </m:sSup>
+                        </m:num>
+                        <m:den>
+                          <m:r>
+                            <a:rPr lang="en-US" sz="1400" b="0" i="1" smtClean="0">
+                              <a:latin typeface="Cambria Math" panose="02040503050406030204" pitchFamily="18" charset="0"/>
+                            </a:rPr>
+                            <m:t>48</m:t>
+                          </m:r>
+                          <m:r>
+                            <a:rPr lang="en-US" sz="1400" b="0" i="1" smtClean="0">
+                              <a:latin typeface="Cambria Math" panose="02040503050406030204" pitchFamily="18" charset="0"/>
+                            </a:rPr>
+                            <m:t>𝐸𝐼</m:t>
+                          </m:r>
+                        </m:den>
+                      </m:f>
+                    </m:oMath>
+                  </m:oMathPara>
+                </a14:m>
+                <a:endParaRPr lang="en-US" sz="1400" dirty="0"/>
+              </a:p>
+              <a:p>
+                <a:pPr/>
+                <a:endParaRPr lang="en-US" sz="1400" dirty="0"/>
+              </a:p>
+              <a:p>
+                <a:pPr/>
+                <a14:m>
+                  <m:oMathPara xmlns:m="http://schemas.openxmlformats.org/officeDocument/2006/math">
+                    <m:oMathParaPr>
+                      <m:jc m:val="centerGroup"/>
+                    </m:oMathParaPr>
+                    <m:oMath xmlns:m="http://schemas.openxmlformats.org/officeDocument/2006/math">
+                      <m:sSub>
+                        <m:sSubPr>
+                          <m:ctrlPr>
+                            <a:rPr lang="en-US" sz="1400" i="1">
+                              <a:latin typeface="Cambria Math" panose="02040503050406030204" pitchFamily="18" charset="0"/>
+                            </a:rPr>
+                          </m:ctrlPr>
+                        </m:sSubPr>
+                        <m:e>
+                          <m:r>
+                            <a:rPr lang="en-US" sz="1400" i="1">
+                              <a:latin typeface="Cambria Math" panose="02040503050406030204" pitchFamily="18" charset="0"/>
+                            </a:rPr>
+                            <m:t>𝛿</m:t>
+                          </m:r>
+                        </m:e>
+                        <m:sub>
+                          <m:r>
+                            <a:rPr lang="en-US" sz="1400" i="1">
+                              <a:latin typeface="Cambria Math" panose="02040503050406030204" pitchFamily="18" charset="0"/>
+                            </a:rPr>
+                            <m:t>𝑚𝑎𝑥</m:t>
+                          </m:r>
+                        </m:sub>
+                      </m:sSub>
+                      <m:r>
+                        <a:rPr lang="en-US" sz="1400" b="0" i="1" smtClean="0">
+                          <a:latin typeface="Cambria Math" panose="02040503050406030204" pitchFamily="18" charset="0"/>
+                        </a:rPr>
+                        <m:t>=0.012</m:t>
+                      </m:r>
+                      <m:r>
+                        <a:rPr lang="en-US" sz="1400" b="0" i="1" smtClean="0">
+                          <a:latin typeface="Cambria Math" panose="02040503050406030204" pitchFamily="18" charset="0"/>
+                        </a:rPr>
+                        <m:t>𝑖𝑛</m:t>
+                      </m:r>
+                    </m:oMath>
+                  </m:oMathPara>
+                </a14:m>
+                <a:endParaRPr lang="en-US" sz="1400" dirty="0"/>
+              </a:p>
+            </p:txBody>
+          </p:sp>
+        </mc:Choice>
+        <mc:Fallback>
+          <p:sp>
+            <p:nvSpPr>
+              <p:cNvPr id="18" name="TextBox 17">
+                <a:extLst>
+                  <a:ext uri="{FF2B5EF4-FFF2-40B4-BE49-F238E27FC236}">
+                    <a16:creationId xmlns:a16="http://schemas.microsoft.com/office/drawing/2014/main" id="{5E7C57D4-D053-3FA2-D7A3-DA7A25B2B1F7}"/>
+                  </a:ext>
+                </a:extLst>
+              </p:cNvPr>
+              <p:cNvSpPr txBox="1">
+                <a:spLocks noRot="1" noChangeAspect="1" noMove="1" noResize="1" noEditPoints="1" noAdjustHandles="1" noChangeArrowheads="1" noChangeShapeType="1" noTextEdit="1"/>
+              </p:cNvSpPr>
+              <p:nvPr/>
+            </p:nvSpPr>
+            <p:spPr>
+              <a:xfrm>
+                <a:off x="872175" y="4317715"/>
+                <a:ext cx="1478866" cy="955454"/>
+              </a:xfrm>
+              <a:prstGeom prst="rect">
+                <a:avLst/>
+              </a:prstGeom>
+              <a:blipFill>
+                <a:blip r:embed="rId2"/>
+                <a:stretch>
+                  <a:fillRect/>
+                </a:stretch>
+              </a:blipFill>
+            </p:spPr>
+            <p:txBody>
+              <a:bodyPr/>
+              <a:lstStyle/>
+              <a:p>
+                <a:r>
+                  <a:rPr lang="en-US">
+                    <a:noFill/>
+                  </a:rPr>
+                  <a:t> </a:t>
+                </a:r>
+              </a:p>
+            </p:txBody>
+          </p:sp>
+        </mc:Fallback>
+      </mc:AlternateContent>
+      <mc:AlternateContent xmlns:mc="http://schemas.openxmlformats.org/markup-compatibility/2006" xmlns:a14="http://schemas.microsoft.com/office/drawing/2010/main">
+        <mc:Choice Requires="a14">
+          <p:sp>
+            <p:nvSpPr>
+              <p:cNvPr id="19" name="TextBox 18">
+                <a:extLst>
+                  <a:ext uri="{FF2B5EF4-FFF2-40B4-BE49-F238E27FC236}">
+                    <a16:creationId xmlns:a16="http://schemas.microsoft.com/office/drawing/2014/main" id="{7389D2F6-3E17-DE2E-7F1C-4EFF1886F0F5}"/>
+                  </a:ext>
+                </a:extLst>
+              </p:cNvPr>
+              <p:cNvSpPr txBox="1"/>
+              <p:nvPr/>
+            </p:nvSpPr>
+            <p:spPr>
+              <a:xfrm>
+                <a:off x="738700" y="1490964"/>
+                <a:ext cx="4199060" cy="307777"/>
+              </a:xfrm>
+              <a:prstGeom prst="rect">
+                <a:avLst/>
+              </a:prstGeom>
+              <a:noFill/>
+            </p:spPr>
+            <p:txBody>
+              <a:bodyPr wrap="square" rtlCol="0">
+                <a:spAutoFit/>
+              </a:bodyPr>
+              <a:lstStyle/>
+              <a:p>
+                <a:r>
+                  <a:rPr lang="en-US" sz="1400" u="sng" dirty="0">
+                    <a:latin typeface="+mj-lt"/>
+                  </a:rPr>
+                  <a:t>Direct Problem</a:t>
+                </a:r>
+                <a:r>
+                  <a:rPr lang="en-US" sz="1400" dirty="0">
+                    <a:latin typeface="+mj-lt"/>
+                  </a:rPr>
+                  <a:t>: Given P = 1kip </a:t>
+                </a:r>
+                <a14:m>
+                  <m:oMath xmlns:m="http://schemas.openxmlformats.org/officeDocument/2006/math">
+                    <m:r>
+                      <a:rPr lang="en-US" sz="1400" b="0" i="1" smtClean="0">
+                        <a:latin typeface="Cambria Math" panose="02040503050406030204" pitchFamily="18" charset="0"/>
+                      </a:rPr>
+                      <m:t>→</m:t>
+                    </m:r>
+                  </m:oMath>
+                </a14:m>
+                <a:r>
+                  <a:rPr lang="en-US" sz="1400" dirty="0">
+                    <a:latin typeface="+mj-lt"/>
+                  </a:rPr>
+                  <a:t> find </a:t>
+                </a:r>
+                <a14:m>
+                  <m:oMath xmlns:m="http://schemas.openxmlformats.org/officeDocument/2006/math">
+                    <m:sSub>
+                      <m:sSubPr>
+                        <m:ctrlPr>
+                          <a:rPr lang="en-US" sz="1400" b="0" i="1" smtClean="0">
+                            <a:latin typeface="Cambria Math" panose="02040503050406030204" pitchFamily="18" charset="0"/>
+                          </a:rPr>
+                        </m:ctrlPr>
+                      </m:sSubPr>
+                      <m:e>
+                        <m:r>
+                          <a:rPr lang="en-US" sz="1400" b="0" i="1" smtClean="0">
+                            <a:latin typeface="Cambria Math" panose="02040503050406030204" pitchFamily="18" charset="0"/>
+                          </a:rPr>
+                          <m:t>𝛿</m:t>
+                        </m:r>
+                      </m:e>
+                      <m:sub>
+                        <m:r>
+                          <a:rPr lang="en-US" sz="1400" b="0" i="1" smtClean="0">
+                            <a:latin typeface="Cambria Math" panose="02040503050406030204" pitchFamily="18" charset="0"/>
+                          </a:rPr>
+                          <m:t>𝑚𝑎𝑥</m:t>
+                        </m:r>
+                      </m:sub>
+                    </m:sSub>
+                  </m:oMath>
+                </a14:m>
+                <a:endParaRPr lang="en-US" sz="1400" dirty="0"/>
+              </a:p>
+            </p:txBody>
+          </p:sp>
+        </mc:Choice>
+        <mc:Fallback xmlns="">
+          <p:sp>
+            <p:nvSpPr>
+              <p:cNvPr id="19" name="TextBox 18">
+                <a:extLst>
+                  <a:ext uri="{FF2B5EF4-FFF2-40B4-BE49-F238E27FC236}">
+                    <a16:creationId xmlns:a16="http://schemas.microsoft.com/office/drawing/2014/main" id="{7389D2F6-3E17-DE2E-7F1C-4EFF1886F0F5}"/>
+                  </a:ext>
+                </a:extLst>
+              </p:cNvPr>
+              <p:cNvSpPr txBox="1">
+                <a:spLocks noRot="1" noChangeAspect="1" noMove="1" noResize="1" noEditPoints="1" noAdjustHandles="1" noChangeArrowheads="1" noChangeShapeType="1" noTextEdit="1"/>
+              </p:cNvSpPr>
+              <p:nvPr/>
+            </p:nvSpPr>
+            <p:spPr>
+              <a:xfrm>
+                <a:off x="738700" y="1490964"/>
+                <a:ext cx="4199060" cy="307777"/>
+              </a:xfrm>
+              <a:prstGeom prst="rect">
+                <a:avLst/>
+              </a:prstGeom>
+              <a:blipFill>
+                <a:blip r:embed="rId3"/>
+                <a:stretch>
+                  <a:fillRect l="-435" t="-4000" b="-20000"/>
+                </a:stretch>
+              </a:blipFill>
+            </p:spPr>
+            <p:txBody>
+              <a:bodyPr/>
+              <a:lstStyle/>
+              <a:p>
+                <a:r>
+                  <a:rPr lang="en-US">
+                    <a:noFill/>
+                  </a:rPr>
+                  <a:t> </a:t>
+                </a:r>
+              </a:p>
+            </p:txBody>
+          </p:sp>
+        </mc:Fallback>
+      </mc:AlternateContent>
+      <p:grpSp>
+        <p:nvGrpSpPr>
+          <p:cNvPr id="62" name="Group 61">
+            <a:extLst>
+              <a:ext uri="{FF2B5EF4-FFF2-40B4-BE49-F238E27FC236}">
+                <a16:creationId xmlns:a16="http://schemas.microsoft.com/office/drawing/2014/main" id="{AE732E19-D314-573C-02C7-3C7F65A631BC}"/>
+              </a:ext>
+            </a:extLst>
+          </p:cNvPr>
+          <p:cNvGrpSpPr/>
+          <p:nvPr/>
+        </p:nvGrpSpPr>
+        <p:grpSpPr>
+          <a:xfrm>
+            <a:off x="838200" y="1995445"/>
+            <a:ext cx="4228832" cy="2274428"/>
+            <a:chOff x="1251331" y="1981432"/>
+            <a:chExt cx="3272155" cy="1939433"/>
+          </a:xfrm>
+        </p:grpSpPr>
+        <p:cxnSp>
+          <p:nvCxnSpPr>
+            <p:cNvPr id="6" name="Straight Connector 5">
+              <a:extLst>
+                <a:ext uri="{FF2B5EF4-FFF2-40B4-BE49-F238E27FC236}">
+                  <a16:creationId xmlns:a16="http://schemas.microsoft.com/office/drawing/2014/main" id="{6E8325AE-DED3-E213-B98C-9A4E3E480D92}"/>
+                </a:ext>
+              </a:extLst>
+            </p:cNvPr>
+            <p:cNvCxnSpPr>
+              <a:cxnSpLocks/>
+            </p:cNvCxnSpPr>
+            <p:nvPr/>
+          </p:nvCxnSpPr>
+          <p:spPr>
+            <a:xfrm>
+              <a:off x="1251331" y="3148491"/>
+              <a:ext cx="3272155" cy="0"/>
+            </a:xfrm>
+            <a:prstGeom prst="line">
+              <a:avLst/>
+            </a:prstGeom>
+            <a:ln w="57150"/>
+          </p:spPr>
+          <p:style>
+            <a:lnRef idx="2">
+              <a:schemeClr val="dk1"/>
+            </a:lnRef>
+            <a:fillRef idx="0">
+              <a:schemeClr val="dk1"/>
+            </a:fillRef>
+            <a:effectRef idx="1">
+              <a:schemeClr val="dk1"/>
+            </a:effectRef>
+            <a:fontRef idx="minor">
+              <a:schemeClr val="tx1"/>
+            </a:fontRef>
+          </p:style>
+        </p:cxnSp>
+        <p:sp>
+          <p:nvSpPr>
+            <p:cNvPr id="9" name="Oval 8">
+              <a:extLst>
+                <a:ext uri="{FF2B5EF4-FFF2-40B4-BE49-F238E27FC236}">
+                  <a16:creationId xmlns:a16="http://schemas.microsoft.com/office/drawing/2014/main" id="{31EBE27E-CAE8-08A3-2C4D-2A46B6C62D77}"/>
+                </a:ext>
+              </a:extLst>
+            </p:cNvPr>
+            <p:cNvSpPr/>
+            <p:nvPr/>
+          </p:nvSpPr>
+          <p:spPr>
+            <a:xfrm>
+              <a:off x="4189805" y="3148491"/>
+              <a:ext cx="268785" cy="287394"/>
+            </a:xfrm>
+            <a:prstGeom prst="ellipse">
+              <a:avLst/>
+            </a:prstGeom>
+            <a:solidFill>
+              <a:schemeClr val="dk1"/>
+            </a:solidFill>
+            <a:ln>
+              <a:noFill/>
+            </a:ln>
+          </p:spPr>
+          <p:style>
+            <a:lnRef idx="0">
+              <a:scrgbClr r="0" g="0" b="0"/>
+            </a:lnRef>
+            <a:fillRef idx="0">
+              <a:scrgbClr r="0" g="0" b="0"/>
+            </a:fillRef>
+            <a:effectRef idx="0">
+              <a:scrgbClr r="0" g="0" b="0"/>
+            </a:effectRef>
+            <a:fontRef idx="minor">
+              <a:schemeClr val="lt1"/>
+            </a:fontRef>
+          </p:style>
+          <p:txBody>
+            <a:bodyPr rtlCol="0" anchor="ctr"/>
+            <a:lstStyle/>
+            <a:p>
+              <a:pPr algn="ctr"/>
+              <a:endParaRPr lang="en-US" dirty="0"/>
+            </a:p>
+          </p:txBody>
+        </p:sp>
+        <p:sp>
+          <p:nvSpPr>
+            <p:cNvPr id="10" name="Isosceles Triangle 9">
+              <a:extLst>
+                <a:ext uri="{FF2B5EF4-FFF2-40B4-BE49-F238E27FC236}">
+                  <a16:creationId xmlns:a16="http://schemas.microsoft.com/office/drawing/2014/main" id="{931989D5-2FAF-31AE-6ACF-0279BEDE4A17}"/>
+                </a:ext>
+              </a:extLst>
+            </p:cNvPr>
+            <p:cNvSpPr/>
+            <p:nvPr/>
+          </p:nvSpPr>
+          <p:spPr>
+            <a:xfrm>
+              <a:off x="1277620" y="3148491"/>
+              <a:ext cx="246888" cy="261741"/>
+            </a:xfrm>
+            <a:prstGeom prst="triangle">
+              <a:avLst/>
+            </a:prstGeom>
+            <a:solidFill>
+              <a:schemeClr val="dk1"/>
+            </a:solidFill>
+            <a:ln>
+              <a:noFill/>
+            </a:ln>
+          </p:spPr>
+          <p:style>
+            <a:lnRef idx="0">
+              <a:scrgbClr r="0" g="0" b="0"/>
+            </a:lnRef>
+            <a:fillRef idx="0">
+              <a:scrgbClr r="0" g="0" b="0"/>
+            </a:fillRef>
+            <a:effectRef idx="0">
+              <a:scrgbClr r="0" g="0" b="0"/>
+            </a:effectRef>
+            <a:fontRef idx="minor">
+              <a:schemeClr val="lt1"/>
+            </a:fontRef>
+          </p:style>
+          <p:txBody>
+            <a:bodyPr rtlCol="0" anchor="ctr"/>
+            <a:lstStyle/>
+            <a:p>
+              <a:pPr algn="ctr"/>
+              <a:endParaRPr lang="en-US"/>
+            </a:p>
+          </p:txBody>
+        </p:sp>
+        <p:cxnSp>
+          <p:nvCxnSpPr>
+            <p:cNvPr id="13" name="Straight Arrow Connector 12">
+              <a:extLst>
+                <a:ext uri="{FF2B5EF4-FFF2-40B4-BE49-F238E27FC236}">
+                  <a16:creationId xmlns:a16="http://schemas.microsoft.com/office/drawing/2014/main" id="{10F14CBA-F8AE-662F-CF4E-1B6D17206F2C}"/>
+                </a:ext>
+              </a:extLst>
+            </p:cNvPr>
+            <p:cNvCxnSpPr/>
+            <p:nvPr/>
+          </p:nvCxnSpPr>
+          <p:spPr>
+            <a:xfrm>
+              <a:off x="2797315" y="2188370"/>
+              <a:ext cx="0" cy="960120"/>
+            </a:xfrm>
+            <a:prstGeom prst="straightConnector1">
+              <a:avLst/>
+            </a:prstGeom>
+            <a:ln w="38100">
+              <a:tailEnd type="triangle"/>
+            </a:ln>
+          </p:spPr>
+          <p:style>
+            <a:lnRef idx="1">
+              <a:schemeClr val="dk1"/>
+            </a:lnRef>
+            <a:fillRef idx="0">
+              <a:schemeClr val="dk1"/>
+            </a:fillRef>
+            <a:effectRef idx="0">
+              <a:schemeClr val="dk1"/>
+            </a:effectRef>
+            <a:fontRef idx="minor">
+              <a:schemeClr val="tx1"/>
+            </a:fontRef>
+          </p:style>
+        </p:cxnSp>
+        <p:cxnSp>
+          <p:nvCxnSpPr>
+            <p:cNvPr id="15" name="Straight Connector 14">
+              <a:extLst>
+                <a:ext uri="{FF2B5EF4-FFF2-40B4-BE49-F238E27FC236}">
+                  <a16:creationId xmlns:a16="http://schemas.microsoft.com/office/drawing/2014/main" id="{2DD661CD-0A86-1F05-8243-BFCE8068CF65}"/>
+                </a:ext>
+              </a:extLst>
+            </p:cNvPr>
+            <p:cNvCxnSpPr>
+              <a:cxnSpLocks/>
+            </p:cNvCxnSpPr>
+            <p:nvPr/>
+          </p:nvCxnSpPr>
+          <p:spPr>
+            <a:xfrm>
+              <a:off x="1392891" y="3664365"/>
+              <a:ext cx="2907792" cy="0"/>
+            </a:xfrm>
+            <a:prstGeom prst="line">
+              <a:avLst/>
+            </a:prstGeom>
+          </p:spPr>
+          <p:style>
+            <a:lnRef idx="2">
+              <a:schemeClr val="dk1"/>
+            </a:lnRef>
+            <a:fillRef idx="0">
+              <a:schemeClr val="dk1"/>
+            </a:fillRef>
+            <a:effectRef idx="1">
+              <a:schemeClr val="dk1"/>
+            </a:effectRef>
+            <a:fontRef idx="minor">
+              <a:schemeClr val="tx1"/>
+            </a:fontRef>
+          </p:style>
+        </p:cxnSp>
+        <p:sp>
+          <p:nvSpPr>
+            <p:cNvPr id="16" name="TextBox 15">
+              <a:extLst>
+                <a:ext uri="{FF2B5EF4-FFF2-40B4-BE49-F238E27FC236}">
+                  <a16:creationId xmlns:a16="http://schemas.microsoft.com/office/drawing/2014/main" id="{42544661-510E-BE9A-2811-6ABFFA9A2BEE}"/>
+                </a:ext>
+              </a:extLst>
+            </p:cNvPr>
+            <p:cNvSpPr txBox="1"/>
+            <p:nvPr/>
+          </p:nvSpPr>
+          <p:spPr>
+            <a:xfrm>
+              <a:off x="2692874" y="3684664"/>
+              <a:ext cx="530428" cy="236201"/>
+            </a:xfrm>
+            <a:prstGeom prst="rect">
+              <a:avLst/>
+            </a:prstGeom>
+            <a:noFill/>
+          </p:spPr>
+          <p:txBody>
+            <a:bodyPr wrap="none" rtlCol="0">
+              <a:spAutoFit/>
+            </a:bodyPr>
+            <a:lstStyle/>
+            <a:p>
+              <a:r>
+                <a:rPr lang="en-US" sz="1200" dirty="0">
+                  <a:latin typeface="+mj-lt"/>
+                </a:rPr>
+                <a:t>L = 10ft</a:t>
+              </a:r>
+            </a:p>
+          </p:txBody>
+        </p:sp>
+        <p:sp>
+          <p:nvSpPr>
+            <p:cNvPr id="17" name="TextBox 16">
+              <a:extLst>
+                <a:ext uri="{FF2B5EF4-FFF2-40B4-BE49-F238E27FC236}">
+                  <a16:creationId xmlns:a16="http://schemas.microsoft.com/office/drawing/2014/main" id="{9EDFEEE9-4719-B4E5-1D66-29738176C074}"/>
+                </a:ext>
+              </a:extLst>
+            </p:cNvPr>
+            <p:cNvSpPr txBox="1"/>
+            <p:nvPr/>
+          </p:nvSpPr>
+          <p:spPr>
+            <a:xfrm>
+              <a:off x="2591957" y="1981432"/>
+              <a:ext cx="701539" cy="276999"/>
+            </a:xfrm>
+            <a:prstGeom prst="rect">
+              <a:avLst/>
+            </a:prstGeom>
+            <a:noFill/>
+          </p:spPr>
+          <p:txBody>
+            <a:bodyPr wrap="none" rtlCol="0">
+              <a:spAutoFit/>
+            </a:bodyPr>
+            <a:lstStyle/>
+            <a:p>
+              <a:r>
+                <a:rPr lang="en-US" sz="1200" dirty="0">
+                  <a:latin typeface="+mj-lt"/>
+                </a:rPr>
+                <a:t>P = 1kip</a:t>
+              </a:r>
+            </a:p>
+          </p:txBody>
+        </p:sp>
+        <p:sp>
+          <p:nvSpPr>
+            <p:cNvPr id="21" name="Freeform: Shape 20">
+              <a:extLst>
+                <a:ext uri="{FF2B5EF4-FFF2-40B4-BE49-F238E27FC236}">
+                  <a16:creationId xmlns:a16="http://schemas.microsoft.com/office/drawing/2014/main" id="{426F3BCA-CD29-8435-C781-AD20DA9B3B44}"/>
+                </a:ext>
+              </a:extLst>
+            </p:cNvPr>
+            <p:cNvSpPr/>
+            <p:nvPr/>
+          </p:nvSpPr>
+          <p:spPr>
+            <a:xfrm>
+              <a:off x="1435608" y="3168789"/>
+              <a:ext cx="2812415" cy="397404"/>
+            </a:xfrm>
+            <a:custGeom>
+              <a:avLst/>
+              <a:gdLst>
+                <a:gd name="csX0" fmla="*/ 0 w 2889504"/>
+                <a:gd name="csY0" fmla="*/ 18288 h 420657"/>
+                <a:gd name="csX1" fmla="*/ 1399032 w 2889504"/>
+                <a:gd name="csY1" fmla="*/ 420624 h 420657"/>
+                <a:gd name="csX2" fmla="*/ 2889504 w 2889504"/>
+                <a:gd name="csY2" fmla="*/ 0 h 420657"/>
+              </a:gdLst>
+              <a:ahLst/>
+              <a:cxnLst>
+                <a:cxn ang="0">
+                  <a:pos x="csX0" y="csY0"/>
+                </a:cxn>
+                <a:cxn ang="0">
+                  <a:pos x="csX1" y="csY1"/>
+                </a:cxn>
+                <a:cxn ang="0">
+                  <a:pos x="csX2" y="csY2"/>
+                </a:cxn>
+              </a:cxnLst>
+              <a:rect l="l" t="t" r="r" b="b"/>
+              <a:pathLst>
+                <a:path w="2889504" h="420657">
+                  <a:moveTo>
+                    <a:pt x="0" y="18288"/>
+                  </a:moveTo>
+                  <a:cubicBezTo>
+                    <a:pt x="458724" y="220980"/>
+                    <a:pt x="917448" y="423672"/>
+                    <a:pt x="1399032" y="420624"/>
+                  </a:cubicBezTo>
+                  <a:cubicBezTo>
+                    <a:pt x="1880616" y="417576"/>
+                    <a:pt x="2631948" y="92964"/>
+                    <a:pt x="2889504" y="0"/>
+                  </a:cubicBezTo>
+                </a:path>
+              </a:pathLst>
+            </a:custGeom>
+            <a:ln w="28575">
+              <a:solidFill>
+                <a:schemeClr val="tx2">
+                  <a:lumMod val="50000"/>
+                  <a:lumOff val="50000"/>
+                </a:schemeClr>
+              </a:solidFill>
+              <a:prstDash val="sysDash"/>
+            </a:ln>
+          </p:spPr>
+          <p:style>
+            <a:lnRef idx="1">
+              <a:schemeClr val="accent4"/>
+            </a:lnRef>
+            <a:fillRef idx="0">
+              <a:schemeClr val="accent4"/>
+            </a:fillRef>
+            <a:effectRef idx="0">
+              <a:schemeClr val="accent4"/>
+            </a:effectRef>
+            <a:fontRef idx="minor">
+              <a:schemeClr val="tx1"/>
+            </a:fontRef>
+          </p:style>
+          <p:txBody>
+            <a:bodyPr rtlCol="0" anchor="ctr"/>
+            <a:lstStyle/>
+            <a:p>
+              <a:pPr algn="ctr"/>
+              <a:endParaRPr lang="en-US"/>
+            </a:p>
+          </p:txBody>
+        </p:sp>
+        <mc:AlternateContent xmlns:mc="http://schemas.openxmlformats.org/markup-compatibility/2006" xmlns:a14="http://schemas.microsoft.com/office/drawing/2010/main">
+          <mc:Choice Requires="a14">
+            <p:sp>
+              <p:nvSpPr>
+                <p:cNvPr id="22" name="TextBox 21">
+                  <a:extLst>
+                    <a:ext uri="{FF2B5EF4-FFF2-40B4-BE49-F238E27FC236}">
+                      <a16:creationId xmlns:a16="http://schemas.microsoft.com/office/drawing/2014/main" id="{2BF41112-A617-D58F-2843-A66808D45CAA}"/>
+                    </a:ext>
+                  </a:extLst>
+                </p:cNvPr>
+                <p:cNvSpPr txBox="1"/>
+                <p:nvPr/>
+              </p:nvSpPr>
+              <p:spPr>
+                <a:xfrm>
+                  <a:off x="2709843" y="3216928"/>
+                  <a:ext cx="759952" cy="276999"/>
+                </a:xfrm>
+                <a:prstGeom prst="rect">
+                  <a:avLst/>
+                </a:prstGeom>
+                <a:noFill/>
+              </p:spPr>
+              <p:txBody>
+                <a:bodyPr wrap="none" rtlCol="0">
+                  <a:spAutoFit/>
+                </a:bodyPr>
+                <a:lstStyle/>
+                <a:p>
+                  <a:pPr/>
+                  <a14:m>
+                    <m:oMathPara xmlns:m="http://schemas.openxmlformats.org/officeDocument/2006/math">
+                      <m:oMathParaPr>
+                        <m:jc m:val="centerGroup"/>
+                      </m:oMathParaPr>
+                      <m:oMath xmlns:m="http://schemas.openxmlformats.org/officeDocument/2006/math">
+                        <m:sSub>
+                          <m:sSubPr>
+                            <m:ctrlPr>
+                              <a:rPr lang="en-US" sz="1200" b="0" i="1" smtClean="0">
+                                <a:solidFill>
+                                  <a:schemeClr val="tx2">
+                                    <a:lumMod val="50000"/>
+                                    <a:lumOff val="50000"/>
+                                  </a:schemeClr>
+                                </a:solidFill>
+                                <a:latin typeface="Cambria Math" panose="02040503050406030204" pitchFamily="18" charset="0"/>
+                              </a:rPr>
+                            </m:ctrlPr>
+                          </m:sSubPr>
+                          <m:e>
+                            <m:r>
+                              <a:rPr lang="en-US" sz="1200" b="0" i="1" smtClean="0">
+                                <a:solidFill>
+                                  <a:schemeClr val="tx2">
+                                    <a:lumMod val="50000"/>
+                                    <a:lumOff val="50000"/>
+                                  </a:schemeClr>
+                                </a:solidFill>
+                                <a:latin typeface="Cambria Math" panose="02040503050406030204" pitchFamily="18" charset="0"/>
+                              </a:rPr>
+                              <m:t>𝛿</m:t>
+                            </m:r>
+                          </m:e>
+                          <m:sub>
+                            <m:r>
+                              <m:rPr>
+                                <m:sty m:val="p"/>
+                              </m:rPr>
+                              <a:rPr lang="en-US" sz="1200" b="0" i="0" smtClean="0">
+                                <a:solidFill>
+                                  <a:schemeClr val="tx2">
+                                    <a:lumMod val="50000"/>
+                                    <a:lumOff val="50000"/>
+                                  </a:schemeClr>
+                                </a:solidFill>
+                                <a:latin typeface="Cambria Math" panose="02040503050406030204" pitchFamily="18" charset="0"/>
+                              </a:rPr>
+                              <m:t>max</m:t>
+                            </m:r>
+                          </m:sub>
+                        </m:sSub>
+                        <m:r>
+                          <a:rPr lang="en-US" sz="1200" b="0" i="0" smtClean="0">
+                            <a:solidFill>
+                              <a:schemeClr val="tx2">
+                                <a:lumMod val="50000"/>
+                                <a:lumOff val="50000"/>
+                              </a:schemeClr>
+                            </a:solidFill>
+                            <a:latin typeface="Cambria Math" panose="02040503050406030204" pitchFamily="18" charset="0"/>
+                          </a:rPr>
+                          <m:t>=?</m:t>
+                        </m:r>
+                      </m:oMath>
+                    </m:oMathPara>
+                  </a14:m>
+                  <a:endParaRPr lang="en-US" sz="1200" dirty="0">
+                    <a:solidFill>
+                      <a:schemeClr val="tx2">
+                        <a:lumMod val="50000"/>
+                        <a:lumOff val="50000"/>
+                      </a:schemeClr>
+                    </a:solidFill>
+                    <a:latin typeface="+mj-lt"/>
+                  </a:endParaRPr>
+                </a:p>
+              </p:txBody>
+            </p:sp>
+          </mc:Choice>
+          <mc:Fallback xmlns="">
+            <p:sp>
+              <p:nvSpPr>
+                <p:cNvPr id="22" name="TextBox 21">
+                  <a:extLst>
+                    <a:ext uri="{FF2B5EF4-FFF2-40B4-BE49-F238E27FC236}">
+                      <a16:creationId xmlns:a16="http://schemas.microsoft.com/office/drawing/2014/main" id="{2BF41112-A617-D58F-2843-A66808D45CAA}"/>
+                    </a:ext>
+                  </a:extLst>
+                </p:cNvPr>
+                <p:cNvSpPr txBox="1">
+                  <a:spLocks noRot="1" noChangeAspect="1" noMove="1" noResize="1" noEditPoints="1" noAdjustHandles="1" noChangeArrowheads="1" noChangeShapeType="1" noTextEdit="1"/>
+                </p:cNvSpPr>
+                <p:nvPr/>
+              </p:nvSpPr>
+              <p:spPr>
+                <a:xfrm>
+                  <a:off x="2709843" y="3216928"/>
+                  <a:ext cx="759952" cy="276999"/>
+                </a:xfrm>
+                <a:prstGeom prst="rect">
+                  <a:avLst/>
+                </a:prstGeom>
+                <a:blipFill>
+                  <a:blip r:embed="rId4"/>
+                  <a:stretch>
+                    <a:fillRect/>
+                  </a:stretch>
+                </a:blipFill>
+              </p:spPr>
+              <p:txBody>
+                <a:bodyPr/>
+                <a:lstStyle/>
+                <a:p>
+                  <a:r>
+                    <a:rPr lang="en-US">
+                      <a:noFill/>
+                    </a:rPr>
+                    <a:t> </a:t>
+                  </a:r>
+                </a:p>
+              </p:txBody>
+            </p:sp>
+          </mc:Fallback>
+        </mc:AlternateContent>
+        <p:cxnSp>
+          <p:nvCxnSpPr>
+            <p:cNvPr id="24" name="Straight Connector 23">
+              <a:extLst>
+                <a:ext uri="{FF2B5EF4-FFF2-40B4-BE49-F238E27FC236}">
+                  <a16:creationId xmlns:a16="http://schemas.microsoft.com/office/drawing/2014/main" id="{5AA1EA16-884C-B146-42BE-6001089CF373}"/>
+                </a:ext>
+              </a:extLst>
+            </p:cNvPr>
+            <p:cNvCxnSpPr/>
+            <p:nvPr/>
+          </p:nvCxnSpPr>
+          <p:spPr>
+            <a:xfrm>
+              <a:off x="1393653" y="3560626"/>
+              <a:ext cx="0" cy="207478"/>
+            </a:xfrm>
+            <a:prstGeom prst="line">
+              <a:avLst/>
+            </a:prstGeom>
+          </p:spPr>
+          <p:style>
+            <a:lnRef idx="2">
+              <a:schemeClr val="dk1"/>
+            </a:lnRef>
+            <a:fillRef idx="0">
+              <a:schemeClr val="dk1"/>
+            </a:fillRef>
+            <a:effectRef idx="1">
+              <a:schemeClr val="dk1"/>
+            </a:effectRef>
+            <a:fontRef idx="minor">
+              <a:schemeClr val="tx1"/>
+            </a:fontRef>
+          </p:style>
+        </p:cxnSp>
+        <p:cxnSp>
+          <p:nvCxnSpPr>
+            <p:cNvPr id="25" name="Straight Connector 24">
+              <a:extLst>
+                <a:ext uri="{FF2B5EF4-FFF2-40B4-BE49-F238E27FC236}">
+                  <a16:creationId xmlns:a16="http://schemas.microsoft.com/office/drawing/2014/main" id="{061C749F-15B5-98BF-0DA7-19827849CD80}"/>
+                </a:ext>
+              </a:extLst>
+            </p:cNvPr>
+            <p:cNvCxnSpPr/>
+            <p:nvPr/>
+          </p:nvCxnSpPr>
+          <p:spPr>
+            <a:xfrm>
+              <a:off x="4300683" y="3560626"/>
+              <a:ext cx="0" cy="207478"/>
+            </a:xfrm>
+            <a:prstGeom prst="line">
+              <a:avLst/>
+            </a:prstGeom>
+          </p:spPr>
+          <p:style>
+            <a:lnRef idx="2">
+              <a:schemeClr val="dk1"/>
+            </a:lnRef>
+            <a:fillRef idx="0">
+              <a:schemeClr val="dk1"/>
+            </a:fillRef>
+            <a:effectRef idx="1">
+              <a:schemeClr val="dk1"/>
+            </a:effectRef>
+            <a:fontRef idx="minor">
+              <a:schemeClr val="tx1"/>
+            </a:fontRef>
+          </p:style>
+        </p:cxnSp>
+        <p:cxnSp>
+          <p:nvCxnSpPr>
+            <p:cNvPr id="29" name="Straight Connector 28">
+              <a:extLst>
+                <a:ext uri="{FF2B5EF4-FFF2-40B4-BE49-F238E27FC236}">
+                  <a16:creationId xmlns:a16="http://schemas.microsoft.com/office/drawing/2014/main" id="{0D8CBFD8-4CE9-7E51-33C1-DCEA86FD3D3F}"/>
+                </a:ext>
+              </a:extLst>
+            </p:cNvPr>
+            <p:cNvCxnSpPr>
+              <a:cxnSpLocks/>
+              <a:endCxn id="21" idx="1"/>
+            </p:cNvCxnSpPr>
+            <p:nvPr/>
+          </p:nvCxnSpPr>
+          <p:spPr>
+            <a:xfrm>
+              <a:off x="2797315" y="3168789"/>
+              <a:ext cx="0" cy="397373"/>
+            </a:xfrm>
+            <a:prstGeom prst="line">
+              <a:avLst/>
+            </a:prstGeom>
+            <a:ln w="9525">
+              <a:solidFill>
+                <a:schemeClr val="tx2">
+                  <a:lumMod val="50000"/>
+                  <a:lumOff val="50000"/>
+                </a:schemeClr>
+              </a:solidFill>
+              <a:prstDash val="dash"/>
+            </a:ln>
+          </p:spPr>
+          <p:style>
+            <a:lnRef idx="2">
+              <a:schemeClr val="accent4"/>
+            </a:lnRef>
+            <a:fillRef idx="0">
+              <a:schemeClr val="accent4"/>
+            </a:fillRef>
+            <a:effectRef idx="1">
+              <a:schemeClr val="accent4"/>
+            </a:effectRef>
+            <a:fontRef idx="minor">
+              <a:schemeClr val="tx1"/>
+            </a:fontRef>
+          </p:style>
+        </p:cxnSp>
+      </p:grpSp>
+      <mc:AlternateContent xmlns:mc="http://schemas.openxmlformats.org/markup-compatibility/2006" xmlns:a14="http://schemas.microsoft.com/office/drawing/2010/main">
+        <mc:Choice Requires="a14">
+          <p:sp>
+            <p:nvSpPr>
+              <p:cNvPr id="56" name="TextBox 55">
+                <a:extLst>
+                  <a:ext uri="{FF2B5EF4-FFF2-40B4-BE49-F238E27FC236}">
+                    <a16:creationId xmlns:a16="http://schemas.microsoft.com/office/drawing/2014/main" id="{572E8742-149B-EF35-A281-96D220FBCDD6}"/>
+                  </a:ext>
+                </a:extLst>
+              </p:cNvPr>
+              <p:cNvSpPr txBox="1"/>
+              <p:nvPr/>
+            </p:nvSpPr>
+            <p:spPr>
+              <a:xfrm>
+                <a:off x="6575371" y="1490963"/>
+                <a:ext cx="4959401" cy="307777"/>
+              </a:xfrm>
+              <a:prstGeom prst="rect">
+                <a:avLst/>
+              </a:prstGeom>
+              <a:noFill/>
+            </p:spPr>
+            <p:txBody>
+              <a:bodyPr wrap="square" rtlCol="0">
+                <a:spAutoFit/>
+              </a:bodyPr>
+              <a:lstStyle/>
+              <a:p>
+                <a:r>
+                  <a:rPr lang="en-US" sz="1400" u="sng" dirty="0">
+                    <a:latin typeface="+mj-lt"/>
+                  </a:rPr>
+                  <a:t>Inverse Problem</a:t>
+                </a:r>
+                <a:r>
+                  <a:rPr lang="en-US" sz="1400" dirty="0">
+                    <a:latin typeface="+mj-lt"/>
+                  </a:rPr>
+                  <a:t>: Given </a:t>
+                </a:r>
+                <a14:m>
+                  <m:oMath xmlns:m="http://schemas.openxmlformats.org/officeDocument/2006/math">
+                    <m:sSub>
+                      <m:sSubPr>
+                        <m:ctrlPr>
+                          <a:rPr lang="en-US" sz="1400" b="0" i="1" smtClean="0">
+                            <a:latin typeface="Cambria Math" panose="02040503050406030204" pitchFamily="18" charset="0"/>
+                          </a:rPr>
+                        </m:ctrlPr>
+                      </m:sSubPr>
+                      <m:e>
+                        <m:r>
+                          <a:rPr lang="en-US" sz="1400" b="0" i="1" smtClean="0">
+                            <a:latin typeface="Cambria Math" panose="02040503050406030204" pitchFamily="18" charset="0"/>
+                          </a:rPr>
+                          <m:t>𝛿</m:t>
+                        </m:r>
+                      </m:e>
+                      <m:sub>
+                        <m:r>
+                          <a:rPr lang="en-US" sz="1400" b="0" i="1" smtClean="0">
+                            <a:latin typeface="Cambria Math" panose="02040503050406030204" pitchFamily="18" charset="0"/>
+                          </a:rPr>
+                          <m:t>𝑚𝑎𝑥</m:t>
+                        </m:r>
+                      </m:sub>
+                    </m:sSub>
+                  </m:oMath>
+                </a14:m>
+                <a:r>
+                  <a:rPr lang="en-US" sz="1400" dirty="0">
+                    <a:latin typeface="+mj-lt"/>
+                  </a:rPr>
+                  <a:t> = 1in </a:t>
+                </a:r>
+                <a14:m>
+                  <m:oMath xmlns:m="http://schemas.openxmlformats.org/officeDocument/2006/math">
+                    <m:r>
+                      <a:rPr lang="en-US" sz="1400" b="0" i="1" smtClean="0">
+                        <a:latin typeface="Cambria Math" panose="02040503050406030204" pitchFamily="18" charset="0"/>
+                      </a:rPr>
+                      <m:t>→</m:t>
+                    </m:r>
+                  </m:oMath>
+                </a14:m>
+                <a:r>
+                  <a:rPr lang="en-US" sz="1400" dirty="0">
+                    <a:latin typeface="+mj-lt"/>
+                  </a:rPr>
+                  <a:t> find P</a:t>
+                </a:r>
+              </a:p>
+            </p:txBody>
+          </p:sp>
+        </mc:Choice>
+        <mc:Fallback xmlns="">
+          <p:sp>
+            <p:nvSpPr>
+              <p:cNvPr id="56" name="TextBox 55">
+                <a:extLst>
+                  <a:ext uri="{FF2B5EF4-FFF2-40B4-BE49-F238E27FC236}">
+                    <a16:creationId xmlns:a16="http://schemas.microsoft.com/office/drawing/2014/main" id="{572E8742-149B-EF35-A281-96D220FBCDD6}"/>
+                  </a:ext>
+                </a:extLst>
+              </p:cNvPr>
+              <p:cNvSpPr txBox="1">
+                <a:spLocks noRot="1" noChangeAspect="1" noMove="1" noResize="1" noEditPoints="1" noAdjustHandles="1" noChangeArrowheads="1" noChangeShapeType="1" noTextEdit="1"/>
+              </p:cNvSpPr>
+              <p:nvPr/>
+            </p:nvSpPr>
+            <p:spPr>
+              <a:xfrm>
+                <a:off x="6575371" y="1490963"/>
+                <a:ext cx="4959401" cy="307777"/>
+              </a:xfrm>
+              <a:prstGeom prst="rect">
+                <a:avLst/>
+              </a:prstGeom>
+              <a:blipFill>
+                <a:blip r:embed="rId5"/>
+                <a:stretch>
+                  <a:fillRect l="-369" t="-4000" b="-20000"/>
+                </a:stretch>
+              </a:blipFill>
+            </p:spPr>
+            <p:txBody>
+              <a:bodyPr/>
+              <a:lstStyle/>
+              <a:p>
+                <a:r>
+                  <a:rPr lang="en-US">
+                    <a:noFill/>
+                  </a:rPr>
+                  <a:t> </a:t>
+                </a:r>
+              </a:p>
+            </p:txBody>
+          </p:sp>
+        </mc:Fallback>
+      </mc:AlternateContent>
+      <p:grpSp>
+        <p:nvGrpSpPr>
+          <p:cNvPr id="63" name="Group 62">
+            <a:extLst>
+              <a:ext uri="{FF2B5EF4-FFF2-40B4-BE49-F238E27FC236}">
+                <a16:creationId xmlns:a16="http://schemas.microsoft.com/office/drawing/2014/main" id="{F687D328-C359-4A67-B44E-B79F060926AB}"/>
+              </a:ext>
+            </a:extLst>
+          </p:cNvPr>
+          <p:cNvGrpSpPr/>
+          <p:nvPr/>
+        </p:nvGrpSpPr>
+        <p:grpSpPr>
+          <a:xfrm>
+            <a:off x="6680880" y="1962562"/>
+            <a:ext cx="4228832" cy="2355153"/>
+            <a:chOff x="1251331" y="1953394"/>
+            <a:chExt cx="3272155" cy="2008269"/>
+          </a:xfrm>
+        </p:grpSpPr>
+        <p:cxnSp>
+          <p:nvCxnSpPr>
+            <p:cNvPr id="64" name="Straight Connector 63">
+              <a:extLst>
+                <a:ext uri="{FF2B5EF4-FFF2-40B4-BE49-F238E27FC236}">
+                  <a16:creationId xmlns:a16="http://schemas.microsoft.com/office/drawing/2014/main" id="{7F984818-77DA-38E4-ABCD-0E32043DE5E4}"/>
+                </a:ext>
+              </a:extLst>
+            </p:cNvPr>
+            <p:cNvCxnSpPr>
+              <a:cxnSpLocks/>
+            </p:cNvCxnSpPr>
+            <p:nvPr/>
+          </p:nvCxnSpPr>
+          <p:spPr>
+            <a:xfrm>
+              <a:off x="1251331" y="3148491"/>
+              <a:ext cx="3272155" cy="0"/>
+            </a:xfrm>
+            <a:prstGeom prst="line">
+              <a:avLst/>
+            </a:prstGeom>
+            <a:ln w="57150"/>
+          </p:spPr>
+          <p:style>
+            <a:lnRef idx="2">
+              <a:schemeClr val="dk1"/>
+            </a:lnRef>
+            <a:fillRef idx="0">
+              <a:schemeClr val="dk1"/>
+            </a:fillRef>
+            <a:effectRef idx="1">
+              <a:schemeClr val="dk1"/>
+            </a:effectRef>
+            <a:fontRef idx="minor">
+              <a:schemeClr val="tx1"/>
+            </a:fontRef>
+          </p:style>
+        </p:cxnSp>
+        <p:sp>
+          <p:nvSpPr>
+            <p:cNvPr id="65" name="Oval 64">
+              <a:extLst>
+                <a:ext uri="{FF2B5EF4-FFF2-40B4-BE49-F238E27FC236}">
+                  <a16:creationId xmlns:a16="http://schemas.microsoft.com/office/drawing/2014/main" id="{F8EA4AAC-CD8F-C0A6-D319-F3B5D4C8A0AC}"/>
+                </a:ext>
+              </a:extLst>
+            </p:cNvPr>
+            <p:cNvSpPr/>
+            <p:nvPr/>
+          </p:nvSpPr>
+          <p:spPr>
+            <a:xfrm>
+              <a:off x="4189805" y="3148491"/>
+              <a:ext cx="268785" cy="287394"/>
+            </a:xfrm>
+            <a:prstGeom prst="ellipse">
+              <a:avLst/>
+            </a:prstGeom>
+            <a:solidFill>
+              <a:schemeClr val="dk1"/>
+            </a:solidFill>
+            <a:ln>
+              <a:noFill/>
+            </a:ln>
+          </p:spPr>
+          <p:style>
+            <a:lnRef idx="0">
+              <a:scrgbClr r="0" g="0" b="0"/>
+            </a:lnRef>
+            <a:fillRef idx="0">
+              <a:scrgbClr r="0" g="0" b="0"/>
+            </a:fillRef>
+            <a:effectRef idx="0">
+              <a:scrgbClr r="0" g="0" b="0"/>
+            </a:effectRef>
+            <a:fontRef idx="minor">
+              <a:schemeClr val="lt1"/>
+            </a:fontRef>
+          </p:style>
+          <p:txBody>
+            <a:bodyPr rtlCol="0" anchor="ctr"/>
+            <a:lstStyle/>
+            <a:p>
+              <a:pPr algn="ctr"/>
+              <a:endParaRPr lang="en-US" dirty="0"/>
+            </a:p>
+          </p:txBody>
+        </p:sp>
+        <p:sp>
+          <p:nvSpPr>
+            <p:cNvPr id="66" name="Isosceles Triangle 65">
+              <a:extLst>
+                <a:ext uri="{FF2B5EF4-FFF2-40B4-BE49-F238E27FC236}">
+                  <a16:creationId xmlns:a16="http://schemas.microsoft.com/office/drawing/2014/main" id="{CFA2031B-C92D-85DD-F287-A8ECAEE7257D}"/>
+                </a:ext>
+              </a:extLst>
+            </p:cNvPr>
+            <p:cNvSpPr/>
+            <p:nvPr/>
+          </p:nvSpPr>
+          <p:spPr>
+            <a:xfrm>
+              <a:off x="1277620" y="3148491"/>
+              <a:ext cx="246888" cy="261741"/>
+            </a:xfrm>
+            <a:prstGeom prst="triangle">
+              <a:avLst/>
+            </a:prstGeom>
+            <a:solidFill>
+              <a:schemeClr val="dk1"/>
+            </a:solidFill>
+            <a:ln>
+              <a:noFill/>
+            </a:ln>
+          </p:spPr>
+          <p:style>
+            <a:lnRef idx="0">
+              <a:scrgbClr r="0" g="0" b="0"/>
+            </a:lnRef>
+            <a:fillRef idx="0">
+              <a:scrgbClr r="0" g="0" b="0"/>
+            </a:fillRef>
+            <a:effectRef idx="0">
+              <a:scrgbClr r="0" g="0" b="0"/>
+            </a:effectRef>
+            <a:fontRef idx="minor">
+              <a:schemeClr val="lt1"/>
+            </a:fontRef>
+          </p:style>
+          <p:txBody>
+            <a:bodyPr rtlCol="0" anchor="ctr"/>
+            <a:lstStyle/>
+            <a:p>
+              <a:pPr algn="ctr"/>
+              <a:endParaRPr lang="en-US"/>
+            </a:p>
+          </p:txBody>
+        </p:sp>
+        <p:cxnSp>
+          <p:nvCxnSpPr>
+            <p:cNvPr id="67" name="Straight Arrow Connector 66">
+              <a:extLst>
+                <a:ext uri="{FF2B5EF4-FFF2-40B4-BE49-F238E27FC236}">
+                  <a16:creationId xmlns:a16="http://schemas.microsoft.com/office/drawing/2014/main" id="{B2A66B8F-E335-FB45-A60A-B23BB6D32856}"/>
+                </a:ext>
+              </a:extLst>
+            </p:cNvPr>
+            <p:cNvCxnSpPr/>
+            <p:nvPr/>
+          </p:nvCxnSpPr>
+          <p:spPr>
+            <a:xfrm>
+              <a:off x="2797315" y="2188372"/>
+              <a:ext cx="0" cy="960120"/>
+            </a:xfrm>
+            <a:prstGeom prst="straightConnector1">
+              <a:avLst/>
+            </a:prstGeom>
+            <a:ln w="38100">
+              <a:tailEnd type="triangle"/>
+            </a:ln>
+          </p:spPr>
+          <p:style>
+            <a:lnRef idx="1">
+              <a:schemeClr val="dk1"/>
+            </a:lnRef>
+            <a:fillRef idx="0">
+              <a:schemeClr val="dk1"/>
+            </a:fillRef>
+            <a:effectRef idx="0">
+              <a:schemeClr val="dk1"/>
+            </a:effectRef>
+            <a:fontRef idx="minor">
+              <a:schemeClr val="tx1"/>
+            </a:fontRef>
+          </p:style>
+        </p:cxnSp>
+        <p:cxnSp>
+          <p:nvCxnSpPr>
+            <p:cNvPr id="68" name="Straight Connector 67">
+              <a:extLst>
+                <a:ext uri="{FF2B5EF4-FFF2-40B4-BE49-F238E27FC236}">
+                  <a16:creationId xmlns:a16="http://schemas.microsoft.com/office/drawing/2014/main" id="{84FA15A2-16FB-1ED2-F415-B895229E7419}"/>
+                </a:ext>
+              </a:extLst>
+            </p:cNvPr>
+            <p:cNvCxnSpPr>
+              <a:cxnSpLocks/>
+            </p:cNvCxnSpPr>
+            <p:nvPr/>
+          </p:nvCxnSpPr>
+          <p:spPr>
+            <a:xfrm>
+              <a:off x="1392891" y="3664365"/>
+              <a:ext cx="2907792" cy="0"/>
+            </a:xfrm>
+            <a:prstGeom prst="line">
+              <a:avLst/>
+            </a:prstGeom>
+          </p:spPr>
+          <p:style>
+            <a:lnRef idx="2">
+              <a:schemeClr val="dk1"/>
+            </a:lnRef>
+            <a:fillRef idx="0">
+              <a:schemeClr val="dk1"/>
+            </a:fillRef>
+            <a:effectRef idx="1">
+              <a:schemeClr val="dk1"/>
+            </a:effectRef>
+            <a:fontRef idx="minor">
+              <a:schemeClr val="tx1"/>
+            </a:fontRef>
+          </p:style>
+        </p:cxnSp>
+        <p:sp>
+          <p:nvSpPr>
+            <p:cNvPr id="69" name="TextBox 68">
+              <a:extLst>
+                <a:ext uri="{FF2B5EF4-FFF2-40B4-BE49-F238E27FC236}">
+                  <a16:creationId xmlns:a16="http://schemas.microsoft.com/office/drawing/2014/main" id="{53B60F15-4065-29D3-FDD6-D6575322FC2C}"/>
+                </a:ext>
+              </a:extLst>
+            </p:cNvPr>
+            <p:cNvSpPr txBox="1"/>
+            <p:nvPr/>
+          </p:nvSpPr>
+          <p:spPr>
+            <a:xfrm>
+              <a:off x="2692874" y="3684664"/>
+              <a:ext cx="614271" cy="276999"/>
+            </a:xfrm>
+            <a:prstGeom prst="rect">
+              <a:avLst/>
+            </a:prstGeom>
+            <a:noFill/>
+          </p:spPr>
+          <p:txBody>
+            <a:bodyPr wrap="none" rtlCol="0">
+              <a:spAutoFit/>
+            </a:bodyPr>
+            <a:lstStyle/>
+            <a:p>
+              <a:r>
+                <a:rPr lang="en-US" sz="1200" dirty="0">
+                  <a:latin typeface="+mj-lt"/>
+                </a:rPr>
+                <a:t>L=10ft</a:t>
+              </a:r>
+            </a:p>
+          </p:txBody>
+        </p:sp>
+        <p:sp>
+          <p:nvSpPr>
+            <p:cNvPr id="70" name="TextBox 69">
+              <a:extLst>
+                <a:ext uri="{FF2B5EF4-FFF2-40B4-BE49-F238E27FC236}">
+                  <a16:creationId xmlns:a16="http://schemas.microsoft.com/office/drawing/2014/main" id="{ABC2E441-7F9B-AF24-B56B-47E9FF3F9ACE}"/>
+                </a:ext>
+              </a:extLst>
+            </p:cNvPr>
+            <p:cNvSpPr txBox="1"/>
+            <p:nvPr/>
+          </p:nvSpPr>
+          <p:spPr>
+            <a:xfrm>
+              <a:off x="2615944" y="1953394"/>
+              <a:ext cx="384065" cy="236201"/>
+            </a:xfrm>
+            <a:prstGeom prst="rect">
+              <a:avLst/>
+            </a:prstGeom>
+            <a:noFill/>
+          </p:spPr>
+          <p:txBody>
+            <a:bodyPr wrap="none" rtlCol="0">
+              <a:spAutoFit/>
+            </a:bodyPr>
+            <a:lstStyle/>
+            <a:p>
+              <a:r>
+                <a:rPr lang="en-US" sz="1200" dirty="0">
+                  <a:solidFill>
+                    <a:schemeClr val="tx2">
+                      <a:lumMod val="50000"/>
+                      <a:lumOff val="50000"/>
+                    </a:schemeClr>
+                  </a:solidFill>
+                  <a:latin typeface="+mj-lt"/>
+                </a:rPr>
+                <a:t>P = ?</a:t>
+              </a:r>
+            </a:p>
+          </p:txBody>
+        </p:sp>
+        <p:sp>
+          <p:nvSpPr>
+            <p:cNvPr id="71" name="Freeform: Shape 70">
+              <a:extLst>
+                <a:ext uri="{FF2B5EF4-FFF2-40B4-BE49-F238E27FC236}">
+                  <a16:creationId xmlns:a16="http://schemas.microsoft.com/office/drawing/2014/main" id="{2F31DEE6-E171-28A5-0EE3-7FA96FC22B59}"/>
+                </a:ext>
+              </a:extLst>
+            </p:cNvPr>
+            <p:cNvSpPr/>
+            <p:nvPr/>
+          </p:nvSpPr>
+          <p:spPr>
+            <a:xfrm>
+              <a:off x="1435608" y="3168789"/>
+              <a:ext cx="2812415" cy="397404"/>
+            </a:xfrm>
+            <a:custGeom>
+              <a:avLst/>
+              <a:gdLst>
+                <a:gd name="csX0" fmla="*/ 0 w 2889504"/>
+                <a:gd name="csY0" fmla="*/ 18288 h 420657"/>
+                <a:gd name="csX1" fmla="*/ 1399032 w 2889504"/>
+                <a:gd name="csY1" fmla="*/ 420624 h 420657"/>
+                <a:gd name="csX2" fmla="*/ 2889504 w 2889504"/>
+                <a:gd name="csY2" fmla="*/ 0 h 420657"/>
+              </a:gdLst>
+              <a:ahLst/>
+              <a:cxnLst>
+                <a:cxn ang="0">
+                  <a:pos x="csX0" y="csY0"/>
+                </a:cxn>
+                <a:cxn ang="0">
+                  <a:pos x="csX1" y="csY1"/>
+                </a:cxn>
+                <a:cxn ang="0">
+                  <a:pos x="csX2" y="csY2"/>
+                </a:cxn>
+              </a:cxnLst>
+              <a:rect l="l" t="t" r="r" b="b"/>
+              <a:pathLst>
+                <a:path w="2889504" h="420657">
+                  <a:moveTo>
+                    <a:pt x="0" y="18288"/>
+                  </a:moveTo>
+                  <a:cubicBezTo>
+                    <a:pt x="458724" y="220980"/>
+                    <a:pt x="917448" y="423672"/>
+                    <a:pt x="1399032" y="420624"/>
+                  </a:cubicBezTo>
+                  <a:cubicBezTo>
+                    <a:pt x="1880616" y="417576"/>
+                    <a:pt x="2631948" y="92964"/>
+                    <a:pt x="2889504" y="0"/>
+                  </a:cubicBezTo>
+                </a:path>
+              </a:pathLst>
+            </a:custGeom>
+            <a:ln w="28575">
+              <a:solidFill>
+                <a:schemeClr val="tx1"/>
+              </a:solidFill>
+              <a:prstDash val="sysDash"/>
+            </a:ln>
+          </p:spPr>
+          <p:style>
+            <a:lnRef idx="1">
+              <a:schemeClr val="accent4"/>
+            </a:lnRef>
+            <a:fillRef idx="0">
+              <a:schemeClr val="accent4"/>
+            </a:fillRef>
+            <a:effectRef idx="0">
+              <a:schemeClr val="accent4"/>
+            </a:effectRef>
+            <a:fontRef idx="minor">
+              <a:schemeClr val="tx1"/>
+            </a:fontRef>
+          </p:style>
+          <p:txBody>
+            <a:bodyPr rtlCol="0" anchor="ctr"/>
+            <a:lstStyle/>
+            <a:p>
+              <a:pPr algn="ctr"/>
+              <a:endParaRPr lang="en-US" dirty="0"/>
+            </a:p>
+          </p:txBody>
+        </p:sp>
+        <mc:AlternateContent xmlns:mc="http://schemas.openxmlformats.org/markup-compatibility/2006" xmlns:a14="http://schemas.microsoft.com/office/drawing/2010/main">
+          <mc:Choice Requires="a14">
+            <p:sp>
+              <p:nvSpPr>
+                <p:cNvPr id="72" name="TextBox 71">
+                  <a:extLst>
+                    <a:ext uri="{FF2B5EF4-FFF2-40B4-BE49-F238E27FC236}">
+                      <a16:creationId xmlns:a16="http://schemas.microsoft.com/office/drawing/2014/main" id="{A5F60896-810A-7BAB-7C8D-258D04A25AAF}"/>
+                    </a:ext>
+                  </a:extLst>
+                </p:cNvPr>
+                <p:cNvSpPr txBox="1"/>
+                <p:nvPr/>
+              </p:nvSpPr>
+              <p:spPr>
+                <a:xfrm>
+                  <a:off x="2773259" y="3220756"/>
+                  <a:ext cx="736476" cy="236201"/>
+                </a:xfrm>
+                <a:prstGeom prst="rect">
+                  <a:avLst/>
+                </a:prstGeom>
+                <a:noFill/>
+              </p:spPr>
+              <p:txBody>
+                <a:bodyPr wrap="none" rtlCol="0">
+                  <a:spAutoFit/>
+                </a:bodyPr>
+                <a:lstStyle/>
+                <a:p>
+                  <a:pPr/>
+                  <a14:m>
+                    <m:oMathPara xmlns:m="http://schemas.openxmlformats.org/officeDocument/2006/math">
+                      <m:oMathParaPr>
+                        <m:jc m:val="centerGroup"/>
+                      </m:oMathParaPr>
+                      <m:oMath xmlns:m="http://schemas.openxmlformats.org/officeDocument/2006/math">
+                        <m:sSub>
+                          <m:sSubPr>
+                            <m:ctrlPr>
+                              <a:rPr lang="en-US" sz="1200" b="0" i="1" smtClean="0">
+                                <a:solidFill>
+                                  <a:schemeClr val="tx1"/>
+                                </a:solidFill>
+                                <a:latin typeface="Cambria Math" panose="02040503050406030204" pitchFamily="18" charset="0"/>
+                              </a:rPr>
+                            </m:ctrlPr>
+                          </m:sSubPr>
+                          <m:e>
+                            <m:r>
+                              <a:rPr lang="en-US" sz="1200" b="0" i="1" smtClean="0">
+                                <a:solidFill>
+                                  <a:schemeClr val="tx1"/>
+                                </a:solidFill>
+                                <a:latin typeface="Cambria Math" panose="02040503050406030204" pitchFamily="18" charset="0"/>
+                              </a:rPr>
+                              <m:t>𝛿</m:t>
+                            </m:r>
+                          </m:e>
+                          <m:sub>
+                            <m:r>
+                              <m:rPr>
+                                <m:sty m:val="p"/>
+                              </m:rPr>
+                              <a:rPr lang="en-US" sz="1200" b="0" i="0" smtClean="0">
+                                <a:solidFill>
+                                  <a:schemeClr val="tx1"/>
+                                </a:solidFill>
+                                <a:latin typeface="Cambria Math" panose="02040503050406030204" pitchFamily="18" charset="0"/>
+                              </a:rPr>
+                              <m:t>max</m:t>
+                            </m:r>
+                          </m:sub>
+                        </m:sSub>
+                        <m:r>
+                          <a:rPr lang="en-US" sz="1200" b="0" i="0" smtClean="0">
+                            <a:solidFill>
+                              <a:schemeClr val="tx1"/>
+                            </a:solidFill>
+                            <a:latin typeface="Cambria Math" panose="02040503050406030204" pitchFamily="18" charset="0"/>
+                          </a:rPr>
+                          <m:t>=1</m:t>
+                        </m:r>
+                        <m:r>
+                          <m:rPr>
+                            <m:sty m:val="p"/>
+                          </m:rPr>
+                          <a:rPr lang="en-US" sz="1200" b="0" i="0" smtClean="0">
+                            <a:solidFill>
+                              <a:schemeClr val="tx1"/>
+                            </a:solidFill>
+                            <a:latin typeface="Cambria Math" panose="02040503050406030204" pitchFamily="18" charset="0"/>
+                          </a:rPr>
+                          <m:t>in</m:t>
+                        </m:r>
+                      </m:oMath>
+                    </m:oMathPara>
+                  </a14:m>
+                  <a:endParaRPr lang="en-US" sz="1200" dirty="0">
+                    <a:solidFill>
+                      <a:schemeClr val="tx1"/>
+                    </a:solidFill>
+                    <a:latin typeface="+mj-lt"/>
+                  </a:endParaRPr>
+                </a:p>
+              </p:txBody>
+            </p:sp>
+          </mc:Choice>
+          <mc:Fallback xmlns="">
+            <p:sp>
+              <p:nvSpPr>
+                <p:cNvPr id="72" name="TextBox 71">
+                  <a:extLst>
+                    <a:ext uri="{FF2B5EF4-FFF2-40B4-BE49-F238E27FC236}">
+                      <a16:creationId xmlns:a16="http://schemas.microsoft.com/office/drawing/2014/main" id="{A5F60896-810A-7BAB-7C8D-258D04A25AAF}"/>
+                    </a:ext>
+                  </a:extLst>
+                </p:cNvPr>
+                <p:cNvSpPr txBox="1">
+                  <a:spLocks noRot="1" noChangeAspect="1" noMove="1" noResize="1" noEditPoints="1" noAdjustHandles="1" noChangeArrowheads="1" noChangeShapeType="1" noTextEdit="1"/>
+                </p:cNvSpPr>
+                <p:nvPr/>
+              </p:nvSpPr>
+              <p:spPr>
+                <a:xfrm>
+                  <a:off x="2773259" y="3220756"/>
+                  <a:ext cx="736476" cy="236201"/>
+                </a:xfrm>
+                <a:prstGeom prst="rect">
+                  <a:avLst/>
+                </a:prstGeom>
+                <a:blipFill>
+                  <a:blip r:embed="rId6"/>
+                  <a:stretch>
+                    <a:fillRect/>
+                  </a:stretch>
+                </a:blipFill>
+              </p:spPr>
+              <p:txBody>
+                <a:bodyPr/>
+                <a:lstStyle/>
+                <a:p>
+                  <a:r>
+                    <a:rPr lang="en-US">
+                      <a:noFill/>
+                    </a:rPr>
+                    <a:t> </a:t>
+                  </a:r>
+                </a:p>
+              </p:txBody>
+            </p:sp>
+          </mc:Fallback>
+        </mc:AlternateContent>
+        <p:cxnSp>
+          <p:nvCxnSpPr>
+            <p:cNvPr id="73" name="Straight Connector 72">
+              <a:extLst>
+                <a:ext uri="{FF2B5EF4-FFF2-40B4-BE49-F238E27FC236}">
+                  <a16:creationId xmlns:a16="http://schemas.microsoft.com/office/drawing/2014/main" id="{94C6BA57-4095-D68D-45CF-C75AA8333428}"/>
+                </a:ext>
+              </a:extLst>
+            </p:cNvPr>
+            <p:cNvCxnSpPr/>
+            <p:nvPr/>
+          </p:nvCxnSpPr>
+          <p:spPr>
+            <a:xfrm>
+              <a:off x="1393653" y="3560626"/>
+              <a:ext cx="0" cy="207478"/>
+            </a:xfrm>
+            <a:prstGeom prst="line">
+              <a:avLst/>
+            </a:prstGeom>
+          </p:spPr>
+          <p:style>
+            <a:lnRef idx="2">
+              <a:schemeClr val="dk1"/>
+            </a:lnRef>
+            <a:fillRef idx="0">
+              <a:schemeClr val="dk1"/>
+            </a:fillRef>
+            <a:effectRef idx="1">
+              <a:schemeClr val="dk1"/>
+            </a:effectRef>
+            <a:fontRef idx="minor">
+              <a:schemeClr val="tx1"/>
+            </a:fontRef>
+          </p:style>
+        </p:cxnSp>
+        <p:cxnSp>
+          <p:nvCxnSpPr>
+            <p:cNvPr id="74" name="Straight Connector 73">
+              <a:extLst>
+                <a:ext uri="{FF2B5EF4-FFF2-40B4-BE49-F238E27FC236}">
+                  <a16:creationId xmlns:a16="http://schemas.microsoft.com/office/drawing/2014/main" id="{6B1F8530-09BC-5B4A-2E3C-5F0B18B3039C}"/>
+                </a:ext>
+              </a:extLst>
+            </p:cNvPr>
+            <p:cNvCxnSpPr/>
+            <p:nvPr/>
+          </p:nvCxnSpPr>
+          <p:spPr>
+            <a:xfrm>
+              <a:off x="4300683" y="3560626"/>
+              <a:ext cx="0" cy="207478"/>
+            </a:xfrm>
+            <a:prstGeom prst="line">
+              <a:avLst/>
+            </a:prstGeom>
+          </p:spPr>
+          <p:style>
+            <a:lnRef idx="2">
+              <a:schemeClr val="dk1"/>
+            </a:lnRef>
+            <a:fillRef idx="0">
+              <a:schemeClr val="dk1"/>
+            </a:fillRef>
+            <a:effectRef idx="1">
+              <a:schemeClr val="dk1"/>
+            </a:effectRef>
+            <a:fontRef idx="minor">
+              <a:schemeClr val="tx1"/>
+            </a:fontRef>
+          </p:style>
+        </p:cxnSp>
+        <p:cxnSp>
+          <p:nvCxnSpPr>
+            <p:cNvPr id="75" name="Straight Connector 74">
+              <a:extLst>
+                <a:ext uri="{FF2B5EF4-FFF2-40B4-BE49-F238E27FC236}">
+                  <a16:creationId xmlns:a16="http://schemas.microsoft.com/office/drawing/2014/main" id="{07106F11-AA8B-A69F-EE37-D4F4DDDAC314}"/>
+                </a:ext>
+              </a:extLst>
+            </p:cNvPr>
+            <p:cNvCxnSpPr>
+              <a:cxnSpLocks/>
+              <a:endCxn id="71" idx="1"/>
+            </p:cNvCxnSpPr>
+            <p:nvPr/>
+          </p:nvCxnSpPr>
+          <p:spPr>
+            <a:xfrm>
+              <a:off x="2797315" y="3168789"/>
+              <a:ext cx="0" cy="397373"/>
+            </a:xfrm>
+            <a:prstGeom prst="line">
+              <a:avLst/>
+            </a:prstGeom>
+            <a:ln w="9525">
+              <a:solidFill>
+                <a:schemeClr val="tx1"/>
+              </a:solidFill>
+              <a:prstDash val="dash"/>
+            </a:ln>
+          </p:spPr>
+          <p:style>
+            <a:lnRef idx="2">
+              <a:schemeClr val="accent4"/>
+            </a:lnRef>
+            <a:fillRef idx="0">
+              <a:schemeClr val="accent4"/>
+            </a:fillRef>
+            <a:effectRef idx="1">
+              <a:schemeClr val="accent4"/>
+            </a:effectRef>
+            <a:fontRef idx="minor">
+              <a:schemeClr val="tx1"/>
+            </a:fontRef>
+          </p:style>
+        </p:cxnSp>
+      </p:grpSp>
+      <mc:AlternateContent xmlns:mc="http://schemas.openxmlformats.org/markup-compatibility/2006">
+        <mc:Choice xmlns:a14="http://schemas.microsoft.com/office/drawing/2010/main" Requires="a14">
+          <p:sp>
+            <p:nvSpPr>
+              <p:cNvPr id="76" name="TextBox 75">
+                <a:extLst>
+                  <a:ext uri="{FF2B5EF4-FFF2-40B4-BE49-F238E27FC236}">
+                    <a16:creationId xmlns:a16="http://schemas.microsoft.com/office/drawing/2014/main" id="{68DF0B13-A518-BEFF-CE6D-5EF6A76717A9}"/>
+                  </a:ext>
+                </a:extLst>
+              </p:cNvPr>
+              <p:cNvSpPr txBox="1"/>
+              <p:nvPr/>
+            </p:nvSpPr>
+            <p:spPr>
+              <a:xfrm>
+                <a:off x="7033925" y="4317715"/>
+                <a:ext cx="1381340" cy="931345"/>
+              </a:xfrm>
+              <a:prstGeom prst="rect">
+                <a:avLst/>
+              </a:prstGeom>
+              <a:noFill/>
+            </p:spPr>
+            <p:txBody>
+              <a:bodyPr wrap="none" rtlCol="0">
+                <a:spAutoFit/>
+              </a:bodyPr>
+              <a:lstStyle/>
+              <a:p>
+                <a:pPr/>
+                <a14:m>
+                  <m:oMathPara xmlns:m="http://schemas.openxmlformats.org/officeDocument/2006/math">
+                    <m:oMathParaPr>
+                      <m:jc m:val="centerGroup"/>
+                    </m:oMathParaPr>
+                    <m:oMath xmlns:m="http://schemas.openxmlformats.org/officeDocument/2006/math">
+                      <m:r>
+                        <a:rPr lang="en-US" sz="1400" b="0" i="1" smtClean="0">
+                          <a:latin typeface="Cambria Math" panose="02040503050406030204" pitchFamily="18" charset="0"/>
+                        </a:rPr>
+                        <m:t>𝑃</m:t>
+                      </m:r>
+                      <m:r>
+                        <a:rPr lang="en-US" sz="1400" b="0" i="1" smtClean="0">
+                          <a:latin typeface="Cambria Math" panose="02040503050406030204" pitchFamily="18" charset="0"/>
+                        </a:rPr>
+                        <m:t>=</m:t>
+                      </m:r>
+                      <m:f>
+                        <m:fPr>
+                          <m:ctrlPr>
+                            <a:rPr lang="en-US" sz="1400" b="0" i="1" smtClean="0">
+                              <a:latin typeface="Cambria Math" panose="02040503050406030204" pitchFamily="18" charset="0"/>
+                            </a:rPr>
+                          </m:ctrlPr>
+                        </m:fPr>
+                        <m:num>
+                          <m:r>
+                            <a:rPr lang="en-US" sz="1400" b="0" i="1" smtClean="0">
+                              <a:latin typeface="Cambria Math" panose="02040503050406030204" pitchFamily="18" charset="0"/>
+                            </a:rPr>
+                            <m:t>48</m:t>
+                          </m:r>
+                          <m:r>
+                            <a:rPr lang="en-US" sz="1400" b="0" i="1" smtClean="0">
+                              <a:latin typeface="Cambria Math" panose="02040503050406030204" pitchFamily="18" charset="0"/>
+                            </a:rPr>
+                            <m:t>𝐸𝐼</m:t>
+                          </m:r>
+                          <m:sSub>
+                            <m:sSubPr>
+                              <m:ctrlPr>
+                                <a:rPr lang="en-US" sz="1400" b="0" i="1" smtClean="0">
+                                  <a:latin typeface="Cambria Math" panose="02040503050406030204" pitchFamily="18" charset="0"/>
+                                </a:rPr>
+                              </m:ctrlPr>
+                            </m:sSubPr>
+                            <m:e>
+                              <m:r>
+                                <a:rPr lang="en-US" sz="1400" b="0" i="1" smtClean="0">
+                                  <a:latin typeface="Cambria Math" panose="02040503050406030204" pitchFamily="18" charset="0"/>
+                                </a:rPr>
+                                <m:t>𝛿</m:t>
+                              </m:r>
+                            </m:e>
+                            <m:sub>
+                              <m:r>
+                                <a:rPr lang="en-US" sz="1400" b="0" i="1" smtClean="0">
+                                  <a:latin typeface="Cambria Math" panose="02040503050406030204" pitchFamily="18" charset="0"/>
+                                </a:rPr>
+                                <m:t>𝑚𝑎𝑥</m:t>
+                              </m:r>
+                            </m:sub>
+                          </m:sSub>
+                        </m:num>
+                        <m:den>
+                          <m:sSup>
+                            <m:sSupPr>
+                              <m:ctrlPr>
+                                <a:rPr lang="en-US" sz="1400" b="0" i="1" smtClean="0">
+                                  <a:latin typeface="Cambria Math" panose="02040503050406030204" pitchFamily="18" charset="0"/>
+                                </a:rPr>
+                              </m:ctrlPr>
+                            </m:sSupPr>
+                            <m:e>
+                              <m:r>
+                                <a:rPr lang="en-US" sz="1400" b="0" i="1" smtClean="0">
+                                  <a:latin typeface="Cambria Math" panose="02040503050406030204" pitchFamily="18" charset="0"/>
+                                </a:rPr>
+                                <m:t>𝐿</m:t>
+                              </m:r>
+                            </m:e>
+                            <m:sup>
+                              <m:r>
+                                <a:rPr lang="en-US" sz="1400" b="0" i="1" smtClean="0">
+                                  <a:latin typeface="Cambria Math" panose="02040503050406030204" pitchFamily="18" charset="0"/>
+                                </a:rPr>
+                                <m:t>3</m:t>
+                              </m:r>
+                            </m:sup>
+                          </m:sSup>
+                        </m:den>
+                      </m:f>
+                    </m:oMath>
+                  </m:oMathPara>
+                </a14:m>
+                <a:endParaRPr lang="en-US" sz="1400" dirty="0"/>
+              </a:p>
+              <a:p>
+                <a:pPr/>
+                <a:endParaRPr lang="en-US" sz="1400" dirty="0"/>
+              </a:p>
+              <a:p>
+                <a:pPr/>
+                <a14:m>
+                  <m:oMathPara xmlns:m="http://schemas.openxmlformats.org/officeDocument/2006/math">
+                    <m:oMathParaPr>
+                      <m:jc m:val="centerGroup"/>
+                    </m:oMathParaPr>
+                    <m:oMath xmlns:m="http://schemas.openxmlformats.org/officeDocument/2006/math">
+                      <m:r>
+                        <a:rPr lang="en-US" sz="1400" b="0" i="1" smtClean="0">
+                          <a:latin typeface="Cambria Math" panose="02040503050406030204" pitchFamily="18" charset="0"/>
+                        </a:rPr>
+                        <m:t>𝑃</m:t>
+                      </m:r>
+                      <m:r>
+                        <a:rPr lang="en-US" sz="1400" b="0" i="1" smtClean="0">
+                          <a:latin typeface="Cambria Math" panose="02040503050406030204" pitchFamily="18" charset="0"/>
+                        </a:rPr>
+                        <m:t>=80.5</m:t>
+                      </m:r>
+                      <m:r>
+                        <a:rPr lang="en-US" sz="1400" b="0" i="1" smtClean="0">
+                          <a:latin typeface="Cambria Math" panose="02040503050406030204" pitchFamily="18" charset="0"/>
+                        </a:rPr>
+                        <m:t>𝑘𝑖𝑝𝑠</m:t>
+                      </m:r>
+                    </m:oMath>
+                  </m:oMathPara>
+                </a14:m>
+                <a:endParaRPr lang="en-US" sz="1400" dirty="0"/>
+              </a:p>
+            </p:txBody>
+          </p:sp>
+        </mc:Choice>
+        <mc:Fallback>
+          <p:sp>
+            <p:nvSpPr>
+              <p:cNvPr id="76" name="TextBox 75">
+                <a:extLst>
+                  <a:ext uri="{FF2B5EF4-FFF2-40B4-BE49-F238E27FC236}">
+                    <a16:creationId xmlns:a16="http://schemas.microsoft.com/office/drawing/2014/main" id="{68DF0B13-A518-BEFF-CE6D-5EF6A76717A9}"/>
+                  </a:ext>
+                </a:extLst>
+              </p:cNvPr>
+              <p:cNvSpPr txBox="1">
+                <a:spLocks noRot="1" noChangeAspect="1" noMove="1" noResize="1" noEditPoints="1" noAdjustHandles="1" noChangeArrowheads="1" noChangeShapeType="1" noTextEdit="1"/>
+              </p:cNvSpPr>
+              <p:nvPr/>
+            </p:nvSpPr>
+            <p:spPr>
+              <a:xfrm>
+                <a:off x="7033925" y="4317715"/>
+                <a:ext cx="1381340" cy="931345"/>
+              </a:xfrm>
+              <a:prstGeom prst="rect">
+                <a:avLst/>
+              </a:prstGeom>
+              <a:blipFill>
+                <a:blip r:embed="rId7"/>
+                <a:stretch>
+                  <a:fillRect b="-2614"/>
+                </a:stretch>
+              </a:blipFill>
+            </p:spPr>
+            <p:txBody>
+              <a:bodyPr/>
+              <a:lstStyle/>
+              <a:p>
+                <a:r>
+                  <a:rPr lang="en-US">
+                    <a:noFill/>
+                  </a:rPr>
+                  <a:t> </a:t>
+                </a:r>
+              </a:p>
+            </p:txBody>
+          </p:sp>
+        </mc:Fallback>
+      </mc:AlternateContent>
+      <mc:AlternateContent xmlns:mc="http://schemas.openxmlformats.org/markup-compatibility/2006">
+        <mc:Choice xmlns:a14="http://schemas.microsoft.com/office/drawing/2010/main" Requires="a14">
+          <p:sp>
+            <p:nvSpPr>
+              <p:cNvPr id="3" name="TextBox 2">
+                <a:extLst>
+                  <a:ext uri="{FF2B5EF4-FFF2-40B4-BE49-F238E27FC236}">
+                    <a16:creationId xmlns:a16="http://schemas.microsoft.com/office/drawing/2014/main" id="{E0E98BBD-5923-AD99-68B4-92146FAF04B3}"/>
+                  </a:ext>
+                </a:extLst>
+              </p:cNvPr>
+              <p:cNvSpPr txBox="1"/>
+              <p:nvPr/>
+            </p:nvSpPr>
+            <p:spPr>
+              <a:xfrm>
+                <a:off x="3809026" y="2831577"/>
+                <a:ext cx="1332056" cy="461665"/>
+              </a:xfrm>
+              <a:prstGeom prst="rect">
+                <a:avLst/>
+              </a:prstGeom>
+              <a:noFill/>
+            </p:spPr>
+            <p:txBody>
+              <a:bodyPr wrap="square" rtlCol="0">
+                <a:spAutoFit/>
+              </a:bodyPr>
+              <a:lstStyle/>
+              <a:p>
+                <a:pPr algn="r"/>
+                <a:r>
+                  <a:rPr lang="en-US" sz="1200" dirty="0">
+                    <a:latin typeface="+mj-lt"/>
+                  </a:rPr>
+                  <a:t>E = 29,000 </a:t>
+                </a:r>
+                <a:r>
+                  <a:rPr lang="en-US" sz="1200" dirty="0" err="1">
+                    <a:latin typeface="+mj-lt"/>
+                  </a:rPr>
+                  <a:t>ksi</a:t>
+                </a:r>
+                <a:endParaRPr lang="en-US" sz="1200" dirty="0">
+                  <a:latin typeface="+mj-lt"/>
+                </a:endParaRPr>
+              </a:p>
+              <a:p>
+                <a:pPr algn="r"/>
+                <a:r>
+                  <a:rPr lang="en-US" sz="1200" dirty="0">
+                    <a:latin typeface="+mj-lt"/>
+                  </a:rPr>
+                  <a:t>I = 100</a:t>
+                </a:r>
+                <a14:m>
+                  <m:oMath xmlns:m="http://schemas.openxmlformats.org/officeDocument/2006/math">
+                    <m:r>
+                      <m:rPr>
+                        <m:sty m:val="p"/>
+                      </m:rPr>
+                      <a:rPr lang="en-US" sz="1200" b="0" i="0" smtClean="0">
+                        <a:latin typeface="Cambria Math" panose="02040503050406030204" pitchFamily="18" charset="0"/>
+                      </a:rPr>
+                      <m:t>i</m:t>
+                    </m:r>
+                    <m:sSup>
+                      <m:sSupPr>
+                        <m:ctrlPr>
+                          <a:rPr lang="en-US" sz="1200" b="0" smtClean="0">
+                            <a:latin typeface="+mj-lt"/>
+                          </a:rPr>
+                        </m:ctrlPr>
+                      </m:sSupPr>
+                      <m:e>
+                        <m:r>
+                          <m:rPr>
+                            <m:sty m:val="p"/>
+                          </m:rPr>
+                          <a:rPr lang="en-US" sz="1200" b="0" i="0" smtClean="0">
+                            <a:latin typeface="Cambria Math" panose="02040503050406030204" pitchFamily="18" charset="0"/>
+                          </a:rPr>
+                          <m:t>n</m:t>
+                        </m:r>
+                      </m:e>
+                      <m:sup>
+                        <m:r>
+                          <a:rPr lang="en-US" sz="1200" b="0" i="0" smtClean="0">
+                            <a:latin typeface="Cambria Math" panose="02040503050406030204" pitchFamily="18" charset="0"/>
+                          </a:rPr>
+                          <m:t>4</m:t>
+                        </m:r>
+                      </m:sup>
+                    </m:sSup>
+                  </m:oMath>
+                </a14:m>
+                <a:endParaRPr lang="en-US" sz="1200" dirty="0">
+                  <a:latin typeface="+mj-lt"/>
+                </a:endParaRPr>
+              </a:p>
+            </p:txBody>
+          </p:sp>
+        </mc:Choice>
+        <mc:Fallback>
+          <p:sp>
+            <p:nvSpPr>
+              <p:cNvPr id="3" name="TextBox 2">
+                <a:extLst>
+                  <a:ext uri="{FF2B5EF4-FFF2-40B4-BE49-F238E27FC236}">
+                    <a16:creationId xmlns:a16="http://schemas.microsoft.com/office/drawing/2014/main" id="{E0E98BBD-5923-AD99-68B4-92146FAF04B3}"/>
+                  </a:ext>
+                </a:extLst>
+              </p:cNvPr>
+              <p:cNvSpPr txBox="1">
+                <a:spLocks noRot="1" noChangeAspect="1" noMove="1" noResize="1" noEditPoints="1" noAdjustHandles="1" noChangeArrowheads="1" noChangeShapeType="1" noTextEdit="1"/>
+              </p:cNvSpPr>
+              <p:nvPr/>
+            </p:nvSpPr>
+            <p:spPr>
+              <a:xfrm>
+                <a:off x="3809026" y="2831577"/>
+                <a:ext cx="1332056" cy="461665"/>
+              </a:xfrm>
+              <a:prstGeom prst="rect">
+                <a:avLst/>
+              </a:prstGeom>
+              <a:blipFill>
+                <a:blip r:embed="rId8"/>
+                <a:stretch>
+                  <a:fillRect b="-9211"/>
+                </a:stretch>
+              </a:blipFill>
+            </p:spPr>
+            <p:txBody>
+              <a:bodyPr/>
+              <a:lstStyle/>
+              <a:p>
+                <a:r>
+                  <a:rPr lang="en-US">
+                    <a:noFill/>
+                  </a:rPr>
+                  <a:t> </a:t>
+                </a:r>
+              </a:p>
+            </p:txBody>
+          </p:sp>
+        </mc:Fallback>
+      </mc:AlternateContent>
+      <mc:AlternateContent xmlns:mc="http://schemas.openxmlformats.org/markup-compatibility/2006">
+        <mc:Choice xmlns:a14="http://schemas.microsoft.com/office/drawing/2010/main" Requires="a14">
+          <p:sp>
+            <p:nvSpPr>
+              <p:cNvPr id="5" name="TextBox 4">
+                <a:extLst>
+                  <a:ext uri="{FF2B5EF4-FFF2-40B4-BE49-F238E27FC236}">
+                    <a16:creationId xmlns:a16="http://schemas.microsoft.com/office/drawing/2014/main" id="{E1108676-0653-7D38-3916-9D378BBFE14D}"/>
+                  </a:ext>
+                </a:extLst>
+              </p:cNvPr>
+              <p:cNvSpPr txBox="1"/>
+              <p:nvPr/>
+            </p:nvSpPr>
+            <p:spPr>
+              <a:xfrm>
+                <a:off x="9651706" y="2900839"/>
+                <a:ext cx="1332056" cy="461665"/>
+              </a:xfrm>
+              <a:prstGeom prst="rect">
+                <a:avLst/>
+              </a:prstGeom>
+              <a:noFill/>
+            </p:spPr>
+            <p:txBody>
+              <a:bodyPr wrap="square" rtlCol="0">
+                <a:spAutoFit/>
+              </a:bodyPr>
+              <a:lstStyle/>
+              <a:p>
+                <a:pPr algn="r"/>
+                <a:r>
+                  <a:rPr lang="en-US" sz="1200" dirty="0">
+                    <a:latin typeface="+mj-lt"/>
+                  </a:rPr>
+                  <a:t>E = 29,000 </a:t>
+                </a:r>
+                <a:r>
+                  <a:rPr lang="en-US" sz="1200" dirty="0" err="1">
+                    <a:latin typeface="+mj-lt"/>
+                  </a:rPr>
+                  <a:t>ksi</a:t>
+                </a:r>
+                <a:endParaRPr lang="en-US" sz="1200" dirty="0">
+                  <a:latin typeface="+mj-lt"/>
+                </a:endParaRPr>
+              </a:p>
+              <a:p>
+                <a:pPr algn="r"/>
+                <a:r>
+                  <a:rPr lang="en-US" sz="1200" dirty="0">
+                    <a:latin typeface="+mj-lt"/>
+                  </a:rPr>
+                  <a:t>I = 100</a:t>
+                </a:r>
+                <a14:m>
+                  <m:oMath xmlns:m="http://schemas.openxmlformats.org/officeDocument/2006/math">
+                    <m:r>
+                      <m:rPr>
+                        <m:sty m:val="p"/>
+                      </m:rPr>
+                      <a:rPr lang="en-US" sz="1200" b="0" i="0" smtClean="0">
+                        <a:latin typeface="Cambria Math" panose="02040503050406030204" pitchFamily="18" charset="0"/>
+                      </a:rPr>
+                      <m:t>i</m:t>
+                    </m:r>
+                    <m:sSup>
+                      <m:sSupPr>
+                        <m:ctrlPr>
+                          <a:rPr lang="en-US" sz="1200" b="0" smtClean="0">
+                            <a:latin typeface="+mj-lt"/>
+                          </a:rPr>
+                        </m:ctrlPr>
+                      </m:sSupPr>
+                      <m:e>
+                        <m:r>
+                          <m:rPr>
+                            <m:sty m:val="p"/>
+                          </m:rPr>
+                          <a:rPr lang="en-US" sz="1200" b="0" i="0" smtClean="0">
+                            <a:latin typeface="Cambria Math" panose="02040503050406030204" pitchFamily="18" charset="0"/>
+                          </a:rPr>
+                          <m:t>n</m:t>
+                        </m:r>
+                      </m:e>
+                      <m:sup>
+                        <m:r>
+                          <a:rPr lang="en-US" sz="1200" b="0" i="0" smtClean="0">
+                            <a:latin typeface="Cambria Math" panose="02040503050406030204" pitchFamily="18" charset="0"/>
+                          </a:rPr>
+                          <m:t>4</m:t>
+                        </m:r>
+                      </m:sup>
+                    </m:sSup>
+                  </m:oMath>
+                </a14:m>
+                <a:endParaRPr lang="en-US" sz="1200" dirty="0">
+                  <a:latin typeface="+mj-lt"/>
+                </a:endParaRPr>
+              </a:p>
+            </p:txBody>
+          </p:sp>
+        </mc:Choice>
+        <mc:Fallback>
+          <p:sp>
+            <p:nvSpPr>
+              <p:cNvPr id="5" name="TextBox 4">
+                <a:extLst>
+                  <a:ext uri="{FF2B5EF4-FFF2-40B4-BE49-F238E27FC236}">
+                    <a16:creationId xmlns:a16="http://schemas.microsoft.com/office/drawing/2014/main" id="{E1108676-0653-7D38-3916-9D378BBFE14D}"/>
+                  </a:ext>
+                </a:extLst>
+              </p:cNvPr>
+              <p:cNvSpPr txBox="1">
+                <a:spLocks noRot="1" noChangeAspect="1" noMove="1" noResize="1" noEditPoints="1" noAdjustHandles="1" noChangeArrowheads="1" noChangeShapeType="1" noTextEdit="1"/>
+              </p:cNvSpPr>
+              <p:nvPr/>
+            </p:nvSpPr>
+            <p:spPr>
+              <a:xfrm>
+                <a:off x="9651706" y="2900839"/>
+                <a:ext cx="1332056" cy="461665"/>
+              </a:xfrm>
+              <a:prstGeom prst="rect">
+                <a:avLst/>
+              </a:prstGeom>
+              <a:blipFill>
+                <a:blip r:embed="rId9"/>
+                <a:stretch>
+                  <a:fillRect t="-1316" b="-9211"/>
+                </a:stretch>
+              </a:blipFill>
+            </p:spPr>
+            <p:txBody>
+              <a:bodyPr/>
+              <a:lstStyle/>
+              <a:p>
+                <a:r>
+                  <a:rPr lang="en-US">
+                    <a:noFill/>
+                  </a:rPr>
+                  <a:t> </a:t>
+                </a:r>
+              </a:p>
+            </p:txBody>
+          </p:sp>
+        </mc:Fallback>
+      </mc:AlternateContent>
+    </p:spTree>
+    <p:extLst>
+      <p:ext uri="{BB962C8B-B14F-4D97-AF65-F5344CB8AC3E}">
+        <p14:creationId xmlns:p14="http://schemas.microsoft.com/office/powerpoint/2010/main" val="2455786776"/>
+      </p:ext>
+    </p:extLst>
+  </p:cSld>
+  <p:clrMapOvr>
+    <a:masterClrMapping/>
+  </p:clrMapOvr>
+</p:sld>
+</file>
+
+<file path=ppt/slides/slide8.xml><?xml version="1.0" encoding="utf-8"?>
+<p:sld xmlns:a="http://schemas.openxmlformats.org/drawingml/2006/main" xmlns:r="http://schemas.openxmlformats.org/officeDocument/2006/relationships" xmlns:p="http://schemas.openxmlformats.org/presentationml/2006/main">
+  <p:cSld>
+    <p:spTree>
+      <p:nvGrpSpPr>
+        <p:cNvPr id="1" name="">
+          <a:extLst>
+            <a:ext uri="{FF2B5EF4-FFF2-40B4-BE49-F238E27FC236}">
+              <a16:creationId xmlns:a16="http://schemas.microsoft.com/office/drawing/2014/main" id="{DBD1E7E0-B8AA-30E0-9452-E9D317D14C1A}"/>
+            </a:ext>
+          </a:extLst>
+        </p:cNvPr>
+        <p:cNvGrpSpPr/>
+        <p:nvPr/>
+      </p:nvGrpSpPr>
+      <p:grpSpPr>
+        <a:xfrm>
+          <a:off x="0" y="0"/>
+          <a:ext cx="0" cy="0"/>
+          <a:chOff x="0" y="0"/>
+          <a:chExt cx="0" cy="0"/>
+        </a:xfrm>
+      </p:grpSpPr>
+      <p:sp>
+        <p:nvSpPr>
+          <p:cNvPr id="2" name="Title 1">
+            <a:extLst>
+              <a:ext uri="{FF2B5EF4-FFF2-40B4-BE49-F238E27FC236}">
+                <a16:creationId xmlns:a16="http://schemas.microsoft.com/office/drawing/2014/main" id="{9C2793A7-6F8A-798D-4F96-84F964CD5B26}"/>
+              </a:ext>
+            </a:extLst>
+          </p:cNvPr>
+          <p:cNvSpPr>
+            <a:spLocks noGrp="1"/>
+          </p:cNvSpPr>
+          <p:nvPr>
+            <p:ph type="title"/>
+          </p:nvPr>
+        </p:nvSpPr>
+        <p:spPr/>
+        <p:txBody>
+          <a:bodyPr>
+            <a:normAutofit fontScale="90000"/>
+          </a:bodyPr>
+          <a:lstStyle/>
+          <a:p>
+            <a:r>
+              <a:rPr lang="en-US" dirty="0"/>
+              <a:t>Simple Beam Problem</a:t>
+            </a:r>
+          </a:p>
+        </p:txBody>
+      </p:sp>
+      <p:sp>
+        <p:nvSpPr>
+          <p:cNvPr id="3" name="Content Placeholder 2">
+            <a:extLst>
+              <a:ext uri="{FF2B5EF4-FFF2-40B4-BE49-F238E27FC236}">
+                <a16:creationId xmlns:a16="http://schemas.microsoft.com/office/drawing/2014/main" id="{C4864F45-3F08-A37F-BBFB-3B98B2D8BA96}"/>
+              </a:ext>
+            </a:extLst>
+          </p:cNvPr>
+          <p:cNvSpPr>
+            <a:spLocks noGrp="1"/>
+          </p:cNvSpPr>
+          <p:nvPr>
+            <p:ph idx="1"/>
+          </p:nvPr>
+        </p:nvSpPr>
+        <p:spPr/>
+        <p:txBody>
+          <a:bodyPr>
+            <a:normAutofit/>
+          </a:bodyPr>
+          <a:lstStyle/>
+          <a:p>
+            <a:pPr marL="0" indent="0">
+              <a:buNone/>
+            </a:pPr>
+            <a:r>
+              <a:rPr lang="en-US" sz="1600" dirty="0"/>
+              <a:t>The direct problem has known input parameters and a governing equation to compute the results. </a:t>
+            </a:r>
+          </a:p>
+          <a:p>
+            <a:pPr marL="0" indent="0">
+              <a:buNone/>
+            </a:pPr>
+            <a:endParaRPr lang="en-US" sz="1600" dirty="0"/>
+          </a:p>
+          <a:p>
+            <a:pPr marL="0" indent="0">
+              <a:buNone/>
+            </a:pPr>
+            <a:r>
+              <a:rPr lang="en-US" sz="1600" dirty="0"/>
+              <a:t>The inverse problem has an observed output and some input parameters— the governing equation must be back-solved to find the missing input parameter.</a:t>
+            </a:r>
+          </a:p>
+          <a:p>
+            <a:pPr marL="0" indent="0">
+              <a:buNone/>
+            </a:pPr>
+            <a:endParaRPr lang="en-US" sz="1600" dirty="0"/>
+          </a:p>
+          <a:p>
+            <a:pPr marL="0" indent="0">
+              <a:buNone/>
+            </a:pPr>
+            <a:r>
+              <a:rPr lang="en-US" sz="1600" dirty="0"/>
+              <a:t>Recall, Hadamard’s conditions:</a:t>
+            </a:r>
+          </a:p>
+          <a:p>
+            <a:pPr marL="342900" indent="-342900">
+              <a:buAutoNum type="arabicPeriod"/>
+            </a:pPr>
+            <a:r>
+              <a:rPr lang="en-US" sz="1600" dirty="0"/>
+              <a:t>Existence – a solution exists </a:t>
+            </a:r>
+            <a:r>
+              <a:rPr lang="en-US" sz="1600" dirty="0">
+                <a:solidFill>
+                  <a:schemeClr val="accent6"/>
+                </a:solidFill>
+              </a:rPr>
+              <a:t>✓</a:t>
+            </a:r>
+          </a:p>
+          <a:p>
+            <a:pPr marL="342900" indent="-342900">
+              <a:buAutoNum type="arabicPeriod"/>
+            </a:pPr>
+            <a:r>
+              <a:rPr lang="en-US" sz="1600" dirty="0"/>
+              <a:t>Uniqueness – only one solution per problem </a:t>
+            </a:r>
+            <a:r>
+              <a:rPr lang="en-US" sz="1600" dirty="0">
+                <a:solidFill>
+                  <a:schemeClr val="accent6"/>
+                </a:solidFill>
+              </a:rPr>
+              <a:t>✓</a:t>
+            </a:r>
+          </a:p>
+          <a:p>
+            <a:pPr marL="342900" indent="-342900">
+              <a:buAutoNum type="arabicPeriod"/>
+            </a:pPr>
+            <a:r>
+              <a:rPr lang="en-US" sz="1600" dirty="0"/>
+              <a:t>Stability – the inputs depends on the outputs, vice versa </a:t>
+            </a:r>
+            <a:r>
+              <a:rPr lang="en-US" sz="1600" dirty="0">
+                <a:solidFill>
+                  <a:schemeClr val="accent6"/>
+                </a:solidFill>
+              </a:rPr>
+              <a:t>✓</a:t>
+            </a:r>
+          </a:p>
+          <a:p>
+            <a:pPr marL="342900" indent="-342900">
+              <a:buAutoNum type="arabicPeriod"/>
+            </a:pPr>
+            <a:endParaRPr lang="en-US" sz="1600" dirty="0">
+              <a:solidFill>
+                <a:schemeClr val="accent6"/>
+              </a:solidFill>
+            </a:endParaRPr>
+          </a:p>
+          <a:p>
+            <a:pPr marL="0" indent="0">
+              <a:buNone/>
+            </a:pPr>
+            <a:r>
+              <a:rPr lang="en-US" sz="1600" dirty="0"/>
+              <a:t>Therefore, this is a well-posed direct </a:t>
+            </a:r>
+            <a:r>
+              <a:rPr lang="en-US" sz="1600" u="sng" dirty="0"/>
+              <a:t>and</a:t>
+            </a:r>
+            <a:r>
+              <a:rPr lang="en-US" sz="1600" dirty="0"/>
+              <a:t> inverse problem.</a:t>
+            </a:r>
+          </a:p>
+          <a:p>
+            <a:pPr marL="0" indent="0">
+              <a:buNone/>
+            </a:pPr>
+            <a:endParaRPr lang="en-US" sz="1600" dirty="0"/>
+          </a:p>
+        </p:txBody>
+      </p:sp>
+      <p:sp>
+        <p:nvSpPr>
+          <p:cNvPr id="4" name="Slide Number Placeholder 3">
+            <a:extLst>
+              <a:ext uri="{FF2B5EF4-FFF2-40B4-BE49-F238E27FC236}">
+                <a16:creationId xmlns:a16="http://schemas.microsoft.com/office/drawing/2014/main" id="{502DED1B-281C-93F4-963B-E8B138A4AF27}"/>
+              </a:ext>
+            </a:extLst>
+          </p:cNvPr>
+          <p:cNvSpPr>
+            <a:spLocks noGrp="1"/>
+          </p:cNvSpPr>
+          <p:nvPr>
+            <p:ph type="sldNum" sz="quarter" idx="12"/>
+          </p:nvPr>
+        </p:nvSpPr>
+        <p:spPr/>
+        <p:txBody>
+          <a:bodyPr/>
+          <a:lstStyle/>
+          <a:p>
+            <a:fld id="{D95F4311-C1C1-468E-90BA-469E1A493750}" type="slidenum">
+              <a:rPr lang="en-US" smtClean="0"/>
+              <a:t>8</a:t>
+            </a:fld>
+            <a:endParaRPr lang="en-US"/>
+          </a:p>
+        </p:txBody>
+      </p:sp>
+      <p:grpSp>
+        <p:nvGrpSpPr>
+          <p:cNvPr id="6" name="Group 5">
+            <a:extLst>
+              <a:ext uri="{FF2B5EF4-FFF2-40B4-BE49-F238E27FC236}">
+                <a16:creationId xmlns:a16="http://schemas.microsoft.com/office/drawing/2014/main" id="{20CB4E61-06EA-0719-076A-7328358A227E}"/>
+              </a:ext>
+            </a:extLst>
+          </p:cNvPr>
+          <p:cNvGrpSpPr/>
+          <p:nvPr/>
+        </p:nvGrpSpPr>
+        <p:grpSpPr>
+          <a:xfrm>
+            <a:off x="7115556" y="2783891"/>
+            <a:ext cx="4238244" cy="2496312"/>
+            <a:chOff x="1251331" y="1945303"/>
+            <a:chExt cx="3272155" cy="1975562"/>
+          </a:xfrm>
+        </p:grpSpPr>
+        <p:cxnSp>
+          <p:nvCxnSpPr>
+            <p:cNvPr id="7" name="Straight Connector 6">
+              <a:extLst>
+                <a:ext uri="{FF2B5EF4-FFF2-40B4-BE49-F238E27FC236}">
+                  <a16:creationId xmlns:a16="http://schemas.microsoft.com/office/drawing/2014/main" id="{A46970CD-574B-A52A-65DD-A20C8EE8493C}"/>
+                </a:ext>
+              </a:extLst>
+            </p:cNvPr>
+            <p:cNvCxnSpPr>
+              <a:cxnSpLocks/>
+            </p:cNvCxnSpPr>
+            <p:nvPr/>
+          </p:nvCxnSpPr>
+          <p:spPr>
+            <a:xfrm>
+              <a:off x="1251331" y="3148491"/>
+              <a:ext cx="3272155" cy="0"/>
+            </a:xfrm>
+            <a:prstGeom prst="line">
+              <a:avLst/>
+            </a:prstGeom>
+            <a:ln w="57150"/>
+          </p:spPr>
+          <p:style>
+            <a:lnRef idx="2">
+              <a:schemeClr val="dk1"/>
+            </a:lnRef>
+            <a:fillRef idx="0">
+              <a:schemeClr val="dk1"/>
+            </a:fillRef>
+            <a:effectRef idx="1">
+              <a:schemeClr val="dk1"/>
+            </a:effectRef>
+            <a:fontRef idx="minor">
+              <a:schemeClr val="tx1"/>
+            </a:fontRef>
+          </p:style>
+        </p:cxnSp>
+        <p:sp>
+          <p:nvSpPr>
+            <p:cNvPr id="8" name="Oval 7">
+              <a:extLst>
+                <a:ext uri="{FF2B5EF4-FFF2-40B4-BE49-F238E27FC236}">
+                  <a16:creationId xmlns:a16="http://schemas.microsoft.com/office/drawing/2014/main" id="{04CA41A5-A6CB-9586-B9C9-4B9441D21820}"/>
+                </a:ext>
+              </a:extLst>
+            </p:cNvPr>
+            <p:cNvSpPr/>
+            <p:nvPr/>
+          </p:nvSpPr>
+          <p:spPr>
+            <a:xfrm>
+              <a:off x="4189805" y="3148491"/>
+              <a:ext cx="268785" cy="287394"/>
+            </a:xfrm>
+            <a:prstGeom prst="ellipse">
+              <a:avLst/>
+            </a:prstGeom>
+            <a:solidFill>
+              <a:schemeClr val="dk1"/>
+            </a:solidFill>
+            <a:ln>
+              <a:noFill/>
+            </a:ln>
+          </p:spPr>
+          <p:style>
+            <a:lnRef idx="0">
+              <a:scrgbClr r="0" g="0" b="0"/>
+            </a:lnRef>
+            <a:fillRef idx="0">
+              <a:scrgbClr r="0" g="0" b="0"/>
+            </a:fillRef>
+            <a:effectRef idx="0">
+              <a:scrgbClr r="0" g="0" b="0"/>
+            </a:effectRef>
+            <a:fontRef idx="minor">
+              <a:schemeClr val="lt1"/>
+            </a:fontRef>
+          </p:style>
+          <p:txBody>
+            <a:bodyPr rtlCol="0" anchor="ctr"/>
+            <a:lstStyle/>
+            <a:p>
+              <a:pPr algn="ctr"/>
+              <a:endParaRPr lang="en-US" dirty="0"/>
+            </a:p>
+          </p:txBody>
+        </p:sp>
+        <p:sp>
+          <p:nvSpPr>
+            <p:cNvPr id="9" name="Isosceles Triangle 8">
+              <a:extLst>
+                <a:ext uri="{FF2B5EF4-FFF2-40B4-BE49-F238E27FC236}">
+                  <a16:creationId xmlns:a16="http://schemas.microsoft.com/office/drawing/2014/main" id="{F3FD6BB4-194D-40D2-04D6-EAC7DA15FFED}"/>
+                </a:ext>
+              </a:extLst>
+            </p:cNvPr>
+            <p:cNvSpPr/>
+            <p:nvPr/>
+          </p:nvSpPr>
+          <p:spPr>
+            <a:xfrm>
+              <a:off x="1277620" y="3148491"/>
+              <a:ext cx="246888" cy="261741"/>
+            </a:xfrm>
+            <a:prstGeom prst="triangle">
+              <a:avLst/>
+            </a:prstGeom>
+            <a:solidFill>
+              <a:schemeClr val="dk1"/>
+            </a:solidFill>
+            <a:ln>
+              <a:noFill/>
+            </a:ln>
+          </p:spPr>
+          <p:style>
+            <a:lnRef idx="0">
+              <a:scrgbClr r="0" g="0" b="0"/>
+            </a:lnRef>
+            <a:fillRef idx="0">
+              <a:scrgbClr r="0" g="0" b="0"/>
+            </a:fillRef>
+            <a:effectRef idx="0">
+              <a:scrgbClr r="0" g="0" b="0"/>
+            </a:effectRef>
+            <a:fontRef idx="minor">
+              <a:schemeClr val="lt1"/>
+            </a:fontRef>
+          </p:style>
+          <p:txBody>
+            <a:bodyPr rtlCol="0" anchor="ctr"/>
+            <a:lstStyle/>
+            <a:p>
+              <a:pPr algn="ctr"/>
+              <a:endParaRPr lang="en-US"/>
+            </a:p>
+          </p:txBody>
+        </p:sp>
+        <p:cxnSp>
+          <p:nvCxnSpPr>
+            <p:cNvPr id="10" name="Straight Arrow Connector 9">
+              <a:extLst>
+                <a:ext uri="{FF2B5EF4-FFF2-40B4-BE49-F238E27FC236}">
+                  <a16:creationId xmlns:a16="http://schemas.microsoft.com/office/drawing/2014/main" id="{368CD24F-782A-E737-FCF5-5AEB6DBB49FE}"/>
+                </a:ext>
+              </a:extLst>
+            </p:cNvPr>
+            <p:cNvCxnSpPr/>
+            <p:nvPr/>
+          </p:nvCxnSpPr>
+          <p:spPr>
+            <a:xfrm>
+              <a:off x="2797315" y="2188372"/>
+              <a:ext cx="0" cy="960120"/>
+            </a:xfrm>
+            <a:prstGeom prst="straightConnector1">
+              <a:avLst/>
+            </a:prstGeom>
+            <a:ln w="38100">
+              <a:tailEnd type="triangle"/>
+            </a:ln>
+          </p:spPr>
+          <p:style>
+            <a:lnRef idx="1">
+              <a:schemeClr val="dk1"/>
+            </a:lnRef>
+            <a:fillRef idx="0">
+              <a:schemeClr val="dk1"/>
+            </a:fillRef>
+            <a:effectRef idx="0">
+              <a:schemeClr val="dk1"/>
+            </a:effectRef>
+            <a:fontRef idx="minor">
+              <a:schemeClr val="tx1"/>
+            </a:fontRef>
+          </p:style>
+        </p:cxnSp>
+        <p:cxnSp>
+          <p:nvCxnSpPr>
+            <p:cNvPr id="11" name="Straight Connector 10">
+              <a:extLst>
+                <a:ext uri="{FF2B5EF4-FFF2-40B4-BE49-F238E27FC236}">
+                  <a16:creationId xmlns:a16="http://schemas.microsoft.com/office/drawing/2014/main" id="{459B1C93-B123-F244-F98A-51D4686C4B06}"/>
+                </a:ext>
+              </a:extLst>
+            </p:cNvPr>
+            <p:cNvCxnSpPr>
+              <a:cxnSpLocks/>
+            </p:cNvCxnSpPr>
+            <p:nvPr/>
+          </p:nvCxnSpPr>
+          <p:spPr>
+            <a:xfrm>
+              <a:off x="1392891" y="3664365"/>
+              <a:ext cx="2907792" cy="0"/>
+            </a:xfrm>
+            <a:prstGeom prst="line">
+              <a:avLst/>
+            </a:prstGeom>
+          </p:spPr>
+          <p:style>
+            <a:lnRef idx="2">
+              <a:schemeClr val="dk1"/>
+            </a:lnRef>
+            <a:fillRef idx="0">
+              <a:schemeClr val="dk1"/>
+            </a:fillRef>
+            <a:effectRef idx="1">
+              <a:schemeClr val="dk1"/>
+            </a:effectRef>
+            <a:fontRef idx="minor">
+              <a:schemeClr val="tx1"/>
+            </a:fontRef>
+          </p:style>
+        </p:cxnSp>
+        <p:sp>
+          <p:nvSpPr>
+            <p:cNvPr id="12" name="TextBox 11">
+              <a:extLst>
+                <a:ext uri="{FF2B5EF4-FFF2-40B4-BE49-F238E27FC236}">
+                  <a16:creationId xmlns:a16="http://schemas.microsoft.com/office/drawing/2014/main" id="{441D9579-37D5-FD3A-0D44-06BB5F1193C6}"/>
+                </a:ext>
+              </a:extLst>
+            </p:cNvPr>
+            <p:cNvSpPr txBox="1"/>
+            <p:nvPr/>
+          </p:nvSpPr>
+          <p:spPr>
+            <a:xfrm>
+              <a:off x="2692874" y="3684664"/>
+              <a:ext cx="216071" cy="236201"/>
+            </a:xfrm>
+            <a:prstGeom prst="rect">
+              <a:avLst/>
+            </a:prstGeom>
+            <a:noFill/>
+          </p:spPr>
+          <p:txBody>
+            <a:bodyPr wrap="none" rtlCol="0">
+              <a:spAutoFit/>
+            </a:bodyPr>
+            <a:lstStyle/>
+            <a:p>
+              <a:r>
+                <a:rPr lang="en-US" sz="1200" dirty="0">
+                  <a:latin typeface="+mj-lt"/>
+                </a:rPr>
+                <a:t>L</a:t>
+              </a:r>
+            </a:p>
+          </p:txBody>
+        </p:sp>
+        <p:sp>
+          <p:nvSpPr>
+            <p:cNvPr id="13" name="TextBox 12">
+              <a:extLst>
+                <a:ext uri="{FF2B5EF4-FFF2-40B4-BE49-F238E27FC236}">
+                  <a16:creationId xmlns:a16="http://schemas.microsoft.com/office/drawing/2014/main" id="{645FD98F-6B25-F59F-FCE8-F8743701F94B}"/>
+                </a:ext>
+              </a:extLst>
+            </p:cNvPr>
+            <p:cNvSpPr txBox="1"/>
+            <p:nvPr/>
+          </p:nvSpPr>
+          <p:spPr>
+            <a:xfrm>
+              <a:off x="2693000" y="1945303"/>
+              <a:ext cx="208629" cy="236201"/>
+            </a:xfrm>
+            <a:prstGeom prst="rect">
+              <a:avLst/>
+            </a:prstGeom>
+            <a:noFill/>
+          </p:spPr>
+          <p:txBody>
+            <a:bodyPr wrap="none" rtlCol="0">
+              <a:spAutoFit/>
+            </a:bodyPr>
+            <a:lstStyle/>
+            <a:p>
+              <a:r>
+                <a:rPr lang="en-US" sz="1200" dirty="0">
+                  <a:latin typeface="+mj-lt"/>
+                </a:rPr>
+                <a:t>P</a:t>
+              </a:r>
+            </a:p>
+          </p:txBody>
+        </p:sp>
+        <p:sp>
+          <p:nvSpPr>
+            <p:cNvPr id="14" name="Freeform: Shape 13">
+              <a:extLst>
+                <a:ext uri="{FF2B5EF4-FFF2-40B4-BE49-F238E27FC236}">
+                  <a16:creationId xmlns:a16="http://schemas.microsoft.com/office/drawing/2014/main" id="{49238A81-58D0-40F0-5645-AB25CD644399}"/>
+                </a:ext>
+              </a:extLst>
+            </p:cNvPr>
+            <p:cNvSpPr/>
+            <p:nvPr/>
+          </p:nvSpPr>
+          <p:spPr>
+            <a:xfrm>
+              <a:off x="1435608" y="3168789"/>
+              <a:ext cx="2812415" cy="397404"/>
+            </a:xfrm>
+            <a:custGeom>
+              <a:avLst/>
+              <a:gdLst>
+                <a:gd name="csX0" fmla="*/ 0 w 2889504"/>
+                <a:gd name="csY0" fmla="*/ 18288 h 420657"/>
+                <a:gd name="csX1" fmla="*/ 1399032 w 2889504"/>
+                <a:gd name="csY1" fmla="*/ 420624 h 420657"/>
+                <a:gd name="csX2" fmla="*/ 2889504 w 2889504"/>
+                <a:gd name="csY2" fmla="*/ 0 h 420657"/>
+              </a:gdLst>
+              <a:ahLst/>
+              <a:cxnLst>
+                <a:cxn ang="0">
+                  <a:pos x="csX0" y="csY0"/>
+                </a:cxn>
+                <a:cxn ang="0">
+                  <a:pos x="csX1" y="csY1"/>
+                </a:cxn>
+                <a:cxn ang="0">
+                  <a:pos x="csX2" y="csY2"/>
+                </a:cxn>
+              </a:cxnLst>
+              <a:rect l="l" t="t" r="r" b="b"/>
+              <a:pathLst>
+                <a:path w="2889504" h="420657">
+                  <a:moveTo>
+                    <a:pt x="0" y="18288"/>
+                  </a:moveTo>
+                  <a:cubicBezTo>
+                    <a:pt x="458724" y="220980"/>
+                    <a:pt x="917448" y="423672"/>
+                    <a:pt x="1399032" y="420624"/>
+                  </a:cubicBezTo>
+                  <a:cubicBezTo>
+                    <a:pt x="1880616" y="417576"/>
+                    <a:pt x="2631948" y="92964"/>
+                    <a:pt x="2889504" y="0"/>
+                  </a:cubicBezTo>
+                </a:path>
+              </a:pathLst>
+            </a:custGeom>
+            <a:ln w="28575">
+              <a:solidFill>
+                <a:schemeClr val="tx1"/>
+              </a:solidFill>
+              <a:prstDash val="sysDash"/>
+            </a:ln>
+          </p:spPr>
+          <p:style>
+            <a:lnRef idx="1">
+              <a:schemeClr val="accent4"/>
+            </a:lnRef>
+            <a:fillRef idx="0">
+              <a:schemeClr val="accent4"/>
+            </a:fillRef>
+            <a:effectRef idx="0">
+              <a:schemeClr val="accent4"/>
+            </a:effectRef>
+            <a:fontRef idx="minor">
+              <a:schemeClr val="tx1"/>
+            </a:fontRef>
+          </p:style>
+          <p:txBody>
+            <a:bodyPr rtlCol="0" anchor="ctr"/>
+            <a:lstStyle/>
+            <a:p>
+              <a:pPr algn="ctr"/>
+              <a:endParaRPr lang="en-US" dirty="0"/>
+            </a:p>
+          </p:txBody>
+        </p:sp>
+        <mc:AlternateContent xmlns:mc="http://schemas.openxmlformats.org/markup-compatibility/2006" xmlns:a14="http://schemas.microsoft.com/office/drawing/2010/main">
+          <mc:Choice Requires="a14">
+            <p:sp>
+              <p:nvSpPr>
+                <p:cNvPr id="15" name="TextBox 14">
+                  <a:extLst>
+                    <a:ext uri="{FF2B5EF4-FFF2-40B4-BE49-F238E27FC236}">
+                      <a16:creationId xmlns:a16="http://schemas.microsoft.com/office/drawing/2014/main" id="{EA48CD03-CF4E-A788-8557-B5EDC5B50377}"/>
+                    </a:ext>
+                  </a:extLst>
+                </p:cNvPr>
+                <p:cNvSpPr txBox="1"/>
+                <p:nvPr/>
+              </p:nvSpPr>
+              <p:spPr>
+                <a:xfrm>
+                  <a:off x="2773259" y="3220756"/>
+                  <a:ext cx="414776" cy="236201"/>
+                </a:xfrm>
+                <a:prstGeom prst="rect">
+                  <a:avLst/>
+                </a:prstGeom>
+                <a:noFill/>
+              </p:spPr>
+              <p:txBody>
+                <a:bodyPr wrap="none" rtlCol="0">
+                  <a:spAutoFit/>
+                </a:bodyPr>
+                <a:lstStyle/>
+                <a:p>
+                  <a:pPr/>
+                  <a14:m>
+                    <m:oMathPara xmlns:m="http://schemas.openxmlformats.org/officeDocument/2006/math">
+                      <m:oMathParaPr>
+                        <m:jc m:val="centerGroup"/>
+                      </m:oMathParaPr>
+                      <m:oMath xmlns:m="http://schemas.openxmlformats.org/officeDocument/2006/math">
+                        <m:sSub>
+                          <m:sSubPr>
+                            <m:ctrlPr>
+                              <a:rPr lang="en-US" sz="1200" b="0" i="1" smtClean="0">
+                                <a:solidFill>
+                                  <a:schemeClr val="tx1"/>
+                                </a:solidFill>
+                                <a:latin typeface="Cambria Math" panose="02040503050406030204" pitchFamily="18" charset="0"/>
+                              </a:rPr>
+                            </m:ctrlPr>
+                          </m:sSubPr>
+                          <m:e>
+                            <m:r>
+                              <a:rPr lang="en-US" sz="1200" b="0" i="1" smtClean="0">
+                                <a:solidFill>
+                                  <a:schemeClr val="tx1"/>
+                                </a:solidFill>
+                                <a:latin typeface="Cambria Math" panose="02040503050406030204" pitchFamily="18" charset="0"/>
+                              </a:rPr>
+                              <m:t>𝛿</m:t>
+                            </m:r>
+                          </m:e>
+                          <m:sub>
+                            <m:r>
+                              <m:rPr>
+                                <m:sty m:val="p"/>
+                              </m:rPr>
+                              <a:rPr lang="en-US" sz="1200" b="0" i="0" smtClean="0">
+                                <a:solidFill>
+                                  <a:schemeClr val="tx1"/>
+                                </a:solidFill>
+                                <a:latin typeface="Cambria Math" panose="02040503050406030204" pitchFamily="18" charset="0"/>
+                              </a:rPr>
+                              <m:t>max</m:t>
+                            </m:r>
+                          </m:sub>
+                        </m:sSub>
+                      </m:oMath>
+                    </m:oMathPara>
+                  </a14:m>
+                  <a:endParaRPr lang="en-US" sz="1200" dirty="0">
+                    <a:solidFill>
+                      <a:schemeClr val="tx1"/>
+                    </a:solidFill>
+                    <a:latin typeface="+mj-lt"/>
+                  </a:endParaRPr>
+                </a:p>
+              </p:txBody>
+            </p:sp>
+          </mc:Choice>
+          <mc:Fallback xmlns="">
+            <p:sp>
+              <p:nvSpPr>
+                <p:cNvPr id="15" name="TextBox 14">
+                  <a:extLst>
+                    <a:ext uri="{FF2B5EF4-FFF2-40B4-BE49-F238E27FC236}">
+                      <a16:creationId xmlns:a16="http://schemas.microsoft.com/office/drawing/2014/main" id="{EA48CD03-CF4E-A788-8557-B5EDC5B50377}"/>
+                    </a:ext>
+                  </a:extLst>
+                </p:cNvPr>
+                <p:cNvSpPr txBox="1">
+                  <a:spLocks noRot="1" noChangeAspect="1" noMove="1" noResize="1" noEditPoints="1" noAdjustHandles="1" noChangeArrowheads="1" noChangeShapeType="1" noTextEdit="1"/>
+                </p:cNvSpPr>
+                <p:nvPr/>
+              </p:nvSpPr>
+              <p:spPr>
+                <a:xfrm>
+                  <a:off x="2773259" y="3220756"/>
+                  <a:ext cx="414776" cy="236201"/>
+                </a:xfrm>
+                <a:prstGeom prst="rect">
+                  <a:avLst/>
+                </a:prstGeom>
+                <a:blipFill>
+                  <a:blip r:embed="rId2"/>
+                  <a:stretch>
+                    <a:fillRect/>
+                  </a:stretch>
+                </a:blipFill>
+              </p:spPr>
+              <p:txBody>
+                <a:bodyPr/>
+                <a:lstStyle/>
+                <a:p>
+                  <a:r>
+                    <a:rPr lang="en-US">
+                      <a:noFill/>
+                    </a:rPr>
+                    <a:t> </a:t>
+                  </a:r>
+                </a:p>
+              </p:txBody>
+            </p:sp>
+          </mc:Fallback>
+        </mc:AlternateContent>
+        <p:cxnSp>
+          <p:nvCxnSpPr>
+            <p:cNvPr id="16" name="Straight Connector 15">
+              <a:extLst>
+                <a:ext uri="{FF2B5EF4-FFF2-40B4-BE49-F238E27FC236}">
+                  <a16:creationId xmlns:a16="http://schemas.microsoft.com/office/drawing/2014/main" id="{3AEC41B6-FDE2-94B6-8284-3986D0542D42}"/>
+                </a:ext>
+              </a:extLst>
+            </p:cNvPr>
+            <p:cNvCxnSpPr/>
+            <p:nvPr/>
+          </p:nvCxnSpPr>
+          <p:spPr>
+            <a:xfrm>
+              <a:off x="1393653" y="3560626"/>
+              <a:ext cx="0" cy="207478"/>
+            </a:xfrm>
+            <a:prstGeom prst="line">
+              <a:avLst/>
+            </a:prstGeom>
+          </p:spPr>
+          <p:style>
+            <a:lnRef idx="2">
+              <a:schemeClr val="dk1"/>
+            </a:lnRef>
+            <a:fillRef idx="0">
+              <a:schemeClr val="dk1"/>
+            </a:fillRef>
+            <a:effectRef idx="1">
+              <a:schemeClr val="dk1"/>
+            </a:effectRef>
+            <a:fontRef idx="minor">
+              <a:schemeClr val="tx1"/>
+            </a:fontRef>
+          </p:style>
+        </p:cxnSp>
+        <p:cxnSp>
+          <p:nvCxnSpPr>
+            <p:cNvPr id="17" name="Straight Connector 16">
+              <a:extLst>
+                <a:ext uri="{FF2B5EF4-FFF2-40B4-BE49-F238E27FC236}">
+                  <a16:creationId xmlns:a16="http://schemas.microsoft.com/office/drawing/2014/main" id="{BC4FE408-A6A7-11FF-02B4-8F0B1152E5F8}"/>
+                </a:ext>
+              </a:extLst>
+            </p:cNvPr>
+            <p:cNvCxnSpPr/>
+            <p:nvPr/>
+          </p:nvCxnSpPr>
+          <p:spPr>
+            <a:xfrm>
+              <a:off x="4300683" y="3560626"/>
+              <a:ext cx="0" cy="207478"/>
+            </a:xfrm>
+            <a:prstGeom prst="line">
+              <a:avLst/>
+            </a:prstGeom>
+          </p:spPr>
+          <p:style>
+            <a:lnRef idx="2">
+              <a:schemeClr val="dk1"/>
+            </a:lnRef>
+            <a:fillRef idx="0">
+              <a:schemeClr val="dk1"/>
+            </a:fillRef>
+            <a:effectRef idx="1">
+              <a:schemeClr val="dk1"/>
+            </a:effectRef>
+            <a:fontRef idx="minor">
+              <a:schemeClr val="tx1"/>
+            </a:fontRef>
+          </p:style>
+        </p:cxnSp>
+        <p:cxnSp>
+          <p:nvCxnSpPr>
+            <p:cNvPr id="18" name="Straight Connector 17">
+              <a:extLst>
+                <a:ext uri="{FF2B5EF4-FFF2-40B4-BE49-F238E27FC236}">
+                  <a16:creationId xmlns:a16="http://schemas.microsoft.com/office/drawing/2014/main" id="{EA14D21C-0C43-493C-6138-F0F38F2468BF}"/>
+                </a:ext>
+              </a:extLst>
+            </p:cNvPr>
+            <p:cNvCxnSpPr>
+              <a:cxnSpLocks/>
+              <a:endCxn id="14" idx="1"/>
+            </p:cNvCxnSpPr>
+            <p:nvPr/>
+          </p:nvCxnSpPr>
+          <p:spPr>
+            <a:xfrm>
+              <a:off x="2797315" y="3168789"/>
+              <a:ext cx="0" cy="397373"/>
+            </a:xfrm>
+            <a:prstGeom prst="line">
+              <a:avLst/>
+            </a:prstGeom>
+            <a:ln w="9525">
+              <a:solidFill>
+                <a:schemeClr val="tx1"/>
+              </a:solidFill>
+              <a:prstDash val="dash"/>
+            </a:ln>
+          </p:spPr>
+          <p:style>
+            <a:lnRef idx="2">
+              <a:schemeClr val="accent4"/>
+            </a:lnRef>
+            <a:fillRef idx="0">
+              <a:schemeClr val="accent4"/>
+            </a:fillRef>
+            <a:effectRef idx="1">
+              <a:schemeClr val="accent4"/>
+            </a:effectRef>
+            <a:fontRef idx="minor">
+              <a:schemeClr val="tx1"/>
+            </a:fontRef>
+          </p:style>
+        </p:cxnSp>
+      </p:grpSp>
+    </p:spTree>
+    <p:extLst>
+      <p:ext uri="{BB962C8B-B14F-4D97-AF65-F5344CB8AC3E}">
+        <p14:creationId xmlns:p14="http://schemas.microsoft.com/office/powerpoint/2010/main" val="2052059140"/>
+      </p:ext>
+    </p:extLst>
+  </p:cSld>
+  <p:clrMapOvr>
+    <a:masterClrMapping/>
+  </p:clrMapOvr>
+</p:sld>
+</file>
+
+<file path=ppt/slides/slide9.xml><?xml version="1.0" encoding="utf-8"?>
+<p:sld xmlns:a="http://schemas.openxmlformats.org/drawingml/2006/main" xmlns:r="http://schemas.openxmlformats.org/officeDocument/2006/relationships" xmlns:p="http://schemas.openxmlformats.org/presentationml/2006/main">
+  <p:cSld>
+    <p:spTree>
+      <p:nvGrpSpPr>
+        <p:cNvPr id="1" name="">
+          <a:extLst>
+            <a:ext uri="{FF2B5EF4-FFF2-40B4-BE49-F238E27FC236}">
+              <a16:creationId xmlns:a16="http://schemas.microsoft.com/office/drawing/2014/main" id="{88CBF3F3-4395-CEEC-ABF4-F5E7416A030C}"/>
+            </a:ext>
+          </a:extLst>
+        </p:cNvPr>
+        <p:cNvGrpSpPr/>
+        <p:nvPr/>
+      </p:nvGrpSpPr>
+      <p:grpSpPr>
+        <a:xfrm>
+          <a:off x="0" y="0"/>
+          <a:ext cx="0" cy="0"/>
+          <a:chOff x="0" y="0"/>
+          <a:chExt cx="0" cy="0"/>
+        </a:xfrm>
+      </p:grpSpPr>
+      <p:sp>
+        <p:nvSpPr>
+          <p:cNvPr id="2" name="Title 1">
+            <a:extLst>
+              <a:ext uri="{FF2B5EF4-FFF2-40B4-BE49-F238E27FC236}">
+                <a16:creationId xmlns:a16="http://schemas.microsoft.com/office/drawing/2014/main" id="{419EA7D1-58C7-0A15-0C9F-7F252B396756}"/>
+              </a:ext>
+            </a:extLst>
+          </p:cNvPr>
+          <p:cNvSpPr>
+            <a:spLocks noGrp="1"/>
+          </p:cNvSpPr>
+          <p:nvPr>
+            <p:ph type="title"/>
+          </p:nvPr>
+        </p:nvSpPr>
+        <p:spPr/>
+        <p:txBody>
+          <a:bodyPr>
+            <a:normAutofit fontScale="90000"/>
+          </a:bodyPr>
+          <a:lstStyle/>
+          <a:p>
+            <a:r>
+              <a:rPr lang="en-US" dirty="0"/>
+              <a:t>Example: Simple Beam with Two Materials</a:t>
+            </a:r>
+          </a:p>
+        </p:txBody>
+      </p:sp>
+      <p:sp>
+        <p:nvSpPr>
+          <p:cNvPr id="4" name="Slide Number Placeholder 3">
+            <a:extLst>
+              <a:ext uri="{FF2B5EF4-FFF2-40B4-BE49-F238E27FC236}">
+                <a16:creationId xmlns:a16="http://schemas.microsoft.com/office/drawing/2014/main" id="{FD1A7230-4C77-DCEF-EF5D-0D29C801BD32}"/>
+              </a:ext>
+            </a:extLst>
+          </p:cNvPr>
+          <p:cNvSpPr>
+            <a:spLocks noGrp="1"/>
+          </p:cNvSpPr>
+          <p:nvPr>
+            <p:ph type="sldNum" sz="quarter" idx="12"/>
+          </p:nvPr>
+        </p:nvSpPr>
+        <p:spPr/>
+        <p:txBody>
+          <a:bodyPr/>
+          <a:lstStyle/>
+          <a:p>
+            <a:fld id="{D95F4311-C1C1-468E-90BA-469E1A493750}" type="slidenum">
+              <a:rPr lang="en-US" smtClean="0"/>
+              <a:t>9</a:t>
+            </a:fld>
+            <a:endParaRPr lang="en-US"/>
+          </a:p>
+        </p:txBody>
+      </p:sp>
+      <p:grpSp>
+        <p:nvGrpSpPr>
+          <p:cNvPr id="23" name="Group 22">
+            <a:extLst>
+              <a:ext uri="{FF2B5EF4-FFF2-40B4-BE49-F238E27FC236}">
+                <a16:creationId xmlns:a16="http://schemas.microsoft.com/office/drawing/2014/main" id="{83AAE03C-392A-6622-B917-D78226FD79DC}"/>
+              </a:ext>
+            </a:extLst>
+          </p:cNvPr>
+          <p:cNvGrpSpPr/>
+          <p:nvPr/>
+        </p:nvGrpSpPr>
+        <p:grpSpPr>
+          <a:xfrm>
+            <a:off x="3785775" y="3875666"/>
+            <a:ext cx="4144962" cy="2316797"/>
+            <a:chOff x="3877215" y="3290450"/>
+            <a:chExt cx="4144962" cy="2316797"/>
+          </a:xfrm>
+        </p:grpSpPr>
+        <p:grpSp>
+          <p:nvGrpSpPr>
+            <p:cNvPr id="5" name="Group 4">
+              <a:extLst>
+                <a:ext uri="{FF2B5EF4-FFF2-40B4-BE49-F238E27FC236}">
+                  <a16:creationId xmlns:a16="http://schemas.microsoft.com/office/drawing/2014/main" id="{4352AE2F-73E3-3B21-1584-A2276E5654E6}"/>
+                </a:ext>
+              </a:extLst>
+            </p:cNvPr>
+            <p:cNvGrpSpPr/>
+            <p:nvPr/>
+          </p:nvGrpSpPr>
+          <p:grpSpPr>
+            <a:xfrm>
+              <a:off x="3877215" y="3290450"/>
+              <a:ext cx="4144962" cy="2316797"/>
+              <a:chOff x="1251331" y="1945303"/>
+              <a:chExt cx="3207259" cy="1975562"/>
+            </a:xfrm>
+          </p:grpSpPr>
+          <p:cxnSp>
+            <p:nvCxnSpPr>
+              <p:cNvPr id="6" name="Straight Connector 5">
+                <a:extLst>
+                  <a:ext uri="{FF2B5EF4-FFF2-40B4-BE49-F238E27FC236}">
+                    <a16:creationId xmlns:a16="http://schemas.microsoft.com/office/drawing/2014/main" id="{AE70D61D-3BA9-6B0D-4F03-E85D98AF3C88}"/>
+                  </a:ext>
+                </a:extLst>
+              </p:cNvPr>
+              <p:cNvCxnSpPr>
+                <a:cxnSpLocks/>
+              </p:cNvCxnSpPr>
+              <p:nvPr/>
+            </p:nvCxnSpPr>
+            <p:spPr>
+              <a:xfrm>
+                <a:off x="1251331" y="3148491"/>
+                <a:ext cx="1545984" cy="0"/>
+              </a:xfrm>
+              <a:prstGeom prst="line">
+                <a:avLst/>
+              </a:prstGeom>
+              <a:ln w="57150">
+                <a:solidFill>
+                  <a:schemeClr val="tx2">
+                    <a:lumMod val="75000"/>
+                    <a:lumOff val="25000"/>
+                  </a:schemeClr>
+                </a:solidFill>
+              </a:ln>
+            </p:spPr>
+            <p:style>
+              <a:lnRef idx="2">
+                <a:schemeClr val="dk1"/>
+              </a:lnRef>
+              <a:fillRef idx="0">
+                <a:schemeClr val="dk1"/>
+              </a:fillRef>
+              <a:effectRef idx="1">
+                <a:schemeClr val="dk1"/>
+              </a:effectRef>
+              <a:fontRef idx="minor">
+                <a:schemeClr val="tx1"/>
+              </a:fontRef>
+            </p:style>
+          </p:cxnSp>
+          <p:sp>
+            <p:nvSpPr>
+              <p:cNvPr id="7" name="Oval 6">
+                <a:extLst>
+                  <a:ext uri="{FF2B5EF4-FFF2-40B4-BE49-F238E27FC236}">
+                    <a16:creationId xmlns:a16="http://schemas.microsoft.com/office/drawing/2014/main" id="{0DB6F6EF-3AD9-68E3-B5CC-5F99CFBA561F}"/>
+                  </a:ext>
+                </a:extLst>
+              </p:cNvPr>
+              <p:cNvSpPr/>
+              <p:nvPr/>
+            </p:nvSpPr>
+            <p:spPr>
+              <a:xfrm>
+                <a:off x="4189805" y="3148491"/>
+                <a:ext cx="268785" cy="287394"/>
+              </a:xfrm>
+              <a:prstGeom prst="ellipse">
+                <a:avLst/>
+              </a:prstGeom>
+              <a:solidFill>
+                <a:schemeClr val="dk1"/>
+              </a:solidFill>
+              <a:ln>
+                <a:noFill/>
+              </a:ln>
+            </p:spPr>
+            <p:style>
+              <a:lnRef idx="0">
+                <a:scrgbClr r="0" g="0" b="0"/>
+              </a:lnRef>
+              <a:fillRef idx="0">
+                <a:scrgbClr r="0" g="0" b="0"/>
+              </a:fillRef>
+              <a:effectRef idx="0">
+                <a:scrgbClr r="0" g="0" b="0"/>
+              </a:effectRef>
+              <a:fontRef idx="minor">
+                <a:schemeClr val="lt1"/>
+              </a:fontRef>
+            </p:style>
+            <p:txBody>
+              <a:bodyPr rtlCol="0" anchor="ctr"/>
+              <a:lstStyle/>
+              <a:p>
+                <a:pPr algn="ctr"/>
+                <a:endParaRPr lang="en-US" dirty="0"/>
+              </a:p>
+            </p:txBody>
+          </p:sp>
+          <p:sp>
+            <p:nvSpPr>
+              <p:cNvPr id="8" name="Isosceles Triangle 7">
+                <a:extLst>
+                  <a:ext uri="{FF2B5EF4-FFF2-40B4-BE49-F238E27FC236}">
+                    <a16:creationId xmlns:a16="http://schemas.microsoft.com/office/drawing/2014/main" id="{C8830986-FA06-8B67-7806-1624C2C03004}"/>
+                  </a:ext>
+                </a:extLst>
+              </p:cNvPr>
+              <p:cNvSpPr/>
+              <p:nvPr/>
+            </p:nvSpPr>
+            <p:spPr>
+              <a:xfrm>
+                <a:off x="1277620" y="3148491"/>
+                <a:ext cx="246888" cy="261741"/>
+              </a:xfrm>
+              <a:prstGeom prst="triangle">
+                <a:avLst/>
+              </a:prstGeom>
+              <a:solidFill>
+                <a:schemeClr val="dk1"/>
+              </a:solidFill>
+              <a:ln>
+                <a:noFill/>
+              </a:ln>
+            </p:spPr>
+            <p:style>
+              <a:lnRef idx="0">
+                <a:scrgbClr r="0" g="0" b="0"/>
+              </a:lnRef>
+              <a:fillRef idx="0">
+                <a:scrgbClr r="0" g="0" b="0"/>
+              </a:fillRef>
+              <a:effectRef idx="0">
+                <a:scrgbClr r="0" g="0" b="0"/>
+              </a:effectRef>
+              <a:fontRef idx="minor">
+                <a:schemeClr val="lt1"/>
+              </a:fontRef>
+            </p:style>
+            <p:txBody>
+              <a:bodyPr rtlCol="0" anchor="ctr"/>
+              <a:lstStyle/>
+              <a:p>
+                <a:pPr algn="ctr"/>
+                <a:endParaRPr lang="en-US"/>
+              </a:p>
+            </p:txBody>
+          </p:sp>
+          <p:cxnSp>
+            <p:nvCxnSpPr>
+              <p:cNvPr id="9" name="Straight Arrow Connector 8">
+                <a:extLst>
+                  <a:ext uri="{FF2B5EF4-FFF2-40B4-BE49-F238E27FC236}">
+                    <a16:creationId xmlns:a16="http://schemas.microsoft.com/office/drawing/2014/main" id="{D740EC8C-D99B-21A9-B378-89D858E71012}"/>
+                  </a:ext>
+                </a:extLst>
+              </p:cNvPr>
+              <p:cNvCxnSpPr/>
+              <p:nvPr/>
+            </p:nvCxnSpPr>
+            <p:spPr>
+              <a:xfrm>
+                <a:off x="2797315" y="2181504"/>
+                <a:ext cx="0" cy="960120"/>
+              </a:xfrm>
+              <a:prstGeom prst="straightConnector1">
+                <a:avLst/>
+              </a:prstGeom>
+              <a:ln w="38100">
+                <a:tailEnd type="triangle"/>
+              </a:ln>
+            </p:spPr>
+            <p:style>
+              <a:lnRef idx="1">
+                <a:schemeClr val="dk1"/>
+              </a:lnRef>
+              <a:fillRef idx="0">
+                <a:schemeClr val="dk1"/>
+              </a:fillRef>
+              <a:effectRef idx="0">
+                <a:schemeClr val="dk1"/>
+              </a:effectRef>
+              <a:fontRef idx="minor">
+                <a:schemeClr val="tx1"/>
+              </a:fontRef>
+            </p:style>
+          </p:cxnSp>
+          <p:cxnSp>
+            <p:nvCxnSpPr>
+              <p:cNvPr id="10" name="Straight Connector 9">
+                <a:extLst>
+                  <a:ext uri="{FF2B5EF4-FFF2-40B4-BE49-F238E27FC236}">
+                    <a16:creationId xmlns:a16="http://schemas.microsoft.com/office/drawing/2014/main" id="{F1D5C093-87B7-805D-3976-ADEB94F07E32}"/>
+                  </a:ext>
+                </a:extLst>
+              </p:cNvPr>
+              <p:cNvCxnSpPr>
+                <a:cxnSpLocks/>
+              </p:cNvCxnSpPr>
+              <p:nvPr/>
+            </p:nvCxnSpPr>
+            <p:spPr>
+              <a:xfrm>
+                <a:off x="1392891" y="3664365"/>
+                <a:ext cx="2907792" cy="0"/>
+              </a:xfrm>
+              <a:prstGeom prst="line">
+                <a:avLst/>
+              </a:prstGeom>
+            </p:spPr>
+            <p:style>
+              <a:lnRef idx="2">
+                <a:schemeClr val="dk1"/>
+              </a:lnRef>
+              <a:fillRef idx="0">
+                <a:schemeClr val="dk1"/>
+              </a:fillRef>
+              <a:effectRef idx="1">
+                <a:schemeClr val="dk1"/>
+              </a:effectRef>
+              <a:fontRef idx="minor">
+                <a:schemeClr val="tx1"/>
+              </a:fontRef>
+            </p:style>
+          </p:cxnSp>
+          <p:sp>
+            <p:nvSpPr>
+              <p:cNvPr id="11" name="TextBox 10">
+                <a:extLst>
+                  <a:ext uri="{FF2B5EF4-FFF2-40B4-BE49-F238E27FC236}">
+                    <a16:creationId xmlns:a16="http://schemas.microsoft.com/office/drawing/2014/main" id="{7F547F64-4C2E-B5DF-EB35-0110984F2409}"/>
+                  </a:ext>
+                </a:extLst>
+              </p:cNvPr>
+              <p:cNvSpPr txBox="1"/>
+              <p:nvPr/>
+            </p:nvSpPr>
+            <p:spPr>
+              <a:xfrm>
+                <a:off x="2692874" y="3684664"/>
+                <a:ext cx="216071" cy="236201"/>
+              </a:xfrm>
+              <a:prstGeom prst="rect">
+                <a:avLst/>
+              </a:prstGeom>
+              <a:noFill/>
+            </p:spPr>
+            <p:txBody>
+              <a:bodyPr wrap="none" rtlCol="0">
+                <a:spAutoFit/>
+              </a:bodyPr>
+              <a:lstStyle/>
+              <a:p>
+                <a:r>
+                  <a:rPr lang="en-US" sz="1200" dirty="0">
+                    <a:latin typeface="+mj-lt"/>
+                  </a:rPr>
+                  <a:t>L</a:t>
+                </a:r>
+              </a:p>
+            </p:txBody>
+          </p:sp>
+          <p:sp>
+            <p:nvSpPr>
+              <p:cNvPr id="12" name="TextBox 11">
+                <a:extLst>
+                  <a:ext uri="{FF2B5EF4-FFF2-40B4-BE49-F238E27FC236}">
+                    <a16:creationId xmlns:a16="http://schemas.microsoft.com/office/drawing/2014/main" id="{13738A99-0D2A-978F-8E40-4ABD0A2E3B38}"/>
+                  </a:ext>
+                </a:extLst>
+              </p:cNvPr>
+              <p:cNvSpPr txBox="1"/>
+              <p:nvPr/>
+            </p:nvSpPr>
+            <p:spPr>
+              <a:xfrm>
+                <a:off x="2693000" y="1945303"/>
+                <a:ext cx="208629" cy="236201"/>
+              </a:xfrm>
+              <a:prstGeom prst="rect">
+                <a:avLst/>
+              </a:prstGeom>
+              <a:noFill/>
+            </p:spPr>
+            <p:txBody>
+              <a:bodyPr wrap="none" rtlCol="0">
+                <a:spAutoFit/>
+              </a:bodyPr>
+              <a:lstStyle/>
+              <a:p>
+                <a:r>
+                  <a:rPr lang="en-US" sz="1200" dirty="0">
+                    <a:latin typeface="+mj-lt"/>
+                  </a:rPr>
+                  <a:t>P</a:t>
+                </a:r>
+              </a:p>
+            </p:txBody>
+          </p:sp>
+          <p:sp>
+            <p:nvSpPr>
+              <p:cNvPr id="13" name="Freeform: Shape 12">
+                <a:extLst>
+                  <a:ext uri="{FF2B5EF4-FFF2-40B4-BE49-F238E27FC236}">
+                    <a16:creationId xmlns:a16="http://schemas.microsoft.com/office/drawing/2014/main" id="{3A37CA55-F67F-7A8E-C13E-3A402695FC4C}"/>
+                  </a:ext>
+                </a:extLst>
+              </p:cNvPr>
+              <p:cNvSpPr/>
+              <p:nvPr/>
+            </p:nvSpPr>
+            <p:spPr>
+              <a:xfrm>
+                <a:off x="1435608" y="3168789"/>
+                <a:ext cx="2812415" cy="397404"/>
+              </a:xfrm>
+              <a:custGeom>
+                <a:avLst/>
+                <a:gdLst>
+                  <a:gd name="csX0" fmla="*/ 0 w 2889504"/>
+                  <a:gd name="csY0" fmla="*/ 18288 h 420657"/>
+                  <a:gd name="csX1" fmla="*/ 1399032 w 2889504"/>
+                  <a:gd name="csY1" fmla="*/ 420624 h 420657"/>
+                  <a:gd name="csX2" fmla="*/ 2889504 w 2889504"/>
+                  <a:gd name="csY2" fmla="*/ 0 h 420657"/>
+                </a:gdLst>
+                <a:ahLst/>
+                <a:cxnLst>
+                  <a:cxn ang="0">
+                    <a:pos x="csX0" y="csY0"/>
+                  </a:cxn>
+                  <a:cxn ang="0">
+                    <a:pos x="csX1" y="csY1"/>
+                  </a:cxn>
+                  <a:cxn ang="0">
+                    <a:pos x="csX2" y="csY2"/>
+                  </a:cxn>
+                </a:cxnLst>
+                <a:rect l="l" t="t" r="r" b="b"/>
+                <a:pathLst>
+                  <a:path w="2889504" h="420657">
+                    <a:moveTo>
+                      <a:pt x="0" y="18288"/>
+                    </a:moveTo>
+                    <a:cubicBezTo>
+                      <a:pt x="458724" y="220980"/>
+                      <a:pt x="917448" y="423672"/>
+                      <a:pt x="1399032" y="420624"/>
+                    </a:cubicBezTo>
+                    <a:cubicBezTo>
+                      <a:pt x="1880616" y="417576"/>
+                      <a:pt x="2631948" y="92964"/>
+                      <a:pt x="2889504" y="0"/>
+                    </a:cubicBezTo>
+                  </a:path>
+                </a:pathLst>
+              </a:custGeom>
+              <a:ln w="28575">
+                <a:solidFill>
+                  <a:schemeClr val="tx1"/>
+                </a:solidFill>
+                <a:prstDash val="sysDash"/>
+              </a:ln>
+            </p:spPr>
+            <p:style>
+              <a:lnRef idx="1">
+                <a:schemeClr val="accent4"/>
+              </a:lnRef>
+              <a:fillRef idx="0">
+                <a:schemeClr val="accent4"/>
+              </a:fillRef>
+              <a:effectRef idx="0">
+                <a:schemeClr val="accent4"/>
+              </a:effectRef>
+              <a:fontRef idx="minor">
+                <a:schemeClr val="tx1"/>
+              </a:fontRef>
+            </p:style>
+            <p:txBody>
+              <a:bodyPr rtlCol="0" anchor="ctr"/>
+              <a:lstStyle/>
+              <a:p>
+                <a:pPr algn="ctr"/>
+                <a:endParaRPr lang="en-US" dirty="0"/>
+              </a:p>
+            </p:txBody>
+          </p:sp>
+          <mc:AlternateContent xmlns:mc="http://schemas.openxmlformats.org/markup-compatibility/2006" xmlns:a14="http://schemas.microsoft.com/office/drawing/2010/main">
+            <mc:Choice Requires="a14">
+              <p:sp>
+                <p:nvSpPr>
+                  <p:cNvPr id="14" name="TextBox 13">
+                    <a:extLst>
+                      <a:ext uri="{FF2B5EF4-FFF2-40B4-BE49-F238E27FC236}">
+                        <a16:creationId xmlns:a16="http://schemas.microsoft.com/office/drawing/2014/main" id="{C79233F3-98B1-A932-85B8-AE73E8F32EFE}"/>
+                      </a:ext>
+                    </a:extLst>
+                  </p:cNvPr>
+                  <p:cNvSpPr txBox="1"/>
+                  <p:nvPr/>
+                </p:nvSpPr>
+                <p:spPr>
+                  <a:xfrm>
+                    <a:off x="2773259" y="3220756"/>
+                    <a:ext cx="414776" cy="236201"/>
+                  </a:xfrm>
+                  <a:prstGeom prst="rect">
+                    <a:avLst/>
+                  </a:prstGeom>
+                  <a:noFill/>
+                </p:spPr>
+                <p:txBody>
+                  <a:bodyPr wrap="none" rtlCol="0">
+                    <a:spAutoFit/>
+                  </a:bodyPr>
+                  <a:lstStyle/>
+                  <a:p>
+                    <a:pPr/>
+                    <a14:m>
+                      <m:oMathPara xmlns:m="http://schemas.openxmlformats.org/officeDocument/2006/math">
+                        <m:oMathParaPr>
+                          <m:jc m:val="centerGroup"/>
+                        </m:oMathParaPr>
+                        <m:oMath xmlns:m="http://schemas.openxmlformats.org/officeDocument/2006/math">
+                          <m:sSub>
+                            <m:sSubPr>
+                              <m:ctrlPr>
+                                <a:rPr lang="en-US" sz="1200" b="0" i="1" smtClean="0">
+                                  <a:solidFill>
+                                    <a:schemeClr val="tx1"/>
+                                  </a:solidFill>
+                                  <a:latin typeface="Cambria Math" panose="02040503050406030204" pitchFamily="18" charset="0"/>
+                                </a:rPr>
+                              </m:ctrlPr>
+                            </m:sSubPr>
+                            <m:e>
+                              <m:r>
+                                <a:rPr lang="en-US" sz="1200" b="0" i="1" smtClean="0">
+                                  <a:solidFill>
+                                    <a:schemeClr val="tx1"/>
+                                  </a:solidFill>
+                                  <a:latin typeface="Cambria Math" panose="02040503050406030204" pitchFamily="18" charset="0"/>
+                                </a:rPr>
+                                <m:t>𝛿</m:t>
+                              </m:r>
+                            </m:e>
+                            <m:sub>
+                              <m:r>
+                                <m:rPr>
+                                  <m:sty m:val="p"/>
+                                </m:rPr>
+                                <a:rPr lang="en-US" sz="1200" b="0" i="0" smtClean="0">
+                                  <a:solidFill>
+                                    <a:schemeClr val="tx1"/>
+                                  </a:solidFill>
+                                  <a:latin typeface="Cambria Math" panose="02040503050406030204" pitchFamily="18" charset="0"/>
+                                </a:rPr>
+                                <m:t>max</m:t>
+                              </m:r>
+                            </m:sub>
+                          </m:sSub>
+                        </m:oMath>
+                      </m:oMathPara>
+                    </a14:m>
+                    <a:endParaRPr lang="en-US" sz="1200" dirty="0">
+                      <a:solidFill>
+                        <a:schemeClr val="tx1"/>
+                      </a:solidFill>
+                      <a:latin typeface="+mj-lt"/>
+                    </a:endParaRPr>
+                  </a:p>
+                </p:txBody>
+              </p:sp>
+            </mc:Choice>
+            <mc:Fallback xmlns="">
+              <p:sp>
+                <p:nvSpPr>
+                  <p:cNvPr id="14" name="TextBox 13">
+                    <a:extLst>
+                      <a:ext uri="{FF2B5EF4-FFF2-40B4-BE49-F238E27FC236}">
+                        <a16:creationId xmlns:a16="http://schemas.microsoft.com/office/drawing/2014/main" id="{C79233F3-98B1-A932-85B8-AE73E8F32EFE}"/>
+                      </a:ext>
+                    </a:extLst>
+                  </p:cNvPr>
+                  <p:cNvSpPr txBox="1">
+                    <a:spLocks noRot="1" noChangeAspect="1" noMove="1" noResize="1" noEditPoints="1" noAdjustHandles="1" noChangeArrowheads="1" noChangeShapeType="1" noTextEdit="1"/>
+                  </p:cNvSpPr>
+                  <p:nvPr/>
+                </p:nvSpPr>
+                <p:spPr>
+                  <a:xfrm>
+                    <a:off x="2773259" y="3220756"/>
+                    <a:ext cx="414776" cy="236201"/>
+                  </a:xfrm>
+                  <a:prstGeom prst="rect">
+                    <a:avLst/>
+                  </a:prstGeom>
+                  <a:blipFill>
+                    <a:blip r:embed="rId2"/>
+                    <a:stretch>
+                      <a:fillRect/>
+                    </a:stretch>
+                  </a:blipFill>
+                </p:spPr>
+                <p:txBody>
+                  <a:bodyPr/>
+                  <a:lstStyle/>
+                  <a:p>
+                    <a:r>
+                      <a:rPr lang="en-US">
+                        <a:noFill/>
+                      </a:rPr>
+                      <a:t> </a:t>
+                    </a:r>
+                  </a:p>
+                </p:txBody>
+              </p:sp>
+            </mc:Fallback>
+          </mc:AlternateContent>
+          <p:cxnSp>
+            <p:nvCxnSpPr>
+              <p:cNvPr id="15" name="Straight Connector 14">
+                <a:extLst>
+                  <a:ext uri="{FF2B5EF4-FFF2-40B4-BE49-F238E27FC236}">
+                    <a16:creationId xmlns:a16="http://schemas.microsoft.com/office/drawing/2014/main" id="{391AD9D6-CC2A-0E2F-448A-18E8127653F6}"/>
+                  </a:ext>
+                </a:extLst>
+              </p:cNvPr>
+              <p:cNvCxnSpPr/>
+              <p:nvPr/>
+            </p:nvCxnSpPr>
+            <p:spPr>
+              <a:xfrm>
+                <a:off x="1393653" y="3560626"/>
+                <a:ext cx="0" cy="207478"/>
+              </a:xfrm>
+              <a:prstGeom prst="line">
+                <a:avLst/>
+              </a:prstGeom>
+            </p:spPr>
+            <p:style>
+              <a:lnRef idx="2">
+                <a:schemeClr val="dk1"/>
+              </a:lnRef>
+              <a:fillRef idx="0">
+                <a:schemeClr val="dk1"/>
+              </a:fillRef>
+              <a:effectRef idx="1">
+                <a:schemeClr val="dk1"/>
+              </a:effectRef>
+              <a:fontRef idx="minor">
+                <a:schemeClr val="tx1"/>
+              </a:fontRef>
+            </p:style>
+          </p:cxnSp>
+          <p:cxnSp>
+            <p:nvCxnSpPr>
+              <p:cNvPr id="16" name="Straight Connector 15">
+                <a:extLst>
+                  <a:ext uri="{FF2B5EF4-FFF2-40B4-BE49-F238E27FC236}">
+                    <a16:creationId xmlns:a16="http://schemas.microsoft.com/office/drawing/2014/main" id="{5D34F5F5-FE59-1F76-2507-A20617E1E4AB}"/>
+                  </a:ext>
+                </a:extLst>
+              </p:cNvPr>
+              <p:cNvCxnSpPr/>
+              <p:nvPr/>
+            </p:nvCxnSpPr>
+            <p:spPr>
+              <a:xfrm>
+                <a:off x="4300683" y="3560626"/>
+                <a:ext cx="0" cy="207478"/>
+              </a:xfrm>
+              <a:prstGeom prst="line">
+                <a:avLst/>
+              </a:prstGeom>
+            </p:spPr>
+            <p:style>
+              <a:lnRef idx="2">
+                <a:schemeClr val="dk1"/>
+              </a:lnRef>
+              <a:fillRef idx="0">
+                <a:schemeClr val="dk1"/>
+              </a:fillRef>
+              <a:effectRef idx="1">
+                <a:schemeClr val="dk1"/>
+              </a:effectRef>
+              <a:fontRef idx="minor">
+                <a:schemeClr val="tx1"/>
+              </a:fontRef>
+            </p:style>
+          </p:cxnSp>
+          <p:cxnSp>
+            <p:nvCxnSpPr>
+              <p:cNvPr id="17" name="Straight Connector 16">
+                <a:extLst>
+                  <a:ext uri="{FF2B5EF4-FFF2-40B4-BE49-F238E27FC236}">
+                    <a16:creationId xmlns:a16="http://schemas.microsoft.com/office/drawing/2014/main" id="{A17185B8-618D-50E9-9F67-C3F81D35F952}"/>
+                  </a:ext>
+                </a:extLst>
+              </p:cNvPr>
+              <p:cNvCxnSpPr>
+                <a:cxnSpLocks/>
+                <a:endCxn id="13" idx="1"/>
+              </p:cNvCxnSpPr>
+              <p:nvPr/>
+            </p:nvCxnSpPr>
+            <p:spPr>
+              <a:xfrm>
+                <a:off x="2797315" y="3168789"/>
+                <a:ext cx="0" cy="397373"/>
+              </a:xfrm>
+              <a:prstGeom prst="line">
+                <a:avLst/>
+              </a:prstGeom>
+              <a:ln w="9525">
+                <a:solidFill>
+                  <a:schemeClr val="tx1"/>
+                </a:solidFill>
+                <a:prstDash val="dash"/>
+              </a:ln>
+            </p:spPr>
+            <p:style>
+              <a:lnRef idx="2">
+                <a:schemeClr val="accent4"/>
+              </a:lnRef>
+              <a:fillRef idx="0">
+                <a:schemeClr val="accent4"/>
+              </a:fillRef>
+              <a:effectRef idx="1">
+                <a:schemeClr val="accent4"/>
+              </a:effectRef>
+              <a:fontRef idx="minor">
+                <a:schemeClr val="tx1"/>
+              </a:fontRef>
+            </p:style>
+          </p:cxnSp>
+        </p:grpSp>
+        <p:cxnSp>
+          <p:nvCxnSpPr>
+            <p:cNvPr id="19" name="Straight Connector 18">
+              <a:extLst>
+                <a:ext uri="{FF2B5EF4-FFF2-40B4-BE49-F238E27FC236}">
+                  <a16:creationId xmlns:a16="http://schemas.microsoft.com/office/drawing/2014/main" id="{FEC3865A-B98A-6E65-48C9-7DCAD8440588}"/>
+                </a:ext>
+              </a:extLst>
+            </p:cNvPr>
+            <p:cNvCxnSpPr>
+              <a:cxnSpLocks/>
+            </p:cNvCxnSpPr>
+            <p:nvPr/>
+          </p:nvCxnSpPr>
+          <p:spPr>
+            <a:xfrm>
+              <a:off x="5875197" y="4701462"/>
+              <a:ext cx="1997982" cy="0"/>
+            </a:xfrm>
+            <a:prstGeom prst="line">
+              <a:avLst/>
+            </a:prstGeom>
+            <a:ln w="57150">
+              <a:solidFill>
+                <a:schemeClr val="accent1">
+                  <a:lumMod val="60000"/>
+                  <a:lumOff val="40000"/>
+                </a:schemeClr>
+              </a:solidFill>
+            </a:ln>
+          </p:spPr>
+          <p:style>
+            <a:lnRef idx="2">
+              <a:schemeClr val="dk1"/>
+            </a:lnRef>
+            <a:fillRef idx="0">
+              <a:schemeClr val="dk1"/>
+            </a:fillRef>
+            <a:effectRef idx="1">
+              <a:schemeClr val="dk1"/>
+            </a:effectRef>
+            <a:fontRef idx="minor">
+              <a:schemeClr val="tx1"/>
+            </a:fontRef>
+          </p:style>
+        </p:cxnSp>
+        <mc:AlternateContent xmlns:mc="http://schemas.openxmlformats.org/markup-compatibility/2006">
+          <mc:Choice xmlns:a14="http://schemas.microsoft.com/office/drawing/2010/main" Requires="a14">
+            <p:sp>
+              <p:nvSpPr>
+                <p:cNvPr id="18" name="TextBox 17">
+                  <a:extLst>
+                    <a:ext uri="{FF2B5EF4-FFF2-40B4-BE49-F238E27FC236}">
+                      <a16:creationId xmlns:a16="http://schemas.microsoft.com/office/drawing/2014/main" id="{14237397-947B-5E6A-FB57-61E3A554A58A}"/>
+                    </a:ext>
+                  </a:extLst>
+                </p:cNvPr>
+                <p:cNvSpPr txBox="1"/>
+                <p:nvPr/>
+              </p:nvSpPr>
+              <p:spPr>
+                <a:xfrm>
+                  <a:off x="4662637" y="4403197"/>
+                  <a:ext cx="683515" cy="276999"/>
+                </a:xfrm>
+                <a:prstGeom prst="rect">
+                  <a:avLst/>
+                </a:prstGeom>
+                <a:noFill/>
+              </p:spPr>
+              <p:txBody>
+                <a:bodyPr wrap="square">
+                  <a:spAutoFit/>
+                </a:bodyPr>
+                <a:lstStyle/>
+                <a:p>
+                  <a14:m>
+                    <m:oMath xmlns:m="http://schemas.openxmlformats.org/officeDocument/2006/math">
+                      <m:sSub>
+                        <m:sSubPr>
+                          <m:ctrlPr>
+                            <a:rPr lang="en-US" sz="1200" b="0" i="1" smtClean="0">
+                              <a:solidFill>
+                                <a:schemeClr val="tx2">
+                                  <a:lumMod val="50000"/>
+                                  <a:lumOff val="50000"/>
+                                </a:schemeClr>
+                              </a:solidFill>
+                              <a:latin typeface="Cambria Math" panose="02040503050406030204" pitchFamily="18" charset="0"/>
+                            </a:rPr>
+                          </m:ctrlPr>
+                        </m:sSubPr>
+                        <m:e>
+                          <m:r>
+                            <a:rPr lang="en-US" sz="1200" b="0" i="1" smtClean="0">
+                              <a:solidFill>
+                                <a:schemeClr val="tx2">
+                                  <a:lumMod val="50000"/>
+                                  <a:lumOff val="50000"/>
+                                </a:schemeClr>
+                              </a:solidFill>
+                              <a:latin typeface="Cambria Math" panose="02040503050406030204" pitchFamily="18" charset="0"/>
+                            </a:rPr>
+                            <m:t>𝐸</m:t>
+                          </m:r>
+                        </m:e>
+                        <m:sub>
+                          <m:r>
+                            <a:rPr lang="en-US" sz="1200" b="0" i="1" smtClean="0">
+                              <a:solidFill>
+                                <a:schemeClr val="tx2">
+                                  <a:lumMod val="50000"/>
+                                  <a:lumOff val="50000"/>
+                                </a:schemeClr>
+                              </a:solidFill>
+                              <a:latin typeface="Cambria Math" panose="02040503050406030204" pitchFamily="18" charset="0"/>
+                            </a:rPr>
+                            <m:t>1</m:t>
+                          </m:r>
+                        </m:sub>
+                      </m:sSub>
+                    </m:oMath>
+                  </a14:m>
+                  <a:r>
+                    <a:rPr lang="en-US" sz="1200" dirty="0">
+                      <a:solidFill>
+                        <a:schemeClr val="tx2">
+                          <a:lumMod val="50000"/>
+                          <a:lumOff val="50000"/>
+                        </a:schemeClr>
+                      </a:solidFill>
+                      <a:latin typeface="+mj-lt"/>
+                    </a:rPr>
+                    <a:t>= ?</a:t>
+                  </a:r>
+                </a:p>
+              </p:txBody>
+            </p:sp>
+          </mc:Choice>
+          <mc:Fallback>
+            <p:sp>
+              <p:nvSpPr>
+                <p:cNvPr id="18" name="TextBox 17">
+                  <a:extLst>
+                    <a:ext uri="{FF2B5EF4-FFF2-40B4-BE49-F238E27FC236}">
+                      <a16:creationId xmlns:a16="http://schemas.microsoft.com/office/drawing/2014/main" id="{14237397-947B-5E6A-FB57-61E3A554A58A}"/>
+                    </a:ext>
+                  </a:extLst>
+                </p:cNvPr>
+                <p:cNvSpPr txBox="1">
+                  <a:spLocks noRot="1" noChangeAspect="1" noMove="1" noResize="1" noEditPoints="1" noAdjustHandles="1" noChangeArrowheads="1" noChangeShapeType="1" noTextEdit="1"/>
+                </p:cNvSpPr>
+                <p:nvPr/>
+              </p:nvSpPr>
+              <p:spPr>
+                <a:xfrm>
+                  <a:off x="4662637" y="4403197"/>
+                  <a:ext cx="683515" cy="276999"/>
+                </a:xfrm>
+                <a:prstGeom prst="rect">
+                  <a:avLst/>
+                </a:prstGeom>
+                <a:blipFill>
+                  <a:blip r:embed="rId3"/>
+                  <a:stretch>
+                    <a:fillRect b="-15217"/>
+                  </a:stretch>
+                </a:blipFill>
+              </p:spPr>
+              <p:txBody>
+                <a:bodyPr/>
+                <a:lstStyle/>
+                <a:p>
+                  <a:r>
+                    <a:rPr lang="en-US">
+                      <a:noFill/>
+                    </a:rPr>
+                    <a:t> </a:t>
+                  </a:r>
+                </a:p>
+              </p:txBody>
+            </p:sp>
+          </mc:Fallback>
+        </mc:AlternateContent>
+        <mc:AlternateContent xmlns:mc="http://schemas.openxmlformats.org/markup-compatibility/2006">
+          <mc:Choice xmlns:a14="http://schemas.microsoft.com/office/drawing/2010/main" Requires="a14">
+            <p:sp>
+              <p:nvSpPr>
+                <p:cNvPr id="20" name="TextBox 19">
+                  <a:extLst>
+                    <a:ext uri="{FF2B5EF4-FFF2-40B4-BE49-F238E27FC236}">
+                      <a16:creationId xmlns:a16="http://schemas.microsoft.com/office/drawing/2014/main" id="{4F8DB95B-DBD9-6A10-50C5-536EF41F5EAA}"/>
+                    </a:ext>
+                  </a:extLst>
+                </p:cNvPr>
+                <p:cNvSpPr txBox="1"/>
+                <p:nvPr/>
+              </p:nvSpPr>
+              <p:spPr>
+                <a:xfrm>
+                  <a:off x="6572198" y="4420437"/>
+                  <a:ext cx="683515" cy="276999"/>
+                </a:xfrm>
+                <a:prstGeom prst="rect">
+                  <a:avLst/>
+                </a:prstGeom>
+                <a:noFill/>
+              </p:spPr>
+              <p:txBody>
+                <a:bodyPr wrap="square">
+                  <a:spAutoFit/>
+                </a:bodyPr>
+                <a:lstStyle/>
+                <a:p>
+                  <a14:m>
+                    <m:oMath xmlns:m="http://schemas.openxmlformats.org/officeDocument/2006/math">
+                      <m:sSub>
+                        <m:sSubPr>
+                          <m:ctrlPr>
+                            <a:rPr lang="en-US" sz="1200" b="0" i="1" smtClean="0">
+                              <a:solidFill>
+                                <a:schemeClr val="accent1">
+                                  <a:lumMod val="60000"/>
+                                  <a:lumOff val="40000"/>
+                                </a:schemeClr>
+                              </a:solidFill>
+                              <a:latin typeface="Cambria Math" panose="02040503050406030204" pitchFamily="18" charset="0"/>
+                            </a:rPr>
+                          </m:ctrlPr>
+                        </m:sSubPr>
+                        <m:e>
+                          <m:r>
+                            <a:rPr lang="en-US" sz="1200" b="0" i="1" smtClean="0">
+                              <a:solidFill>
+                                <a:schemeClr val="accent1">
+                                  <a:lumMod val="60000"/>
+                                  <a:lumOff val="40000"/>
+                                </a:schemeClr>
+                              </a:solidFill>
+                              <a:latin typeface="Cambria Math" panose="02040503050406030204" pitchFamily="18" charset="0"/>
+                            </a:rPr>
+                            <m:t>𝐸</m:t>
+                          </m:r>
+                        </m:e>
+                        <m:sub>
+                          <m:r>
+                            <a:rPr lang="en-US" sz="1200" b="0" i="1" smtClean="0">
+                              <a:solidFill>
+                                <a:schemeClr val="accent1">
+                                  <a:lumMod val="60000"/>
+                                  <a:lumOff val="40000"/>
+                                </a:schemeClr>
+                              </a:solidFill>
+                              <a:latin typeface="Cambria Math" panose="02040503050406030204" pitchFamily="18" charset="0"/>
+                            </a:rPr>
+                            <m:t>2</m:t>
+                          </m:r>
+                        </m:sub>
+                      </m:sSub>
+                    </m:oMath>
+                  </a14:m>
+                  <a:r>
+                    <a:rPr lang="en-US" sz="1200" dirty="0">
+                      <a:solidFill>
+                        <a:schemeClr val="accent1">
+                          <a:lumMod val="60000"/>
+                          <a:lumOff val="40000"/>
+                        </a:schemeClr>
+                      </a:solidFill>
+                      <a:latin typeface="+mj-lt"/>
+                    </a:rPr>
+                    <a:t>= ?</a:t>
+                  </a:r>
+                </a:p>
+              </p:txBody>
+            </p:sp>
+          </mc:Choice>
+          <mc:Fallback>
+            <p:sp>
+              <p:nvSpPr>
+                <p:cNvPr id="20" name="TextBox 19">
+                  <a:extLst>
+                    <a:ext uri="{FF2B5EF4-FFF2-40B4-BE49-F238E27FC236}">
+                      <a16:creationId xmlns:a16="http://schemas.microsoft.com/office/drawing/2014/main" id="{4F8DB95B-DBD9-6A10-50C5-536EF41F5EAA}"/>
+                    </a:ext>
+                  </a:extLst>
+                </p:cNvPr>
+                <p:cNvSpPr txBox="1">
+                  <a:spLocks noRot="1" noChangeAspect="1" noMove="1" noResize="1" noEditPoints="1" noAdjustHandles="1" noChangeArrowheads="1" noChangeShapeType="1" noTextEdit="1"/>
+                </p:cNvSpPr>
+                <p:nvPr/>
+              </p:nvSpPr>
+              <p:spPr>
+                <a:xfrm>
+                  <a:off x="6572198" y="4420437"/>
+                  <a:ext cx="683515" cy="276999"/>
+                </a:xfrm>
+                <a:prstGeom prst="rect">
+                  <a:avLst/>
+                </a:prstGeom>
+                <a:blipFill>
+                  <a:blip r:embed="rId4"/>
+                  <a:stretch>
+                    <a:fillRect b="-15217"/>
+                  </a:stretch>
+                </a:blipFill>
+              </p:spPr>
+              <p:txBody>
+                <a:bodyPr/>
+                <a:lstStyle/>
+                <a:p>
+                  <a:r>
+                    <a:rPr lang="en-US">
+                      <a:noFill/>
+                    </a:rPr>
+                    <a:t> </a:t>
+                  </a:r>
+                </a:p>
+              </p:txBody>
+            </p:sp>
+          </mc:Fallback>
+        </mc:AlternateContent>
+      </p:grpSp>
+      <p:sp>
+        <p:nvSpPr>
+          <p:cNvPr id="22" name="TextBox 21">
+            <a:extLst>
+              <a:ext uri="{FF2B5EF4-FFF2-40B4-BE49-F238E27FC236}">
+                <a16:creationId xmlns:a16="http://schemas.microsoft.com/office/drawing/2014/main" id="{127A57E7-0492-FBA9-6A95-D8E1FC852BE6}"/>
+              </a:ext>
+            </a:extLst>
+          </p:cNvPr>
+          <p:cNvSpPr txBox="1"/>
+          <p:nvPr/>
+        </p:nvSpPr>
+        <p:spPr>
+          <a:xfrm>
+            <a:off x="838200" y="1551557"/>
+            <a:ext cx="9384792" cy="2031325"/>
+          </a:xfrm>
+          <a:prstGeom prst="rect">
+            <a:avLst/>
+          </a:prstGeom>
+          <a:noFill/>
+        </p:spPr>
+        <p:txBody>
+          <a:bodyPr wrap="square">
+            <a:spAutoFit/>
+          </a:bodyPr>
+          <a:lstStyle/>
+          <a:p>
+            <a:r>
+              <a:rPr lang="en-US" dirty="0">
+                <a:latin typeface="+mj-lt"/>
+              </a:rPr>
+              <a:t>Recall, Hadamard’s conditions:</a:t>
+            </a:r>
+          </a:p>
+          <a:p>
+            <a:pPr marL="342900" indent="-342900">
+              <a:buAutoNum type="arabicPeriod"/>
+            </a:pPr>
+            <a:r>
+              <a:rPr lang="en-US" dirty="0">
+                <a:latin typeface="+mj-lt"/>
+              </a:rPr>
+              <a:t>Existence – a solution exists </a:t>
+            </a:r>
+            <a:r>
+              <a:rPr lang="en-US" dirty="0">
+                <a:solidFill>
+                  <a:schemeClr val="accent6"/>
+                </a:solidFill>
+                <a:latin typeface="+mj-lt"/>
+              </a:rPr>
+              <a:t>✓</a:t>
+            </a:r>
+          </a:p>
+          <a:p>
+            <a:pPr marL="342900" indent="-342900">
+              <a:buAutoNum type="arabicPeriod"/>
+            </a:pPr>
+            <a:r>
+              <a:rPr lang="en-US" dirty="0">
+                <a:latin typeface="+mj-lt"/>
+              </a:rPr>
+              <a:t>Uniqueness – only one solution per problem </a:t>
+            </a:r>
+            <a:r>
+              <a:rPr lang="en-US" dirty="0">
+                <a:solidFill>
+                  <a:srgbClr val="FF0000"/>
+                </a:solidFill>
+              </a:rPr>
+              <a:t>✗</a:t>
+            </a:r>
+            <a:endParaRPr lang="en-US" dirty="0">
+              <a:solidFill>
+                <a:srgbClr val="FF0000"/>
+              </a:solidFill>
+              <a:latin typeface="+mj-lt"/>
+            </a:endParaRPr>
+          </a:p>
+          <a:p>
+            <a:pPr marL="342900" indent="-342900">
+              <a:buAutoNum type="arabicPeriod"/>
+            </a:pPr>
+            <a:r>
+              <a:rPr lang="en-US" dirty="0">
+                <a:latin typeface="+mj-lt"/>
+              </a:rPr>
+              <a:t>Stability – the inputs depends on the outputs, vice versa </a:t>
+            </a:r>
+            <a:r>
+              <a:rPr lang="en-US" dirty="0">
+                <a:solidFill>
+                  <a:schemeClr val="accent6"/>
+                </a:solidFill>
+              </a:rPr>
+              <a:t>✓</a:t>
+            </a:r>
+          </a:p>
+          <a:p>
+            <a:pPr marL="342900" indent="-342900">
+              <a:buAutoNum type="arabicPeriod"/>
+            </a:pPr>
+            <a:endParaRPr lang="en-US" dirty="0">
+              <a:solidFill>
+                <a:schemeClr val="accent6"/>
+              </a:solidFill>
+              <a:latin typeface="+mj-lt"/>
+            </a:endParaRPr>
+          </a:p>
+          <a:p>
+            <a:r>
+              <a:rPr lang="en-US" dirty="0">
+                <a:latin typeface="+mj-lt"/>
+              </a:rPr>
+              <a:t>This is an ill-posed problem. This is also an inverse problem as you are finding an input (E) based on an output and given inputs.</a:t>
+            </a:r>
+          </a:p>
+        </p:txBody>
+      </p:sp>
+    </p:spTree>
+    <p:extLst>
+      <p:ext uri="{BB962C8B-B14F-4D97-AF65-F5344CB8AC3E}">
+        <p14:creationId xmlns:p14="http://schemas.microsoft.com/office/powerpoint/2010/main" val="162267258"/>
       </p:ext>
     </p:extLst>
   </p:cSld>

--- a/0-Introduction/0-Introduction.pptx
+++ b/0-Introduction/0-Introduction.pptx
@@ -5,23 +5,24 @@
     <p:sldMasterId id="2147483648" r:id="rId1"/>
   </p:sldMasterIdLst>
   <p:notesMasterIdLst>
-    <p:notesMasterId r:id="rId13"/>
+    <p:notesMasterId r:id="rId14"/>
   </p:notesMasterIdLst>
   <p:handoutMasterIdLst>
-    <p:handoutMasterId r:id="rId14"/>
+    <p:handoutMasterId r:id="rId15"/>
   </p:handoutMasterIdLst>
   <p:sldIdLst>
     <p:sldId id="256" r:id="rId2"/>
     <p:sldId id="261" r:id="rId3"/>
     <p:sldId id="268" r:id="rId4"/>
-    <p:sldId id="259" r:id="rId5"/>
-    <p:sldId id="266" r:id="rId6"/>
-    <p:sldId id="267" r:id="rId7"/>
-    <p:sldId id="257" r:id="rId8"/>
-    <p:sldId id="260" r:id="rId9"/>
-    <p:sldId id="258" r:id="rId10"/>
-    <p:sldId id="269" r:id="rId11"/>
-    <p:sldId id="270" r:id="rId12"/>
+    <p:sldId id="267" r:id="rId5"/>
+    <p:sldId id="259" r:id="rId6"/>
+    <p:sldId id="272" r:id="rId7"/>
+    <p:sldId id="273" r:id="rId8"/>
+    <p:sldId id="257" r:id="rId9"/>
+    <p:sldId id="260" r:id="rId10"/>
+    <p:sldId id="258" r:id="rId11"/>
+    <p:sldId id="274" r:id="rId12"/>
+    <p:sldId id="270" r:id="rId13"/>
   </p:sldIdLst>
   <p:sldSz cx="12192000" cy="6858000"/>
   <p:notesSz cx="6858000" cy="9144000"/>
@@ -366,7 +367,7 @@
           <a:p>
             <a:fld id="{26E7365E-7303-4AD9-8FBF-4B173A7D9DED}" type="datetimeFigureOut">
               <a:rPr lang="en-US" smtClean="0"/>
-              <a:t>1/29/2026</a:t>
+              <a:t>2/5/2026</a:t>
             </a:fld>
             <a:endParaRPr lang="en-US"/>
           </a:p>
@@ -544,7 +545,7 @@
           <a:p>
             <a:fld id="{812898FD-25D5-4BC2-95FB-0E9BA7ACA22E}" type="datetimeFigureOut">
               <a:rPr lang="en-US" smtClean="0"/>
-              <a:t>1/29/2026</a:t>
+              <a:t>2/5/2026</a:t>
             </a:fld>
             <a:endParaRPr lang="en-US"/>
           </a:p>
@@ -810,6 +811,177 @@
     </a:lvl9pPr>
   </p:notesStyle>
 </p:notesMaster>
+</file>
+
+<file path=ppt/notesSlides/notesSlide1.xml><?xml version="1.0" encoding="utf-8"?>
+<p:notes xmlns:a="http://schemas.openxmlformats.org/drawingml/2006/main" xmlns:r="http://schemas.openxmlformats.org/officeDocument/2006/relationships" xmlns:p="http://schemas.openxmlformats.org/presentationml/2006/main">
+  <p:cSld>
+    <p:spTree>
+      <p:nvGrpSpPr>
+        <p:cNvPr id="1" name=""/>
+        <p:cNvGrpSpPr/>
+        <p:nvPr/>
+      </p:nvGrpSpPr>
+      <p:grpSpPr>
+        <a:xfrm>
+          <a:off x="0" y="0"/>
+          <a:ext cx="0" cy="0"/>
+          <a:chOff x="0" y="0"/>
+          <a:chExt cx="0" cy="0"/>
+        </a:xfrm>
+      </p:grpSpPr>
+      <p:sp>
+        <p:nvSpPr>
+          <p:cNvPr id="2" name="Slide Image Placeholder 1"/>
+          <p:cNvSpPr>
+            <a:spLocks noGrp="1" noRot="1" noChangeAspect="1"/>
+          </p:cNvSpPr>
+          <p:nvPr>
+            <p:ph type="sldImg"/>
+          </p:nvPr>
+        </p:nvSpPr>
+        <p:spPr/>
+      </p:sp>
+      <p:sp>
+        <p:nvSpPr>
+          <p:cNvPr id="3" name="Notes Placeholder 2"/>
+          <p:cNvSpPr>
+            <a:spLocks noGrp="1"/>
+          </p:cNvSpPr>
+          <p:nvPr>
+            <p:ph type="body" idx="1"/>
+          </p:nvPr>
+        </p:nvSpPr>
+        <p:spPr/>
+        <p:txBody>
+          <a:bodyPr/>
+          <a:lstStyle/>
+          <a:p>
+            <a:endParaRPr lang="en-US" dirty="0"/>
+          </a:p>
+        </p:txBody>
+      </p:sp>
+      <p:sp>
+        <p:nvSpPr>
+          <p:cNvPr id="4" name="Slide Number Placeholder 3"/>
+          <p:cNvSpPr>
+            <a:spLocks noGrp="1"/>
+          </p:cNvSpPr>
+          <p:nvPr>
+            <p:ph type="sldNum" sz="quarter" idx="5"/>
+          </p:nvPr>
+        </p:nvSpPr>
+        <p:spPr/>
+        <p:txBody>
+          <a:bodyPr/>
+          <a:lstStyle/>
+          <a:p>
+            <a:fld id="{D8C8204A-43A9-4FC9-A2DC-0B186264B9AB}" type="slidenum">
+              <a:rPr lang="en-US" smtClean="0"/>
+              <a:t>2</a:t>
+            </a:fld>
+            <a:endParaRPr lang="en-US"/>
+          </a:p>
+        </p:txBody>
+      </p:sp>
+    </p:spTree>
+    <p:extLst>
+      <p:ext uri="{BB962C8B-B14F-4D97-AF65-F5344CB8AC3E}">
+        <p14:creationId xmlns:p14="http://schemas.microsoft.com/office/powerpoint/2010/main" val="3038335336"/>
+      </p:ext>
+    </p:extLst>
+  </p:cSld>
+  <p:clrMapOvr>
+    <a:masterClrMapping/>
+  </p:clrMapOvr>
+</p:notes>
+</file>
+
+<file path=ppt/notesSlides/notesSlide2.xml><?xml version="1.0" encoding="utf-8"?>
+<p:notes xmlns:a="http://schemas.openxmlformats.org/drawingml/2006/main" xmlns:r="http://schemas.openxmlformats.org/officeDocument/2006/relationships" xmlns:p="http://schemas.openxmlformats.org/presentationml/2006/main">
+  <p:cSld>
+    <p:spTree>
+      <p:nvGrpSpPr>
+        <p:cNvPr id="1" name=""/>
+        <p:cNvGrpSpPr/>
+        <p:nvPr/>
+      </p:nvGrpSpPr>
+      <p:grpSpPr>
+        <a:xfrm>
+          <a:off x="0" y="0"/>
+          <a:ext cx="0" cy="0"/>
+          <a:chOff x="0" y="0"/>
+          <a:chExt cx="0" cy="0"/>
+        </a:xfrm>
+      </p:grpSpPr>
+      <p:sp>
+        <p:nvSpPr>
+          <p:cNvPr id="2" name="Slide Image Placeholder 1"/>
+          <p:cNvSpPr>
+            <a:spLocks noGrp="1" noRot="1" noChangeAspect="1"/>
+          </p:cNvSpPr>
+          <p:nvPr>
+            <p:ph type="sldImg"/>
+          </p:nvPr>
+        </p:nvSpPr>
+        <p:spPr/>
+      </p:sp>
+      <p:sp>
+        <p:nvSpPr>
+          <p:cNvPr id="3" name="Notes Placeholder 2"/>
+          <p:cNvSpPr>
+            <a:spLocks noGrp="1"/>
+          </p:cNvSpPr>
+          <p:nvPr>
+            <p:ph type="body" idx="1"/>
+          </p:nvPr>
+        </p:nvSpPr>
+        <p:spPr/>
+        <p:txBody>
+          <a:bodyPr/>
+          <a:lstStyle/>
+          <a:p>
+            <a:r>
+              <a:rPr lang="en-US" dirty="0"/>
+              <a:t>By assuming, we simplify the problem quite a bit and allows us to write a governing equation.</a:t>
+            </a:r>
+          </a:p>
+        </p:txBody>
+      </p:sp>
+      <p:sp>
+        <p:nvSpPr>
+          <p:cNvPr id="4" name="Slide Number Placeholder 3"/>
+          <p:cNvSpPr>
+            <a:spLocks noGrp="1"/>
+          </p:cNvSpPr>
+          <p:nvPr>
+            <p:ph type="sldNum" sz="quarter" idx="5"/>
+          </p:nvPr>
+        </p:nvSpPr>
+        <p:spPr/>
+        <p:txBody>
+          <a:bodyPr/>
+          <a:lstStyle/>
+          <a:p>
+            <a:fld id="{D8C8204A-43A9-4FC9-A2DC-0B186264B9AB}" type="slidenum">
+              <a:rPr lang="en-US" smtClean="0"/>
+              <a:t>10</a:t>
+            </a:fld>
+            <a:endParaRPr lang="en-US"/>
+          </a:p>
+        </p:txBody>
+      </p:sp>
+    </p:spTree>
+    <p:extLst>
+      <p:ext uri="{BB962C8B-B14F-4D97-AF65-F5344CB8AC3E}">
+        <p14:creationId xmlns:p14="http://schemas.microsoft.com/office/powerpoint/2010/main" val="109581441"/>
+      </p:ext>
+    </p:extLst>
+  </p:cSld>
+  <p:clrMapOvr>
+    <a:masterClrMapping/>
+  </p:clrMapOvr>
+</p:notes>
 </file>
 
 <file path=ppt/slideLayouts/slideLayout1.xml><?xml version="1.0" encoding="utf-8"?>
@@ -4399,7 +4571,7 @@
         <p:cNvPr id="1" name="">
           <a:extLst>
             <a:ext uri="{FF2B5EF4-FFF2-40B4-BE49-F238E27FC236}">
-              <a16:creationId xmlns:a16="http://schemas.microsoft.com/office/drawing/2014/main" id="{C1F4CD63-22AE-CBF9-426B-D22D8425940C}"/>
+              <a16:creationId xmlns:a16="http://schemas.microsoft.com/office/drawing/2014/main" id="{88CBF3F3-4395-CEEC-ABF4-F5E7416A030C}"/>
             </a:ext>
           </a:extLst>
         </p:cNvPr>
@@ -4419,7 +4591,7 @@
           <p:cNvPr id="2" name="Title 1">
             <a:extLst>
               <a:ext uri="{FF2B5EF4-FFF2-40B4-BE49-F238E27FC236}">
-                <a16:creationId xmlns:a16="http://schemas.microsoft.com/office/drawing/2014/main" id="{ACE350BD-F88C-9CCD-EE59-1D70E16C80CC}"/>
+                <a16:creationId xmlns:a16="http://schemas.microsoft.com/office/drawing/2014/main" id="{419EA7D1-58C7-0A15-0C9F-7F252B396756}"/>
               </a:ext>
             </a:extLst>
           </p:cNvPr>
@@ -4439,7 +4611,7 @@
           <a:p>
             <a:r>
               <a:rPr lang="en-US" dirty="0"/>
-              <a:t>Example: Simple Beam with Two Materials</a:t>
+              <a:t>Simple Beam with Two Materials</a:t>
             </a:r>
           </a:p>
         </p:txBody>
@@ -4449,7 +4621,7 @@
           <p:cNvPr id="4" name="Slide Number Placeholder 3">
             <a:extLst>
               <a:ext uri="{FF2B5EF4-FFF2-40B4-BE49-F238E27FC236}">
-                <a16:creationId xmlns:a16="http://schemas.microsoft.com/office/drawing/2014/main" id="{F3AB7B61-F166-C079-5ED5-F26DF29E430F}"/>
+                <a16:creationId xmlns:a16="http://schemas.microsoft.com/office/drawing/2014/main" id="{FD1A7230-4C77-DCEF-EF5D-0D29C801BD32}"/>
               </a:ext>
             </a:extLst>
           </p:cNvPr>
@@ -4478,7 +4650,7 @@
           <p:cNvPr id="23" name="Group 22">
             <a:extLst>
               <a:ext uri="{FF2B5EF4-FFF2-40B4-BE49-F238E27FC236}">
-                <a16:creationId xmlns:a16="http://schemas.microsoft.com/office/drawing/2014/main" id="{3098800A-56A2-5657-90C8-BE01D2A72157}"/>
+                <a16:creationId xmlns:a16="http://schemas.microsoft.com/office/drawing/2014/main" id="{83AAE03C-392A-6622-B917-D78226FD79DC}"/>
               </a:ext>
             </a:extLst>
           </p:cNvPr>
@@ -4487,7 +4659,7 @@
         </p:nvGrpSpPr>
         <p:grpSpPr>
           <a:xfrm>
-            <a:off x="3694335" y="4200744"/>
+            <a:off x="6798152" y="3470168"/>
             <a:ext cx="4144962" cy="2316797"/>
             <a:chOff x="3877215" y="3290450"/>
             <a:chExt cx="4144962" cy="2316797"/>
@@ -4498,7 +4670,7 @@
             <p:cNvPr id="5" name="Group 4">
               <a:extLst>
                 <a:ext uri="{FF2B5EF4-FFF2-40B4-BE49-F238E27FC236}">
-                  <a16:creationId xmlns:a16="http://schemas.microsoft.com/office/drawing/2014/main" id="{3FCE64A7-00DF-E5A4-F268-2340587A943A}"/>
+                  <a16:creationId xmlns:a16="http://schemas.microsoft.com/office/drawing/2014/main" id="{4352AE2F-73E3-3B21-1584-A2276E5654E6}"/>
                 </a:ext>
               </a:extLst>
             </p:cNvPr>
@@ -4518,7 +4690,7 @@
               <p:cNvPr id="6" name="Straight Connector 5">
                 <a:extLst>
                   <a:ext uri="{FF2B5EF4-FFF2-40B4-BE49-F238E27FC236}">
-                    <a16:creationId xmlns:a16="http://schemas.microsoft.com/office/drawing/2014/main" id="{13DE36FA-2541-2592-6911-A870E7C6F093}"/>
+                    <a16:creationId xmlns:a16="http://schemas.microsoft.com/office/drawing/2014/main" id="{AE70D61D-3BA9-6B0D-4F03-E85D98AF3C88}"/>
                   </a:ext>
                 </a:extLst>
               </p:cNvPr>
@@ -4564,7 +4736,7 @@
               <p:cNvPr id="7" name="Oval 6">
                 <a:extLst>
                   <a:ext uri="{FF2B5EF4-FFF2-40B4-BE49-F238E27FC236}">
-                    <a16:creationId xmlns:a16="http://schemas.microsoft.com/office/drawing/2014/main" id="{BDFC38AE-DE45-07C8-5EBD-D7BDF5D1623C}"/>
+                    <a16:creationId xmlns:a16="http://schemas.microsoft.com/office/drawing/2014/main" id="{0DB6F6EF-3AD9-68E3-B5CC-5F99CFBA561F}"/>
                   </a:ext>
                 </a:extLst>
               </p:cNvPr>
@@ -4614,7 +4786,7 @@
               <p:cNvPr id="8" name="Isosceles Triangle 7">
                 <a:extLst>
                   <a:ext uri="{FF2B5EF4-FFF2-40B4-BE49-F238E27FC236}">
-                    <a16:creationId xmlns:a16="http://schemas.microsoft.com/office/drawing/2014/main" id="{96B1EE0C-3FBA-A9F4-5FAD-94D0C3372457}"/>
+                    <a16:creationId xmlns:a16="http://schemas.microsoft.com/office/drawing/2014/main" id="{C8830986-FA06-8B67-7806-1624C2C03004}"/>
                   </a:ext>
                 </a:extLst>
               </p:cNvPr>
@@ -4664,7 +4836,7 @@
               <p:cNvPr id="9" name="Straight Arrow Connector 8">
                 <a:extLst>
                   <a:ext uri="{FF2B5EF4-FFF2-40B4-BE49-F238E27FC236}">
-                    <a16:creationId xmlns:a16="http://schemas.microsoft.com/office/drawing/2014/main" id="{1A81B945-8211-9B29-3ED1-BB9370478715}"/>
+                    <a16:creationId xmlns:a16="http://schemas.microsoft.com/office/drawing/2014/main" id="{D740EC8C-D99B-21A9-B378-89D858E71012}"/>
                   </a:ext>
                 </a:extLst>
               </p:cNvPr>
@@ -4703,7 +4875,7 @@
               <p:cNvPr id="10" name="Straight Connector 9">
                 <a:extLst>
                   <a:ext uri="{FF2B5EF4-FFF2-40B4-BE49-F238E27FC236}">
-                    <a16:creationId xmlns:a16="http://schemas.microsoft.com/office/drawing/2014/main" id="{09CC2944-B501-90F0-9AE2-CEFE55009AC3}"/>
+                    <a16:creationId xmlns:a16="http://schemas.microsoft.com/office/drawing/2014/main" id="{F1D5C093-87B7-805D-3976-ADEB94F07E32}"/>
                   </a:ext>
                 </a:extLst>
               </p:cNvPr>
@@ -4741,7 +4913,7 @@
               <p:cNvPr id="11" name="TextBox 10">
                 <a:extLst>
                   <a:ext uri="{FF2B5EF4-FFF2-40B4-BE49-F238E27FC236}">
-                    <a16:creationId xmlns:a16="http://schemas.microsoft.com/office/drawing/2014/main" id="{824BDD6F-26A9-7072-B7C8-8EAB9CC3B49F}"/>
+                    <a16:creationId xmlns:a16="http://schemas.microsoft.com/office/drawing/2014/main" id="{7F547F64-4C2E-B5DF-EB35-0110984F2409}"/>
                   </a:ext>
                 </a:extLst>
               </p:cNvPr>
@@ -4751,7 +4923,7 @@
             <p:spPr>
               <a:xfrm>
                 <a:off x="2692874" y="3684664"/>
-                <a:ext cx="216071" cy="236201"/>
+                <a:ext cx="530428" cy="236201"/>
               </a:xfrm>
               <a:prstGeom prst="rect">
                 <a:avLst/>
@@ -4768,7 +4940,7 @@
                   <a:rPr lang="en-US" sz="1200" dirty="0">
                     <a:latin typeface="+mj-lt"/>
                   </a:rPr>
-                  <a:t>L</a:t>
+                  <a:t>L = 10ft</a:t>
                 </a:r>
               </a:p>
             </p:txBody>
@@ -4778,7 +4950,7 @@
               <p:cNvPr id="12" name="TextBox 11">
                 <a:extLst>
                   <a:ext uri="{FF2B5EF4-FFF2-40B4-BE49-F238E27FC236}">
-                    <a16:creationId xmlns:a16="http://schemas.microsoft.com/office/drawing/2014/main" id="{B4543113-D0BE-8F8E-AE1B-1113D51CF382}"/>
+                    <a16:creationId xmlns:a16="http://schemas.microsoft.com/office/drawing/2014/main" id="{13738A99-0D2A-978F-8E40-4ABD0A2E3B38}"/>
                   </a:ext>
                 </a:extLst>
               </p:cNvPr>
@@ -4788,7 +4960,7 @@
             <p:spPr>
               <a:xfrm>
                 <a:off x="2693000" y="1945303"/>
-                <a:ext cx="208629" cy="236201"/>
+                <a:ext cx="542832" cy="236201"/>
               </a:xfrm>
               <a:prstGeom prst="rect">
                 <a:avLst/>
@@ -4805,7 +4977,7 @@
                   <a:rPr lang="en-US" sz="1200" dirty="0">
                     <a:latin typeface="+mj-lt"/>
                   </a:rPr>
-                  <a:t>P</a:t>
+                  <a:t>P = 1kip</a:t>
                 </a:r>
               </a:p>
             </p:txBody>
@@ -4815,7 +4987,7 @@
               <p:cNvPr id="13" name="Freeform: Shape 12">
                 <a:extLst>
                   <a:ext uri="{FF2B5EF4-FFF2-40B4-BE49-F238E27FC236}">
-                    <a16:creationId xmlns:a16="http://schemas.microsoft.com/office/drawing/2014/main" id="{B256FB4F-FA8E-E735-1942-8543A794931C}"/>
+                    <a16:creationId xmlns:a16="http://schemas.microsoft.com/office/drawing/2014/main" id="{3A37CA55-F67F-7A8E-C13E-3A402695FC4C}"/>
                   </a:ext>
                 </a:extLst>
               </p:cNvPr>
@@ -4898,14 +5070,14 @@
               </a:p>
             </p:txBody>
           </p:sp>
-          <mc:AlternateContent xmlns:mc="http://schemas.openxmlformats.org/markup-compatibility/2006">
-            <mc:Choice xmlns:a14="http://schemas.microsoft.com/office/drawing/2010/main" Requires="a14">
+          <mc:AlternateContent xmlns:mc="http://schemas.openxmlformats.org/markup-compatibility/2006" xmlns:a14="http://schemas.microsoft.com/office/drawing/2010/main">
+            <mc:Choice Requires="a14">
               <p:sp>
                 <p:nvSpPr>
                   <p:cNvPr id="14" name="TextBox 13">
                     <a:extLst>
                       <a:ext uri="{FF2B5EF4-FFF2-40B4-BE49-F238E27FC236}">
-                        <a16:creationId xmlns:a16="http://schemas.microsoft.com/office/drawing/2014/main" id="{3867B249-11A9-C4D3-EBBB-DB50835CF238}"/>
+                        <a16:creationId xmlns:a16="http://schemas.microsoft.com/office/drawing/2014/main" id="{C79233F3-98B1-A932-85B8-AE73E8F32EFE}"/>
                       </a:ext>
                     </a:extLst>
                   </p:cNvPr>
@@ -4915,7 +5087,7 @@
                 <p:spPr>
                   <a:xfrm>
                     <a:off x="2773259" y="3220756"/>
-                    <a:ext cx="414776" cy="236201"/>
+                    <a:ext cx="743472" cy="236201"/>
                   </a:xfrm>
                   <a:prstGeom prst="rect">
                     <a:avLst/>
@@ -4972,6 +5144,24 @@
                               </m:r>
                             </m:sub>
                           </m:sSub>
+                          <m:r>
+                            <a:rPr lang="en-US" sz="1200" b="0" i="1" smtClean="0">
+                              <a:solidFill>
+                                <a:schemeClr val="tx1"/>
+                              </a:solidFill>
+                              <a:latin typeface="Cambria Math" panose="02040503050406030204" pitchFamily="18" charset="0"/>
+                            </a:rPr>
+                            <m:t>=1</m:t>
+                          </m:r>
+                          <m:r>
+                            <a:rPr lang="en-US" sz="1200" b="0" i="1" smtClean="0">
+                              <a:solidFill>
+                                <a:schemeClr val="tx1"/>
+                              </a:solidFill>
+                              <a:latin typeface="Cambria Math" panose="02040503050406030204" pitchFamily="18" charset="0"/>
+                            </a:rPr>
+                            <m:t>𝑖𝑛</m:t>
+                          </m:r>
                         </m:oMath>
                       </m:oMathPara>
                     </a14:m>
@@ -4985,13 +5175,13 @@
                 </p:txBody>
               </p:sp>
             </mc:Choice>
-            <mc:Fallback>
+            <mc:Fallback xmlns="">
               <p:sp>
                 <p:nvSpPr>
                   <p:cNvPr id="14" name="TextBox 13">
                     <a:extLst>
                       <a:ext uri="{FF2B5EF4-FFF2-40B4-BE49-F238E27FC236}">
-                        <a16:creationId xmlns:a16="http://schemas.microsoft.com/office/drawing/2014/main" id="{3867B249-11A9-C4D3-EBBB-DB50835CF238}"/>
+                        <a16:creationId xmlns:a16="http://schemas.microsoft.com/office/drawing/2014/main" id="{C79233F3-98B1-A932-85B8-AE73E8F32EFE}"/>
                       </a:ext>
                     </a:extLst>
                   </p:cNvPr>
@@ -5003,13 +5193,13 @@
                 <p:spPr>
                   <a:xfrm>
                     <a:off x="2773259" y="3220756"/>
-                    <a:ext cx="414776" cy="236201"/>
+                    <a:ext cx="743472" cy="236201"/>
                   </a:xfrm>
                   <a:prstGeom prst="rect">
                     <a:avLst/>
                   </a:prstGeom>
                   <a:blipFill>
-                    <a:blip r:embed="rId2"/>
+                    <a:blip r:embed="rId3"/>
                     <a:stretch>
                       <a:fillRect/>
                     </a:stretch>
@@ -5035,7 +5225,7 @@
               <p:cNvPr id="15" name="Straight Connector 14">
                 <a:extLst>
                   <a:ext uri="{FF2B5EF4-FFF2-40B4-BE49-F238E27FC236}">
-                    <a16:creationId xmlns:a16="http://schemas.microsoft.com/office/drawing/2014/main" id="{C06CCA7B-6C93-DAE5-C1AC-540A9ECF20D4}"/>
+                    <a16:creationId xmlns:a16="http://schemas.microsoft.com/office/drawing/2014/main" id="{391AD9D6-CC2A-0E2F-448A-18E8127653F6}"/>
                   </a:ext>
                 </a:extLst>
               </p:cNvPr>
@@ -5071,7 +5261,7 @@
               <p:cNvPr id="16" name="Straight Connector 15">
                 <a:extLst>
                   <a:ext uri="{FF2B5EF4-FFF2-40B4-BE49-F238E27FC236}">
-                    <a16:creationId xmlns:a16="http://schemas.microsoft.com/office/drawing/2014/main" id="{33814BA3-1F6A-58A2-670F-F585764D239D}"/>
+                    <a16:creationId xmlns:a16="http://schemas.microsoft.com/office/drawing/2014/main" id="{5D34F5F5-FE59-1F76-2507-A20617E1E4AB}"/>
                   </a:ext>
                 </a:extLst>
               </p:cNvPr>
@@ -5107,7 +5297,7 @@
               <p:cNvPr id="17" name="Straight Connector 16">
                 <a:extLst>
                   <a:ext uri="{FF2B5EF4-FFF2-40B4-BE49-F238E27FC236}">
-                    <a16:creationId xmlns:a16="http://schemas.microsoft.com/office/drawing/2014/main" id="{3604F5E1-8A62-1DFE-F8C0-67BA527C2EDB}"/>
+                    <a16:creationId xmlns:a16="http://schemas.microsoft.com/office/drawing/2014/main" id="{A17185B8-618D-50E9-9F67-C3F81D35F952}"/>
                   </a:ext>
                 </a:extLst>
               </p:cNvPr>
@@ -5153,7 +5343,7 @@
             <p:cNvPr id="19" name="Straight Connector 18">
               <a:extLst>
                 <a:ext uri="{FF2B5EF4-FFF2-40B4-BE49-F238E27FC236}">
-                  <a16:creationId xmlns:a16="http://schemas.microsoft.com/office/drawing/2014/main" id="{A85FBD08-D44C-EE9B-4DCE-17ADCC934B32}"/>
+                  <a16:creationId xmlns:a16="http://schemas.microsoft.com/office/drawing/2014/main" id="{FEC3865A-B98A-6E65-48C9-7DCAD8440588}"/>
                 </a:ext>
               </a:extLst>
             </p:cNvPr>
@@ -5194,14 +5384,14 @@
             </a:fontRef>
           </p:style>
         </p:cxnSp>
-        <mc:AlternateContent xmlns:mc="http://schemas.openxmlformats.org/markup-compatibility/2006">
-          <mc:Choice xmlns:a14="http://schemas.microsoft.com/office/drawing/2010/main" Requires="a14">
+        <mc:AlternateContent xmlns:mc="http://schemas.openxmlformats.org/markup-compatibility/2006" xmlns:a14="http://schemas.microsoft.com/office/drawing/2010/main">
+          <mc:Choice Requires="a14">
             <p:sp>
               <p:nvSpPr>
                 <p:cNvPr id="18" name="TextBox 17">
                   <a:extLst>
                     <a:ext uri="{FF2B5EF4-FFF2-40B4-BE49-F238E27FC236}">
-                      <a16:creationId xmlns:a16="http://schemas.microsoft.com/office/drawing/2014/main" id="{4F608DC3-631A-BBB4-C2DF-2FE53AA1DEF6}"/>
+                      <a16:creationId xmlns:a16="http://schemas.microsoft.com/office/drawing/2014/main" id="{14237397-947B-5E6A-FB57-61E3A554A58A}"/>
                     </a:ext>
                   </a:extLst>
                 </p:cNvPr>
@@ -5287,13 +5477,13 @@
               </p:txBody>
             </p:sp>
           </mc:Choice>
-          <mc:Fallback>
+          <mc:Fallback xmlns="">
             <p:sp>
               <p:nvSpPr>
                 <p:cNvPr id="18" name="TextBox 17">
                   <a:extLst>
                     <a:ext uri="{FF2B5EF4-FFF2-40B4-BE49-F238E27FC236}">
-                      <a16:creationId xmlns:a16="http://schemas.microsoft.com/office/drawing/2014/main" id="{4F608DC3-631A-BBB4-C2DF-2FE53AA1DEF6}"/>
+                      <a16:creationId xmlns:a16="http://schemas.microsoft.com/office/drawing/2014/main" id="{14237397-947B-5E6A-FB57-61E3A554A58A}"/>
                     </a:ext>
                   </a:extLst>
                 </p:cNvPr>
@@ -5311,9 +5501,9 @@
                   <a:avLst/>
                 </a:prstGeom>
                 <a:blipFill>
-                  <a:blip r:embed="rId3"/>
+                  <a:blip r:embed="rId4"/>
                   <a:stretch>
-                    <a:fillRect t="-2222" b="-17778"/>
+                    <a:fillRect b="-15217"/>
                   </a:stretch>
                 </a:blipFill>
               </p:spPr>
@@ -5332,14 +5522,14 @@
             </p:sp>
           </mc:Fallback>
         </mc:AlternateContent>
-        <mc:AlternateContent xmlns:mc="http://schemas.openxmlformats.org/markup-compatibility/2006">
-          <mc:Choice xmlns:a14="http://schemas.microsoft.com/office/drawing/2010/main" Requires="a14">
+        <mc:AlternateContent xmlns:mc="http://schemas.openxmlformats.org/markup-compatibility/2006" xmlns:a14="http://schemas.microsoft.com/office/drawing/2010/main">
+          <mc:Choice Requires="a14">
             <p:sp>
               <p:nvSpPr>
                 <p:cNvPr id="20" name="TextBox 19">
                   <a:extLst>
                     <a:ext uri="{FF2B5EF4-FFF2-40B4-BE49-F238E27FC236}">
-                      <a16:creationId xmlns:a16="http://schemas.microsoft.com/office/drawing/2014/main" id="{67730791-017E-CE51-20A3-8F1223EC7A5D}"/>
+                      <a16:creationId xmlns:a16="http://schemas.microsoft.com/office/drawing/2014/main" id="{4F8DB95B-DBD9-6A10-50C5-536EF41F5EAA}"/>
                     </a:ext>
                   </a:extLst>
                 </p:cNvPr>
@@ -5425,13 +5615,13 @@
               </p:txBody>
             </p:sp>
           </mc:Choice>
-          <mc:Fallback>
+          <mc:Fallback xmlns="">
             <p:sp>
               <p:nvSpPr>
                 <p:cNvPr id="20" name="TextBox 19">
                   <a:extLst>
                     <a:ext uri="{FF2B5EF4-FFF2-40B4-BE49-F238E27FC236}">
-                      <a16:creationId xmlns:a16="http://schemas.microsoft.com/office/drawing/2014/main" id="{67730791-017E-CE51-20A3-8F1223EC7A5D}"/>
+                      <a16:creationId xmlns:a16="http://schemas.microsoft.com/office/drawing/2014/main" id="{4F8DB95B-DBD9-6A10-50C5-536EF41F5EAA}"/>
                     </a:ext>
                   </a:extLst>
                 </p:cNvPr>
@@ -5449,7 +5639,7 @@
                   <a:avLst/>
                 </a:prstGeom>
                 <a:blipFill>
-                  <a:blip r:embed="rId4"/>
+                  <a:blip r:embed="rId5"/>
                   <a:stretch>
                     <a:fillRect b="-15217"/>
                   </a:stretch>
@@ -5471,14 +5661,14 @@
           </mc:Fallback>
         </mc:AlternateContent>
       </p:grpSp>
-      <mc:AlternateContent xmlns:mc="http://schemas.openxmlformats.org/markup-compatibility/2006">
-        <mc:Choice xmlns:a14="http://schemas.microsoft.com/office/drawing/2010/main" Requires="a14">
+      <mc:AlternateContent xmlns:mc="http://schemas.openxmlformats.org/markup-compatibility/2006" xmlns:a14="http://schemas.microsoft.com/office/drawing/2010/main">
+        <mc:Choice Requires="a14">
           <p:sp>
             <p:nvSpPr>
               <p:cNvPr id="22" name="TextBox 21">
                 <a:extLst>
                   <a:ext uri="{FF2B5EF4-FFF2-40B4-BE49-F238E27FC236}">
-                    <a16:creationId xmlns:a16="http://schemas.microsoft.com/office/drawing/2014/main" id="{8B68562B-0B39-F8C3-5528-62550534FC7D}"/>
+                    <a16:creationId xmlns:a16="http://schemas.microsoft.com/office/drawing/2014/main" id="{127A57E7-0492-FBA9-6A95-D8E1FC852BE6}"/>
                   </a:ext>
                 </a:extLst>
               </p:cNvPr>
@@ -5488,7 +5678,7 @@
             <p:spPr>
               <a:xfrm>
                 <a:off x="838200" y="1551557"/>
-                <a:ext cx="9320784" cy="2649187"/>
+                <a:ext cx="10515600" cy="4441024"/>
               </a:xfrm>
               <a:prstGeom prst="rect">
                 <a:avLst/>
@@ -5505,30 +5695,7 @@
                   <a:rPr lang="en-US" dirty="0">
                     <a:latin typeface="+mj-lt"/>
                   </a:rPr>
-                  <a:t>Approaches to solve:</a:t>
-                </a:r>
-              </a:p>
-              <a:p>
-                <a:pPr marL="342900" indent="-342900">
-                  <a:buAutoNum type="arabicPeriod"/>
-                </a:pPr>
-                <a:r>
-                  <a:rPr lang="en-US" dirty="0">
-                    <a:latin typeface="+mj-lt"/>
-                  </a:rPr>
-                  <a:t>Make assumptions to simplify the problem: </a:t>
-                </a:r>
-              </a:p>
-              <a:p>
-                <a:pPr marL="800100" lvl="1" indent="-342900">
-                  <a:buFont typeface="+mj-lt"/>
-                  <a:buAutoNum type="alphaUcPeriod"/>
-                </a:pPr>
-                <a:r>
-                  <a:rPr lang="en-US" dirty="0">
-                    <a:latin typeface="+mj-lt"/>
-                  </a:rPr>
-                  <a:t>Assume </a:t>
+                  <a:t>Problem: Find for </a:t>
                 </a:r>
                 <a14:m>
                   <m:oMath xmlns:m="http://schemas.openxmlformats.org/officeDocument/2006/math">
@@ -5557,105 +5724,13 @@
                         </m:r>
                       </m:sub>
                     </m:sSub>
-                    <m:r>
-                      <a:rPr lang="en-US" b="0" i="1" smtClean="0">
-                        <a:latin typeface="Cambria Math" panose="02040503050406030204" pitchFamily="18" charset="0"/>
-                      </a:rPr>
-                      <m:t>=</m:t>
-                    </m:r>
-                    <m:sSub>
-                      <m:sSubPr>
-                        <m:ctrlPr>
-                          <a:rPr lang="en-US" b="0" i="1" smtClean="0">
-                            <a:latin typeface="Cambria Math" panose="02040503050406030204" pitchFamily="18" charset="0"/>
-                          </a:rPr>
-                        </m:ctrlPr>
-                      </m:sSubPr>
-                      <m:e>
-                        <m:r>
-                          <a:rPr lang="en-US" b="0" i="1" smtClean="0">
-                            <a:latin typeface="Cambria Math" panose="02040503050406030204" pitchFamily="18" charset="0"/>
-                          </a:rPr>
-                          <m:t>𝐸</m:t>
-                        </m:r>
-                      </m:e>
-                      <m:sub>
-                        <m:r>
-                          <a:rPr lang="en-US" b="0" i="1" smtClean="0">
-                            <a:latin typeface="Cambria Math" panose="02040503050406030204" pitchFamily="18" charset="0"/>
-                          </a:rPr>
-                          <m:t>2</m:t>
-                        </m:r>
-                      </m:sub>
-                    </m:sSub>
-                    <m:r>
-                      <a:rPr lang="en-US" b="0" i="1" smtClean="0">
-                        <a:latin typeface="Cambria Math" panose="02040503050406030204" pitchFamily="18" charset="0"/>
-                      </a:rPr>
-                      <m:t> </m:t>
-                    </m:r>
-                  </m:oMath>
-                </a14:m>
-                <a:r>
-                  <a:rPr lang="en-US" b="0" i="0" dirty="0">
-                    <a:latin typeface="+mj-lt"/>
-                  </a:rPr>
-                  <a:t>;</a:t>
-                </a:r>
-                <a14:m>
-                  <m:oMath xmlns:m="http://schemas.openxmlformats.org/officeDocument/2006/math">
-                    <m:r>
-                      <a:rPr lang="en-US" b="0" i="1" smtClean="0">
-                        <a:latin typeface="Cambria Math" panose="02040503050406030204" pitchFamily="18" charset="0"/>
-                      </a:rPr>
-                      <m:t> </m:t>
-                    </m:r>
-                    <m:sSub>
-                      <m:sSubPr>
-                        <m:ctrlPr>
-                          <a:rPr lang="en-US" b="0" i="1" smtClean="0">
-                            <a:latin typeface="Cambria Math" panose="02040503050406030204" pitchFamily="18" charset="0"/>
-                          </a:rPr>
-                        </m:ctrlPr>
-                      </m:sSubPr>
-                      <m:e>
-                        <m:r>
-                          <a:rPr lang="en-US" b="0" i="1" smtClean="0">
-                            <a:latin typeface="Cambria Math" panose="02040503050406030204" pitchFamily="18" charset="0"/>
-                          </a:rPr>
-                          <m:t>𝐸</m:t>
-                        </m:r>
-                      </m:e>
-                      <m:sub>
-                        <m:r>
-                          <a:rPr lang="en-US" b="0" i="1" smtClean="0">
-                            <a:latin typeface="Cambria Math" panose="02040503050406030204" pitchFamily="18" charset="0"/>
-                          </a:rPr>
-                          <m:t>1</m:t>
-                        </m:r>
-                      </m:sub>
-                    </m:sSub>
-                    <m:r>
-                      <a:rPr lang="en-US" b="0" i="1" smtClean="0">
-                        <a:latin typeface="Cambria Math" panose="02040503050406030204" pitchFamily="18" charset="0"/>
-                        <a:ea typeface="Cambria Math" panose="02040503050406030204" pitchFamily="18" charset="0"/>
-                      </a:rPr>
-                      <m:t>≈</m:t>
-                    </m:r>
-                    <m:r>
-                      <a:rPr lang="en-US" b="0" i="1" smtClean="0">
-                        <a:latin typeface="Cambria Math" panose="02040503050406030204" pitchFamily="18" charset="0"/>
-                        <a:ea typeface="Cambria Math" panose="02040503050406030204" pitchFamily="18" charset="0"/>
-                      </a:rPr>
-                      <m:t>𝑋</m:t>
-                    </m:r>
                   </m:oMath>
                 </a14:m>
                 <a:r>
                   <a:rPr lang="en-US" dirty="0">
                     <a:latin typeface="+mj-lt"/>
                   </a:rPr>
-                  <a:t> ; </a:t>
+                  <a:t> and </a:t>
                 </a:r>
                 <a14:m>
                   <m:oMath xmlns:m="http://schemas.openxmlformats.org/officeDocument/2006/math">
@@ -5684,49 +5759,48 @@
                         </m:r>
                       </m:sub>
                     </m:sSub>
-                    <m:r>
-                      <a:rPr lang="en-US" i="1">
-                        <a:latin typeface="Cambria Math" panose="02040503050406030204" pitchFamily="18" charset="0"/>
-                        <a:ea typeface="Cambria Math" panose="02040503050406030204" pitchFamily="18" charset="0"/>
-                      </a:rPr>
-                      <m:t>≈</m:t>
-                    </m:r>
-                    <m:r>
-                      <a:rPr lang="en-US" b="0" i="1" smtClean="0">
-                        <a:latin typeface="Cambria Math" panose="02040503050406030204" pitchFamily="18" charset="0"/>
-                        <a:ea typeface="Cambria Math" panose="02040503050406030204" pitchFamily="18" charset="0"/>
-                      </a:rPr>
-                      <m:t>𝑌</m:t>
-                    </m:r>
                   </m:oMath>
                 </a14:m>
-                <a:endParaRPr lang="en-US" b="0" dirty="0">
-                  <a:latin typeface="+mj-lt"/>
-                  <a:ea typeface="Cambria Math" panose="02040503050406030204" pitchFamily="18" charset="0"/>
-                </a:endParaRPr>
-              </a:p>
-              <a:p>
-                <a:pPr marL="1314450" lvl="2" indent="-400050">
-                  <a:buFont typeface="+mj-lt"/>
-                  <a:buAutoNum type="romanLcPeriod"/>
-                </a:pPr>
                 <a:r>
                   <a:rPr lang="en-US" dirty="0">
                     <a:latin typeface="+mj-lt"/>
                   </a:rPr>
-                  <a:t>The given information is not enough to validate these assumptions and significantly changes the problem</a:t>
+                  <a:t> given </a:t>
                 </a:r>
-              </a:p>
-              <a:p>
-                <a:pPr marL="857250" lvl="1" indent="-400050">
-                  <a:buFont typeface="+mj-lt"/>
-                  <a:buAutoNum type="alphaUcPeriod"/>
-                </a:pPr>
+                <a14:m>
+                  <m:oMath xmlns:m="http://schemas.openxmlformats.org/officeDocument/2006/math">
+                    <m:sSub>
+                      <m:sSubPr>
+                        <m:ctrlPr>
+                          <a:rPr lang="en-US" b="0" i="1" smtClean="0">
+                            <a:latin typeface="Cambria Math" panose="02040503050406030204" pitchFamily="18" charset="0"/>
+                          </a:rPr>
+                        </m:ctrlPr>
+                      </m:sSubPr>
+                      <m:e>
+                        <m:r>
+                          <a:rPr lang="en-US" b="0" i="1" smtClean="0">
+                            <a:latin typeface="Cambria Math" panose="02040503050406030204" pitchFamily="18" charset="0"/>
+                          </a:rPr>
+                          <m:t>𝛿</m:t>
+                        </m:r>
+                      </m:e>
+                      <m:sub>
+                        <m:r>
+                          <a:rPr lang="en-US" b="0" i="1" smtClean="0">
+                            <a:latin typeface="Cambria Math" panose="02040503050406030204" pitchFamily="18" charset="0"/>
+                          </a:rPr>
+                          <m:t>𝑚𝑎𝑥</m:t>
+                        </m:r>
+                      </m:sub>
+                    </m:sSub>
+                  </m:oMath>
+                </a14:m>
                 <a:r>
                   <a:rPr lang="en-US" dirty="0">
                     <a:latin typeface="+mj-lt"/>
                   </a:rPr>
-                  <a:t>Assume the beam piecewise continuous ; </a:t>
+                  <a:t> , </a:t>
                 </a:r>
                 <a14:m>
                   <m:oMath xmlns:m="http://schemas.openxmlformats.org/officeDocument/2006/math">
@@ -5734,213 +5808,846 @@
                       <a:rPr lang="en-US" b="0" i="1" smtClean="0">
                         <a:latin typeface="Cambria Math" panose="02040503050406030204" pitchFamily="18" charset="0"/>
                       </a:rPr>
-                      <m:t>𝐸</m:t>
+                      <m:t>𝑃</m:t>
                     </m:r>
-                    <m:d>
-                      <m:dPr>
-                        <m:ctrlPr>
-                          <a:rPr lang="en-US" b="0" i="1" smtClean="0">
-                            <a:latin typeface="Cambria Math" panose="02040503050406030204" pitchFamily="18" charset="0"/>
-                          </a:rPr>
-                        </m:ctrlPr>
-                      </m:dPr>
-                      <m:e>
-                        <m:r>
-                          <a:rPr lang="en-US" b="0" i="1" smtClean="0">
-                            <a:latin typeface="Cambria Math" panose="02040503050406030204" pitchFamily="18" charset="0"/>
-                          </a:rPr>
-                          <m:t>𝑥</m:t>
-                        </m:r>
-                      </m:e>
-                    </m:d>
+                  </m:oMath>
+                </a14:m>
+                <a:r>
+                  <a:rPr lang="en-US" dirty="0">
+                    <a:latin typeface="+mj-lt"/>
+                  </a:rPr>
+                  <a:t> , </a:t>
+                </a:r>
+                <a14:m>
+                  <m:oMath xmlns:m="http://schemas.openxmlformats.org/officeDocument/2006/math">
                     <m:r>
                       <a:rPr lang="en-US" b="0" i="1" smtClean="0">
                         <a:latin typeface="Cambria Math" panose="02040503050406030204" pitchFamily="18" charset="0"/>
                       </a:rPr>
-                      <m:t>=</m:t>
+                      <m:t>𝐼</m:t>
                     </m:r>
-                    <m:d>
-                      <m:dPr>
-                        <m:begChr m:val="{"/>
-                        <m:endChr m:val=""/>
-                        <m:ctrlPr>
-                          <a:rPr lang="en-US" b="0" i="1" smtClean="0">
-                            <a:latin typeface="Cambria Math" panose="02040503050406030204" pitchFamily="18" charset="0"/>
-                          </a:rPr>
-                        </m:ctrlPr>
-                      </m:dPr>
-                      <m:e>
-                        <m:eqArr>
-                          <m:eqArrPr>
-                            <m:ctrlPr>
-                              <a:rPr lang="en-US" b="0" i="1" smtClean="0">
-                                <a:latin typeface="Cambria Math" panose="02040503050406030204" pitchFamily="18" charset="0"/>
-                              </a:rPr>
-                            </m:ctrlPr>
-                          </m:eqArrPr>
-                          <m:e>
-                            <m:sSub>
-                              <m:sSubPr>
-                                <m:ctrlPr>
-                                  <a:rPr lang="en-US" b="0" i="1" smtClean="0">
-                                    <a:latin typeface="Cambria Math" panose="02040503050406030204" pitchFamily="18" charset="0"/>
-                                  </a:rPr>
-                                </m:ctrlPr>
-                              </m:sSubPr>
-                              <m:e>
-                                <m:r>
-                                  <a:rPr lang="en-US" b="0" i="1" smtClean="0">
-                                    <a:latin typeface="Cambria Math" panose="02040503050406030204" pitchFamily="18" charset="0"/>
-                                  </a:rPr>
-                                  <m:t>𝐸</m:t>
-                                </m:r>
-                              </m:e>
-                              <m:sub>
-                                <m:r>
-                                  <a:rPr lang="en-US" b="0" i="1" smtClean="0">
-                                    <a:latin typeface="Cambria Math" panose="02040503050406030204" pitchFamily="18" charset="0"/>
-                                  </a:rPr>
-                                  <m:t>1</m:t>
-                                </m:r>
-                              </m:sub>
-                            </m:sSub>
-                            <m:r>
-                              <a:rPr lang="en-US" i="1">
-                                <a:latin typeface="Cambria Math" panose="02040503050406030204" pitchFamily="18" charset="0"/>
-                              </a:rPr>
-                              <m:t>,→</m:t>
-                            </m:r>
-                            <m:r>
-                              <a:rPr lang="en-US" i="1">
-                                <a:latin typeface="Cambria Math" panose="02040503050406030204" pitchFamily="18" charset="0"/>
-                              </a:rPr>
-                              <m:t>𝑥</m:t>
-                            </m:r>
-                            <m:r>
-                              <a:rPr lang="en-US" i="1">
-                                <a:latin typeface="Cambria Math" panose="02040503050406030204" pitchFamily="18" charset="0"/>
-                              </a:rPr>
-                              <m:t>&lt;</m:t>
-                            </m:r>
-                            <m:r>
-                              <a:rPr lang="en-US" i="1">
-                                <a:latin typeface="Cambria Math" panose="02040503050406030204" pitchFamily="18" charset="0"/>
-                              </a:rPr>
-                              <m:t>𝐿</m:t>
-                            </m:r>
-                            <m:r>
-                              <m:rPr>
-                                <m:nor/>
-                              </m:rPr>
-                              <a:rPr lang="en-US" b="0" i="0" smtClean="0">
-                                <a:latin typeface="Cambria Math" panose="02040503050406030204" pitchFamily="18" charset="0"/>
-                              </a:rPr>
-                              <m:t>/</m:t>
-                            </m:r>
-                            <m:r>
-                              <a:rPr lang="en-US" b="0" i="1" smtClean="0">
-                                <a:latin typeface="Cambria Math" panose="02040503050406030204" pitchFamily="18" charset="0"/>
-                              </a:rPr>
-                              <m:t>2</m:t>
-                            </m:r>
-                          </m:e>
-                          <m:e>
-                            <m:sSub>
-                              <m:sSubPr>
-                                <m:ctrlPr>
-                                  <a:rPr lang="en-US" b="0" i="1" smtClean="0">
-                                    <a:latin typeface="Cambria Math" panose="02040503050406030204" pitchFamily="18" charset="0"/>
-                                  </a:rPr>
-                                </m:ctrlPr>
-                              </m:sSubPr>
-                              <m:e>
-                                <m:r>
-                                  <a:rPr lang="en-US" b="0" i="1" smtClean="0">
-                                    <a:latin typeface="Cambria Math" panose="02040503050406030204" pitchFamily="18" charset="0"/>
-                                  </a:rPr>
-                                  <m:t>𝐸</m:t>
-                                </m:r>
-                              </m:e>
-                              <m:sub>
-                                <m:r>
-                                  <a:rPr lang="en-US" b="0" i="1" smtClean="0">
-                                    <a:latin typeface="Cambria Math" panose="02040503050406030204" pitchFamily="18" charset="0"/>
-                                  </a:rPr>
-                                  <m:t>2</m:t>
-                                </m:r>
-                              </m:sub>
-                            </m:sSub>
-                            <m:r>
-                              <a:rPr lang="en-US" b="0" i="1" smtClean="0">
-                                <a:latin typeface="Cambria Math" panose="02040503050406030204" pitchFamily="18" charset="0"/>
-                              </a:rPr>
-                              <m:t>→</m:t>
-                            </m:r>
-                            <m:r>
-                              <a:rPr lang="en-US" b="0" i="1" smtClean="0">
-                                <a:latin typeface="Cambria Math" panose="02040503050406030204" pitchFamily="18" charset="0"/>
-                              </a:rPr>
-                              <m:t>𝑥</m:t>
-                            </m:r>
-                            <m:r>
-                              <a:rPr lang="en-US" b="0" i="1" smtClean="0">
-                                <a:latin typeface="Cambria Math" panose="02040503050406030204" pitchFamily="18" charset="0"/>
-                              </a:rPr>
-                              <m:t>&gt;</m:t>
-                            </m:r>
-                            <m:r>
-                              <a:rPr lang="en-US" b="0" i="1" smtClean="0">
-                                <a:latin typeface="Cambria Math" panose="02040503050406030204" pitchFamily="18" charset="0"/>
-                              </a:rPr>
-                              <m:t>𝐿</m:t>
-                            </m:r>
-                            <m:r>
-                              <m:rPr>
-                                <m:nor/>
-                              </m:rPr>
-                              <a:rPr lang="en-US" b="0" i="0" smtClean="0">
-                                <a:latin typeface="Cambria Math" panose="02040503050406030204" pitchFamily="18" charset="0"/>
-                              </a:rPr>
-                              <m:t>/</m:t>
-                            </m:r>
-                            <m:r>
-                              <a:rPr lang="en-US" b="0" i="1" smtClean="0">
-                                <a:latin typeface="Cambria Math" panose="02040503050406030204" pitchFamily="18" charset="0"/>
-                              </a:rPr>
-                              <m:t>2</m:t>
-                            </m:r>
-                          </m:e>
-                        </m:eqArr>
-                      </m:e>
-                    </m:d>
                   </m:oMath>
+                </a14:m>
+                <a:r>
+                  <a:rPr lang="en-US" dirty="0">
+                    <a:latin typeface="+mj-lt"/>
+                  </a:rPr>
+                  <a:t> , and </a:t>
+                </a:r>
+                <a14:m>
+                  <m:oMath xmlns:m="http://schemas.openxmlformats.org/officeDocument/2006/math">
+                    <m:r>
+                      <a:rPr lang="en-US" b="0" i="1" smtClean="0">
+                        <a:latin typeface="Cambria Math" panose="02040503050406030204" pitchFamily="18" charset="0"/>
+                      </a:rPr>
+                      <m:t>𝐿</m:t>
+                    </m:r>
+                  </m:oMath>
+                </a14:m>
+                <a:r>
+                  <a:rPr lang="en-US" dirty="0">
+                    <a:latin typeface="+mj-lt"/>
+                  </a:rPr>
+                  <a:t> </a:t>
+                </a:r>
+              </a:p>
+              <a:p>
+                <a:endParaRPr lang="en-US" dirty="0">
+                  <a:latin typeface="+mj-lt"/>
+                </a:endParaRPr>
+              </a:p>
+              <a:p>
+                <a:r>
+                  <a:rPr lang="en-US" u="sng" dirty="0">
+                    <a:latin typeface="+mj-lt"/>
+                  </a:rPr>
+                  <a:t>Assume</a:t>
+                </a:r>
+                <a:r>
+                  <a:rPr lang="en-US" dirty="0">
+                    <a:latin typeface="+mj-lt"/>
+                  </a:rPr>
+                  <a:t> the max deflection comes as the sum of the two materials and piecewise moment functions</a:t>
+                </a:r>
+              </a:p>
+              <a:p>
+                <a:endParaRPr lang="en-US" dirty="0">
+                  <a:latin typeface="+mj-lt"/>
+                </a:endParaRPr>
+              </a:p>
+              <a:p>
+                <a:pPr/>
+                <a14:m>
+                  <m:oMathPara xmlns:m="http://schemas.openxmlformats.org/officeDocument/2006/math">
+                    <m:oMathParaPr>
+                      <m:jc m:val="left"/>
+                    </m:oMathParaPr>
+                    <m:oMath xmlns:m="http://schemas.openxmlformats.org/officeDocument/2006/math">
+                      <m:sSub>
+                        <m:sSubPr>
+                          <m:ctrlPr>
+                            <a:rPr lang="en-US" i="1">
+                              <a:latin typeface="Cambria Math" panose="02040503050406030204" pitchFamily="18" charset="0"/>
+                            </a:rPr>
+                          </m:ctrlPr>
+                        </m:sSubPr>
+                        <m:e>
+                          <m:r>
+                            <a:rPr lang="en-US" i="1">
+                              <a:latin typeface="Cambria Math" panose="02040503050406030204" pitchFamily="18" charset="0"/>
+                            </a:rPr>
+                            <m:t>𝛿</m:t>
+                          </m:r>
+                        </m:e>
+                        <m:sub>
+                          <m:r>
+                            <a:rPr lang="en-US" i="1">
+                              <a:latin typeface="Cambria Math" panose="02040503050406030204" pitchFamily="18" charset="0"/>
+                            </a:rPr>
+                            <m:t>𝑚𝑎𝑥</m:t>
+                          </m:r>
+                        </m:sub>
+                      </m:sSub>
+                      <m:r>
+                        <a:rPr lang="en-US" i="1">
+                          <a:latin typeface="Cambria Math" panose="02040503050406030204" pitchFamily="18" charset="0"/>
+                        </a:rPr>
+                        <m:t>=</m:t>
+                      </m:r>
+                      <m:sSub>
+                        <m:sSubPr>
+                          <m:ctrlPr>
+                            <a:rPr lang="en-US" i="1">
+                              <a:latin typeface="Cambria Math" panose="02040503050406030204" pitchFamily="18" charset="0"/>
+                            </a:rPr>
+                          </m:ctrlPr>
+                        </m:sSubPr>
+                        <m:e>
+                          <m:r>
+                            <a:rPr lang="en-US" i="1">
+                              <a:latin typeface="Cambria Math" panose="02040503050406030204" pitchFamily="18" charset="0"/>
+                            </a:rPr>
+                            <m:t>𝛿</m:t>
+                          </m:r>
+                        </m:e>
+                        <m:sub>
+                          <m:r>
+                            <a:rPr lang="en-US" i="1">
+                              <a:latin typeface="Cambria Math" panose="02040503050406030204" pitchFamily="18" charset="0"/>
+                            </a:rPr>
+                            <m:t>1</m:t>
+                          </m:r>
+                        </m:sub>
+                      </m:sSub>
+                      <m:r>
+                        <a:rPr lang="en-US" i="1">
+                          <a:latin typeface="Cambria Math" panose="02040503050406030204" pitchFamily="18" charset="0"/>
+                        </a:rPr>
+                        <m:t>+</m:t>
+                      </m:r>
+                      <m:sSub>
+                        <m:sSubPr>
+                          <m:ctrlPr>
+                            <a:rPr lang="en-US" i="1">
+                              <a:latin typeface="Cambria Math" panose="02040503050406030204" pitchFamily="18" charset="0"/>
+                            </a:rPr>
+                          </m:ctrlPr>
+                        </m:sSubPr>
+                        <m:e>
+                          <m:r>
+                            <a:rPr lang="en-US" i="1">
+                              <a:latin typeface="Cambria Math" panose="02040503050406030204" pitchFamily="18" charset="0"/>
+                            </a:rPr>
+                            <m:t>𝛿</m:t>
+                          </m:r>
+                        </m:e>
+                        <m:sub>
+                          <m:r>
+                            <a:rPr lang="en-US" i="1">
+                              <a:latin typeface="Cambria Math" panose="02040503050406030204" pitchFamily="18" charset="0"/>
+                            </a:rPr>
+                            <m:t>2</m:t>
+                          </m:r>
+                        </m:sub>
+                      </m:sSub>
+                    </m:oMath>
+                  </m:oMathPara>
+                </a14:m>
+                <a:endParaRPr lang="en-US" i="1" dirty="0">
+                  <a:latin typeface="Cambria Math" panose="02040503050406030204" pitchFamily="18" charset="0"/>
+                </a:endParaRPr>
+              </a:p>
+              <a:p>
+                <a:endParaRPr lang="en-US" i="1" dirty="0">
+                  <a:latin typeface="Cambria Math" panose="02040503050406030204" pitchFamily="18" charset="0"/>
+                </a:endParaRPr>
+              </a:p>
+              <a:p>
+                <a:pPr/>
+                <a14:m>
+                  <m:oMathPara xmlns:m="http://schemas.openxmlformats.org/officeDocument/2006/math">
+                    <m:oMathParaPr>
+                      <m:jc m:val="left"/>
+                    </m:oMathParaPr>
+                    <m:oMath xmlns:m="http://schemas.openxmlformats.org/officeDocument/2006/math">
+                      <m:sSub>
+                        <m:sSubPr>
+                          <m:ctrlPr>
+                            <a:rPr lang="en-US" i="1">
+                              <a:latin typeface="Cambria Math" panose="02040503050406030204" pitchFamily="18" charset="0"/>
+                            </a:rPr>
+                          </m:ctrlPr>
+                        </m:sSubPr>
+                        <m:e>
+                          <m:r>
+                            <a:rPr lang="en-US" i="1">
+                              <a:latin typeface="Cambria Math" panose="02040503050406030204" pitchFamily="18" charset="0"/>
+                            </a:rPr>
+                            <m:t>𝛿</m:t>
+                          </m:r>
+                        </m:e>
+                        <m:sub>
+                          <m:r>
+                            <a:rPr lang="en-US" i="1">
+                              <a:latin typeface="Cambria Math" panose="02040503050406030204" pitchFamily="18" charset="0"/>
+                            </a:rPr>
+                            <m:t>𝑚𝑎𝑥</m:t>
+                          </m:r>
+                        </m:sub>
+                      </m:sSub>
+                      <m:r>
+                        <a:rPr lang="en-US" i="1">
+                          <a:latin typeface="Cambria Math" panose="02040503050406030204" pitchFamily="18" charset="0"/>
+                        </a:rPr>
+                        <m:t>=</m:t>
+                      </m:r>
+                      <m:f>
+                        <m:fPr>
+                          <m:ctrlPr>
+                            <a:rPr lang="en-US" i="1">
+                              <a:latin typeface="Cambria Math" panose="02040503050406030204" pitchFamily="18" charset="0"/>
+                            </a:rPr>
+                          </m:ctrlPr>
+                        </m:fPr>
+                        <m:num>
+                          <m:r>
+                            <a:rPr lang="en-US" i="1">
+                              <a:latin typeface="Cambria Math" panose="02040503050406030204" pitchFamily="18" charset="0"/>
+                            </a:rPr>
+                            <m:t>𝑃</m:t>
+                          </m:r>
+                          <m:sSup>
+                            <m:sSupPr>
+                              <m:ctrlPr>
+                                <a:rPr lang="en-US" i="1">
+                                  <a:latin typeface="Cambria Math" panose="02040503050406030204" pitchFamily="18" charset="0"/>
+                                </a:rPr>
+                              </m:ctrlPr>
+                            </m:sSupPr>
+                            <m:e>
+                              <m:r>
+                                <a:rPr lang="en-US" i="1">
+                                  <a:latin typeface="Cambria Math" panose="02040503050406030204" pitchFamily="18" charset="0"/>
+                                </a:rPr>
+                                <m:t>𝐿</m:t>
+                              </m:r>
+                            </m:e>
+                            <m:sup>
+                              <m:r>
+                                <a:rPr lang="en-US" i="1">
+                                  <a:latin typeface="Cambria Math" panose="02040503050406030204" pitchFamily="18" charset="0"/>
+                                </a:rPr>
+                                <m:t>3</m:t>
+                              </m:r>
+                            </m:sup>
+                          </m:sSup>
+                        </m:num>
+                        <m:den>
+                          <m:r>
+                            <a:rPr lang="en-US" i="1">
+                              <a:latin typeface="Cambria Math" panose="02040503050406030204" pitchFamily="18" charset="0"/>
+                            </a:rPr>
+                            <m:t>48</m:t>
+                          </m:r>
+                          <m:r>
+                            <a:rPr lang="en-US" i="1">
+                              <a:latin typeface="Cambria Math" panose="02040503050406030204" pitchFamily="18" charset="0"/>
+                            </a:rPr>
+                            <m:t>𝐼</m:t>
+                          </m:r>
+                        </m:den>
+                      </m:f>
+                      <m:d>
+                        <m:dPr>
+                          <m:ctrlPr>
+                            <a:rPr lang="en-US" i="1">
+                              <a:latin typeface="Cambria Math" panose="02040503050406030204" pitchFamily="18" charset="0"/>
+                            </a:rPr>
+                          </m:ctrlPr>
+                        </m:dPr>
+                        <m:e>
+                          <m:f>
+                            <m:fPr>
+                              <m:ctrlPr>
+                                <a:rPr lang="en-US" i="1">
+                                  <a:latin typeface="Cambria Math" panose="02040503050406030204" pitchFamily="18" charset="0"/>
+                                </a:rPr>
+                              </m:ctrlPr>
+                            </m:fPr>
+                            <m:num>
+                              <m:r>
+                                <a:rPr lang="en-US" i="1">
+                                  <a:latin typeface="Cambria Math" panose="02040503050406030204" pitchFamily="18" charset="0"/>
+                                </a:rPr>
+                                <m:t>1</m:t>
+                              </m:r>
+                            </m:num>
+                            <m:den>
+                              <m:sSub>
+                                <m:sSubPr>
+                                  <m:ctrlPr>
+                                    <a:rPr lang="en-US" i="1">
+                                      <a:latin typeface="Cambria Math" panose="02040503050406030204" pitchFamily="18" charset="0"/>
+                                    </a:rPr>
+                                  </m:ctrlPr>
+                                </m:sSubPr>
+                                <m:e>
+                                  <m:r>
+                                    <a:rPr lang="en-US" i="1">
+                                      <a:latin typeface="Cambria Math" panose="02040503050406030204" pitchFamily="18" charset="0"/>
+                                    </a:rPr>
+                                    <m:t>𝐸</m:t>
+                                  </m:r>
+                                </m:e>
+                                <m:sub>
+                                  <m:r>
+                                    <a:rPr lang="en-US" i="1">
+                                      <a:latin typeface="Cambria Math" panose="02040503050406030204" pitchFamily="18" charset="0"/>
+                                    </a:rPr>
+                                    <m:t>1</m:t>
+                                  </m:r>
+                                </m:sub>
+                              </m:sSub>
+                            </m:den>
+                          </m:f>
+                          <m:r>
+                            <a:rPr lang="en-US" i="1">
+                              <a:latin typeface="Cambria Math" panose="02040503050406030204" pitchFamily="18" charset="0"/>
+                            </a:rPr>
+                            <m:t>+</m:t>
+                          </m:r>
+                          <m:f>
+                            <m:fPr>
+                              <m:ctrlPr>
+                                <a:rPr lang="en-US" i="1">
+                                  <a:latin typeface="Cambria Math" panose="02040503050406030204" pitchFamily="18" charset="0"/>
+                                </a:rPr>
+                              </m:ctrlPr>
+                            </m:fPr>
+                            <m:num>
+                              <m:r>
+                                <a:rPr lang="en-US" i="1">
+                                  <a:latin typeface="Cambria Math" panose="02040503050406030204" pitchFamily="18" charset="0"/>
+                                </a:rPr>
+                                <m:t>1</m:t>
+                              </m:r>
+                            </m:num>
+                            <m:den>
+                              <m:sSub>
+                                <m:sSubPr>
+                                  <m:ctrlPr>
+                                    <a:rPr lang="en-US" i="1">
+                                      <a:latin typeface="Cambria Math" panose="02040503050406030204" pitchFamily="18" charset="0"/>
+                                    </a:rPr>
+                                  </m:ctrlPr>
+                                </m:sSubPr>
+                                <m:e>
+                                  <m:r>
+                                    <a:rPr lang="en-US" i="1">
+                                      <a:latin typeface="Cambria Math" panose="02040503050406030204" pitchFamily="18" charset="0"/>
+                                    </a:rPr>
+                                    <m:t>𝐸</m:t>
+                                  </m:r>
+                                </m:e>
+                                <m:sub>
+                                  <m:r>
+                                    <a:rPr lang="en-US" i="1">
+                                      <a:latin typeface="Cambria Math" panose="02040503050406030204" pitchFamily="18" charset="0"/>
+                                    </a:rPr>
+                                    <m:t>2</m:t>
+                                  </m:r>
+                                </m:sub>
+                              </m:sSub>
+                            </m:den>
+                          </m:f>
+                        </m:e>
+                      </m:d>
+                    </m:oMath>
+                  </m:oMathPara>
+                </a14:m>
+                <a:endParaRPr lang="en-US" dirty="0"/>
+              </a:p>
+              <a:p>
+                <a:endParaRPr lang="en-US" dirty="0"/>
+              </a:p>
+              <a:p>
+                <a:pPr/>
+                <a14:m>
+                  <m:oMathPara xmlns:m="http://schemas.openxmlformats.org/officeDocument/2006/math">
+                    <m:oMathParaPr>
+                      <m:jc m:val="left"/>
+                    </m:oMathParaPr>
+                    <m:oMath xmlns:m="http://schemas.openxmlformats.org/officeDocument/2006/math">
+                      <m:r>
+                        <a:rPr lang="en-US" b="0" i="1" smtClean="0">
+                          <a:latin typeface="Cambria Math" panose="02040503050406030204" pitchFamily="18" charset="0"/>
+                        </a:rPr>
+                        <m:t>1</m:t>
+                      </m:r>
+                      <m:r>
+                        <a:rPr lang="en-US" b="0" i="1" smtClean="0">
+                          <a:latin typeface="Cambria Math" panose="02040503050406030204" pitchFamily="18" charset="0"/>
+                        </a:rPr>
+                        <m:t>𝑖𝑛</m:t>
+                      </m:r>
+                      <m:r>
+                        <a:rPr lang="en-US" b="0" i="1" smtClean="0">
+                          <a:latin typeface="Cambria Math" panose="02040503050406030204" pitchFamily="18" charset="0"/>
+                        </a:rPr>
+                        <m:t>=</m:t>
+                      </m:r>
+                      <m:f>
+                        <m:fPr>
+                          <m:ctrlPr>
+                            <a:rPr lang="en-US" i="1">
+                              <a:latin typeface="Cambria Math" panose="02040503050406030204" pitchFamily="18" charset="0"/>
+                            </a:rPr>
+                          </m:ctrlPr>
+                        </m:fPr>
+                        <m:num>
+                          <m:r>
+                            <a:rPr lang="en-US" b="0" i="1" smtClean="0">
+                              <a:latin typeface="Cambria Math" panose="02040503050406030204" pitchFamily="18" charset="0"/>
+                            </a:rPr>
+                            <m:t>1</m:t>
+                          </m:r>
+                          <m:sSup>
+                            <m:sSupPr>
+                              <m:ctrlPr>
+                                <a:rPr lang="en-US" i="1">
+                                  <a:latin typeface="Cambria Math" panose="02040503050406030204" pitchFamily="18" charset="0"/>
+                                </a:rPr>
+                              </m:ctrlPr>
+                            </m:sSupPr>
+                            <m:e>
+                              <m:d>
+                                <m:dPr>
+                                  <m:ctrlPr>
+                                    <a:rPr lang="en-US" b="0" i="1" smtClean="0">
+                                      <a:latin typeface="Cambria Math" panose="02040503050406030204" pitchFamily="18" charset="0"/>
+                                    </a:rPr>
+                                  </m:ctrlPr>
+                                </m:dPr>
+                                <m:e>
+                                  <m:r>
+                                    <a:rPr lang="en-US" b="0" i="1" smtClean="0">
+                                      <a:latin typeface="Cambria Math" panose="02040503050406030204" pitchFamily="18" charset="0"/>
+                                    </a:rPr>
+                                    <m:t>10</m:t>
+                                  </m:r>
+                                  <m:r>
+                                    <a:rPr lang="en-US" b="0" i="1" smtClean="0">
+                                      <a:latin typeface="Cambria Math" panose="02040503050406030204" pitchFamily="18" charset="0"/>
+                                    </a:rPr>
+                                    <m:t>𝑓𝑡</m:t>
+                                  </m:r>
+                                  <m:r>
+                                    <a:rPr lang="en-US" b="0" i="1" smtClean="0">
+                                      <a:latin typeface="Cambria Math" panose="02040503050406030204" pitchFamily="18" charset="0"/>
+                                    </a:rPr>
+                                    <m:t>∗</m:t>
+                                  </m:r>
+                                  <m:f>
+                                    <m:fPr>
+                                      <m:ctrlPr>
+                                        <a:rPr lang="en-US" b="0" i="1" smtClean="0">
+                                          <a:latin typeface="Cambria Math" panose="02040503050406030204" pitchFamily="18" charset="0"/>
+                                        </a:rPr>
+                                      </m:ctrlPr>
+                                    </m:fPr>
+                                    <m:num>
+                                      <m:r>
+                                        <a:rPr lang="en-US" b="0" i="1" smtClean="0">
+                                          <a:latin typeface="Cambria Math" panose="02040503050406030204" pitchFamily="18" charset="0"/>
+                                        </a:rPr>
+                                        <m:t>12</m:t>
+                                      </m:r>
+                                      <m:r>
+                                        <a:rPr lang="en-US" b="0" i="1" smtClean="0">
+                                          <a:latin typeface="Cambria Math" panose="02040503050406030204" pitchFamily="18" charset="0"/>
+                                        </a:rPr>
+                                        <m:t>𝑖𝑛</m:t>
+                                      </m:r>
+                                    </m:num>
+                                    <m:den>
+                                      <m:r>
+                                        <a:rPr lang="en-US" b="0" i="1" smtClean="0">
+                                          <a:latin typeface="Cambria Math" panose="02040503050406030204" pitchFamily="18" charset="0"/>
+                                        </a:rPr>
+                                        <m:t>𝑓𝑡</m:t>
+                                      </m:r>
+                                    </m:den>
+                                  </m:f>
+                                </m:e>
+                              </m:d>
+                            </m:e>
+                            <m:sup>
+                              <m:r>
+                                <a:rPr lang="en-US" i="1">
+                                  <a:latin typeface="Cambria Math" panose="02040503050406030204" pitchFamily="18" charset="0"/>
+                                </a:rPr>
+                                <m:t>3</m:t>
+                              </m:r>
+                            </m:sup>
+                          </m:sSup>
+                        </m:num>
+                        <m:den>
+                          <m:r>
+                            <a:rPr lang="en-US" i="1">
+                              <a:latin typeface="Cambria Math" panose="02040503050406030204" pitchFamily="18" charset="0"/>
+                            </a:rPr>
+                            <m:t>4</m:t>
+                          </m:r>
+                          <m:r>
+                            <a:rPr lang="en-US" i="1" smtClean="0">
+                              <a:latin typeface="Cambria Math" panose="02040503050406030204" pitchFamily="18" charset="0"/>
+                            </a:rPr>
+                            <m:t>8</m:t>
+                          </m:r>
+                          <m:d>
+                            <m:dPr>
+                              <m:ctrlPr>
+                                <a:rPr lang="en-US" b="0" i="1" smtClean="0">
+                                  <a:latin typeface="Cambria Math" panose="02040503050406030204" pitchFamily="18" charset="0"/>
+                                </a:rPr>
+                              </m:ctrlPr>
+                            </m:dPr>
+                            <m:e>
+                              <m:r>
+                                <a:rPr lang="en-US" b="0" i="1" smtClean="0">
+                                  <a:latin typeface="Cambria Math" panose="02040503050406030204" pitchFamily="18" charset="0"/>
+                                </a:rPr>
+                                <m:t>100</m:t>
+                              </m:r>
+                              <m:r>
+                                <a:rPr lang="en-US" b="0" i="1" smtClean="0">
+                                  <a:latin typeface="Cambria Math" panose="02040503050406030204" pitchFamily="18" charset="0"/>
+                                </a:rPr>
+                                <m:t>𝑖</m:t>
+                              </m:r>
+                              <m:sSup>
+                                <m:sSupPr>
+                                  <m:ctrlPr>
+                                    <a:rPr lang="en-US" b="0" i="1" smtClean="0">
+                                      <a:latin typeface="Cambria Math" panose="02040503050406030204" pitchFamily="18" charset="0"/>
+                                    </a:rPr>
+                                  </m:ctrlPr>
+                                </m:sSupPr>
+                                <m:e>
+                                  <m:r>
+                                    <a:rPr lang="en-US" b="0" i="1" smtClean="0">
+                                      <a:latin typeface="Cambria Math" panose="02040503050406030204" pitchFamily="18" charset="0"/>
+                                    </a:rPr>
+                                    <m:t>𝑛</m:t>
+                                  </m:r>
+                                </m:e>
+                                <m:sup>
+                                  <m:r>
+                                    <a:rPr lang="en-US" b="0" i="1" smtClean="0">
+                                      <a:latin typeface="Cambria Math" panose="02040503050406030204" pitchFamily="18" charset="0"/>
+                                    </a:rPr>
+                                    <m:t>4</m:t>
+                                  </m:r>
+                                </m:sup>
+                              </m:sSup>
+                            </m:e>
+                          </m:d>
+                        </m:den>
+                      </m:f>
+                      <m:d>
+                        <m:dPr>
+                          <m:ctrlPr>
+                            <a:rPr lang="en-US" i="1">
+                              <a:latin typeface="Cambria Math" panose="02040503050406030204" pitchFamily="18" charset="0"/>
+                            </a:rPr>
+                          </m:ctrlPr>
+                        </m:dPr>
+                        <m:e>
+                          <m:f>
+                            <m:fPr>
+                              <m:ctrlPr>
+                                <a:rPr lang="en-US" i="1">
+                                  <a:latin typeface="Cambria Math" panose="02040503050406030204" pitchFamily="18" charset="0"/>
+                                </a:rPr>
+                              </m:ctrlPr>
+                            </m:fPr>
+                            <m:num>
+                              <m:r>
+                                <a:rPr lang="en-US" i="1">
+                                  <a:latin typeface="Cambria Math" panose="02040503050406030204" pitchFamily="18" charset="0"/>
+                                </a:rPr>
+                                <m:t>1</m:t>
+                              </m:r>
+                            </m:num>
+                            <m:den>
+                              <m:sSub>
+                                <m:sSubPr>
+                                  <m:ctrlPr>
+                                    <a:rPr lang="en-US" i="1">
+                                      <a:latin typeface="Cambria Math" panose="02040503050406030204" pitchFamily="18" charset="0"/>
+                                    </a:rPr>
+                                  </m:ctrlPr>
+                                </m:sSubPr>
+                                <m:e>
+                                  <m:r>
+                                    <a:rPr lang="en-US" i="1">
+                                      <a:latin typeface="Cambria Math" panose="02040503050406030204" pitchFamily="18" charset="0"/>
+                                    </a:rPr>
+                                    <m:t>𝐸</m:t>
+                                  </m:r>
+                                </m:e>
+                                <m:sub>
+                                  <m:r>
+                                    <a:rPr lang="en-US" i="1">
+                                      <a:latin typeface="Cambria Math" panose="02040503050406030204" pitchFamily="18" charset="0"/>
+                                    </a:rPr>
+                                    <m:t>1</m:t>
+                                  </m:r>
+                                </m:sub>
+                              </m:sSub>
+                            </m:den>
+                          </m:f>
+                          <m:r>
+                            <a:rPr lang="en-US" i="1">
+                              <a:latin typeface="Cambria Math" panose="02040503050406030204" pitchFamily="18" charset="0"/>
+                            </a:rPr>
+                            <m:t>+</m:t>
+                          </m:r>
+                          <m:f>
+                            <m:fPr>
+                              <m:ctrlPr>
+                                <a:rPr lang="en-US" i="1">
+                                  <a:latin typeface="Cambria Math" panose="02040503050406030204" pitchFamily="18" charset="0"/>
+                                </a:rPr>
+                              </m:ctrlPr>
+                            </m:fPr>
+                            <m:num>
+                              <m:r>
+                                <a:rPr lang="en-US" i="1">
+                                  <a:latin typeface="Cambria Math" panose="02040503050406030204" pitchFamily="18" charset="0"/>
+                                </a:rPr>
+                                <m:t>1</m:t>
+                              </m:r>
+                            </m:num>
+                            <m:den>
+                              <m:sSub>
+                                <m:sSubPr>
+                                  <m:ctrlPr>
+                                    <a:rPr lang="en-US" i="1">
+                                      <a:latin typeface="Cambria Math" panose="02040503050406030204" pitchFamily="18" charset="0"/>
+                                    </a:rPr>
+                                  </m:ctrlPr>
+                                </m:sSubPr>
+                                <m:e>
+                                  <m:r>
+                                    <a:rPr lang="en-US" i="1">
+                                      <a:latin typeface="Cambria Math" panose="02040503050406030204" pitchFamily="18" charset="0"/>
+                                    </a:rPr>
+                                    <m:t>𝐸</m:t>
+                                  </m:r>
+                                </m:e>
+                                <m:sub>
+                                  <m:r>
+                                    <a:rPr lang="en-US" i="1">
+                                      <a:latin typeface="Cambria Math" panose="02040503050406030204" pitchFamily="18" charset="0"/>
+                                    </a:rPr>
+                                    <m:t>2</m:t>
+                                  </m:r>
+                                </m:sub>
+                              </m:sSub>
+                            </m:den>
+                          </m:f>
+                        </m:e>
+                      </m:d>
+                    </m:oMath>
+                  </m:oMathPara>
+                </a14:m>
+                <a:endParaRPr lang="en-US" dirty="0"/>
+              </a:p>
+              <a:p>
+                <a:endParaRPr lang="en-US" dirty="0"/>
+              </a:p>
+              <a:p>
+                <a:pPr/>
+                <a14:m>
+                  <m:oMathPara xmlns:m="http://schemas.openxmlformats.org/officeDocument/2006/math">
+                    <m:oMathParaPr>
+                      <m:jc m:val="left"/>
+                    </m:oMathParaPr>
+                    <m:oMath xmlns:m="http://schemas.openxmlformats.org/officeDocument/2006/math">
+                      <m:f>
+                        <m:fPr>
+                          <m:ctrlPr>
+                            <a:rPr lang="en-US" b="0" i="1" smtClean="0">
+                              <a:latin typeface="Cambria Math" panose="02040503050406030204" pitchFamily="18" charset="0"/>
+                            </a:rPr>
+                          </m:ctrlPr>
+                        </m:fPr>
+                        <m:num>
+                          <m:r>
+                            <a:rPr lang="en-US" b="0" i="1" smtClean="0">
+                              <a:latin typeface="Cambria Math" panose="02040503050406030204" pitchFamily="18" charset="0"/>
+                            </a:rPr>
+                            <m:t>1</m:t>
+                          </m:r>
+                        </m:num>
+                        <m:den>
+                          <m:r>
+                            <a:rPr lang="en-US" b="0" i="1" smtClean="0">
+                              <a:latin typeface="Cambria Math" panose="02040503050406030204" pitchFamily="18" charset="0"/>
+                            </a:rPr>
+                            <m:t>360</m:t>
+                          </m:r>
+                        </m:den>
+                      </m:f>
+                      <m:r>
+                        <a:rPr lang="en-US" b="0" i="1" smtClean="0">
+                          <a:latin typeface="Cambria Math" panose="02040503050406030204" pitchFamily="18" charset="0"/>
+                        </a:rPr>
+                        <m:t>=</m:t>
+                      </m:r>
+                      <m:d>
+                        <m:dPr>
+                          <m:ctrlPr>
+                            <a:rPr lang="en-US" b="0" i="1" smtClean="0">
+                              <a:latin typeface="Cambria Math" panose="02040503050406030204" pitchFamily="18" charset="0"/>
+                            </a:rPr>
+                          </m:ctrlPr>
+                        </m:dPr>
+                        <m:e>
+                          <m:f>
+                            <m:fPr>
+                              <m:ctrlPr>
+                                <a:rPr lang="en-US" b="0" i="1" smtClean="0">
+                                  <a:latin typeface="Cambria Math" panose="02040503050406030204" pitchFamily="18" charset="0"/>
+                                </a:rPr>
+                              </m:ctrlPr>
+                            </m:fPr>
+                            <m:num>
+                              <m:r>
+                                <a:rPr lang="en-US" b="0" i="1" smtClean="0">
+                                  <a:latin typeface="Cambria Math" panose="02040503050406030204" pitchFamily="18" charset="0"/>
+                                </a:rPr>
+                                <m:t>1</m:t>
+                              </m:r>
+                            </m:num>
+                            <m:den>
+                              <m:sSub>
+                                <m:sSubPr>
+                                  <m:ctrlPr>
+                                    <a:rPr lang="en-US" b="0" i="1" smtClean="0">
+                                      <a:latin typeface="Cambria Math" panose="02040503050406030204" pitchFamily="18" charset="0"/>
+                                    </a:rPr>
+                                  </m:ctrlPr>
+                                </m:sSubPr>
+                                <m:e>
+                                  <m:r>
+                                    <a:rPr lang="en-US" b="0" i="1" smtClean="0">
+                                      <a:latin typeface="Cambria Math" panose="02040503050406030204" pitchFamily="18" charset="0"/>
+                                    </a:rPr>
+                                    <m:t>𝐸</m:t>
+                                  </m:r>
+                                </m:e>
+                                <m:sub>
+                                  <m:r>
+                                    <a:rPr lang="en-US" b="0" i="1" smtClean="0">
+                                      <a:latin typeface="Cambria Math" panose="02040503050406030204" pitchFamily="18" charset="0"/>
+                                    </a:rPr>
+                                    <m:t>1</m:t>
+                                  </m:r>
+                                </m:sub>
+                              </m:sSub>
+                            </m:den>
+                          </m:f>
+                          <m:r>
+                            <a:rPr lang="en-US" b="0" i="1" smtClean="0">
+                              <a:latin typeface="Cambria Math" panose="02040503050406030204" pitchFamily="18" charset="0"/>
+                            </a:rPr>
+                            <m:t>+</m:t>
+                          </m:r>
+                          <m:f>
+                            <m:fPr>
+                              <m:ctrlPr>
+                                <a:rPr lang="en-US" b="0" i="1" smtClean="0">
+                                  <a:latin typeface="Cambria Math" panose="02040503050406030204" pitchFamily="18" charset="0"/>
+                                </a:rPr>
+                              </m:ctrlPr>
+                            </m:fPr>
+                            <m:num>
+                              <m:r>
+                                <a:rPr lang="en-US" b="0" i="1" smtClean="0">
+                                  <a:latin typeface="Cambria Math" panose="02040503050406030204" pitchFamily="18" charset="0"/>
+                                </a:rPr>
+                                <m:t>1</m:t>
+                              </m:r>
+                            </m:num>
+                            <m:den>
+                              <m:sSub>
+                                <m:sSubPr>
+                                  <m:ctrlPr>
+                                    <a:rPr lang="en-US" b="0" i="1" smtClean="0">
+                                      <a:latin typeface="Cambria Math" panose="02040503050406030204" pitchFamily="18" charset="0"/>
+                                    </a:rPr>
+                                  </m:ctrlPr>
+                                </m:sSubPr>
+                                <m:e>
+                                  <m:r>
+                                    <a:rPr lang="en-US" b="0" i="1" smtClean="0">
+                                      <a:latin typeface="Cambria Math" panose="02040503050406030204" pitchFamily="18" charset="0"/>
+                                    </a:rPr>
+                                    <m:t>𝐸</m:t>
+                                  </m:r>
+                                </m:e>
+                                <m:sub>
+                                  <m:r>
+                                    <a:rPr lang="en-US" b="0" i="1" smtClean="0">
+                                      <a:latin typeface="Cambria Math" panose="02040503050406030204" pitchFamily="18" charset="0"/>
+                                    </a:rPr>
+                                    <m:t>2</m:t>
+                                  </m:r>
+                                </m:sub>
+                              </m:sSub>
+                            </m:den>
+                          </m:f>
+                        </m:e>
+                      </m:d>
+                    </m:oMath>
+                  </m:oMathPara>
                 </a14:m>
                 <a:endParaRPr lang="en-US" dirty="0">
                   <a:latin typeface="+mj-lt"/>
                 </a:endParaRPr>
               </a:p>
-              <a:p>
-                <a:pPr marL="1314450" lvl="2" indent="-400050">
-                  <a:buFont typeface="+mj-lt"/>
-                  <a:buAutoNum type="romanLcPeriod"/>
-                </a:pPr>
-                <a:r>
-                  <a:rPr lang="en-US" dirty="0">
-                    <a:latin typeface="+mj-lt"/>
-                  </a:rPr>
-                  <a:t>Although this is a better assumption, the system is underdetermined (more unknowns than knowns) and would require knowing another deflection</a:t>
-                </a:r>
-              </a:p>
             </p:txBody>
           </p:sp>
         </mc:Choice>
-        <mc:Fallback>
+        <mc:Fallback xmlns="">
           <p:sp>
             <p:nvSpPr>
               <p:cNvPr id="22" name="TextBox 21">
                 <a:extLst>
                   <a:ext uri="{FF2B5EF4-FFF2-40B4-BE49-F238E27FC236}">
-                    <a16:creationId xmlns:a16="http://schemas.microsoft.com/office/drawing/2014/main" id="{8B68562B-0B39-F8C3-5528-62550534FC7D}"/>
+                    <a16:creationId xmlns:a16="http://schemas.microsoft.com/office/drawing/2014/main" id="{127A57E7-0492-FBA9-6A95-D8E1FC852BE6}"/>
                   </a:ext>
                 </a:extLst>
               </p:cNvPr>
@@ -5952,15 +6659,145 @@
             <p:spPr>
               <a:xfrm>
                 <a:off x="838200" y="1551557"/>
-                <a:ext cx="9320784" cy="2649187"/>
+                <a:ext cx="10515600" cy="4441024"/>
               </a:xfrm>
               <a:prstGeom prst="rect">
                 <a:avLst/>
               </a:prstGeom>
               <a:blipFill>
-                <a:blip r:embed="rId5"/>
+                <a:blip r:embed="rId6"/>
                 <a:stretch>
-                  <a:fillRect l="-589" t="-1382" r="-916" b="-2995"/>
+                  <a:fillRect l="-522" t="-824"/>
+                </a:stretch>
+              </a:blipFill>
+            </p:spPr>
+            <p:txBody>
+              <a:bodyPr/>
+              <a:lstStyle/>
+              <a:p>
+                <a:r>
+                  <a:rPr lang="en-US">
+                    <a:noFill/>
+                  </a:rPr>
+                  <a:t> </a:t>
+                </a:r>
+              </a:p>
+            </p:txBody>
+          </p:sp>
+        </mc:Fallback>
+      </mc:AlternateContent>
+      <mc:AlternateContent xmlns:mc="http://schemas.openxmlformats.org/markup-compatibility/2006" xmlns:a14="http://schemas.microsoft.com/office/drawing/2010/main">
+        <mc:Choice Requires="a14">
+          <p:sp>
+            <p:nvSpPr>
+              <p:cNvPr id="3" name="TextBox 2">
+                <a:extLst>
+                  <a:ext uri="{FF2B5EF4-FFF2-40B4-BE49-F238E27FC236}">
+                    <a16:creationId xmlns:a16="http://schemas.microsoft.com/office/drawing/2014/main" id="{13D2AE75-668D-59D3-8336-FEDBD2798B65}"/>
+                  </a:ext>
+                </a:extLst>
+              </p:cNvPr>
+              <p:cNvSpPr txBox="1"/>
+              <p:nvPr/>
+            </p:nvSpPr>
+            <p:spPr>
+              <a:xfrm>
+                <a:off x="9541594" y="4539914"/>
+                <a:ext cx="1332056" cy="276999"/>
+              </a:xfrm>
+              <a:prstGeom prst="rect">
+                <a:avLst/>
+              </a:prstGeom>
+              <a:noFill/>
+            </p:spPr>
+            <p:txBody>
+              <a:bodyPr wrap="square" rtlCol="0">
+                <a:spAutoFit/>
+              </a:bodyPr>
+              <a:lstStyle/>
+              <a:p>
+                <a:pPr algn="r"/>
+                <a:r>
+                  <a:rPr lang="en-US" sz="1200" dirty="0">
+                    <a:latin typeface="+mj-lt"/>
+                  </a:rPr>
+                  <a:t>I = 100</a:t>
+                </a:r>
+                <a14:m>
+                  <m:oMath xmlns:m="http://schemas.openxmlformats.org/officeDocument/2006/math">
+                    <m:r>
+                      <m:rPr>
+                        <m:sty m:val="p"/>
+                      </m:rPr>
+                      <a:rPr lang="en-US" sz="1200" b="0" i="0" smtClean="0">
+                        <a:latin typeface="Cambria Math" panose="02040503050406030204" pitchFamily="18" charset="0"/>
+                      </a:rPr>
+                      <m:t>i</m:t>
+                    </m:r>
+                    <m:sSup>
+                      <m:sSupPr>
+                        <m:ctrlPr>
+                          <a:rPr lang="en-US" sz="1200" b="0" i="1" smtClean="0">
+                            <a:latin typeface="Cambria Math" panose="02040503050406030204" pitchFamily="18" charset="0"/>
+                          </a:rPr>
+                        </m:ctrlPr>
+                      </m:sSupPr>
+                      <m:e>
+                        <m:r>
+                          <m:rPr>
+                            <m:sty m:val="p"/>
+                          </m:rPr>
+                          <a:rPr lang="en-US" sz="1200" b="0" i="0" smtClean="0">
+                            <a:latin typeface="Cambria Math" panose="02040503050406030204" pitchFamily="18" charset="0"/>
+                          </a:rPr>
+                          <m:t>n</m:t>
+                        </m:r>
+                      </m:e>
+                      <m:sup>
+                        <m:r>
+                          <a:rPr lang="en-US" sz="1200" b="0" i="0" smtClean="0">
+                            <a:latin typeface="Cambria Math" panose="02040503050406030204" pitchFamily="18" charset="0"/>
+                          </a:rPr>
+                          <m:t>4</m:t>
+                        </m:r>
+                      </m:sup>
+                    </m:sSup>
+                  </m:oMath>
+                </a14:m>
+                <a:endParaRPr lang="en-US" sz="1200" dirty="0">
+                  <a:latin typeface="+mj-lt"/>
+                </a:endParaRPr>
+              </a:p>
+            </p:txBody>
+          </p:sp>
+        </mc:Choice>
+        <mc:Fallback xmlns="">
+          <p:sp>
+            <p:nvSpPr>
+              <p:cNvPr id="3" name="TextBox 2">
+                <a:extLst>
+                  <a:ext uri="{FF2B5EF4-FFF2-40B4-BE49-F238E27FC236}">
+                    <a16:creationId xmlns:a16="http://schemas.microsoft.com/office/drawing/2014/main" id="{13D2AE75-668D-59D3-8336-FEDBD2798B65}"/>
+                  </a:ext>
+                </a:extLst>
+              </p:cNvPr>
+              <p:cNvSpPr txBox="1">
+                <a:spLocks noRot="1" noChangeAspect="1" noMove="1" noResize="1" noEditPoints="1" noAdjustHandles="1" noChangeArrowheads="1" noChangeShapeType="1" noTextEdit="1"/>
+              </p:cNvSpPr>
+              <p:nvPr/>
+            </p:nvSpPr>
+            <p:spPr>
+              <a:xfrm>
+                <a:off x="9541594" y="4539914"/>
+                <a:ext cx="1332056" cy="276999"/>
+              </a:xfrm>
+              <a:prstGeom prst="rect">
+                <a:avLst/>
+              </a:prstGeom>
+              <a:blipFill>
+                <a:blip r:embed="rId7"/>
+                <a:stretch>
+                  <a:fillRect t="-2222" b="-17778"/>
                 </a:stretch>
               </a:blipFill>
             </p:spPr>
@@ -5982,7 +6819,7 @@
     </p:spTree>
     <p:extLst>
       <p:ext uri="{BB962C8B-B14F-4D97-AF65-F5344CB8AC3E}">
-        <p14:creationId xmlns:p14="http://schemas.microsoft.com/office/powerpoint/2010/main" val="4059008003"/>
+        <p14:creationId xmlns:p14="http://schemas.microsoft.com/office/powerpoint/2010/main" val="162267258"/>
       </p:ext>
     </p:extLst>
   </p:cSld>
@@ -5993,6 +6830,1653 @@
 </file>
 
 <file path=ppt/slides/slide11.xml><?xml version="1.0" encoding="utf-8"?>
+<p:sld xmlns:a="http://schemas.openxmlformats.org/drawingml/2006/main" xmlns:r="http://schemas.openxmlformats.org/officeDocument/2006/relationships" xmlns:p="http://schemas.openxmlformats.org/presentationml/2006/main">
+  <p:cSld>
+    <p:spTree>
+      <p:nvGrpSpPr>
+        <p:cNvPr id="1" name="">
+          <a:extLst>
+            <a:ext uri="{FF2B5EF4-FFF2-40B4-BE49-F238E27FC236}">
+              <a16:creationId xmlns:a16="http://schemas.microsoft.com/office/drawing/2014/main" id="{20C8C43B-9418-1FD4-7B27-F04B02FFD0CB}"/>
+            </a:ext>
+          </a:extLst>
+        </p:cNvPr>
+        <p:cNvGrpSpPr/>
+        <p:nvPr/>
+      </p:nvGrpSpPr>
+      <p:grpSpPr>
+        <a:xfrm>
+          <a:off x="0" y="0"/>
+          <a:ext cx="0" cy="0"/>
+          <a:chOff x="0" y="0"/>
+          <a:chExt cx="0" cy="0"/>
+        </a:xfrm>
+      </p:grpSpPr>
+      <p:sp>
+        <p:nvSpPr>
+          <p:cNvPr id="2" name="Title 1">
+            <a:extLst>
+              <a:ext uri="{FF2B5EF4-FFF2-40B4-BE49-F238E27FC236}">
+                <a16:creationId xmlns:a16="http://schemas.microsoft.com/office/drawing/2014/main" id="{8E263F87-8095-202D-DDC1-FCBBD6DDD493}"/>
+              </a:ext>
+            </a:extLst>
+          </p:cNvPr>
+          <p:cNvSpPr>
+            <a:spLocks noGrp="1"/>
+          </p:cNvSpPr>
+          <p:nvPr>
+            <p:ph type="title"/>
+          </p:nvPr>
+        </p:nvSpPr>
+        <p:spPr/>
+        <p:txBody>
+          <a:bodyPr>
+            <a:normAutofit fontScale="90000"/>
+          </a:bodyPr>
+          <a:lstStyle/>
+          <a:p>
+            <a:r>
+              <a:rPr lang="en-US" dirty="0"/>
+              <a:t>Example: Simple Beam with Two Materials</a:t>
+            </a:r>
+          </a:p>
+        </p:txBody>
+      </p:sp>
+      <p:sp>
+        <p:nvSpPr>
+          <p:cNvPr id="4" name="Slide Number Placeholder 3">
+            <a:extLst>
+              <a:ext uri="{FF2B5EF4-FFF2-40B4-BE49-F238E27FC236}">
+                <a16:creationId xmlns:a16="http://schemas.microsoft.com/office/drawing/2014/main" id="{B452A197-8394-32FF-F502-B84628996386}"/>
+              </a:ext>
+            </a:extLst>
+          </p:cNvPr>
+          <p:cNvSpPr>
+            <a:spLocks noGrp="1"/>
+          </p:cNvSpPr>
+          <p:nvPr>
+            <p:ph type="sldNum" sz="quarter" idx="12"/>
+          </p:nvPr>
+        </p:nvSpPr>
+        <p:spPr/>
+        <p:txBody>
+          <a:bodyPr/>
+          <a:lstStyle/>
+          <a:p>
+            <a:fld id="{D95F4311-C1C1-468E-90BA-469E1A493750}" type="slidenum">
+              <a:rPr lang="en-US" smtClean="0"/>
+              <a:t>11</a:t>
+            </a:fld>
+            <a:endParaRPr lang="en-US"/>
+          </a:p>
+        </p:txBody>
+      </p:sp>
+      <p:grpSp>
+        <p:nvGrpSpPr>
+          <p:cNvPr id="23" name="Group 22">
+            <a:extLst>
+              <a:ext uri="{FF2B5EF4-FFF2-40B4-BE49-F238E27FC236}">
+                <a16:creationId xmlns:a16="http://schemas.microsoft.com/office/drawing/2014/main" id="{B91ABEB9-8D7F-5D37-0A29-C3E857650B70}"/>
+              </a:ext>
+            </a:extLst>
+          </p:cNvPr>
+          <p:cNvGrpSpPr/>
+          <p:nvPr/>
+        </p:nvGrpSpPr>
+        <p:grpSpPr>
+          <a:xfrm>
+            <a:off x="7840418" y="2497143"/>
+            <a:ext cx="4144962" cy="2316797"/>
+            <a:chOff x="3877215" y="3290450"/>
+            <a:chExt cx="4144962" cy="2316797"/>
+          </a:xfrm>
+        </p:grpSpPr>
+        <p:grpSp>
+          <p:nvGrpSpPr>
+            <p:cNvPr id="5" name="Group 4">
+              <a:extLst>
+                <a:ext uri="{FF2B5EF4-FFF2-40B4-BE49-F238E27FC236}">
+                  <a16:creationId xmlns:a16="http://schemas.microsoft.com/office/drawing/2014/main" id="{AD77A423-F094-D0EA-04FF-00DE23CD6263}"/>
+                </a:ext>
+              </a:extLst>
+            </p:cNvPr>
+            <p:cNvGrpSpPr/>
+            <p:nvPr/>
+          </p:nvGrpSpPr>
+          <p:grpSpPr>
+            <a:xfrm>
+              <a:off x="3877215" y="3290450"/>
+              <a:ext cx="4144962" cy="2316797"/>
+              <a:chOff x="1251331" y="1945303"/>
+              <a:chExt cx="3207259" cy="1975562"/>
+            </a:xfrm>
+          </p:grpSpPr>
+          <p:cxnSp>
+            <p:nvCxnSpPr>
+              <p:cNvPr id="6" name="Straight Connector 5">
+                <a:extLst>
+                  <a:ext uri="{FF2B5EF4-FFF2-40B4-BE49-F238E27FC236}">
+                    <a16:creationId xmlns:a16="http://schemas.microsoft.com/office/drawing/2014/main" id="{A3CDDB39-01AE-4239-58F6-F61A70A9F40E}"/>
+                  </a:ext>
+                </a:extLst>
+              </p:cNvPr>
+              <p:cNvCxnSpPr>
+                <a:cxnSpLocks/>
+              </p:cNvCxnSpPr>
+              <p:nvPr/>
+            </p:nvCxnSpPr>
+            <p:spPr>
+              <a:xfrm>
+                <a:off x="1251331" y="3148491"/>
+                <a:ext cx="1545984" cy="0"/>
+              </a:xfrm>
+              <a:prstGeom prst="line">
+                <a:avLst/>
+              </a:prstGeom>
+              <a:ln w="57150">
+                <a:solidFill>
+                  <a:schemeClr val="tx2">
+                    <a:lumMod val="75000"/>
+                    <a:lumOff val="25000"/>
+                  </a:schemeClr>
+                </a:solidFill>
+              </a:ln>
+            </p:spPr>
+            <p:style>
+              <a:lnRef idx="2">
+                <a:schemeClr val="dk1"/>
+              </a:lnRef>
+              <a:fillRef idx="0">
+                <a:schemeClr val="dk1"/>
+              </a:fillRef>
+              <a:effectRef idx="1">
+                <a:schemeClr val="dk1"/>
+              </a:effectRef>
+              <a:fontRef idx="minor">
+                <a:schemeClr val="tx1"/>
+              </a:fontRef>
+            </p:style>
+          </p:cxnSp>
+          <p:sp>
+            <p:nvSpPr>
+              <p:cNvPr id="7" name="Oval 6">
+                <a:extLst>
+                  <a:ext uri="{FF2B5EF4-FFF2-40B4-BE49-F238E27FC236}">
+                    <a16:creationId xmlns:a16="http://schemas.microsoft.com/office/drawing/2014/main" id="{BB36606D-4D3F-0729-9B5D-2358C0375308}"/>
+                  </a:ext>
+                </a:extLst>
+              </p:cNvPr>
+              <p:cNvSpPr/>
+              <p:nvPr/>
+            </p:nvSpPr>
+            <p:spPr>
+              <a:xfrm>
+                <a:off x="4189805" y="3148491"/>
+                <a:ext cx="268785" cy="287394"/>
+              </a:xfrm>
+              <a:prstGeom prst="ellipse">
+                <a:avLst/>
+              </a:prstGeom>
+              <a:solidFill>
+                <a:schemeClr val="dk1"/>
+              </a:solidFill>
+              <a:ln>
+                <a:noFill/>
+              </a:ln>
+            </p:spPr>
+            <p:style>
+              <a:lnRef idx="0">
+                <a:scrgbClr r="0" g="0" b="0"/>
+              </a:lnRef>
+              <a:fillRef idx="0">
+                <a:scrgbClr r="0" g="0" b="0"/>
+              </a:fillRef>
+              <a:effectRef idx="0">
+                <a:scrgbClr r="0" g="0" b="0"/>
+              </a:effectRef>
+              <a:fontRef idx="minor">
+                <a:schemeClr val="lt1"/>
+              </a:fontRef>
+            </p:style>
+            <p:txBody>
+              <a:bodyPr rtlCol="0" anchor="ctr"/>
+              <a:lstStyle/>
+              <a:p>
+                <a:pPr algn="ctr"/>
+                <a:endParaRPr lang="en-US" dirty="0"/>
+              </a:p>
+            </p:txBody>
+          </p:sp>
+          <p:sp>
+            <p:nvSpPr>
+              <p:cNvPr id="8" name="Isosceles Triangle 7">
+                <a:extLst>
+                  <a:ext uri="{FF2B5EF4-FFF2-40B4-BE49-F238E27FC236}">
+                    <a16:creationId xmlns:a16="http://schemas.microsoft.com/office/drawing/2014/main" id="{6D555C2B-B252-3C22-A55D-757750C61B48}"/>
+                  </a:ext>
+                </a:extLst>
+              </p:cNvPr>
+              <p:cNvSpPr/>
+              <p:nvPr/>
+            </p:nvSpPr>
+            <p:spPr>
+              <a:xfrm>
+                <a:off x="1277620" y="3148491"/>
+                <a:ext cx="246888" cy="261741"/>
+              </a:xfrm>
+              <a:prstGeom prst="triangle">
+                <a:avLst/>
+              </a:prstGeom>
+              <a:solidFill>
+                <a:schemeClr val="dk1"/>
+              </a:solidFill>
+              <a:ln>
+                <a:noFill/>
+              </a:ln>
+            </p:spPr>
+            <p:style>
+              <a:lnRef idx="0">
+                <a:scrgbClr r="0" g="0" b="0"/>
+              </a:lnRef>
+              <a:fillRef idx="0">
+                <a:scrgbClr r="0" g="0" b="0"/>
+              </a:fillRef>
+              <a:effectRef idx="0">
+                <a:scrgbClr r="0" g="0" b="0"/>
+              </a:effectRef>
+              <a:fontRef idx="minor">
+                <a:schemeClr val="lt1"/>
+              </a:fontRef>
+            </p:style>
+            <p:txBody>
+              <a:bodyPr rtlCol="0" anchor="ctr"/>
+              <a:lstStyle/>
+              <a:p>
+                <a:pPr algn="ctr"/>
+                <a:endParaRPr lang="en-US"/>
+              </a:p>
+            </p:txBody>
+          </p:sp>
+          <p:cxnSp>
+            <p:nvCxnSpPr>
+              <p:cNvPr id="9" name="Straight Arrow Connector 8">
+                <a:extLst>
+                  <a:ext uri="{FF2B5EF4-FFF2-40B4-BE49-F238E27FC236}">
+                    <a16:creationId xmlns:a16="http://schemas.microsoft.com/office/drawing/2014/main" id="{E0EDAC83-F6C1-6C94-8D93-1A84322D5BAA}"/>
+                  </a:ext>
+                </a:extLst>
+              </p:cNvPr>
+              <p:cNvCxnSpPr/>
+              <p:nvPr/>
+            </p:nvCxnSpPr>
+            <p:spPr>
+              <a:xfrm>
+                <a:off x="2797315" y="2181504"/>
+                <a:ext cx="0" cy="960120"/>
+              </a:xfrm>
+              <a:prstGeom prst="straightConnector1">
+                <a:avLst/>
+              </a:prstGeom>
+              <a:ln w="38100">
+                <a:tailEnd type="triangle"/>
+              </a:ln>
+            </p:spPr>
+            <p:style>
+              <a:lnRef idx="1">
+                <a:schemeClr val="dk1"/>
+              </a:lnRef>
+              <a:fillRef idx="0">
+                <a:schemeClr val="dk1"/>
+              </a:fillRef>
+              <a:effectRef idx="0">
+                <a:schemeClr val="dk1"/>
+              </a:effectRef>
+              <a:fontRef idx="minor">
+                <a:schemeClr val="tx1"/>
+              </a:fontRef>
+            </p:style>
+          </p:cxnSp>
+          <p:cxnSp>
+            <p:nvCxnSpPr>
+              <p:cNvPr id="10" name="Straight Connector 9">
+                <a:extLst>
+                  <a:ext uri="{FF2B5EF4-FFF2-40B4-BE49-F238E27FC236}">
+                    <a16:creationId xmlns:a16="http://schemas.microsoft.com/office/drawing/2014/main" id="{82EBE2E7-0910-E399-4793-8C527A3D8B6D}"/>
+                  </a:ext>
+                </a:extLst>
+              </p:cNvPr>
+              <p:cNvCxnSpPr>
+                <a:cxnSpLocks/>
+              </p:cNvCxnSpPr>
+              <p:nvPr/>
+            </p:nvCxnSpPr>
+            <p:spPr>
+              <a:xfrm>
+                <a:off x="1392891" y="3664365"/>
+                <a:ext cx="2907792" cy="0"/>
+              </a:xfrm>
+              <a:prstGeom prst="line">
+                <a:avLst/>
+              </a:prstGeom>
+            </p:spPr>
+            <p:style>
+              <a:lnRef idx="2">
+                <a:schemeClr val="dk1"/>
+              </a:lnRef>
+              <a:fillRef idx="0">
+                <a:schemeClr val="dk1"/>
+              </a:fillRef>
+              <a:effectRef idx="1">
+                <a:schemeClr val="dk1"/>
+              </a:effectRef>
+              <a:fontRef idx="minor">
+                <a:schemeClr val="tx1"/>
+              </a:fontRef>
+            </p:style>
+          </p:cxnSp>
+          <p:sp>
+            <p:nvSpPr>
+              <p:cNvPr id="11" name="TextBox 10">
+                <a:extLst>
+                  <a:ext uri="{FF2B5EF4-FFF2-40B4-BE49-F238E27FC236}">
+                    <a16:creationId xmlns:a16="http://schemas.microsoft.com/office/drawing/2014/main" id="{05DA5F48-F584-C7A7-52B1-E3B421B179A9}"/>
+                  </a:ext>
+                </a:extLst>
+              </p:cNvPr>
+              <p:cNvSpPr txBox="1"/>
+              <p:nvPr/>
+            </p:nvSpPr>
+            <p:spPr>
+              <a:xfrm>
+                <a:off x="2692874" y="3684664"/>
+                <a:ext cx="530428" cy="236201"/>
+              </a:xfrm>
+              <a:prstGeom prst="rect">
+                <a:avLst/>
+              </a:prstGeom>
+              <a:noFill/>
+            </p:spPr>
+            <p:txBody>
+              <a:bodyPr wrap="none" rtlCol="0">
+                <a:spAutoFit/>
+              </a:bodyPr>
+              <a:lstStyle/>
+              <a:p>
+                <a:r>
+                  <a:rPr lang="en-US" sz="1200" dirty="0">
+                    <a:latin typeface="+mj-lt"/>
+                  </a:rPr>
+                  <a:t>L = 10ft</a:t>
+                </a:r>
+              </a:p>
+            </p:txBody>
+          </p:sp>
+          <p:sp>
+            <p:nvSpPr>
+              <p:cNvPr id="12" name="TextBox 11">
+                <a:extLst>
+                  <a:ext uri="{FF2B5EF4-FFF2-40B4-BE49-F238E27FC236}">
+                    <a16:creationId xmlns:a16="http://schemas.microsoft.com/office/drawing/2014/main" id="{F18EC577-409E-7B96-FC70-F303B52B57BC}"/>
+                  </a:ext>
+                </a:extLst>
+              </p:cNvPr>
+              <p:cNvSpPr txBox="1"/>
+              <p:nvPr/>
+            </p:nvSpPr>
+            <p:spPr>
+              <a:xfrm>
+                <a:off x="2693000" y="1945303"/>
+                <a:ext cx="542832" cy="236201"/>
+              </a:xfrm>
+              <a:prstGeom prst="rect">
+                <a:avLst/>
+              </a:prstGeom>
+              <a:noFill/>
+            </p:spPr>
+            <p:txBody>
+              <a:bodyPr wrap="none" rtlCol="0">
+                <a:spAutoFit/>
+              </a:bodyPr>
+              <a:lstStyle/>
+              <a:p>
+                <a:r>
+                  <a:rPr lang="en-US" sz="1200" dirty="0">
+                    <a:latin typeface="+mj-lt"/>
+                  </a:rPr>
+                  <a:t>P = 1kip</a:t>
+                </a:r>
+              </a:p>
+            </p:txBody>
+          </p:sp>
+          <p:sp>
+            <p:nvSpPr>
+              <p:cNvPr id="13" name="Freeform: Shape 12">
+                <a:extLst>
+                  <a:ext uri="{FF2B5EF4-FFF2-40B4-BE49-F238E27FC236}">
+                    <a16:creationId xmlns:a16="http://schemas.microsoft.com/office/drawing/2014/main" id="{71D17F65-DB34-C877-8315-1F9CEE5137AB}"/>
+                  </a:ext>
+                </a:extLst>
+              </p:cNvPr>
+              <p:cNvSpPr/>
+              <p:nvPr/>
+            </p:nvSpPr>
+            <p:spPr>
+              <a:xfrm>
+                <a:off x="1435608" y="3168789"/>
+                <a:ext cx="2812415" cy="397404"/>
+              </a:xfrm>
+              <a:custGeom>
+                <a:avLst/>
+                <a:gdLst>
+                  <a:gd name="csX0" fmla="*/ 0 w 2889504"/>
+                  <a:gd name="csY0" fmla="*/ 18288 h 420657"/>
+                  <a:gd name="csX1" fmla="*/ 1399032 w 2889504"/>
+                  <a:gd name="csY1" fmla="*/ 420624 h 420657"/>
+                  <a:gd name="csX2" fmla="*/ 2889504 w 2889504"/>
+                  <a:gd name="csY2" fmla="*/ 0 h 420657"/>
+                </a:gdLst>
+                <a:ahLst/>
+                <a:cxnLst>
+                  <a:cxn ang="0">
+                    <a:pos x="csX0" y="csY0"/>
+                  </a:cxn>
+                  <a:cxn ang="0">
+                    <a:pos x="csX1" y="csY1"/>
+                  </a:cxn>
+                  <a:cxn ang="0">
+                    <a:pos x="csX2" y="csY2"/>
+                  </a:cxn>
+                </a:cxnLst>
+                <a:rect l="l" t="t" r="r" b="b"/>
+                <a:pathLst>
+                  <a:path w="2889504" h="420657">
+                    <a:moveTo>
+                      <a:pt x="0" y="18288"/>
+                    </a:moveTo>
+                    <a:cubicBezTo>
+                      <a:pt x="458724" y="220980"/>
+                      <a:pt x="917448" y="423672"/>
+                      <a:pt x="1399032" y="420624"/>
+                    </a:cubicBezTo>
+                    <a:cubicBezTo>
+                      <a:pt x="1880616" y="417576"/>
+                      <a:pt x="2631948" y="92964"/>
+                      <a:pt x="2889504" y="0"/>
+                    </a:cubicBezTo>
+                  </a:path>
+                </a:pathLst>
+              </a:custGeom>
+              <a:ln w="28575">
+                <a:solidFill>
+                  <a:schemeClr val="tx1"/>
+                </a:solidFill>
+                <a:prstDash val="sysDash"/>
+              </a:ln>
+            </p:spPr>
+            <p:style>
+              <a:lnRef idx="1">
+                <a:schemeClr val="accent4"/>
+              </a:lnRef>
+              <a:fillRef idx="0">
+                <a:schemeClr val="accent4"/>
+              </a:fillRef>
+              <a:effectRef idx="0">
+                <a:schemeClr val="accent4"/>
+              </a:effectRef>
+              <a:fontRef idx="minor">
+                <a:schemeClr val="tx1"/>
+              </a:fontRef>
+            </p:style>
+            <p:txBody>
+              <a:bodyPr rtlCol="0" anchor="ctr"/>
+              <a:lstStyle/>
+              <a:p>
+                <a:pPr algn="ctr"/>
+                <a:endParaRPr lang="en-US" dirty="0"/>
+              </a:p>
+            </p:txBody>
+          </p:sp>
+          <mc:AlternateContent xmlns:mc="http://schemas.openxmlformats.org/markup-compatibility/2006" xmlns:a14="http://schemas.microsoft.com/office/drawing/2010/main">
+            <mc:Choice Requires="a14">
+              <p:sp>
+                <p:nvSpPr>
+                  <p:cNvPr id="14" name="TextBox 13">
+                    <a:extLst>
+                      <a:ext uri="{FF2B5EF4-FFF2-40B4-BE49-F238E27FC236}">
+                        <a16:creationId xmlns:a16="http://schemas.microsoft.com/office/drawing/2014/main" id="{46A9F611-FE7B-52BA-0454-FCFDF19046AC}"/>
+                      </a:ext>
+                    </a:extLst>
+                  </p:cNvPr>
+                  <p:cNvSpPr txBox="1"/>
+                  <p:nvPr/>
+                </p:nvSpPr>
+                <p:spPr>
+                  <a:xfrm>
+                    <a:off x="2773259" y="3220756"/>
+                    <a:ext cx="743472" cy="236201"/>
+                  </a:xfrm>
+                  <a:prstGeom prst="rect">
+                    <a:avLst/>
+                  </a:prstGeom>
+                  <a:noFill/>
+                </p:spPr>
+                <p:txBody>
+                  <a:bodyPr wrap="none" rtlCol="0">
+                    <a:spAutoFit/>
+                  </a:bodyPr>
+                  <a:lstStyle/>
+                  <a:p>
+                    <a:pPr/>
+                    <a14:m>
+                      <m:oMathPara xmlns:m="http://schemas.openxmlformats.org/officeDocument/2006/math">
+                        <m:oMathParaPr>
+                          <m:jc m:val="centerGroup"/>
+                        </m:oMathParaPr>
+                        <m:oMath xmlns:m="http://schemas.openxmlformats.org/officeDocument/2006/math">
+                          <m:sSub>
+                            <m:sSubPr>
+                              <m:ctrlPr>
+                                <a:rPr lang="en-US" sz="1200" b="0" i="1" smtClean="0">
+                                  <a:solidFill>
+                                    <a:schemeClr val="tx1"/>
+                                  </a:solidFill>
+                                  <a:latin typeface="Cambria Math" panose="02040503050406030204" pitchFamily="18" charset="0"/>
+                                </a:rPr>
+                              </m:ctrlPr>
+                            </m:sSubPr>
+                            <m:e>
+                              <m:r>
+                                <a:rPr lang="en-US" sz="1200" b="0" i="1" smtClean="0">
+                                  <a:solidFill>
+                                    <a:schemeClr val="tx1"/>
+                                  </a:solidFill>
+                                  <a:latin typeface="Cambria Math" panose="02040503050406030204" pitchFamily="18" charset="0"/>
+                                </a:rPr>
+                                <m:t>𝛿</m:t>
+                              </m:r>
+                            </m:e>
+                            <m:sub>
+                              <m:r>
+                                <m:rPr>
+                                  <m:sty m:val="p"/>
+                                </m:rPr>
+                                <a:rPr lang="en-US" sz="1200" b="0" i="0" smtClean="0">
+                                  <a:solidFill>
+                                    <a:schemeClr val="tx1"/>
+                                  </a:solidFill>
+                                  <a:latin typeface="Cambria Math" panose="02040503050406030204" pitchFamily="18" charset="0"/>
+                                </a:rPr>
+                                <m:t>max</m:t>
+                              </m:r>
+                            </m:sub>
+                          </m:sSub>
+                          <m:r>
+                            <a:rPr lang="en-US" sz="1200" b="0" i="1" smtClean="0">
+                              <a:solidFill>
+                                <a:schemeClr val="tx1"/>
+                              </a:solidFill>
+                              <a:latin typeface="Cambria Math" panose="02040503050406030204" pitchFamily="18" charset="0"/>
+                            </a:rPr>
+                            <m:t>=1</m:t>
+                          </m:r>
+                          <m:r>
+                            <a:rPr lang="en-US" sz="1200" b="0" i="1" smtClean="0">
+                              <a:solidFill>
+                                <a:schemeClr val="tx1"/>
+                              </a:solidFill>
+                              <a:latin typeface="Cambria Math" panose="02040503050406030204" pitchFamily="18" charset="0"/>
+                            </a:rPr>
+                            <m:t>𝑖𝑛</m:t>
+                          </m:r>
+                        </m:oMath>
+                      </m:oMathPara>
+                    </a14:m>
+                    <a:endParaRPr lang="en-US" sz="1200" dirty="0">
+                      <a:solidFill>
+                        <a:schemeClr val="tx1"/>
+                      </a:solidFill>
+                      <a:latin typeface="+mj-lt"/>
+                    </a:endParaRPr>
+                  </a:p>
+                </p:txBody>
+              </p:sp>
+            </mc:Choice>
+            <mc:Fallback xmlns="">
+              <p:sp>
+                <p:nvSpPr>
+                  <p:cNvPr id="14" name="TextBox 13">
+                    <a:extLst>
+                      <a:ext uri="{FF2B5EF4-FFF2-40B4-BE49-F238E27FC236}">
+                        <a16:creationId xmlns:a16="http://schemas.microsoft.com/office/drawing/2014/main" id="{46A9F611-FE7B-52BA-0454-FCFDF19046AC}"/>
+                      </a:ext>
+                    </a:extLst>
+                  </p:cNvPr>
+                  <p:cNvSpPr txBox="1">
+                    <a:spLocks noRot="1" noChangeAspect="1" noMove="1" noResize="1" noEditPoints="1" noAdjustHandles="1" noChangeArrowheads="1" noChangeShapeType="1" noTextEdit="1"/>
+                  </p:cNvSpPr>
+                  <p:nvPr/>
+                </p:nvSpPr>
+                <p:spPr>
+                  <a:xfrm>
+                    <a:off x="2773259" y="3220756"/>
+                    <a:ext cx="743472" cy="236201"/>
+                  </a:xfrm>
+                  <a:prstGeom prst="rect">
+                    <a:avLst/>
+                  </a:prstGeom>
+                  <a:blipFill>
+                    <a:blip r:embed="rId2"/>
+                    <a:stretch>
+                      <a:fillRect/>
+                    </a:stretch>
+                  </a:blipFill>
+                </p:spPr>
+                <p:txBody>
+                  <a:bodyPr/>
+                  <a:lstStyle/>
+                  <a:p>
+                    <a:r>
+                      <a:rPr lang="en-US">
+                        <a:noFill/>
+                      </a:rPr>
+                      <a:t> </a:t>
+                    </a:r>
+                  </a:p>
+                </p:txBody>
+              </p:sp>
+            </mc:Fallback>
+          </mc:AlternateContent>
+          <p:cxnSp>
+            <p:nvCxnSpPr>
+              <p:cNvPr id="15" name="Straight Connector 14">
+                <a:extLst>
+                  <a:ext uri="{FF2B5EF4-FFF2-40B4-BE49-F238E27FC236}">
+                    <a16:creationId xmlns:a16="http://schemas.microsoft.com/office/drawing/2014/main" id="{7D1CDF63-8AFD-CF23-A3D3-364CDE487258}"/>
+                  </a:ext>
+                </a:extLst>
+              </p:cNvPr>
+              <p:cNvCxnSpPr/>
+              <p:nvPr/>
+            </p:nvCxnSpPr>
+            <p:spPr>
+              <a:xfrm>
+                <a:off x="1393653" y="3560626"/>
+                <a:ext cx="0" cy="207478"/>
+              </a:xfrm>
+              <a:prstGeom prst="line">
+                <a:avLst/>
+              </a:prstGeom>
+            </p:spPr>
+            <p:style>
+              <a:lnRef idx="2">
+                <a:schemeClr val="dk1"/>
+              </a:lnRef>
+              <a:fillRef idx="0">
+                <a:schemeClr val="dk1"/>
+              </a:fillRef>
+              <a:effectRef idx="1">
+                <a:schemeClr val="dk1"/>
+              </a:effectRef>
+              <a:fontRef idx="minor">
+                <a:schemeClr val="tx1"/>
+              </a:fontRef>
+            </p:style>
+          </p:cxnSp>
+          <p:cxnSp>
+            <p:nvCxnSpPr>
+              <p:cNvPr id="16" name="Straight Connector 15">
+                <a:extLst>
+                  <a:ext uri="{FF2B5EF4-FFF2-40B4-BE49-F238E27FC236}">
+                    <a16:creationId xmlns:a16="http://schemas.microsoft.com/office/drawing/2014/main" id="{E8DE473A-E7A6-EEED-BC56-051425E9C4DA}"/>
+                  </a:ext>
+                </a:extLst>
+              </p:cNvPr>
+              <p:cNvCxnSpPr/>
+              <p:nvPr/>
+            </p:nvCxnSpPr>
+            <p:spPr>
+              <a:xfrm>
+                <a:off x="4300683" y="3560626"/>
+                <a:ext cx="0" cy="207478"/>
+              </a:xfrm>
+              <a:prstGeom prst="line">
+                <a:avLst/>
+              </a:prstGeom>
+            </p:spPr>
+            <p:style>
+              <a:lnRef idx="2">
+                <a:schemeClr val="dk1"/>
+              </a:lnRef>
+              <a:fillRef idx="0">
+                <a:schemeClr val="dk1"/>
+              </a:fillRef>
+              <a:effectRef idx="1">
+                <a:schemeClr val="dk1"/>
+              </a:effectRef>
+              <a:fontRef idx="minor">
+                <a:schemeClr val="tx1"/>
+              </a:fontRef>
+            </p:style>
+          </p:cxnSp>
+          <p:cxnSp>
+            <p:nvCxnSpPr>
+              <p:cNvPr id="17" name="Straight Connector 16">
+                <a:extLst>
+                  <a:ext uri="{FF2B5EF4-FFF2-40B4-BE49-F238E27FC236}">
+                    <a16:creationId xmlns:a16="http://schemas.microsoft.com/office/drawing/2014/main" id="{74A97CD7-F9AB-B958-F4D6-02F9EB10DAFA}"/>
+                  </a:ext>
+                </a:extLst>
+              </p:cNvPr>
+              <p:cNvCxnSpPr>
+                <a:cxnSpLocks/>
+                <a:endCxn id="13" idx="1"/>
+              </p:cNvCxnSpPr>
+              <p:nvPr/>
+            </p:nvCxnSpPr>
+            <p:spPr>
+              <a:xfrm>
+                <a:off x="2797315" y="3168789"/>
+                <a:ext cx="0" cy="397373"/>
+              </a:xfrm>
+              <a:prstGeom prst="line">
+                <a:avLst/>
+              </a:prstGeom>
+              <a:ln w="9525">
+                <a:solidFill>
+                  <a:schemeClr val="tx1"/>
+                </a:solidFill>
+                <a:prstDash val="dash"/>
+              </a:ln>
+            </p:spPr>
+            <p:style>
+              <a:lnRef idx="2">
+                <a:schemeClr val="accent4"/>
+              </a:lnRef>
+              <a:fillRef idx="0">
+                <a:schemeClr val="accent4"/>
+              </a:fillRef>
+              <a:effectRef idx="1">
+                <a:schemeClr val="accent4"/>
+              </a:effectRef>
+              <a:fontRef idx="minor">
+                <a:schemeClr val="tx1"/>
+              </a:fontRef>
+            </p:style>
+          </p:cxnSp>
+        </p:grpSp>
+        <p:cxnSp>
+          <p:nvCxnSpPr>
+            <p:cNvPr id="19" name="Straight Connector 18">
+              <a:extLst>
+                <a:ext uri="{FF2B5EF4-FFF2-40B4-BE49-F238E27FC236}">
+                  <a16:creationId xmlns:a16="http://schemas.microsoft.com/office/drawing/2014/main" id="{AFD133A8-6785-9AEB-C013-475EBE93A6C9}"/>
+                </a:ext>
+              </a:extLst>
+            </p:cNvPr>
+            <p:cNvCxnSpPr>
+              <a:cxnSpLocks/>
+            </p:cNvCxnSpPr>
+            <p:nvPr/>
+          </p:nvCxnSpPr>
+          <p:spPr>
+            <a:xfrm>
+              <a:off x="5875197" y="4701462"/>
+              <a:ext cx="1997982" cy="0"/>
+            </a:xfrm>
+            <a:prstGeom prst="line">
+              <a:avLst/>
+            </a:prstGeom>
+            <a:ln w="57150">
+              <a:solidFill>
+                <a:schemeClr val="accent1">
+                  <a:lumMod val="60000"/>
+                  <a:lumOff val="40000"/>
+                </a:schemeClr>
+              </a:solidFill>
+            </a:ln>
+          </p:spPr>
+          <p:style>
+            <a:lnRef idx="2">
+              <a:schemeClr val="dk1"/>
+            </a:lnRef>
+            <a:fillRef idx="0">
+              <a:schemeClr val="dk1"/>
+            </a:fillRef>
+            <a:effectRef idx="1">
+              <a:schemeClr val="dk1"/>
+            </a:effectRef>
+            <a:fontRef idx="minor">
+              <a:schemeClr val="tx1"/>
+            </a:fontRef>
+          </p:style>
+        </p:cxnSp>
+        <mc:AlternateContent xmlns:mc="http://schemas.openxmlformats.org/markup-compatibility/2006" xmlns:a14="http://schemas.microsoft.com/office/drawing/2010/main">
+          <mc:Choice Requires="a14">
+            <p:sp>
+              <p:nvSpPr>
+                <p:cNvPr id="18" name="TextBox 17">
+                  <a:extLst>
+                    <a:ext uri="{FF2B5EF4-FFF2-40B4-BE49-F238E27FC236}">
+                      <a16:creationId xmlns:a16="http://schemas.microsoft.com/office/drawing/2014/main" id="{AEDE4ABE-B6D3-DF24-9498-F93455923D8F}"/>
+                    </a:ext>
+                  </a:extLst>
+                </p:cNvPr>
+                <p:cNvSpPr txBox="1"/>
+                <p:nvPr/>
+              </p:nvSpPr>
+              <p:spPr>
+                <a:xfrm>
+                  <a:off x="4662637" y="4403197"/>
+                  <a:ext cx="683515" cy="276999"/>
+                </a:xfrm>
+                <a:prstGeom prst="rect">
+                  <a:avLst/>
+                </a:prstGeom>
+                <a:noFill/>
+              </p:spPr>
+              <p:txBody>
+                <a:bodyPr wrap="square">
+                  <a:spAutoFit/>
+                </a:bodyPr>
+                <a:lstStyle/>
+                <a:p>
+                  <a14:m>
+                    <m:oMath xmlns:m="http://schemas.openxmlformats.org/officeDocument/2006/math">
+                      <m:sSub>
+                        <m:sSubPr>
+                          <m:ctrlPr>
+                            <a:rPr lang="en-US" sz="1200" b="0" i="1" smtClean="0">
+                              <a:solidFill>
+                                <a:schemeClr val="tx2">
+                                  <a:lumMod val="50000"/>
+                                  <a:lumOff val="50000"/>
+                                </a:schemeClr>
+                              </a:solidFill>
+                              <a:latin typeface="Cambria Math" panose="02040503050406030204" pitchFamily="18" charset="0"/>
+                            </a:rPr>
+                          </m:ctrlPr>
+                        </m:sSubPr>
+                        <m:e>
+                          <m:r>
+                            <a:rPr lang="en-US" sz="1200" b="0" i="1" smtClean="0">
+                              <a:solidFill>
+                                <a:schemeClr val="tx2">
+                                  <a:lumMod val="50000"/>
+                                  <a:lumOff val="50000"/>
+                                </a:schemeClr>
+                              </a:solidFill>
+                              <a:latin typeface="Cambria Math" panose="02040503050406030204" pitchFamily="18" charset="0"/>
+                            </a:rPr>
+                            <m:t>𝐸</m:t>
+                          </m:r>
+                        </m:e>
+                        <m:sub>
+                          <m:r>
+                            <a:rPr lang="en-US" sz="1200" b="0" i="1" smtClean="0">
+                              <a:solidFill>
+                                <a:schemeClr val="tx2">
+                                  <a:lumMod val="50000"/>
+                                  <a:lumOff val="50000"/>
+                                </a:schemeClr>
+                              </a:solidFill>
+                              <a:latin typeface="Cambria Math" panose="02040503050406030204" pitchFamily="18" charset="0"/>
+                            </a:rPr>
+                            <m:t>1</m:t>
+                          </m:r>
+                        </m:sub>
+                      </m:sSub>
+                    </m:oMath>
+                  </a14:m>
+                  <a:r>
+                    <a:rPr lang="en-US" sz="1200" dirty="0">
+                      <a:solidFill>
+                        <a:schemeClr val="tx2">
+                          <a:lumMod val="50000"/>
+                          <a:lumOff val="50000"/>
+                        </a:schemeClr>
+                      </a:solidFill>
+                      <a:latin typeface="+mj-lt"/>
+                    </a:rPr>
+                    <a:t>= ?</a:t>
+                  </a:r>
+                </a:p>
+              </p:txBody>
+            </p:sp>
+          </mc:Choice>
+          <mc:Fallback xmlns="">
+            <p:sp>
+              <p:nvSpPr>
+                <p:cNvPr id="18" name="TextBox 17">
+                  <a:extLst>
+                    <a:ext uri="{FF2B5EF4-FFF2-40B4-BE49-F238E27FC236}">
+                      <a16:creationId xmlns:a16="http://schemas.microsoft.com/office/drawing/2014/main" id="{AEDE4ABE-B6D3-DF24-9498-F93455923D8F}"/>
+                    </a:ext>
+                  </a:extLst>
+                </p:cNvPr>
+                <p:cNvSpPr txBox="1">
+                  <a:spLocks noRot="1" noChangeAspect="1" noMove="1" noResize="1" noEditPoints="1" noAdjustHandles="1" noChangeArrowheads="1" noChangeShapeType="1" noTextEdit="1"/>
+                </p:cNvSpPr>
+                <p:nvPr/>
+              </p:nvSpPr>
+              <p:spPr>
+                <a:xfrm>
+                  <a:off x="4662637" y="4403197"/>
+                  <a:ext cx="683515" cy="276999"/>
+                </a:xfrm>
+                <a:prstGeom prst="rect">
+                  <a:avLst/>
+                </a:prstGeom>
+                <a:blipFill>
+                  <a:blip r:embed="rId3"/>
+                  <a:stretch>
+                    <a:fillRect b="-15217"/>
+                  </a:stretch>
+                </a:blipFill>
+              </p:spPr>
+              <p:txBody>
+                <a:bodyPr/>
+                <a:lstStyle/>
+                <a:p>
+                  <a:r>
+                    <a:rPr lang="en-US">
+                      <a:noFill/>
+                    </a:rPr>
+                    <a:t> </a:t>
+                  </a:r>
+                </a:p>
+              </p:txBody>
+            </p:sp>
+          </mc:Fallback>
+        </mc:AlternateContent>
+        <mc:AlternateContent xmlns:mc="http://schemas.openxmlformats.org/markup-compatibility/2006" xmlns:a14="http://schemas.microsoft.com/office/drawing/2010/main">
+          <mc:Choice Requires="a14">
+            <p:sp>
+              <p:nvSpPr>
+                <p:cNvPr id="20" name="TextBox 19">
+                  <a:extLst>
+                    <a:ext uri="{FF2B5EF4-FFF2-40B4-BE49-F238E27FC236}">
+                      <a16:creationId xmlns:a16="http://schemas.microsoft.com/office/drawing/2014/main" id="{0F27BFFE-1F85-5343-D94F-0258CC5B50EC}"/>
+                    </a:ext>
+                  </a:extLst>
+                </p:cNvPr>
+                <p:cNvSpPr txBox="1"/>
+                <p:nvPr/>
+              </p:nvSpPr>
+              <p:spPr>
+                <a:xfrm>
+                  <a:off x="6572198" y="4420437"/>
+                  <a:ext cx="683515" cy="276999"/>
+                </a:xfrm>
+                <a:prstGeom prst="rect">
+                  <a:avLst/>
+                </a:prstGeom>
+                <a:noFill/>
+              </p:spPr>
+              <p:txBody>
+                <a:bodyPr wrap="square">
+                  <a:spAutoFit/>
+                </a:bodyPr>
+                <a:lstStyle/>
+                <a:p>
+                  <a14:m>
+                    <m:oMath xmlns:m="http://schemas.openxmlformats.org/officeDocument/2006/math">
+                      <m:sSub>
+                        <m:sSubPr>
+                          <m:ctrlPr>
+                            <a:rPr lang="en-US" sz="1200" b="0" i="1" smtClean="0">
+                              <a:solidFill>
+                                <a:schemeClr val="accent1">
+                                  <a:lumMod val="60000"/>
+                                  <a:lumOff val="40000"/>
+                                </a:schemeClr>
+                              </a:solidFill>
+                              <a:latin typeface="Cambria Math" panose="02040503050406030204" pitchFamily="18" charset="0"/>
+                            </a:rPr>
+                          </m:ctrlPr>
+                        </m:sSubPr>
+                        <m:e>
+                          <m:r>
+                            <a:rPr lang="en-US" sz="1200" b="0" i="1" smtClean="0">
+                              <a:solidFill>
+                                <a:schemeClr val="accent1">
+                                  <a:lumMod val="60000"/>
+                                  <a:lumOff val="40000"/>
+                                </a:schemeClr>
+                              </a:solidFill>
+                              <a:latin typeface="Cambria Math" panose="02040503050406030204" pitchFamily="18" charset="0"/>
+                            </a:rPr>
+                            <m:t>𝐸</m:t>
+                          </m:r>
+                        </m:e>
+                        <m:sub>
+                          <m:r>
+                            <a:rPr lang="en-US" sz="1200" b="0" i="1" smtClean="0">
+                              <a:solidFill>
+                                <a:schemeClr val="accent1">
+                                  <a:lumMod val="60000"/>
+                                  <a:lumOff val="40000"/>
+                                </a:schemeClr>
+                              </a:solidFill>
+                              <a:latin typeface="Cambria Math" panose="02040503050406030204" pitchFamily="18" charset="0"/>
+                            </a:rPr>
+                            <m:t>2</m:t>
+                          </m:r>
+                        </m:sub>
+                      </m:sSub>
+                    </m:oMath>
+                  </a14:m>
+                  <a:r>
+                    <a:rPr lang="en-US" sz="1200" dirty="0">
+                      <a:solidFill>
+                        <a:schemeClr val="accent1">
+                          <a:lumMod val="60000"/>
+                          <a:lumOff val="40000"/>
+                        </a:schemeClr>
+                      </a:solidFill>
+                      <a:latin typeface="+mj-lt"/>
+                    </a:rPr>
+                    <a:t>= ?</a:t>
+                  </a:r>
+                </a:p>
+              </p:txBody>
+            </p:sp>
+          </mc:Choice>
+          <mc:Fallback xmlns="">
+            <p:sp>
+              <p:nvSpPr>
+                <p:cNvPr id="20" name="TextBox 19">
+                  <a:extLst>
+                    <a:ext uri="{FF2B5EF4-FFF2-40B4-BE49-F238E27FC236}">
+                      <a16:creationId xmlns:a16="http://schemas.microsoft.com/office/drawing/2014/main" id="{0F27BFFE-1F85-5343-D94F-0258CC5B50EC}"/>
+                    </a:ext>
+                  </a:extLst>
+                </p:cNvPr>
+                <p:cNvSpPr txBox="1">
+                  <a:spLocks noRot="1" noChangeAspect="1" noMove="1" noResize="1" noEditPoints="1" noAdjustHandles="1" noChangeArrowheads="1" noChangeShapeType="1" noTextEdit="1"/>
+                </p:cNvSpPr>
+                <p:nvPr/>
+              </p:nvSpPr>
+              <p:spPr>
+                <a:xfrm>
+                  <a:off x="6572198" y="4420437"/>
+                  <a:ext cx="683515" cy="276999"/>
+                </a:xfrm>
+                <a:prstGeom prst="rect">
+                  <a:avLst/>
+                </a:prstGeom>
+                <a:blipFill>
+                  <a:blip r:embed="rId4"/>
+                  <a:stretch>
+                    <a:fillRect b="-17778"/>
+                  </a:stretch>
+                </a:blipFill>
+              </p:spPr>
+              <p:txBody>
+                <a:bodyPr/>
+                <a:lstStyle/>
+                <a:p>
+                  <a:r>
+                    <a:rPr lang="en-US">
+                      <a:noFill/>
+                    </a:rPr>
+                    <a:t> </a:t>
+                  </a:r>
+                </a:p>
+              </p:txBody>
+            </p:sp>
+          </mc:Fallback>
+        </mc:AlternateContent>
+      </p:grpSp>
+      <mc:AlternateContent xmlns:mc="http://schemas.openxmlformats.org/markup-compatibility/2006">
+        <mc:Choice xmlns:a14="http://schemas.microsoft.com/office/drawing/2010/main" Requires="a14">
+          <p:sp>
+            <p:nvSpPr>
+              <p:cNvPr id="22" name="TextBox 21">
+                <a:extLst>
+                  <a:ext uri="{FF2B5EF4-FFF2-40B4-BE49-F238E27FC236}">
+                    <a16:creationId xmlns:a16="http://schemas.microsoft.com/office/drawing/2014/main" id="{4ABD8C6A-181D-35BA-A8E4-8E8562619134}"/>
+                  </a:ext>
+                </a:extLst>
+              </p:cNvPr>
+              <p:cNvSpPr txBox="1"/>
+              <p:nvPr/>
+            </p:nvSpPr>
+            <p:spPr>
+              <a:xfrm>
+                <a:off x="838200" y="1551557"/>
+                <a:ext cx="6867608" cy="3484672"/>
+              </a:xfrm>
+              <a:prstGeom prst="rect">
+                <a:avLst/>
+              </a:prstGeom>
+              <a:noFill/>
+            </p:spPr>
+            <p:txBody>
+              <a:bodyPr wrap="square">
+                <a:spAutoFit/>
+              </a:bodyPr>
+              <a:lstStyle/>
+              <a:p>
+                <a:pPr/>
+                <a14:m>
+                  <m:oMathPara xmlns:m="http://schemas.openxmlformats.org/officeDocument/2006/math">
+                    <m:oMathParaPr>
+                      <m:jc m:val="left"/>
+                    </m:oMathParaPr>
+                    <m:oMath xmlns:m="http://schemas.openxmlformats.org/officeDocument/2006/math">
+                      <m:f>
+                        <m:fPr>
+                          <m:ctrlPr>
+                            <a:rPr lang="en-US" i="1" smtClean="0">
+                              <a:latin typeface="Cambria Math" panose="02040503050406030204" pitchFamily="18" charset="0"/>
+                            </a:rPr>
+                          </m:ctrlPr>
+                        </m:fPr>
+                        <m:num>
+                          <m:r>
+                            <a:rPr lang="en-US" i="1">
+                              <a:latin typeface="Cambria Math" panose="02040503050406030204" pitchFamily="18" charset="0"/>
+                            </a:rPr>
+                            <m:t>1</m:t>
+                          </m:r>
+                        </m:num>
+                        <m:den>
+                          <m:r>
+                            <a:rPr lang="en-US" i="1">
+                              <a:latin typeface="Cambria Math" panose="02040503050406030204" pitchFamily="18" charset="0"/>
+                            </a:rPr>
+                            <m:t>360</m:t>
+                          </m:r>
+                        </m:den>
+                      </m:f>
+                      <m:r>
+                        <a:rPr lang="en-US" i="1">
+                          <a:latin typeface="Cambria Math" panose="02040503050406030204" pitchFamily="18" charset="0"/>
+                        </a:rPr>
+                        <m:t>=</m:t>
+                      </m:r>
+                      <m:d>
+                        <m:dPr>
+                          <m:ctrlPr>
+                            <a:rPr lang="en-US" i="1">
+                              <a:latin typeface="Cambria Math" panose="02040503050406030204" pitchFamily="18" charset="0"/>
+                            </a:rPr>
+                          </m:ctrlPr>
+                        </m:dPr>
+                        <m:e>
+                          <m:f>
+                            <m:fPr>
+                              <m:ctrlPr>
+                                <a:rPr lang="en-US" i="1">
+                                  <a:latin typeface="Cambria Math" panose="02040503050406030204" pitchFamily="18" charset="0"/>
+                                </a:rPr>
+                              </m:ctrlPr>
+                            </m:fPr>
+                            <m:num>
+                              <m:r>
+                                <a:rPr lang="en-US" i="1">
+                                  <a:latin typeface="Cambria Math" panose="02040503050406030204" pitchFamily="18" charset="0"/>
+                                </a:rPr>
+                                <m:t>1</m:t>
+                              </m:r>
+                            </m:num>
+                            <m:den>
+                              <m:sSub>
+                                <m:sSubPr>
+                                  <m:ctrlPr>
+                                    <a:rPr lang="en-US" i="1">
+                                      <a:latin typeface="Cambria Math" panose="02040503050406030204" pitchFamily="18" charset="0"/>
+                                    </a:rPr>
+                                  </m:ctrlPr>
+                                </m:sSubPr>
+                                <m:e>
+                                  <m:r>
+                                    <a:rPr lang="en-US" i="1">
+                                      <a:latin typeface="Cambria Math" panose="02040503050406030204" pitchFamily="18" charset="0"/>
+                                    </a:rPr>
+                                    <m:t>𝐸</m:t>
+                                  </m:r>
+                                </m:e>
+                                <m:sub>
+                                  <m:r>
+                                    <a:rPr lang="en-US" i="1">
+                                      <a:latin typeface="Cambria Math" panose="02040503050406030204" pitchFamily="18" charset="0"/>
+                                    </a:rPr>
+                                    <m:t>1</m:t>
+                                  </m:r>
+                                </m:sub>
+                              </m:sSub>
+                            </m:den>
+                          </m:f>
+                          <m:r>
+                            <a:rPr lang="en-US" i="1">
+                              <a:latin typeface="Cambria Math" panose="02040503050406030204" pitchFamily="18" charset="0"/>
+                            </a:rPr>
+                            <m:t>+</m:t>
+                          </m:r>
+                          <m:f>
+                            <m:fPr>
+                              <m:ctrlPr>
+                                <a:rPr lang="en-US" i="1">
+                                  <a:latin typeface="Cambria Math" panose="02040503050406030204" pitchFamily="18" charset="0"/>
+                                </a:rPr>
+                              </m:ctrlPr>
+                            </m:fPr>
+                            <m:num>
+                              <m:r>
+                                <a:rPr lang="en-US" i="1">
+                                  <a:latin typeface="Cambria Math" panose="02040503050406030204" pitchFamily="18" charset="0"/>
+                                </a:rPr>
+                                <m:t>1</m:t>
+                              </m:r>
+                            </m:num>
+                            <m:den>
+                              <m:sSub>
+                                <m:sSubPr>
+                                  <m:ctrlPr>
+                                    <a:rPr lang="en-US" i="1">
+                                      <a:latin typeface="Cambria Math" panose="02040503050406030204" pitchFamily="18" charset="0"/>
+                                    </a:rPr>
+                                  </m:ctrlPr>
+                                </m:sSubPr>
+                                <m:e>
+                                  <m:r>
+                                    <a:rPr lang="en-US" i="1">
+                                      <a:latin typeface="Cambria Math" panose="02040503050406030204" pitchFamily="18" charset="0"/>
+                                    </a:rPr>
+                                    <m:t>𝐸</m:t>
+                                  </m:r>
+                                </m:e>
+                                <m:sub>
+                                  <m:r>
+                                    <a:rPr lang="en-US" i="1">
+                                      <a:latin typeface="Cambria Math" panose="02040503050406030204" pitchFamily="18" charset="0"/>
+                                    </a:rPr>
+                                    <m:t>2</m:t>
+                                  </m:r>
+                                </m:sub>
+                              </m:sSub>
+                            </m:den>
+                          </m:f>
+                        </m:e>
+                      </m:d>
+                    </m:oMath>
+                  </m:oMathPara>
+                </a14:m>
+                <a:endParaRPr lang="en-US" dirty="0">
+                  <a:latin typeface="+mj-lt"/>
+                </a:endParaRPr>
+              </a:p>
+              <a:p>
+                <a:endParaRPr lang="en-US" dirty="0">
+                  <a:latin typeface="+mj-lt"/>
+                </a:endParaRPr>
+              </a:p>
+              <a:p>
+                <a:r>
+                  <a:rPr lang="en-US" dirty="0">
+                    <a:latin typeface="+mj-lt"/>
+                  </a:rPr>
+                  <a:t>There are infinitely many solutions for </a:t>
+                </a:r>
+                <a14:m>
+                  <m:oMath xmlns:m="http://schemas.openxmlformats.org/officeDocument/2006/math">
+                    <m:sSub>
+                      <m:sSubPr>
+                        <m:ctrlPr>
+                          <a:rPr lang="en-US" b="0" i="1" smtClean="0">
+                            <a:latin typeface="Cambria Math" panose="02040503050406030204" pitchFamily="18" charset="0"/>
+                          </a:rPr>
+                        </m:ctrlPr>
+                      </m:sSubPr>
+                      <m:e>
+                        <m:r>
+                          <a:rPr lang="en-US" b="0" i="1" smtClean="0">
+                            <a:latin typeface="Cambria Math" panose="02040503050406030204" pitchFamily="18" charset="0"/>
+                          </a:rPr>
+                          <m:t>𝐸</m:t>
+                        </m:r>
+                      </m:e>
+                      <m:sub>
+                        <m:r>
+                          <a:rPr lang="en-US" b="0" i="1" smtClean="0">
+                            <a:latin typeface="Cambria Math" panose="02040503050406030204" pitchFamily="18" charset="0"/>
+                          </a:rPr>
+                          <m:t>1</m:t>
+                        </m:r>
+                      </m:sub>
+                    </m:sSub>
+                  </m:oMath>
+                </a14:m>
+                <a:r>
+                  <a:rPr lang="en-US" dirty="0">
+                    <a:latin typeface="+mj-lt"/>
+                  </a:rPr>
+                  <a:t> and </a:t>
+                </a:r>
+                <a14:m>
+                  <m:oMath xmlns:m="http://schemas.openxmlformats.org/officeDocument/2006/math">
+                    <m:sSub>
+                      <m:sSubPr>
+                        <m:ctrlPr>
+                          <a:rPr lang="en-US" b="0" i="1" smtClean="0">
+                            <a:latin typeface="Cambria Math" panose="02040503050406030204" pitchFamily="18" charset="0"/>
+                          </a:rPr>
+                        </m:ctrlPr>
+                      </m:sSubPr>
+                      <m:e>
+                        <m:r>
+                          <a:rPr lang="en-US" b="0" i="1" smtClean="0">
+                            <a:latin typeface="Cambria Math" panose="02040503050406030204" pitchFamily="18" charset="0"/>
+                          </a:rPr>
+                          <m:t>𝐸</m:t>
+                        </m:r>
+                      </m:e>
+                      <m:sub>
+                        <m:r>
+                          <a:rPr lang="en-US" b="0" i="1" smtClean="0">
+                            <a:latin typeface="Cambria Math" panose="02040503050406030204" pitchFamily="18" charset="0"/>
+                          </a:rPr>
+                          <m:t>2</m:t>
+                        </m:r>
+                      </m:sub>
+                    </m:sSub>
+                  </m:oMath>
+                </a14:m>
+                <a:r>
+                  <a:rPr lang="en-US" dirty="0">
+                    <a:latin typeface="+mj-lt"/>
+                  </a:rPr>
+                  <a:t> that satisfy the equation above. </a:t>
+                </a:r>
+              </a:p>
+              <a:p>
+                <a:endParaRPr lang="en-US" dirty="0">
+                  <a:latin typeface="+mj-lt"/>
+                </a:endParaRPr>
+              </a:p>
+              <a:p>
+                <a:r>
+                  <a:rPr lang="en-US" dirty="0">
+                    <a:latin typeface="+mj-lt"/>
+                  </a:rPr>
+                  <a:t>Recall, Hadamard’s conditions:</a:t>
+                </a:r>
+              </a:p>
+              <a:p>
+                <a:pPr marL="342900" indent="-342900">
+                  <a:buAutoNum type="arabicPeriod"/>
+                </a:pPr>
+                <a:r>
+                  <a:rPr lang="en-US" dirty="0">
+                    <a:latin typeface="+mj-lt"/>
+                  </a:rPr>
+                  <a:t>Existence – a solution exists </a:t>
+                </a:r>
+                <a:r>
+                  <a:rPr lang="en-US" dirty="0">
+                    <a:solidFill>
+                      <a:schemeClr val="accent6"/>
+                    </a:solidFill>
+                    <a:latin typeface="+mj-lt"/>
+                  </a:rPr>
+                  <a:t>✓</a:t>
+                </a:r>
+              </a:p>
+              <a:p>
+                <a:pPr marL="342900" indent="-342900">
+                  <a:buAutoNum type="arabicPeriod"/>
+                </a:pPr>
+                <a:r>
+                  <a:rPr lang="en-US" dirty="0">
+                    <a:latin typeface="+mj-lt"/>
+                  </a:rPr>
+                  <a:t>Uniqueness – only one solution per problem </a:t>
+                </a:r>
+                <a:r>
+                  <a:rPr lang="en-US" dirty="0">
+                    <a:solidFill>
+                      <a:srgbClr val="FF0000"/>
+                    </a:solidFill>
+                    <a:latin typeface="+mj-lt"/>
+                  </a:rPr>
+                  <a:t>✗</a:t>
+                </a:r>
+              </a:p>
+              <a:p>
+                <a:pPr marL="342900" indent="-342900">
+                  <a:buAutoNum type="arabicPeriod"/>
+                </a:pPr>
+                <a:r>
+                  <a:rPr lang="en-US" dirty="0">
+                    <a:latin typeface="+mj-lt"/>
+                  </a:rPr>
+                  <a:t>Stability – small changes in the input do not influence the solution </a:t>
+                </a:r>
+                <a:r>
+                  <a:rPr lang="en-US" dirty="0">
+                    <a:solidFill>
+                      <a:srgbClr val="FF0000"/>
+                    </a:solidFill>
+                    <a:latin typeface="+mj-lt"/>
+                  </a:rPr>
+                  <a:t>✗</a:t>
+                </a:r>
+                <a:endParaRPr lang="en-US" dirty="0">
+                  <a:solidFill>
+                    <a:schemeClr val="accent6"/>
+                  </a:solidFill>
+                  <a:latin typeface="+mj-lt"/>
+                </a:endParaRPr>
+              </a:p>
+              <a:p>
+                <a:endParaRPr lang="en-US" dirty="0">
+                  <a:solidFill>
+                    <a:schemeClr val="accent6"/>
+                  </a:solidFill>
+                  <a:latin typeface="+mj-lt"/>
+                </a:endParaRPr>
+              </a:p>
+              <a:p>
+                <a:r>
+                  <a:rPr lang="en-US" dirty="0">
+                    <a:latin typeface="+mj-lt"/>
+                  </a:rPr>
+                  <a:t>Even though the </a:t>
+                </a:r>
+              </a:p>
+            </p:txBody>
+          </p:sp>
+        </mc:Choice>
+        <mc:Fallback>
+          <p:sp>
+            <p:nvSpPr>
+              <p:cNvPr id="22" name="TextBox 21">
+                <a:extLst>
+                  <a:ext uri="{FF2B5EF4-FFF2-40B4-BE49-F238E27FC236}">
+                    <a16:creationId xmlns:a16="http://schemas.microsoft.com/office/drawing/2014/main" id="{4ABD8C6A-181D-35BA-A8E4-8E8562619134}"/>
+                  </a:ext>
+                </a:extLst>
+              </p:cNvPr>
+              <p:cNvSpPr txBox="1">
+                <a:spLocks noRot="1" noChangeAspect="1" noMove="1" noResize="1" noEditPoints="1" noAdjustHandles="1" noChangeArrowheads="1" noChangeShapeType="1" noTextEdit="1"/>
+              </p:cNvSpPr>
+              <p:nvPr/>
+            </p:nvSpPr>
+            <p:spPr>
+              <a:xfrm>
+                <a:off x="838200" y="1551557"/>
+                <a:ext cx="6867608" cy="3484672"/>
+              </a:xfrm>
+              <a:prstGeom prst="rect">
+                <a:avLst/>
+              </a:prstGeom>
+              <a:blipFill>
+                <a:blip r:embed="rId5"/>
+                <a:stretch>
+                  <a:fillRect l="-799" r="-266" b="-1926"/>
+                </a:stretch>
+              </a:blipFill>
+            </p:spPr>
+            <p:txBody>
+              <a:bodyPr/>
+              <a:lstStyle/>
+              <a:p>
+                <a:r>
+                  <a:rPr lang="en-US">
+                    <a:noFill/>
+                  </a:rPr>
+                  <a:t> </a:t>
+                </a:r>
+              </a:p>
+            </p:txBody>
+          </p:sp>
+        </mc:Fallback>
+      </mc:AlternateContent>
+      <mc:AlternateContent xmlns:mc="http://schemas.openxmlformats.org/markup-compatibility/2006" xmlns:a14="http://schemas.microsoft.com/office/drawing/2010/main">
+        <mc:Choice Requires="a14">
+          <p:sp>
+            <p:nvSpPr>
+              <p:cNvPr id="3" name="TextBox 2">
+                <a:extLst>
+                  <a:ext uri="{FF2B5EF4-FFF2-40B4-BE49-F238E27FC236}">
+                    <a16:creationId xmlns:a16="http://schemas.microsoft.com/office/drawing/2014/main" id="{60968E9F-816C-3997-E00B-C533F87FA4B8}"/>
+                  </a:ext>
+                </a:extLst>
+              </p:cNvPr>
+              <p:cNvSpPr txBox="1"/>
+              <p:nvPr/>
+            </p:nvSpPr>
+            <p:spPr>
+              <a:xfrm>
+                <a:off x="10653324" y="3588783"/>
+                <a:ext cx="1332056" cy="276999"/>
+              </a:xfrm>
+              <a:prstGeom prst="rect">
+                <a:avLst/>
+              </a:prstGeom>
+              <a:noFill/>
+            </p:spPr>
+            <p:txBody>
+              <a:bodyPr wrap="square" rtlCol="0">
+                <a:spAutoFit/>
+              </a:bodyPr>
+              <a:lstStyle/>
+              <a:p>
+                <a:pPr algn="r"/>
+                <a:r>
+                  <a:rPr lang="en-US" sz="1200" dirty="0">
+                    <a:latin typeface="+mj-lt"/>
+                  </a:rPr>
+                  <a:t>I = 100</a:t>
+                </a:r>
+                <a14:m>
+                  <m:oMath xmlns:m="http://schemas.openxmlformats.org/officeDocument/2006/math">
+                    <m:r>
+                      <m:rPr>
+                        <m:sty m:val="p"/>
+                      </m:rPr>
+                      <a:rPr lang="en-US" sz="1200" b="0" i="0" smtClean="0">
+                        <a:latin typeface="Cambria Math" panose="02040503050406030204" pitchFamily="18" charset="0"/>
+                      </a:rPr>
+                      <m:t>i</m:t>
+                    </m:r>
+                    <m:sSup>
+                      <m:sSupPr>
+                        <m:ctrlPr>
+                          <a:rPr lang="en-US" sz="1200" b="0" i="1" smtClean="0">
+                            <a:latin typeface="Cambria Math" panose="02040503050406030204" pitchFamily="18" charset="0"/>
+                          </a:rPr>
+                        </m:ctrlPr>
+                      </m:sSupPr>
+                      <m:e>
+                        <m:r>
+                          <m:rPr>
+                            <m:sty m:val="p"/>
+                          </m:rPr>
+                          <a:rPr lang="en-US" sz="1200" b="0" i="0" smtClean="0">
+                            <a:latin typeface="Cambria Math" panose="02040503050406030204" pitchFamily="18" charset="0"/>
+                          </a:rPr>
+                          <m:t>n</m:t>
+                        </m:r>
+                      </m:e>
+                      <m:sup>
+                        <m:r>
+                          <a:rPr lang="en-US" sz="1200" b="0" i="0" smtClean="0">
+                            <a:latin typeface="Cambria Math" panose="02040503050406030204" pitchFamily="18" charset="0"/>
+                          </a:rPr>
+                          <m:t>4</m:t>
+                        </m:r>
+                      </m:sup>
+                    </m:sSup>
+                  </m:oMath>
+                </a14:m>
+                <a:endParaRPr lang="en-US" sz="1200" dirty="0">
+                  <a:latin typeface="+mj-lt"/>
+                </a:endParaRPr>
+              </a:p>
+            </p:txBody>
+          </p:sp>
+        </mc:Choice>
+        <mc:Fallback xmlns="">
+          <p:sp>
+            <p:nvSpPr>
+              <p:cNvPr id="3" name="TextBox 2">
+                <a:extLst>
+                  <a:ext uri="{FF2B5EF4-FFF2-40B4-BE49-F238E27FC236}">
+                    <a16:creationId xmlns:a16="http://schemas.microsoft.com/office/drawing/2014/main" id="{60968E9F-816C-3997-E00B-C533F87FA4B8}"/>
+                  </a:ext>
+                </a:extLst>
+              </p:cNvPr>
+              <p:cNvSpPr txBox="1">
+                <a:spLocks noRot="1" noChangeAspect="1" noMove="1" noResize="1" noEditPoints="1" noAdjustHandles="1" noChangeArrowheads="1" noChangeShapeType="1" noTextEdit="1"/>
+              </p:cNvSpPr>
+              <p:nvPr/>
+            </p:nvSpPr>
+            <p:spPr>
+              <a:xfrm>
+                <a:off x="10653324" y="3588783"/>
+                <a:ext cx="1332056" cy="276999"/>
+              </a:xfrm>
+              <a:prstGeom prst="rect">
+                <a:avLst/>
+              </a:prstGeom>
+              <a:blipFill>
+                <a:blip r:embed="rId6"/>
+                <a:stretch>
+                  <a:fillRect t="-2222" b="-17778"/>
+                </a:stretch>
+              </a:blipFill>
+            </p:spPr>
+            <p:txBody>
+              <a:bodyPr/>
+              <a:lstStyle/>
+              <a:p>
+                <a:r>
+                  <a:rPr lang="en-US">
+                    <a:noFill/>
+                  </a:rPr>
+                  <a:t> </a:t>
+                </a:r>
+              </a:p>
+            </p:txBody>
+          </p:sp>
+        </mc:Fallback>
+      </mc:AlternateContent>
+    </p:spTree>
+    <p:extLst>
+      <p:ext uri="{BB962C8B-B14F-4D97-AF65-F5344CB8AC3E}">
+        <p14:creationId xmlns:p14="http://schemas.microsoft.com/office/powerpoint/2010/main" val="2299768184"/>
+      </p:ext>
+    </p:extLst>
+  </p:cSld>
+  <p:clrMapOvr>
+    <a:masterClrMapping/>
+  </p:clrMapOvr>
+</p:sld>
+</file>
+
+<file path=ppt/slides/slide12.xml><?xml version="1.0" encoding="utf-8"?>
 <p:sld xmlns:a="http://schemas.openxmlformats.org/drawingml/2006/main" xmlns:r="http://schemas.openxmlformats.org/officeDocument/2006/relationships" xmlns:p="http://schemas.openxmlformats.org/presentationml/2006/main">
   <p:cSld>
     <p:spTree>
@@ -6068,7 +8552,7 @@
           <a:p>
             <a:fld id="{D95F4311-C1C1-468E-90BA-469E1A493750}" type="slidenum">
               <a:rPr lang="en-US" smtClean="0"/>
-              <a:t>11</a:t>
+              <a:t>12</a:t>
             </a:fld>
             <a:endParaRPr lang="en-US"/>
           </a:p>
@@ -6088,7 +8572,7 @@
         </p:nvGrpSpPr>
         <p:grpSpPr>
           <a:xfrm>
-            <a:off x="3685191" y="3552118"/>
+            <a:off x="6095998" y="3023539"/>
             <a:ext cx="4144962" cy="2316797"/>
             <a:chOff x="3877215" y="3290450"/>
             <a:chExt cx="4144962" cy="2316797"/>
@@ -6499,8 +8983,8 @@
               </a:p>
             </p:txBody>
           </p:sp>
-          <mc:AlternateContent xmlns:mc="http://schemas.openxmlformats.org/markup-compatibility/2006">
-            <mc:Choice xmlns:a14="http://schemas.microsoft.com/office/drawing/2010/main" Requires="a14">
+          <mc:AlternateContent xmlns:mc="http://schemas.openxmlformats.org/markup-compatibility/2006" xmlns:a14="http://schemas.microsoft.com/office/drawing/2010/main">
+            <mc:Choice Requires="a14">
               <p:sp>
                 <p:nvSpPr>
                   <p:cNvPr id="14" name="TextBox 13">
@@ -6586,7 +9070,7 @@
                 </p:txBody>
               </p:sp>
             </mc:Choice>
-            <mc:Fallback>
+            <mc:Fallback xmlns="">
               <p:sp>
                 <p:nvSpPr>
                   <p:cNvPr id="14" name="TextBox 13">
@@ -6795,8 +9279,8 @@
             </a:fontRef>
           </p:style>
         </p:cxnSp>
-        <mc:AlternateContent xmlns:mc="http://schemas.openxmlformats.org/markup-compatibility/2006">
-          <mc:Choice xmlns:a14="http://schemas.microsoft.com/office/drawing/2010/main" Requires="a14">
+        <mc:AlternateContent xmlns:mc="http://schemas.openxmlformats.org/markup-compatibility/2006" xmlns:a14="http://schemas.microsoft.com/office/drawing/2010/main">
+          <mc:Choice Requires="a14">
             <p:sp>
               <p:nvSpPr>
                 <p:cNvPr id="18" name="TextBox 17">
@@ -6888,7 +9372,7 @@
               </p:txBody>
             </p:sp>
           </mc:Choice>
-          <mc:Fallback>
+          <mc:Fallback xmlns="">
             <p:sp>
               <p:nvSpPr>
                 <p:cNvPr id="18" name="TextBox 17">
@@ -6933,8 +9417,8 @@
             </p:sp>
           </mc:Fallback>
         </mc:AlternateContent>
-        <mc:AlternateContent xmlns:mc="http://schemas.openxmlformats.org/markup-compatibility/2006">
-          <mc:Choice xmlns:a14="http://schemas.microsoft.com/office/drawing/2010/main" Requires="a14">
+        <mc:AlternateContent xmlns:mc="http://schemas.openxmlformats.org/markup-compatibility/2006" xmlns:a14="http://schemas.microsoft.com/office/drawing/2010/main">
+          <mc:Choice Requires="a14">
             <p:sp>
               <p:nvSpPr>
                 <p:cNvPr id="20" name="TextBox 19">
@@ -7026,7 +9510,7 @@
               </p:txBody>
             </p:sp>
           </mc:Choice>
-          <mc:Fallback>
+          <mc:Fallback xmlns="">
             <p:sp>
               <p:nvSpPr>
                 <p:cNvPr id="20" name="TextBox 19">
@@ -7086,8 +9570,8 @@
         </p:nvSpPr>
         <p:spPr>
           <a:xfrm>
-            <a:off x="838200" y="1551557"/>
-            <a:ext cx="9320784" cy="646331"/>
+            <a:off x="838199" y="1551557"/>
+            <a:ext cx="10515599" cy="369332"/>
           </a:xfrm>
           <a:prstGeom prst="rect">
             <a:avLst/>
@@ -7104,25 +9588,1663 @@
               <a:rPr lang="en-US" dirty="0">
                 <a:latin typeface="+mj-lt"/>
               </a:rPr>
-              <a:t>Approaches to solve:</a:t>
+              <a:t>Root-Finding Approach: </a:t>
             </a:r>
-          </a:p>
-          <a:p>
-            <a:pPr marL="342900" indent="-342900">
-              <a:buAutoNum type="arabicPeriod"/>
-            </a:pPr>
-            <a:r>
-              <a:rPr lang="en-US">
-                <a:latin typeface="+mj-lt"/>
-              </a:rPr>
-              <a:t>Optimization Solve</a:t>
-            </a:r>
-            <a:endParaRPr lang="en-US" dirty="0">
-              <a:latin typeface="+mj-lt"/>
-            </a:endParaRPr>
           </a:p>
         </p:txBody>
       </p:sp>
+      <mc:AlternateContent xmlns:mc="http://schemas.openxmlformats.org/markup-compatibility/2006" xmlns:a14="http://schemas.microsoft.com/office/drawing/2010/main">
+        <mc:Choice Requires="a14">
+          <p:sp>
+            <p:nvSpPr>
+              <p:cNvPr id="3" name="TextBox 2">
+                <a:extLst>
+                  <a:ext uri="{FF2B5EF4-FFF2-40B4-BE49-F238E27FC236}">
+                    <a16:creationId xmlns:a16="http://schemas.microsoft.com/office/drawing/2014/main" id="{2F5F91FA-BB57-7D94-0754-6CD8AC58CDDD}"/>
+                  </a:ext>
+                </a:extLst>
+              </p:cNvPr>
+              <p:cNvSpPr txBox="1"/>
+              <p:nvPr/>
+            </p:nvSpPr>
+            <p:spPr>
+              <a:xfrm>
+                <a:off x="822247" y="2002255"/>
+                <a:ext cx="4427812" cy="3598677"/>
+              </a:xfrm>
+              <a:prstGeom prst="rect">
+                <a:avLst/>
+              </a:prstGeom>
+              <a:noFill/>
+            </p:spPr>
+            <p:txBody>
+              <a:bodyPr wrap="square" rtlCol="0">
+                <a:spAutoFit/>
+              </a:bodyPr>
+              <a:lstStyle/>
+              <a:p>
+                <a:pPr>
+                  <a:lnSpc>
+                    <a:spcPct val="150000"/>
+                  </a:lnSpc>
+                </a:pPr>
+                <a14:m>
+                  <m:oMathPara xmlns:m="http://schemas.openxmlformats.org/officeDocument/2006/math">
+                    <m:oMathParaPr>
+                      <m:jc m:val="left"/>
+                    </m:oMathParaPr>
+                    <m:oMath xmlns:m="http://schemas.openxmlformats.org/officeDocument/2006/math">
+                      <m:sSub>
+                        <m:sSubPr>
+                          <m:ctrlPr>
+                            <a:rPr lang="en-US" sz="1400" i="1" smtClean="0">
+                              <a:latin typeface="Cambria Math" panose="02040503050406030204" pitchFamily="18" charset="0"/>
+                            </a:rPr>
+                          </m:ctrlPr>
+                        </m:sSubPr>
+                        <m:e>
+                          <m:r>
+                            <a:rPr lang="en-US" sz="1400" i="1">
+                              <a:latin typeface="Cambria Math" panose="02040503050406030204" pitchFamily="18" charset="0"/>
+                            </a:rPr>
+                            <m:t>𝛿</m:t>
+                          </m:r>
+                        </m:e>
+                        <m:sub>
+                          <m:r>
+                            <a:rPr lang="en-US" sz="1400" i="1">
+                              <a:latin typeface="Cambria Math" panose="02040503050406030204" pitchFamily="18" charset="0"/>
+                            </a:rPr>
+                            <m:t>𝑚𝑎𝑥</m:t>
+                          </m:r>
+                        </m:sub>
+                      </m:sSub>
+                      <m:r>
+                        <a:rPr lang="en-US" sz="1400" i="1">
+                          <a:latin typeface="Cambria Math" panose="02040503050406030204" pitchFamily="18" charset="0"/>
+                        </a:rPr>
+                        <m:t>=</m:t>
+                      </m:r>
+                      <m:sSub>
+                        <m:sSubPr>
+                          <m:ctrlPr>
+                            <a:rPr lang="en-US" sz="1400" b="0" i="1" smtClean="0">
+                              <a:latin typeface="Cambria Math" panose="02040503050406030204" pitchFamily="18" charset="0"/>
+                            </a:rPr>
+                          </m:ctrlPr>
+                        </m:sSubPr>
+                        <m:e>
+                          <m:r>
+                            <a:rPr lang="en-US" sz="1400" b="0" i="1" smtClean="0">
+                              <a:latin typeface="Cambria Math" panose="02040503050406030204" pitchFamily="18" charset="0"/>
+                            </a:rPr>
+                            <m:t>𝛿</m:t>
+                          </m:r>
+                        </m:e>
+                        <m:sub>
+                          <m:r>
+                            <a:rPr lang="en-US" sz="1400" b="0" i="1" smtClean="0">
+                              <a:latin typeface="Cambria Math" panose="02040503050406030204" pitchFamily="18" charset="0"/>
+                            </a:rPr>
+                            <m:t>1</m:t>
+                          </m:r>
+                        </m:sub>
+                      </m:sSub>
+                      <m:r>
+                        <a:rPr lang="en-US" sz="1400" b="0" i="1" smtClean="0">
+                          <a:latin typeface="Cambria Math" panose="02040503050406030204" pitchFamily="18" charset="0"/>
+                        </a:rPr>
+                        <m:t>+</m:t>
+                      </m:r>
+                      <m:sSub>
+                        <m:sSubPr>
+                          <m:ctrlPr>
+                            <a:rPr lang="en-US" sz="1400" b="0" i="1" smtClean="0">
+                              <a:latin typeface="Cambria Math" panose="02040503050406030204" pitchFamily="18" charset="0"/>
+                            </a:rPr>
+                          </m:ctrlPr>
+                        </m:sSubPr>
+                        <m:e>
+                          <m:r>
+                            <a:rPr lang="en-US" sz="1400" b="0" i="1" smtClean="0">
+                              <a:latin typeface="Cambria Math" panose="02040503050406030204" pitchFamily="18" charset="0"/>
+                            </a:rPr>
+                            <m:t>𝛿</m:t>
+                          </m:r>
+                        </m:e>
+                        <m:sub>
+                          <m:r>
+                            <a:rPr lang="en-US" sz="1400" b="0" i="1" smtClean="0">
+                              <a:latin typeface="Cambria Math" panose="02040503050406030204" pitchFamily="18" charset="0"/>
+                            </a:rPr>
+                            <m:t>2</m:t>
+                          </m:r>
+                        </m:sub>
+                      </m:sSub>
+                    </m:oMath>
+                  </m:oMathPara>
+                </a14:m>
+                <a:endParaRPr lang="en-US" sz="1400" dirty="0"/>
+              </a:p>
+              <a:p>
+                <a:pPr>
+                  <a:lnSpc>
+                    <a:spcPct val="150000"/>
+                  </a:lnSpc>
+                </a:pPr>
+                <a14:m>
+                  <m:oMathPara xmlns:m="http://schemas.openxmlformats.org/officeDocument/2006/math">
+                    <m:oMathParaPr>
+                      <m:jc m:val="left"/>
+                    </m:oMathParaPr>
+                    <m:oMath xmlns:m="http://schemas.openxmlformats.org/officeDocument/2006/math">
+                      <m:sSub>
+                        <m:sSubPr>
+                          <m:ctrlPr>
+                            <a:rPr lang="en-US" sz="1400" i="1">
+                              <a:latin typeface="Cambria Math" panose="02040503050406030204" pitchFamily="18" charset="0"/>
+                            </a:rPr>
+                          </m:ctrlPr>
+                        </m:sSubPr>
+                        <m:e>
+                          <m:r>
+                            <a:rPr lang="en-US" sz="1400" i="1">
+                              <a:latin typeface="Cambria Math" panose="02040503050406030204" pitchFamily="18" charset="0"/>
+                            </a:rPr>
+                            <m:t>𝛿</m:t>
+                          </m:r>
+                        </m:e>
+                        <m:sub>
+                          <m:r>
+                            <a:rPr lang="en-US" sz="1400" i="1">
+                              <a:latin typeface="Cambria Math" panose="02040503050406030204" pitchFamily="18" charset="0"/>
+                            </a:rPr>
+                            <m:t>𝑚𝑎𝑥</m:t>
+                          </m:r>
+                        </m:sub>
+                      </m:sSub>
+                      <m:r>
+                        <a:rPr lang="en-US" sz="1400" i="1">
+                          <a:latin typeface="Cambria Math" panose="02040503050406030204" pitchFamily="18" charset="0"/>
+                        </a:rPr>
+                        <m:t>=</m:t>
+                      </m:r>
+                      <m:f>
+                        <m:fPr>
+                          <m:ctrlPr>
+                            <a:rPr lang="en-US" sz="1400" i="1">
+                              <a:latin typeface="Cambria Math" panose="02040503050406030204" pitchFamily="18" charset="0"/>
+                            </a:rPr>
+                          </m:ctrlPr>
+                        </m:fPr>
+                        <m:num>
+                          <m:r>
+                            <a:rPr lang="en-US" sz="1400" i="1">
+                              <a:latin typeface="Cambria Math" panose="02040503050406030204" pitchFamily="18" charset="0"/>
+                            </a:rPr>
+                            <m:t>𝑃</m:t>
+                          </m:r>
+                          <m:sSup>
+                            <m:sSupPr>
+                              <m:ctrlPr>
+                                <a:rPr lang="en-US" sz="1400" b="0" i="1" smtClean="0">
+                                  <a:latin typeface="Cambria Math" panose="02040503050406030204" pitchFamily="18" charset="0"/>
+                                </a:rPr>
+                              </m:ctrlPr>
+                            </m:sSupPr>
+                            <m:e>
+                              <m:d>
+                                <m:dPr>
+                                  <m:ctrlPr>
+                                    <a:rPr lang="en-US" sz="1400" b="0" i="1" smtClean="0">
+                                      <a:latin typeface="Cambria Math" panose="02040503050406030204" pitchFamily="18" charset="0"/>
+                                    </a:rPr>
+                                  </m:ctrlPr>
+                                </m:dPr>
+                                <m:e>
+                                  <m:sSub>
+                                    <m:sSubPr>
+                                      <m:ctrlPr>
+                                        <a:rPr lang="en-US" sz="1400" b="0" i="1" smtClean="0">
+                                          <a:latin typeface="Cambria Math" panose="02040503050406030204" pitchFamily="18" charset="0"/>
+                                        </a:rPr>
+                                      </m:ctrlPr>
+                                    </m:sSubPr>
+                                    <m:e>
+                                      <m:r>
+                                        <a:rPr lang="en-US" sz="1400" b="0" i="1" smtClean="0">
+                                          <a:latin typeface="Cambria Math" panose="02040503050406030204" pitchFamily="18" charset="0"/>
+                                        </a:rPr>
+                                        <m:t>𝐿</m:t>
+                                      </m:r>
+                                    </m:e>
+                                    <m:sub>
+                                      <m:r>
+                                        <a:rPr lang="en-US" sz="1400" b="0" i="1" smtClean="0">
+                                          <a:latin typeface="Cambria Math" panose="02040503050406030204" pitchFamily="18" charset="0"/>
+                                        </a:rPr>
+                                        <m:t>1</m:t>
+                                      </m:r>
+                                    </m:sub>
+                                  </m:sSub>
+                                  <m:r>
+                                    <m:rPr>
+                                      <m:nor/>
+                                    </m:rPr>
+                                    <a:rPr lang="en-US" sz="1400" b="0" i="0" smtClean="0">
+                                      <a:latin typeface="Cambria Math" panose="02040503050406030204" pitchFamily="18" charset="0"/>
+                                    </a:rPr>
+                                    <m:t>/</m:t>
+                                  </m:r>
+                                  <m:r>
+                                    <a:rPr lang="en-US" sz="1400" b="0" i="1" smtClean="0">
+                                      <a:latin typeface="Cambria Math" panose="02040503050406030204" pitchFamily="18" charset="0"/>
+                                    </a:rPr>
+                                    <m:t>2</m:t>
+                                  </m:r>
+                                </m:e>
+                              </m:d>
+                            </m:e>
+                            <m:sup>
+                              <m:r>
+                                <a:rPr lang="en-US" sz="1400" b="0" i="1" smtClean="0">
+                                  <a:latin typeface="Cambria Math" panose="02040503050406030204" pitchFamily="18" charset="0"/>
+                                </a:rPr>
+                                <m:t>3</m:t>
+                              </m:r>
+                            </m:sup>
+                          </m:sSup>
+                        </m:num>
+                        <m:den>
+                          <m:r>
+                            <a:rPr lang="en-US" sz="1400" i="1">
+                              <a:latin typeface="Cambria Math" panose="02040503050406030204" pitchFamily="18" charset="0"/>
+                            </a:rPr>
+                            <m:t>48</m:t>
+                          </m:r>
+                          <m:sSub>
+                            <m:sSubPr>
+                              <m:ctrlPr>
+                                <a:rPr lang="en-US" sz="1400" i="1">
+                                  <a:latin typeface="Cambria Math" panose="02040503050406030204" pitchFamily="18" charset="0"/>
+                                </a:rPr>
+                              </m:ctrlPr>
+                            </m:sSubPr>
+                            <m:e>
+                              <m:r>
+                                <a:rPr lang="en-US" sz="1400" i="1">
+                                  <a:latin typeface="Cambria Math" panose="02040503050406030204" pitchFamily="18" charset="0"/>
+                                </a:rPr>
+                                <m:t>𝐸</m:t>
+                              </m:r>
+                            </m:e>
+                            <m:sub>
+                              <m:r>
+                                <a:rPr lang="en-US" sz="1400" i="1">
+                                  <a:latin typeface="Cambria Math" panose="02040503050406030204" pitchFamily="18" charset="0"/>
+                                </a:rPr>
+                                <m:t>1</m:t>
+                              </m:r>
+                            </m:sub>
+                          </m:sSub>
+                          <m:r>
+                            <a:rPr lang="en-US" sz="1400" i="1">
+                              <a:latin typeface="Cambria Math" panose="02040503050406030204" pitchFamily="18" charset="0"/>
+                            </a:rPr>
+                            <m:t>𝐼</m:t>
+                          </m:r>
+                        </m:den>
+                      </m:f>
+                      <m:r>
+                        <a:rPr lang="en-US" sz="1400" i="1">
+                          <a:latin typeface="Cambria Math" panose="02040503050406030204" pitchFamily="18" charset="0"/>
+                        </a:rPr>
+                        <m:t>+</m:t>
+                      </m:r>
+                      <m:f>
+                        <m:fPr>
+                          <m:ctrlPr>
+                            <a:rPr lang="en-US" sz="1400" i="1">
+                              <a:latin typeface="Cambria Math" panose="02040503050406030204" pitchFamily="18" charset="0"/>
+                            </a:rPr>
+                          </m:ctrlPr>
+                        </m:fPr>
+                        <m:num>
+                          <m:r>
+                            <a:rPr lang="en-US" sz="1400" i="1">
+                              <a:latin typeface="Cambria Math" panose="02040503050406030204" pitchFamily="18" charset="0"/>
+                            </a:rPr>
+                            <m:t>𝑃</m:t>
+                          </m:r>
+                          <m:sSup>
+                            <m:sSupPr>
+                              <m:ctrlPr>
+                                <a:rPr lang="en-US" sz="1400" i="1">
+                                  <a:latin typeface="Cambria Math" panose="02040503050406030204" pitchFamily="18" charset="0"/>
+                                </a:rPr>
+                              </m:ctrlPr>
+                            </m:sSupPr>
+                            <m:e>
+                              <m:d>
+                                <m:dPr>
+                                  <m:ctrlPr>
+                                    <a:rPr lang="en-US" sz="1400" i="1">
+                                      <a:latin typeface="Cambria Math" panose="02040503050406030204" pitchFamily="18" charset="0"/>
+                                    </a:rPr>
+                                  </m:ctrlPr>
+                                </m:dPr>
+                                <m:e>
+                                  <m:sSub>
+                                    <m:sSubPr>
+                                      <m:ctrlPr>
+                                        <a:rPr lang="en-US" sz="1400" i="1">
+                                          <a:latin typeface="Cambria Math" panose="02040503050406030204" pitchFamily="18" charset="0"/>
+                                        </a:rPr>
+                                      </m:ctrlPr>
+                                    </m:sSubPr>
+                                    <m:e>
+                                      <m:r>
+                                        <a:rPr lang="en-US" sz="1400" i="1">
+                                          <a:latin typeface="Cambria Math" panose="02040503050406030204" pitchFamily="18" charset="0"/>
+                                        </a:rPr>
+                                        <m:t>𝐿</m:t>
+                                      </m:r>
+                                    </m:e>
+                                    <m:sub>
+                                      <m:r>
+                                        <a:rPr lang="en-US" sz="1400" b="0" i="1" smtClean="0">
+                                          <a:latin typeface="Cambria Math" panose="02040503050406030204" pitchFamily="18" charset="0"/>
+                                        </a:rPr>
+                                        <m:t>2</m:t>
+                                      </m:r>
+                                    </m:sub>
+                                  </m:sSub>
+                                  <m:r>
+                                    <m:rPr>
+                                      <m:nor/>
+                                    </m:rPr>
+                                    <a:rPr lang="en-US" sz="1400">
+                                      <a:latin typeface="Cambria Math" panose="02040503050406030204" pitchFamily="18" charset="0"/>
+                                    </a:rPr>
+                                    <m:t>/</m:t>
+                                  </m:r>
+                                  <m:r>
+                                    <a:rPr lang="en-US" sz="1400" i="1">
+                                      <a:latin typeface="Cambria Math" panose="02040503050406030204" pitchFamily="18" charset="0"/>
+                                    </a:rPr>
+                                    <m:t>2</m:t>
+                                  </m:r>
+                                </m:e>
+                              </m:d>
+                            </m:e>
+                            <m:sup>
+                              <m:r>
+                                <a:rPr lang="en-US" sz="1400" i="1">
+                                  <a:latin typeface="Cambria Math" panose="02040503050406030204" pitchFamily="18" charset="0"/>
+                                </a:rPr>
+                                <m:t>3</m:t>
+                              </m:r>
+                            </m:sup>
+                          </m:sSup>
+                        </m:num>
+                        <m:den>
+                          <m:r>
+                            <a:rPr lang="en-US" sz="1400" i="1">
+                              <a:latin typeface="Cambria Math" panose="02040503050406030204" pitchFamily="18" charset="0"/>
+                            </a:rPr>
+                            <m:t>48</m:t>
+                          </m:r>
+                          <m:sSub>
+                            <m:sSubPr>
+                              <m:ctrlPr>
+                                <a:rPr lang="en-US" sz="1400" i="1">
+                                  <a:latin typeface="Cambria Math" panose="02040503050406030204" pitchFamily="18" charset="0"/>
+                                </a:rPr>
+                              </m:ctrlPr>
+                            </m:sSubPr>
+                            <m:e>
+                              <m:r>
+                                <a:rPr lang="en-US" sz="1400" i="1">
+                                  <a:latin typeface="Cambria Math" panose="02040503050406030204" pitchFamily="18" charset="0"/>
+                                </a:rPr>
+                                <m:t>𝐸</m:t>
+                              </m:r>
+                            </m:e>
+                            <m:sub>
+                              <m:r>
+                                <a:rPr lang="en-US" sz="1400" b="0" i="1" smtClean="0">
+                                  <a:latin typeface="Cambria Math" panose="02040503050406030204" pitchFamily="18" charset="0"/>
+                                </a:rPr>
+                                <m:t>2</m:t>
+                              </m:r>
+                            </m:sub>
+                          </m:sSub>
+                          <m:r>
+                            <a:rPr lang="en-US" sz="1400" i="1">
+                              <a:latin typeface="Cambria Math" panose="02040503050406030204" pitchFamily="18" charset="0"/>
+                            </a:rPr>
+                            <m:t>𝐼</m:t>
+                          </m:r>
+                        </m:den>
+                      </m:f>
+                      <m:r>
+                        <a:rPr lang="en-US" sz="1400" b="0" i="1" smtClean="0">
+                          <a:latin typeface="Cambria Math" panose="02040503050406030204" pitchFamily="18" charset="0"/>
+                        </a:rPr>
+                        <m:t> ;</m:t>
+                      </m:r>
+                      <m:sSub>
+                        <m:sSubPr>
+                          <m:ctrlPr>
+                            <a:rPr lang="en-US" sz="1400" b="0" i="1" smtClean="0">
+                              <a:latin typeface="Cambria Math" panose="02040503050406030204" pitchFamily="18" charset="0"/>
+                            </a:rPr>
+                          </m:ctrlPr>
+                        </m:sSubPr>
+                        <m:e>
+                          <m:r>
+                            <a:rPr lang="en-US" sz="1400" b="0" i="1" smtClean="0">
+                              <a:latin typeface="Cambria Math" panose="02040503050406030204" pitchFamily="18" charset="0"/>
+                            </a:rPr>
+                            <m:t>𝐿</m:t>
+                          </m:r>
+                        </m:e>
+                        <m:sub>
+                          <m:r>
+                            <a:rPr lang="en-US" sz="1400" b="0" i="1" smtClean="0">
+                              <a:latin typeface="Cambria Math" panose="02040503050406030204" pitchFamily="18" charset="0"/>
+                            </a:rPr>
+                            <m:t>1</m:t>
+                          </m:r>
+                        </m:sub>
+                      </m:sSub>
+                      <m:r>
+                        <a:rPr lang="en-US" sz="1400" b="0" i="1" smtClean="0">
+                          <a:latin typeface="Cambria Math" panose="02040503050406030204" pitchFamily="18" charset="0"/>
+                        </a:rPr>
+                        <m:t>=</m:t>
+                      </m:r>
+                      <m:sSub>
+                        <m:sSubPr>
+                          <m:ctrlPr>
+                            <a:rPr lang="en-US" sz="1400" b="0" i="1" smtClean="0">
+                              <a:latin typeface="Cambria Math" panose="02040503050406030204" pitchFamily="18" charset="0"/>
+                            </a:rPr>
+                          </m:ctrlPr>
+                        </m:sSubPr>
+                        <m:e>
+                          <m:r>
+                            <a:rPr lang="en-US" sz="1400" b="0" i="1" smtClean="0">
+                              <a:latin typeface="Cambria Math" panose="02040503050406030204" pitchFamily="18" charset="0"/>
+                            </a:rPr>
+                            <m:t>𝐿</m:t>
+                          </m:r>
+                        </m:e>
+                        <m:sub>
+                          <m:r>
+                            <a:rPr lang="en-US" sz="1400" b="0" i="1" smtClean="0">
+                              <a:latin typeface="Cambria Math" panose="02040503050406030204" pitchFamily="18" charset="0"/>
+                            </a:rPr>
+                            <m:t>2</m:t>
+                          </m:r>
+                        </m:sub>
+                      </m:sSub>
+                      <m:r>
+                        <a:rPr lang="en-US" sz="1400" b="0" i="1" smtClean="0">
+                          <a:latin typeface="Cambria Math" panose="02040503050406030204" pitchFamily="18" charset="0"/>
+                        </a:rPr>
+                        <m:t>…</m:t>
+                      </m:r>
+                      <m:r>
+                        <a:rPr lang="en-US" sz="1400" b="0" i="1" smtClean="0">
+                          <a:latin typeface="Cambria Math" panose="02040503050406030204" pitchFamily="18" charset="0"/>
+                        </a:rPr>
+                        <m:t>𝐿</m:t>
+                      </m:r>
+                      <m:r>
+                        <a:rPr lang="en-US" sz="1400" b="0" i="1" smtClean="0">
+                          <a:latin typeface="Cambria Math" panose="02040503050406030204" pitchFamily="18" charset="0"/>
+                        </a:rPr>
+                        <m:t>=</m:t>
+                      </m:r>
+                      <m:f>
+                        <m:fPr>
+                          <m:ctrlPr>
+                            <a:rPr lang="en-US" sz="1400" b="0" i="1" smtClean="0">
+                              <a:latin typeface="Cambria Math" panose="02040503050406030204" pitchFamily="18" charset="0"/>
+                            </a:rPr>
+                          </m:ctrlPr>
+                        </m:fPr>
+                        <m:num>
+                          <m:sSub>
+                            <m:sSubPr>
+                              <m:ctrlPr>
+                                <a:rPr lang="en-US" sz="1400" b="0" i="1" smtClean="0">
+                                  <a:latin typeface="Cambria Math" panose="02040503050406030204" pitchFamily="18" charset="0"/>
+                                </a:rPr>
+                              </m:ctrlPr>
+                            </m:sSubPr>
+                            <m:e>
+                              <m:r>
+                                <a:rPr lang="en-US" sz="1400" b="0" i="1" smtClean="0">
+                                  <a:latin typeface="Cambria Math" panose="02040503050406030204" pitchFamily="18" charset="0"/>
+                                </a:rPr>
+                                <m:t>𝐿</m:t>
+                              </m:r>
+                            </m:e>
+                            <m:sub>
+                              <m:r>
+                                <a:rPr lang="en-US" sz="1400" b="0" i="1" smtClean="0">
+                                  <a:latin typeface="Cambria Math" panose="02040503050406030204" pitchFamily="18" charset="0"/>
+                                </a:rPr>
+                                <m:t>1</m:t>
+                              </m:r>
+                            </m:sub>
+                          </m:sSub>
+                        </m:num>
+                        <m:den>
+                          <m:r>
+                            <a:rPr lang="en-US" sz="1400" b="0" i="1" smtClean="0">
+                              <a:latin typeface="Cambria Math" panose="02040503050406030204" pitchFamily="18" charset="0"/>
+                            </a:rPr>
+                            <m:t>2</m:t>
+                          </m:r>
+                        </m:den>
+                      </m:f>
+                      <m:r>
+                        <a:rPr lang="en-US" sz="1400" b="0" i="1" smtClean="0">
+                          <a:latin typeface="Cambria Math" panose="02040503050406030204" pitchFamily="18" charset="0"/>
+                        </a:rPr>
+                        <m:t>+</m:t>
+                      </m:r>
+                      <m:f>
+                        <m:fPr>
+                          <m:ctrlPr>
+                            <a:rPr lang="en-US" sz="1400" b="0" i="1" smtClean="0">
+                              <a:latin typeface="Cambria Math" panose="02040503050406030204" pitchFamily="18" charset="0"/>
+                            </a:rPr>
+                          </m:ctrlPr>
+                        </m:fPr>
+                        <m:num>
+                          <m:sSub>
+                            <m:sSubPr>
+                              <m:ctrlPr>
+                                <a:rPr lang="en-US" sz="1400" b="0" i="1" smtClean="0">
+                                  <a:latin typeface="Cambria Math" panose="02040503050406030204" pitchFamily="18" charset="0"/>
+                                </a:rPr>
+                              </m:ctrlPr>
+                            </m:sSubPr>
+                            <m:e>
+                              <m:r>
+                                <a:rPr lang="en-US" sz="1400" b="0" i="1" smtClean="0">
+                                  <a:latin typeface="Cambria Math" panose="02040503050406030204" pitchFamily="18" charset="0"/>
+                                </a:rPr>
+                                <m:t>𝐿</m:t>
+                              </m:r>
+                            </m:e>
+                            <m:sub>
+                              <m:r>
+                                <a:rPr lang="en-US" sz="1400" b="0" i="1" smtClean="0">
+                                  <a:latin typeface="Cambria Math" panose="02040503050406030204" pitchFamily="18" charset="0"/>
+                                </a:rPr>
+                                <m:t>2</m:t>
+                              </m:r>
+                            </m:sub>
+                          </m:sSub>
+                        </m:num>
+                        <m:den>
+                          <m:r>
+                            <a:rPr lang="en-US" sz="1400" b="0" i="1" smtClean="0">
+                              <a:latin typeface="Cambria Math" panose="02040503050406030204" pitchFamily="18" charset="0"/>
+                            </a:rPr>
+                            <m:t>2</m:t>
+                          </m:r>
+                        </m:den>
+                      </m:f>
+                    </m:oMath>
+                  </m:oMathPara>
+                </a14:m>
+                <a:endParaRPr lang="en-US" sz="1400" dirty="0"/>
+              </a:p>
+              <a:p>
+                <a:pPr>
+                  <a:lnSpc>
+                    <a:spcPct val="150000"/>
+                  </a:lnSpc>
+                </a:pPr>
+                <a14:m>
+                  <m:oMathPara xmlns:m="http://schemas.openxmlformats.org/officeDocument/2006/math">
+                    <m:oMathParaPr>
+                      <m:jc m:val="left"/>
+                    </m:oMathParaPr>
+                    <m:oMath xmlns:m="http://schemas.openxmlformats.org/officeDocument/2006/math">
+                      <m:sSub>
+                        <m:sSubPr>
+                          <m:ctrlPr>
+                            <a:rPr lang="en-US" sz="1400" b="0" i="1" smtClean="0">
+                              <a:latin typeface="Cambria Math" panose="02040503050406030204" pitchFamily="18" charset="0"/>
+                            </a:rPr>
+                          </m:ctrlPr>
+                        </m:sSubPr>
+                        <m:e>
+                          <m:r>
+                            <a:rPr lang="en-US" sz="1400" b="0" i="1" smtClean="0">
+                              <a:latin typeface="Cambria Math" panose="02040503050406030204" pitchFamily="18" charset="0"/>
+                            </a:rPr>
+                            <m:t>𝛿</m:t>
+                          </m:r>
+                        </m:e>
+                        <m:sub>
+                          <m:r>
+                            <a:rPr lang="en-US" sz="1400" b="0" i="1" smtClean="0">
+                              <a:latin typeface="Cambria Math" panose="02040503050406030204" pitchFamily="18" charset="0"/>
+                            </a:rPr>
+                            <m:t>𝑚𝑎𝑥</m:t>
+                          </m:r>
+                        </m:sub>
+                      </m:sSub>
+                      <m:r>
+                        <a:rPr lang="en-US" sz="1400" b="0" i="1" smtClean="0">
+                          <a:latin typeface="Cambria Math" panose="02040503050406030204" pitchFamily="18" charset="0"/>
+                        </a:rPr>
+                        <m:t>=</m:t>
+                      </m:r>
+                      <m:f>
+                        <m:fPr>
+                          <m:ctrlPr>
+                            <a:rPr lang="en-US" sz="1400" i="1">
+                              <a:latin typeface="Cambria Math" panose="02040503050406030204" pitchFamily="18" charset="0"/>
+                            </a:rPr>
+                          </m:ctrlPr>
+                        </m:fPr>
+                        <m:num>
+                          <m:r>
+                            <a:rPr lang="en-US" sz="1400" i="1">
+                              <a:latin typeface="Cambria Math" panose="02040503050406030204" pitchFamily="18" charset="0"/>
+                            </a:rPr>
+                            <m:t>𝑃</m:t>
+                          </m:r>
+                          <m:sSup>
+                            <m:sSupPr>
+                              <m:ctrlPr>
+                                <a:rPr lang="en-US" sz="1400" i="1">
+                                  <a:latin typeface="Cambria Math" panose="02040503050406030204" pitchFamily="18" charset="0"/>
+                                </a:rPr>
+                              </m:ctrlPr>
+                            </m:sSupPr>
+                            <m:e>
+                              <m:r>
+                                <a:rPr lang="en-US" sz="1400" b="0" i="1" smtClean="0">
+                                  <a:latin typeface="Cambria Math" panose="02040503050406030204" pitchFamily="18" charset="0"/>
+                                </a:rPr>
+                                <m:t>𝐿</m:t>
+                              </m:r>
+                            </m:e>
+                            <m:sup>
+                              <m:r>
+                                <a:rPr lang="en-US" sz="1400" i="1">
+                                  <a:latin typeface="Cambria Math" panose="02040503050406030204" pitchFamily="18" charset="0"/>
+                                </a:rPr>
+                                <m:t>3</m:t>
+                              </m:r>
+                            </m:sup>
+                          </m:sSup>
+                        </m:num>
+                        <m:den>
+                          <m:r>
+                            <a:rPr lang="en-US" sz="1400" i="1">
+                              <a:latin typeface="Cambria Math" panose="02040503050406030204" pitchFamily="18" charset="0"/>
+                            </a:rPr>
+                            <m:t>48</m:t>
+                          </m:r>
+                          <m:r>
+                            <a:rPr lang="en-US" sz="1400" i="1">
+                              <a:latin typeface="Cambria Math" panose="02040503050406030204" pitchFamily="18" charset="0"/>
+                            </a:rPr>
+                            <m:t>𝐼</m:t>
+                          </m:r>
+                        </m:den>
+                      </m:f>
+                      <m:d>
+                        <m:dPr>
+                          <m:ctrlPr>
+                            <a:rPr lang="en-US" sz="1400" b="0" i="1" smtClean="0">
+                              <a:latin typeface="Cambria Math" panose="02040503050406030204" pitchFamily="18" charset="0"/>
+                            </a:rPr>
+                          </m:ctrlPr>
+                        </m:dPr>
+                        <m:e>
+                          <m:f>
+                            <m:fPr>
+                              <m:ctrlPr>
+                                <a:rPr lang="en-US" sz="1400" b="0" i="1" smtClean="0">
+                                  <a:latin typeface="Cambria Math" panose="02040503050406030204" pitchFamily="18" charset="0"/>
+                                </a:rPr>
+                              </m:ctrlPr>
+                            </m:fPr>
+                            <m:num>
+                              <m:r>
+                                <a:rPr lang="en-US" sz="1400" b="0" i="1" smtClean="0">
+                                  <a:latin typeface="Cambria Math" panose="02040503050406030204" pitchFamily="18" charset="0"/>
+                                </a:rPr>
+                                <m:t>1</m:t>
+                              </m:r>
+                            </m:num>
+                            <m:den>
+                              <m:sSub>
+                                <m:sSubPr>
+                                  <m:ctrlPr>
+                                    <a:rPr lang="en-US" sz="1400" b="0" i="1" smtClean="0">
+                                      <a:latin typeface="Cambria Math" panose="02040503050406030204" pitchFamily="18" charset="0"/>
+                                    </a:rPr>
+                                  </m:ctrlPr>
+                                </m:sSubPr>
+                                <m:e>
+                                  <m:r>
+                                    <a:rPr lang="en-US" sz="1400" b="0" i="1" smtClean="0">
+                                      <a:latin typeface="Cambria Math" panose="02040503050406030204" pitchFamily="18" charset="0"/>
+                                    </a:rPr>
+                                    <m:t>𝐸</m:t>
+                                  </m:r>
+                                </m:e>
+                                <m:sub>
+                                  <m:r>
+                                    <a:rPr lang="en-US" sz="1400" b="0" i="1" smtClean="0">
+                                      <a:latin typeface="Cambria Math" panose="02040503050406030204" pitchFamily="18" charset="0"/>
+                                    </a:rPr>
+                                    <m:t>1</m:t>
+                                  </m:r>
+                                </m:sub>
+                              </m:sSub>
+                            </m:den>
+                          </m:f>
+                          <m:r>
+                            <a:rPr lang="en-US" sz="1400" b="0" i="1" smtClean="0">
+                              <a:latin typeface="Cambria Math" panose="02040503050406030204" pitchFamily="18" charset="0"/>
+                            </a:rPr>
+                            <m:t>+</m:t>
+                          </m:r>
+                          <m:f>
+                            <m:fPr>
+                              <m:ctrlPr>
+                                <a:rPr lang="en-US" sz="1400" b="0" i="1" smtClean="0">
+                                  <a:latin typeface="Cambria Math" panose="02040503050406030204" pitchFamily="18" charset="0"/>
+                                </a:rPr>
+                              </m:ctrlPr>
+                            </m:fPr>
+                            <m:num>
+                              <m:r>
+                                <a:rPr lang="en-US" sz="1400" b="0" i="1" smtClean="0">
+                                  <a:latin typeface="Cambria Math" panose="02040503050406030204" pitchFamily="18" charset="0"/>
+                                </a:rPr>
+                                <m:t>1</m:t>
+                              </m:r>
+                            </m:num>
+                            <m:den>
+                              <m:sSub>
+                                <m:sSubPr>
+                                  <m:ctrlPr>
+                                    <a:rPr lang="en-US" sz="1400" b="0" i="1" smtClean="0">
+                                      <a:latin typeface="Cambria Math" panose="02040503050406030204" pitchFamily="18" charset="0"/>
+                                    </a:rPr>
+                                  </m:ctrlPr>
+                                </m:sSubPr>
+                                <m:e>
+                                  <m:r>
+                                    <a:rPr lang="en-US" sz="1400" b="0" i="1" smtClean="0">
+                                      <a:latin typeface="Cambria Math" panose="02040503050406030204" pitchFamily="18" charset="0"/>
+                                    </a:rPr>
+                                    <m:t>𝐸</m:t>
+                                  </m:r>
+                                </m:e>
+                                <m:sub>
+                                  <m:r>
+                                    <a:rPr lang="en-US" sz="1400" b="0" i="1" smtClean="0">
+                                      <a:latin typeface="Cambria Math" panose="02040503050406030204" pitchFamily="18" charset="0"/>
+                                    </a:rPr>
+                                    <m:t>2</m:t>
+                                  </m:r>
+                                </m:sub>
+                              </m:sSub>
+                            </m:den>
+                          </m:f>
+                        </m:e>
+                      </m:d>
+                    </m:oMath>
+                  </m:oMathPara>
+                </a14:m>
+                <a:endParaRPr lang="en-US" sz="1400" dirty="0"/>
+              </a:p>
+              <a:p>
+                <a:pPr>
+                  <a:lnSpc>
+                    <a:spcPct val="150000"/>
+                  </a:lnSpc>
+                </a:pPr>
+                <a14:m>
+                  <m:oMathPara xmlns:m="http://schemas.openxmlformats.org/officeDocument/2006/math">
+                    <m:oMathParaPr>
+                      <m:jc m:val="left"/>
+                    </m:oMathParaPr>
+                    <m:oMath xmlns:m="http://schemas.openxmlformats.org/officeDocument/2006/math">
+                      <m:r>
+                        <a:rPr lang="en-US" sz="1400" b="0" i="1" smtClean="0">
+                          <a:latin typeface="Cambria Math" panose="02040503050406030204" pitchFamily="18" charset="0"/>
+                        </a:rPr>
+                        <m:t>0=</m:t>
+                      </m:r>
+                      <m:f>
+                        <m:fPr>
+                          <m:ctrlPr>
+                            <a:rPr lang="en-US" sz="1400" i="1">
+                              <a:latin typeface="Cambria Math" panose="02040503050406030204" pitchFamily="18" charset="0"/>
+                            </a:rPr>
+                          </m:ctrlPr>
+                        </m:fPr>
+                        <m:num>
+                          <m:r>
+                            <a:rPr lang="en-US" sz="1400" i="1">
+                              <a:latin typeface="Cambria Math" panose="02040503050406030204" pitchFamily="18" charset="0"/>
+                            </a:rPr>
+                            <m:t>𝑃</m:t>
+                          </m:r>
+                          <m:sSup>
+                            <m:sSupPr>
+                              <m:ctrlPr>
+                                <a:rPr lang="en-US" sz="1400" b="0" i="1" smtClean="0">
+                                  <a:latin typeface="Cambria Math" panose="02040503050406030204" pitchFamily="18" charset="0"/>
+                                </a:rPr>
+                              </m:ctrlPr>
+                            </m:sSupPr>
+                            <m:e>
+                              <m:r>
+                                <a:rPr lang="en-US" sz="1400" b="0" i="1" smtClean="0">
+                                  <a:latin typeface="Cambria Math" panose="02040503050406030204" pitchFamily="18" charset="0"/>
+                                </a:rPr>
+                                <m:t>𝐿</m:t>
+                              </m:r>
+                            </m:e>
+                            <m:sup>
+                              <m:r>
+                                <a:rPr lang="en-US" sz="1400" b="0" i="1" smtClean="0">
+                                  <a:latin typeface="Cambria Math" panose="02040503050406030204" pitchFamily="18" charset="0"/>
+                                </a:rPr>
+                                <m:t>3</m:t>
+                              </m:r>
+                            </m:sup>
+                          </m:sSup>
+                        </m:num>
+                        <m:den>
+                          <m:r>
+                            <a:rPr lang="en-US" sz="1400" i="1">
+                              <a:latin typeface="Cambria Math" panose="02040503050406030204" pitchFamily="18" charset="0"/>
+                            </a:rPr>
+                            <m:t>48</m:t>
+                          </m:r>
+                          <m:r>
+                            <a:rPr lang="en-US" sz="1400" i="1">
+                              <a:latin typeface="Cambria Math" panose="02040503050406030204" pitchFamily="18" charset="0"/>
+                            </a:rPr>
+                            <m:t>𝐼</m:t>
+                          </m:r>
+                        </m:den>
+                      </m:f>
+                      <m:d>
+                        <m:dPr>
+                          <m:ctrlPr>
+                            <a:rPr lang="en-US" sz="1400" i="1">
+                              <a:latin typeface="Cambria Math" panose="02040503050406030204" pitchFamily="18" charset="0"/>
+                            </a:rPr>
+                          </m:ctrlPr>
+                        </m:dPr>
+                        <m:e>
+                          <m:f>
+                            <m:fPr>
+                              <m:ctrlPr>
+                                <a:rPr lang="en-US" sz="1400" i="1">
+                                  <a:latin typeface="Cambria Math" panose="02040503050406030204" pitchFamily="18" charset="0"/>
+                                </a:rPr>
+                              </m:ctrlPr>
+                            </m:fPr>
+                            <m:num>
+                              <m:r>
+                                <a:rPr lang="en-US" sz="1400" i="1">
+                                  <a:latin typeface="Cambria Math" panose="02040503050406030204" pitchFamily="18" charset="0"/>
+                                </a:rPr>
+                                <m:t>1</m:t>
+                              </m:r>
+                            </m:num>
+                            <m:den>
+                              <m:sSub>
+                                <m:sSubPr>
+                                  <m:ctrlPr>
+                                    <a:rPr lang="en-US" sz="1400" i="1">
+                                      <a:latin typeface="Cambria Math" panose="02040503050406030204" pitchFamily="18" charset="0"/>
+                                    </a:rPr>
+                                  </m:ctrlPr>
+                                </m:sSubPr>
+                                <m:e>
+                                  <m:r>
+                                    <a:rPr lang="en-US" sz="1400" i="1">
+                                      <a:latin typeface="Cambria Math" panose="02040503050406030204" pitchFamily="18" charset="0"/>
+                                    </a:rPr>
+                                    <m:t>𝐸</m:t>
+                                  </m:r>
+                                </m:e>
+                                <m:sub>
+                                  <m:r>
+                                    <a:rPr lang="en-US" sz="1400" i="1">
+                                      <a:latin typeface="Cambria Math" panose="02040503050406030204" pitchFamily="18" charset="0"/>
+                                    </a:rPr>
+                                    <m:t>1</m:t>
+                                  </m:r>
+                                </m:sub>
+                              </m:sSub>
+                            </m:den>
+                          </m:f>
+                          <m:r>
+                            <a:rPr lang="en-US" sz="1400" i="1">
+                              <a:latin typeface="Cambria Math" panose="02040503050406030204" pitchFamily="18" charset="0"/>
+                            </a:rPr>
+                            <m:t>+</m:t>
+                          </m:r>
+                          <m:f>
+                            <m:fPr>
+                              <m:ctrlPr>
+                                <a:rPr lang="en-US" sz="1400" i="1">
+                                  <a:latin typeface="Cambria Math" panose="02040503050406030204" pitchFamily="18" charset="0"/>
+                                </a:rPr>
+                              </m:ctrlPr>
+                            </m:fPr>
+                            <m:num>
+                              <m:r>
+                                <a:rPr lang="en-US" sz="1400" i="1">
+                                  <a:latin typeface="Cambria Math" panose="02040503050406030204" pitchFamily="18" charset="0"/>
+                                </a:rPr>
+                                <m:t>1</m:t>
+                              </m:r>
+                            </m:num>
+                            <m:den>
+                              <m:sSub>
+                                <m:sSubPr>
+                                  <m:ctrlPr>
+                                    <a:rPr lang="en-US" sz="1400" i="1">
+                                      <a:latin typeface="Cambria Math" panose="02040503050406030204" pitchFamily="18" charset="0"/>
+                                    </a:rPr>
+                                  </m:ctrlPr>
+                                </m:sSubPr>
+                                <m:e>
+                                  <m:r>
+                                    <a:rPr lang="en-US" sz="1400" i="1">
+                                      <a:latin typeface="Cambria Math" panose="02040503050406030204" pitchFamily="18" charset="0"/>
+                                    </a:rPr>
+                                    <m:t>𝐸</m:t>
+                                  </m:r>
+                                </m:e>
+                                <m:sub>
+                                  <m:r>
+                                    <a:rPr lang="en-US" sz="1400" i="1">
+                                      <a:latin typeface="Cambria Math" panose="02040503050406030204" pitchFamily="18" charset="0"/>
+                                    </a:rPr>
+                                    <m:t>2</m:t>
+                                  </m:r>
+                                </m:sub>
+                              </m:sSub>
+                            </m:den>
+                          </m:f>
+                        </m:e>
+                      </m:d>
+                      <m:r>
+                        <a:rPr lang="en-US" sz="1400" b="0" i="1" smtClean="0">
+                          <a:latin typeface="Cambria Math" panose="02040503050406030204" pitchFamily="18" charset="0"/>
+                        </a:rPr>
+                        <m:t>−</m:t>
+                      </m:r>
+                      <m:sSub>
+                        <m:sSubPr>
+                          <m:ctrlPr>
+                            <a:rPr lang="en-US" sz="1400" b="0" i="1" smtClean="0">
+                              <a:latin typeface="Cambria Math" panose="02040503050406030204" pitchFamily="18" charset="0"/>
+                            </a:rPr>
+                          </m:ctrlPr>
+                        </m:sSubPr>
+                        <m:e>
+                          <m:r>
+                            <a:rPr lang="en-US" sz="1400" b="0" i="1" smtClean="0">
+                              <a:latin typeface="Cambria Math" panose="02040503050406030204" pitchFamily="18" charset="0"/>
+                            </a:rPr>
+                            <m:t>𝛿</m:t>
+                          </m:r>
+                        </m:e>
+                        <m:sub>
+                          <m:r>
+                            <a:rPr lang="en-US" sz="1400" b="0" i="1" smtClean="0">
+                              <a:latin typeface="Cambria Math" panose="02040503050406030204" pitchFamily="18" charset="0"/>
+                            </a:rPr>
+                            <m:t>𝑚𝑎𝑥</m:t>
+                          </m:r>
+                        </m:sub>
+                      </m:sSub>
+                    </m:oMath>
+                  </m:oMathPara>
+                </a14:m>
+                <a:endParaRPr lang="en-US" sz="1400" dirty="0"/>
+              </a:p>
+              <a:p>
+                <a:pPr>
+                  <a:lnSpc>
+                    <a:spcPct val="150000"/>
+                  </a:lnSpc>
+                </a:pPr>
+                <a14:m>
+                  <m:oMathPara xmlns:m="http://schemas.openxmlformats.org/officeDocument/2006/math">
+                    <m:oMathParaPr>
+                      <m:jc m:val="left"/>
+                    </m:oMathParaPr>
+                    <m:oMath xmlns:m="http://schemas.openxmlformats.org/officeDocument/2006/math">
+                      <m:r>
+                        <a:rPr lang="en-US" sz="1400" b="0" i="1" smtClean="0">
+                          <a:latin typeface="Cambria Math" panose="02040503050406030204" pitchFamily="18" charset="0"/>
+                        </a:rPr>
+                        <m:t>𝑓</m:t>
+                      </m:r>
+                      <m:d>
+                        <m:dPr>
+                          <m:ctrlPr>
+                            <a:rPr lang="en-US" sz="1400" b="0" i="1" smtClean="0">
+                              <a:latin typeface="Cambria Math" panose="02040503050406030204" pitchFamily="18" charset="0"/>
+                            </a:rPr>
+                          </m:ctrlPr>
+                        </m:dPr>
+                        <m:e>
+                          <m:sSub>
+                            <m:sSubPr>
+                              <m:ctrlPr>
+                                <a:rPr lang="en-US" sz="1400" b="0" i="1" smtClean="0">
+                                  <a:latin typeface="Cambria Math" panose="02040503050406030204" pitchFamily="18" charset="0"/>
+                                </a:rPr>
+                              </m:ctrlPr>
+                            </m:sSubPr>
+                            <m:e>
+                              <m:r>
+                                <a:rPr lang="en-US" sz="1400" b="0" i="1" smtClean="0">
+                                  <a:latin typeface="Cambria Math" panose="02040503050406030204" pitchFamily="18" charset="0"/>
+                                </a:rPr>
+                                <m:t>𝐸</m:t>
+                              </m:r>
+                            </m:e>
+                            <m:sub>
+                              <m:r>
+                                <a:rPr lang="en-US" sz="1400" b="0" i="1" smtClean="0">
+                                  <a:latin typeface="Cambria Math" panose="02040503050406030204" pitchFamily="18" charset="0"/>
+                                </a:rPr>
+                                <m:t>1</m:t>
+                              </m:r>
+                            </m:sub>
+                          </m:sSub>
+                          <m:r>
+                            <a:rPr lang="en-US" sz="1400" b="0" i="1" smtClean="0">
+                              <a:latin typeface="Cambria Math" panose="02040503050406030204" pitchFamily="18" charset="0"/>
+                            </a:rPr>
+                            <m:t>,</m:t>
+                          </m:r>
+                          <m:sSub>
+                            <m:sSubPr>
+                              <m:ctrlPr>
+                                <a:rPr lang="en-US" sz="1400" b="0" i="1" smtClean="0">
+                                  <a:latin typeface="Cambria Math" panose="02040503050406030204" pitchFamily="18" charset="0"/>
+                                </a:rPr>
+                              </m:ctrlPr>
+                            </m:sSubPr>
+                            <m:e>
+                              <m:r>
+                                <a:rPr lang="en-US" sz="1400" b="0" i="1" smtClean="0">
+                                  <a:latin typeface="Cambria Math" panose="02040503050406030204" pitchFamily="18" charset="0"/>
+                                </a:rPr>
+                                <m:t>𝐸</m:t>
+                              </m:r>
+                            </m:e>
+                            <m:sub>
+                              <m:r>
+                                <a:rPr lang="en-US" sz="1400" b="0" i="1" smtClean="0">
+                                  <a:latin typeface="Cambria Math" panose="02040503050406030204" pitchFamily="18" charset="0"/>
+                                </a:rPr>
+                                <m:t>2</m:t>
+                              </m:r>
+                            </m:sub>
+                          </m:sSub>
+                        </m:e>
+                      </m:d>
+                      <m:r>
+                        <a:rPr lang="en-US" sz="1400" b="0" i="1" smtClean="0">
+                          <a:latin typeface="Cambria Math" panose="02040503050406030204" pitchFamily="18" charset="0"/>
+                        </a:rPr>
+                        <m:t>=</m:t>
+                      </m:r>
+                      <m:f>
+                        <m:fPr>
+                          <m:ctrlPr>
+                            <a:rPr lang="en-US" sz="1400" i="1">
+                              <a:latin typeface="Cambria Math" panose="02040503050406030204" pitchFamily="18" charset="0"/>
+                            </a:rPr>
+                          </m:ctrlPr>
+                        </m:fPr>
+                        <m:num>
+                          <m:r>
+                            <a:rPr lang="en-US" sz="1400" i="1">
+                              <a:latin typeface="Cambria Math" panose="02040503050406030204" pitchFamily="18" charset="0"/>
+                            </a:rPr>
+                            <m:t>𝑃</m:t>
+                          </m:r>
+                          <m:sSup>
+                            <m:sSupPr>
+                              <m:ctrlPr>
+                                <a:rPr lang="en-US" sz="1400" i="1">
+                                  <a:latin typeface="Cambria Math" panose="02040503050406030204" pitchFamily="18" charset="0"/>
+                                </a:rPr>
+                              </m:ctrlPr>
+                            </m:sSupPr>
+                            <m:e>
+                              <m:r>
+                                <a:rPr lang="en-US" sz="1400" i="1">
+                                  <a:latin typeface="Cambria Math" panose="02040503050406030204" pitchFamily="18" charset="0"/>
+                                </a:rPr>
+                                <m:t>𝐿</m:t>
+                              </m:r>
+                            </m:e>
+                            <m:sup>
+                              <m:r>
+                                <a:rPr lang="en-US" sz="1400" i="1">
+                                  <a:latin typeface="Cambria Math" panose="02040503050406030204" pitchFamily="18" charset="0"/>
+                                </a:rPr>
+                                <m:t>3</m:t>
+                              </m:r>
+                            </m:sup>
+                          </m:sSup>
+                        </m:num>
+                        <m:den>
+                          <m:r>
+                            <a:rPr lang="en-US" sz="1400" i="1">
+                              <a:latin typeface="Cambria Math" panose="02040503050406030204" pitchFamily="18" charset="0"/>
+                            </a:rPr>
+                            <m:t>48</m:t>
+                          </m:r>
+                          <m:r>
+                            <a:rPr lang="en-US" sz="1400" i="1">
+                              <a:latin typeface="Cambria Math" panose="02040503050406030204" pitchFamily="18" charset="0"/>
+                            </a:rPr>
+                            <m:t>𝐼</m:t>
+                          </m:r>
+                        </m:den>
+                      </m:f>
+                      <m:d>
+                        <m:dPr>
+                          <m:ctrlPr>
+                            <a:rPr lang="en-US" sz="1400" i="1">
+                              <a:latin typeface="Cambria Math" panose="02040503050406030204" pitchFamily="18" charset="0"/>
+                            </a:rPr>
+                          </m:ctrlPr>
+                        </m:dPr>
+                        <m:e>
+                          <m:f>
+                            <m:fPr>
+                              <m:ctrlPr>
+                                <a:rPr lang="en-US" sz="1400" i="1">
+                                  <a:latin typeface="Cambria Math" panose="02040503050406030204" pitchFamily="18" charset="0"/>
+                                </a:rPr>
+                              </m:ctrlPr>
+                            </m:fPr>
+                            <m:num>
+                              <m:r>
+                                <a:rPr lang="en-US" sz="1400" i="1">
+                                  <a:latin typeface="Cambria Math" panose="02040503050406030204" pitchFamily="18" charset="0"/>
+                                </a:rPr>
+                                <m:t>1</m:t>
+                              </m:r>
+                            </m:num>
+                            <m:den>
+                              <m:sSub>
+                                <m:sSubPr>
+                                  <m:ctrlPr>
+                                    <a:rPr lang="en-US" sz="1400" i="1">
+                                      <a:latin typeface="Cambria Math" panose="02040503050406030204" pitchFamily="18" charset="0"/>
+                                    </a:rPr>
+                                  </m:ctrlPr>
+                                </m:sSubPr>
+                                <m:e>
+                                  <m:r>
+                                    <a:rPr lang="en-US" sz="1400" i="1">
+                                      <a:latin typeface="Cambria Math" panose="02040503050406030204" pitchFamily="18" charset="0"/>
+                                    </a:rPr>
+                                    <m:t>𝐸</m:t>
+                                  </m:r>
+                                </m:e>
+                                <m:sub>
+                                  <m:r>
+                                    <a:rPr lang="en-US" sz="1400" i="1">
+                                      <a:latin typeface="Cambria Math" panose="02040503050406030204" pitchFamily="18" charset="0"/>
+                                    </a:rPr>
+                                    <m:t>1</m:t>
+                                  </m:r>
+                                </m:sub>
+                              </m:sSub>
+                            </m:den>
+                          </m:f>
+                          <m:r>
+                            <a:rPr lang="en-US" sz="1400" i="1">
+                              <a:latin typeface="Cambria Math" panose="02040503050406030204" pitchFamily="18" charset="0"/>
+                            </a:rPr>
+                            <m:t>+</m:t>
+                          </m:r>
+                          <m:f>
+                            <m:fPr>
+                              <m:ctrlPr>
+                                <a:rPr lang="en-US" sz="1400" i="1">
+                                  <a:latin typeface="Cambria Math" panose="02040503050406030204" pitchFamily="18" charset="0"/>
+                                </a:rPr>
+                              </m:ctrlPr>
+                            </m:fPr>
+                            <m:num>
+                              <m:r>
+                                <a:rPr lang="en-US" sz="1400" i="1">
+                                  <a:latin typeface="Cambria Math" panose="02040503050406030204" pitchFamily="18" charset="0"/>
+                                </a:rPr>
+                                <m:t>1</m:t>
+                              </m:r>
+                            </m:num>
+                            <m:den>
+                              <m:sSub>
+                                <m:sSubPr>
+                                  <m:ctrlPr>
+                                    <a:rPr lang="en-US" sz="1400" i="1">
+                                      <a:latin typeface="Cambria Math" panose="02040503050406030204" pitchFamily="18" charset="0"/>
+                                    </a:rPr>
+                                  </m:ctrlPr>
+                                </m:sSubPr>
+                                <m:e>
+                                  <m:r>
+                                    <a:rPr lang="en-US" sz="1400" i="1">
+                                      <a:latin typeface="Cambria Math" panose="02040503050406030204" pitchFamily="18" charset="0"/>
+                                    </a:rPr>
+                                    <m:t>𝐸</m:t>
+                                  </m:r>
+                                </m:e>
+                                <m:sub>
+                                  <m:r>
+                                    <a:rPr lang="en-US" sz="1400" i="1">
+                                      <a:latin typeface="Cambria Math" panose="02040503050406030204" pitchFamily="18" charset="0"/>
+                                    </a:rPr>
+                                    <m:t>2</m:t>
+                                  </m:r>
+                                </m:sub>
+                              </m:sSub>
+                            </m:den>
+                          </m:f>
+                        </m:e>
+                      </m:d>
+                      <m:r>
+                        <a:rPr lang="en-US" sz="1400" i="1">
+                          <a:latin typeface="Cambria Math" panose="02040503050406030204" pitchFamily="18" charset="0"/>
+                        </a:rPr>
+                        <m:t>−</m:t>
+                      </m:r>
+                      <m:sSub>
+                        <m:sSubPr>
+                          <m:ctrlPr>
+                            <a:rPr lang="en-US" sz="1400" i="1">
+                              <a:latin typeface="Cambria Math" panose="02040503050406030204" pitchFamily="18" charset="0"/>
+                            </a:rPr>
+                          </m:ctrlPr>
+                        </m:sSubPr>
+                        <m:e>
+                          <m:r>
+                            <a:rPr lang="en-US" sz="1400" i="1">
+                              <a:latin typeface="Cambria Math" panose="02040503050406030204" pitchFamily="18" charset="0"/>
+                            </a:rPr>
+                            <m:t>𝛿</m:t>
+                          </m:r>
+                        </m:e>
+                        <m:sub>
+                          <m:r>
+                            <a:rPr lang="en-US" sz="1400" i="1">
+                              <a:latin typeface="Cambria Math" panose="02040503050406030204" pitchFamily="18" charset="0"/>
+                            </a:rPr>
+                            <m:t>𝑚𝑎𝑥</m:t>
+                          </m:r>
+                        </m:sub>
+                      </m:sSub>
+                      <m:r>
+                        <a:rPr lang="en-US" sz="1400" b="0" i="1" smtClean="0">
+                          <a:latin typeface="Cambria Math" panose="02040503050406030204" pitchFamily="18" charset="0"/>
+                        </a:rPr>
+                        <m:t>=0</m:t>
+                      </m:r>
+                    </m:oMath>
+                  </m:oMathPara>
+                </a14:m>
+                <a:endParaRPr lang="en-US" sz="1400" dirty="0"/>
+              </a:p>
+              <a:p>
+                <a:pPr>
+                  <a:lnSpc>
+                    <a:spcPct val="150000"/>
+                  </a:lnSpc>
+                </a:pPr>
+                <a:r>
+                  <a:rPr lang="en-US" sz="1400" dirty="0">
+                    <a:latin typeface="+mj-lt"/>
+                  </a:rPr>
+                  <a:t>… Iterate parameters until </a:t>
+                </a:r>
+                <a14:m>
+                  <m:oMath xmlns:m="http://schemas.openxmlformats.org/officeDocument/2006/math">
+                    <m:r>
+                      <a:rPr lang="en-US" sz="1400" b="0" i="1" smtClean="0">
+                        <a:latin typeface="Cambria Math" panose="02040503050406030204" pitchFamily="18" charset="0"/>
+                      </a:rPr>
+                      <m:t>𝑓</m:t>
+                    </m:r>
+                    <m:d>
+                      <m:dPr>
+                        <m:ctrlPr>
+                          <a:rPr lang="en-US" sz="1400" b="0" i="1" smtClean="0">
+                            <a:latin typeface="Cambria Math" panose="02040503050406030204" pitchFamily="18" charset="0"/>
+                          </a:rPr>
+                        </m:ctrlPr>
+                      </m:dPr>
+                      <m:e>
+                        <m:sSub>
+                          <m:sSubPr>
+                            <m:ctrlPr>
+                              <a:rPr lang="en-US" sz="1400" b="0" i="1" smtClean="0">
+                                <a:latin typeface="Cambria Math" panose="02040503050406030204" pitchFamily="18" charset="0"/>
+                              </a:rPr>
+                            </m:ctrlPr>
+                          </m:sSubPr>
+                          <m:e>
+                            <m:r>
+                              <a:rPr lang="en-US" sz="1400" b="0" i="1" smtClean="0">
+                                <a:latin typeface="Cambria Math" panose="02040503050406030204" pitchFamily="18" charset="0"/>
+                              </a:rPr>
+                              <m:t>𝐸</m:t>
+                            </m:r>
+                          </m:e>
+                          <m:sub>
+                            <m:r>
+                              <a:rPr lang="en-US" sz="1400" b="0" i="1" smtClean="0">
+                                <a:latin typeface="Cambria Math" panose="02040503050406030204" pitchFamily="18" charset="0"/>
+                              </a:rPr>
+                              <m:t>1</m:t>
+                            </m:r>
+                          </m:sub>
+                        </m:sSub>
+                        <m:r>
+                          <a:rPr lang="en-US" sz="1400" b="0" i="1" smtClean="0">
+                            <a:latin typeface="Cambria Math" panose="02040503050406030204" pitchFamily="18" charset="0"/>
+                          </a:rPr>
+                          <m:t>,</m:t>
+                        </m:r>
+                        <m:sSub>
+                          <m:sSubPr>
+                            <m:ctrlPr>
+                              <a:rPr lang="en-US" sz="1400" b="0" i="1" smtClean="0">
+                                <a:latin typeface="Cambria Math" panose="02040503050406030204" pitchFamily="18" charset="0"/>
+                              </a:rPr>
+                            </m:ctrlPr>
+                          </m:sSubPr>
+                          <m:e>
+                            <m:r>
+                              <a:rPr lang="en-US" sz="1400" b="0" i="1" smtClean="0">
+                                <a:latin typeface="Cambria Math" panose="02040503050406030204" pitchFamily="18" charset="0"/>
+                              </a:rPr>
+                              <m:t>𝐸</m:t>
+                            </m:r>
+                          </m:e>
+                          <m:sub>
+                            <m:r>
+                              <a:rPr lang="en-US" sz="1400" b="0" i="1" smtClean="0">
+                                <a:latin typeface="Cambria Math" panose="02040503050406030204" pitchFamily="18" charset="0"/>
+                              </a:rPr>
+                              <m:t>2</m:t>
+                            </m:r>
+                          </m:sub>
+                        </m:sSub>
+                      </m:e>
+                    </m:d>
+                    <m:r>
+                      <a:rPr lang="en-US" sz="1400" b="0" i="1" smtClean="0">
+                        <a:latin typeface="Cambria Math" panose="02040503050406030204" pitchFamily="18" charset="0"/>
+                      </a:rPr>
+                      <m:t>=0</m:t>
+                    </m:r>
+                  </m:oMath>
+                </a14:m>
+                <a:endParaRPr lang="en-US" sz="1400" dirty="0">
+                  <a:latin typeface="+mj-lt"/>
+                </a:endParaRPr>
+              </a:p>
+            </p:txBody>
+          </p:sp>
+        </mc:Choice>
+        <mc:Fallback xmlns="">
+          <p:sp>
+            <p:nvSpPr>
+              <p:cNvPr id="3" name="TextBox 2">
+                <a:extLst>
+                  <a:ext uri="{FF2B5EF4-FFF2-40B4-BE49-F238E27FC236}">
+                    <a16:creationId xmlns:a16="http://schemas.microsoft.com/office/drawing/2014/main" id="{2F5F91FA-BB57-7D94-0754-6CD8AC58CDDD}"/>
+                  </a:ext>
+                </a:extLst>
+              </p:cNvPr>
+              <p:cNvSpPr txBox="1">
+                <a:spLocks noRot="1" noChangeAspect="1" noMove="1" noResize="1" noEditPoints="1" noAdjustHandles="1" noChangeArrowheads="1" noChangeShapeType="1" noTextEdit="1"/>
+              </p:cNvSpPr>
+              <p:nvPr/>
+            </p:nvSpPr>
+            <p:spPr>
+              <a:xfrm>
+                <a:off x="822247" y="2002255"/>
+                <a:ext cx="4427812" cy="3598677"/>
+              </a:xfrm>
+              <a:prstGeom prst="rect">
+                <a:avLst/>
+              </a:prstGeom>
+              <a:blipFill>
+                <a:blip r:embed="rId5"/>
+                <a:stretch>
+                  <a:fillRect l="-413" b="-846"/>
+                </a:stretch>
+              </a:blipFill>
+            </p:spPr>
+            <p:txBody>
+              <a:bodyPr/>
+              <a:lstStyle/>
+              <a:p>
+                <a:r>
+                  <a:rPr lang="en-US">
+                    <a:noFill/>
+                  </a:rPr>
+                  <a:t> </a:t>
+                </a:r>
+              </a:p>
+            </p:txBody>
+          </p:sp>
+        </mc:Fallback>
+      </mc:AlternateContent>
+      <mc:AlternateContent xmlns:mc="http://schemas.openxmlformats.org/markup-compatibility/2006" xmlns:a14="http://schemas.microsoft.com/office/drawing/2010/main">
+        <mc:Choice Requires="a14">
+          <p:sp>
+            <p:nvSpPr>
+              <p:cNvPr id="21" name="TextBox 20">
+                <a:extLst>
+                  <a:ext uri="{FF2B5EF4-FFF2-40B4-BE49-F238E27FC236}">
+                    <a16:creationId xmlns:a16="http://schemas.microsoft.com/office/drawing/2014/main" id="{AF53BF15-D03B-9181-9E5F-C95645A50696}"/>
+                  </a:ext>
+                </a:extLst>
+              </p:cNvPr>
+              <p:cNvSpPr txBox="1"/>
+              <p:nvPr/>
+            </p:nvSpPr>
+            <p:spPr>
+              <a:xfrm>
+                <a:off x="761793" y="5794580"/>
+                <a:ext cx="11144718" cy="369332"/>
+              </a:xfrm>
+              <a:prstGeom prst="rect">
+                <a:avLst/>
+              </a:prstGeom>
+              <a:noFill/>
+            </p:spPr>
+            <p:txBody>
+              <a:bodyPr wrap="none" rtlCol="0">
+                <a:spAutoFit/>
+              </a:bodyPr>
+              <a:lstStyle/>
+              <a:p>
+                <a:r>
+                  <a:rPr lang="en-US" dirty="0">
+                    <a:latin typeface="+mj-lt"/>
+                  </a:rPr>
+                  <a:t>There are infinitely many solutions that satisfy </a:t>
+                </a:r>
+                <a14:m>
+                  <m:oMath xmlns:m="http://schemas.openxmlformats.org/officeDocument/2006/math">
+                    <m:r>
+                      <a:rPr lang="en-US" b="0" i="1" smtClean="0">
+                        <a:latin typeface="Cambria Math" panose="02040503050406030204" pitchFamily="18" charset="0"/>
+                      </a:rPr>
+                      <m:t>𝑓</m:t>
+                    </m:r>
+                    <m:d>
+                      <m:dPr>
+                        <m:ctrlPr>
+                          <a:rPr lang="en-US" b="0" i="1" smtClean="0">
+                            <a:latin typeface="Cambria Math" panose="02040503050406030204" pitchFamily="18" charset="0"/>
+                          </a:rPr>
+                        </m:ctrlPr>
+                      </m:dPr>
+                      <m:e>
+                        <m:sSub>
+                          <m:sSubPr>
+                            <m:ctrlPr>
+                              <a:rPr lang="en-US" b="0" i="1" smtClean="0">
+                                <a:latin typeface="Cambria Math" panose="02040503050406030204" pitchFamily="18" charset="0"/>
+                              </a:rPr>
+                            </m:ctrlPr>
+                          </m:sSubPr>
+                          <m:e>
+                            <m:r>
+                              <a:rPr lang="en-US" b="0" i="1" smtClean="0">
+                                <a:latin typeface="Cambria Math" panose="02040503050406030204" pitchFamily="18" charset="0"/>
+                              </a:rPr>
+                              <m:t>𝐸</m:t>
+                            </m:r>
+                          </m:e>
+                          <m:sub>
+                            <m:r>
+                              <a:rPr lang="en-US" b="0" i="1" smtClean="0">
+                                <a:latin typeface="Cambria Math" panose="02040503050406030204" pitchFamily="18" charset="0"/>
+                              </a:rPr>
+                              <m:t>1</m:t>
+                            </m:r>
+                          </m:sub>
+                        </m:sSub>
+                        <m:r>
+                          <a:rPr lang="en-US" b="0" i="1" smtClean="0">
+                            <a:latin typeface="Cambria Math" panose="02040503050406030204" pitchFamily="18" charset="0"/>
+                          </a:rPr>
+                          <m:t>,</m:t>
+                        </m:r>
+                        <m:sSub>
+                          <m:sSubPr>
+                            <m:ctrlPr>
+                              <a:rPr lang="en-US" b="0" i="1" smtClean="0">
+                                <a:latin typeface="Cambria Math" panose="02040503050406030204" pitchFamily="18" charset="0"/>
+                              </a:rPr>
+                            </m:ctrlPr>
+                          </m:sSubPr>
+                          <m:e>
+                            <m:r>
+                              <a:rPr lang="en-US" b="0" i="1" smtClean="0">
+                                <a:latin typeface="Cambria Math" panose="02040503050406030204" pitchFamily="18" charset="0"/>
+                              </a:rPr>
+                              <m:t>𝐸</m:t>
+                            </m:r>
+                          </m:e>
+                          <m:sub>
+                            <m:r>
+                              <a:rPr lang="en-US" b="0" i="1" smtClean="0">
+                                <a:latin typeface="Cambria Math" panose="02040503050406030204" pitchFamily="18" charset="0"/>
+                              </a:rPr>
+                              <m:t>2</m:t>
+                            </m:r>
+                          </m:sub>
+                        </m:sSub>
+                      </m:e>
+                    </m:d>
+                    <m:r>
+                      <a:rPr lang="en-US" b="0" i="1" smtClean="0">
+                        <a:latin typeface="Cambria Math" panose="02040503050406030204" pitchFamily="18" charset="0"/>
+                      </a:rPr>
+                      <m:t>=0</m:t>
+                    </m:r>
+                  </m:oMath>
+                </a14:m>
+                <a:r>
+                  <a:rPr lang="en-US" dirty="0">
+                    <a:latin typeface="+mj-lt"/>
+                  </a:rPr>
+                  <a:t>, so a method for picking the best solution will be needed.</a:t>
+                </a:r>
+              </a:p>
+            </p:txBody>
+          </p:sp>
+        </mc:Choice>
+        <mc:Fallback xmlns="">
+          <p:sp>
+            <p:nvSpPr>
+              <p:cNvPr id="21" name="TextBox 20">
+                <a:extLst>
+                  <a:ext uri="{FF2B5EF4-FFF2-40B4-BE49-F238E27FC236}">
+                    <a16:creationId xmlns:a16="http://schemas.microsoft.com/office/drawing/2014/main" id="{AF53BF15-D03B-9181-9E5F-C95645A50696}"/>
+                  </a:ext>
+                </a:extLst>
+              </p:cNvPr>
+              <p:cNvSpPr txBox="1">
+                <a:spLocks noRot="1" noChangeAspect="1" noMove="1" noResize="1" noEditPoints="1" noAdjustHandles="1" noChangeArrowheads="1" noChangeShapeType="1" noTextEdit="1"/>
+              </p:cNvSpPr>
+              <p:nvPr/>
+            </p:nvSpPr>
+            <p:spPr>
+              <a:xfrm>
+                <a:off x="761793" y="5794580"/>
+                <a:ext cx="11144718" cy="369332"/>
+              </a:xfrm>
+              <a:prstGeom prst="rect">
+                <a:avLst/>
+              </a:prstGeom>
+              <a:blipFill>
+                <a:blip r:embed="rId6"/>
+                <a:stretch>
+                  <a:fillRect l="-492" t="-10000" r="-164" b="-26667"/>
+                </a:stretch>
+              </a:blipFill>
+            </p:spPr>
+            <p:txBody>
+              <a:bodyPr/>
+              <a:lstStyle/>
+              <a:p>
+                <a:r>
+                  <a:rPr lang="en-US">
+                    <a:noFill/>
+                  </a:rPr>
+                  <a:t> </a:t>
+                </a:r>
+              </a:p>
+            </p:txBody>
+          </p:sp>
+        </mc:Fallback>
+      </mc:AlternateContent>
     </p:spTree>
     <p:extLst>
       <p:ext uri="{BB962C8B-B14F-4D97-AF65-F5344CB8AC3E}">
@@ -7201,25 +11323,21 @@
                 <p:ph idx="1"/>
               </p:nvPr>
             </p:nvSpPr>
-            <p:spPr/>
+            <p:spPr>
+              <a:xfrm>
+                <a:off x="838199" y="1577797"/>
+                <a:ext cx="10963101" cy="4351338"/>
+              </a:xfrm>
+            </p:spPr>
             <p:txBody>
               <a:bodyPr>
                 <a:normAutofit/>
               </a:bodyPr>
               <a:lstStyle/>
               <a:p>
-                <a:pPr marL="0" indent="0">
-                  <a:buNone/>
-                </a:pPr>
-                <a:r>
-                  <a:rPr lang="en-US" sz="2000" b="1" dirty="0"/>
-                  <a:t>Problems Archetypes</a:t>
-                </a:r>
-              </a:p>
-              <a:p>
                 <a:r>
                   <a:rPr lang="en-US" sz="2000" dirty="0"/>
-                  <a:t>Direct – given object </a:t>
+                  <a:t>Direct problem – given object </a:t>
                 </a:r>
                 <a14:m>
                   <m:oMath xmlns:m="http://schemas.openxmlformats.org/officeDocument/2006/math">
@@ -7239,7 +11357,7 @@
               <a:p>
                 <a:r>
                   <a:rPr lang="en-US" sz="2000" dirty="0"/>
-                  <a:t>Inverse – given data </a:t>
+                  <a:t>Inverse problem – given data </a:t>
                 </a:r>
                 <a14:m>
                   <m:oMath xmlns:m="http://schemas.openxmlformats.org/officeDocument/2006/math">
@@ -7263,21 +11381,42 @@
                 <a:pPr marL="0" indent="0">
                   <a:buNone/>
                 </a:pPr>
+                <a:endParaRPr lang="en-US" sz="2000" dirty="0"/>
+              </a:p>
+              <a:p>
+                <a:pPr marL="0" indent="0">
+                  <a:buNone/>
+                </a:pPr>
+                <a:endParaRPr lang="en-US" sz="2000" dirty="0"/>
+              </a:p>
+              <a:p>
+                <a:pPr marL="0" indent="0">
+                  <a:buNone/>
+                </a:pPr>
+                <a:endParaRPr lang="en-US" sz="2000" dirty="0"/>
+              </a:p>
+              <a:p>
+                <a:pPr marL="0" indent="0">
+                  <a:buNone/>
+                </a:pPr>
                 <a:r>
-                  <a:rPr lang="en-US" sz="2000" b="1" dirty="0"/>
-                  <a:t>Mechanical Analysis Framework</a:t>
+                  <a:rPr lang="en-US" sz="2000" dirty="0"/>
+                  <a:t>Inverse problems involve computing an unknown quantity from observed measurements. Both the unknown quantity and observed measurement are typically related via a forward model (the direct problem).</a:t>
                 </a:r>
               </a:p>
               <a:p>
+                <a:pPr marL="0" indent="0">
+                  <a:buNone/>
+                </a:pPr>
+                <a:endParaRPr lang="en-US" sz="2000" dirty="0"/>
+              </a:p>
+              <a:p>
+                <a:pPr marL="0" indent="0">
+                  <a:buNone/>
+                </a:pPr>
                 <a:r>
                   <a:rPr lang="en-US" sz="2000" dirty="0"/>
-                  <a:t>Forward Mechanics – predicting responses from known parameters</a:t>
-                </a:r>
-              </a:p>
-              <a:p>
-                <a:r>
-                  <a:rPr lang="en-US" sz="2000" dirty="0"/>
-                  <a:t>Inverse Mechanics – predicting parameters from known responses</a:t>
+                  <a:t>Examples of inverse problems: image processing, structural health monitoring, tomography</a:t>
                 </a:r>
               </a:p>
             </p:txBody>
@@ -7301,10 +11440,14 @@
               </p:nvPr>
             </p:nvSpPr>
             <p:spPr>
+              <a:xfrm>
+                <a:off x="838199" y="1577797"/>
+                <a:ext cx="10963101" cy="4351338"/>
+              </a:xfrm>
               <a:blipFill>
-                <a:blip r:embed="rId2"/>
+                <a:blip r:embed="rId3"/>
                 <a:stretch>
-                  <a:fillRect l="-638" t="-1541"/>
+                  <a:fillRect l="-556" t="-1541"/>
                 </a:stretch>
               </a:blipFill>
             </p:spPr>
@@ -7366,7 +11509,7 @@
         </p:nvGrpSpPr>
         <p:grpSpPr>
           <a:xfrm>
-            <a:off x="6852866" y="1577797"/>
+            <a:off x="7093090" y="1577797"/>
             <a:ext cx="4192531" cy="2087668"/>
             <a:chOff x="7008314" y="1577797"/>
             <a:chExt cx="4192531" cy="2087668"/>
@@ -8296,663 +12439,6 @@
   <p:cSld>
     <p:spTree>
       <p:nvGrpSpPr>
-        <p:cNvPr id="1" name=""/>
-        <p:cNvGrpSpPr/>
-        <p:nvPr/>
-      </p:nvGrpSpPr>
-      <p:grpSpPr>
-        <a:xfrm>
-          <a:off x="0" y="0"/>
-          <a:ext cx="0" cy="0"/>
-          <a:chOff x="0" y="0"/>
-          <a:chExt cx="0" cy="0"/>
-        </a:xfrm>
-      </p:grpSpPr>
-      <p:sp>
-        <p:nvSpPr>
-          <p:cNvPr id="2" name="Title 1">
-            <a:extLst>
-              <a:ext uri="{FF2B5EF4-FFF2-40B4-BE49-F238E27FC236}">
-                <a16:creationId xmlns:a16="http://schemas.microsoft.com/office/drawing/2014/main" id="{D30B314A-831E-57EC-276C-6075D4EC9ECE}"/>
-              </a:ext>
-            </a:extLst>
-          </p:cNvPr>
-          <p:cNvSpPr>
-            <a:spLocks noGrp="1"/>
-          </p:cNvSpPr>
-          <p:nvPr>
-            <p:ph type="title"/>
-          </p:nvPr>
-        </p:nvSpPr>
-        <p:spPr/>
-        <p:txBody>
-          <a:bodyPr>
-            <a:normAutofit fontScale="90000"/>
-          </a:bodyPr>
-          <a:lstStyle/>
-          <a:p>
-            <a:r>
-              <a:rPr lang="en-US" dirty="0"/>
-              <a:t>Definitions [2]</a:t>
-            </a:r>
-          </a:p>
-        </p:txBody>
-      </p:sp>
-      <mc:AlternateContent xmlns:mc="http://schemas.openxmlformats.org/markup-compatibility/2006">
-        <mc:Choice xmlns:a14="http://schemas.microsoft.com/office/drawing/2010/main" Requires="a14">
-          <p:sp>
-            <p:nvSpPr>
-              <p:cNvPr id="3" name="Content Placeholder 2">
-                <a:extLst>
-                  <a:ext uri="{FF2B5EF4-FFF2-40B4-BE49-F238E27FC236}">
-                    <a16:creationId xmlns:a16="http://schemas.microsoft.com/office/drawing/2014/main" id="{72B3B243-6182-D01D-A787-7CBEE284C033}"/>
-                  </a:ext>
-                </a:extLst>
-              </p:cNvPr>
-              <p:cNvSpPr>
-                <a:spLocks noGrp="1"/>
-              </p:cNvSpPr>
-              <p:nvPr>
-                <p:ph idx="1"/>
-              </p:nvPr>
-            </p:nvSpPr>
-            <p:spPr/>
-            <p:txBody>
-              <a:bodyPr>
-                <a:normAutofit/>
-              </a:bodyPr>
-              <a:lstStyle/>
-              <a:p>
-                <a:pPr marL="0" indent="0">
-                  <a:buNone/>
-                </a:pPr>
-                <a:r>
-                  <a:rPr lang="en-US" sz="2000" i="1" u="sng" dirty="0"/>
-                  <a:t>Jacques Hadamard’s Well-Posed Problem Conditions</a:t>
-                </a:r>
-              </a:p>
-              <a:p>
-                <a:pPr marL="0" indent="0">
-                  <a:buNone/>
-                </a:pPr>
-                <a:r>
-                  <a:rPr lang="en-US" sz="2000" dirty="0"/>
-                  <a:t>A problem is defined as </a:t>
-                </a:r>
-                <a:r>
-                  <a:rPr lang="en-US" sz="2000" b="1" dirty="0"/>
-                  <a:t>well-posed</a:t>
-                </a:r>
-                <a:r>
-                  <a:rPr lang="en-US" sz="2000" dirty="0"/>
-                  <a:t> if </a:t>
-                </a:r>
-                <a:r>
-                  <a:rPr lang="en-US" sz="2000" u="sng" dirty="0"/>
-                  <a:t>all</a:t>
-                </a:r>
-                <a:r>
-                  <a:rPr lang="en-US" sz="2000" dirty="0"/>
-                  <a:t> the following conditions hold:</a:t>
-                </a:r>
-                <a:endParaRPr lang="en-US" sz="2000" u="sng" dirty="0"/>
-              </a:p>
-              <a:p>
-                <a:pPr marL="457200" indent="-457200">
-                  <a:buAutoNum type="arabicPeriod"/>
-                </a:pPr>
-                <a:r>
-                  <a:rPr lang="en-US" sz="2000" dirty="0"/>
-                  <a:t>Existence – a solution must always exist for the problem</a:t>
-                </a:r>
-              </a:p>
-              <a:p>
-                <a:pPr marL="457200" indent="-457200">
-                  <a:buAutoNum type="arabicPeriod"/>
-                </a:pPr>
-                <a:r>
-                  <a:rPr lang="en-US" sz="2000" dirty="0"/>
-                  <a:t>Uniqueness – only one solution for each problem</a:t>
-                </a:r>
-              </a:p>
-              <a:p>
-                <a:pPr marL="457200" indent="-457200">
-                  <a:buAutoNum type="arabicPeriod"/>
-                </a:pPr>
-                <a:r>
-                  <a:rPr lang="en-US" sz="2000" dirty="0"/>
-                  <a:t>Stability – small changes in initial conditions lead to small changes in the solution</a:t>
-                </a:r>
-              </a:p>
-              <a:p>
-                <a:pPr marL="0" indent="0">
-                  <a:buNone/>
-                </a:pPr>
-                <a:endParaRPr lang="en-US" sz="2000" dirty="0"/>
-              </a:p>
-              <a:p>
-                <a:pPr marL="0" indent="0">
-                  <a:buNone/>
-                </a:pPr>
-                <a:r>
-                  <a:rPr lang="en-US" sz="2000" dirty="0"/>
-                  <a:t>If any conditions do not hold, the problem is defined as </a:t>
-                </a:r>
-                <a:r>
-                  <a:rPr lang="en-US" sz="2000" b="1" dirty="0"/>
-                  <a:t>ill-posed</a:t>
-                </a:r>
-                <a:r>
-                  <a:rPr lang="en-US" sz="2000" dirty="0"/>
-                  <a:t>.</a:t>
-                </a:r>
-              </a:p>
-              <a:p>
-                <a:pPr marL="0" indent="0">
-                  <a:buNone/>
-                </a:pPr>
-                <a:endParaRPr lang="en-US" sz="2000" dirty="0"/>
-              </a:p>
-              <a:p>
-                <a:pPr marL="0" indent="0">
-                  <a:buNone/>
-                </a:pPr>
-                <a:r>
-                  <a:rPr lang="en-US" sz="2000" dirty="0"/>
-                  <a:t>Mathematically: input </a:t>
-                </a:r>
-                <a14:m>
-                  <m:oMath xmlns:m="http://schemas.openxmlformats.org/officeDocument/2006/math">
-                    <m:r>
-                      <a:rPr lang="en-US" sz="2000" b="0" i="1" smtClean="0">
-                        <a:latin typeface="Cambria Math" panose="02040503050406030204" pitchFamily="18" charset="0"/>
-                      </a:rPr>
-                      <m:t>𝑥</m:t>
-                    </m:r>
-                  </m:oMath>
-                </a14:m>
-                <a:r>
-                  <a:rPr lang="en-US" sz="2000" dirty="0"/>
-                  <a:t> , find </a:t>
-                </a:r>
-                <a14:m>
-                  <m:oMath xmlns:m="http://schemas.openxmlformats.org/officeDocument/2006/math">
-                    <m:r>
-                      <a:rPr lang="en-US" sz="2000" b="0" i="1" smtClean="0">
-                        <a:latin typeface="Cambria Math" panose="02040503050406030204" pitchFamily="18" charset="0"/>
-                      </a:rPr>
-                      <m:t>𝐹</m:t>
-                    </m:r>
-                    <m:d>
-                      <m:dPr>
-                        <m:ctrlPr>
-                          <a:rPr lang="en-US" sz="2000" b="0" i="1" smtClean="0">
-                            <a:latin typeface="Cambria Math" panose="02040503050406030204" pitchFamily="18" charset="0"/>
-                          </a:rPr>
-                        </m:ctrlPr>
-                      </m:dPr>
-                      <m:e>
-                        <m:r>
-                          <a:rPr lang="en-US" sz="2000" b="0" i="1" smtClean="0">
-                            <a:latin typeface="Cambria Math" panose="02040503050406030204" pitchFamily="18" charset="0"/>
-                          </a:rPr>
-                          <m:t>𝑥</m:t>
-                        </m:r>
-                      </m:e>
-                    </m:d>
-                  </m:oMath>
-                </a14:m>
-                <a:endParaRPr lang="en-US" sz="2000" dirty="0"/>
-              </a:p>
-            </p:txBody>
-          </p:sp>
-        </mc:Choice>
-        <mc:Fallback>
-          <p:sp>
-            <p:nvSpPr>
-              <p:cNvPr id="3" name="Content Placeholder 2">
-                <a:extLst>
-                  <a:ext uri="{FF2B5EF4-FFF2-40B4-BE49-F238E27FC236}">
-                    <a16:creationId xmlns:a16="http://schemas.microsoft.com/office/drawing/2014/main" id="{72B3B243-6182-D01D-A787-7CBEE284C033}"/>
-                  </a:ext>
-                </a:extLst>
-              </p:cNvPr>
-              <p:cNvSpPr>
-                <a:spLocks noGrp="1" noRot="1" noChangeAspect="1" noMove="1" noResize="1" noEditPoints="1" noAdjustHandles="1" noChangeArrowheads="1" noChangeShapeType="1" noTextEdit="1"/>
-              </p:cNvSpPr>
-              <p:nvPr>
-                <p:ph idx="1"/>
-              </p:nvPr>
-            </p:nvSpPr>
-            <p:spPr>
-              <a:blipFill>
-                <a:blip r:embed="rId2"/>
-                <a:stretch>
-                  <a:fillRect l="-638" t="-1541"/>
-                </a:stretch>
-              </a:blipFill>
-            </p:spPr>
-            <p:txBody>
-              <a:bodyPr/>
-              <a:lstStyle/>
-              <a:p>
-                <a:r>
-                  <a:rPr lang="en-US">
-                    <a:noFill/>
-                  </a:rPr>
-                  <a:t> </a:t>
-                </a:r>
-              </a:p>
-            </p:txBody>
-          </p:sp>
-        </mc:Fallback>
-      </mc:AlternateContent>
-      <p:sp>
-        <p:nvSpPr>
-          <p:cNvPr id="4" name="Slide Number Placeholder 3">
-            <a:extLst>
-              <a:ext uri="{FF2B5EF4-FFF2-40B4-BE49-F238E27FC236}">
-                <a16:creationId xmlns:a16="http://schemas.microsoft.com/office/drawing/2014/main" id="{0F474E5E-D961-7725-C899-CC2F662E66A4}"/>
-              </a:ext>
-            </a:extLst>
-          </p:cNvPr>
-          <p:cNvSpPr>
-            <a:spLocks noGrp="1"/>
-          </p:cNvSpPr>
-          <p:nvPr>
-            <p:ph type="sldNum" sz="quarter" idx="12"/>
-          </p:nvPr>
-        </p:nvSpPr>
-        <p:spPr/>
-        <p:txBody>
-          <a:bodyPr/>
-          <a:lstStyle/>
-          <a:p>
-            <a:fld id="{D95F4311-C1C1-468E-90BA-469E1A493750}" type="slidenum">
-              <a:rPr lang="en-US" smtClean="0"/>
-              <a:t>4</a:t>
-            </a:fld>
-            <a:endParaRPr lang="en-US"/>
-          </a:p>
-        </p:txBody>
-      </p:sp>
-    </p:spTree>
-    <p:extLst>
-      <p:ext uri="{BB962C8B-B14F-4D97-AF65-F5344CB8AC3E}">
-        <p14:creationId xmlns:p14="http://schemas.microsoft.com/office/powerpoint/2010/main" val="3655632260"/>
-      </p:ext>
-    </p:extLst>
-  </p:cSld>
-  <p:clrMapOvr>
-    <a:masterClrMapping/>
-  </p:clrMapOvr>
-</p:sld>
-</file>
-
-<file path=ppt/slides/slide5.xml><?xml version="1.0" encoding="utf-8"?>
-<p:sld xmlns:a="http://schemas.openxmlformats.org/drawingml/2006/main" xmlns:r="http://schemas.openxmlformats.org/officeDocument/2006/relationships" xmlns:p="http://schemas.openxmlformats.org/presentationml/2006/main">
-  <p:cSld>
-    <p:spTree>
-      <p:nvGrpSpPr>
-        <p:cNvPr id="1" name="">
-          <a:extLst>
-            <a:ext uri="{FF2B5EF4-FFF2-40B4-BE49-F238E27FC236}">
-              <a16:creationId xmlns:a16="http://schemas.microsoft.com/office/drawing/2014/main" id="{F1B7E36B-F203-DD4F-D7A7-1266C681A05B}"/>
-            </a:ext>
-          </a:extLst>
-        </p:cNvPr>
-        <p:cNvGrpSpPr/>
-        <p:nvPr/>
-      </p:nvGrpSpPr>
-      <p:grpSpPr>
-        <a:xfrm>
-          <a:off x="0" y="0"/>
-          <a:ext cx="0" cy="0"/>
-          <a:chOff x="0" y="0"/>
-          <a:chExt cx="0" cy="0"/>
-        </a:xfrm>
-      </p:grpSpPr>
-      <p:sp>
-        <p:nvSpPr>
-          <p:cNvPr id="2" name="Title 1">
-            <a:extLst>
-              <a:ext uri="{FF2B5EF4-FFF2-40B4-BE49-F238E27FC236}">
-                <a16:creationId xmlns:a16="http://schemas.microsoft.com/office/drawing/2014/main" id="{5CAF4D94-A1BA-5A48-086A-CB9A31B715B2}"/>
-              </a:ext>
-            </a:extLst>
-          </p:cNvPr>
-          <p:cNvSpPr>
-            <a:spLocks noGrp="1"/>
-          </p:cNvSpPr>
-          <p:nvPr>
-            <p:ph type="title"/>
-          </p:nvPr>
-        </p:nvSpPr>
-        <p:spPr/>
-        <p:txBody>
-          <a:bodyPr>
-            <a:normAutofit fontScale="90000"/>
-          </a:bodyPr>
-          <a:lstStyle/>
-          <a:p>
-            <a:r>
-              <a:rPr lang="en-US" dirty="0"/>
-              <a:t>Definitions [3]</a:t>
-            </a:r>
-          </a:p>
-        </p:txBody>
-      </p:sp>
-      <mc:AlternateContent xmlns:mc="http://schemas.openxmlformats.org/markup-compatibility/2006">
-        <mc:Choice xmlns:a14="http://schemas.microsoft.com/office/drawing/2010/main" Requires="a14">
-          <p:sp>
-            <p:nvSpPr>
-              <p:cNvPr id="3" name="Content Placeholder 2">
-                <a:extLst>
-                  <a:ext uri="{FF2B5EF4-FFF2-40B4-BE49-F238E27FC236}">
-                    <a16:creationId xmlns:a16="http://schemas.microsoft.com/office/drawing/2014/main" id="{A3BD7F75-2879-CA2B-B12F-2D16365CE1A0}"/>
-                  </a:ext>
-                </a:extLst>
-              </p:cNvPr>
-              <p:cNvSpPr>
-                <a:spLocks noGrp="1"/>
-              </p:cNvSpPr>
-              <p:nvPr>
-                <p:ph idx="1"/>
-              </p:nvPr>
-            </p:nvSpPr>
-            <p:spPr/>
-            <p:txBody>
-              <a:bodyPr>
-                <a:normAutofit/>
-              </a:bodyPr>
-              <a:lstStyle/>
-              <a:p>
-                <a:pPr marL="0" indent="0">
-                  <a:buNone/>
-                </a:pPr>
-                <a:r>
-                  <a:rPr lang="en-US" sz="2000" dirty="0"/>
-                  <a:t>A problem is defined as </a:t>
-                </a:r>
-                <a:r>
-                  <a:rPr lang="en-US" sz="2000" b="1" dirty="0"/>
-                  <a:t>ill-posed</a:t>
-                </a:r>
-                <a:r>
-                  <a:rPr lang="en-US" sz="2000" dirty="0"/>
-                  <a:t> if </a:t>
-                </a:r>
-                <a:r>
-                  <a:rPr lang="en-US" sz="2000" u="sng" dirty="0"/>
-                  <a:t>any</a:t>
-                </a:r>
-                <a:r>
-                  <a:rPr lang="en-US" sz="2000" dirty="0"/>
-                  <a:t> the following conditions hold:</a:t>
-                </a:r>
-                <a:endParaRPr lang="en-US" sz="2000" u="sng" dirty="0"/>
-              </a:p>
-              <a:p>
-                <a:pPr marL="457200" indent="-457200">
-                  <a:buAutoNum type="arabicPeriod"/>
-                </a:pPr>
-                <a:r>
-                  <a:rPr lang="en-US" sz="2000" dirty="0"/>
-                  <a:t>Existence - a solution may not exist</a:t>
-                </a:r>
-              </a:p>
-              <a:p>
-                <a:pPr marL="457200" indent="-457200">
-                  <a:buAutoNum type="arabicPeriod"/>
-                </a:pPr>
-                <a:r>
-                  <a:rPr lang="en-US" sz="2000" dirty="0"/>
-                  <a:t>Uniqueness - there may be more than one solution</a:t>
-                </a:r>
-              </a:p>
-              <a:p>
-                <a:pPr marL="457200" indent="-457200">
-                  <a:buAutoNum type="arabicPeriod"/>
-                </a:pPr>
-                <a:r>
-                  <a:rPr lang="en-US" sz="2000" dirty="0"/>
-                  <a:t>Stability - small changes in the initial conditions lead to big changes in the solution</a:t>
-                </a:r>
-              </a:p>
-              <a:p>
-                <a:pPr marL="457200" indent="-457200">
-                  <a:buAutoNum type="arabicPeriod"/>
-                </a:pPr>
-                <a:endParaRPr lang="en-US" sz="2000" dirty="0"/>
-              </a:p>
-              <a:p>
-                <a:pPr marL="0" indent="0">
-                  <a:buNone/>
-                </a:pPr>
-                <a:r>
-                  <a:rPr lang="en-US" sz="2000" dirty="0"/>
-                  <a:t>Inverse problems </a:t>
-                </a:r>
-                <a:r>
-                  <a:rPr lang="en-US" sz="2000" i="1" dirty="0"/>
-                  <a:t>tend</a:t>
-                </a:r>
-                <a:r>
-                  <a:rPr lang="en-US" sz="2000" dirty="0"/>
-                  <a:t> to be ill-posed problems. </a:t>
-                </a:r>
-              </a:p>
-              <a:p>
-                <a:pPr marL="0" indent="0">
-                  <a:buNone/>
-                </a:pPr>
-                <a:endParaRPr lang="en-US" sz="2000" dirty="0"/>
-              </a:p>
-              <a:p>
-                <a:pPr marL="0" indent="0">
-                  <a:buNone/>
-                </a:pPr>
-                <a:r>
-                  <a:rPr lang="en-US" sz="2000" dirty="0"/>
-                  <a:t>Mathematically: </a:t>
-                </a:r>
-                <a14:m>
-                  <m:oMath xmlns:m="http://schemas.openxmlformats.org/officeDocument/2006/math">
-                    <m:r>
-                      <a:rPr lang="en-US" sz="2000" b="0" i="1" smtClean="0">
-                        <a:latin typeface="Cambria Math" panose="02040503050406030204" pitchFamily="18" charset="0"/>
-                      </a:rPr>
-                      <m:t>𝑚</m:t>
-                    </m:r>
-                    <m:r>
-                      <a:rPr lang="en-US" sz="2000" b="0" i="1" smtClean="0">
-                        <a:latin typeface="Cambria Math" panose="02040503050406030204" pitchFamily="18" charset="0"/>
-                      </a:rPr>
-                      <m:t>=</m:t>
-                    </m:r>
-                    <m:r>
-                      <a:rPr lang="en-US" sz="2000" b="0" i="1" smtClean="0">
-                        <a:latin typeface="Cambria Math" panose="02040503050406030204" pitchFamily="18" charset="0"/>
-                      </a:rPr>
-                      <m:t>𝐹</m:t>
-                    </m:r>
-                    <m:d>
-                      <m:dPr>
-                        <m:ctrlPr>
-                          <a:rPr lang="en-US" sz="2000" b="0" i="1" smtClean="0">
-                            <a:latin typeface="Cambria Math" panose="02040503050406030204" pitchFamily="18" charset="0"/>
-                          </a:rPr>
-                        </m:ctrlPr>
-                      </m:dPr>
-                      <m:e>
-                        <m:r>
-                          <a:rPr lang="en-US" sz="2000" b="0" i="1" smtClean="0">
-                            <a:latin typeface="Cambria Math" panose="02040503050406030204" pitchFamily="18" charset="0"/>
-                          </a:rPr>
-                          <m:t>𝑥</m:t>
-                        </m:r>
-                      </m:e>
-                    </m:d>
-                    <m:r>
-                      <a:rPr lang="en-US" sz="2000" b="0" i="1" smtClean="0">
-                        <a:latin typeface="Cambria Math" panose="02040503050406030204" pitchFamily="18" charset="0"/>
-                      </a:rPr>
-                      <m:t>+</m:t>
-                    </m:r>
-                    <m:r>
-                      <a:rPr lang="en-US" sz="2000" b="0" i="1" smtClean="0">
-                        <a:latin typeface="Cambria Math" panose="02040503050406030204" pitchFamily="18" charset="0"/>
-                      </a:rPr>
-                      <m:t>𝜖</m:t>
-                    </m:r>
-                  </m:oMath>
-                </a14:m>
-                <a:r>
-                  <a:rPr lang="en-US" sz="2000" dirty="0"/>
-                  <a:t> , recover </a:t>
-                </a:r>
-                <a14:m>
-                  <m:oMath xmlns:m="http://schemas.openxmlformats.org/officeDocument/2006/math">
-                    <m:r>
-                      <a:rPr lang="en-US" sz="2000" b="0" i="1" smtClean="0">
-                        <a:latin typeface="Cambria Math" panose="02040503050406030204" pitchFamily="18" charset="0"/>
-                      </a:rPr>
-                      <m:t>𝑥</m:t>
-                    </m:r>
-                  </m:oMath>
-                </a14:m>
-                <a:r>
-                  <a:rPr lang="en-US" sz="2000" dirty="0"/>
-                  <a:t> </a:t>
-                </a:r>
-              </a:p>
-              <a:p>
-                <a:pPr marL="0" indent="0">
-                  <a:buNone/>
-                </a:pPr>
-                <a:r>
-                  <a:rPr lang="en-US" sz="2000" dirty="0"/>
-                  <a:t>- Where </a:t>
-                </a:r>
-                <a14:m>
-                  <m:oMath xmlns:m="http://schemas.openxmlformats.org/officeDocument/2006/math">
-                    <m:r>
-                      <a:rPr lang="en-US" sz="2000" b="0" i="1" smtClean="0">
-                        <a:latin typeface="Cambria Math" panose="02040503050406030204" pitchFamily="18" charset="0"/>
-                      </a:rPr>
-                      <m:t>𝑚</m:t>
-                    </m:r>
-                  </m:oMath>
-                </a14:m>
-                <a:r>
-                  <a:rPr lang="en-US" sz="2000" dirty="0"/>
-                  <a:t> is observed data and </a:t>
-                </a:r>
-                <a14:m>
-                  <m:oMath xmlns:m="http://schemas.openxmlformats.org/officeDocument/2006/math">
-                    <m:r>
-                      <a:rPr lang="en-US" sz="2000" b="0" i="1" smtClean="0">
-                        <a:latin typeface="Cambria Math" panose="02040503050406030204" pitchFamily="18" charset="0"/>
-                      </a:rPr>
-                      <m:t>𝜖</m:t>
-                    </m:r>
-                  </m:oMath>
-                </a14:m>
-                <a:r>
-                  <a:rPr lang="en-US" sz="2000" dirty="0"/>
-                  <a:t> is noise</a:t>
-                </a:r>
-              </a:p>
-            </p:txBody>
-          </p:sp>
-        </mc:Choice>
-        <mc:Fallback>
-          <p:sp>
-            <p:nvSpPr>
-              <p:cNvPr id="3" name="Content Placeholder 2">
-                <a:extLst>
-                  <a:ext uri="{FF2B5EF4-FFF2-40B4-BE49-F238E27FC236}">
-                    <a16:creationId xmlns:a16="http://schemas.microsoft.com/office/drawing/2014/main" id="{A3BD7F75-2879-CA2B-B12F-2D16365CE1A0}"/>
-                  </a:ext>
-                </a:extLst>
-              </p:cNvPr>
-              <p:cNvSpPr>
-                <a:spLocks noGrp="1" noRot="1" noChangeAspect="1" noMove="1" noResize="1" noEditPoints="1" noAdjustHandles="1" noChangeArrowheads="1" noChangeShapeType="1" noTextEdit="1"/>
-              </p:cNvSpPr>
-              <p:nvPr>
-                <p:ph idx="1"/>
-              </p:nvPr>
-            </p:nvSpPr>
-            <p:spPr>
-              <a:blipFill>
-                <a:blip r:embed="rId2"/>
-                <a:stretch>
-                  <a:fillRect l="-638" t="-1541"/>
-                </a:stretch>
-              </a:blipFill>
-            </p:spPr>
-            <p:txBody>
-              <a:bodyPr/>
-              <a:lstStyle/>
-              <a:p>
-                <a:r>
-                  <a:rPr lang="en-US">
-                    <a:noFill/>
-                  </a:rPr>
-                  <a:t> </a:t>
-                </a:r>
-              </a:p>
-            </p:txBody>
-          </p:sp>
-        </mc:Fallback>
-      </mc:AlternateContent>
-      <p:sp>
-        <p:nvSpPr>
-          <p:cNvPr id="4" name="Slide Number Placeholder 3">
-            <a:extLst>
-              <a:ext uri="{FF2B5EF4-FFF2-40B4-BE49-F238E27FC236}">
-                <a16:creationId xmlns:a16="http://schemas.microsoft.com/office/drawing/2014/main" id="{2994902F-E0B3-95F7-161A-7CAFC29CBAEB}"/>
-              </a:ext>
-            </a:extLst>
-          </p:cNvPr>
-          <p:cNvSpPr>
-            <a:spLocks noGrp="1"/>
-          </p:cNvSpPr>
-          <p:nvPr>
-            <p:ph type="sldNum" sz="quarter" idx="12"/>
-          </p:nvPr>
-        </p:nvSpPr>
-        <p:spPr/>
-        <p:txBody>
-          <a:bodyPr/>
-          <a:lstStyle/>
-          <a:p>
-            <a:fld id="{D95F4311-C1C1-468E-90BA-469E1A493750}" type="slidenum">
-              <a:rPr lang="en-US" smtClean="0"/>
-              <a:t>5</a:t>
-            </a:fld>
-            <a:endParaRPr lang="en-US"/>
-          </a:p>
-        </p:txBody>
-      </p:sp>
-    </p:spTree>
-    <p:extLst>
-      <p:ext uri="{BB962C8B-B14F-4D97-AF65-F5344CB8AC3E}">
-        <p14:creationId xmlns:p14="http://schemas.microsoft.com/office/powerpoint/2010/main" val="3727330784"/>
-      </p:ext>
-    </p:extLst>
-  </p:cSld>
-  <p:clrMapOvr>
-    <a:masterClrMapping/>
-  </p:clrMapOvr>
-</p:sld>
-</file>
-
-<file path=ppt/slides/slide6.xml><?xml version="1.0" encoding="utf-8"?>
-<p:sld xmlns:a="http://schemas.openxmlformats.org/drawingml/2006/main" xmlns:r="http://schemas.openxmlformats.org/officeDocument/2006/relationships" xmlns:p="http://schemas.openxmlformats.org/presentationml/2006/main">
-  <p:cSld>
-    <p:spTree>
-      <p:nvGrpSpPr>
         <p:cNvPr id="1" name="">
           <a:extLst>
             <a:ext uri="{FF2B5EF4-FFF2-40B4-BE49-F238E27FC236}">
@@ -9024,7 +12510,7 @@
           <a:p>
             <a:fld id="{D95F4311-C1C1-468E-90BA-469E1A493750}" type="slidenum">
               <a:rPr lang="en-US" smtClean="0"/>
-              <a:t>6</a:t>
+              <a:t>4</a:t>
             </a:fld>
             <a:endParaRPr lang="en-US"/>
           </a:p>
@@ -9176,7 +12662,7 @@
               <a:rPr lang="en-US" sz="1600" dirty="0">
                 <a:latin typeface="+mj-lt"/>
               </a:rPr>
-              <a:t>: It was in 2003.</a:t>
+              <a:t>: It was in 2003—</a:t>
             </a:r>
           </a:p>
           <a:p>
@@ -9287,7 +12773,1638 @@
 </p:sld>
 </file>
 
+<file path=ppt/slides/slide5.xml><?xml version="1.0" encoding="utf-8"?>
+<p:sld xmlns:a="http://schemas.openxmlformats.org/drawingml/2006/main" xmlns:r="http://schemas.openxmlformats.org/officeDocument/2006/relationships" xmlns:p="http://schemas.openxmlformats.org/presentationml/2006/main">
+  <p:cSld>
+    <p:spTree>
+      <p:nvGrpSpPr>
+        <p:cNvPr id="1" name=""/>
+        <p:cNvGrpSpPr/>
+        <p:nvPr/>
+      </p:nvGrpSpPr>
+      <p:grpSpPr>
+        <a:xfrm>
+          <a:off x="0" y="0"/>
+          <a:ext cx="0" cy="0"/>
+          <a:chOff x="0" y="0"/>
+          <a:chExt cx="0" cy="0"/>
+        </a:xfrm>
+      </p:grpSpPr>
+      <p:sp>
+        <p:nvSpPr>
+          <p:cNvPr id="2" name="Title 1">
+            <a:extLst>
+              <a:ext uri="{FF2B5EF4-FFF2-40B4-BE49-F238E27FC236}">
+                <a16:creationId xmlns:a16="http://schemas.microsoft.com/office/drawing/2014/main" id="{D30B314A-831E-57EC-276C-6075D4EC9ECE}"/>
+              </a:ext>
+            </a:extLst>
+          </p:cNvPr>
+          <p:cNvSpPr>
+            <a:spLocks noGrp="1"/>
+          </p:cNvSpPr>
+          <p:nvPr>
+            <p:ph type="title"/>
+          </p:nvPr>
+        </p:nvSpPr>
+        <p:spPr/>
+        <p:txBody>
+          <a:bodyPr>
+            <a:normAutofit fontScale="90000"/>
+          </a:bodyPr>
+          <a:lstStyle/>
+          <a:p>
+            <a:r>
+              <a:rPr lang="en-US" dirty="0"/>
+              <a:t>Definitions [2]</a:t>
+            </a:r>
+          </a:p>
+        </p:txBody>
+      </p:sp>
+      <mc:AlternateContent xmlns:mc="http://schemas.openxmlformats.org/markup-compatibility/2006" xmlns:a14="http://schemas.microsoft.com/office/drawing/2010/main">
+        <mc:Choice Requires="a14">
+          <p:sp>
+            <p:nvSpPr>
+              <p:cNvPr id="3" name="Content Placeholder 2">
+                <a:extLst>
+                  <a:ext uri="{FF2B5EF4-FFF2-40B4-BE49-F238E27FC236}">
+                    <a16:creationId xmlns:a16="http://schemas.microsoft.com/office/drawing/2014/main" id="{72B3B243-6182-D01D-A787-7CBEE284C033}"/>
+                  </a:ext>
+                </a:extLst>
+              </p:cNvPr>
+              <p:cNvSpPr>
+                <a:spLocks noGrp="1"/>
+              </p:cNvSpPr>
+              <p:nvPr>
+                <p:ph idx="1"/>
+              </p:nvPr>
+            </p:nvSpPr>
+            <p:spPr/>
+            <p:txBody>
+              <a:bodyPr>
+                <a:normAutofit/>
+              </a:bodyPr>
+              <a:lstStyle/>
+              <a:p>
+                <a:pPr marL="0" indent="0">
+                  <a:buNone/>
+                </a:pPr>
+                <a:r>
+                  <a:rPr lang="en-US" sz="2000" i="1" u="sng" dirty="0"/>
+                  <a:t>Jacques Hadamard’s Well-Posed Problem Conditions</a:t>
+                </a:r>
+              </a:p>
+              <a:p>
+                <a:pPr marL="0" indent="0">
+                  <a:buNone/>
+                </a:pPr>
+                <a:r>
+                  <a:rPr lang="en-US" sz="2000" dirty="0"/>
+                  <a:t>A problem is defined as </a:t>
+                </a:r>
+                <a:r>
+                  <a:rPr lang="en-US" sz="2000" b="1" dirty="0"/>
+                  <a:t>well-posed</a:t>
+                </a:r>
+                <a:r>
+                  <a:rPr lang="en-US" sz="2000" dirty="0"/>
+                  <a:t> if </a:t>
+                </a:r>
+                <a:r>
+                  <a:rPr lang="en-US" sz="2000" u="sng" dirty="0"/>
+                  <a:t>all</a:t>
+                </a:r>
+                <a:r>
+                  <a:rPr lang="en-US" sz="2000" dirty="0"/>
+                  <a:t> the following conditions hold:</a:t>
+                </a:r>
+                <a:endParaRPr lang="en-US" sz="2000" u="sng" dirty="0"/>
+              </a:p>
+              <a:p>
+                <a:pPr marL="457200" indent="-457200">
+                  <a:buAutoNum type="arabicPeriod"/>
+                </a:pPr>
+                <a:r>
+                  <a:rPr lang="en-US" sz="2000" dirty="0"/>
+                  <a:t>Existence – a solution must always exist for the problem</a:t>
+                </a:r>
+              </a:p>
+              <a:p>
+                <a:pPr marL="457200" indent="-457200">
+                  <a:buAutoNum type="arabicPeriod"/>
+                </a:pPr>
+                <a:r>
+                  <a:rPr lang="en-US" sz="2000" dirty="0"/>
+                  <a:t>Uniqueness – only one solution for each problem</a:t>
+                </a:r>
+              </a:p>
+              <a:p>
+                <a:pPr marL="457200" indent="-457200">
+                  <a:buAutoNum type="arabicPeriod"/>
+                </a:pPr>
+                <a:r>
+                  <a:rPr lang="en-US" sz="2000" dirty="0"/>
+                  <a:t>Stability – small changes in the input do not influence the solution </a:t>
+                </a:r>
+              </a:p>
+              <a:p>
+                <a:pPr marL="457200" indent="-457200">
+                  <a:buAutoNum type="arabicPeriod"/>
+                </a:pPr>
+                <a:endParaRPr lang="en-US" sz="2000" dirty="0"/>
+              </a:p>
+              <a:p>
+                <a:pPr marL="0" indent="0">
+                  <a:buNone/>
+                </a:pPr>
+                <a:r>
+                  <a:rPr lang="en-US" sz="2000" dirty="0"/>
+                  <a:t>If any conditions do not hold, the problem is defined as </a:t>
+                </a:r>
+                <a:r>
+                  <a:rPr lang="en-US" sz="2000" b="1" dirty="0"/>
+                  <a:t>ill-posed</a:t>
+                </a:r>
+                <a:r>
+                  <a:rPr lang="en-US" sz="2000" dirty="0"/>
+                  <a:t>.</a:t>
+                </a:r>
+              </a:p>
+              <a:p>
+                <a:pPr marL="0" indent="0">
+                  <a:buNone/>
+                </a:pPr>
+                <a:endParaRPr lang="en-US" sz="2000" dirty="0"/>
+              </a:p>
+              <a:p>
+                <a:pPr marL="0" indent="0">
+                  <a:buNone/>
+                </a:pPr>
+                <a:r>
+                  <a:rPr lang="en-US" sz="2000" dirty="0"/>
+                  <a:t>Mathematically: input </a:t>
+                </a:r>
+                <a14:m>
+                  <m:oMath xmlns:m="http://schemas.openxmlformats.org/officeDocument/2006/math">
+                    <m:r>
+                      <a:rPr lang="en-US" sz="2000" b="0" i="1" smtClean="0">
+                        <a:latin typeface="Cambria Math" panose="02040503050406030204" pitchFamily="18" charset="0"/>
+                      </a:rPr>
+                      <m:t>𝑥</m:t>
+                    </m:r>
+                  </m:oMath>
+                </a14:m>
+                <a:r>
+                  <a:rPr lang="en-US" sz="2000" dirty="0"/>
+                  <a:t> , find </a:t>
+                </a:r>
+                <a14:m>
+                  <m:oMath xmlns:m="http://schemas.openxmlformats.org/officeDocument/2006/math">
+                    <m:r>
+                      <a:rPr lang="en-US" sz="2000" b="0" i="1" smtClean="0">
+                        <a:latin typeface="Cambria Math" panose="02040503050406030204" pitchFamily="18" charset="0"/>
+                      </a:rPr>
+                      <m:t>𝐹</m:t>
+                    </m:r>
+                    <m:d>
+                      <m:dPr>
+                        <m:ctrlPr>
+                          <a:rPr lang="en-US" sz="2000" b="0" i="1" smtClean="0">
+                            <a:latin typeface="Cambria Math" panose="02040503050406030204" pitchFamily="18" charset="0"/>
+                          </a:rPr>
+                        </m:ctrlPr>
+                      </m:dPr>
+                      <m:e>
+                        <m:r>
+                          <a:rPr lang="en-US" sz="2000" b="0" i="1" smtClean="0">
+                            <a:latin typeface="Cambria Math" panose="02040503050406030204" pitchFamily="18" charset="0"/>
+                          </a:rPr>
+                          <m:t>𝑥</m:t>
+                        </m:r>
+                      </m:e>
+                    </m:d>
+                  </m:oMath>
+                </a14:m>
+                <a:endParaRPr lang="en-US" sz="2000" dirty="0"/>
+              </a:p>
+            </p:txBody>
+          </p:sp>
+        </mc:Choice>
+        <mc:Fallback xmlns="">
+          <p:sp>
+            <p:nvSpPr>
+              <p:cNvPr id="3" name="Content Placeholder 2">
+                <a:extLst>
+                  <a:ext uri="{FF2B5EF4-FFF2-40B4-BE49-F238E27FC236}">
+                    <a16:creationId xmlns:a16="http://schemas.microsoft.com/office/drawing/2014/main" id="{72B3B243-6182-D01D-A787-7CBEE284C033}"/>
+                  </a:ext>
+                </a:extLst>
+              </p:cNvPr>
+              <p:cNvSpPr>
+                <a:spLocks noGrp="1" noRot="1" noChangeAspect="1" noMove="1" noResize="1" noEditPoints="1" noAdjustHandles="1" noChangeArrowheads="1" noChangeShapeType="1" noTextEdit="1"/>
+              </p:cNvSpPr>
+              <p:nvPr>
+                <p:ph idx="1"/>
+              </p:nvPr>
+            </p:nvSpPr>
+            <p:spPr>
+              <a:blipFill>
+                <a:blip r:embed="rId2"/>
+                <a:stretch>
+                  <a:fillRect l="-638" t="-1541"/>
+                </a:stretch>
+              </a:blipFill>
+            </p:spPr>
+            <p:txBody>
+              <a:bodyPr/>
+              <a:lstStyle/>
+              <a:p>
+                <a:r>
+                  <a:rPr lang="en-US">
+                    <a:noFill/>
+                  </a:rPr>
+                  <a:t> </a:t>
+                </a:r>
+              </a:p>
+            </p:txBody>
+          </p:sp>
+        </mc:Fallback>
+      </mc:AlternateContent>
+      <p:sp>
+        <p:nvSpPr>
+          <p:cNvPr id="4" name="Slide Number Placeholder 3">
+            <a:extLst>
+              <a:ext uri="{FF2B5EF4-FFF2-40B4-BE49-F238E27FC236}">
+                <a16:creationId xmlns:a16="http://schemas.microsoft.com/office/drawing/2014/main" id="{0F474E5E-D961-7725-C899-CC2F662E66A4}"/>
+              </a:ext>
+            </a:extLst>
+          </p:cNvPr>
+          <p:cNvSpPr>
+            <a:spLocks noGrp="1"/>
+          </p:cNvSpPr>
+          <p:nvPr>
+            <p:ph type="sldNum" sz="quarter" idx="12"/>
+          </p:nvPr>
+        </p:nvSpPr>
+        <p:spPr/>
+        <p:txBody>
+          <a:bodyPr/>
+          <a:lstStyle/>
+          <a:p>
+            <a:fld id="{D95F4311-C1C1-468E-90BA-469E1A493750}" type="slidenum">
+              <a:rPr lang="en-US" smtClean="0"/>
+              <a:t>5</a:t>
+            </a:fld>
+            <a:endParaRPr lang="en-US"/>
+          </a:p>
+        </p:txBody>
+      </p:sp>
+    </p:spTree>
+    <p:extLst>
+      <p:ext uri="{BB962C8B-B14F-4D97-AF65-F5344CB8AC3E}">
+        <p14:creationId xmlns:p14="http://schemas.microsoft.com/office/powerpoint/2010/main" val="3655632260"/>
+      </p:ext>
+    </p:extLst>
+  </p:cSld>
+  <p:clrMapOvr>
+    <a:masterClrMapping/>
+  </p:clrMapOvr>
+</p:sld>
+</file>
+
+<file path=ppt/slides/slide6.xml><?xml version="1.0" encoding="utf-8"?>
+<p:sld xmlns:a="http://schemas.openxmlformats.org/drawingml/2006/main" xmlns:r="http://schemas.openxmlformats.org/officeDocument/2006/relationships" xmlns:p="http://schemas.openxmlformats.org/presentationml/2006/main">
+  <p:cSld>
+    <p:spTree>
+      <p:nvGrpSpPr>
+        <p:cNvPr id="1" name="">
+          <a:extLst>
+            <a:ext uri="{FF2B5EF4-FFF2-40B4-BE49-F238E27FC236}">
+              <a16:creationId xmlns:a16="http://schemas.microsoft.com/office/drawing/2014/main" id="{D37E9A32-39D0-DB3C-5E05-C6E9EBC2CC7D}"/>
+            </a:ext>
+          </a:extLst>
+        </p:cNvPr>
+        <p:cNvGrpSpPr/>
+        <p:nvPr/>
+      </p:nvGrpSpPr>
+      <p:grpSpPr>
+        <a:xfrm>
+          <a:off x="0" y="0"/>
+          <a:ext cx="0" cy="0"/>
+          <a:chOff x="0" y="0"/>
+          <a:chExt cx="0" cy="0"/>
+        </a:xfrm>
+      </p:grpSpPr>
+      <p:sp>
+        <p:nvSpPr>
+          <p:cNvPr id="2" name="Title 1">
+            <a:extLst>
+              <a:ext uri="{FF2B5EF4-FFF2-40B4-BE49-F238E27FC236}">
+                <a16:creationId xmlns:a16="http://schemas.microsoft.com/office/drawing/2014/main" id="{B47CE18C-FF0A-B491-23FA-98F6C91352D7}"/>
+              </a:ext>
+            </a:extLst>
+          </p:cNvPr>
+          <p:cNvSpPr>
+            <a:spLocks noGrp="1"/>
+          </p:cNvSpPr>
+          <p:nvPr>
+            <p:ph type="title"/>
+          </p:nvPr>
+        </p:nvSpPr>
+        <p:spPr/>
+        <p:txBody>
+          <a:bodyPr>
+            <a:normAutofit fontScale="90000"/>
+          </a:bodyPr>
+          <a:lstStyle/>
+          <a:p>
+            <a:r>
+              <a:rPr lang="en-US" dirty="0"/>
+              <a:t>Examples of Well-Posed Problems</a:t>
+            </a:r>
+          </a:p>
+        </p:txBody>
+      </p:sp>
+      <p:sp>
+        <p:nvSpPr>
+          <p:cNvPr id="4" name="Slide Number Placeholder 3">
+            <a:extLst>
+              <a:ext uri="{FF2B5EF4-FFF2-40B4-BE49-F238E27FC236}">
+                <a16:creationId xmlns:a16="http://schemas.microsoft.com/office/drawing/2014/main" id="{3723B766-B4A0-3DE6-DAB8-02C8030D31A3}"/>
+              </a:ext>
+            </a:extLst>
+          </p:cNvPr>
+          <p:cNvSpPr>
+            <a:spLocks noGrp="1"/>
+          </p:cNvSpPr>
+          <p:nvPr>
+            <p:ph type="sldNum" sz="quarter" idx="12"/>
+          </p:nvPr>
+        </p:nvSpPr>
+        <p:spPr/>
+        <p:txBody>
+          <a:bodyPr/>
+          <a:lstStyle/>
+          <a:p>
+            <a:fld id="{D95F4311-C1C1-468E-90BA-469E1A493750}" type="slidenum">
+              <a:rPr lang="en-US" smtClean="0"/>
+              <a:t>6</a:t>
+            </a:fld>
+            <a:endParaRPr lang="en-US"/>
+          </a:p>
+        </p:txBody>
+      </p:sp>
+      <mc:AlternateContent xmlns:mc="http://schemas.openxmlformats.org/markup-compatibility/2006" xmlns:a14="http://schemas.microsoft.com/office/drawing/2010/main">
+        <mc:Choice Requires="a14">
+          <p:sp>
+            <p:nvSpPr>
+              <p:cNvPr id="7" name="Content Placeholder 6">
+                <a:extLst>
+                  <a:ext uri="{FF2B5EF4-FFF2-40B4-BE49-F238E27FC236}">
+                    <a16:creationId xmlns:a16="http://schemas.microsoft.com/office/drawing/2014/main" id="{B1981370-4881-C219-95FD-FBFBBF3E76EC}"/>
+                  </a:ext>
+                </a:extLst>
+              </p:cNvPr>
+              <p:cNvSpPr>
+                <a:spLocks noGrp="1"/>
+              </p:cNvSpPr>
+              <p:nvPr>
+                <p:ph idx="1"/>
+              </p:nvPr>
+            </p:nvSpPr>
+            <p:spPr>
+              <a:xfrm>
+                <a:off x="838200" y="1577797"/>
+                <a:ext cx="10515600" cy="4778553"/>
+              </a:xfrm>
+            </p:spPr>
+            <p:txBody>
+              <a:bodyPr>
+                <a:normAutofit/>
+              </a:bodyPr>
+              <a:lstStyle/>
+              <a:p>
+                <a:pPr marL="0" indent="0">
+                  <a:buNone/>
+                </a:pPr>
+                <a14:m>
+                  <m:oMathPara xmlns:m="http://schemas.openxmlformats.org/officeDocument/2006/math">
+                    <m:oMathParaPr>
+                      <m:jc m:val="left"/>
+                    </m:oMathParaPr>
+                    <m:oMath xmlns:m="http://schemas.openxmlformats.org/officeDocument/2006/math">
+                      <m:r>
+                        <a:rPr lang="en-US" sz="1800" i="1" smtClean="0">
+                          <a:latin typeface="Cambria Math" panose="02040503050406030204" pitchFamily="18" charset="0"/>
+                        </a:rPr>
+                        <m:t>2</m:t>
+                      </m:r>
+                      <m:r>
+                        <a:rPr lang="en-US" sz="1800" i="1" smtClean="0">
+                          <a:latin typeface="Cambria Math" panose="02040503050406030204" pitchFamily="18" charset="0"/>
+                        </a:rPr>
+                        <m:t>𝑥</m:t>
+                      </m:r>
+                      <m:r>
+                        <a:rPr lang="en-US" sz="1800" i="1" smtClean="0">
+                          <a:latin typeface="Cambria Math" panose="02040503050406030204" pitchFamily="18" charset="0"/>
+                        </a:rPr>
+                        <m:t>=10→</m:t>
+                      </m:r>
+                      <m:r>
+                        <a:rPr lang="en-US" sz="1800" i="1" smtClean="0">
+                          <a:latin typeface="Cambria Math" panose="02040503050406030204" pitchFamily="18" charset="0"/>
+                        </a:rPr>
+                        <m:t>𝑥</m:t>
+                      </m:r>
+                      <m:r>
+                        <a:rPr lang="en-US" sz="1800" i="1" smtClean="0">
+                          <a:latin typeface="Cambria Math" panose="02040503050406030204" pitchFamily="18" charset="0"/>
+                        </a:rPr>
+                        <m:t>=5</m:t>
+                      </m:r>
+                    </m:oMath>
+                  </m:oMathPara>
+                </a14:m>
+                <a:endParaRPr lang="en-US" sz="1800" dirty="0"/>
+              </a:p>
+              <a:p>
+                <a:endParaRPr lang="en-US" sz="1800" dirty="0"/>
+              </a:p>
+              <a:p>
+                <a:pPr marL="0" indent="0">
+                  <a:buNone/>
+                </a:pPr>
+                <a:r>
+                  <a:rPr lang="en-US" sz="1800" dirty="0"/>
+                  <a:t>Existence </a:t>
+                </a:r>
+                <a:r>
+                  <a:rPr lang="en-US" sz="1800" dirty="0">
+                    <a:solidFill>
+                      <a:schemeClr val="accent6"/>
+                    </a:solidFill>
+                  </a:rPr>
+                  <a:t>✓ </a:t>
+                </a:r>
+                <a:r>
+                  <a:rPr lang="en-US" sz="1800" dirty="0"/>
+                  <a:t>- x can be solved for</a:t>
+                </a:r>
+              </a:p>
+              <a:p>
+                <a:pPr marL="0" indent="0">
+                  <a:buNone/>
+                </a:pPr>
+                <a:r>
+                  <a:rPr lang="en-US" sz="1800" dirty="0"/>
+                  <a:t>Uniqueness </a:t>
+                </a:r>
+                <a:r>
+                  <a:rPr lang="en-US" sz="1800" dirty="0">
+                    <a:solidFill>
+                      <a:schemeClr val="accent6"/>
+                    </a:solidFill>
+                  </a:rPr>
+                  <a:t>✓</a:t>
+                </a:r>
+                <a:r>
+                  <a:rPr lang="en-US" sz="1800" dirty="0"/>
+                  <a:t> - there is only one value for  </a:t>
+                </a:r>
+                <a14:m>
+                  <m:oMath xmlns:m="http://schemas.openxmlformats.org/officeDocument/2006/math">
+                    <m:r>
+                      <a:rPr lang="en-US" sz="1800" i="1">
+                        <a:latin typeface="Cambria Math" panose="02040503050406030204" pitchFamily="18" charset="0"/>
+                      </a:rPr>
+                      <m:t>𝑥</m:t>
+                    </m:r>
+                  </m:oMath>
+                </a14:m>
+                <a:r>
+                  <a:rPr lang="en-US" sz="1800" dirty="0"/>
+                  <a:t> that solves the problem</a:t>
+                </a:r>
+              </a:p>
+              <a:p>
+                <a:pPr marL="0" indent="0">
+                  <a:buNone/>
+                </a:pPr>
+                <a:r>
+                  <a:rPr lang="en-US" sz="1800" dirty="0"/>
+                  <a:t>Stability </a:t>
+                </a:r>
+                <a:r>
+                  <a:rPr lang="en-US" sz="1800" dirty="0">
+                    <a:solidFill>
+                      <a:schemeClr val="accent6"/>
+                    </a:solidFill>
+                  </a:rPr>
+                  <a:t>✓</a:t>
+                </a:r>
+                <a:r>
+                  <a:rPr lang="en-US" sz="1800" dirty="0"/>
+                  <a:t> - small changes in the input do not influence the solution ; </a:t>
+                </a:r>
+                <a14:m>
+                  <m:oMath xmlns:m="http://schemas.openxmlformats.org/officeDocument/2006/math">
+                    <m:r>
+                      <a:rPr lang="en-US" sz="1800" i="1">
+                        <a:latin typeface="Cambria Math" panose="02040503050406030204" pitchFamily="18" charset="0"/>
+                      </a:rPr>
+                      <m:t>2</m:t>
+                    </m:r>
+                    <m:r>
+                      <a:rPr lang="en-US" sz="1800" i="1">
+                        <a:latin typeface="Cambria Math" panose="02040503050406030204" pitchFamily="18" charset="0"/>
+                      </a:rPr>
+                      <m:t>𝑥</m:t>
+                    </m:r>
+                    <m:r>
+                      <a:rPr lang="en-US" sz="1800" i="1">
+                        <a:latin typeface="Cambria Math" panose="02040503050406030204" pitchFamily="18" charset="0"/>
+                      </a:rPr>
+                      <m:t>=10+</m:t>
+                    </m:r>
+                    <m:r>
+                      <a:rPr lang="en-US" sz="1800" i="1">
+                        <a:latin typeface="Cambria Math" panose="02040503050406030204" pitchFamily="18" charset="0"/>
+                      </a:rPr>
+                      <m:t>𝛿</m:t>
+                    </m:r>
+                    <m:r>
+                      <a:rPr lang="en-US" sz="1800" i="1">
+                        <a:latin typeface="Cambria Math" panose="02040503050406030204" pitchFamily="18" charset="0"/>
+                      </a:rPr>
+                      <m:t>→</m:t>
+                    </m:r>
+                    <m:r>
+                      <a:rPr lang="en-US" sz="1800" i="1">
+                        <a:latin typeface="Cambria Math" panose="02040503050406030204" pitchFamily="18" charset="0"/>
+                      </a:rPr>
+                      <m:t>𝑥</m:t>
+                    </m:r>
+                    <m:r>
+                      <a:rPr lang="en-US" sz="1800" i="1">
+                        <a:latin typeface="Cambria Math" panose="02040503050406030204" pitchFamily="18" charset="0"/>
+                      </a:rPr>
+                      <m:t>=5+</m:t>
+                    </m:r>
+                    <m:f>
+                      <m:fPr>
+                        <m:ctrlPr>
+                          <a:rPr lang="en-US" sz="1800" i="1">
+                            <a:latin typeface="Cambria Math" panose="02040503050406030204" pitchFamily="18" charset="0"/>
+                          </a:rPr>
+                        </m:ctrlPr>
+                      </m:fPr>
+                      <m:num>
+                        <m:r>
+                          <a:rPr lang="en-US" sz="1800" i="1">
+                            <a:latin typeface="Cambria Math" panose="02040503050406030204" pitchFamily="18" charset="0"/>
+                          </a:rPr>
+                          <m:t>𝛿</m:t>
+                        </m:r>
+                      </m:num>
+                      <m:den>
+                        <m:r>
+                          <a:rPr lang="en-US" sz="1800" i="1">
+                            <a:latin typeface="Cambria Math" panose="02040503050406030204" pitchFamily="18" charset="0"/>
+                          </a:rPr>
+                          <m:t>2</m:t>
+                        </m:r>
+                      </m:den>
+                    </m:f>
+                  </m:oMath>
+                </a14:m>
+                <a:endParaRPr lang="en-US" sz="1800" dirty="0"/>
+              </a:p>
+              <a:p>
+                <a:pPr marL="0" indent="0">
+                  <a:buNone/>
+                </a:pPr>
+                <a:endParaRPr lang="en-US" sz="1800" dirty="0"/>
+              </a:p>
+              <a:p>
+                <a:pPr marL="0" indent="0">
+                  <a:buNone/>
+                </a:pPr>
+                <a14:m>
+                  <m:oMathPara xmlns:m="http://schemas.openxmlformats.org/officeDocument/2006/math">
+                    <m:oMathParaPr>
+                      <m:jc m:val="left"/>
+                    </m:oMathParaPr>
+                    <m:oMath xmlns:m="http://schemas.openxmlformats.org/officeDocument/2006/math">
+                      <m:d>
+                        <m:dPr>
+                          <m:begChr m:val="{"/>
+                          <m:endChr m:val=""/>
+                          <m:ctrlPr>
+                            <a:rPr lang="en-US" sz="1800" i="1" smtClean="0">
+                              <a:latin typeface="Cambria Math" panose="02040503050406030204" pitchFamily="18" charset="0"/>
+                            </a:rPr>
+                          </m:ctrlPr>
+                        </m:dPr>
+                        <m:e>
+                          <m:m>
+                            <m:mPr>
+                              <m:mcs>
+                                <m:mc>
+                                  <m:mcPr>
+                                    <m:count m:val="1"/>
+                                    <m:mcJc m:val="center"/>
+                                  </m:mcPr>
+                                </m:mc>
+                              </m:mcs>
+                              <m:ctrlPr>
+                                <a:rPr lang="en-US" sz="1800" i="1" smtClean="0">
+                                  <a:latin typeface="Cambria Math" panose="02040503050406030204" pitchFamily="18" charset="0"/>
+                                </a:rPr>
+                              </m:ctrlPr>
+                            </m:mPr>
+                            <m:mr>
+                              <m:e>
+                                <m:r>
+                                  <m:rPr>
+                                    <m:brk m:alnAt="7"/>
+                                  </m:rPr>
+                                  <a:rPr lang="en-US" sz="1800" b="0" i="1" smtClean="0">
+                                    <a:latin typeface="Cambria Math" panose="02040503050406030204" pitchFamily="18" charset="0"/>
+                                  </a:rPr>
+                                  <m:t>𝑥</m:t>
+                                </m:r>
+                                <m:r>
+                                  <a:rPr lang="en-US" sz="1800" b="0" i="1" smtClean="0">
+                                    <a:latin typeface="Cambria Math" panose="02040503050406030204" pitchFamily="18" charset="0"/>
+                                  </a:rPr>
+                                  <m:t>+</m:t>
+                                </m:r>
+                                <m:r>
+                                  <a:rPr lang="en-US" sz="1800" b="0" i="1" smtClean="0">
+                                    <a:latin typeface="Cambria Math" panose="02040503050406030204" pitchFamily="18" charset="0"/>
+                                  </a:rPr>
+                                  <m:t>𝑦</m:t>
+                                </m:r>
+                                <m:r>
+                                  <a:rPr lang="en-US" sz="1800" b="0" i="1" smtClean="0">
+                                    <a:latin typeface="Cambria Math" panose="02040503050406030204" pitchFamily="18" charset="0"/>
+                                  </a:rPr>
+                                  <m:t>=10</m:t>
+                                </m:r>
+                              </m:e>
+                            </m:mr>
+                            <m:mr>
+                              <m:e>
+                                <m:r>
+                                  <a:rPr lang="en-US" sz="1800" b="0" i="1" smtClean="0">
+                                    <a:latin typeface="Cambria Math" panose="02040503050406030204" pitchFamily="18" charset="0"/>
+                                  </a:rPr>
+                                  <m:t>𝑥</m:t>
+                                </m:r>
+                                <m:r>
+                                  <a:rPr lang="en-US" sz="1800" b="0" i="1" smtClean="0">
+                                    <a:latin typeface="Cambria Math" panose="02040503050406030204" pitchFamily="18" charset="0"/>
+                                  </a:rPr>
+                                  <m:t>−</m:t>
+                                </m:r>
+                                <m:r>
+                                  <a:rPr lang="en-US" sz="1800" b="0" i="1" smtClean="0">
+                                    <a:latin typeface="Cambria Math" panose="02040503050406030204" pitchFamily="18" charset="0"/>
+                                  </a:rPr>
+                                  <m:t>𝑦</m:t>
+                                </m:r>
+                                <m:r>
+                                  <a:rPr lang="en-US" sz="1800" b="0" i="1" smtClean="0">
+                                    <a:latin typeface="Cambria Math" panose="02040503050406030204" pitchFamily="18" charset="0"/>
+                                  </a:rPr>
+                                  <m:t>=2</m:t>
+                                </m:r>
+                              </m:e>
+                            </m:mr>
+                          </m:m>
+                        </m:e>
+                      </m:d>
+                    </m:oMath>
+                  </m:oMathPara>
+                </a14:m>
+                <a:endParaRPr lang="en-US" sz="1800" dirty="0"/>
+              </a:p>
+              <a:p>
+                <a:pPr marL="0" indent="0">
+                  <a:buNone/>
+                </a:pPr>
+                <a:endParaRPr lang="en-US" sz="1800" dirty="0"/>
+              </a:p>
+              <a:p>
+                <a:pPr marL="0" indent="0">
+                  <a:buNone/>
+                </a:pPr>
+                <a:r>
+                  <a:rPr lang="en-US" sz="1800" dirty="0"/>
+                  <a:t>Existence </a:t>
+                </a:r>
+                <a:r>
+                  <a:rPr lang="en-US" sz="1800" dirty="0">
+                    <a:solidFill>
+                      <a:schemeClr val="accent6"/>
+                    </a:solidFill>
+                  </a:rPr>
+                  <a:t>✓ </a:t>
+                </a:r>
+                <a:r>
+                  <a:rPr lang="en-US" sz="1800" dirty="0"/>
+                  <a:t>- x and y can be solved for</a:t>
+                </a:r>
+              </a:p>
+              <a:p>
+                <a:pPr marL="0" indent="0">
+                  <a:buNone/>
+                </a:pPr>
+                <a:r>
+                  <a:rPr lang="en-US" sz="1800" dirty="0"/>
+                  <a:t>Uniqueness </a:t>
+                </a:r>
+                <a:r>
+                  <a:rPr lang="en-US" sz="1800" dirty="0">
+                    <a:solidFill>
+                      <a:schemeClr val="accent6"/>
+                    </a:solidFill>
+                  </a:rPr>
+                  <a:t>✓</a:t>
+                </a:r>
+                <a:r>
+                  <a:rPr lang="en-US" sz="1800" dirty="0"/>
+                  <a:t> - there is only one value for </a:t>
+                </a:r>
+                <a14:m>
+                  <m:oMath xmlns:m="http://schemas.openxmlformats.org/officeDocument/2006/math">
+                    <m:r>
+                      <a:rPr lang="en-US" sz="1800" i="1">
+                        <a:latin typeface="Cambria Math" panose="02040503050406030204" pitchFamily="18" charset="0"/>
+                      </a:rPr>
+                      <m:t>𝑥</m:t>
+                    </m:r>
+                  </m:oMath>
+                </a14:m>
+                <a:r>
+                  <a:rPr lang="en-US" sz="1800" dirty="0"/>
+                  <a:t> and </a:t>
+                </a:r>
+                <a14:m>
+                  <m:oMath xmlns:m="http://schemas.openxmlformats.org/officeDocument/2006/math">
+                    <m:r>
+                      <a:rPr lang="en-US" sz="1800" b="0" i="1" smtClean="0">
+                        <a:latin typeface="Cambria Math" panose="02040503050406030204" pitchFamily="18" charset="0"/>
+                      </a:rPr>
+                      <m:t>𝑦</m:t>
+                    </m:r>
+                  </m:oMath>
+                </a14:m>
+                <a:r>
+                  <a:rPr lang="en-US" sz="1800" dirty="0"/>
+                  <a:t> that solves the problem ; </a:t>
+                </a:r>
+                <a14:m>
+                  <m:oMath xmlns:m="http://schemas.openxmlformats.org/officeDocument/2006/math">
+                    <m:r>
+                      <a:rPr lang="en-US" sz="1800" b="0" i="1" smtClean="0">
+                        <a:latin typeface="Cambria Math" panose="02040503050406030204" pitchFamily="18" charset="0"/>
+                      </a:rPr>
+                      <m:t>𝑥</m:t>
+                    </m:r>
+                    <m:r>
+                      <a:rPr lang="en-US" sz="1800" b="0" i="1" smtClean="0">
+                        <a:latin typeface="Cambria Math" panose="02040503050406030204" pitchFamily="18" charset="0"/>
+                      </a:rPr>
+                      <m:t>=6 , </m:t>
+                    </m:r>
+                    <m:r>
+                      <a:rPr lang="en-US" sz="1800" b="0" i="1" smtClean="0">
+                        <a:latin typeface="Cambria Math" panose="02040503050406030204" pitchFamily="18" charset="0"/>
+                      </a:rPr>
+                      <m:t>𝑦</m:t>
+                    </m:r>
+                    <m:r>
+                      <a:rPr lang="en-US" sz="1800" b="0" i="1" smtClean="0">
+                        <a:latin typeface="Cambria Math" panose="02040503050406030204" pitchFamily="18" charset="0"/>
+                      </a:rPr>
+                      <m:t>=4</m:t>
+                    </m:r>
+                  </m:oMath>
+                </a14:m>
+                <a:r>
+                  <a:rPr lang="en-US" sz="1800" dirty="0"/>
+                  <a:t> </a:t>
+                </a:r>
+              </a:p>
+              <a:p>
+                <a:pPr marL="0" indent="0">
+                  <a:buNone/>
+                </a:pPr>
+                <a:r>
+                  <a:rPr lang="en-US" sz="1800" dirty="0"/>
+                  <a:t>Stability </a:t>
+                </a:r>
+                <a:r>
+                  <a:rPr lang="en-US" sz="1800" dirty="0">
+                    <a:solidFill>
+                      <a:schemeClr val="accent6"/>
+                    </a:solidFill>
+                  </a:rPr>
+                  <a:t>✓</a:t>
+                </a:r>
+                <a:r>
+                  <a:rPr lang="en-US" sz="1800" dirty="0"/>
+                  <a:t> - small changes in the input do not influence the solution</a:t>
+                </a:r>
+              </a:p>
+              <a:p>
+                <a:pPr marL="0" indent="0">
+                  <a:buNone/>
+                </a:pPr>
+                <a:endParaRPr lang="en-US" sz="1800" dirty="0"/>
+              </a:p>
+              <a:p>
+                <a:pPr marL="0" indent="0">
+                  <a:buNone/>
+                </a:pPr>
+                <a:endParaRPr lang="en-US" sz="1800" dirty="0"/>
+              </a:p>
+              <a:p>
+                <a:pPr marL="0" indent="0">
+                  <a:buNone/>
+                </a:pPr>
+                <a:endParaRPr lang="en-US" sz="1800" dirty="0"/>
+              </a:p>
+              <a:p>
+                <a:endParaRPr lang="en-US" sz="1800" dirty="0"/>
+              </a:p>
+              <a:p>
+                <a:pPr marL="0" indent="0">
+                  <a:buNone/>
+                </a:pPr>
+                <a:endParaRPr lang="en-US" sz="1800" dirty="0"/>
+              </a:p>
+            </p:txBody>
+          </p:sp>
+        </mc:Choice>
+        <mc:Fallback xmlns="">
+          <p:sp>
+            <p:nvSpPr>
+              <p:cNvPr id="7" name="Content Placeholder 6">
+                <a:extLst>
+                  <a:ext uri="{FF2B5EF4-FFF2-40B4-BE49-F238E27FC236}">
+                    <a16:creationId xmlns:a16="http://schemas.microsoft.com/office/drawing/2014/main" id="{B1981370-4881-C219-95FD-FBFBBF3E76EC}"/>
+                  </a:ext>
+                </a:extLst>
+              </p:cNvPr>
+              <p:cNvSpPr>
+                <a:spLocks noGrp="1" noRot="1" noChangeAspect="1" noMove="1" noResize="1" noEditPoints="1" noAdjustHandles="1" noChangeArrowheads="1" noChangeShapeType="1" noTextEdit="1"/>
+              </p:cNvSpPr>
+              <p:nvPr>
+                <p:ph idx="1"/>
+              </p:nvPr>
+            </p:nvSpPr>
+            <p:spPr>
+              <a:xfrm>
+                <a:off x="838200" y="1577797"/>
+                <a:ext cx="10515600" cy="4778553"/>
+              </a:xfrm>
+              <a:blipFill>
+                <a:blip r:embed="rId2"/>
+                <a:stretch>
+                  <a:fillRect l="-522"/>
+                </a:stretch>
+              </a:blipFill>
+            </p:spPr>
+            <p:txBody>
+              <a:bodyPr/>
+              <a:lstStyle/>
+              <a:p>
+                <a:r>
+                  <a:rPr lang="en-US">
+                    <a:noFill/>
+                  </a:rPr>
+                  <a:t> </a:t>
+                </a:r>
+              </a:p>
+            </p:txBody>
+          </p:sp>
+        </mc:Fallback>
+      </mc:AlternateContent>
+    </p:spTree>
+    <p:extLst>
+      <p:ext uri="{BB962C8B-B14F-4D97-AF65-F5344CB8AC3E}">
+        <p14:creationId xmlns:p14="http://schemas.microsoft.com/office/powerpoint/2010/main" val="1631073065"/>
+      </p:ext>
+    </p:extLst>
+  </p:cSld>
+  <p:clrMapOvr>
+    <a:masterClrMapping/>
+  </p:clrMapOvr>
+</p:sld>
+</file>
+
 <file path=ppt/slides/slide7.xml><?xml version="1.0" encoding="utf-8"?>
+<p:sld xmlns:a="http://schemas.openxmlformats.org/drawingml/2006/main" xmlns:r="http://schemas.openxmlformats.org/officeDocument/2006/relationships" xmlns:p="http://schemas.openxmlformats.org/presentationml/2006/main">
+  <p:cSld>
+    <p:spTree>
+      <p:nvGrpSpPr>
+        <p:cNvPr id="1" name="">
+          <a:extLst>
+            <a:ext uri="{FF2B5EF4-FFF2-40B4-BE49-F238E27FC236}">
+              <a16:creationId xmlns:a16="http://schemas.microsoft.com/office/drawing/2014/main" id="{1D1F647A-3EE0-6D89-8094-B6EA26B48C48}"/>
+            </a:ext>
+          </a:extLst>
+        </p:cNvPr>
+        <p:cNvGrpSpPr/>
+        <p:nvPr/>
+      </p:nvGrpSpPr>
+      <p:grpSpPr>
+        <a:xfrm>
+          <a:off x="0" y="0"/>
+          <a:ext cx="0" cy="0"/>
+          <a:chOff x="0" y="0"/>
+          <a:chExt cx="0" cy="0"/>
+        </a:xfrm>
+      </p:grpSpPr>
+      <p:sp>
+        <p:nvSpPr>
+          <p:cNvPr id="2" name="Title 1">
+            <a:extLst>
+              <a:ext uri="{FF2B5EF4-FFF2-40B4-BE49-F238E27FC236}">
+                <a16:creationId xmlns:a16="http://schemas.microsoft.com/office/drawing/2014/main" id="{631987CA-C243-0110-19B1-1CE10E079A33}"/>
+              </a:ext>
+            </a:extLst>
+          </p:cNvPr>
+          <p:cNvSpPr>
+            <a:spLocks noGrp="1"/>
+          </p:cNvSpPr>
+          <p:nvPr>
+            <p:ph type="title"/>
+          </p:nvPr>
+        </p:nvSpPr>
+        <p:spPr/>
+        <p:txBody>
+          <a:bodyPr>
+            <a:normAutofit fontScale="90000"/>
+          </a:bodyPr>
+          <a:lstStyle/>
+          <a:p>
+            <a:r>
+              <a:rPr lang="en-US" dirty="0"/>
+              <a:t>Examples of Ill-Posed Problems</a:t>
+            </a:r>
+          </a:p>
+        </p:txBody>
+      </p:sp>
+      <p:sp>
+        <p:nvSpPr>
+          <p:cNvPr id="4" name="Slide Number Placeholder 3">
+            <a:extLst>
+              <a:ext uri="{FF2B5EF4-FFF2-40B4-BE49-F238E27FC236}">
+                <a16:creationId xmlns:a16="http://schemas.microsoft.com/office/drawing/2014/main" id="{EB1D22C4-A393-B9C9-7A48-C7BECB00C1EA}"/>
+              </a:ext>
+            </a:extLst>
+          </p:cNvPr>
+          <p:cNvSpPr>
+            <a:spLocks noGrp="1"/>
+          </p:cNvSpPr>
+          <p:nvPr>
+            <p:ph type="sldNum" sz="quarter" idx="12"/>
+          </p:nvPr>
+        </p:nvSpPr>
+        <p:spPr/>
+        <p:txBody>
+          <a:bodyPr/>
+          <a:lstStyle/>
+          <a:p>
+            <a:fld id="{D95F4311-C1C1-468E-90BA-469E1A493750}" type="slidenum">
+              <a:rPr lang="en-US" smtClean="0"/>
+              <a:t>7</a:t>
+            </a:fld>
+            <a:endParaRPr lang="en-US"/>
+          </a:p>
+        </p:txBody>
+      </p:sp>
+      <mc:AlternateContent xmlns:mc="http://schemas.openxmlformats.org/markup-compatibility/2006" xmlns:a14="http://schemas.microsoft.com/office/drawing/2010/main">
+        <mc:Choice Requires="a14">
+          <p:sp>
+            <p:nvSpPr>
+              <p:cNvPr id="7" name="Content Placeholder 6">
+                <a:extLst>
+                  <a:ext uri="{FF2B5EF4-FFF2-40B4-BE49-F238E27FC236}">
+                    <a16:creationId xmlns:a16="http://schemas.microsoft.com/office/drawing/2014/main" id="{0F8E1253-12A4-4990-0B7E-782116A5BCAD}"/>
+                  </a:ext>
+                </a:extLst>
+              </p:cNvPr>
+              <p:cNvSpPr>
+                <a:spLocks noGrp="1"/>
+              </p:cNvSpPr>
+              <p:nvPr>
+                <p:ph idx="1"/>
+              </p:nvPr>
+            </p:nvSpPr>
+            <p:spPr>
+              <a:xfrm>
+                <a:off x="838200" y="1577797"/>
+                <a:ext cx="10515600" cy="4778553"/>
+              </a:xfrm>
+            </p:spPr>
+            <p:txBody>
+              <a:bodyPr>
+                <a:normAutofit/>
+              </a:bodyPr>
+              <a:lstStyle/>
+              <a:p>
+                <a:pPr marL="0" indent="0">
+                  <a:buNone/>
+                </a:pPr>
+                <a14:m>
+                  <m:oMathPara xmlns:m="http://schemas.openxmlformats.org/officeDocument/2006/math">
+                    <m:oMathParaPr>
+                      <m:jc m:val="left"/>
+                    </m:oMathParaPr>
+                    <m:oMath xmlns:m="http://schemas.openxmlformats.org/officeDocument/2006/math">
+                      <m:r>
+                        <a:rPr lang="en-US" sz="1800" b="0" i="1" smtClean="0">
+                          <a:latin typeface="Cambria Math" panose="02040503050406030204" pitchFamily="18" charset="0"/>
+                        </a:rPr>
+                        <m:t>𝑥</m:t>
+                      </m:r>
+                      <m:r>
+                        <a:rPr lang="en-US" sz="1800" b="0" i="1" smtClean="0">
+                          <a:latin typeface="Cambria Math" panose="02040503050406030204" pitchFamily="18" charset="0"/>
+                        </a:rPr>
+                        <m:t>+</m:t>
+                      </m:r>
+                      <m:r>
+                        <a:rPr lang="en-US" sz="1800" b="0" i="1" smtClean="0">
+                          <a:latin typeface="Cambria Math" panose="02040503050406030204" pitchFamily="18" charset="0"/>
+                        </a:rPr>
+                        <m:t>𝑦</m:t>
+                      </m:r>
+                      <m:r>
+                        <a:rPr lang="en-US" sz="1800" i="1" smtClean="0">
+                          <a:latin typeface="Cambria Math" panose="02040503050406030204" pitchFamily="18" charset="0"/>
+                        </a:rPr>
+                        <m:t>=</m:t>
+                      </m:r>
+                      <m:r>
+                        <a:rPr lang="en-US" sz="1800" b="0" i="1" smtClean="0">
+                          <a:latin typeface="Cambria Math" panose="02040503050406030204" pitchFamily="18" charset="0"/>
+                        </a:rPr>
+                        <m:t>10</m:t>
+                      </m:r>
+                    </m:oMath>
+                  </m:oMathPara>
+                </a14:m>
+                <a:endParaRPr lang="en-US" sz="1800" dirty="0"/>
+              </a:p>
+              <a:p>
+                <a:endParaRPr lang="en-US" sz="1800" dirty="0"/>
+              </a:p>
+              <a:p>
+                <a:pPr marL="0" indent="0">
+                  <a:buNone/>
+                </a:pPr>
+                <a:r>
+                  <a:rPr lang="en-US" sz="1800" dirty="0"/>
+                  <a:t>Existence </a:t>
+                </a:r>
+                <a:r>
+                  <a:rPr lang="en-US" sz="1800" dirty="0">
+                    <a:solidFill>
+                      <a:schemeClr val="accent6"/>
+                    </a:solidFill>
+                  </a:rPr>
+                  <a:t>✓ </a:t>
+                </a:r>
+                <a:r>
+                  <a:rPr lang="en-US" sz="1800" dirty="0"/>
+                  <a:t>- x can be solved for</a:t>
+                </a:r>
+              </a:p>
+              <a:p>
+                <a:pPr marL="0" indent="0">
+                  <a:buNone/>
+                </a:pPr>
+                <a:r>
+                  <a:rPr lang="en-US" sz="1800" dirty="0"/>
+                  <a:t>Uniqueness </a:t>
+                </a:r>
+                <a:r>
+                  <a:rPr lang="en-US" sz="1800" dirty="0">
+                    <a:solidFill>
+                      <a:srgbClr val="FF0000"/>
+                    </a:solidFill>
+                  </a:rPr>
+                  <a:t>✗</a:t>
+                </a:r>
+                <a:r>
+                  <a:rPr lang="en-US" sz="1800" dirty="0"/>
+                  <a:t> - there is more than one value for </a:t>
+                </a:r>
+                <a14:m>
+                  <m:oMath xmlns:m="http://schemas.openxmlformats.org/officeDocument/2006/math">
+                    <m:r>
+                      <a:rPr lang="en-US" sz="1800" b="0" i="1" smtClean="0">
+                        <a:latin typeface="Cambria Math" panose="02040503050406030204" pitchFamily="18" charset="0"/>
+                      </a:rPr>
+                      <m:t>𝑥</m:t>
+                    </m:r>
+                  </m:oMath>
+                </a14:m>
+                <a:r>
+                  <a:rPr lang="en-US" sz="1800" dirty="0"/>
+                  <a:t> and </a:t>
+                </a:r>
+                <a14:m>
+                  <m:oMath xmlns:m="http://schemas.openxmlformats.org/officeDocument/2006/math">
+                    <m:r>
+                      <a:rPr lang="en-US" sz="1800" b="0" i="1" smtClean="0">
+                        <a:latin typeface="Cambria Math" panose="02040503050406030204" pitchFamily="18" charset="0"/>
+                      </a:rPr>
+                      <m:t>𝑦</m:t>
+                    </m:r>
+                  </m:oMath>
+                </a14:m>
+                <a:r>
+                  <a:rPr lang="en-US" sz="1800" dirty="0"/>
+                  <a:t> that solves the problem ; infinitely many solutions</a:t>
+                </a:r>
+              </a:p>
+              <a:p>
+                <a:r>
+                  <a:rPr lang="en-US" sz="1800" dirty="0"/>
+                  <a:t>Examples: </a:t>
+                </a:r>
+                <a14:m>
+                  <m:oMath xmlns:m="http://schemas.openxmlformats.org/officeDocument/2006/math">
+                    <m:d>
+                      <m:dPr>
+                        <m:ctrlPr>
+                          <a:rPr lang="en-US" sz="1800" b="0" i="1" smtClean="0">
+                            <a:latin typeface="Cambria Math" panose="02040503050406030204" pitchFamily="18" charset="0"/>
+                          </a:rPr>
+                        </m:ctrlPr>
+                      </m:dPr>
+                      <m:e>
+                        <m:r>
+                          <a:rPr lang="en-US" sz="1800" b="0" i="1" smtClean="0">
+                            <a:latin typeface="Cambria Math" panose="02040503050406030204" pitchFamily="18" charset="0"/>
+                          </a:rPr>
+                          <m:t>𝑥</m:t>
+                        </m:r>
+                        <m:r>
+                          <a:rPr lang="en-US" sz="1800" b="0" i="1" smtClean="0">
+                            <a:latin typeface="Cambria Math" panose="02040503050406030204" pitchFamily="18" charset="0"/>
+                          </a:rPr>
+                          <m:t>,</m:t>
+                        </m:r>
+                        <m:r>
+                          <a:rPr lang="en-US" sz="1800" b="0" i="1" smtClean="0">
+                            <a:latin typeface="Cambria Math" panose="02040503050406030204" pitchFamily="18" charset="0"/>
+                          </a:rPr>
+                          <m:t>𝑦</m:t>
+                        </m:r>
+                      </m:e>
+                    </m:d>
+                    <m:r>
+                      <a:rPr lang="en-US" sz="1800" b="0" i="1" smtClean="0">
+                        <a:latin typeface="Cambria Math" panose="02040503050406030204" pitchFamily="18" charset="0"/>
+                      </a:rPr>
+                      <m:t>=</m:t>
+                    </m:r>
+                    <m:d>
+                      <m:dPr>
+                        <m:ctrlPr>
+                          <a:rPr lang="en-US" sz="1800" b="0" i="1" smtClean="0">
+                            <a:latin typeface="Cambria Math" panose="02040503050406030204" pitchFamily="18" charset="0"/>
+                          </a:rPr>
+                        </m:ctrlPr>
+                      </m:dPr>
+                      <m:e>
+                        <m:r>
+                          <a:rPr lang="en-US" sz="1800" b="0" i="1" smtClean="0">
+                            <a:latin typeface="Cambria Math" panose="02040503050406030204" pitchFamily="18" charset="0"/>
+                          </a:rPr>
+                          <m:t>0 , 10</m:t>
+                        </m:r>
+                      </m:e>
+                    </m:d>
+                    <m:r>
+                      <a:rPr lang="en-US" sz="1800" b="0" i="1" smtClean="0">
+                        <a:latin typeface="Cambria Math" panose="02040503050406030204" pitchFamily="18" charset="0"/>
+                      </a:rPr>
+                      <m:t>,</m:t>
+                    </m:r>
+                    <m:d>
+                      <m:dPr>
+                        <m:ctrlPr>
+                          <a:rPr lang="en-US" sz="1800" b="0" i="1" smtClean="0">
+                            <a:latin typeface="Cambria Math" panose="02040503050406030204" pitchFamily="18" charset="0"/>
+                          </a:rPr>
+                        </m:ctrlPr>
+                      </m:dPr>
+                      <m:e>
+                        <m:r>
+                          <a:rPr lang="en-US" sz="1800" b="0" i="1" smtClean="0">
+                            <a:latin typeface="Cambria Math" panose="02040503050406030204" pitchFamily="18" charset="0"/>
+                          </a:rPr>
+                          <m:t>2 , 8</m:t>
+                        </m:r>
+                      </m:e>
+                    </m:d>
+                    <m:r>
+                      <a:rPr lang="en-US" sz="1800" b="0" i="1" smtClean="0">
+                        <a:latin typeface="Cambria Math" panose="02040503050406030204" pitchFamily="18" charset="0"/>
+                      </a:rPr>
+                      <m:t>, </m:t>
+                    </m:r>
+                    <m:d>
+                      <m:dPr>
+                        <m:ctrlPr>
+                          <a:rPr lang="en-US" sz="1800" b="0" i="1" smtClean="0">
+                            <a:latin typeface="Cambria Math" panose="02040503050406030204" pitchFamily="18" charset="0"/>
+                          </a:rPr>
+                        </m:ctrlPr>
+                      </m:dPr>
+                      <m:e>
+                        <m:r>
+                          <a:rPr lang="en-US" sz="1800" b="0" i="1" smtClean="0">
+                            <a:latin typeface="Cambria Math" panose="02040503050406030204" pitchFamily="18" charset="0"/>
+                          </a:rPr>
+                          <m:t>5 , 5</m:t>
+                        </m:r>
+                      </m:e>
+                    </m:d>
+                  </m:oMath>
+                </a14:m>
+                <a:endParaRPr lang="en-US" sz="1800" dirty="0"/>
+              </a:p>
+              <a:p>
+                <a:pPr marL="0" indent="0">
+                  <a:buNone/>
+                </a:pPr>
+                <a:r>
+                  <a:rPr lang="en-US" sz="1800" dirty="0"/>
+                  <a:t>Stability </a:t>
+                </a:r>
+                <a:r>
+                  <a:rPr lang="en-US" sz="1800" dirty="0">
+                    <a:solidFill>
+                      <a:schemeClr val="accent6"/>
+                    </a:solidFill>
+                  </a:rPr>
+                  <a:t>✓</a:t>
+                </a:r>
+                <a:r>
+                  <a:rPr lang="en-US" sz="1800" dirty="0"/>
+                  <a:t> - small changes in the input do not influence the solution </a:t>
+                </a:r>
+              </a:p>
+              <a:p>
+                <a:pPr marL="0" indent="0">
+                  <a:buNone/>
+                </a:pPr>
+                <a:endParaRPr lang="en-US" sz="1800" dirty="0"/>
+              </a:p>
+              <a:p>
+                <a:pPr marL="0" indent="0">
+                  <a:buNone/>
+                </a:pPr>
+                <a14:m>
+                  <m:oMathPara xmlns:m="http://schemas.openxmlformats.org/officeDocument/2006/math">
+                    <m:oMathParaPr>
+                      <m:jc m:val="left"/>
+                    </m:oMathParaPr>
+                    <m:oMath xmlns:m="http://schemas.openxmlformats.org/officeDocument/2006/math">
+                      <m:d>
+                        <m:dPr>
+                          <m:begChr m:val="{"/>
+                          <m:endChr m:val=""/>
+                          <m:ctrlPr>
+                            <a:rPr lang="en-US" sz="1800" i="1" smtClean="0">
+                              <a:latin typeface="Cambria Math" panose="02040503050406030204" pitchFamily="18" charset="0"/>
+                            </a:rPr>
+                          </m:ctrlPr>
+                        </m:dPr>
+                        <m:e>
+                          <m:m>
+                            <m:mPr>
+                              <m:mcs>
+                                <m:mc>
+                                  <m:mcPr>
+                                    <m:count m:val="1"/>
+                                    <m:mcJc m:val="center"/>
+                                  </m:mcPr>
+                                </m:mc>
+                              </m:mcs>
+                              <m:ctrlPr>
+                                <a:rPr lang="en-US" sz="1800" i="1" smtClean="0">
+                                  <a:latin typeface="Cambria Math" panose="02040503050406030204" pitchFamily="18" charset="0"/>
+                                </a:rPr>
+                              </m:ctrlPr>
+                            </m:mPr>
+                            <m:mr>
+                              <m:e>
+                                <m:r>
+                                  <m:rPr>
+                                    <m:brk m:alnAt="7"/>
+                                  </m:rPr>
+                                  <a:rPr lang="en-US" sz="1800" b="0" i="1" smtClean="0">
+                                    <a:latin typeface="Cambria Math" panose="02040503050406030204" pitchFamily="18" charset="0"/>
+                                  </a:rPr>
+                                  <m:t>𝑥</m:t>
+                                </m:r>
+                                <m:r>
+                                  <a:rPr lang="en-US" sz="1800" b="0" i="1" smtClean="0">
+                                    <a:latin typeface="Cambria Math" panose="02040503050406030204" pitchFamily="18" charset="0"/>
+                                  </a:rPr>
+                                  <m:t>+</m:t>
+                                </m:r>
+                                <m:r>
+                                  <a:rPr lang="en-US" sz="1800" b="0" i="1" smtClean="0">
+                                    <a:latin typeface="Cambria Math" panose="02040503050406030204" pitchFamily="18" charset="0"/>
+                                  </a:rPr>
+                                  <m:t>𝑦</m:t>
+                                </m:r>
+                                <m:r>
+                                  <a:rPr lang="en-US" sz="1800" b="0" i="1" smtClean="0">
+                                    <a:latin typeface="Cambria Math" panose="02040503050406030204" pitchFamily="18" charset="0"/>
+                                  </a:rPr>
+                                  <m:t>=10</m:t>
+                                </m:r>
+                              </m:e>
+                            </m:mr>
+                            <m:mr>
+                              <m:e>
+                                <m:r>
+                                  <a:rPr lang="en-US" sz="1800" b="0" i="1" smtClean="0">
+                                    <a:latin typeface="Cambria Math" panose="02040503050406030204" pitchFamily="18" charset="0"/>
+                                  </a:rPr>
+                                  <m:t>𝑥</m:t>
+                                </m:r>
+                                <m:r>
+                                  <a:rPr lang="en-US" sz="1800" b="0" i="1" smtClean="0">
+                                    <a:latin typeface="Cambria Math" panose="02040503050406030204" pitchFamily="18" charset="0"/>
+                                  </a:rPr>
+                                  <m:t>+</m:t>
+                                </m:r>
+                                <m:r>
+                                  <a:rPr lang="en-US" sz="1800" b="0" i="1" smtClean="0">
+                                    <a:latin typeface="Cambria Math" panose="02040503050406030204" pitchFamily="18" charset="0"/>
+                                  </a:rPr>
+                                  <m:t>𝑦</m:t>
+                                </m:r>
+                                <m:r>
+                                  <a:rPr lang="en-US" sz="1800" b="0" i="1" smtClean="0">
+                                    <a:latin typeface="Cambria Math" panose="02040503050406030204" pitchFamily="18" charset="0"/>
+                                  </a:rPr>
+                                  <m:t>=12</m:t>
+                                </m:r>
+                              </m:e>
+                            </m:mr>
+                          </m:m>
+                        </m:e>
+                      </m:d>
+                    </m:oMath>
+                  </m:oMathPara>
+                </a14:m>
+                <a:endParaRPr lang="en-US" sz="1800" dirty="0"/>
+              </a:p>
+              <a:p>
+                <a:pPr marL="0" indent="0">
+                  <a:buNone/>
+                </a:pPr>
+                <a:endParaRPr lang="en-US" sz="1800" dirty="0"/>
+              </a:p>
+              <a:p>
+                <a:pPr marL="0" indent="0">
+                  <a:buNone/>
+                </a:pPr>
+                <a:r>
+                  <a:rPr lang="en-US" sz="1800" dirty="0"/>
+                  <a:t>Existence </a:t>
+                </a:r>
+                <a:r>
+                  <a:rPr lang="en-US" sz="1800" dirty="0">
+                    <a:solidFill>
+                      <a:srgbClr val="FF0000"/>
+                    </a:solidFill>
+                  </a:rPr>
+                  <a:t>✗</a:t>
+                </a:r>
+                <a:r>
+                  <a:rPr lang="en-US" sz="1800" dirty="0">
+                    <a:solidFill>
+                      <a:schemeClr val="accent6"/>
+                    </a:solidFill>
+                  </a:rPr>
+                  <a:t> </a:t>
+                </a:r>
+                <a:r>
+                  <a:rPr lang="en-US" sz="1800" dirty="0"/>
+                  <a:t>- x and y cannot be solved for ; if </a:t>
+                </a:r>
+                <a14:m>
+                  <m:oMath xmlns:m="http://schemas.openxmlformats.org/officeDocument/2006/math">
+                    <m:r>
+                      <m:rPr>
+                        <m:brk m:alnAt="7"/>
+                      </m:rPr>
+                      <a:rPr lang="en-US" sz="1800" i="1">
+                        <a:latin typeface="Cambria Math" panose="02040503050406030204" pitchFamily="18" charset="0"/>
+                      </a:rPr>
+                      <m:t>𝑥</m:t>
+                    </m:r>
+                    <m:r>
+                      <a:rPr lang="en-US" sz="1800" i="1">
+                        <a:latin typeface="Cambria Math" panose="02040503050406030204" pitchFamily="18" charset="0"/>
+                      </a:rPr>
+                      <m:t>+</m:t>
+                    </m:r>
+                    <m:r>
+                      <a:rPr lang="en-US" sz="1800" i="1">
+                        <a:latin typeface="Cambria Math" panose="02040503050406030204" pitchFamily="18" charset="0"/>
+                      </a:rPr>
+                      <m:t>𝑦</m:t>
+                    </m:r>
+                    <m:r>
+                      <a:rPr lang="en-US" sz="1800" i="1">
+                        <a:latin typeface="Cambria Math" panose="02040503050406030204" pitchFamily="18" charset="0"/>
+                      </a:rPr>
+                      <m:t>=10→</m:t>
+                    </m:r>
+                    <m:r>
+                      <a:rPr lang="en-US" sz="1800" i="1">
+                        <a:latin typeface="Cambria Math" panose="02040503050406030204" pitchFamily="18" charset="0"/>
+                      </a:rPr>
+                      <m:t>𝑥</m:t>
+                    </m:r>
+                    <m:r>
+                      <a:rPr lang="en-US" sz="1800" i="1">
+                        <a:latin typeface="Cambria Math" panose="02040503050406030204" pitchFamily="18" charset="0"/>
+                      </a:rPr>
+                      <m:t>+</m:t>
+                    </m:r>
+                    <m:r>
+                      <a:rPr lang="en-US" sz="1800" i="1">
+                        <a:latin typeface="Cambria Math" panose="02040503050406030204" pitchFamily="18" charset="0"/>
+                      </a:rPr>
+                      <m:t>𝑦</m:t>
+                    </m:r>
+                    <m:r>
+                      <a:rPr lang="en-US" sz="1800" i="1" smtClean="0">
+                        <a:latin typeface="Cambria Math" panose="02040503050406030204" pitchFamily="18" charset="0"/>
+                        <a:ea typeface="Cambria Math" panose="02040503050406030204" pitchFamily="18" charset="0"/>
+                      </a:rPr>
+                      <m:t>≠</m:t>
+                    </m:r>
+                    <m:r>
+                      <a:rPr lang="en-US" sz="1800" i="1">
+                        <a:latin typeface="Cambria Math" panose="02040503050406030204" pitchFamily="18" charset="0"/>
+                      </a:rPr>
+                      <m:t>12</m:t>
+                    </m:r>
+                  </m:oMath>
+                </a14:m>
+                <a:r>
+                  <a:rPr lang="en-US" sz="1800" dirty="0"/>
+                  <a:t> and vice versa</a:t>
+                </a:r>
+              </a:p>
+              <a:p>
+                <a:pPr marL="0" indent="0">
+                  <a:buNone/>
+                </a:pPr>
+                <a:r>
+                  <a:rPr lang="en-US" sz="1800" dirty="0"/>
+                  <a:t>Uniqueness </a:t>
+                </a:r>
+                <a:r>
+                  <a:rPr lang="en-US" sz="1800" dirty="0">
+                    <a:solidFill>
+                      <a:srgbClr val="FF0000"/>
+                    </a:solidFill>
+                  </a:rPr>
+                  <a:t>✗</a:t>
+                </a:r>
+                <a:r>
+                  <a:rPr lang="en-US" sz="1800" dirty="0"/>
+                  <a:t> - there is no solution for this problem</a:t>
+                </a:r>
+              </a:p>
+              <a:p>
+                <a:pPr marL="0" indent="0">
+                  <a:buNone/>
+                </a:pPr>
+                <a:r>
+                  <a:rPr lang="en-US" sz="1800" dirty="0"/>
+                  <a:t>Stability </a:t>
+                </a:r>
+                <a:r>
+                  <a:rPr lang="en-US" sz="1800" dirty="0">
+                    <a:solidFill>
+                      <a:schemeClr val="accent6"/>
+                    </a:solidFill>
+                  </a:rPr>
+                  <a:t>✓</a:t>
+                </a:r>
+                <a:r>
+                  <a:rPr lang="en-US" sz="1800" dirty="0"/>
+                  <a:t> - small changes in the input do not influence the solution</a:t>
+                </a:r>
+              </a:p>
+              <a:p>
+                <a:pPr marL="0" indent="0">
+                  <a:buNone/>
+                </a:pPr>
+                <a:endParaRPr lang="en-US" sz="1800" dirty="0"/>
+              </a:p>
+              <a:p>
+                <a:pPr marL="0" indent="0">
+                  <a:buNone/>
+                </a:pPr>
+                <a:endParaRPr lang="en-US" sz="1800" dirty="0"/>
+              </a:p>
+              <a:p>
+                <a:pPr marL="0" indent="0">
+                  <a:buNone/>
+                </a:pPr>
+                <a:endParaRPr lang="en-US" sz="1800" dirty="0"/>
+              </a:p>
+              <a:p>
+                <a:endParaRPr lang="en-US" sz="1800" dirty="0"/>
+              </a:p>
+              <a:p>
+                <a:pPr marL="0" indent="0">
+                  <a:buNone/>
+                </a:pPr>
+                <a:endParaRPr lang="en-US" sz="1800" dirty="0"/>
+              </a:p>
+            </p:txBody>
+          </p:sp>
+        </mc:Choice>
+        <mc:Fallback xmlns="">
+          <p:sp>
+            <p:nvSpPr>
+              <p:cNvPr id="7" name="Content Placeholder 6">
+                <a:extLst>
+                  <a:ext uri="{FF2B5EF4-FFF2-40B4-BE49-F238E27FC236}">
+                    <a16:creationId xmlns:a16="http://schemas.microsoft.com/office/drawing/2014/main" id="{0F8E1253-12A4-4990-0B7E-782116A5BCAD}"/>
+                  </a:ext>
+                </a:extLst>
+              </p:cNvPr>
+              <p:cNvSpPr>
+                <a:spLocks noGrp="1" noRot="1" noChangeAspect="1" noMove="1" noResize="1" noEditPoints="1" noAdjustHandles="1" noChangeArrowheads="1" noChangeShapeType="1" noTextEdit="1"/>
+              </p:cNvSpPr>
+              <p:nvPr>
+                <p:ph idx="1"/>
+              </p:nvPr>
+            </p:nvSpPr>
+            <p:spPr>
+              <a:xfrm>
+                <a:off x="838200" y="1577797"/>
+                <a:ext cx="10515600" cy="4778553"/>
+              </a:xfrm>
+              <a:blipFill>
+                <a:blip r:embed="rId2"/>
+                <a:stretch>
+                  <a:fillRect l="-522"/>
+                </a:stretch>
+              </a:blipFill>
+            </p:spPr>
+            <p:txBody>
+              <a:bodyPr/>
+              <a:lstStyle/>
+              <a:p>
+                <a:r>
+                  <a:rPr lang="en-US">
+                    <a:noFill/>
+                  </a:rPr>
+                  <a:t> </a:t>
+                </a:r>
+              </a:p>
+            </p:txBody>
+          </p:sp>
+        </mc:Fallback>
+      </mc:AlternateContent>
+    </p:spTree>
+    <p:extLst>
+      <p:ext uri="{BB962C8B-B14F-4D97-AF65-F5344CB8AC3E}">
+        <p14:creationId xmlns:p14="http://schemas.microsoft.com/office/powerpoint/2010/main" val="3234829040"/>
+      </p:ext>
+    </p:extLst>
+  </p:cSld>
+  <p:clrMapOvr>
+    <a:masterClrMapping/>
+  </p:clrMapOvr>
+</p:sld>
+</file>
+
+<file path=ppt/slides/slide8.xml><?xml version="1.0" encoding="utf-8"?>
 <p:sld xmlns:a="http://schemas.openxmlformats.org/drawingml/2006/main" xmlns:r="http://schemas.openxmlformats.org/officeDocument/2006/relationships" xmlns:p="http://schemas.openxmlformats.org/presentationml/2006/main">
   <p:cSld>
     <p:spTree>
@@ -9329,7 +14446,7 @@
           <a:p>
             <a:r>
               <a:rPr lang="en-US" dirty="0"/>
-              <a:t>Example 3: Simple Beam</a:t>
+              <a:t>Simple Beam Example – Direct and Inverse</a:t>
             </a:r>
           </a:p>
         </p:txBody>
@@ -9357,14 +14474,14 @@
           <a:p>
             <a:fld id="{D95F4311-C1C1-468E-90BA-469E1A493750}" type="slidenum">
               <a:rPr lang="en-US" smtClean="0"/>
-              <a:t>7</a:t>
+              <a:t>8</a:t>
             </a:fld>
             <a:endParaRPr lang="en-US"/>
           </a:p>
         </p:txBody>
       </p:sp>
-      <mc:AlternateContent xmlns:mc="http://schemas.openxmlformats.org/markup-compatibility/2006">
-        <mc:Choice xmlns:a14="http://schemas.microsoft.com/office/drawing/2010/main" Requires="a14">
+      <mc:AlternateContent xmlns:mc="http://schemas.openxmlformats.org/markup-compatibility/2006" xmlns:a14="http://schemas.microsoft.com/office/drawing/2010/main">
+        <mc:Choice Requires="a14">
           <p:sp>
             <p:nvSpPr>
               <p:cNvPr id="18" name="TextBox 17">
@@ -9493,7 +14610,6 @@
                 <a:endParaRPr lang="en-US" sz="1400" dirty="0"/>
               </a:p>
               <a:p>
-                <a:pPr/>
                 <a:endParaRPr lang="en-US" sz="1400" dirty="0"/>
               </a:p>
               <a:p>
@@ -9549,7 +14665,7 @@
             </p:txBody>
           </p:sp>
         </mc:Choice>
-        <mc:Fallback>
+        <mc:Fallback xmlns="">
           <p:sp>
             <p:nvSpPr>
               <p:cNvPr id="18" name="TextBox 17">
@@ -11226,8 +16342,8 @@
           </p:style>
         </p:cxnSp>
       </p:grpSp>
-      <mc:AlternateContent xmlns:mc="http://schemas.openxmlformats.org/markup-compatibility/2006">
-        <mc:Choice xmlns:a14="http://schemas.microsoft.com/office/drawing/2010/main" Requires="a14">
+      <mc:AlternateContent xmlns:mc="http://schemas.openxmlformats.org/markup-compatibility/2006" xmlns:a14="http://schemas.microsoft.com/office/drawing/2010/main">
+        <mc:Choice Requires="a14">
           <p:sp>
             <p:nvSpPr>
               <p:cNvPr id="76" name="TextBox 75">
@@ -11356,7 +16472,6 @@
                 <a:endParaRPr lang="en-US" sz="1400" dirty="0"/>
               </a:p>
               <a:p>
-                <a:pPr/>
                 <a:endParaRPr lang="en-US" sz="1400" dirty="0"/>
               </a:p>
               <a:p>
@@ -11393,7 +16508,7 @@
             </p:txBody>
           </p:sp>
         </mc:Choice>
-        <mc:Fallback>
+        <mc:Fallback xmlns="">
           <p:sp>
             <p:nvSpPr>
               <p:cNvPr id="76" name="TextBox 75">
@@ -11438,8 +16553,8 @@
           </p:sp>
         </mc:Fallback>
       </mc:AlternateContent>
-      <mc:AlternateContent xmlns:mc="http://schemas.openxmlformats.org/markup-compatibility/2006">
-        <mc:Choice xmlns:a14="http://schemas.microsoft.com/office/drawing/2010/main" Requires="a14">
+      <mc:AlternateContent xmlns:mc="http://schemas.openxmlformats.org/markup-compatibility/2006" xmlns:a14="http://schemas.microsoft.com/office/drawing/2010/main">
+        <mc:Choice Requires="a14">
           <p:sp>
             <p:nvSpPr>
               <p:cNvPr id="3" name="TextBox 2">
@@ -11507,8 +16622,8 @@
                     <m:sSup>
                       <m:sSupPr>
                         <m:ctrlPr>
-                          <a:rPr lang="en-US" sz="1200" b="0" smtClean="0">
-                            <a:latin typeface="+mj-lt"/>
+                          <a:rPr lang="en-US" sz="1200" b="0" i="1" smtClean="0">
+                            <a:latin typeface="Cambria Math" panose="02040503050406030204" pitchFamily="18" charset="0"/>
                           </a:rPr>
                         </m:ctrlPr>
                       </m:sSupPr>
@@ -11541,7 +16656,7 @@
             </p:txBody>
           </p:sp>
         </mc:Choice>
-        <mc:Fallback>
+        <mc:Fallback xmlns="">
           <p:sp>
             <p:nvSpPr>
               <p:cNvPr id="3" name="TextBox 2">
@@ -11586,8 +16701,8 @@
           </p:sp>
         </mc:Fallback>
       </mc:AlternateContent>
-      <mc:AlternateContent xmlns:mc="http://schemas.openxmlformats.org/markup-compatibility/2006">
-        <mc:Choice xmlns:a14="http://schemas.microsoft.com/office/drawing/2010/main" Requires="a14">
+      <mc:AlternateContent xmlns:mc="http://schemas.openxmlformats.org/markup-compatibility/2006" xmlns:a14="http://schemas.microsoft.com/office/drawing/2010/main">
+        <mc:Choice Requires="a14">
           <p:sp>
             <p:nvSpPr>
               <p:cNvPr id="5" name="TextBox 4">
@@ -11655,8 +16770,8 @@
                     <m:sSup>
                       <m:sSupPr>
                         <m:ctrlPr>
-                          <a:rPr lang="en-US" sz="1200" b="0" smtClean="0">
-                            <a:latin typeface="+mj-lt"/>
+                          <a:rPr lang="en-US" sz="1200" b="0" i="1" smtClean="0">
+                            <a:latin typeface="Cambria Math" panose="02040503050406030204" pitchFamily="18" charset="0"/>
                           </a:rPr>
                         </m:ctrlPr>
                       </m:sSupPr>
@@ -11689,7 +16804,7 @@
             </p:txBody>
           </p:sp>
         </mc:Choice>
-        <mc:Fallback>
+        <mc:Fallback xmlns="">
           <p:sp>
             <p:nvSpPr>
               <p:cNvPr id="5" name="TextBox 4">
@@ -11747,7 +16862,7 @@
 </p:sld>
 </file>
 
-<file path=ppt/slides/slide8.xml><?xml version="1.0" encoding="utf-8"?>
+<file path=ppt/slides/slide9.xml><?xml version="1.0" encoding="utf-8"?>
 <p:sld xmlns:a="http://schemas.openxmlformats.org/drawingml/2006/main" xmlns:r="http://schemas.openxmlformats.org/officeDocument/2006/relationships" xmlns:p="http://schemas.openxmlformats.org/presentationml/2006/main">
   <p:cSld>
     <p:spTree>
@@ -11828,7 +16943,7 @@
             </a:pPr>
             <a:r>
               <a:rPr lang="en-US" sz="1600" dirty="0"/>
-              <a:t>The direct problem has known input parameters and a governing equation to compute the results. </a:t>
+              <a:t>The direct problem has known input parameters and a forward model to compute the results. </a:t>
             </a:r>
           </a:p>
           <a:p>
@@ -11843,7 +16958,7 @@
             </a:pPr>
             <a:r>
               <a:rPr lang="en-US" sz="1600" dirty="0"/>
-              <a:t>The inverse problem has an observed output and some input parameters— the governing equation must be back-solved to find the missing input parameter.</a:t>
+              <a:t>The inverse problem has an observed output and some input parameters— the governing equation from the forward model must be back-solved to find the missing input parameter.</a:t>
             </a:r>
           </a:p>
           <a:p>
@@ -11901,7 +17016,7 @@
             </a:pPr>
             <a:r>
               <a:rPr lang="en-US" sz="1600" dirty="0"/>
-              <a:t>Stability – the inputs depends on the outputs, vice versa </a:t>
+              <a:t>Stability – small changes in the input do not influence the solution </a:t>
             </a:r>
             <a:r>
               <a:rPr lang="en-US" sz="1600" dirty="0">
@@ -11928,15 +17043,15 @@
             </a:pPr>
             <a:r>
               <a:rPr lang="en-US" sz="1600" dirty="0"/>
-              <a:t>Therefore, this is a well-posed direct </a:t>
+              <a:t>Therefore, this is a </a:t>
             </a:r>
             <a:r>
               <a:rPr lang="en-US" sz="1600" u="sng" dirty="0"/>
-              <a:t>and</a:t>
+              <a:t>well-posed</a:t>
             </a:r>
             <a:r>
               <a:rPr lang="en-US" sz="1600" dirty="0"/>
-              <a:t> inverse problem.</a:t>
+              <a:t> direct and inverse problem. </a:t>
             </a:r>
           </a:p>
           <a:p>
@@ -11970,7 +17085,7 @@
           <a:p>
             <a:fld id="{D95F4311-C1C1-468E-90BA-469E1A493750}" type="slidenum">
               <a:rPr lang="en-US" smtClean="0"/>
-              <a:t>8</a:t>
+              <a:t>9</a:t>
             </a:fld>
             <a:endParaRPr lang="en-US"/>
           </a:p>
@@ -12628,1219 +17743,6 @@
     <p:extLst>
       <p:ext uri="{BB962C8B-B14F-4D97-AF65-F5344CB8AC3E}">
         <p14:creationId xmlns:p14="http://schemas.microsoft.com/office/powerpoint/2010/main" val="2052059140"/>
-      </p:ext>
-    </p:extLst>
-  </p:cSld>
-  <p:clrMapOvr>
-    <a:masterClrMapping/>
-  </p:clrMapOvr>
-</p:sld>
-</file>
-
-<file path=ppt/slides/slide9.xml><?xml version="1.0" encoding="utf-8"?>
-<p:sld xmlns:a="http://schemas.openxmlformats.org/drawingml/2006/main" xmlns:r="http://schemas.openxmlformats.org/officeDocument/2006/relationships" xmlns:p="http://schemas.openxmlformats.org/presentationml/2006/main">
-  <p:cSld>
-    <p:spTree>
-      <p:nvGrpSpPr>
-        <p:cNvPr id="1" name="">
-          <a:extLst>
-            <a:ext uri="{FF2B5EF4-FFF2-40B4-BE49-F238E27FC236}">
-              <a16:creationId xmlns:a16="http://schemas.microsoft.com/office/drawing/2014/main" id="{88CBF3F3-4395-CEEC-ABF4-F5E7416A030C}"/>
-            </a:ext>
-          </a:extLst>
-        </p:cNvPr>
-        <p:cNvGrpSpPr/>
-        <p:nvPr/>
-      </p:nvGrpSpPr>
-      <p:grpSpPr>
-        <a:xfrm>
-          <a:off x="0" y="0"/>
-          <a:ext cx="0" cy="0"/>
-          <a:chOff x="0" y="0"/>
-          <a:chExt cx="0" cy="0"/>
-        </a:xfrm>
-      </p:grpSpPr>
-      <p:sp>
-        <p:nvSpPr>
-          <p:cNvPr id="2" name="Title 1">
-            <a:extLst>
-              <a:ext uri="{FF2B5EF4-FFF2-40B4-BE49-F238E27FC236}">
-                <a16:creationId xmlns:a16="http://schemas.microsoft.com/office/drawing/2014/main" id="{419EA7D1-58C7-0A15-0C9F-7F252B396756}"/>
-              </a:ext>
-            </a:extLst>
-          </p:cNvPr>
-          <p:cNvSpPr>
-            <a:spLocks noGrp="1"/>
-          </p:cNvSpPr>
-          <p:nvPr>
-            <p:ph type="title"/>
-          </p:nvPr>
-        </p:nvSpPr>
-        <p:spPr/>
-        <p:txBody>
-          <a:bodyPr>
-            <a:normAutofit fontScale="90000"/>
-          </a:bodyPr>
-          <a:lstStyle/>
-          <a:p>
-            <a:r>
-              <a:rPr lang="en-US" dirty="0"/>
-              <a:t>Example: Simple Beam with Two Materials</a:t>
-            </a:r>
-          </a:p>
-        </p:txBody>
-      </p:sp>
-      <p:sp>
-        <p:nvSpPr>
-          <p:cNvPr id="4" name="Slide Number Placeholder 3">
-            <a:extLst>
-              <a:ext uri="{FF2B5EF4-FFF2-40B4-BE49-F238E27FC236}">
-                <a16:creationId xmlns:a16="http://schemas.microsoft.com/office/drawing/2014/main" id="{FD1A7230-4C77-DCEF-EF5D-0D29C801BD32}"/>
-              </a:ext>
-            </a:extLst>
-          </p:cNvPr>
-          <p:cNvSpPr>
-            <a:spLocks noGrp="1"/>
-          </p:cNvSpPr>
-          <p:nvPr>
-            <p:ph type="sldNum" sz="quarter" idx="12"/>
-          </p:nvPr>
-        </p:nvSpPr>
-        <p:spPr/>
-        <p:txBody>
-          <a:bodyPr/>
-          <a:lstStyle/>
-          <a:p>
-            <a:fld id="{D95F4311-C1C1-468E-90BA-469E1A493750}" type="slidenum">
-              <a:rPr lang="en-US" smtClean="0"/>
-              <a:t>9</a:t>
-            </a:fld>
-            <a:endParaRPr lang="en-US"/>
-          </a:p>
-        </p:txBody>
-      </p:sp>
-      <p:grpSp>
-        <p:nvGrpSpPr>
-          <p:cNvPr id="23" name="Group 22">
-            <a:extLst>
-              <a:ext uri="{FF2B5EF4-FFF2-40B4-BE49-F238E27FC236}">
-                <a16:creationId xmlns:a16="http://schemas.microsoft.com/office/drawing/2014/main" id="{83AAE03C-392A-6622-B917-D78226FD79DC}"/>
-              </a:ext>
-            </a:extLst>
-          </p:cNvPr>
-          <p:cNvGrpSpPr/>
-          <p:nvPr/>
-        </p:nvGrpSpPr>
-        <p:grpSpPr>
-          <a:xfrm>
-            <a:off x="3785775" y="3875666"/>
-            <a:ext cx="4144962" cy="2316797"/>
-            <a:chOff x="3877215" y="3290450"/>
-            <a:chExt cx="4144962" cy="2316797"/>
-          </a:xfrm>
-        </p:grpSpPr>
-        <p:grpSp>
-          <p:nvGrpSpPr>
-            <p:cNvPr id="5" name="Group 4">
-              <a:extLst>
-                <a:ext uri="{FF2B5EF4-FFF2-40B4-BE49-F238E27FC236}">
-                  <a16:creationId xmlns:a16="http://schemas.microsoft.com/office/drawing/2014/main" id="{4352AE2F-73E3-3B21-1584-A2276E5654E6}"/>
-                </a:ext>
-              </a:extLst>
-            </p:cNvPr>
-            <p:cNvGrpSpPr/>
-            <p:nvPr/>
-          </p:nvGrpSpPr>
-          <p:grpSpPr>
-            <a:xfrm>
-              <a:off x="3877215" y="3290450"/>
-              <a:ext cx="4144962" cy="2316797"/>
-              <a:chOff x="1251331" y="1945303"/>
-              <a:chExt cx="3207259" cy="1975562"/>
-            </a:xfrm>
-          </p:grpSpPr>
-          <p:cxnSp>
-            <p:nvCxnSpPr>
-              <p:cNvPr id="6" name="Straight Connector 5">
-                <a:extLst>
-                  <a:ext uri="{FF2B5EF4-FFF2-40B4-BE49-F238E27FC236}">
-                    <a16:creationId xmlns:a16="http://schemas.microsoft.com/office/drawing/2014/main" id="{AE70D61D-3BA9-6B0D-4F03-E85D98AF3C88}"/>
-                  </a:ext>
-                </a:extLst>
-              </p:cNvPr>
-              <p:cNvCxnSpPr>
-                <a:cxnSpLocks/>
-              </p:cNvCxnSpPr>
-              <p:nvPr/>
-            </p:nvCxnSpPr>
-            <p:spPr>
-              <a:xfrm>
-                <a:off x="1251331" y="3148491"/>
-                <a:ext cx="1545984" cy="0"/>
-              </a:xfrm>
-              <a:prstGeom prst="line">
-                <a:avLst/>
-              </a:prstGeom>
-              <a:ln w="57150">
-                <a:solidFill>
-                  <a:schemeClr val="tx2">
-                    <a:lumMod val="75000"/>
-                    <a:lumOff val="25000"/>
-                  </a:schemeClr>
-                </a:solidFill>
-              </a:ln>
-            </p:spPr>
-            <p:style>
-              <a:lnRef idx="2">
-                <a:schemeClr val="dk1"/>
-              </a:lnRef>
-              <a:fillRef idx="0">
-                <a:schemeClr val="dk1"/>
-              </a:fillRef>
-              <a:effectRef idx="1">
-                <a:schemeClr val="dk1"/>
-              </a:effectRef>
-              <a:fontRef idx="minor">
-                <a:schemeClr val="tx1"/>
-              </a:fontRef>
-            </p:style>
-          </p:cxnSp>
-          <p:sp>
-            <p:nvSpPr>
-              <p:cNvPr id="7" name="Oval 6">
-                <a:extLst>
-                  <a:ext uri="{FF2B5EF4-FFF2-40B4-BE49-F238E27FC236}">
-                    <a16:creationId xmlns:a16="http://schemas.microsoft.com/office/drawing/2014/main" id="{0DB6F6EF-3AD9-68E3-B5CC-5F99CFBA561F}"/>
-                  </a:ext>
-                </a:extLst>
-              </p:cNvPr>
-              <p:cNvSpPr/>
-              <p:nvPr/>
-            </p:nvSpPr>
-            <p:spPr>
-              <a:xfrm>
-                <a:off x="4189805" y="3148491"/>
-                <a:ext cx="268785" cy="287394"/>
-              </a:xfrm>
-              <a:prstGeom prst="ellipse">
-                <a:avLst/>
-              </a:prstGeom>
-              <a:solidFill>
-                <a:schemeClr val="dk1"/>
-              </a:solidFill>
-              <a:ln>
-                <a:noFill/>
-              </a:ln>
-            </p:spPr>
-            <p:style>
-              <a:lnRef idx="0">
-                <a:scrgbClr r="0" g="0" b="0"/>
-              </a:lnRef>
-              <a:fillRef idx="0">
-                <a:scrgbClr r="0" g="0" b="0"/>
-              </a:fillRef>
-              <a:effectRef idx="0">
-                <a:scrgbClr r="0" g="0" b="0"/>
-              </a:effectRef>
-              <a:fontRef idx="minor">
-                <a:schemeClr val="lt1"/>
-              </a:fontRef>
-            </p:style>
-            <p:txBody>
-              <a:bodyPr rtlCol="0" anchor="ctr"/>
-              <a:lstStyle/>
-              <a:p>
-                <a:pPr algn="ctr"/>
-                <a:endParaRPr lang="en-US" dirty="0"/>
-              </a:p>
-            </p:txBody>
-          </p:sp>
-          <p:sp>
-            <p:nvSpPr>
-              <p:cNvPr id="8" name="Isosceles Triangle 7">
-                <a:extLst>
-                  <a:ext uri="{FF2B5EF4-FFF2-40B4-BE49-F238E27FC236}">
-                    <a16:creationId xmlns:a16="http://schemas.microsoft.com/office/drawing/2014/main" id="{C8830986-FA06-8B67-7806-1624C2C03004}"/>
-                  </a:ext>
-                </a:extLst>
-              </p:cNvPr>
-              <p:cNvSpPr/>
-              <p:nvPr/>
-            </p:nvSpPr>
-            <p:spPr>
-              <a:xfrm>
-                <a:off x="1277620" y="3148491"/>
-                <a:ext cx="246888" cy="261741"/>
-              </a:xfrm>
-              <a:prstGeom prst="triangle">
-                <a:avLst/>
-              </a:prstGeom>
-              <a:solidFill>
-                <a:schemeClr val="dk1"/>
-              </a:solidFill>
-              <a:ln>
-                <a:noFill/>
-              </a:ln>
-            </p:spPr>
-            <p:style>
-              <a:lnRef idx="0">
-                <a:scrgbClr r="0" g="0" b="0"/>
-              </a:lnRef>
-              <a:fillRef idx="0">
-                <a:scrgbClr r="0" g="0" b="0"/>
-              </a:fillRef>
-              <a:effectRef idx="0">
-                <a:scrgbClr r="0" g="0" b="0"/>
-              </a:effectRef>
-              <a:fontRef idx="minor">
-                <a:schemeClr val="lt1"/>
-              </a:fontRef>
-            </p:style>
-            <p:txBody>
-              <a:bodyPr rtlCol="0" anchor="ctr"/>
-              <a:lstStyle/>
-              <a:p>
-                <a:pPr algn="ctr"/>
-                <a:endParaRPr lang="en-US"/>
-              </a:p>
-            </p:txBody>
-          </p:sp>
-          <p:cxnSp>
-            <p:nvCxnSpPr>
-              <p:cNvPr id="9" name="Straight Arrow Connector 8">
-                <a:extLst>
-                  <a:ext uri="{FF2B5EF4-FFF2-40B4-BE49-F238E27FC236}">
-                    <a16:creationId xmlns:a16="http://schemas.microsoft.com/office/drawing/2014/main" id="{D740EC8C-D99B-21A9-B378-89D858E71012}"/>
-                  </a:ext>
-                </a:extLst>
-              </p:cNvPr>
-              <p:cNvCxnSpPr/>
-              <p:nvPr/>
-            </p:nvCxnSpPr>
-            <p:spPr>
-              <a:xfrm>
-                <a:off x="2797315" y="2181504"/>
-                <a:ext cx="0" cy="960120"/>
-              </a:xfrm>
-              <a:prstGeom prst="straightConnector1">
-                <a:avLst/>
-              </a:prstGeom>
-              <a:ln w="38100">
-                <a:tailEnd type="triangle"/>
-              </a:ln>
-            </p:spPr>
-            <p:style>
-              <a:lnRef idx="1">
-                <a:schemeClr val="dk1"/>
-              </a:lnRef>
-              <a:fillRef idx="0">
-                <a:schemeClr val="dk1"/>
-              </a:fillRef>
-              <a:effectRef idx="0">
-                <a:schemeClr val="dk1"/>
-              </a:effectRef>
-              <a:fontRef idx="minor">
-                <a:schemeClr val="tx1"/>
-              </a:fontRef>
-            </p:style>
-          </p:cxnSp>
-          <p:cxnSp>
-            <p:nvCxnSpPr>
-              <p:cNvPr id="10" name="Straight Connector 9">
-                <a:extLst>
-                  <a:ext uri="{FF2B5EF4-FFF2-40B4-BE49-F238E27FC236}">
-                    <a16:creationId xmlns:a16="http://schemas.microsoft.com/office/drawing/2014/main" id="{F1D5C093-87B7-805D-3976-ADEB94F07E32}"/>
-                  </a:ext>
-                </a:extLst>
-              </p:cNvPr>
-              <p:cNvCxnSpPr>
-                <a:cxnSpLocks/>
-              </p:cNvCxnSpPr>
-              <p:nvPr/>
-            </p:nvCxnSpPr>
-            <p:spPr>
-              <a:xfrm>
-                <a:off x="1392891" y="3664365"/>
-                <a:ext cx="2907792" cy="0"/>
-              </a:xfrm>
-              <a:prstGeom prst="line">
-                <a:avLst/>
-              </a:prstGeom>
-            </p:spPr>
-            <p:style>
-              <a:lnRef idx="2">
-                <a:schemeClr val="dk1"/>
-              </a:lnRef>
-              <a:fillRef idx="0">
-                <a:schemeClr val="dk1"/>
-              </a:fillRef>
-              <a:effectRef idx="1">
-                <a:schemeClr val="dk1"/>
-              </a:effectRef>
-              <a:fontRef idx="minor">
-                <a:schemeClr val="tx1"/>
-              </a:fontRef>
-            </p:style>
-          </p:cxnSp>
-          <p:sp>
-            <p:nvSpPr>
-              <p:cNvPr id="11" name="TextBox 10">
-                <a:extLst>
-                  <a:ext uri="{FF2B5EF4-FFF2-40B4-BE49-F238E27FC236}">
-                    <a16:creationId xmlns:a16="http://schemas.microsoft.com/office/drawing/2014/main" id="{7F547F64-4C2E-B5DF-EB35-0110984F2409}"/>
-                  </a:ext>
-                </a:extLst>
-              </p:cNvPr>
-              <p:cNvSpPr txBox="1"/>
-              <p:nvPr/>
-            </p:nvSpPr>
-            <p:spPr>
-              <a:xfrm>
-                <a:off x="2692874" y="3684664"/>
-                <a:ext cx="216071" cy="236201"/>
-              </a:xfrm>
-              <a:prstGeom prst="rect">
-                <a:avLst/>
-              </a:prstGeom>
-              <a:noFill/>
-            </p:spPr>
-            <p:txBody>
-              <a:bodyPr wrap="none" rtlCol="0">
-                <a:spAutoFit/>
-              </a:bodyPr>
-              <a:lstStyle/>
-              <a:p>
-                <a:r>
-                  <a:rPr lang="en-US" sz="1200" dirty="0">
-                    <a:latin typeface="+mj-lt"/>
-                  </a:rPr>
-                  <a:t>L</a:t>
-                </a:r>
-              </a:p>
-            </p:txBody>
-          </p:sp>
-          <p:sp>
-            <p:nvSpPr>
-              <p:cNvPr id="12" name="TextBox 11">
-                <a:extLst>
-                  <a:ext uri="{FF2B5EF4-FFF2-40B4-BE49-F238E27FC236}">
-                    <a16:creationId xmlns:a16="http://schemas.microsoft.com/office/drawing/2014/main" id="{13738A99-0D2A-978F-8E40-4ABD0A2E3B38}"/>
-                  </a:ext>
-                </a:extLst>
-              </p:cNvPr>
-              <p:cNvSpPr txBox="1"/>
-              <p:nvPr/>
-            </p:nvSpPr>
-            <p:spPr>
-              <a:xfrm>
-                <a:off x="2693000" y="1945303"/>
-                <a:ext cx="208629" cy="236201"/>
-              </a:xfrm>
-              <a:prstGeom prst="rect">
-                <a:avLst/>
-              </a:prstGeom>
-              <a:noFill/>
-            </p:spPr>
-            <p:txBody>
-              <a:bodyPr wrap="none" rtlCol="0">
-                <a:spAutoFit/>
-              </a:bodyPr>
-              <a:lstStyle/>
-              <a:p>
-                <a:r>
-                  <a:rPr lang="en-US" sz="1200" dirty="0">
-                    <a:latin typeface="+mj-lt"/>
-                  </a:rPr>
-                  <a:t>P</a:t>
-                </a:r>
-              </a:p>
-            </p:txBody>
-          </p:sp>
-          <p:sp>
-            <p:nvSpPr>
-              <p:cNvPr id="13" name="Freeform: Shape 12">
-                <a:extLst>
-                  <a:ext uri="{FF2B5EF4-FFF2-40B4-BE49-F238E27FC236}">
-                    <a16:creationId xmlns:a16="http://schemas.microsoft.com/office/drawing/2014/main" id="{3A37CA55-F67F-7A8E-C13E-3A402695FC4C}"/>
-                  </a:ext>
-                </a:extLst>
-              </p:cNvPr>
-              <p:cNvSpPr/>
-              <p:nvPr/>
-            </p:nvSpPr>
-            <p:spPr>
-              <a:xfrm>
-                <a:off x="1435608" y="3168789"/>
-                <a:ext cx="2812415" cy="397404"/>
-              </a:xfrm>
-              <a:custGeom>
-                <a:avLst/>
-                <a:gdLst>
-                  <a:gd name="csX0" fmla="*/ 0 w 2889504"/>
-                  <a:gd name="csY0" fmla="*/ 18288 h 420657"/>
-                  <a:gd name="csX1" fmla="*/ 1399032 w 2889504"/>
-                  <a:gd name="csY1" fmla="*/ 420624 h 420657"/>
-                  <a:gd name="csX2" fmla="*/ 2889504 w 2889504"/>
-                  <a:gd name="csY2" fmla="*/ 0 h 420657"/>
-                </a:gdLst>
-                <a:ahLst/>
-                <a:cxnLst>
-                  <a:cxn ang="0">
-                    <a:pos x="csX0" y="csY0"/>
-                  </a:cxn>
-                  <a:cxn ang="0">
-                    <a:pos x="csX1" y="csY1"/>
-                  </a:cxn>
-                  <a:cxn ang="0">
-                    <a:pos x="csX2" y="csY2"/>
-                  </a:cxn>
-                </a:cxnLst>
-                <a:rect l="l" t="t" r="r" b="b"/>
-                <a:pathLst>
-                  <a:path w="2889504" h="420657">
-                    <a:moveTo>
-                      <a:pt x="0" y="18288"/>
-                    </a:moveTo>
-                    <a:cubicBezTo>
-                      <a:pt x="458724" y="220980"/>
-                      <a:pt x="917448" y="423672"/>
-                      <a:pt x="1399032" y="420624"/>
-                    </a:cubicBezTo>
-                    <a:cubicBezTo>
-                      <a:pt x="1880616" y="417576"/>
-                      <a:pt x="2631948" y="92964"/>
-                      <a:pt x="2889504" y="0"/>
-                    </a:cubicBezTo>
-                  </a:path>
-                </a:pathLst>
-              </a:custGeom>
-              <a:ln w="28575">
-                <a:solidFill>
-                  <a:schemeClr val="tx1"/>
-                </a:solidFill>
-                <a:prstDash val="sysDash"/>
-              </a:ln>
-            </p:spPr>
-            <p:style>
-              <a:lnRef idx="1">
-                <a:schemeClr val="accent4"/>
-              </a:lnRef>
-              <a:fillRef idx="0">
-                <a:schemeClr val="accent4"/>
-              </a:fillRef>
-              <a:effectRef idx="0">
-                <a:schemeClr val="accent4"/>
-              </a:effectRef>
-              <a:fontRef idx="minor">
-                <a:schemeClr val="tx1"/>
-              </a:fontRef>
-            </p:style>
-            <p:txBody>
-              <a:bodyPr rtlCol="0" anchor="ctr"/>
-              <a:lstStyle/>
-              <a:p>
-                <a:pPr algn="ctr"/>
-                <a:endParaRPr lang="en-US" dirty="0"/>
-              </a:p>
-            </p:txBody>
-          </p:sp>
-          <mc:AlternateContent xmlns:mc="http://schemas.openxmlformats.org/markup-compatibility/2006" xmlns:a14="http://schemas.microsoft.com/office/drawing/2010/main">
-            <mc:Choice Requires="a14">
-              <p:sp>
-                <p:nvSpPr>
-                  <p:cNvPr id="14" name="TextBox 13">
-                    <a:extLst>
-                      <a:ext uri="{FF2B5EF4-FFF2-40B4-BE49-F238E27FC236}">
-                        <a16:creationId xmlns:a16="http://schemas.microsoft.com/office/drawing/2014/main" id="{C79233F3-98B1-A932-85B8-AE73E8F32EFE}"/>
-                      </a:ext>
-                    </a:extLst>
-                  </p:cNvPr>
-                  <p:cNvSpPr txBox="1"/>
-                  <p:nvPr/>
-                </p:nvSpPr>
-                <p:spPr>
-                  <a:xfrm>
-                    <a:off x="2773259" y="3220756"/>
-                    <a:ext cx="414776" cy="236201"/>
-                  </a:xfrm>
-                  <a:prstGeom prst="rect">
-                    <a:avLst/>
-                  </a:prstGeom>
-                  <a:noFill/>
-                </p:spPr>
-                <p:txBody>
-                  <a:bodyPr wrap="none" rtlCol="0">
-                    <a:spAutoFit/>
-                  </a:bodyPr>
-                  <a:lstStyle/>
-                  <a:p>
-                    <a:pPr/>
-                    <a14:m>
-                      <m:oMathPara xmlns:m="http://schemas.openxmlformats.org/officeDocument/2006/math">
-                        <m:oMathParaPr>
-                          <m:jc m:val="centerGroup"/>
-                        </m:oMathParaPr>
-                        <m:oMath xmlns:m="http://schemas.openxmlformats.org/officeDocument/2006/math">
-                          <m:sSub>
-                            <m:sSubPr>
-                              <m:ctrlPr>
-                                <a:rPr lang="en-US" sz="1200" b="0" i="1" smtClean="0">
-                                  <a:solidFill>
-                                    <a:schemeClr val="tx1"/>
-                                  </a:solidFill>
-                                  <a:latin typeface="Cambria Math" panose="02040503050406030204" pitchFamily="18" charset="0"/>
-                                </a:rPr>
-                              </m:ctrlPr>
-                            </m:sSubPr>
-                            <m:e>
-                              <m:r>
-                                <a:rPr lang="en-US" sz="1200" b="0" i="1" smtClean="0">
-                                  <a:solidFill>
-                                    <a:schemeClr val="tx1"/>
-                                  </a:solidFill>
-                                  <a:latin typeface="Cambria Math" panose="02040503050406030204" pitchFamily="18" charset="0"/>
-                                </a:rPr>
-                                <m:t>𝛿</m:t>
-                              </m:r>
-                            </m:e>
-                            <m:sub>
-                              <m:r>
-                                <m:rPr>
-                                  <m:sty m:val="p"/>
-                                </m:rPr>
-                                <a:rPr lang="en-US" sz="1200" b="0" i="0" smtClean="0">
-                                  <a:solidFill>
-                                    <a:schemeClr val="tx1"/>
-                                  </a:solidFill>
-                                  <a:latin typeface="Cambria Math" panose="02040503050406030204" pitchFamily="18" charset="0"/>
-                                </a:rPr>
-                                <m:t>max</m:t>
-                              </m:r>
-                            </m:sub>
-                          </m:sSub>
-                        </m:oMath>
-                      </m:oMathPara>
-                    </a14:m>
-                    <a:endParaRPr lang="en-US" sz="1200" dirty="0">
-                      <a:solidFill>
-                        <a:schemeClr val="tx1"/>
-                      </a:solidFill>
-                      <a:latin typeface="+mj-lt"/>
-                    </a:endParaRPr>
-                  </a:p>
-                </p:txBody>
-              </p:sp>
-            </mc:Choice>
-            <mc:Fallback xmlns="">
-              <p:sp>
-                <p:nvSpPr>
-                  <p:cNvPr id="14" name="TextBox 13">
-                    <a:extLst>
-                      <a:ext uri="{FF2B5EF4-FFF2-40B4-BE49-F238E27FC236}">
-                        <a16:creationId xmlns:a16="http://schemas.microsoft.com/office/drawing/2014/main" id="{C79233F3-98B1-A932-85B8-AE73E8F32EFE}"/>
-                      </a:ext>
-                    </a:extLst>
-                  </p:cNvPr>
-                  <p:cNvSpPr txBox="1">
-                    <a:spLocks noRot="1" noChangeAspect="1" noMove="1" noResize="1" noEditPoints="1" noAdjustHandles="1" noChangeArrowheads="1" noChangeShapeType="1" noTextEdit="1"/>
-                  </p:cNvSpPr>
-                  <p:nvPr/>
-                </p:nvSpPr>
-                <p:spPr>
-                  <a:xfrm>
-                    <a:off x="2773259" y="3220756"/>
-                    <a:ext cx="414776" cy="236201"/>
-                  </a:xfrm>
-                  <a:prstGeom prst="rect">
-                    <a:avLst/>
-                  </a:prstGeom>
-                  <a:blipFill>
-                    <a:blip r:embed="rId2"/>
-                    <a:stretch>
-                      <a:fillRect/>
-                    </a:stretch>
-                  </a:blipFill>
-                </p:spPr>
-                <p:txBody>
-                  <a:bodyPr/>
-                  <a:lstStyle/>
-                  <a:p>
-                    <a:r>
-                      <a:rPr lang="en-US">
-                        <a:noFill/>
-                      </a:rPr>
-                      <a:t> </a:t>
-                    </a:r>
-                  </a:p>
-                </p:txBody>
-              </p:sp>
-            </mc:Fallback>
-          </mc:AlternateContent>
-          <p:cxnSp>
-            <p:nvCxnSpPr>
-              <p:cNvPr id="15" name="Straight Connector 14">
-                <a:extLst>
-                  <a:ext uri="{FF2B5EF4-FFF2-40B4-BE49-F238E27FC236}">
-                    <a16:creationId xmlns:a16="http://schemas.microsoft.com/office/drawing/2014/main" id="{391AD9D6-CC2A-0E2F-448A-18E8127653F6}"/>
-                  </a:ext>
-                </a:extLst>
-              </p:cNvPr>
-              <p:cNvCxnSpPr/>
-              <p:nvPr/>
-            </p:nvCxnSpPr>
-            <p:spPr>
-              <a:xfrm>
-                <a:off x="1393653" y="3560626"/>
-                <a:ext cx="0" cy="207478"/>
-              </a:xfrm>
-              <a:prstGeom prst="line">
-                <a:avLst/>
-              </a:prstGeom>
-            </p:spPr>
-            <p:style>
-              <a:lnRef idx="2">
-                <a:schemeClr val="dk1"/>
-              </a:lnRef>
-              <a:fillRef idx="0">
-                <a:schemeClr val="dk1"/>
-              </a:fillRef>
-              <a:effectRef idx="1">
-                <a:schemeClr val="dk1"/>
-              </a:effectRef>
-              <a:fontRef idx="minor">
-                <a:schemeClr val="tx1"/>
-              </a:fontRef>
-            </p:style>
-          </p:cxnSp>
-          <p:cxnSp>
-            <p:nvCxnSpPr>
-              <p:cNvPr id="16" name="Straight Connector 15">
-                <a:extLst>
-                  <a:ext uri="{FF2B5EF4-FFF2-40B4-BE49-F238E27FC236}">
-                    <a16:creationId xmlns:a16="http://schemas.microsoft.com/office/drawing/2014/main" id="{5D34F5F5-FE59-1F76-2507-A20617E1E4AB}"/>
-                  </a:ext>
-                </a:extLst>
-              </p:cNvPr>
-              <p:cNvCxnSpPr/>
-              <p:nvPr/>
-            </p:nvCxnSpPr>
-            <p:spPr>
-              <a:xfrm>
-                <a:off x="4300683" y="3560626"/>
-                <a:ext cx="0" cy="207478"/>
-              </a:xfrm>
-              <a:prstGeom prst="line">
-                <a:avLst/>
-              </a:prstGeom>
-            </p:spPr>
-            <p:style>
-              <a:lnRef idx="2">
-                <a:schemeClr val="dk1"/>
-              </a:lnRef>
-              <a:fillRef idx="0">
-                <a:schemeClr val="dk1"/>
-              </a:fillRef>
-              <a:effectRef idx="1">
-                <a:schemeClr val="dk1"/>
-              </a:effectRef>
-              <a:fontRef idx="minor">
-                <a:schemeClr val="tx1"/>
-              </a:fontRef>
-            </p:style>
-          </p:cxnSp>
-          <p:cxnSp>
-            <p:nvCxnSpPr>
-              <p:cNvPr id="17" name="Straight Connector 16">
-                <a:extLst>
-                  <a:ext uri="{FF2B5EF4-FFF2-40B4-BE49-F238E27FC236}">
-                    <a16:creationId xmlns:a16="http://schemas.microsoft.com/office/drawing/2014/main" id="{A17185B8-618D-50E9-9F67-C3F81D35F952}"/>
-                  </a:ext>
-                </a:extLst>
-              </p:cNvPr>
-              <p:cNvCxnSpPr>
-                <a:cxnSpLocks/>
-                <a:endCxn id="13" idx="1"/>
-              </p:cNvCxnSpPr>
-              <p:nvPr/>
-            </p:nvCxnSpPr>
-            <p:spPr>
-              <a:xfrm>
-                <a:off x="2797315" y="3168789"/>
-                <a:ext cx="0" cy="397373"/>
-              </a:xfrm>
-              <a:prstGeom prst="line">
-                <a:avLst/>
-              </a:prstGeom>
-              <a:ln w="9525">
-                <a:solidFill>
-                  <a:schemeClr val="tx1"/>
-                </a:solidFill>
-                <a:prstDash val="dash"/>
-              </a:ln>
-            </p:spPr>
-            <p:style>
-              <a:lnRef idx="2">
-                <a:schemeClr val="accent4"/>
-              </a:lnRef>
-              <a:fillRef idx="0">
-                <a:schemeClr val="accent4"/>
-              </a:fillRef>
-              <a:effectRef idx="1">
-                <a:schemeClr val="accent4"/>
-              </a:effectRef>
-              <a:fontRef idx="minor">
-                <a:schemeClr val="tx1"/>
-              </a:fontRef>
-            </p:style>
-          </p:cxnSp>
-        </p:grpSp>
-        <p:cxnSp>
-          <p:nvCxnSpPr>
-            <p:cNvPr id="19" name="Straight Connector 18">
-              <a:extLst>
-                <a:ext uri="{FF2B5EF4-FFF2-40B4-BE49-F238E27FC236}">
-                  <a16:creationId xmlns:a16="http://schemas.microsoft.com/office/drawing/2014/main" id="{FEC3865A-B98A-6E65-48C9-7DCAD8440588}"/>
-                </a:ext>
-              </a:extLst>
-            </p:cNvPr>
-            <p:cNvCxnSpPr>
-              <a:cxnSpLocks/>
-            </p:cNvCxnSpPr>
-            <p:nvPr/>
-          </p:nvCxnSpPr>
-          <p:spPr>
-            <a:xfrm>
-              <a:off x="5875197" y="4701462"/>
-              <a:ext cx="1997982" cy="0"/>
-            </a:xfrm>
-            <a:prstGeom prst="line">
-              <a:avLst/>
-            </a:prstGeom>
-            <a:ln w="57150">
-              <a:solidFill>
-                <a:schemeClr val="accent1">
-                  <a:lumMod val="60000"/>
-                  <a:lumOff val="40000"/>
-                </a:schemeClr>
-              </a:solidFill>
-            </a:ln>
-          </p:spPr>
-          <p:style>
-            <a:lnRef idx="2">
-              <a:schemeClr val="dk1"/>
-            </a:lnRef>
-            <a:fillRef idx="0">
-              <a:schemeClr val="dk1"/>
-            </a:fillRef>
-            <a:effectRef idx="1">
-              <a:schemeClr val="dk1"/>
-            </a:effectRef>
-            <a:fontRef idx="minor">
-              <a:schemeClr val="tx1"/>
-            </a:fontRef>
-          </p:style>
-        </p:cxnSp>
-        <mc:AlternateContent xmlns:mc="http://schemas.openxmlformats.org/markup-compatibility/2006">
-          <mc:Choice xmlns:a14="http://schemas.microsoft.com/office/drawing/2010/main" Requires="a14">
-            <p:sp>
-              <p:nvSpPr>
-                <p:cNvPr id="18" name="TextBox 17">
-                  <a:extLst>
-                    <a:ext uri="{FF2B5EF4-FFF2-40B4-BE49-F238E27FC236}">
-                      <a16:creationId xmlns:a16="http://schemas.microsoft.com/office/drawing/2014/main" id="{14237397-947B-5E6A-FB57-61E3A554A58A}"/>
-                    </a:ext>
-                  </a:extLst>
-                </p:cNvPr>
-                <p:cNvSpPr txBox="1"/>
-                <p:nvPr/>
-              </p:nvSpPr>
-              <p:spPr>
-                <a:xfrm>
-                  <a:off x="4662637" y="4403197"/>
-                  <a:ext cx="683515" cy="276999"/>
-                </a:xfrm>
-                <a:prstGeom prst="rect">
-                  <a:avLst/>
-                </a:prstGeom>
-                <a:noFill/>
-              </p:spPr>
-              <p:txBody>
-                <a:bodyPr wrap="square">
-                  <a:spAutoFit/>
-                </a:bodyPr>
-                <a:lstStyle/>
-                <a:p>
-                  <a14:m>
-                    <m:oMath xmlns:m="http://schemas.openxmlformats.org/officeDocument/2006/math">
-                      <m:sSub>
-                        <m:sSubPr>
-                          <m:ctrlPr>
-                            <a:rPr lang="en-US" sz="1200" b="0" i="1" smtClean="0">
-                              <a:solidFill>
-                                <a:schemeClr val="tx2">
-                                  <a:lumMod val="50000"/>
-                                  <a:lumOff val="50000"/>
-                                </a:schemeClr>
-                              </a:solidFill>
-                              <a:latin typeface="Cambria Math" panose="02040503050406030204" pitchFamily="18" charset="0"/>
-                            </a:rPr>
-                          </m:ctrlPr>
-                        </m:sSubPr>
-                        <m:e>
-                          <m:r>
-                            <a:rPr lang="en-US" sz="1200" b="0" i="1" smtClean="0">
-                              <a:solidFill>
-                                <a:schemeClr val="tx2">
-                                  <a:lumMod val="50000"/>
-                                  <a:lumOff val="50000"/>
-                                </a:schemeClr>
-                              </a:solidFill>
-                              <a:latin typeface="Cambria Math" panose="02040503050406030204" pitchFamily="18" charset="0"/>
-                            </a:rPr>
-                            <m:t>𝐸</m:t>
-                          </m:r>
-                        </m:e>
-                        <m:sub>
-                          <m:r>
-                            <a:rPr lang="en-US" sz="1200" b="0" i="1" smtClean="0">
-                              <a:solidFill>
-                                <a:schemeClr val="tx2">
-                                  <a:lumMod val="50000"/>
-                                  <a:lumOff val="50000"/>
-                                </a:schemeClr>
-                              </a:solidFill>
-                              <a:latin typeface="Cambria Math" panose="02040503050406030204" pitchFamily="18" charset="0"/>
-                            </a:rPr>
-                            <m:t>1</m:t>
-                          </m:r>
-                        </m:sub>
-                      </m:sSub>
-                    </m:oMath>
-                  </a14:m>
-                  <a:r>
-                    <a:rPr lang="en-US" sz="1200" dirty="0">
-                      <a:solidFill>
-                        <a:schemeClr val="tx2">
-                          <a:lumMod val="50000"/>
-                          <a:lumOff val="50000"/>
-                        </a:schemeClr>
-                      </a:solidFill>
-                      <a:latin typeface="+mj-lt"/>
-                    </a:rPr>
-                    <a:t>= ?</a:t>
-                  </a:r>
-                </a:p>
-              </p:txBody>
-            </p:sp>
-          </mc:Choice>
-          <mc:Fallback>
-            <p:sp>
-              <p:nvSpPr>
-                <p:cNvPr id="18" name="TextBox 17">
-                  <a:extLst>
-                    <a:ext uri="{FF2B5EF4-FFF2-40B4-BE49-F238E27FC236}">
-                      <a16:creationId xmlns:a16="http://schemas.microsoft.com/office/drawing/2014/main" id="{14237397-947B-5E6A-FB57-61E3A554A58A}"/>
-                    </a:ext>
-                  </a:extLst>
-                </p:cNvPr>
-                <p:cNvSpPr txBox="1">
-                  <a:spLocks noRot="1" noChangeAspect="1" noMove="1" noResize="1" noEditPoints="1" noAdjustHandles="1" noChangeArrowheads="1" noChangeShapeType="1" noTextEdit="1"/>
-                </p:cNvSpPr>
-                <p:nvPr/>
-              </p:nvSpPr>
-              <p:spPr>
-                <a:xfrm>
-                  <a:off x="4662637" y="4403197"/>
-                  <a:ext cx="683515" cy="276999"/>
-                </a:xfrm>
-                <a:prstGeom prst="rect">
-                  <a:avLst/>
-                </a:prstGeom>
-                <a:blipFill>
-                  <a:blip r:embed="rId3"/>
-                  <a:stretch>
-                    <a:fillRect b="-15217"/>
-                  </a:stretch>
-                </a:blipFill>
-              </p:spPr>
-              <p:txBody>
-                <a:bodyPr/>
-                <a:lstStyle/>
-                <a:p>
-                  <a:r>
-                    <a:rPr lang="en-US">
-                      <a:noFill/>
-                    </a:rPr>
-                    <a:t> </a:t>
-                  </a:r>
-                </a:p>
-              </p:txBody>
-            </p:sp>
-          </mc:Fallback>
-        </mc:AlternateContent>
-        <mc:AlternateContent xmlns:mc="http://schemas.openxmlformats.org/markup-compatibility/2006">
-          <mc:Choice xmlns:a14="http://schemas.microsoft.com/office/drawing/2010/main" Requires="a14">
-            <p:sp>
-              <p:nvSpPr>
-                <p:cNvPr id="20" name="TextBox 19">
-                  <a:extLst>
-                    <a:ext uri="{FF2B5EF4-FFF2-40B4-BE49-F238E27FC236}">
-                      <a16:creationId xmlns:a16="http://schemas.microsoft.com/office/drawing/2014/main" id="{4F8DB95B-DBD9-6A10-50C5-536EF41F5EAA}"/>
-                    </a:ext>
-                  </a:extLst>
-                </p:cNvPr>
-                <p:cNvSpPr txBox="1"/>
-                <p:nvPr/>
-              </p:nvSpPr>
-              <p:spPr>
-                <a:xfrm>
-                  <a:off x="6572198" y="4420437"/>
-                  <a:ext cx="683515" cy="276999"/>
-                </a:xfrm>
-                <a:prstGeom prst="rect">
-                  <a:avLst/>
-                </a:prstGeom>
-                <a:noFill/>
-              </p:spPr>
-              <p:txBody>
-                <a:bodyPr wrap="square">
-                  <a:spAutoFit/>
-                </a:bodyPr>
-                <a:lstStyle/>
-                <a:p>
-                  <a14:m>
-                    <m:oMath xmlns:m="http://schemas.openxmlformats.org/officeDocument/2006/math">
-                      <m:sSub>
-                        <m:sSubPr>
-                          <m:ctrlPr>
-                            <a:rPr lang="en-US" sz="1200" b="0" i="1" smtClean="0">
-                              <a:solidFill>
-                                <a:schemeClr val="accent1">
-                                  <a:lumMod val="60000"/>
-                                  <a:lumOff val="40000"/>
-                                </a:schemeClr>
-                              </a:solidFill>
-                              <a:latin typeface="Cambria Math" panose="02040503050406030204" pitchFamily="18" charset="0"/>
-                            </a:rPr>
-                          </m:ctrlPr>
-                        </m:sSubPr>
-                        <m:e>
-                          <m:r>
-                            <a:rPr lang="en-US" sz="1200" b="0" i="1" smtClean="0">
-                              <a:solidFill>
-                                <a:schemeClr val="accent1">
-                                  <a:lumMod val="60000"/>
-                                  <a:lumOff val="40000"/>
-                                </a:schemeClr>
-                              </a:solidFill>
-                              <a:latin typeface="Cambria Math" panose="02040503050406030204" pitchFamily="18" charset="0"/>
-                            </a:rPr>
-                            <m:t>𝐸</m:t>
-                          </m:r>
-                        </m:e>
-                        <m:sub>
-                          <m:r>
-                            <a:rPr lang="en-US" sz="1200" b="0" i="1" smtClean="0">
-                              <a:solidFill>
-                                <a:schemeClr val="accent1">
-                                  <a:lumMod val="60000"/>
-                                  <a:lumOff val="40000"/>
-                                </a:schemeClr>
-                              </a:solidFill>
-                              <a:latin typeface="Cambria Math" panose="02040503050406030204" pitchFamily="18" charset="0"/>
-                            </a:rPr>
-                            <m:t>2</m:t>
-                          </m:r>
-                        </m:sub>
-                      </m:sSub>
-                    </m:oMath>
-                  </a14:m>
-                  <a:r>
-                    <a:rPr lang="en-US" sz="1200" dirty="0">
-                      <a:solidFill>
-                        <a:schemeClr val="accent1">
-                          <a:lumMod val="60000"/>
-                          <a:lumOff val="40000"/>
-                        </a:schemeClr>
-                      </a:solidFill>
-                      <a:latin typeface="+mj-lt"/>
-                    </a:rPr>
-                    <a:t>= ?</a:t>
-                  </a:r>
-                </a:p>
-              </p:txBody>
-            </p:sp>
-          </mc:Choice>
-          <mc:Fallback>
-            <p:sp>
-              <p:nvSpPr>
-                <p:cNvPr id="20" name="TextBox 19">
-                  <a:extLst>
-                    <a:ext uri="{FF2B5EF4-FFF2-40B4-BE49-F238E27FC236}">
-                      <a16:creationId xmlns:a16="http://schemas.microsoft.com/office/drawing/2014/main" id="{4F8DB95B-DBD9-6A10-50C5-536EF41F5EAA}"/>
-                    </a:ext>
-                  </a:extLst>
-                </p:cNvPr>
-                <p:cNvSpPr txBox="1">
-                  <a:spLocks noRot="1" noChangeAspect="1" noMove="1" noResize="1" noEditPoints="1" noAdjustHandles="1" noChangeArrowheads="1" noChangeShapeType="1" noTextEdit="1"/>
-                </p:cNvSpPr>
-                <p:nvPr/>
-              </p:nvSpPr>
-              <p:spPr>
-                <a:xfrm>
-                  <a:off x="6572198" y="4420437"/>
-                  <a:ext cx="683515" cy="276999"/>
-                </a:xfrm>
-                <a:prstGeom prst="rect">
-                  <a:avLst/>
-                </a:prstGeom>
-                <a:blipFill>
-                  <a:blip r:embed="rId4"/>
-                  <a:stretch>
-                    <a:fillRect b="-15217"/>
-                  </a:stretch>
-                </a:blipFill>
-              </p:spPr>
-              <p:txBody>
-                <a:bodyPr/>
-                <a:lstStyle/>
-                <a:p>
-                  <a:r>
-                    <a:rPr lang="en-US">
-                      <a:noFill/>
-                    </a:rPr>
-                    <a:t> </a:t>
-                  </a:r>
-                </a:p>
-              </p:txBody>
-            </p:sp>
-          </mc:Fallback>
-        </mc:AlternateContent>
-      </p:grpSp>
-      <p:sp>
-        <p:nvSpPr>
-          <p:cNvPr id="22" name="TextBox 21">
-            <a:extLst>
-              <a:ext uri="{FF2B5EF4-FFF2-40B4-BE49-F238E27FC236}">
-                <a16:creationId xmlns:a16="http://schemas.microsoft.com/office/drawing/2014/main" id="{127A57E7-0492-FBA9-6A95-D8E1FC852BE6}"/>
-              </a:ext>
-            </a:extLst>
-          </p:cNvPr>
-          <p:cNvSpPr txBox="1"/>
-          <p:nvPr/>
-        </p:nvSpPr>
-        <p:spPr>
-          <a:xfrm>
-            <a:off x="838200" y="1551557"/>
-            <a:ext cx="9384792" cy="2031325"/>
-          </a:xfrm>
-          <a:prstGeom prst="rect">
-            <a:avLst/>
-          </a:prstGeom>
-          <a:noFill/>
-        </p:spPr>
-        <p:txBody>
-          <a:bodyPr wrap="square">
-            <a:spAutoFit/>
-          </a:bodyPr>
-          <a:lstStyle/>
-          <a:p>
-            <a:r>
-              <a:rPr lang="en-US" dirty="0">
-                <a:latin typeface="+mj-lt"/>
-              </a:rPr>
-              <a:t>Recall, Hadamard’s conditions:</a:t>
-            </a:r>
-          </a:p>
-          <a:p>
-            <a:pPr marL="342900" indent="-342900">
-              <a:buAutoNum type="arabicPeriod"/>
-            </a:pPr>
-            <a:r>
-              <a:rPr lang="en-US" dirty="0">
-                <a:latin typeface="+mj-lt"/>
-              </a:rPr>
-              <a:t>Existence – a solution exists </a:t>
-            </a:r>
-            <a:r>
-              <a:rPr lang="en-US" dirty="0">
-                <a:solidFill>
-                  <a:schemeClr val="accent6"/>
-                </a:solidFill>
-                <a:latin typeface="+mj-lt"/>
-              </a:rPr>
-              <a:t>✓</a:t>
-            </a:r>
-          </a:p>
-          <a:p>
-            <a:pPr marL="342900" indent="-342900">
-              <a:buAutoNum type="arabicPeriod"/>
-            </a:pPr>
-            <a:r>
-              <a:rPr lang="en-US" dirty="0">
-                <a:latin typeface="+mj-lt"/>
-              </a:rPr>
-              <a:t>Uniqueness – only one solution per problem </a:t>
-            </a:r>
-            <a:r>
-              <a:rPr lang="en-US" dirty="0">
-                <a:solidFill>
-                  <a:srgbClr val="FF0000"/>
-                </a:solidFill>
-              </a:rPr>
-              <a:t>✗</a:t>
-            </a:r>
-            <a:endParaRPr lang="en-US" dirty="0">
-              <a:solidFill>
-                <a:srgbClr val="FF0000"/>
-              </a:solidFill>
-              <a:latin typeface="+mj-lt"/>
-            </a:endParaRPr>
-          </a:p>
-          <a:p>
-            <a:pPr marL="342900" indent="-342900">
-              <a:buAutoNum type="arabicPeriod"/>
-            </a:pPr>
-            <a:r>
-              <a:rPr lang="en-US" dirty="0">
-                <a:latin typeface="+mj-lt"/>
-              </a:rPr>
-              <a:t>Stability – the inputs depends on the outputs, vice versa </a:t>
-            </a:r>
-            <a:r>
-              <a:rPr lang="en-US" dirty="0">
-                <a:solidFill>
-                  <a:schemeClr val="accent6"/>
-                </a:solidFill>
-              </a:rPr>
-              <a:t>✓</a:t>
-            </a:r>
-          </a:p>
-          <a:p>
-            <a:pPr marL="342900" indent="-342900">
-              <a:buAutoNum type="arabicPeriod"/>
-            </a:pPr>
-            <a:endParaRPr lang="en-US" dirty="0">
-              <a:solidFill>
-                <a:schemeClr val="accent6"/>
-              </a:solidFill>
-              <a:latin typeface="+mj-lt"/>
-            </a:endParaRPr>
-          </a:p>
-          <a:p>
-            <a:r>
-              <a:rPr lang="en-US" dirty="0">
-                <a:latin typeface="+mj-lt"/>
-              </a:rPr>
-              <a:t>This is an ill-posed problem. This is also an inverse problem as you are finding an input (E) based on an output and given inputs.</a:t>
-            </a:r>
-          </a:p>
-        </p:txBody>
-      </p:sp>
-    </p:spTree>
-    <p:extLst>
-      <p:ext uri="{BB962C8B-B14F-4D97-AF65-F5344CB8AC3E}">
-        <p14:creationId xmlns:p14="http://schemas.microsoft.com/office/powerpoint/2010/main" val="162267258"/>
       </p:ext>
     </p:extLst>
   </p:cSld>

--- a/0-Introduction/0-Introduction.pptx
+++ b/0-Introduction/0-Introduction.pptx
@@ -5,10 +5,10 @@
     <p:sldMasterId id="2147483648" r:id="rId1"/>
   </p:sldMasterIdLst>
   <p:notesMasterIdLst>
-    <p:notesMasterId r:id="rId14"/>
+    <p:notesMasterId r:id="rId16"/>
   </p:notesMasterIdLst>
   <p:handoutMasterIdLst>
-    <p:handoutMasterId r:id="rId15"/>
+    <p:handoutMasterId r:id="rId17"/>
   </p:handoutMasterIdLst>
   <p:sldIdLst>
     <p:sldId id="256" r:id="rId2"/>
@@ -21,8 +21,10 @@
     <p:sldId id="257" r:id="rId9"/>
     <p:sldId id="260" r:id="rId10"/>
     <p:sldId id="258" r:id="rId11"/>
-    <p:sldId id="274" r:id="rId12"/>
-    <p:sldId id="270" r:id="rId13"/>
+    <p:sldId id="275" r:id="rId12"/>
+    <p:sldId id="276" r:id="rId13"/>
+    <p:sldId id="274" r:id="rId14"/>
+    <p:sldId id="270" r:id="rId15"/>
   </p:sldIdLst>
   <p:sldSz cx="12192000" cy="6858000"/>
   <p:notesSz cx="6858000" cy="9144000"/>
@@ -367,7 +369,7 @@
           <a:p>
             <a:fld id="{26E7365E-7303-4AD9-8FBF-4B173A7D9DED}" type="datetimeFigureOut">
               <a:rPr lang="en-US" smtClean="0"/>
-              <a:t>2/5/2026</a:t>
+              <a:t>2/8/2026</a:t>
             </a:fld>
             <a:endParaRPr lang="en-US"/>
           </a:p>
@@ -545,7 +547,7 @@
           <a:p>
             <a:fld id="{812898FD-25D5-4BC2-95FB-0E9BA7ACA22E}" type="datetimeFigureOut">
               <a:rPr lang="en-US" smtClean="0"/>
-              <a:t>2/5/2026</a:t>
+              <a:t>2/8/2026</a:t>
             </a:fld>
             <a:endParaRPr lang="en-US"/>
           </a:p>
@@ -975,6 +977,228 @@
     <p:extLst>
       <p:ext uri="{BB962C8B-B14F-4D97-AF65-F5344CB8AC3E}">
         <p14:creationId xmlns:p14="http://schemas.microsoft.com/office/powerpoint/2010/main" val="109581441"/>
+      </p:ext>
+    </p:extLst>
+  </p:cSld>
+  <p:clrMapOvr>
+    <a:masterClrMapping/>
+  </p:clrMapOvr>
+</p:notes>
+</file>
+
+<file path=ppt/notesSlides/notesSlide3.xml><?xml version="1.0" encoding="utf-8"?>
+<p:notes xmlns:a="http://schemas.openxmlformats.org/drawingml/2006/main" xmlns:r="http://schemas.openxmlformats.org/officeDocument/2006/relationships" xmlns:p="http://schemas.openxmlformats.org/presentationml/2006/main">
+  <p:cSld>
+    <p:spTree>
+      <p:nvGrpSpPr>
+        <p:cNvPr id="1" name="">
+          <a:extLst>
+            <a:ext uri="{FF2B5EF4-FFF2-40B4-BE49-F238E27FC236}">
+              <a16:creationId xmlns:a16="http://schemas.microsoft.com/office/drawing/2014/main" id="{4F8A647A-2575-7D19-7E01-84C3EDAB1097}"/>
+            </a:ext>
+          </a:extLst>
+        </p:cNvPr>
+        <p:cNvGrpSpPr/>
+        <p:nvPr/>
+      </p:nvGrpSpPr>
+      <p:grpSpPr>
+        <a:xfrm>
+          <a:off x="0" y="0"/>
+          <a:ext cx="0" cy="0"/>
+          <a:chOff x="0" y="0"/>
+          <a:chExt cx="0" cy="0"/>
+        </a:xfrm>
+      </p:grpSpPr>
+      <p:sp>
+        <p:nvSpPr>
+          <p:cNvPr id="2" name="Slide Image Placeholder 1">
+            <a:extLst>
+              <a:ext uri="{FF2B5EF4-FFF2-40B4-BE49-F238E27FC236}">
+                <a16:creationId xmlns:a16="http://schemas.microsoft.com/office/drawing/2014/main" id="{07B5C6ED-3B9F-4D8E-4315-E91A84DFF459}"/>
+              </a:ext>
+            </a:extLst>
+          </p:cNvPr>
+          <p:cNvSpPr>
+            <a:spLocks noGrp="1" noRot="1" noChangeAspect="1"/>
+          </p:cNvSpPr>
+          <p:nvPr>
+            <p:ph type="sldImg"/>
+          </p:nvPr>
+        </p:nvSpPr>
+        <p:spPr/>
+      </p:sp>
+      <p:sp>
+        <p:nvSpPr>
+          <p:cNvPr id="3" name="Notes Placeholder 2">
+            <a:extLst>
+              <a:ext uri="{FF2B5EF4-FFF2-40B4-BE49-F238E27FC236}">
+                <a16:creationId xmlns:a16="http://schemas.microsoft.com/office/drawing/2014/main" id="{63E46831-E78E-3661-987C-630C957298CA}"/>
+              </a:ext>
+            </a:extLst>
+          </p:cNvPr>
+          <p:cNvSpPr>
+            <a:spLocks noGrp="1"/>
+          </p:cNvSpPr>
+          <p:nvPr>
+            <p:ph type="body" idx="1"/>
+          </p:nvPr>
+        </p:nvSpPr>
+        <p:spPr/>
+        <p:txBody>
+          <a:bodyPr/>
+          <a:lstStyle/>
+          <a:p>
+            <a:r>
+              <a:rPr lang="en-US" dirty="0"/>
+              <a:t>By assuming, we simplify the problem quite a bit and allows us to write a governing equation.</a:t>
+            </a:r>
+          </a:p>
+        </p:txBody>
+      </p:sp>
+      <p:sp>
+        <p:nvSpPr>
+          <p:cNvPr id="4" name="Slide Number Placeholder 3">
+            <a:extLst>
+              <a:ext uri="{FF2B5EF4-FFF2-40B4-BE49-F238E27FC236}">
+                <a16:creationId xmlns:a16="http://schemas.microsoft.com/office/drawing/2014/main" id="{62873C7E-1B35-8CD1-CE5A-4A2C5D42AE18}"/>
+              </a:ext>
+            </a:extLst>
+          </p:cNvPr>
+          <p:cNvSpPr>
+            <a:spLocks noGrp="1"/>
+          </p:cNvSpPr>
+          <p:nvPr>
+            <p:ph type="sldNum" sz="quarter" idx="5"/>
+          </p:nvPr>
+        </p:nvSpPr>
+        <p:spPr/>
+        <p:txBody>
+          <a:bodyPr/>
+          <a:lstStyle/>
+          <a:p>
+            <a:fld id="{D8C8204A-43A9-4FC9-A2DC-0B186264B9AB}" type="slidenum">
+              <a:rPr lang="en-US" smtClean="0"/>
+              <a:t>11</a:t>
+            </a:fld>
+            <a:endParaRPr lang="en-US"/>
+          </a:p>
+        </p:txBody>
+      </p:sp>
+    </p:spTree>
+    <p:extLst>
+      <p:ext uri="{BB962C8B-B14F-4D97-AF65-F5344CB8AC3E}">
+        <p14:creationId xmlns:p14="http://schemas.microsoft.com/office/powerpoint/2010/main" val="3072474719"/>
+      </p:ext>
+    </p:extLst>
+  </p:cSld>
+  <p:clrMapOvr>
+    <a:masterClrMapping/>
+  </p:clrMapOvr>
+</p:notes>
+</file>
+
+<file path=ppt/notesSlides/notesSlide4.xml><?xml version="1.0" encoding="utf-8"?>
+<p:notes xmlns:a="http://schemas.openxmlformats.org/drawingml/2006/main" xmlns:r="http://schemas.openxmlformats.org/officeDocument/2006/relationships" xmlns:p="http://schemas.openxmlformats.org/presentationml/2006/main">
+  <p:cSld>
+    <p:spTree>
+      <p:nvGrpSpPr>
+        <p:cNvPr id="1" name="">
+          <a:extLst>
+            <a:ext uri="{FF2B5EF4-FFF2-40B4-BE49-F238E27FC236}">
+              <a16:creationId xmlns:a16="http://schemas.microsoft.com/office/drawing/2014/main" id="{E51F3659-01BF-02A7-C056-2B775714B52F}"/>
+            </a:ext>
+          </a:extLst>
+        </p:cNvPr>
+        <p:cNvGrpSpPr/>
+        <p:nvPr/>
+      </p:nvGrpSpPr>
+      <p:grpSpPr>
+        <a:xfrm>
+          <a:off x="0" y="0"/>
+          <a:ext cx="0" cy="0"/>
+          <a:chOff x="0" y="0"/>
+          <a:chExt cx="0" cy="0"/>
+        </a:xfrm>
+      </p:grpSpPr>
+      <p:sp>
+        <p:nvSpPr>
+          <p:cNvPr id="2" name="Slide Image Placeholder 1">
+            <a:extLst>
+              <a:ext uri="{FF2B5EF4-FFF2-40B4-BE49-F238E27FC236}">
+                <a16:creationId xmlns:a16="http://schemas.microsoft.com/office/drawing/2014/main" id="{87AEE454-FD24-7D51-81FC-CD7D97E52A80}"/>
+              </a:ext>
+            </a:extLst>
+          </p:cNvPr>
+          <p:cNvSpPr>
+            <a:spLocks noGrp="1" noRot="1" noChangeAspect="1"/>
+          </p:cNvSpPr>
+          <p:nvPr>
+            <p:ph type="sldImg"/>
+          </p:nvPr>
+        </p:nvSpPr>
+        <p:spPr/>
+      </p:sp>
+      <p:sp>
+        <p:nvSpPr>
+          <p:cNvPr id="3" name="Notes Placeholder 2">
+            <a:extLst>
+              <a:ext uri="{FF2B5EF4-FFF2-40B4-BE49-F238E27FC236}">
+                <a16:creationId xmlns:a16="http://schemas.microsoft.com/office/drawing/2014/main" id="{7EB3EA17-4007-5189-FDC7-A73961890CC3}"/>
+              </a:ext>
+            </a:extLst>
+          </p:cNvPr>
+          <p:cNvSpPr>
+            <a:spLocks noGrp="1"/>
+          </p:cNvSpPr>
+          <p:nvPr>
+            <p:ph type="body" idx="1"/>
+          </p:nvPr>
+        </p:nvSpPr>
+        <p:spPr/>
+        <p:txBody>
+          <a:bodyPr/>
+          <a:lstStyle/>
+          <a:p>
+            <a:r>
+              <a:rPr lang="en-US" dirty="0"/>
+              <a:t>By assuming, we simplify the problem quite a bit and allows us to write a governing equation.</a:t>
+            </a:r>
+          </a:p>
+        </p:txBody>
+      </p:sp>
+      <p:sp>
+        <p:nvSpPr>
+          <p:cNvPr id="4" name="Slide Number Placeholder 3">
+            <a:extLst>
+              <a:ext uri="{FF2B5EF4-FFF2-40B4-BE49-F238E27FC236}">
+                <a16:creationId xmlns:a16="http://schemas.microsoft.com/office/drawing/2014/main" id="{FCA08F3D-9C4B-8B56-23E8-510BE0D679D2}"/>
+              </a:ext>
+            </a:extLst>
+          </p:cNvPr>
+          <p:cNvSpPr>
+            <a:spLocks noGrp="1"/>
+          </p:cNvSpPr>
+          <p:nvPr>
+            <p:ph type="sldNum" sz="quarter" idx="5"/>
+          </p:nvPr>
+        </p:nvSpPr>
+        <p:spPr/>
+        <p:txBody>
+          <a:bodyPr/>
+          <a:lstStyle/>
+          <a:p>
+            <a:fld id="{D8C8204A-43A9-4FC9-A2DC-0B186264B9AB}" type="slidenum">
+              <a:rPr lang="en-US" smtClean="0"/>
+              <a:t>12</a:t>
+            </a:fld>
+            <a:endParaRPr lang="en-US"/>
+          </a:p>
+        </p:txBody>
+      </p:sp>
+    </p:spTree>
+    <p:extLst>
+      <p:ext uri="{BB962C8B-B14F-4D97-AF65-F5344CB8AC3E}">
+        <p14:creationId xmlns:p14="http://schemas.microsoft.com/office/powerpoint/2010/main" val="783704787"/>
       </p:ext>
     </p:extLst>
   </p:cSld>
@@ -5665,10 +5889,2492 @@
         <mc:Choice Requires="a14">
           <p:sp>
             <p:nvSpPr>
+              <p:cNvPr id="3" name="TextBox 2">
+                <a:extLst>
+                  <a:ext uri="{FF2B5EF4-FFF2-40B4-BE49-F238E27FC236}">
+                    <a16:creationId xmlns:a16="http://schemas.microsoft.com/office/drawing/2014/main" id="{13D2AE75-668D-59D3-8336-FEDBD2798B65}"/>
+                  </a:ext>
+                </a:extLst>
+              </p:cNvPr>
+              <p:cNvSpPr txBox="1"/>
+              <p:nvPr/>
+            </p:nvSpPr>
+            <p:spPr>
+              <a:xfrm>
+                <a:off x="9541594" y="4539914"/>
+                <a:ext cx="1332056" cy="276999"/>
+              </a:xfrm>
+              <a:prstGeom prst="rect">
+                <a:avLst/>
+              </a:prstGeom>
+              <a:noFill/>
+            </p:spPr>
+            <p:txBody>
+              <a:bodyPr wrap="square" rtlCol="0">
+                <a:spAutoFit/>
+              </a:bodyPr>
+              <a:lstStyle/>
+              <a:p>
+                <a:pPr algn="r"/>
+                <a:r>
+                  <a:rPr lang="en-US" sz="1200" dirty="0">
+                    <a:latin typeface="+mj-lt"/>
+                  </a:rPr>
+                  <a:t>I = 100</a:t>
+                </a:r>
+                <a14:m>
+                  <m:oMath xmlns:m="http://schemas.openxmlformats.org/officeDocument/2006/math">
+                    <m:r>
+                      <m:rPr>
+                        <m:sty m:val="p"/>
+                      </m:rPr>
+                      <a:rPr lang="en-US" sz="1200" b="0" i="0" smtClean="0">
+                        <a:latin typeface="Cambria Math" panose="02040503050406030204" pitchFamily="18" charset="0"/>
+                      </a:rPr>
+                      <m:t>i</m:t>
+                    </m:r>
+                    <m:sSup>
+                      <m:sSupPr>
+                        <m:ctrlPr>
+                          <a:rPr lang="en-US" sz="1200" b="0" i="1" smtClean="0">
+                            <a:latin typeface="Cambria Math" panose="02040503050406030204" pitchFamily="18" charset="0"/>
+                          </a:rPr>
+                        </m:ctrlPr>
+                      </m:sSupPr>
+                      <m:e>
+                        <m:r>
+                          <m:rPr>
+                            <m:sty m:val="p"/>
+                          </m:rPr>
+                          <a:rPr lang="en-US" sz="1200" b="0" i="0" smtClean="0">
+                            <a:latin typeface="Cambria Math" panose="02040503050406030204" pitchFamily="18" charset="0"/>
+                          </a:rPr>
+                          <m:t>n</m:t>
+                        </m:r>
+                      </m:e>
+                      <m:sup>
+                        <m:r>
+                          <a:rPr lang="en-US" sz="1200" b="0" i="0" smtClean="0">
+                            <a:latin typeface="Cambria Math" panose="02040503050406030204" pitchFamily="18" charset="0"/>
+                          </a:rPr>
+                          <m:t>4</m:t>
+                        </m:r>
+                      </m:sup>
+                    </m:sSup>
+                  </m:oMath>
+                </a14:m>
+                <a:endParaRPr lang="en-US" sz="1200" dirty="0">
+                  <a:latin typeface="+mj-lt"/>
+                </a:endParaRPr>
+              </a:p>
+            </p:txBody>
+          </p:sp>
+        </mc:Choice>
+        <mc:Fallback xmlns="">
+          <p:sp>
+            <p:nvSpPr>
+              <p:cNvPr id="3" name="TextBox 2">
+                <a:extLst>
+                  <a:ext uri="{FF2B5EF4-FFF2-40B4-BE49-F238E27FC236}">
+                    <a16:creationId xmlns:a16="http://schemas.microsoft.com/office/drawing/2014/main" id="{13D2AE75-668D-59D3-8336-FEDBD2798B65}"/>
+                  </a:ext>
+                </a:extLst>
+              </p:cNvPr>
+              <p:cNvSpPr txBox="1">
+                <a:spLocks noRot="1" noChangeAspect="1" noMove="1" noResize="1" noEditPoints="1" noAdjustHandles="1" noChangeArrowheads="1" noChangeShapeType="1" noTextEdit="1"/>
+              </p:cNvSpPr>
+              <p:nvPr/>
+            </p:nvSpPr>
+            <p:spPr>
+              <a:xfrm>
+                <a:off x="9541594" y="4539914"/>
+                <a:ext cx="1332056" cy="276999"/>
+              </a:xfrm>
+              <a:prstGeom prst="rect">
+                <a:avLst/>
+              </a:prstGeom>
+              <a:blipFill>
+                <a:blip r:embed="rId7"/>
+                <a:stretch>
+                  <a:fillRect t="-2222" b="-17778"/>
+                </a:stretch>
+              </a:blipFill>
+            </p:spPr>
+            <p:txBody>
+              <a:bodyPr/>
+              <a:lstStyle/>
+              <a:p>
+                <a:r>
+                  <a:rPr lang="en-US">
+                    <a:noFill/>
+                  </a:rPr>
+                  <a:t> </a:t>
+                </a:r>
+              </a:p>
+            </p:txBody>
+          </p:sp>
+        </mc:Fallback>
+      </mc:AlternateContent>
+    </p:spTree>
+    <p:extLst>
+      <p:ext uri="{BB962C8B-B14F-4D97-AF65-F5344CB8AC3E}">
+        <p14:creationId xmlns:p14="http://schemas.microsoft.com/office/powerpoint/2010/main" val="162267258"/>
+      </p:ext>
+    </p:extLst>
+  </p:cSld>
+  <p:clrMapOvr>
+    <a:masterClrMapping/>
+  </p:clrMapOvr>
+</p:sld>
+</file>
+
+<file path=ppt/slides/slide11.xml><?xml version="1.0" encoding="utf-8"?>
+<p:sld xmlns:a="http://schemas.openxmlformats.org/drawingml/2006/main" xmlns:r="http://schemas.openxmlformats.org/officeDocument/2006/relationships" xmlns:p="http://schemas.openxmlformats.org/presentationml/2006/main">
+  <p:cSld>
+    <p:spTree>
+      <p:nvGrpSpPr>
+        <p:cNvPr id="1" name="">
+          <a:extLst>
+            <a:ext uri="{FF2B5EF4-FFF2-40B4-BE49-F238E27FC236}">
+              <a16:creationId xmlns:a16="http://schemas.microsoft.com/office/drawing/2014/main" id="{4E35D7A4-0F0F-098C-F8C5-AEA9CCF946AE}"/>
+            </a:ext>
+          </a:extLst>
+        </p:cNvPr>
+        <p:cNvGrpSpPr/>
+        <p:nvPr/>
+      </p:nvGrpSpPr>
+      <p:grpSpPr>
+        <a:xfrm>
+          <a:off x="0" y="0"/>
+          <a:ext cx="0" cy="0"/>
+          <a:chOff x="0" y="0"/>
+          <a:chExt cx="0" cy="0"/>
+        </a:xfrm>
+      </p:grpSpPr>
+      <p:sp>
+        <p:nvSpPr>
+          <p:cNvPr id="2" name="Title 1">
+            <a:extLst>
+              <a:ext uri="{FF2B5EF4-FFF2-40B4-BE49-F238E27FC236}">
+                <a16:creationId xmlns:a16="http://schemas.microsoft.com/office/drawing/2014/main" id="{08E6899D-3A24-6A34-37FB-C642E759C325}"/>
+              </a:ext>
+            </a:extLst>
+          </p:cNvPr>
+          <p:cNvSpPr>
+            <a:spLocks noGrp="1"/>
+          </p:cNvSpPr>
+          <p:nvPr>
+            <p:ph type="title"/>
+          </p:nvPr>
+        </p:nvSpPr>
+        <p:spPr/>
+        <p:txBody>
+          <a:bodyPr>
+            <a:normAutofit fontScale="90000"/>
+          </a:bodyPr>
+          <a:lstStyle/>
+          <a:p>
+            <a:r>
+              <a:rPr lang="en-US" dirty="0"/>
+              <a:t>Simple Beam with Two Materials</a:t>
+            </a:r>
+          </a:p>
+        </p:txBody>
+      </p:sp>
+      <p:sp>
+        <p:nvSpPr>
+          <p:cNvPr id="4" name="Slide Number Placeholder 3">
+            <a:extLst>
+              <a:ext uri="{FF2B5EF4-FFF2-40B4-BE49-F238E27FC236}">
+                <a16:creationId xmlns:a16="http://schemas.microsoft.com/office/drawing/2014/main" id="{45CA8447-2FBF-A1D0-2C2D-04088DFE3300}"/>
+              </a:ext>
+            </a:extLst>
+          </p:cNvPr>
+          <p:cNvSpPr>
+            <a:spLocks noGrp="1"/>
+          </p:cNvSpPr>
+          <p:nvPr>
+            <p:ph type="sldNum" sz="quarter" idx="12"/>
+          </p:nvPr>
+        </p:nvSpPr>
+        <p:spPr/>
+        <p:txBody>
+          <a:bodyPr/>
+          <a:lstStyle/>
+          <a:p>
+            <a:fld id="{D95F4311-C1C1-468E-90BA-469E1A493750}" type="slidenum">
+              <a:rPr lang="en-US" smtClean="0"/>
+              <a:t>11</a:t>
+            </a:fld>
+            <a:endParaRPr lang="en-US"/>
+          </a:p>
+        </p:txBody>
+      </p:sp>
+      <p:grpSp>
+        <p:nvGrpSpPr>
+          <p:cNvPr id="23" name="Group 22">
+            <a:extLst>
+              <a:ext uri="{FF2B5EF4-FFF2-40B4-BE49-F238E27FC236}">
+                <a16:creationId xmlns:a16="http://schemas.microsoft.com/office/drawing/2014/main" id="{48A9CF44-5FA1-47BD-19C4-85F82C7A2095}"/>
+              </a:ext>
+            </a:extLst>
+          </p:cNvPr>
+          <p:cNvGrpSpPr/>
+          <p:nvPr/>
+        </p:nvGrpSpPr>
+        <p:grpSpPr>
+          <a:xfrm>
+            <a:off x="6798152" y="3470168"/>
+            <a:ext cx="4144962" cy="2316797"/>
+            <a:chOff x="3877215" y="3290450"/>
+            <a:chExt cx="4144962" cy="2316797"/>
+          </a:xfrm>
+        </p:grpSpPr>
+        <p:grpSp>
+          <p:nvGrpSpPr>
+            <p:cNvPr id="5" name="Group 4">
+              <a:extLst>
+                <a:ext uri="{FF2B5EF4-FFF2-40B4-BE49-F238E27FC236}">
+                  <a16:creationId xmlns:a16="http://schemas.microsoft.com/office/drawing/2014/main" id="{B4A5AB6E-003C-B390-2CBB-6B36CF867608}"/>
+                </a:ext>
+              </a:extLst>
+            </p:cNvPr>
+            <p:cNvGrpSpPr/>
+            <p:nvPr/>
+          </p:nvGrpSpPr>
+          <p:grpSpPr>
+            <a:xfrm>
+              <a:off x="3877215" y="3290450"/>
+              <a:ext cx="4144962" cy="2316797"/>
+              <a:chOff x="1251331" y="1945303"/>
+              <a:chExt cx="3207259" cy="1975562"/>
+            </a:xfrm>
+          </p:grpSpPr>
+          <p:cxnSp>
+            <p:nvCxnSpPr>
+              <p:cNvPr id="6" name="Straight Connector 5">
+                <a:extLst>
+                  <a:ext uri="{FF2B5EF4-FFF2-40B4-BE49-F238E27FC236}">
+                    <a16:creationId xmlns:a16="http://schemas.microsoft.com/office/drawing/2014/main" id="{F0ECC16A-6E44-06B6-4282-E8BD9D62D7C4}"/>
+                  </a:ext>
+                </a:extLst>
+              </p:cNvPr>
+              <p:cNvCxnSpPr>
+                <a:cxnSpLocks/>
+              </p:cNvCxnSpPr>
+              <p:nvPr/>
+            </p:nvCxnSpPr>
+            <p:spPr>
+              <a:xfrm>
+                <a:off x="1251331" y="3148491"/>
+                <a:ext cx="1545984" cy="0"/>
+              </a:xfrm>
+              <a:prstGeom prst="line">
+                <a:avLst/>
+              </a:prstGeom>
+              <a:ln w="57150">
+                <a:solidFill>
+                  <a:schemeClr val="tx2">
+                    <a:lumMod val="75000"/>
+                    <a:lumOff val="25000"/>
+                  </a:schemeClr>
+                </a:solidFill>
+              </a:ln>
+            </p:spPr>
+            <p:style>
+              <a:lnRef idx="2">
+                <a:schemeClr val="dk1"/>
+              </a:lnRef>
+              <a:fillRef idx="0">
+                <a:schemeClr val="dk1"/>
+              </a:fillRef>
+              <a:effectRef idx="1">
+                <a:schemeClr val="dk1"/>
+              </a:effectRef>
+              <a:fontRef idx="minor">
+                <a:schemeClr val="tx1"/>
+              </a:fontRef>
+            </p:style>
+          </p:cxnSp>
+          <p:sp>
+            <p:nvSpPr>
+              <p:cNvPr id="7" name="Oval 6">
+                <a:extLst>
+                  <a:ext uri="{FF2B5EF4-FFF2-40B4-BE49-F238E27FC236}">
+                    <a16:creationId xmlns:a16="http://schemas.microsoft.com/office/drawing/2014/main" id="{689BFC8D-F26A-BDA9-1DB9-F200ABFD47E0}"/>
+                  </a:ext>
+                </a:extLst>
+              </p:cNvPr>
+              <p:cNvSpPr/>
+              <p:nvPr/>
+            </p:nvSpPr>
+            <p:spPr>
+              <a:xfrm>
+                <a:off x="4189805" y="3148491"/>
+                <a:ext cx="268785" cy="287394"/>
+              </a:xfrm>
+              <a:prstGeom prst="ellipse">
+                <a:avLst/>
+              </a:prstGeom>
+              <a:solidFill>
+                <a:schemeClr val="dk1"/>
+              </a:solidFill>
+              <a:ln>
+                <a:noFill/>
+              </a:ln>
+            </p:spPr>
+            <p:style>
+              <a:lnRef idx="0">
+                <a:scrgbClr r="0" g="0" b="0"/>
+              </a:lnRef>
+              <a:fillRef idx="0">
+                <a:scrgbClr r="0" g="0" b="0"/>
+              </a:fillRef>
+              <a:effectRef idx="0">
+                <a:scrgbClr r="0" g="0" b="0"/>
+              </a:effectRef>
+              <a:fontRef idx="minor">
+                <a:schemeClr val="lt1"/>
+              </a:fontRef>
+            </p:style>
+            <p:txBody>
+              <a:bodyPr rtlCol="0" anchor="ctr"/>
+              <a:lstStyle/>
+              <a:p>
+                <a:pPr algn="ctr"/>
+                <a:endParaRPr lang="en-US" dirty="0"/>
+              </a:p>
+            </p:txBody>
+          </p:sp>
+          <p:sp>
+            <p:nvSpPr>
+              <p:cNvPr id="8" name="Isosceles Triangle 7">
+                <a:extLst>
+                  <a:ext uri="{FF2B5EF4-FFF2-40B4-BE49-F238E27FC236}">
+                    <a16:creationId xmlns:a16="http://schemas.microsoft.com/office/drawing/2014/main" id="{91E9FEC4-2E5A-C82A-E761-147AD9209634}"/>
+                  </a:ext>
+                </a:extLst>
+              </p:cNvPr>
+              <p:cNvSpPr/>
+              <p:nvPr/>
+            </p:nvSpPr>
+            <p:spPr>
+              <a:xfrm>
+                <a:off x="1277620" y="3148491"/>
+                <a:ext cx="246888" cy="261741"/>
+              </a:xfrm>
+              <a:prstGeom prst="triangle">
+                <a:avLst/>
+              </a:prstGeom>
+              <a:solidFill>
+                <a:schemeClr val="dk1"/>
+              </a:solidFill>
+              <a:ln>
+                <a:noFill/>
+              </a:ln>
+            </p:spPr>
+            <p:style>
+              <a:lnRef idx="0">
+                <a:scrgbClr r="0" g="0" b="0"/>
+              </a:lnRef>
+              <a:fillRef idx="0">
+                <a:scrgbClr r="0" g="0" b="0"/>
+              </a:fillRef>
+              <a:effectRef idx="0">
+                <a:scrgbClr r="0" g="0" b="0"/>
+              </a:effectRef>
+              <a:fontRef idx="minor">
+                <a:schemeClr val="lt1"/>
+              </a:fontRef>
+            </p:style>
+            <p:txBody>
+              <a:bodyPr rtlCol="0" anchor="ctr"/>
+              <a:lstStyle/>
+              <a:p>
+                <a:pPr algn="ctr"/>
+                <a:endParaRPr lang="en-US"/>
+              </a:p>
+            </p:txBody>
+          </p:sp>
+          <p:cxnSp>
+            <p:nvCxnSpPr>
+              <p:cNvPr id="9" name="Straight Arrow Connector 8">
+                <a:extLst>
+                  <a:ext uri="{FF2B5EF4-FFF2-40B4-BE49-F238E27FC236}">
+                    <a16:creationId xmlns:a16="http://schemas.microsoft.com/office/drawing/2014/main" id="{11B03DDE-BBC9-63E4-DE6A-1B44F81F1ADF}"/>
+                  </a:ext>
+                </a:extLst>
+              </p:cNvPr>
+              <p:cNvCxnSpPr/>
+              <p:nvPr/>
+            </p:nvCxnSpPr>
+            <p:spPr>
+              <a:xfrm>
+                <a:off x="2797315" y="2181504"/>
+                <a:ext cx="0" cy="960120"/>
+              </a:xfrm>
+              <a:prstGeom prst="straightConnector1">
+                <a:avLst/>
+              </a:prstGeom>
+              <a:ln w="38100">
+                <a:tailEnd type="triangle"/>
+              </a:ln>
+            </p:spPr>
+            <p:style>
+              <a:lnRef idx="1">
+                <a:schemeClr val="dk1"/>
+              </a:lnRef>
+              <a:fillRef idx="0">
+                <a:schemeClr val="dk1"/>
+              </a:fillRef>
+              <a:effectRef idx="0">
+                <a:schemeClr val="dk1"/>
+              </a:effectRef>
+              <a:fontRef idx="minor">
+                <a:schemeClr val="tx1"/>
+              </a:fontRef>
+            </p:style>
+          </p:cxnSp>
+          <p:cxnSp>
+            <p:nvCxnSpPr>
+              <p:cNvPr id="10" name="Straight Connector 9">
+                <a:extLst>
+                  <a:ext uri="{FF2B5EF4-FFF2-40B4-BE49-F238E27FC236}">
+                    <a16:creationId xmlns:a16="http://schemas.microsoft.com/office/drawing/2014/main" id="{4A53ADB2-B7C1-0D00-EA0D-F04801105E47}"/>
+                  </a:ext>
+                </a:extLst>
+              </p:cNvPr>
+              <p:cNvCxnSpPr>
+                <a:cxnSpLocks/>
+              </p:cNvCxnSpPr>
+              <p:nvPr/>
+            </p:nvCxnSpPr>
+            <p:spPr>
+              <a:xfrm>
+                <a:off x="1392891" y="3664365"/>
+                <a:ext cx="2907792" cy="0"/>
+              </a:xfrm>
+              <a:prstGeom prst="line">
+                <a:avLst/>
+              </a:prstGeom>
+            </p:spPr>
+            <p:style>
+              <a:lnRef idx="2">
+                <a:schemeClr val="dk1"/>
+              </a:lnRef>
+              <a:fillRef idx="0">
+                <a:schemeClr val="dk1"/>
+              </a:fillRef>
+              <a:effectRef idx="1">
+                <a:schemeClr val="dk1"/>
+              </a:effectRef>
+              <a:fontRef idx="minor">
+                <a:schemeClr val="tx1"/>
+              </a:fontRef>
+            </p:style>
+          </p:cxnSp>
+          <p:sp>
+            <p:nvSpPr>
+              <p:cNvPr id="11" name="TextBox 10">
+                <a:extLst>
+                  <a:ext uri="{FF2B5EF4-FFF2-40B4-BE49-F238E27FC236}">
+                    <a16:creationId xmlns:a16="http://schemas.microsoft.com/office/drawing/2014/main" id="{522F712B-D40B-3ABC-E646-637623B2C170}"/>
+                  </a:ext>
+                </a:extLst>
+              </p:cNvPr>
+              <p:cNvSpPr txBox="1"/>
+              <p:nvPr/>
+            </p:nvSpPr>
+            <p:spPr>
+              <a:xfrm>
+                <a:off x="2692874" y="3684664"/>
+                <a:ext cx="530428" cy="236201"/>
+              </a:xfrm>
+              <a:prstGeom prst="rect">
+                <a:avLst/>
+              </a:prstGeom>
+              <a:noFill/>
+            </p:spPr>
+            <p:txBody>
+              <a:bodyPr wrap="none" rtlCol="0">
+                <a:spAutoFit/>
+              </a:bodyPr>
+              <a:lstStyle/>
+              <a:p>
+                <a:r>
+                  <a:rPr lang="en-US" sz="1200" dirty="0">
+                    <a:latin typeface="+mj-lt"/>
+                  </a:rPr>
+                  <a:t>L = 10ft</a:t>
+                </a:r>
+              </a:p>
+            </p:txBody>
+          </p:sp>
+          <p:sp>
+            <p:nvSpPr>
+              <p:cNvPr id="12" name="TextBox 11">
+                <a:extLst>
+                  <a:ext uri="{FF2B5EF4-FFF2-40B4-BE49-F238E27FC236}">
+                    <a16:creationId xmlns:a16="http://schemas.microsoft.com/office/drawing/2014/main" id="{8F4500B0-13F0-C8AF-9142-3F5CB2B773E5}"/>
+                  </a:ext>
+                </a:extLst>
+              </p:cNvPr>
+              <p:cNvSpPr txBox="1"/>
+              <p:nvPr/>
+            </p:nvSpPr>
+            <p:spPr>
+              <a:xfrm>
+                <a:off x="2693000" y="1945303"/>
+                <a:ext cx="542832" cy="236201"/>
+              </a:xfrm>
+              <a:prstGeom prst="rect">
+                <a:avLst/>
+              </a:prstGeom>
+              <a:noFill/>
+            </p:spPr>
+            <p:txBody>
+              <a:bodyPr wrap="none" rtlCol="0">
+                <a:spAutoFit/>
+              </a:bodyPr>
+              <a:lstStyle/>
+              <a:p>
+                <a:r>
+                  <a:rPr lang="en-US" sz="1200" dirty="0">
+                    <a:latin typeface="+mj-lt"/>
+                  </a:rPr>
+                  <a:t>P = 1kip</a:t>
+                </a:r>
+              </a:p>
+            </p:txBody>
+          </p:sp>
+          <p:sp>
+            <p:nvSpPr>
+              <p:cNvPr id="13" name="Freeform: Shape 12">
+                <a:extLst>
+                  <a:ext uri="{FF2B5EF4-FFF2-40B4-BE49-F238E27FC236}">
+                    <a16:creationId xmlns:a16="http://schemas.microsoft.com/office/drawing/2014/main" id="{A5953FB5-6642-7E9B-6FD2-0B36E479D011}"/>
+                  </a:ext>
+                </a:extLst>
+              </p:cNvPr>
+              <p:cNvSpPr/>
+              <p:nvPr/>
+            </p:nvSpPr>
+            <p:spPr>
+              <a:xfrm>
+                <a:off x="1435608" y="3168789"/>
+                <a:ext cx="2812415" cy="397404"/>
+              </a:xfrm>
+              <a:custGeom>
+                <a:avLst/>
+                <a:gdLst>
+                  <a:gd name="csX0" fmla="*/ 0 w 2889504"/>
+                  <a:gd name="csY0" fmla="*/ 18288 h 420657"/>
+                  <a:gd name="csX1" fmla="*/ 1399032 w 2889504"/>
+                  <a:gd name="csY1" fmla="*/ 420624 h 420657"/>
+                  <a:gd name="csX2" fmla="*/ 2889504 w 2889504"/>
+                  <a:gd name="csY2" fmla="*/ 0 h 420657"/>
+                </a:gdLst>
+                <a:ahLst/>
+                <a:cxnLst>
+                  <a:cxn ang="0">
+                    <a:pos x="csX0" y="csY0"/>
+                  </a:cxn>
+                  <a:cxn ang="0">
+                    <a:pos x="csX1" y="csY1"/>
+                  </a:cxn>
+                  <a:cxn ang="0">
+                    <a:pos x="csX2" y="csY2"/>
+                  </a:cxn>
+                </a:cxnLst>
+                <a:rect l="l" t="t" r="r" b="b"/>
+                <a:pathLst>
+                  <a:path w="2889504" h="420657">
+                    <a:moveTo>
+                      <a:pt x="0" y="18288"/>
+                    </a:moveTo>
+                    <a:cubicBezTo>
+                      <a:pt x="458724" y="220980"/>
+                      <a:pt x="917448" y="423672"/>
+                      <a:pt x="1399032" y="420624"/>
+                    </a:cubicBezTo>
+                    <a:cubicBezTo>
+                      <a:pt x="1880616" y="417576"/>
+                      <a:pt x="2631948" y="92964"/>
+                      <a:pt x="2889504" y="0"/>
+                    </a:cubicBezTo>
+                  </a:path>
+                </a:pathLst>
+              </a:custGeom>
+              <a:ln w="28575">
+                <a:solidFill>
+                  <a:schemeClr val="tx1"/>
+                </a:solidFill>
+                <a:prstDash val="sysDash"/>
+              </a:ln>
+            </p:spPr>
+            <p:style>
+              <a:lnRef idx="1">
+                <a:schemeClr val="accent4"/>
+              </a:lnRef>
+              <a:fillRef idx="0">
+                <a:schemeClr val="accent4"/>
+              </a:fillRef>
+              <a:effectRef idx="0">
+                <a:schemeClr val="accent4"/>
+              </a:effectRef>
+              <a:fontRef idx="minor">
+                <a:schemeClr val="tx1"/>
+              </a:fontRef>
+            </p:style>
+            <p:txBody>
+              <a:bodyPr rtlCol="0" anchor="ctr"/>
+              <a:lstStyle/>
+              <a:p>
+                <a:pPr algn="ctr"/>
+                <a:endParaRPr lang="en-US" dirty="0"/>
+              </a:p>
+            </p:txBody>
+          </p:sp>
+          <mc:AlternateContent xmlns:mc="http://schemas.openxmlformats.org/markup-compatibility/2006">
+            <mc:Choice xmlns:a14="http://schemas.microsoft.com/office/drawing/2010/main" Requires="a14">
+              <p:sp>
+                <p:nvSpPr>
+                  <p:cNvPr id="14" name="TextBox 13">
+                    <a:extLst>
+                      <a:ext uri="{FF2B5EF4-FFF2-40B4-BE49-F238E27FC236}">
+                        <a16:creationId xmlns:a16="http://schemas.microsoft.com/office/drawing/2014/main" id="{6909412E-06A6-F5AB-DB0F-DC05E37B2105}"/>
+                      </a:ext>
+                    </a:extLst>
+                  </p:cNvPr>
+                  <p:cNvSpPr txBox="1"/>
+                  <p:nvPr/>
+                </p:nvSpPr>
+                <p:spPr>
+                  <a:xfrm>
+                    <a:off x="2773259" y="3220756"/>
+                    <a:ext cx="743472" cy="236201"/>
+                  </a:xfrm>
+                  <a:prstGeom prst="rect">
+                    <a:avLst/>
+                  </a:prstGeom>
+                  <a:noFill/>
+                </p:spPr>
+                <p:txBody>
+                  <a:bodyPr wrap="none" rtlCol="0">
+                    <a:spAutoFit/>
+                  </a:bodyPr>
+                  <a:lstStyle/>
+                  <a:p>
+                    <a:pPr/>
+                    <a14:m>
+                      <m:oMathPara xmlns:m="http://schemas.openxmlformats.org/officeDocument/2006/math">
+                        <m:oMathParaPr>
+                          <m:jc m:val="centerGroup"/>
+                        </m:oMathParaPr>
+                        <m:oMath xmlns:m="http://schemas.openxmlformats.org/officeDocument/2006/math">
+                          <m:sSub>
+                            <m:sSubPr>
+                              <m:ctrlPr>
+                                <a:rPr lang="en-US" sz="1200" b="0" i="1" smtClean="0">
+                                  <a:solidFill>
+                                    <a:schemeClr val="tx1"/>
+                                  </a:solidFill>
+                                  <a:latin typeface="Cambria Math" panose="02040503050406030204" pitchFamily="18" charset="0"/>
+                                </a:rPr>
+                              </m:ctrlPr>
+                            </m:sSubPr>
+                            <m:e>
+                              <m:r>
+                                <a:rPr lang="en-US" sz="1200" b="0" i="1" smtClean="0">
+                                  <a:solidFill>
+                                    <a:schemeClr val="tx1"/>
+                                  </a:solidFill>
+                                  <a:latin typeface="Cambria Math" panose="02040503050406030204" pitchFamily="18" charset="0"/>
+                                </a:rPr>
+                                <m:t>𝛿</m:t>
+                              </m:r>
+                            </m:e>
+                            <m:sub>
+                              <m:r>
+                                <m:rPr>
+                                  <m:sty m:val="p"/>
+                                </m:rPr>
+                                <a:rPr lang="en-US" sz="1200" b="0" i="0" smtClean="0">
+                                  <a:solidFill>
+                                    <a:schemeClr val="tx1"/>
+                                  </a:solidFill>
+                                  <a:latin typeface="Cambria Math" panose="02040503050406030204" pitchFamily="18" charset="0"/>
+                                </a:rPr>
+                                <m:t>max</m:t>
+                              </m:r>
+                            </m:sub>
+                          </m:sSub>
+                          <m:r>
+                            <a:rPr lang="en-US" sz="1200" b="0" i="1" smtClean="0">
+                              <a:solidFill>
+                                <a:schemeClr val="tx1"/>
+                              </a:solidFill>
+                              <a:latin typeface="Cambria Math" panose="02040503050406030204" pitchFamily="18" charset="0"/>
+                            </a:rPr>
+                            <m:t>=1</m:t>
+                          </m:r>
+                          <m:r>
+                            <a:rPr lang="en-US" sz="1200" b="0" i="1" smtClean="0">
+                              <a:solidFill>
+                                <a:schemeClr val="tx1"/>
+                              </a:solidFill>
+                              <a:latin typeface="Cambria Math" panose="02040503050406030204" pitchFamily="18" charset="0"/>
+                            </a:rPr>
+                            <m:t>𝑖𝑛</m:t>
+                          </m:r>
+                        </m:oMath>
+                      </m:oMathPara>
+                    </a14:m>
+                    <a:endParaRPr lang="en-US" sz="1200" dirty="0">
+                      <a:solidFill>
+                        <a:schemeClr val="tx1"/>
+                      </a:solidFill>
+                      <a:latin typeface="+mj-lt"/>
+                    </a:endParaRPr>
+                  </a:p>
+                </p:txBody>
+              </p:sp>
+            </mc:Choice>
+            <mc:Fallback>
+              <p:sp>
+                <p:nvSpPr>
+                  <p:cNvPr id="14" name="TextBox 13">
+                    <a:extLst>
+                      <a:ext uri="{FF2B5EF4-FFF2-40B4-BE49-F238E27FC236}">
+                        <a16:creationId xmlns:a16="http://schemas.microsoft.com/office/drawing/2014/main" id="{6909412E-06A6-F5AB-DB0F-DC05E37B2105}"/>
+                      </a:ext>
+                    </a:extLst>
+                  </p:cNvPr>
+                  <p:cNvSpPr txBox="1">
+                    <a:spLocks noRot="1" noChangeAspect="1" noMove="1" noResize="1" noEditPoints="1" noAdjustHandles="1" noChangeArrowheads="1" noChangeShapeType="1" noTextEdit="1"/>
+                  </p:cNvSpPr>
+                  <p:nvPr/>
+                </p:nvSpPr>
+                <p:spPr>
+                  <a:xfrm>
+                    <a:off x="2773259" y="3220756"/>
+                    <a:ext cx="743472" cy="236201"/>
+                  </a:xfrm>
+                  <a:prstGeom prst="rect">
+                    <a:avLst/>
+                  </a:prstGeom>
+                  <a:blipFill>
+                    <a:blip r:embed="rId3"/>
+                    <a:stretch>
+                      <a:fillRect/>
+                    </a:stretch>
+                  </a:blipFill>
+                </p:spPr>
+                <p:txBody>
+                  <a:bodyPr/>
+                  <a:lstStyle/>
+                  <a:p>
+                    <a:r>
+                      <a:rPr lang="en-US">
+                        <a:noFill/>
+                      </a:rPr>
+                      <a:t> </a:t>
+                    </a:r>
+                  </a:p>
+                </p:txBody>
+              </p:sp>
+            </mc:Fallback>
+          </mc:AlternateContent>
+          <p:cxnSp>
+            <p:nvCxnSpPr>
+              <p:cNvPr id="15" name="Straight Connector 14">
+                <a:extLst>
+                  <a:ext uri="{FF2B5EF4-FFF2-40B4-BE49-F238E27FC236}">
+                    <a16:creationId xmlns:a16="http://schemas.microsoft.com/office/drawing/2014/main" id="{EC8A669C-CE4E-1B1F-A9DE-915F7197C721}"/>
+                  </a:ext>
+                </a:extLst>
+              </p:cNvPr>
+              <p:cNvCxnSpPr/>
+              <p:nvPr/>
+            </p:nvCxnSpPr>
+            <p:spPr>
+              <a:xfrm>
+                <a:off x="1393653" y="3560626"/>
+                <a:ext cx="0" cy="207478"/>
+              </a:xfrm>
+              <a:prstGeom prst="line">
+                <a:avLst/>
+              </a:prstGeom>
+            </p:spPr>
+            <p:style>
+              <a:lnRef idx="2">
+                <a:schemeClr val="dk1"/>
+              </a:lnRef>
+              <a:fillRef idx="0">
+                <a:schemeClr val="dk1"/>
+              </a:fillRef>
+              <a:effectRef idx="1">
+                <a:schemeClr val="dk1"/>
+              </a:effectRef>
+              <a:fontRef idx="minor">
+                <a:schemeClr val="tx1"/>
+              </a:fontRef>
+            </p:style>
+          </p:cxnSp>
+          <p:cxnSp>
+            <p:nvCxnSpPr>
+              <p:cNvPr id="16" name="Straight Connector 15">
+                <a:extLst>
+                  <a:ext uri="{FF2B5EF4-FFF2-40B4-BE49-F238E27FC236}">
+                    <a16:creationId xmlns:a16="http://schemas.microsoft.com/office/drawing/2014/main" id="{93B37A04-7947-F974-40F9-57E7F580D877}"/>
+                  </a:ext>
+                </a:extLst>
+              </p:cNvPr>
+              <p:cNvCxnSpPr/>
+              <p:nvPr/>
+            </p:nvCxnSpPr>
+            <p:spPr>
+              <a:xfrm>
+                <a:off x="4300683" y="3560626"/>
+                <a:ext cx="0" cy="207478"/>
+              </a:xfrm>
+              <a:prstGeom prst="line">
+                <a:avLst/>
+              </a:prstGeom>
+            </p:spPr>
+            <p:style>
+              <a:lnRef idx="2">
+                <a:schemeClr val="dk1"/>
+              </a:lnRef>
+              <a:fillRef idx="0">
+                <a:schemeClr val="dk1"/>
+              </a:fillRef>
+              <a:effectRef idx="1">
+                <a:schemeClr val="dk1"/>
+              </a:effectRef>
+              <a:fontRef idx="minor">
+                <a:schemeClr val="tx1"/>
+              </a:fontRef>
+            </p:style>
+          </p:cxnSp>
+          <p:cxnSp>
+            <p:nvCxnSpPr>
+              <p:cNvPr id="17" name="Straight Connector 16">
+                <a:extLst>
+                  <a:ext uri="{FF2B5EF4-FFF2-40B4-BE49-F238E27FC236}">
+                    <a16:creationId xmlns:a16="http://schemas.microsoft.com/office/drawing/2014/main" id="{8FB721BF-D57F-BC44-E786-728161F5FBA5}"/>
+                  </a:ext>
+                </a:extLst>
+              </p:cNvPr>
+              <p:cNvCxnSpPr>
+                <a:cxnSpLocks/>
+                <a:endCxn id="13" idx="1"/>
+              </p:cNvCxnSpPr>
+              <p:nvPr/>
+            </p:nvCxnSpPr>
+            <p:spPr>
+              <a:xfrm>
+                <a:off x="2797315" y="3168789"/>
+                <a:ext cx="0" cy="397373"/>
+              </a:xfrm>
+              <a:prstGeom prst="line">
+                <a:avLst/>
+              </a:prstGeom>
+              <a:ln w="9525">
+                <a:solidFill>
+                  <a:schemeClr val="tx1"/>
+                </a:solidFill>
+                <a:prstDash val="dash"/>
+              </a:ln>
+            </p:spPr>
+            <p:style>
+              <a:lnRef idx="2">
+                <a:schemeClr val="accent4"/>
+              </a:lnRef>
+              <a:fillRef idx="0">
+                <a:schemeClr val="accent4"/>
+              </a:fillRef>
+              <a:effectRef idx="1">
+                <a:schemeClr val="accent4"/>
+              </a:effectRef>
+              <a:fontRef idx="minor">
+                <a:schemeClr val="tx1"/>
+              </a:fontRef>
+            </p:style>
+          </p:cxnSp>
+        </p:grpSp>
+        <p:cxnSp>
+          <p:nvCxnSpPr>
+            <p:cNvPr id="19" name="Straight Connector 18">
+              <a:extLst>
+                <a:ext uri="{FF2B5EF4-FFF2-40B4-BE49-F238E27FC236}">
+                  <a16:creationId xmlns:a16="http://schemas.microsoft.com/office/drawing/2014/main" id="{CD574B8F-2CFE-DFD1-75FC-1B0E23329FBD}"/>
+                </a:ext>
+              </a:extLst>
+            </p:cNvPr>
+            <p:cNvCxnSpPr>
+              <a:cxnSpLocks/>
+            </p:cNvCxnSpPr>
+            <p:nvPr/>
+          </p:nvCxnSpPr>
+          <p:spPr>
+            <a:xfrm>
+              <a:off x="5875197" y="4701462"/>
+              <a:ext cx="1997982" cy="0"/>
+            </a:xfrm>
+            <a:prstGeom prst="line">
+              <a:avLst/>
+            </a:prstGeom>
+            <a:ln w="57150">
+              <a:solidFill>
+                <a:schemeClr val="accent1">
+                  <a:lumMod val="60000"/>
+                  <a:lumOff val="40000"/>
+                </a:schemeClr>
+              </a:solidFill>
+            </a:ln>
+          </p:spPr>
+          <p:style>
+            <a:lnRef idx="2">
+              <a:schemeClr val="dk1"/>
+            </a:lnRef>
+            <a:fillRef idx="0">
+              <a:schemeClr val="dk1"/>
+            </a:fillRef>
+            <a:effectRef idx="1">
+              <a:schemeClr val="dk1"/>
+            </a:effectRef>
+            <a:fontRef idx="minor">
+              <a:schemeClr val="tx1"/>
+            </a:fontRef>
+          </p:style>
+        </p:cxnSp>
+        <mc:AlternateContent xmlns:mc="http://schemas.openxmlformats.org/markup-compatibility/2006">
+          <mc:Choice xmlns:a14="http://schemas.microsoft.com/office/drawing/2010/main" Requires="a14">
+            <p:sp>
+              <p:nvSpPr>
+                <p:cNvPr id="18" name="TextBox 17">
+                  <a:extLst>
+                    <a:ext uri="{FF2B5EF4-FFF2-40B4-BE49-F238E27FC236}">
+                      <a16:creationId xmlns:a16="http://schemas.microsoft.com/office/drawing/2014/main" id="{26C4AFC3-6B06-23F9-CF68-423B83157C33}"/>
+                    </a:ext>
+                  </a:extLst>
+                </p:cNvPr>
+                <p:cNvSpPr txBox="1"/>
+                <p:nvPr/>
+              </p:nvSpPr>
+              <p:spPr>
+                <a:xfrm>
+                  <a:off x="4662637" y="4403197"/>
+                  <a:ext cx="683515" cy="276999"/>
+                </a:xfrm>
+                <a:prstGeom prst="rect">
+                  <a:avLst/>
+                </a:prstGeom>
+                <a:noFill/>
+              </p:spPr>
+              <p:txBody>
+                <a:bodyPr wrap="square">
+                  <a:spAutoFit/>
+                </a:bodyPr>
+                <a:lstStyle/>
+                <a:p>
+                  <a14:m>
+                    <m:oMath xmlns:m="http://schemas.openxmlformats.org/officeDocument/2006/math">
+                      <m:sSub>
+                        <m:sSubPr>
+                          <m:ctrlPr>
+                            <a:rPr lang="en-US" sz="1200" b="0" i="1" smtClean="0">
+                              <a:solidFill>
+                                <a:schemeClr val="tx2">
+                                  <a:lumMod val="50000"/>
+                                  <a:lumOff val="50000"/>
+                                </a:schemeClr>
+                              </a:solidFill>
+                              <a:latin typeface="Cambria Math" panose="02040503050406030204" pitchFamily="18" charset="0"/>
+                            </a:rPr>
+                          </m:ctrlPr>
+                        </m:sSubPr>
+                        <m:e>
+                          <m:r>
+                            <a:rPr lang="en-US" sz="1200" b="0" i="1" smtClean="0">
+                              <a:solidFill>
+                                <a:schemeClr val="tx2">
+                                  <a:lumMod val="50000"/>
+                                  <a:lumOff val="50000"/>
+                                </a:schemeClr>
+                              </a:solidFill>
+                              <a:latin typeface="Cambria Math" panose="02040503050406030204" pitchFamily="18" charset="0"/>
+                            </a:rPr>
+                            <m:t>𝐸</m:t>
+                          </m:r>
+                        </m:e>
+                        <m:sub>
+                          <m:r>
+                            <a:rPr lang="en-US" sz="1200" b="0" i="1" smtClean="0">
+                              <a:solidFill>
+                                <a:schemeClr val="tx2">
+                                  <a:lumMod val="50000"/>
+                                  <a:lumOff val="50000"/>
+                                </a:schemeClr>
+                              </a:solidFill>
+                              <a:latin typeface="Cambria Math" panose="02040503050406030204" pitchFamily="18" charset="0"/>
+                            </a:rPr>
+                            <m:t>1</m:t>
+                          </m:r>
+                        </m:sub>
+                      </m:sSub>
+                    </m:oMath>
+                  </a14:m>
+                  <a:r>
+                    <a:rPr lang="en-US" sz="1200" dirty="0">
+                      <a:solidFill>
+                        <a:schemeClr val="tx2">
+                          <a:lumMod val="50000"/>
+                          <a:lumOff val="50000"/>
+                        </a:schemeClr>
+                      </a:solidFill>
+                      <a:latin typeface="+mj-lt"/>
+                    </a:rPr>
+                    <a:t>= ?</a:t>
+                  </a:r>
+                </a:p>
+              </p:txBody>
+            </p:sp>
+          </mc:Choice>
+          <mc:Fallback>
+            <p:sp>
+              <p:nvSpPr>
+                <p:cNvPr id="18" name="TextBox 17">
+                  <a:extLst>
+                    <a:ext uri="{FF2B5EF4-FFF2-40B4-BE49-F238E27FC236}">
+                      <a16:creationId xmlns:a16="http://schemas.microsoft.com/office/drawing/2014/main" id="{26C4AFC3-6B06-23F9-CF68-423B83157C33}"/>
+                    </a:ext>
+                  </a:extLst>
+                </p:cNvPr>
+                <p:cNvSpPr txBox="1">
+                  <a:spLocks noRot="1" noChangeAspect="1" noMove="1" noResize="1" noEditPoints="1" noAdjustHandles="1" noChangeArrowheads="1" noChangeShapeType="1" noTextEdit="1"/>
+                </p:cNvSpPr>
+                <p:nvPr/>
+              </p:nvSpPr>
+              <p:spPr>
+                <a:xfrm>
+                  <a:off x="4662637" y="4403197"/>
+                  <a:ext cx="683515" cy="276999"/>
+                </a:xfrm>
+                <a:prstGeom prst="rect">
+                  <a:avLst/>
+                </a:prstGeom>
+                <a:blipFill>
+                  <a:blip r:embed="rId4"/>
+                  <a:stretch>
+                    <a:fillRect t="-2222" b="-17778"/>
+                  </a:stretch>
+                </a:blipFill>
+              </p:spPr>
+              <p:txBody>
+                <a:bodyPr/>
+                <a:lstStyle/>
+                <a:p>
+                  <a:r>
+                    <a:rPr lang="en-US">
+                      <a:noFill/>
+                    </a:rPr>
+                    <a:t> </a:t>
+                  </a:r>
+                </a:p>
+              </p:txBody>
+            </p:sp>
+          </mc:Fallback>
+        </mc:AlternateContent>
+        <mc:AlternateContent xmlns:mc="http://schemas.openxmlformats.org/markup-compatibility/2006">
+          <mc:Choice xmlns:a14="http://schemas.microsoft.com/office/drawing/2010/main" Requires="a14">
+            <p:sp>
+              <p:nvSpPr>
+                <p:cNvPr id="20" name="TextBox 19">
+                  <a:extLst>
+                    <a:ext uri="{FF2B5EF4-FFF2-40B4-BE49-F238E27FC236}">
+                      <a16:creationId xmlns:a16="http://schemas.microsoft.com/office/drawing/2014/main" id="{D55F70AD-38D6-76EE-9DF3-85F97F824054}"/>
+                    </a:ext>
+                  </a:extLst>
+                </p:cNvPr>
+                <p:cNvSpPr txBox="1"/>
+                <p:nvPr/>
+              </p:nvSpPr>
+              <p:spPr>
+                <a:xfrm>
+                  <a:off x="6572198" y="4420437"/>
+                  <a:ext cx="683515" cy="276999"/>
+                </a:xfrm>
+                <a:prstGeom prst="rect">
+                  <a:avLst/>
+                </a:prstGeom>
+                <a:noFill/>
+              </p:spPr>
+              <p:txBody>
+                <a:bodyPr wrap="square">
+                  <a:spAutoFit/>
+                </a:bodyPr>
+                <a:lstStyle/>
+                <a:p>
+                  <a14:m>
+                    <m:oMath xmlns:m="http://schemas.openxmlformats.org/officeDocument/2006/math">
+                      <m:sSub>
+                        <m:sSubPr>
+                          <m:ctrlPr>
+                            <a:rPr lang="en-US" sz="1200" b="0" i="1" smtClean="0">
+                              <a:solidFill>
+                                <a:schemeClr val="accent1">
+                                  <a:lumMod val="60000"/>
+                                  <a:lumOff val="40000"/>
+                                </a:schemeClr>
+                              </a:solidFill>
+                              <a:latin typeface="Cambria Math" panose="02040503050406030204" pitchFamily="18" charset="0"/>
+                            </a:rPr>
+                          </m:ctrlPr>
+                        </m:sSubPr>
+                        <m:e>
+                          <m:r>
+                            <a:rPr lang="en-US" sz="1200" b="0" i="1" smtClean="0">
+                              <a:solidFill>
+                                <a:schemeClr val="accent1">
+                                  <a:lumMod val="60000"/>
+                                  <a:lumOff val="40000"/>
+                                </a:schemeClr>
+                              </a:solidFill>
+                              <a:latin typeface="Cambria Math" panose="02040503050406030204" pitchFamily="18" charset="0"/>
+                            </a:rPr>
+                            <m:t>𝐸</m:t>
+                          </m:r>
+                        </m:e>
+                        <m:sub>
+                          <m:r>
+                            <a:rPr lang="en-US" sz="1200" b="0" i="1" smtClean="0">
+                              <a:solidFill>
+                                <a:schemeClr val="accent1">
+                                  <a:lumMod val="60000"/>
+                                  <a:lumOff val="40000"/>
+                                </a:schemeClr>
+                              </a:solidFill>
+                              <a:latin typeface="Cambria Math" panose="02040503050406030204" pitchFamily="18" charset="0"/>
+                            </a:rPr>
+                            <m:t>2</m:t>
+                          </m:r>
+                        </m:sub>
+                      </m:sSub>
+                    </m:oMath>
+                  </a14:m>
+                  <a:r>
+                    <a:rPr lang="en-US" sz="1200" dirty="0">
+                      <a:solidFill>
+                        <a:schemeClr val="accent1">
+                          <a:lumMod val="60000"/>
+                          <a:lumOff val="40000"/>
+                        </a:schemeClr>
+                      </a:solidFill>
+                      <a:latin typeface="+mj-lt"/>
+                    </a:rPr>
+                    <a:t>= ?</a:t>
+                  </a:r>
+                </a:p>
+              </p:txBody>
+            </p:sp>
+          </mc:Choice>
+          <mc:Fallback>
+            <p:sp>
+              <p:nvSpPr>
+                <p:cNvPr id="20" name="TextBox 19">
+                  <a:extLst>
+                    <a:ext uri="{FF2B5EF4-FFF2-40B4-BE49-F238E27FC236}">
+                      <a16:creationId xmlns:a16="http://schemas.microsoft.com/office/drawing/2014/main" id="{D55F70AD-38D6-76EE-9DF3-85F97F824054}"/>
+                    </a:ext>
+                  </a:extLst>
+                </p:cNvPr>
+                <p:cNvSpPr txBox="1">
+                  <a:spLocks noRot="1" noChangeAspect="1" noMove="1" noResize="1" noEditPoints="1" noAdjustHandles="1" noChangeArrowheads="1" noChangeShapeType="1" noTextEdit="1"/>
+                </p:cNvSpPr>
+                <p:nvPr/>
+              </p:nvSpPr>
+              <p:spPr>
+                <a:xfrm>
+                  <a:off x="6572198" y="4420437"/>
+                  <a:ext cx="683515" cy="276999"/>
+                </a:xfrm>
+                <a:prstGeom prst="rect">
+                  <a:avLst/>
+                </a:prstGeom>
+                <a:blipFill>
+                  <a:blip r:embed="rId5"/>
+                  <a:stretch>
+                    <a:fillRect t="-2222" b="-17778"/>
+                  </a:stretch>
+                </a:blipFill>
+              </p:spPr>
+              <p:txBody>
+                <a:bodyPr/>
+                <a:lstStyle/>
+                <a:p>
+                  <a:r>
+                    <a:rPr lang="en-US">
+                      <a:noFill/>
+                    </a:rPr>
+                    <a:t> </a:t>
+                  </a:r>
+                </a:p>
+              </p:txBody>
+            </p:sp>
+          </mc:Fallback>
+        </mc:AlternateContent>
+      </p:grpSp>
+      <mc:AlternateContent xmlns:mc="http://schemas.openxmlformats.org/markup-compatibility/2006">
+        <mc:Choice xmlns:a14="http://schemas.microsoft.com/office/drawing/2010/main" Requires="a14">
+          <p:sp>
+            <p:nvSpPr>
+              <p:cNvPr id="3" name="TextBox 2">
+                <a:extLst>
+                  <a:ext uri="{FF2B5EF4-FFF2-40B4-BE49-F238E27FC236}">
+                    <a16:creationId xmlns:a16="http://schemas.microsoft.com/office/drawing/2014/main" id="{7C4B26A5-361C-256C-0EAE-F08ECCE26AE0}"/>
+                  </a:ext>
+                </a:extLst>
+              </p:cNvPr>
+              <p:cNvSpPr txBox="1"/>
+              <p:nvPr/>
+            </p:nvSpPr>
+            <p:spPr>
+              <a:xfrm>
+                <a:off x="9541594" y="4539914"/>
+                <a:ext cx="1332056" cy="276999"/>
+              </a:xfrm>
+              <a:prstGeom prst="rect">
+                <a:avLst/>
+              </a:prstGeom>
+              <a:noFill/>
+            </p:spPr>
+            <p:txBody>
+              <a:bodyPr wrap="square" rtlCol="0">
+                <a:spAutoFit/>
+              </a:bodyPr>
+              <a:lstStyle/>
+              <a:p>
+                <a:pPr algn="r"/>
+                <a:r>
+                  <a:rPr lang="en-US" sz="1200" dirty="0">
+                    <a:latin typeface="+mj-lt"/>
+                  </a:rPr>
+                  <a:t>I = 100</a:t>
+                </a:r>
+                <a14:m>
+                  <m:oMath xmlns:m="http://schemas.openxmlformats.org/officeDocument/2006/math">
+                    <m:r>
+                      <m:rPr>
+                        <m:sty m:val="p"/>
+                      </m:rPr>
+                      <a:rPr lang="en-US" sz="1200" b="0" i="0" smtClean="0">
+                        <a:latin typeface="Cambria Math" panose="02040503050406030204" pitchFamily="18" charset="0"/>
+                      </a:rPr>
+                      <m:t>i</m:t>
+                    </m:r>
+                    <m:sSup>
+                      <m:sSupPr>
+                        <m:ctrlPr>
+                          <a:rPr lang="en-US" sz="1200" b="0" i="1" smtClean="0">
+                            <a:latin typeface="Cambria Math" panose="02040503050406030204" pitchFamily="18" charset="0"/>
+                          </a:rPr>
+                        </m:ctrlPr>
+                      </m:sSupPr>
+                      <m:e>
+                        <m:r>
+                          <m:rPr>
+                            <m:sty m:val="p"/>
+                          </m:rPr>
+                          <a:rPr lang="en-US" sz="1200" b="0" i="0" smtClean="0">
+                            <a:latin typeface="Cambria Math" panose="02040503050406030204" pitchFamily="18" charset="0"/>
+                          </a:rPr>
+                          <m:t>n</m:t>
+                        </m:r>
+                      </m:e>
+                      <m:sup>
+                        <m:r>
+                          <a:rPr lang="en-US" sz="1200" b="0" i="0" smtClean="0">
+                            <a:latin typeface="Cambria Math" panose="02040503050406030204" pitchFamily="18" charset="0"/>
+                          </a:rPr>
+                          <m:t>4</m:t>
+                        </m:r>
+                      </m:sup>
+                    </m:sSup>
+                  </m:oMath>
+                </a14:m>
+                <a:endParaRPr lang="en-US" sz="1200" dirty="0">
+                  <a:latin typeface="+mj-lt"/>
+                </a:endParaRPr>
+              </a:p>
+            </p:txBody>
+          </p:sp>
+        </mc:Choice>
+        <mc:Fallback>
+          <p:sp>
+            <p:nvSpPr>
+              <p:cNvPr id="3" name="TextBox 2">
+                <a:extLst>
+                  <a:ext uri="{FF2B5EF4-FFF2-40B4-BE49-F238E27FC236}">
+                    <a16:creationId xmlns:a16="http://schemas.microsoft.com/office/drawing/2014/main" id="{7C4B26A5-361C-256C-0EAE-F08ECCE26AE0}"/>
+                  </a:ext>
+                </a:extLst>
+              </p:cNvPr>
+              <p:cNvSpPr txBox="1">
+                <a:spLocks noRot="1" noChangeAspect="1" noMove="1" noResize="1" noEditPoints="1" noAdjustHandles="1" noChangeArrowheads="1" noChangeShapeType="1" noTextEdit="1"/>
+              </p:cNvSpPr>
+              <p:nvPr/>
+            </p:nvSpPr>
+            <p:spPr>
+              <a:xfrm>
+                <a:off x="9541594" y="4539914"/>
+                <a:ext cx="1332056" cy="276999"/>
+              </a:xfrm>
+              <a:prstGeom prst="rect">
+                <a:avLst/>
+              </a:prstGeom>
+              <a:blipFill>
+                <a:blip r:embed="rId6"/>
+                <a:stretch>
+                  <a:fillRect t="-2222" b="-17778"/>
+                </a:stretch>
+              </a:blipFill>
+            </p:spPr>
+            <p:txBody>
+              <a:bodyPr/>
+              <a:lstStyle/>
+              <a:p>
+                <a:r>
+                  <a:rPr lang="en-US">
+                    <a:noFill/>
+                  </a:rPr>
+                  <a:t> </a:t>
+                </a:r>
+              </a:p>
+            </p:txBody>
+          </p:sp>
+        </mc:Fallback>
+      </mc:AlternateContent>
+    </p:spTree>
+    <p:extLst>
+      <p:ext uri="{BB962C8B-B14F-4D97-AF65-F5344CB8AC3E}">
+        <p14:creationId xmlns:p14="http://schemas.microsoft.com/office/powerpoint/2010/main" val="270475165"/>
+      </p:ext>
+    </p:extLst>
+  </p:cSld>
+  <p:clrMapOvr>
+    <a:masterClrMapping/>
+  </p:clrMapOvr>
+</p:sld>
+</file>
+
+<file path=ppt/slides/slide12.xml><?xml version="1.0" encoding="utf-8"?>
+<p:sld xmlns:a="http://schemas.openxmlformats.org/drawingml/2006/main" xmlns:r="http://schemas.openxmlformats.org/officeDocument/2006/relationships" xmlns:p="http://schemas.openxmlformats.org/presentationml/2006/main">
+  <p:cSld>
+    <p:spTree>
+      <p:nvGrpSpPr>
+        <p:cNvPr id="1" name="">
+          <a:extLst>
+            <a:ext uri="{FF2B5EF4-FFF2-40B4-BE49-F238E27FC236}">
+              <a16:creationId xmlns:a16="http://schemas.microsoft.com/office/drawing/2014/main" id="{031AF04E-EF72-4D22-12FA-2A7EF9D55163}"/>
+            </a:ext>
+          </a:extLst>
+        </p:cNvPr>
+        <p:cNvGrpSpPr/>
+        <p:nvPr/>
+      </p:nvGrpSpPr>
+      <p:grpSpPr>
+        <a:xfrm>
+          <a:off x="0" y="0"/>
+          <a:ext cx="0" cy="0"/>
+          <a:chOff x="0" y="0"/>
+          <a:chExt cx="0" cy="0"/>
+        </a:xfrm>
+      </p:grpSpPr>
+      <p:sp>
+        <p:nvSpPr>
+          <p:cNvPr id="2" name="Title 1">
+            <a:extLst>
+              <a:ext uri="{FF2B5EF4-FFF2-40B4-BE49-F238E27FC236}">
+                <a16:creationId xmlns:a16="http://schemas.microsoft.com/office/drawing/2014/main" id="{B8C5EFFE-B71D-2603-B061-C5FE6265C298}"/>
+              </a:ext>
+            </a:extLst>
+          </p:cNvPr>
+          <p:cNvSpPr>
+            <a:spLocks noGrp="1"/>
+          </p:cNvSpPr>
+          <p:nvPr>
+            <p:ph type="title"/>
+          </p:nvPr>
+        </p:nvSpPr>
+        <p:spPr/>
+        <p:txBody>
+          <a:bodyPr>
+            <a:normAutofit fontScale="90000"/>
+          </a:bodyPr>
+          <a:lstStyle/>
+          <a:p>
+            <a:r>
+              <a:rPr lang="en-US" dirty="0"/>
+              <a:t>Simple Beam with Two Materials</a:t>
+            </a:r>
+          </a:p>
+        </p:txBody>
+      </p:sp>
+      <p:sp>
+        <p:nvSpPr>
+          <p:cNvPr id="4" name="Slide Number Placeholder 3">
+            <a:extLst>
+              <a:ext uri="{FF2B5EF4-FFF2-40B4-BE49-F238E27FC236}">
+                <a16:creationId xmlns:a16="http://schemas.microsoft.com/office/drawing/2014/main" id="{9DF07A56-346D-5616-E4AF-0BDA2440FB3C}"/>
+              </a:ext>
+            </a:extLst>
+          </p:cNvPr>
+          <p:cNvSpPr>
+            <a:spLocks noGrp="1"/>
+          </p:cNvSpPr>
+          <p:nvPr>
+            <p:ph type="sldNum" sz="quarter" idx="12"/>
+          </p:nvPr>
+        </p:nvSpPr>
+        <p:spPr/>
+        <p:txBody>
+          <a:bodyPr/>
+          <a:lstStyle/>
+          <a:p>
+            <a:fld id="{D95F4311-C1C1-468E-90BA-469E1A493750}" type="slidenum">
+              <a:rPr lang="en-US" smtClean="0"/>
+              <a:t>12</a:t>
+            </a:fld>
+            <a:endParaRPr lang="en-US"/>
+          </a:p>
+        </p:txBody>
+      </p:sp>
+      <p:grpSp>
+        <p:nvGrpSpPr>
+          <p:cNvPr id="23" name="Group 22">
+            <a:extLst>
+              <a:ext uri="{FF2B5EF4-FFF2-40B4-BE49-F238E27FC236}">
+                <a16:creationId xmlns:a16="http://schemas.microsoft.com/office/drawing/2014/main" id="{B9B4900A-A533-0879-09BD-6EE74CC99476}"/>
+              </a:ext>
+            </a:extLst>
+          </p:cNvPr>
+          <p:cNvGrpSpPr/>
+          <p:nvPr/>
+        </p:nvGrpSpPr>
+        <p:grpSpPr>
+          <a:xfrm>
+            <a:off x="6798152" y="3470168"/>
+            <a:ext cx="4144962" cy="2316797"/>
+            <a:chOff x="3877215" y="3290450"/>
+            <a:chExt cx="4144962" cy="2316797"/>
+          </a:xfrm>
+        </p:grpSpPr>
+        <p:grpSp>
+          <p:nvGrpSpPr>
+            <p:cNvPr id="5" name="Group 4">
+              <a:extLst>
+                <a:ext uri="{FF2B5EF4-FFF2-40B4-BE49-F238E27FC236}">
+                  <a16:creationId xmlns:a16="http://schemas.microsoft.com/office/drawing/2014/main" id="{BF5F7A08-EC46-7D98-4631-CF3522389F2D}"/>
+                </a:ext>
+              </a:extLst>
+            </p:cNvPr>
+            <p:cNvGrpSpPr/>
+            <p:nvPr/>
+          </p:nvGrpSpPr>
+          <p:grpSpPr>
+            <a:xfrm>
+              <a:off x="3877215" y="3290450"/>
+              <a:ext cx="4144962" cy="2316797"/>
+              <a:chOff x="1251331" y="1945303"/>
+              <a:chExt cx="3207259" cy="1975562"/>
+            </a:xfrm>
+          </p:grpSpPr>
+          <p:cxnSp>
+            <p:nvCxnSpPr>
+              <p:cNvPr id="6" name="Straight Connector 5">
+                <a:extLst>
+                  <a:ext uri="{FF2B5EF4-FFF2-40B4-BE49-F238E27FC236}">
+                    <a16:creationId xmlns:a16="http://schemas.microsoft.com/office/drawing/2014/main" id="{DB09BBA0-1889-BC8D-D7FC-0D28B6CDEA1A}"/>
+                  </a:ext>
+                </a:extLst>
+              </p:cNvPr>
+              <p:cNvCxnSpPr>
+                <a:cxnSpLocks/>
+              </p:cNvCxnSpPr>
+              <p:nvPr/>
+            </p:nvCxnSpPr>
+            <p:spPr>
+              <a:xfrm>
+                <a:off x="1251331" y="3148491"/>
+                <a:ext cx="1545984" cy="0"/>
+              </a:xfrm>
+              <a:prstGeom prst="line">
+                <a:avLst/>
+              </a:prstGeom>
+              <a:ln w="57150">
+                <a:solidFill>
+                  <a:schemeClr val="tx2">
+                    <a:lumMod val="75000"/>
+                    <a:lumOff val="25000"/>
+                  </a:schemeClr>
+                </a:solidFill>
+              </a:ln>
+            </p:spPr>
+            <p:style>
+              <a:lnRef idx="2">
+                <a:schemeClr val="dk1"/>
+              </a:lnRef>
+              <a:fillRef idx="0">
+                <a:schemeClr val="dk1"/>
+              </a:fillRef>
+              <a:effectRef idx="1">
+                <a:schemeClr val="dk1"/>
+              </a:effectRef>
+              <a:fontRef idx="minor">
+                <a:schemeClr val="tx1"/>
+              </a:fontRef>
+            </p:style>
+          </p:cxnSp>
+          <p:sp>
+            <p:nvSpPr>
+              <p:cNvPr id="7" name="Oval 6">
+                <a:extLst>
+                  <a:ext uri="{FF2B5EF4-FFF2-40B4-BE49-F238E27FC236}">
+                    <a16:creationId xmlns:a16="http://schemas.microsoft.com/office/drawing/2014/main" id="{1DB2AC14-E1C1-CFDA-A73E-B5996519EFC7}"/>
+                  </a:ext>
+                </a:extLst>
+              </p:cNvPr>
+              <p:cNvSpPr/>
+              <p:nvPr/>
+            </p:nvSpPr>
+            <p:spPr>
+              <a:xfrm>
+                <a:off x="4189805" y="3148491"/>
+                <a:ext cx="268785" cy="287394"/>
+              </a:xfrm>
+              <a:prstGeom prst="ellipse">
+                <a:avLst/>
+              </a:prstGeom>
+              <a:solidFill>
+                <a:schemeClr val="dk1"/>
+              </a:solidFill>
+              <a:ln>
+                <a:noFill/>
+              </a:ln>
+            </p:spPr>
+            <p:style>
+              <a:lnRef idx="0">
+                <a:scrgbClr r="0" g="0" b="0"/>
+              </a:lnRef>
+              <a:fillRef idx="0">
+                <a:scrgbClr r="0" g="0" b="0"/>
+              </a:fillRef>
+              <a:effectRef idx="0">
+                <a:scrgbClr r="0" g="0" b="0"/>
+              </a:effectRef>
+              <a:fontRef idx="minor">
+                <a:schemeClr val="lt1"/>
+              </a:fontRef>
+            </p:style>
+            <p:txBody>
+              <a:bodyPr rtlCol="0" anchor="ctr"/>
+              <a:lstStyle/>
+              <a:p>
+                <a:pPr algn="ctr"/>
+                <a:endParaRPr lang="en-US" dirty="0"/>
+              </a:p>
+            </p:txBody>
+          </p:sp>
+          <p:sp>
+            <p:nvSpPr>
+              <p:cNvPr id="8" name="Isosceles Triangle 7">
+                <a:extLst>
+                  <a:ext uri="{FF2B5EF4-FFF2-40B4-BE49-F238E27FC236}">
+                    <a16:creationId xmlns:a16="http://schemas.microsoft.com/office/drawing/2014/main" id="{497007F9-149C-4547-5114-C37CBD364F27}"/>
+                  </a:ext>
+                </a:extLst>
+              </p:cNvPr>
+              <p:cNvSpPr/>
+              <p:nvPr/>
+            </p:nvSpPr>
+            <p:spPr>
+              <a:xfrm>
+                <a:off x="1277620" y="3148491"/>
+                <a:ext cx="246888" cy="261741"/>
+              </a:xfrm>
+              <a:prstGeom prst="triangle">
+                <a:avLst/>
+              </a:prstGeom>
+              <a:solidFill>
+                <a:schemeClr val="dk1"/>
+              </a:solidFill>
+              <a:ln>
+                <a:noFill/>
+              </a:ln>
+            </p:spPr>
+            <p:style>
+              <a:lnRef idx="0">
+                <a:scrgbClr r="0" g="0" b="0"/>
+              </a:lnRef>
+              <a:fillRef idx="0">
+                <a:scrgbClr r="0" g="0" b="0"/>
+              </a:fillRef>
+              <a:effectRef idx="0">
+                <a:scrgbClr r="0" g="0" b="0"/>
+              </a:effectRef>
+              <a:fontRef idx="minor">
+                <a:schemeClr val="lt1"/>
+              </a:fontRef>
+            </p:style>
+            <p:txBody>
+              <a:bodyPr rtlCol="0" anchor="ctr"/>
+              <a:lstStyle/>
+              <a:p>
+                <a:pPr algn="ctr"/>
+                <a:endParaRPr lang="en-US"/>
+              </a:p>
+            </p:txBody>
+          </p:sp>
+          <p:cxnSp>
+            <p:nvCxnSpPr>
+              <p:cNvPr id="9" name="Straight Arrow Connector 8">
+                <a:extLst>
+                  <a:ext uri="{FF2B5EF4-FFF2-40B4-BE49-F238E27FC236}">
+                    <a16:creationId xmlns:a16="http://schemas.microsoft.com/office/drawing/2014/main" id="{879CDCC5-6B3E-DB03-80C4-30D368B5D3A5}"/>
+                  </a:ext>
+                </a:extLst>
+              </p:cNvPr>
+              <p:cNvCxnSpPr/>
+              <p:nvPr/>
+            </p:nvCxnSpPr>
+            <p:spPr>
+              <a:xfrm>
+                <a:off x="2797315" y="2181504"/>
+                <a:ext cx="0" cy="960120"/>
+              </a:xfrm>
+              <a:prstGeom prst="straightConnector1">
+                <a:avLst/>
+              </a:prstGeom>
+              <a:ln w="38100">
+                <a:tailEnd type="triangle"/>
+              </a:ln>
+            </p:spPr>
+            <p:style>
+              <a:lnRef idx="1">
+                <a:schemeClr val="dk1"/>
+              </a:lnRef>
+              <a:fillRef idx="0">
+                <a:schemeClr val="dk1"/>
+              </a:fillRef>
+              <a:effectRef idx="0">
+                <a:schemeClr val="dk1"/>
+              </a:effectRef>
+              <a:fontRef idx="minor">
+                <a:schemeClr val="tx1"/>
+              </a:fontRef>
+            </p:style>
+          </p:cxnSp>
+          <p:cxnSp>
+            <p:nvCxnSpPr>
+              <p:cNvPr id="10" name="Straight Connector 9">
+                <a:extLst>
+                  <a:ext uri="{FF2B5EF4-FFF2-40B4-BE49-F238E27FC236}">
+                    <a16:creationId xmlns:a16="http://schemas.microsoft.com/office/drawing/2014/main" id="{289DF824-0B5D-CE97-002D-4DEBC64E5C7F}"/>
+                  </a:ext>
+                </a:extLst>
+              </p:cNvPr>
+              <p:cNvCxnSpPr>
+                <a:cxnSpLocks/>
+              </p:cNvCxnSpPr>
+              <p:nvPr/>
+            </p:nvCxnSpPr>
+            <p:spPr>
+              <a:xfrm>
+                <a:off x="1392891" y="3664365"/>
+                <a:ext cx="2907792" cy="0"/>
+              </a:xfrm>
+              <a:prstGeom prst="line">
+                <a:avLst/>
+              </a:prstGeom>
+            </p:spPr>
+            <p:style>
+              <a:lnRef idx="2">
+                <a:schemeClr val="dk1"/>
+              </a:lnRef>
+              <a:fillRef idx="0">
+                <a:schemeClr val="dk1"/>
+              </a:fillRef>
+              <a:effectRef idx="1">
+                <a:schemeClr val="dk1"/>
+              </a:effectRef>
+              <a:fontRef idx="minor">
+                <a:schemeClr val="tx1"/>
+              </a:fontRef>
+            </p:style>
+          </p:cxnSp>
+          <p:sp>
+            <p:nvSpPr>
+              <p:cNvPr id="11" name="TextBox 10">
+                <a:extLst>
+                  <a:ext uri="{FF2B5EF4-FFF2-40B4-BE49-F238E27FC236}">
+                    <a16:creationId xmlns:a16="http://schemas.microsoft.com/office/drawing/2014/main" id="{07845175-DFD4-CC82-A736-58DE01C3BEDF}"/>
+                  </a:ext>
+                </a:extLst>
+              </p:cNvPr>
+              <p:cNvSpPr txBox="1"/>
+              <p:nvPr/>
+            </p:nvSpPr>
+            <p:spPr>
+              <a:xfrm>
+                <a:off x="2692874" y="3684664"/>
+                <a:ext cx="530428" cy="236201"/>
+              </a:xfrm>
+              <a:prstGeom prst="rect">
+                <a:avLst/>
+              </a:prstGeom>
+              <a:noFill/>
+            </p:spPr>
+            <p:txBody>
+              <a:bodyPr wrap="none" rtlCol="0">
+                <a:spAutoFit/>
+              </a:bodyPr>
+              <a:lstStyle/>
+              <a:p>
+                <a:r>
+                  <a:rPr lang="en-US" sz="1200" dirty="0">
+                    <a:latin typeface="+mj-lt"/>
+                  </a:rPr>
+                  <a:t>L = 10ft</a:t>
+                </a:r>
+              </a:p>
+            </p:txBody>
+          </p:sp>
+          <p:sp>
+            <p:nvSpPr>
+              <p:cNvPr id="12" name="TextBox 11">
+                <a:extLst>
+                  <a:ext uri="{FF2B5EF4-FFF2-40B4-BE49-F238E27FC236}">
+                    <a16:creationId xmlns:a16="http://schemas.microsoft.com/office/drawing/2014/main" id="{13627422-830A-F737-DAA2-BEDBAB800529}"/>
+                  </a:ext>
+                </a:extLst>
+              </p:cNvPr>
+              <p:cNvSpPr txBox="1"/>
+              <p:nvPr/>
+            </p:nvSpPr>
+            <p:spPr>
+              <a:xfrm>
+                <a:off x="2693000" y="1945303"/>
+                <a:ext cx="542832" cy="236201"/>
+              </a:xfrm>
+              <a:prstGeom prst="rect">
+                <a:avLst/>
+              </a:prstGeom>
+              <a:noFill/>
+            </p:spPr>
+            <p:txBody>
+              <a:bodyPr wrap="none" rtlCol="0">
+                <a:spAutoFit/>
+              </a:bodyPr>
+              <a:lstStyle/>
+              <a:p>
+                <a:r>
+                  <a:rPr lang="en-US" sz="1200" dirty="0">
+                    <a:latin typeface="+mj-lt"/>
+                  </a:rPr>
+                  <a:t>P = 1kip</a:t>
+                </a:r>
+              </a:p>
+            </p:txBody>
+          </p:sp>
+          <p:sp>
+            <p:nvSpPr>
+              <p:cNvPr id="13" name="Freeform: Shape 12">
+                <a:extLst>
+                  <a:ext uri="{FF2B5EF4-FFF2-40B4-BE49-F238E27FC236}">
+                    <a16:creationId xmlns:a16="http://schemas.microsoft.com/office/drawing/2014/main" id="{2C8A14DC-0730-167F-99FF-FB019CA4B680}"/>
+                  </a:ext>
+                </a:extLst>
+              </p:cNvPr>
+              <p:cNvSpPr/>
+              <p:nvPr/>
+            </p:nvSpPr>
+            <p:spPr>
+              <a:xfrm>
+                <a:off x="1435608" y="3168789"/>
+                <a:ext cx="2812415" cy="397404"/>
+              </a:xfrm>
+              <a:custGeom>
+                <a:avLst/>
+                <a:gdLst>
+                  <a:gd name="csX0" fmla="*/ 0 w 2889504"/>
+                  <a:gd name="csY0" fmla="*/ 18288 h 420657"/>
+                  <a:gd name="csX1" fmla="*/ 1399032 w 2889504"/>
+                  <a:gd name="csY1" fmla="*/ 420624 h 420657"/>
+                  <a:gd name="csX2" fmla="*/ 2889504 w 2889504"/>
+                  <a:gd name="csY2" fmla="*/ 0 h 420657"/>
+                </a:gdLst>
+                <a:ahLst/>
+                <a:cxnLst>
+                  <a:cxn ang="0">
+                    <a:pos x="csX0" y="csY0"/>
+                  </a:cxn>
+                  <a:cxn ang="0">
+                    <a:pos x="csX1" y="csY1"/>
+                  </a:cxn>
+                  <a:cxn ang="0">
+                    <a:pos x="csX2" y="csY2"/>
+                  </a:cxn>
+                </a:cxnLst>
+                <a:rect l="l" t="t" r="r" b="b"/>
+                <a:pathLst>
+                  <a:path w="2889504" h="420657">
+                    <a:moveTo>
+                      <a:pt x="0" y="18288"/>
+                    </a:moveTo>
+                    <a:cubicBezTo>
+                      <a:pt x="458724" y="220980"/>
+                      <a:pt x="917448" y="423672"/>
+                      <a:pt x="1399032" y="420624"/>
+                    </a:cubicBezTo>
+                    <a:cubicBezTo>
+                      <a:pt x="1880616" y="417576"/>
+                      <a:pt x="2631948" y="92964"/>
+                      <a:pt x="2889504" y="0"/>
+                    </a:cubicBezTo>
+                  </a:path>
+                </a:pathLst>
+              </a:custGeom>
+              <a:ln w="28575">
+                <a:solidFill>
+                  <a:schemeClr val="tx1"/>
+                </a:solidFill>
+                <a:prstDash val="sysDash"/>
+              </a:ln>
+            </p:spPr>
+            <p:style>
+              <a:lnRef idx="1">
+                <a:schemeClr val="accent4"/>
+              </a:lnRef>
+              <a:fillRef idx="0">
+                <a:schemeClr val="accent4"/>
+              </a:fillRef>
+              <a:effectRef idx="0">
+                <a:schemeClr val="accent4"/>
+              </a:effectRef>
+              <a:fontRef idx="minor">
+                <a:schemeClr val="tx1"/>
+              </a:fontRef>
+            </p:style>
+            <p:txBody>
+              <a:bodyPr rtlCol="0" anchor="ctr"/>
+              <a:lstStyle/>
+              <a:p>
+                <a:pPr algn="ctr"/>
+                <a:endParaRPr lang="en-US" dirty="0"/>
+              </a:p>
+            </p:txBody>
+          </p:sp>
+          <mc:AlternateContent xmlns:mc="http://schemas.openxmlformats.org/markup-compatibility/2006">
+            <mc:Choice xmlns:a14="http://schemas.microsoft.com/office/drawing/2010/main" Requires="a14">
+              <p:sp>
+                <p:nvSpPr>
+                  <p:cNvPr id="14" name="TextBox 13">
+                    <a:extLst>
+                      <a:ext uri="{FF2B5EF4-FFF2-40B4-BE49-F238E27FC236}">
+                        <a16:creationId xmlns:a16="http://schemas.microsoft.com/office/drawing/2014/main" id="{9CD68C10-1F1C-F789-98BF-973C37B6E2F4}"/>
+                      </a:ext>
+                    </a:extLst>
+                  </p:cNvPr>
+                  <p:cNvSpPr txBox="1"/>
+                  <p:nvPr/>
+                </p:nvSpPr>
+                <p:spPr>
+                  <a:xfrm>
+                    <a:off x="2773259" y="3220756"/>
+                    <a:ext cx="743472" cy="236201"/>
+                  </a:xfrm>
+                  <a:prstGeom prst="rect">
+                    <a:avLst/>
+                  </a:prstGeom>
+                  <a:noFill/>
+                </p:spPr>
+                <p:txBody>
+                  <a:bodyPr wrap="none" rtlCol="0">
+                    <a:spAutoFit/>
+                  </a:bodyPr>
+                  <a:lstStyle/>
+                  <a:p>
+                    <a:pPr/>
+                    <a14:m>
+                      <m:oMathPara xmlns:m="http://schemas.openxmlformats.org/officeDocument/2006/math">
+                        <m:oMathParaPr>
+                          <m:jc m:val="centerGroup"/>
+                        </m:oMathParaPr>
+                        <m:oMath xmlns:m="http://schemas.openxmlformats.org/officeDocument/2006/math">
+                          <m:sSub>
+                            <m:sSubPr>
+                              <m:ctrlPr>
+                                <a:rPr lang="en-US" sz="1200" b="0" i="1" smtClean="0">
+                                  <a:solidFill>
+                                    <a:schemeClr val="tx1"/>
+                                  </a:solidFill>
+                                  <a:latin typeface="Cambria Math" panose="02040503050406030204" pitchFamily="18" charset="0"/>
+                                </a:rPr>
+                              </m:ctrlPr>
+                            </m:sSubPr>
+                            <m:e>
+                              <m:r>
+                                <a:rPr lang="en-US" sz="1200" b="0" i="1" smtClean="0">
+                                  <a:solidFill>
+                                    <a:schemeClr val="tx1"/>
+                                  </a:solidFill>
+                                  <a:latin typeface="Cambria Math" panose="02040503050406030204" pitchFamily="18" charset="0"/>
+                                </a:rPr>
+                                <m:t>𝛿</m:t>
+                              </m:r>
+                            </m:e>
+                            <m:sub>
+                              <m:r>
+                                <m:rPr>
+                                  <m:sty m:val="p"/>
+                                </m:rPr>
+                                <a:rPr lang="en-US" sz="1200" b="0" i="0" smtClean="0">
+                                  <a:solidFill>
+                                    <a:schemeClr val="tx1"/>
+                                  </a:solidFill>
+                                  <a:latin typeface="Cambria Math" panose="02040503050406030204" pitchFamily="18" charset="0"/>
+                                </a:rPr>
+                                <m:t>max</m:t>
+                              </m:r>
+                            </m:sub>
+                          </m:sSub>
+                          <m:r>
+                            <a:rPr lang="en-US" sz="1200" b="0" i="1" smtClean="0">
+                              <a:solidFill>
+                                <a:schemeClr val="tx1"/>
+                              </a:solidFill>
+                              <a:latin typeface="Cambria Math" panose="02040503050406030204" pitchFamily="18" charset="0"/>
+                            </a:rPr>
+                            <m:t>=1</m:t>
+                          </m:r>
+                          <m:r>
+                            <a:rPr lang="en-US" sz="1200" b="0" i="1" smtClean="0">
+                              <a:solidFill>
+                                <a:schemeClr val="tx1"/>
+                              </a:solidFill>
+                              <a:latin typeface="Cambria Math" panose="02040503050406030204" pitchFamily="18" charset="0"/>
+                            </a:rPr>
+                            <m:t>𝑖𝑛</m:t>
+                          </m:r>
+                        </m:oMath>
+                      </m:oMathPara>
+                    </a14:m>
+                    <a:endParaRPr lang="en-US" sz="1200" dirty="0">
+                      <a:solidFill>
+                        <a:schemeClr val="tx1"/>
+                      </a:solidFill>
+                      <a:latin typeface="+mj-lt"/>
+                    </a:endParaRPr>
+                  </a:p>
+                </p:txBody>
+              </p:sp>
+            </mc:Choice>
+            <mc:Fallback>
+              <p:sp>
+                <p:nvSpPr>
+                  <p:cNvPr id="14" name="TextBox 13">
+                    <a:extLst>
+                      <a:ext uri="{FF2B5EF4-FFF2-40B4-BE49-F238E27FC236}">
+                        <a16:creationId xmlns:a16="http://schemas.microsoft.com/office/drawing/2014/main" id="{9CD68C10-1F1C-F789-98BF-973C37B6E2F4}"/>
+                      </a:ext>
+                    </a:extLst>
+                  </p:cNvPr>
+                  <p:cNvSpPr txBox="1">
+                    <a:spLocks noRot="1" noChangeAspect="1" noMove="1" noResize="1" noEditPoints="1" noAdjustHandles="1" noChangeArrowheads="1" noChangeShapeType="1" noTextEdit="1"/>
+                  </p:cNvSpPr>
+                  <p:nvPr/>
+                </p:nvSpPr>
+                <p:spPr>
+                  <a:xfrm>
+                    <a:off x="2773259" y="3220756"/>
+                    <a:ext cx="743472" cy="236201"/>
+                  </a:xfrm>
+                  <a:prstGeom prst="rect">
+                    <a:avLst/>
+                  </a:prstGeom>
+                  <a:blipFill>
+                    <a:blip r:embed="rId3"/>
+                    <a:stretch>
+                      <a:fillRect/>
+                    </a:stretch>
+                  </a:blipFill>
+                </p:spPr>
+                <p:txBody>
+                  <a:bodyPr/>
+                  <a:lstStyle/>
+                  <a:p>
+                    <a:r>
+                      <a:rPr lang="en-US">
+                        <a:noFill/>
+                      </a:rPr>
+                      <a:t> </a:t>
+                    </a:r>
+                  </a:p>
+                </p:txBody>
+              </p:sp>
+            </mc:Fallback>
+          </mc:AlternateContent>
+          <p:cxnSp>
+            <p:nvCxnSpPr>
+              <p:cNvPr id="15" name="Straight Connector 14">
+                <a:extLst>
+                  <a:ext uri="{FF2B5EF4-FFF2-40B4-BE49-F238E27FC236}">
+                    <a16:creationId xmlns:a16="http://schemas.microsoft.com/office/drawing/2014/main" id="{32D5A0FB-4502-8394-47B8-AD893922BEFE}"/>
+                  </a:ext>
+                </a:extLst>
+              </p:cNvPr>
+              <p:cNvCxnSpPr/>
+              <p:nvPr/>
+            </p:nvCxnSpPr>
+            <p:spPr>
+              <a:xfrm>
+                <a:off x="1393653" y="3560626"/>
+                <a:ext cx="0" cy="207478"/>
+              </a:xfrm>
+              <a:prstGeom prst="line">
+                <a:avLst/>
+              </a:prstGeom>
+            </p:spPr>
+            <p:style>
+              <a:lnRef idx="2">
+                <a:schemeClr val="dk1"/>
+              </a:lnRef>
+              <a:fillRef idx="0">
+                <a:schemeClr val="dk1"/>
+              </a:fillRef>
+              <a:effectRef idx="1">
+                <a:schemeClr val="dk1"/>
+              </a:effectRef>
+              <a:fontRef idx="minor">
+                <a:schemeClr val="tx1"/>
+              </a:fontRef>
+            </p:style>
+          </p:cxnSp>
+          <p:cxnSp>
+            <p:nvCxnSpPr>
+              <p:cNvPr id="16" name="Straight Connector 15">
+                <a:extLst>
+                  <a:ext uri="{FF2B5EF4-FFF2-40B4-BE49-F238E27FC236}">
+                    <a16:creationId xmlns:a16="http://schemas.microsoft.com/office/drawing/2014/main" id="{846002B6-C1AE-C235-0DD3-E1D226127BAE}"/>
+                  </a:ext>
+                </a:extLst>
+              </p:cNvPr>
+              <p:cNvCxnSpPr/>
+              <p:nvPr/>
+            </p:nvCxnSpPr>
+            <p:spPr>
+              <a:xfrm>
+                <a:off x="4300683" y="3560626"/>
+                <a:ext cx="0" cy="207478"/>
+              </a:xfrm>
+              <a:prstGeom prst="line">
+                <a:avLst/>
+              </a:prstGeom>
+            </p:spPr>
+            <p:style>
+              <a:lnRef idx="2">
+                <a:schemeClr val="dk1"/>
+              </a:lnRef>
+              <a:fillRef idx="0">
+                <a:schemeClr val="dk1"/>
+              </a:fillRef>
+              <a:effectRef idx="1">
+                <a:schemeClr val="dk1"/>
+              </a:effectRef>
+              <a:fontRef idx="minor">
+                <a:schemeClr val="tx1"/>
+              </a:fontRef>
+            </p:style>
+          </p:cxnSp>
+          <p:cxnSp>
+            <p:nvCxnSpPr>
+              <p:cNvPr id="17" name="Straight Connector 16">
+                <a:extLst>
+                  <a:ext uri="{FF2B5EF4-FFF2-40B4-BE49-F238E27FC236}">
+                    <a16:creationId xmlns:a16="http://schemas.microsoft.com/office/drawing/2014/main" id="{5A9F52A2-2BFA-20AD-8CB7-9BA2567B1723}"/>
+                  </a:ext>
+                </a:extLst>
+              </p:cNvPr>
+              <p:cNvCxnSpPr>
+                <a:cxnSpLocks/>
+                <a:endCxn id="13" idx="1"/>
+              </p:cNvCxnSpPr>
+              <p:nvPr/>
+            </p:nvCxnSpPr>
+            <p:spPr>
+              <a:xfrm>
+                <a:off x="2797315" y="3168789"/>
+                <a:ext cx="0" cy="397373"/>
+              </a:xfrm>
+              <a:prstGeom prst="line">
+                <a:avLst/>
+              </a:prstGeom>
+              <a:ln w="9525">
+                <a:solidFill>
+                  <a:schemeClr val="tx1"/>
+                </a:solidFill>
+                <a:prstDash val="dash"/>
+              </a:ln>
+            </p:spPr>
+            <p:style>
+              <a:lnRef idx="2">
+                <a:schemeClr val="accent4"/>
+              </a:lnRef>
+              <a:fillRef idx="0">
+                <a:schemeClr val="accent4"/>
+              </a:fillRef>
+              <a:effectRef idx="1">
+                <a:schemeClr val="accent4"/>
+              </a:effectRef>
+              <a:fontRef idx="minor">
+                <a:schemeClr val="tx1"/>
+              </a:fontRef>
+            </p:style>
+          </p:cxnSp>
+        </p:grpSp>
+        <p:cxnSp>
+          <p:nvCxnSpPr>
+            <p:cNvPr id="19" name="Straight Connector 18">
+              <a:extLst>
+                <a:ext uri="{FF2B5EF4-FFF2-40B4-BE49-F238E27FC236}">
+                  <a16:creationId xmlns:a16="http://schemas.microsoft.com/office/drawing/2014/main" id="{3AA570E0-A1F1-330D-5E9E-004A8D9C0F0B}"/>
+                </a:ext>
+              </a:extLst>
+            </p:cNvPr>
+            <p:cNvCxnSpPr>
+              <a:cxnSpLocks/>
+            </p:cNvCxnSpPr>
+            <p:nvPr/>
+          </p:nvCxnSpPr>
+          <p:spPr>
+            <a:xfrm>
+              <a:off x="5875197" y="4701462"/>
+              <a:ext cx="1997982" cy="0"/>
+            </a:xfrm>
+            <a:prstGeom prst="line">
+              <a:avLst/>
+            </a:prstGeom>
+            <a:ln w="57150">
+              <a:solidFill>
+                <a:schemeClr val="accent1">
+                  <a:lumMod val="60000"/>
+                  <a:lumOff val="40000"/>
+                </a:schemeClr>
+              </a:solidFill>
+            </a:ln>
+          </p:spPr>
+          <p:style>
+            <a:lnRef idx="2">
+              <a:schemeClr val="dk1"/>
+            </a:lnRef>
+            <a:fillRef idx="0">
+              <a:schemeClr val="dk1"/>
+            </a:fillRef>
+            <a:effectRef idx="1">
+              <a:schemeClr val="dk1"/>
+            </a:effectRef>
+            <a:fontRef idx="minor">
+              <a:schemeClr val="tx1"/>
+            </a:fontRef>
+          </p:style>
+        </p:cxnSp>
+        <mc:AlternateContent xmlns:mc="http://schemas.openxmlformats.org/markup-compatibility/2006">
+          <mc:Choice xmlns:a14="http://schemas.microsoft.com/office/drawing/2010/main" Requires="a14">
+            <p:sp>
+              <p:nvSpPr>
+                <p:cNvPr id="18" name="TextBox 17">
+                  <a:extLst>
+                    <a:ext uri="{FF2B5EF4-FFF2-40B4-BE49-F238E27FC236}">
+                      <a16:creationId xmlns:a16="http://schemas.microsoft.com/office/drawing/2014/main" id="{D5FE618B-3A14-E195-3FF8-679946CC3EBA}"/>
+                    </a:ext>
+                  </a:extLst>
+                </p:cNvPr>
+                <p:cNvSpPr txBox="1"/>
+                <p:nvPr/>
+              </p:nvSpPr>
+              <p:spPr>
+                <a:xfrm>
+                  <a:off x="4662637" y="4403197"/>
+                  <a:ext cx="683515" cy="276999"/>
+                </a:xfrm>
+                <a:prstGeom prst="rect">
+                  <a:avLst/>
+                </a:prstGeom>
+                <a:noFill/>
+              </p:spPr>
+              <p:txBody>
+                <a:bodyPr wrap="square">
+                  <a:spAutoFit/>
+                </a:bodyPr>
+                <a:lstStyle/>
+                <a:p>
+                  <a14:m>
+                    <m:oMath xmlns:m="http://schemas.openxmlformats.org/officeDocument/2006/math">
+                      <m:sSub>
+                        <m:sSubPr>
+                          <m:ctrlPr>
+                            <a:rPr lang="en-US" sz="1200" b="0" i="1" smtClean="0">
+                              <a:solidFill>
+                                <a:schemeClr val="tx2">
+                                  <a:lumMod val="50000"/>
+                                  <a:lumOff val="50000"/>
+                                </a:schemeClr>
+                              </a:solidFill>
+                              <a:latin typeface="Cambria Math" panose="02040503050406030204" pitchFamily="18" charset="0"/>
+                            </a:rPr>
+                          </m:ctrlPr>
+                        </m:sSubPr>
+                        <m:e>
+                          <m:r>
+                            <a:rPr lang="en-US" sz="1200" b="0" i="1" smtClean="0">
+                              <a:solidFill>
+                                <a:schemeClr val="tx2">
+                                  <a:lumMod val="50000"/>
+                                  <a:lumOff val="50000"/>
+                                </a:schemeClr>
+                              </a:solidFill>
+                              <a:latin typeface="Cambria Math" panose="02040503050406030204" pitchFamily="18" charset="0"/>
+                            </a:rPr>
+                            <m:t>𝐸</m:t>
+                          </m:r>
+                        </m:e>
+                        <m:sub>
+                          <m:r>
+                            <a:rPr lang="en-US" sz="1200" b="0" i="1" smtClean="0">
+                              <a:solidFill>
+                                <a:schemeClr val="tx2">
+                                  <a:lumMod val="50000"/>
+                                  <a:lumOff val="50000"/>
+                                </a:schemeClr>
+                              </a:solidFill>
+                              <a:latin typeface="Cambria Math" panose="02040503050406030204" pitchFamily="18" charset="0"/>
+                            </a:rPr>
+                            <m:t>1</m:t>
+                          </m:r>
+                        </m:sub>
+                      </m:sSub>
+                    </m:oMath>
+                  </a14:m>
+                  <a:r>
+                    <a:rPr lang="en-US" sz="1200" dirty="0">
+                      <a:solidFill>
+                        <a:schemeClr val="tx2">
+                          <a:lumMod val="50000"/>
+                          <a:lumOff val="50000"/>
+                        </a:schemeClr>
+                      </a:solidFill>
+                      <a:latin typeface="+mj-lt"/>
+                    </a:rPr>
+                    <a:t>= ?</a:t>
+                  </a:r>
+                </a:p>
+              </p:txBody>
+            </p:sp>
+          </mc:Choice>
+          <mc:Fallback>
+            <p:sp>
+              <p:nvSpPr>
+                <p:cNvPr id="18" name="TextBox 17">
+                  <a:extLst>
+                    <a:ext uri="{FF2B5EF4-FFF2-40B4-BE49-F238E27FC236}">
+                      <a16:creationId xmlns:a16="http://schemas.microsoft.com/office/drawing/2014/main" id="{D5FE618B-3A14-E195-3FF8-679946CC3EBA}"/>
+                    </a:ext>
+                  </a:extLst>
+                </p:cNvPr>
+                <p:cNvSpPr txBox="1">
+                  <a:spLocks noRot="1" noChangeAspect="1" noMove="1" noResize="1" noEditPoints="1" noAdjustHandles="1" noChangeArrowheads="1" noChangeShapeType="1" noTextEdit="1"/>
+                </p:cNvSpPr>
+                <p:nvPr/>
+              </p:nvSpPr>
+              <p:spPr>
+                <a:xfrm>
+                  <a:off x="4662637" y="4403197"/>
+                  <a:ext cx="683515" cy="276999"/>
+                </a:xfrm>
+                <a:prstGeom prst="rect">
+                  <a:avLst/>
+                </a:prstGeom>
+                <a:blipFill>
+                  <a:blip r:embed="rId4"/>
+                  <a:stretch>
+                    <a:fillRect t="-2222" b="-17778"/>
+                  </a:stretch>
+                </a:blipFill>
+              </p:spPr>
+              <p:txBody>
+                <a:bodyPr/>
+                <a:lstStyle/>
+                <a:p>
+                  <a:r>
+                    <a:rPr lang="en-US">
+                      <a:noFill/>
+                    </a:rPr>
+                    <a:t> </a:t>
+                  </a:r>
+                </a:p>
+              </p:txBody>
+            </p:sp>
+          </mc:Fallback>
+        </mc:AlternateContent>
+        <mc:AlternateContent xmlns:mc="http://schemas.openxmlformats.org/markup-compatibility/2006">
+          <mc:Choice xmlns:a14="http://schemas.microsoft.com/office/drawing/2010/main" Requires="a14">
+            <p:sp>
+              <p:nvSpPr>
+                <p:cNvPr id="20" name="TextBox 19">
+                  <a:extLst>
+                    <a:ext uri="{FF2B5EF4-FFF2-40B4-BE49-F238E27FC236}">
+                      <a16:creationId xmlns:a16="http://schemas.microsoft.com/office/drawing/2014/main" id="{C90A4C82-AA11-0012-EE3A-B5610AC38154}"/>
+                    </a:ext>
+                  </a:extLst>
+                </p:cNvPr>
+                <p:cNvSpPr txBox="1"/>
+                <p:nvPr/>
+              </p:nvSpPr>
+              <p:spPr>
+                <a:xfrm>
+                  <a:off x="6572198" y="4420437"/>
+                  <a:ext cx="683515" cy="276999"/>
+                </a:xfrm>
+                <a:prstGeom prst="rect">
+                  <a:avLst/>
+                </a:prstGeom>
+                <a:noFill/>
+              </p:spPr>
+              <p:txBody>
+                <a:bodyPr wrap="square">
+                  <a:spAutoFit/>
+                </a:bodyPr>
+                <a:lstStyle/>
+                <a:p>
+                  <a14:m>
+                    <m:oMath xmlns:m="http://schemas.openxmlformats.org/officeDocument/2006/math">
+                      <m:sSub>
+                        <m:sSubPr>
+                          <m:ctrlPr>
+                            <a:rPr lang="en-US" sz="1200" b="0" i="1" smtClean="0">
+                              <a:solidFill>
+                                <a:schemeClr val="accent1">
+                                  <a:lumMod val="60000"/>
+                                  <a:lumOff val="40000"/>
+                                </a:schemeClr>
+                              </a:solidFill>
+                              <a:latin typeface="Cambria Math" panose="02040503050406030204" pitchFamily="18" charset="0"/>
+                            </a:rPr>
+                          </m:ctrlPr>
+                        </m:sSubPr>
+                        <m:e>
+                          <m:r>
+                            <a:rPr lang="en-US" sz="1200" b="0" i="1" smtClean="0">
+                              <a:solidFill>
+                                <a:schemeClr val="accent1">
+                                  <a:lumMod val="60000"/>
+                                  <a:lumOff val="40000"/>
+                                </a:schemeClr>
+                              </a:solidFill>
+                              <a:latin typeface="Cambria Math" panose="02040503050406030204" pitchFamily="18" charset="0"/>
+                            </a:rPr>
+                            <m:t>𝐸</m:t>
+                          </m:r>
+                        </m:e>
+                        <m:sub>
+                          <m:r>
+                            <a:rPr lang="en-US" sz="1200" b="0" i="1" smtClean="0">
+                              <a:solidFill>
+                                <a:schemeClr val="accent1">
+                                  <a:lumMod val="60000"/>
+                                  <a:lumOff val="40000"/>
+                                </a:schemeClr>
+                              </a:solidFill>
+                              <a:latin typeface="Cambria Math" panose="02040503050406030204" pitchFamily="18" charset="0"/>
+                            </a:rPr>
+                            <m:t>2</m:t>
+                          </m:r>
+                        </m:sub>
+                      </m:sSub>
+                    </m:oMath>
+                  </a14:m>
+                  <a:r>
+                    <a:rPr lang="en-US" sz="1200" dirty="0">
+                      <a:solidFill>
+                        <a:schemeClr val="accent1">
+                          <a:lumMod val="60000"/>
+                          <a:lumOff val="40000"/>
+                        </a:schemeClr>
+                      </a:solidFill>
+                      <a:latin typeface="+mj-lt"/>
+                    </a:rPr>
+                    <a:t>= ?</a:t>
+                  </a:r>
+                </a:p>
+              </p:txBody>
+            </p:sp>
+          </mc:Choice>
+          <mc:Fallback>
+            <p:sp>
+              <p:nvSpPr>
+                <p:cNvPr id="20" name="TextBox 19">
+                  <a:extLst>
+                    <a:ext uri="{FF2B5EF4-FFF2-40B4-BE49-F238E27FC236}">
+                      <a16:creationId xmlns:a16="http://schemas.microsoft.com/office/drawing/2014/main" id="{C90A4C82-AA11-0012-EE3A-B5610AC38154}"/>
+                    </a:ext>
+                  </a:extLst>
+                </p:cNvPr>
+                <p:cNvSpPr txBox="1">
+                  <a:spLocks noRot="1" noChangeAspect="1" noMove="1" noResize="1" noEditPoints="1" noAdjustHandles="1" noChangeArrowheads="1" noChangeShapeType="1" noTextEdit="1"/>
+                </p:cNvSpPr>
+                <p:nvPr/>
+              </p:nvSpPr>
+              <p:spPr>
+                <a:xfrm>
+                  <a:off x="6572198" y="4420437"/>
+                  <a:ext cx="683515" cy="276999"/>
+                </a:xfrm>
+                <a:prstGeom prst="rect">
+                  <a:avLst/>
+                </a:prstGeom>
+                <a:blipFill>
+                  <a:blip r:embed="rId5"/>
+                  <a:stretch>
+                    <a:fillRect t="-2222" b="-17778"/>
+                  </a:stretch>
+                </a:blipFill>
+              </p:spPr>
+              <p:txBody>
+                <a:bodyPr/>
+                <a:lstStyle/>
+                <a:p>
+                  <a:r>
+                    <a:rPr lang="en-US">
+                      <a:noFill/>
+                    </a:rPr>
+                    <a:t> </a:t>
+                  </a:r>
+                </a:p>
+              </p:txBody>
+            </p:sp>
+          </mc:Fallback>
+        </mc:AlternateContent>
+      </p:grpSp>
+      <mc:AlternateContent xmlns:mc="http://schemas.openxmlformats.org/markup-compatibility/2006">
+        <mc:Choice xmlns:a14="http://schemas.microsoft.com/office/drawing/2010/main" Requires="a14">
+          <p:sp>
+            <p:nvSpPr>
               <p:cNvPr id="22" name="TextBox 21">
                 <a:extLst>
                   <a:ext uri="{FF2B5EF4-FFF2-40B4-BE49-F238E27FC236}">
-                    <a16:creationId xmlns:a16="http://schemas.microsoft.com/office/drawing/2014/main" id="{127A57E7-0492-FBA9-6A95-D8E1FC852BE6}"/>
+                    <a16:creationId xmlns:a16="http://schemas.microsoft.com/office/drawing/2014/main" id="{8290AD42-13C9-A810-4999-25C440366F46}"/>
                   </a:ext>
                 </a:extLst>
               </p:cNvPr>
@@ -5886,7 +8592,7 @@
                       <m:sSub>
                         <m:sSubPr>
                           <m:ctrlPr>
-                            <a:rPr lang="en-US" i="1">
+                            <a:rPr lang="en-US" i="1" smtClean="0">
                               <a:latin typeface="Cambria Math" panose="02040503050406030204" pitchFamily="18" charset="0"/>
                             </a:rPr>
                           </m:ctrlPr>
@@ -6641,13 +9347,13 @@
             </p:txBody>
           </p:sp>
         </mc:Choice>
-        <mc:Fallback xmlns="">
+        <mc:Fallback>
           <p:sp>
             <p:nvSpPr>
               <p:cNvPr id="22" name="TextBox 21">
                 <a:extLst>
                   <a:ext uri="{FF2B5EF4-FFF2-40B4-BE49-F238E27FC236}">
-                    <a16:creationId xmlns:a16="http://schemas.microsoft.com/office/drawing/2014/main" id="{127A57E7-0492-FBA9-6A95-D8E1FC852BE6}"/>
+                    <a16:creationId xmlns:a16="http://schemas.microsoft.com/office/drawing/2014/main" id="{8290AD42-13C9-A810-4999-25C440366F46}"/>
                   </a:ext>
                 </a:extLst>
               </p:cNvPr>
@@ -6686,14 +9392,14 @@
           </p:sp>
         </mc:Fallback>
       </mc:AlternateContent>
-      <mc:AlternateContent xmlns:mc="http://schemas.openxmlformats.org/markup-compatibility/2006" xmlns:a14="http://schemas.microsoft.com/office/drawing/2010/main">
-        <mc:Choice Requires="a14">
+      <mc:AlternateContent xmlns:mc="http://schemas.openxmlformats.org/markup-compatibility/2006">
+        <mc:Choice xmlns:a14="http://schemas.microsoft.com/office/drawing/2010/main" Requires="a14">
           <p:sp>
             <p:nvSpPr>
               <p:cNvPr id="3" name="TextBox 2">
                 <a:extLst>
                   <a:ext uri="{FF2B5EF4-FFF2-40B4-BE49-F238E27FC236}">
-                    <a16:creationId xmlns:a16="http://schemas.microsoft.com/office/drawing/2014/main" id="{13D2AE75-668D-59D3-8336-FEDBD2798B65}"/>
+                    <a16:creationId xmlns:a16="http://schemas.microsoft.com/office/drawing/2014/main" id="{F3748884-677C-C2CB-D6BA-0CCAA7F935E6}"/>
                   </a:ext>
                 </a:extLst>
               </p:cNvPr>
@@ -6771,13 +9477,13 @@
             </p:txBody>
           </p:sp>
         </mc:Choice>
-        <mc:Fallback xmlns="">
+        <mc:Fallback>
           <p:sp>
             <p:nvSpPr>
               <p:cNvPr id="3" name="TextBox 2">
                 <a:extLst>
                   <a:ext uri="{FF2B5EF4-FFF2-40B4-BE49-F238E27FC236}">
-                    <a16:creationId xmlns:a16="http://schemas.microsoft.com/office/drawing/2014/main" id="{13D2AE75-668D-59D3-8336-FEDBD2798B65}"/>
+                    <a16:creationId xmlns:a16="http://schemas.microsoft.com/office/drawing/2014/main" id="{F3748884-677C-C2CB-D6BA-0CCAA7F935E6}"/>
                   </a:ext>
                 </a:extLst>
               </p:cNvPr>
@@ -6819,7 +9525,7 @@
     </p:spTree>
     <p:extLst>
       <p:ext uri="{BB962C8B-B14F-4D97-AF65-F5344CB8AC3E}">
-        <p14:creationId xmlns:p14="http://schemas.microsoft.com/office/powerpoint/2010/main" val="162267258"/>
+        <p14:creationId xmlns:p14="http://schemas.microsoft.com/office/powerpoint/2010/main" val="2556744839"/>
       </p:ext>
     </p:extLst>
   </p:cSld>
@@ -6829,7 +9535,7 @@
 </p:sld>
 </file>
 
-<file path=ppt/slides/slide11.xml><?xml version="1.0" encoding="utf-8"?>
+<file path=ppt/slides/slide13.xml><?xml version="1.0" encoding="utf-8"?>
 <p:sld xmlns:a="http://schemas.openxmlformats.org/drawingml/2006/main" xmlns:r="http://schemas.openxmlformats.org/officeDocument/2006/relationships" xmlns:p="http://schemas.openxmlformats.org/presentationml/2006/main">
   <p:cSld>
     <p:spTree>
@@ -6905,7 +9611,7 @@
           <a:p>
             <a:fld id="{D95F4311-C1C1-468E-90BA-469E1A493750}" type="slidenum">
               <a:rPr lang="en-US" smtClean="0"/>
-              <a:t>11</a:t>
+              <a:t>13</a:t>
             </a:fld>
             <a:endParaRPr lang="en-US"/>
           </a:p>
@@ -8262,12 +10968,6 @@
                   </a:rPr>
                   <a:t>✗</a:t>
                 </a:r>
-                <a:endParaRPr lang="en-US" dirty="0">
-                  <a:solidFill>
-                    <a:schemeClr val="accent6"/>
-                  </a:solidFill>
-                  <a:latin typeface="+mj-lt"/>
-                </a:endParaRPr>
               </a:p>
               <a:p>
                 <a:endParaRPr lang="en-US" dirty="0">
@@ -8476,7 +11176,7 @@
 </p:sld>
 </file>
 
-<file path=ppt/slides/slide12.xml><?xml version="1.0" encoding="utf-8"?>
+<file path=ppt/slides/slide14.xml><?xml version="1.0" encoding="utf-8"?>
 <p:sld xmlns:a="http://schemas.openxmlformats.org/drawingml/2006/main" xmlns:r="http://schemas.openxmlformats.org/officeDocument/2006/relationships" xmlns:p="http://schemas.openxmlformats.org/presentationml/2006/main">
   <p:cSld>
     <p:spTree>
@@ -8552,7 +11252,7 @@
           <a:p>
             <a:fld id="{D95F4311-C1C1-468E-90BA-469E1A493750}" type="slidenum">
               <a:rPr lang="en-US" smtClean="0"/>
-              <a:t>12</a:t>
+              <a:t>14</a:t>
             </a:fld>
             <a:endParaRPr lang="en-US"/>
           </a:p>
